--- a/230303.pptx
+++ b/230303.pptx
@@ -104,6 +104,11 @@
       </a:defRPr>
     </a:lvl9pPr>
   </p:defaultTextStyle>
+  <p:extLst>
+    <p:ext uri="{EFAFB233-063F-42B5-8137-9DF3F51BA10A}">
+      <p15:sldGuideLst xmlns:p15="http://schemas.microsoft.com/office/powerpoint/2012/main"/>
+    </p:ext>
+  </p:extLst>
 </p:presentation>
 </file>
 
@@ -256,7 +261,7 @@
           <a:p>
             <a:fld id="{E8B377FB-4007-D149-8348-1D1D76D93497}" type="datetimeFigureOut">
               <a:rPr kumimoji="1" lang="ko-Kore-KR" altLang="en-US" smtClean="0"/>
-              <a:t>2023. 3. 3.</a:t>
+              <a:t>2023. 3. 6.</a:t>
             </a:fld>
             <a:endParaRPr kumimoji="1" lang="ko-Kore-KR" altLang="en-US"/>
           </a:p>
@@ -456,7 +461,7 @@
           <a:p>
             <a:fld id="{E8B377FB-4007-D149-8348-1D1D76D93497}" type="datetimeFigureOut">
               <a:rPr kumimoji="1" lang="ko-Kore-KR" altLang="en-US" smtClean="0"/>
-              <a:t>2023. 3. 3.</a:t>
+              <a:t>2023. 3. 6.</a:t>
             </a:fld>
             <a:endParaRPr kumimoji="1" lang="ko-Kore-KR" altLang="en-US"/>
           </a:p>
@@ -666,7 +671,7 @@
           <a:p>
             <a:fld id="{E8B377FB-4007-D149-8348-1D1D76D93497}" type="datetimeFigureOut">
               <a:rPr kumimoji="1" lang="ko-Kore-KR" altLang="en-US" smtClean="0"/>
-              <a:t>2023. 3. 3.</a:t>
+              <a:t>2023. 3. 6.</a:t>
             </a:fld>
             <a:endParaRPr kumimoji="1" lang="ko-Kore-KR" altLang="en-US"/>
           </a:p>
@@ -866,7 +871,7 @@
           <a:p>
             <a:fld id="{E8B377FB-4007-D149-8348-1D1D76D93497}" type="datetimeFigureOut">
               <a:rPr kumimoji="1" lang="ko-Kore-KR" altLang="en-US" smtClean="0"/>
-              <a:t>2023. 3. 3.</a:t>
+              <a:t>2023. 3. 6.</a:t>
             </a:fld>
             <a:endParaRPr kumimoji="1" lang="ko-Kore-KR" altLang="en-US"/>
           </a:p>
@@ -1142,7 +1147,7 @@
           <a:p>
             <a:fld id="{E8B377FB-4007-D149-8348-1D1D76D93497}" type="datetimeFigureOut">
               <a:rPr kumimoji="1" lang="ko-Kore-KR" altLang="en-US" smtClean="0"/>
-              <a:t>2023. 3. 3.</a:t>
+              <a:t>2023. 3. 6.</a:t>
             </a:fld>
             <a:endParaRPr kumimoji="1" lang="ko-Kore-KR" altLang="en-US"/>
           </a:p>
@@ -1410,7 +1415,7 @@
           <a:p>
             <a:fld id="{E8B377FB-4007-D149-8348-1D1D76D93497}" type="datetimeFigureOut">
               <a:rPr kumimoji="1" lang="ko-Kore-KR" altLang="en-US" smtClean="0"/>
-              <a:t>2023. 3. 3.</a:t>
+              <a:t>2023. 3. 6.</a:t>
             </a:fld>
             <a:endParaRPr kumimoji="1" lang="ko-Kore-KR" altLang="en-US"/>
           </a:p>
@@ -1825,7 +1830,7 @@
           <a:p>
             <a:fld id="{E8B377FB-4007-D149-8348-1D1D76D93497}" type="datetimeFigureOut">
               <a:rPr kumimoji="1" lang="ko-Kore-KR" altLang="en-US" smtClean="0"/>
-              <a:t>2023. 3. 3.</a:t>
+              <a:t>2023. 3. 6.</a:t>
             </a:fld>
             <a:endParaRPr kumimoji="1" lang="ko-Kore-KR" altLang="en-US"/>
           </a:p>
@@ -1967,7 +1972,7 @@
           <a:p>
             <a:fld id="{E8B377FB-4007-D149-8348-1D1D76D93497}" type="datetimeFigureOut">
               <a:rPr kumimoji="1" lang="ko-Kore-KR" altLang="en-US" smtClean="0"/>
-              <a:t>2023. 3. 3.</a:t>
+              <a:t>2023. 3. 6.</a:t>
             </a:fld>
             <a:endParaRPr kumimoji="1" lang="ko-Kore-KR" altLang="en-US"/>
           </a:p>
@@ -2080,7 +2085,7 @@
           <a:p>
             <a:fld id="{E8B377FB-4007-D149-8348-1D1D76D93497}" type="datetimeFigureOut">
               <a:rPr kumimoji="1" lang="ko-Kore-KR" altLang="en-US" smtClean="0"/>
-              <a:t>2023. 3. 3.</a:t>
+              <a:t>2023. 3. 6.</a:t>
             </a:fld>
             <a:endParaRPr kumimoji="1" lang="ko-Kore-KR" altLang="en-US"/>
           </a:p>
@@ -2393,7 +2398,7 @@
           <a:p>
             <a:fld id="{E8B377FB-4007-D149-8348-1D1D76D93497}" type="datetimeFigureOut">
               <a:rPr kumimoji="1" lang="ko-Kore-KR" altLang="en-US" smtClean="0"/>
-              <a:t>2023. 3. 3.</a:t>
+              <a:t>2023. 3. 6.</a:t>
             </a:fld>
             <a:endParaRPr kumimoji="1" lang="ko-Kore-KR" altLang="en-US"/>
           </a:p>
@@ -2682,7 +2687,7 @@
           <a:p>
             <a:fld id="{E8B377FB-4007-D149-8348-1D1D76D93497}" type="datetimeFigureOut">
               <a:rPr kumimoji="1" lang="ko-Kore-KR" altLang="en-US" smtClean="0"/>
-              <a:t>2023. 3. 3.</a:t>
+              <a:t>2023. 3. 6.</a:t>
             </a:fld>
             <a:endParaRPr kumimoji="1" lang="ko-Kore-KR" altLang="en-US"/>
           </a:p>
@@ -2925,7 +2930,7 @@
           <a:p>
             <a:fld id="{E8B377FB-4007-D149-8348-1D1D76D93497}" type="datetimeFigureOut">
               <a:rPr kumimoji="1" lang="ko-Kore-KR" altLang="en-US" smtClean="0"/>
-              <a:t>2023. 3. 3.</a:t>
+              <a:t>2023. 3. 6.</a:t>
             </a:fld>
             <a:endParaRPr kumimoji="1" lang="ko-Kore-KR" altLang="en-US"/>
           </a:p>
@@ -3816,7 +3821,7 @@
         <p:spPr>
           <a:xfrm>
             <a:off x="9543392" y="224502"/>
-            <a:ext cx="1187669" cy="369332"/>
+            <a:ext cx="1597574" cy="369332"/>
           </a:xfrm>
           <a:prstGeom prst="rect">
             <a:avLst/>
@@ -3834,7 +3839,19 @@
               <a:rPr lang="en-US" altLang="ko-Kore-KR" dirty="0">
                 <a:latin typeface="DM Mono" panose="020B0509040201040103" pitchFamily="49" charset="0"/>
               </a:rPr>
-              <a:t>TEXT</a:t>
+              <a:t>TEXT(.</a:t>
+            </a:r>
+            <a:r>
+              <a:rPr lang="en-US" altLang="ko-Kore-KR" dirty="0" err="1">
+                <a:latin typeface="DM Mono" panose="020B0509040201040103" pitchFamily="49" charset="0"/>
+              </a:rPr>
+              <a:t>ro</a:t>
+            </a:r>
+            <a:r>
+              <a:rPr lang="en-US" altLang="ko-Kore-KR" dirty="0">
+                <a:latin typeface="DM Mono" panose="020B0509040201040103" pitchFamily="49" charset="0"/>
+              </a:rPr>
+              <a:t>)</a:t>
             </a:r>
             <a:endParaRPr lang="ko-Kore-KR" altLang="en-US" dirty="0"/>
           </a:p>

--- a/230303.pptx
+++ b/230303.pptx
@@ -6,6 +6,11 @@
   </p:sldMasterIdLst>
   <p:sldIdLst>
     <p:sldId id="256" r:id="rId2"/>
+    <p:sldId id="257" r:id="rId3"/>
+    <p:sldId id="258" r:id="rId4"/>
+    <p:sldId id="259" r:id="rId5"/>
+    <p:sldId id="260" r:id="rId6"/>
+    <p:sldId id="261" r:id="rId7"/>
   </p:sldIdLst>
   <p:sldSz cx="12192000" cy="6858000"/>
   <p:notesSz cx="6858000" cy="9144000"/>
@@ -3861,6 +3866,2270 @@
     <p:extLst>
       <p:ext uri="{BB962C8B-B14F-4D97-AF65-F5344CB8AC3E}">
         <p14:creationId xmlns:p14="http://schemas.microsoft.com/office/powerpoint/2010/main" val="1315616096"/>
+      </p:ext>
+    </p:extLst>
+  </p:cSld>
+  <p:clrMapOvr>
+    <a:masterClrMapping/>
+  </p:clrMapOvr>
+</p:sld>
+</file>
+
+<file path=ppt/slides/slide2.xml><?xml version="1.0" encoding="utf-8"?>
+<p:sld xmlns:a="http://schemas.openxmlformats.org/drawingml/2006/main" xmlns:r="http://schemas.openxmlformats.org/officeDocument/2006/relationships" xmlns:p="http://schemas.openxmlformats.org/presentationml/2006/main">
+  <p:cSld>
+    <p:spTree>
+      <p:nvGrpSpPr>
+        <p:cNvPr id="1" name=""/>
+        <p:cNvGrpSpPr/>
+        <p:nvPr/>
+      </p:nvGrpSpPr>
+      <p:grpSpPr>
+        <a:xfrm>
+          <a:off x="0" y="0"/>
+          <a:ext cx="0" cy="0"/>
+          <a:chOff x="0" y="0"/>
+          <a:chExt cx="0" cy="0"/>
+        </a:xfrm>
+      </p:grpSpPr>
+      <p:sp>
+        <p:nvSpPr>
+          <p:cNvPr id="5" name="TextBox 4">
+            <a:extLst>
+              <a:ext uri="{FF2B5EF4-FFF2-40B4-BE49-F238E27FC236}">
+                <a16:creationId xmlns:a16="http://schemas.microsoft.com/office/drawing/2014/main" id="{5B87F660-B6FF-CA77-E37D-589CCC0A037D}"/>
+              </a:ext>
+            </a:extLst>
+          </p:cNvPr>
+          <p:cNvSpPr txBox="1"/>
+          <p:nvPr/>
+        </p:nvSpPr>
+        <p:spPr>
+          <a:xfrm>
+            <a:off x="672662" y="268125"/>
+            <a:ext cx="6096000" cy="2585323"/>
+          </a:xfrm>
+          <a:prstGeom prst="rect">
+            <a:avLst/>
+          </a:prstGeom>
+          <a:noFill/>
+        </p:spPr>
+        <p:txBody>
+          <a:bodyPr wrap="square">
+            <a:spAutoFit/>
+          </a:bodyPr>
+          <a:lstStyle/>
+          <a:p>
+            <a:r>
+              <a:rPr lang="ko-Kore-KR" altLang="en-US" dirty="0">
+                <a:latin typeface="DM Mono" panose="020B0509040201040103" pitchFamily="49" charset="0"/>
+              </a:rPr>
+              <a:t>int main()</a:t>
+            </a:r>
+          </a:p>
+          <a:p>
+            <a:r>
+              <a:rPr lang="ko-Kore-KR" altLang="en-US" dirty="0">
+                <a:latin typeface="DM Mono" panose="020B0509040201040103" pitchFamily="49" charset="0"/>
+              </a:rPr>
+              <a:t>{</a:t>
+            </a:r>
+          </a:p>
+          <a:p>
+            <a:r>
+              <a:rPr lang="ko-Kore-KR" altLang="en-US" dirty="0">
+                <a:latin typeface="DM Mono" panose="020B0509040201040103" pitchFamily="49" charset="0"/>
+              </a:rPr>
+              <a:t>    int n = 10;</a:t>
+            </a:r>
+          </a:p>
+          <a:p>
+            <a:endParaRPr lang="ko-Kore-KR" altLang="en-US" dirty="0">
+              <a:latin typeface="DM Mono" panose="020B0509040201040103" pitchFamily="49" charset="0"/>
+            </a:endParaRPr>
+          </a:p>
+          <a:p>
+            <a:r>
+              <a:rPr lang="ko-Kore-KR" altLang="en-US" dirty="0">
+                <a:latin typeface="DM Mono" panose="020B0509040201040103" pitchFamily="49" charset="0"/>
+              </a:rPr>
+              <a:t>    int* p = &amp;n;</a:t>
+            </a:r>
+          </a:p>
+          <a:p>
+            <a:endParaRPr lang="ko-Kore-KR" altLang="en-US" dirty="0">
+              <a:latin typeface="DM Mono" panose="020B0509040201040103" pitchFamily="49" charset="0"/>
+            </a:endParaRPr>
+          </a:p>
+          <a:p>
+            <a:r>
+              <a:rPr lang="ko-Kore-KR" altLang="en-US" dirty="0">
+                <a:latin typeface="DM Mono" panose="020B0509040201040103" pitchFamily="49" charset="0"/>
+              </a:rPr>
+              <a:t>    *p = 100;</a:t>
+            </a:r>
+          </a:p>
+          <a:p>
+            <a:r>
+              <a:rPr lang="ko-Kore-KR" altLang="en-US" dirty="0">
+                <a:latin typeface="DM Mono" panose="020B0509040201040103" pitchFamily="49" charset="0"/>
+              </a:rPr>
+              <a:t>    cout &lt;&lt; *p &lt;&lt; endl;</a:t>
+            </a:r>
+          </a:p>
+          <a:p>
+            <a:r>
+              <a:rPr lang="ko-Kore-KR" altLang="en-US" dirty="0">
+                <a:latin typeface="DM Mono" panose="020B0509040201040103" pitchFamily="49" charset="0"/>
+              </a:rPr>
+              <a:t>}</a:t>
+            </a:r>
+          </a:p>
+        </p:txBody>
+      </p:sp>
+      <p:sp>
+        <p:nvSpPr>
+          <p:cNvPr id="6" name="직사각형 5">
+            <a:extLst>
+              <a:ext uri="{FF2B5EF4-FFF2-40B4-BE49-F238E27FC236}">
+                <a16:creationId xmlns:a16="http://schemas.microsoft.com/office/drawing/2014/main" id="{1C9AF545-0782-013B-F690-97B762F3D5AD}"/>
+              </a:ext>
+            </a:extLst>
+          </p:cNvPr>
+          <p:cNvSpPr/>
+          <p:nvPr/>
+        </p:nvSpPr>
+        <p:spPr>
+          <a:xfrm>
+            <a:off x="5055476" y="1008882"/>
+            <a:ext cx="5612524" cy="3689131"/>
+          </a:xfrm>
+          <a:prstGeom prst="rect">
+            <a:avLst/>
+          </a:prstGeom>
+          <a:solidFill>
+            <a:schemeClr val="bg1"/>
+          </a:solidFill>
+        </p:spPr>
+        <p:style>
+          <a:lnRef idx="2">
+            <a:schemeClr val="accent1">
+              <a:shade val="50000"/>
+            </a:schemeClr>
+          </a:lnRef>
+          <a:fillRef idx="1">
+            <a:schemeClr val="accent1"/>
+          </a:fillRef>
+          <a:effectRef idx="0">
+            <a:schemeClr val="accent1"/>
+          </a:effectRef>
+          <a:fontRef idx="minor">
+            <a:schemeClr val="lt1"/>
+          </a:fontRef>
+        </p:style>
+        <p:txBody>
+          <a:bodyPr rtlCol="0" anchor="ctr"/>
+          <a:lstStyle/>
+          <a:p>
+            <a:pPr algn="ctr"/>
+            <a:endParaRPr kumimoji="1" lang="ko-Kore-KR" altLang="en-US"/>
+          </a:p>
+        </p:txBody>
+      </p:sp>
+      <p:sp>
+        <p:nvSpPr>
+          <p:cNvPr id="7" name="TextBox 6">
+            <a:extLst>
+              <a:ext uri="{FF2B5EF4-FFF2-40B4-BE49-F238E27FC236}">
+                <a16:creationId xmlns:a16="http://schemas.microsoft.com/office/drawing/2014/main" id="{B14D4A12-0197-0648-30B3-AE6EBC1BEC63}"/>
+              </a:ext>
+            </a:extLst>
+          </p:cNvPr>
+          <p:cNvSpPr txBox="1"/>
+          <p:nvPr/>
+        </p:nvSpPr>
+        <p:spPr>
+          <a:xfrm>
+            <a:off x="7194331" y="639550"/>
+            <a:ext cx="1187669" cy="369332"/>
+          </a:xfrm>
+          <a:prstGeom prst="rect">
+            <a:avLst/>
+          </a:prstGeom>
+          <a:noFill/>
+        </p:spPr>
+        <p:txBody>
+          <a:bodyPr wrap="square">
+            <a:spAutoFit/>
+          </a:bodyPr>
+          <a:lstStyle/>
+          <a:p>
+            <a:pPr algn="ctr"/>
+            <a:r>
+              <a:rPr lang="ko-Kore-KR" altLang="en-US" dirty="0">
+                <a:latin typeface="DM Mono" panose="020B0509040201040103" pitchFamily="49" charset="0"/>
+              </a:rPr>
+              <a:t>main</a:t>
+            </a:r>
+            <a:endParaRPr lang="ko-Kore-KR" altLang="en-US" dirty="0"/>
+          </a:p>
+        </p:txBody>
+      </p:sp>
+      <p:sp>
+        <p:nvSpPr>
+          <p:cNvPr id="8" name="직사각형 7">
+            <a:extLst>
+              <a:ext uri="{FF2B5EF4-FFF2-40B4-BE49-F238E27FC236}">
+                <a16:creationId xmlns:a16="http://schemas.microsoft.com/office/drawing/2014/main" id="{53C7E6E1-EDB4-B801-05E3-E15014B4BE3B}"/>
+              </a:ext>
+            </a:extLst>
+          </p:cNvPr>
+          <p:cNvSpPr/>
+          <p:nvPr/>
+        </p:nvSpPr>
+        <p:spPr>
+          <a:xfrm>
+            <a:off x="6032938" y="1415845"/>
+            <a:ext cx="1019503" cy="451945"/>
+          </a:xfrm>
+          <a:prstGeom prst="rect">
+            <a:avLst/>
+          </a:prstGeom>
+          <a:solidFill>
+            <a:srgbClr val="FFFF00"/>
+          </a:solidFill>
+        </p:spPr>
+        <p:style>
+          <a:lnRef idx="2">
+            <a:schemeClr val="accent1">
+              <a:shade val="50000"/>
+            </a:schemeClr>
+          </a:lnRef>
+          <a:fillRef idx="1">
+            <a:schemeClr val="accent1"/>
+          </a:fillRef>
+          <a:effectRef idx="0">
+            <a:schemeClr val="accent1"/>
+          </a:effectRef>
+          <a:fontRef idx="minor">
+            <a:schemeClr val="lt1"/>
+          </a:fontRef>
+        </p:style>
+        <p:txBody>
+          <a:bodyPr rtlCol="0" anchor="ctr"/>
+          <a:lstStyle/>
+          <a:p>
+            <a:pPr algn="ctr"/>
+            <a:r>
+              <a:rPr kumimoji="1" lang="en-US" altLang="ko-Kore-KR" dirty="0">
+                <a:solidFill>
+                  <a:schemeClr val="tx1"/>
+                </a:solidFill>
+                <a:latin typeface="DM Mono" panose="020B0509040201040103" pitchFamily="49" charset="0"/>
+              </a:rPr>
+              <a:t>10</a:t>
+            </a:r>
+            <a:endParaRPr kumimoji="1" lang="ko-Kore-KR" altLang="en-US" dirty="0">
+              <a:solidFill>
+                <a:schemeClr val="tx1"/>
+              </a:solidFill>
+              <a:latin typeface="DM Mono" panose="020B0509040201040103" pitchFamily="49" charset="0"/>
+            </a:endParaRPr>
+          </a:p>
+        </p:txBody>
+      </p:sp>
+      <p:sp>
+        <p:nvSpPr>
+          <p:cNvPr id="9" name="TextBox 8">
+            <a:extLst>
+              <a:ext uri="{FF2B5EF4-FFF2-40B4-BE49-F238E27FC236}">
+                <a16:creationId xmlns:a16="http://schemas.microsoft.com/office/drawing/2014/main" id="{21A94303-6DEB-249B-14B6-E01CACE75F96}"/>
+              </a:ext>
+            </a:extLst>
+          </p:cNvPr>
+          <p:cNvSpPr txBox="1"/>
+          <p:nvPr/>
+        </p:nvSpPr>
+        <p:spPr>
+          <a:xfrm>
+            <a:off x="5507421" y="1457151"/>
+            <a:ext cx="525518" cy="369332"/>
+          </a:xfrm>
+          <a:prstGeom prst="rect">
+            <a:avLst/>
+          </a:prstGeom>
+          <a:noFill/>
+        </p:spPr>
+        <p:txBody>
+          <a:bodyPr wrap="square">
+            <a:spAutoFit/>
+          </a:bodyPr>
+          <a:lstStyle/>
+          <a:p>
+            <a:pPr algn="r"/>
+            <a:r>
+              <a:rPr lang="en-US" altLang="ko-Kore-KR" dirty="0">
+                <a:latin typeface="DM Mono" panose="020B0509040201040103" pitchFamily="49" charset="0"/>
+              </a:rPr>
+              <a:t>n</a:t>
+            </a:r>
+            <a:endParaRPr lang="ko-Kore-KR" altLang="en-US" dirty="0"/>
+          </a:p>
+        </p:txBody>
+      </p:sp>
+      <p:sp>
+        <p:nvSpPr>
+          <p:cNvPr id="11" name="TextBox 10">
+            <a:extLst>
+              <a:ext uri="{FF2B5EF4-FFF2-40B4-BE49-F238E27FC236}">
+                <a16:creationId xmlns:a16="http://schemas.microsoft.com/office/drawing/2014/main" id="{580EFB5E-FE3C-E5E6-F651-252F97338CE4}"/>
+              </a:ext>
+            </a:extLst>
+          </p:cNvPr>
+          <p:cNvSpPr txBox="1"/>
+          <p:nvPr/>
+        </p:nvSpPr>
+        <p:spPr>
+          <a:xfrm>
+            <a:off x="5665075" y="1154235"/>
+            <a:ext cx="735724" cy="261610"/>
+          </a:xfrm>
+          <a:prstGeom prst="rect">
+            <a:avLst/>
+          </a:prstGeom>
+          <a:noFill/>
+        </p:spPr>
+        <p:txBody>
+          <a:bodyPr wrap="square">
+            <a:spAutoFit/>
+          </a:bodyPr>
+          <a:lstStyle/>
+          <a:p>
+            <a:r>
+              <a:rPr kumimoji="1" lang="en-US" altLang="ko-Kore-KR" sz="1100" dirty="0">
+                <a:solidFill>
+                  <a:schemeClr val="tx1"/>
+                </a:solidFill>
+                <a:latin typeface="DM Mono" panose="020B0509040201040103" pitchFamily="49" charset="0"/>
+              </a:rPr>
+              <a:t>0x1000</a:t>
+            </a:r>
+            <a:endParaRPr lang="ko-Kore-KR" altLang="en-US" sz="1100" dirty="0"/>
+          </a:p>
+        </p:txBody>
+      </p:sp>
+      <p:sp>
+        <p:nvSpPr>
+          <p:cNvPr id="12" name="직사각형 11">
+            <a:extLst>
+              <a:ext uri="{FF2B5EF4-FFF2-40B4-BE49-F238E27FC236}">
+                <a16:creationId xmlns:a16="http://schemas.microsoft.com/office/drawing/2014/main" id="{87992FE3-160C-3C96-C460-93C36C0D5ADE}"/>
+              </a:ext>
+            </a:extLst>
+          </p:cNvPr>
+          <p:cNvSpPr/>
+          <p:nvPr/>
+        </p:nvSpPr>
+        <p:spPr>
+          <a:xfrm>
+            <a:off x="7202213" y="2197281"/>
+            <a:ext cx="2359573" cy="451945"/>
+          </a:xfrm>
+          <a:prstGeom prst="rect">
+            <a:avLst/>
+          </a:prstGeom>
+          <a:solidFill>
+            <a:srgbClr val="FFFF00"/>
+          </a:solidFill>
+        </p:spPr>
+        <p:style>
+          <a:lnRef idx="2">
+            <a:schemeClr val="accent1">
+              <a:shade val="50000"/>
+            </a:schemeClr>
+          </a:lnRef>
+          <a:fillRef idx="1">
+            <a:schemeClr val="accent1"/>
+          </a:fillRef>
+          <a:effectRef idx="0">
+            <a:schemeClr val="accent1"/>
+          </a:effectRef>
+          <a:fontRef idx="minor">
+            <a:schemeClr val="lt1"/>
+          </a:fontRef>
+        </p:style>
+        <p:txBody>
+          <a:bodyPr rtlCol="0" anchor="ctr"/>
+          <a:lstStyle/>
+          <a:p>
+            <a:pPr algn="ctr"/>
+            <a:r>
+              <a:rPr kumimoji="1" lang="en-US" altLang="ko-Kore-KR" dirty="0">
+                <a:solidFill>
+                  <a:schemeClr val="tx1"/>
+                </a:solidFill>
+                <a:latin typeface="DM Mono" panose="020B0509040201040103" pitchFamily="49" charset="0"/>
+              </a:rPr>
+              <a:t>0x1000</a:t>
+            </a:r>
+            <a:endParaRPr kumimoji="1" lang="ko-Kore-KR" altLang="en-US" dirty="0">
+              <a:solidFill>
+                <a:schemeClr val="tx1"/>
+              </a:solidFill>
+              <a:latin typeface="DM Mono" panose="020B0509040201040103" pitchFamily="49" charset="0"/>
+            </a:endParaRPr>
+          </a:p>
+        </p:txBody>
+      </p:sp>
+      <p:sp>
+        <p:nvSpPr>
+          <p:cNvPr id="13" name="TextBox 12">
+            <a:extLst>
+              <a:ext uri="{FF2B5EF4-FFF2-40B4-BE49-F238E27FC236}">
+                <a16:creationId xmlns:a16="http://schemas.microsoft.com/office/drawing/2014/main" id="{B8EE2E8B-6897-E707-CAE5-37468E57CA13}"/>
+              </a:ext>
+            </a:extLst>
+          </p:cNvPr>
+          <p:cNvSpPr txBox="1"/>
+          <p:nvPr/>
+        </p:nvSpPr>
+        <p:spPr>
+          <a:xfrm>
+            <a:off x="6676696" y="2238587"/>
+            <a:ext cx="525518" cy="369332"/>
+          </a:xfrm>
+          <a:prstGeom prst="rect">
+            <a:avLst/>
+          </a:prstGeom>
+          <a:noFill/>
+        </p:spPr>
+        <p:txBody>
+          <a:bodyPr wrap="square">
+            <a:spAutoFit/>
+          </a:bodyPr>
+          <a:lstStyle/>
+          <a:p>
+            <a:pPr algn="r"/>
+            <a:r>
+              <a:rPr lang="en-US" altLang="ko-Kore-KR" dirty="0">
+                <a:latin typeface="DM Mono" panose="020B0509040201040103" pitchFamily="49" charset="0"/>
+              </a:rPr>
+              <a:t>p</a:t>
+            </a:r>
+            <a:endParaRPr lang="ko-Kore-KR" altLang="en-US" dirty="0"/>
+          </a:p>
+        </p:txBody>
+      </p:sp>
+      <p:cxnSp>
+        <p:nvCxnSpPr>
+          <p:cNvPr id="15" name="구부러진 연결선[U] 14">
+            <a:extLst>
+              <a:ext uri="{FF2B5EF4-FFF2-40B4-BE49-F238E27FC236}">
+                <a16:creationId xmlns:a16="http://schemas.microsoft.com/office/drawing/2014/main" id="{E970E7C7-4E98-C809-9427-A6550DE6AD39}"/>
+              </a:ext>
+            </a:extLst>
+          </p:cNvPr>
+          <p:cNvCxnSpPr>
+            <a:stCxn id="12" idx="0"/>
+            <a:endCxn id="8" idx="0"/>
+          </p:cNvCxnSpPr>
+          <p:nvPr/>
+        </p:nvCxnSpPr>
+        <p:spPr>
+          <a:xfrm rot="16200000" flipV="1">
+            <a:off x="7071627" y="886908"/>
+            <a:ext cx="781436" cy="1839310"/>
+          </a:xfrm>
+          <a:prstGeom prst="curvedConnector3">
+            <a:avLst>
+              <a:gd name="adj1" fmla="val 129254"/>
+            </a:avLst>
+          </a:prstGeom>
+          <a:ln>
+            <a:tailEnd type="triangle"/>
+          </a:ln>
+        </p:spPr>
+        <p:style>
+          <a:lnRef idx="1">
+            <a:schemeClr val="dk1"/>
+          </a:lnRef>
+          <a:fillRef idx="0">
+            <a:schemeClr val="dk1"/>
+          </a:fillRef>
+          <a:effectRef idx="0">
+            <a:schemeClr val="dk1"/>
+          </a:effectRef>
+          <a:fontRef idx="minor">
+            <a:schemeClr val="tx1"/>
+          </a:fontRef>
+        </p:style>
+      </p:cxnSp>
+    </p:spTree>
+    <p:extLst>
+      <p:ext uri="{BB962C8B-B14F-4D97-AF65-F5344CB8AC3E}">
+        <p14:creationId xmlns:p14="http://schemas.microsoft.com/office/powerpoint/2010/main" val="1975084592"/>
+      </p:ext>
+    </p:extLst>
+  </p:cSld>
+  <p:clrMapOvr>
+    <a:masterClrMapping/>
+  </p:clrMapOvr>
+</p:sld>
+</file>
+
+<file path=ppt/slides/slide3.xml><?xml version="1.0" encoding="utf-8"?>
+<p:sld xmlns:a="http://schemas.openxmlformats.org/drawingml/2006/main" xmlns:r="http://schemas.openxmlformats.org/officeDocument/2006/relationships" xmlns:p="http://schemas.openxmlformats.org/presentationml/2006/main">
+  <p:cSld>
+    <p:spTree>
+      <p:nvGrpSpPr>
+        <p:cNvPr id="1" name=""/>
+        <p:cNvGrpSpPr/>
+        <p:nvPr/>
+      </p:nvGrpSpPr>
+      <p:grpSpPr>
+        <a:xfrm>
+          <a:off x="0" y="0"/>
+          <a:ext cx="0" cy="0"/>
+          <a:chOff x="0" y="0"/>
+          <a:chExt cx="0" cy="0"/>
+        </a:xfrm>
+      </p:grpSpPr>
+      <p:sp>
+        <p:nvSpPr>
+          <p:cNvPr id="5" name="TextBox 4">
+            <a:extLst>
+              <a:ext uri="{FF2B5EF4-FFF2-40B4-BE49-F238E27FC236}">
+                <a16:creationId xmlns:a16="http://schemas.microsoft.com/office/drawing/2014/main" id="{5B87F660-B6FF-CA77-E37D-589CCC0A037D}"/>
+              </a:ext>
+            </a:extLst>
+          </p:cNvPr>
+          <p:cNvSpPr txBox="1"/>
+          <p:nvPr/>
+        </p:nvSpPr>
+        <p:spPr>
+          <a:xfrm>
+            <a:off x="672662" y="268125"/>
+            <a:ext cx="6096000" cy="2585323"/>
+          </a:xfrm>
+          <a:prstGeom prst="rect">
+            <a:avLst/>
+          </a:prstGeom>
+          <a:noFill/>
+        </p:spPr>
+        <p:txBody>
+          <a:bodyPr wrap="square">
+            <a:spAutoFit/>
+          </a:bodyPr>
+          <a:lstStyle/>
+          <a:p>
+            <a:r>
+              <a:rPr lang="ko-Kore-KR" altLang="en-US" dirty="0">
+                <a:latin typeface="DM Mono" panose="020B0509040201040103" pitchFamily="49" charset="0"/>
+              </a:rPr>
+              <a:t>int main()</a:t>
+            </a:r>
+          </a:p>
+          <a:p>
+            <a:r>
+              <a:rPr lang="ko-Kore-KR" altLang="en-US" dirty="0">
+                <a:latin typeface="DM Mono" panose="020B0509040201040103" pitchFamily="49" charset="0"/>
+              </a:rPr>
+              <a:t>{</a:t>
+            </a:r>
+          </a:p>
+          <a:p>
+            <a:r>
+              <a:rPr lang="ko-Kore-KR" altLang="en-US" dirty="0">
+                <a:latin typeface="DM Mono" panose="020B0509040201040103" pitchFamily="49" charset="0"/>
+              </a:rPr>
+              <a:t>    int n = 10;</a:t>
+            </a:r>
+          </a:p>
+          <a:p>
+            <a:endParaRPr lang="ko-Kore-KR" altLang="en-US" dirty="0">
+              <a:latin typeface="DM Mono" panose="020B0509040201040103" pitchFamily="49" charset="0"/>
+            </a:endParaRPr>
+          </a:p>
+          <a:p>
+            <a:r>
+              <a:rPr lang="ko-Kore-KR" altLang="en-US" dirty="0">
+                <a:latin typeface="DM Mono" panose="020B0509040201040103" pitchFamily="49" charset="0"/>
+              </a:rPr>
+              <a:t>    int* p = &amp;n;</a:t>
+            </a:r>
+          </a:p>
+          <a:p>
+            <a:endParaRPr lang="ko-Kore-KR" altLang="en-US" dirty="0">
+              <a:latin typeface="DM Mono" panose="020B0509040201040103" pitchFamily="49" charset="0"/>
+            </a:endParaRPr>
+          </a:p>
+          <a:p>
+            <a:r>
+              <a:rPr lang="ko-Kore-KR" altLang="en-US" dirty="0">
+                <a:solidFill>
+                  <a:srgbClr val="FF0000"/>
+                </a:solidFill>
+                <a:latin typeface="DM Mono" panose="020B0509040201040103" pitchFamily="49" charset="0"/>
+              </a:rPr>
+              <a:t>    *p = 100;</a:t>
+            </a:r>
+          </a:p>
+          <a:p>
+            <a:r>
+              <a:rPr lang="ko-Kore-KR" altLang="en-US" dirty="0">
+                <a:latin typeface="DM Mono" panose="020B0509040201040103" pitchFamily="49" charset="0"/>
+              </a:rPr>
+              <a:t>    cout &lt;&lt; </a:t>
+            </a:r>
+            <a:r>
+              <a:rPr lang="ko-Kore-KR" altLang="en-US" dirty="0">
+                <a:solidFill>
+                  <a:srgbClr val="FF0000"/>
+                </a:solidFill>
+                <a:latin typeface="DM Mono" panose="020B0509040201040103" pitchFamily="49" charset="0"/>
+              </a:rPr>
+              <a:t>*p</a:t>
+            </a:r>
+            <a:r>
+              <a:rPr lang="ko-Kore-KR" altLang="en-US" dirty="0">
+                <a:latin typeface="DM Mono" panose="020B0509040201040103" pitchFamily="49" charset="0"/>
+              </a:rPr>
+              <a:t> &lt;&lt; endl;</a:t>
+            </a:r>
+          </a:p>
+          <a:p>
+            <a:r>
+              <a:rPr lang="ko-Kore-KR" altLang="en-US" dirty="0">
+                <a:latin typeface="DM Mono" panose="020B0509040201040103" pitchFamily="49" charset="0"/>
+              </a:rPr>
+              <a:t>}</a:t>
+            </a:r>
+          </a:p>
+        </p:txBody>
+      </p:sp>
+      <p:sp>
+        <p:nvSpPr>
+          <p:cNvPr id="6" name="직사각형 5">
+            <a:extLst>
+              <a:ext uri="{FF2B5EF4-FFF2-40B4-BE49-F238E27FC236}">
+                <a16:creationId xmlns:a16="http://schemas.microsoft.com/office/drawing/2014/main" id="{1C9AF545-0782-013B-F690-97B762F3D5AD}"/>
+              </a:ext>
+            </a:extLst>
+          </p:cNvPr>
+          <p:cNvSpPr/>
+          <p:nvPr/>
+        </p:nvSpPr>
+        <p:spPr>
+          <a:xfrm>
+            <a:off x="5055476" y="1008882"/>
+            <a:ext cx="5612524" cy="3689131"/>
+          </a:xfrm>
+          <a:prstGeom prst="rect">
+            <a:avLst/>
+          </a:prstGeom>
+          <a:solidFill>
+            <a:schemeClr val="bg1"/>
+          </a:solidFill>
+        </p:spPr>
+        <p:style>
+          <a:lnRef idx="2">
+            <a:schemeClr val="accent1">
+              <a:shade val="50000"/>
+            </a:schemeClr>
+          </a:lnRef>
+          <a:fillRef idx="1">
+            <a:schemeClr val="accent1"/>
+          </a:fillRef>
+          <a:effectRef idx="0">
+            <a:schemeClr val="accent1"/>
+          </a:effectRef>
+          <a:fontRef idx="minor">
+            <a:schemeClr val="lt1"/>
+          </a:fontRef>
+        </p:style>
+        <p:txBody>
+          <a:bodyPr rtlCol="0" anchor="ctr"/>
+          <a:lstStyle/>
+          <a:p>
+            <a:pPr algn="ctr"/>
+            <a:endParaRPr kumimoji="1" lang="ko-Kore-KR" altLang="en-US"/>
+          </a:p>
+        </p:txBody>
+      </p:sp>
+      <p:sp>
+        <p:nvSpPr>
+          <p:cNvPr id="7" name="TextBox 6">
+            <a:extLst>
+              <a:ext uri="{FF2B5EF4-FFF2-40B4-BE49-F238E27FC236}">
+                <a16:creationId xmlns:a16="http://schemas.microsoft.com/office/drawing/2014/main" id="{B14D4A12-0197-0648-30B3-AE6EBC1BEC63}"/>
+              </a:ext>
+            </a:extLst>
+          </p:cNvPr>
+          <p:cNvSpPr txBox="1"/>
+          <p:nvPr/>
+        </p:nvSpPr>
+        <p:spPr>
+          <a:xfrm>
+            <a:off x="7194331" y="639550"/>
+            <a:ext cx="1187669" cy="369332"/>
+          </a:xfrm>
+          <a:prstGeom prst="rect">
+            <a:avLst/>
+          </a:prstGeom>
+          <a:noFill/>
+        </p:spPr>
+        <p:txBody>
+          <a:bodyPr wrap="square">
+            <a:spAutoFit/>
+          </a:bodyPr>
+          <a:lstStyle/>
+          <a:p>
+            <a:pPr algn="ctr"/>
+            <a:r>
+              <a:rPr lang="ko-Kore-KR" altLang="en-US" dirty="0">
+                <a:latin typeface="DM Mono" panose="020B0509040201040103" pitchFamily="49" charset="0"/>
+              </a:rPr>
+              <a:t>main</a:t>
+            </a:r>
+            <a:endParaRPr lang="ko-Kore-KR" altLang="en-US" dirty="0"/>
+          </a:p>
+        </p:txBody>
+      </p:sp>
+      <p:sp>
+        <p:nvSpPr>
+          <p:cNvPr id="8" name="직사각형 7">
+            <a:extLst>
+              <a:ext uri="{FF2B5EF4-FFF2-40B4-BE49-F238E27FC236}">
+                <a16:creationId xmlns:a16="http://schemas.microsoft.com/office/drawing/2014/main" id="{53C7E6E1-EDB4-B801-05E3-E15014B4BE3B}"/>
+              </a:ext>
+            </a:extLst>
+          </p:cNvPr>
+          <p:cNvSpPr/>
+          <p:nvPr/>
+        </p:nvSpPr>
+        <p:spPr>
+          <a:xfrm>
+            <a:off x="6032938" y="1415845"/>
+            <a:ext cx="1019503" cy="451945"/>
+          </a:xfrm>
+          <a:prstGeom prst="rect">
+            <a:avLst/>
+          </a:prstGeom>
+          <a:solidFill>
+            <a:srgbClr val="FFFF00"/>
+          </a:solidFill>
+        </p:spPr>
+        <p:style>
+          <a:lnRef idx="2">
+            <a:schemeClr val="accent1">
+              <a:shade val="50000"/>
+            </a:schemeClr>
+          </a:lnRef>
+          <a:fillRef idx="1">
+            <a:schemeClr val="accent1"/>
+          </a:fillRef>
+          <a:effectRef idx="0">
+            <a:schemeClr val="accent1"/>
+          </a:effectRef>
+          <a:fontRef idx="minor">
+            <a:schemeClr val="lt1"/>
+          </a:fontRef>
+        </p:style>
+        <p:txBody>
+          <a:bodyPr rtlCol="0" anchor="ctr"/>
+          <a:lstStyle/>
+          <a:p>
+            <a:pPr algn="ctr"/>
+            <a:r>
+              <a:rPr kumimoji="1" lang="en-US" altLang="ko-Kore-KR" dirty="0">
+                <a:solidFill>
+                  <a:srgbClr val="FF0000"/>
+                </a:solidFill>
+                <a:latin typeface="DM Mono" panose="020B0509040201040103" pitchFamily="49" charset="0"/>
+              </a:rPr>
+              <a:t>100</a:t>
+            </a:r>
+            <a:endParaRPr kumimoji="1" lang="ko-Kore-KR" altLang="en-US" dirty="0">
+              <a:solidFill>
+                <a:srgbClr val="FF0000"/>
+              </a:solidFill>
+              <a:latin typeface="DM Mono" panose="020B0509040201040103" pitchFamily="49" charset="0"/>
+            </a:endParaRPr>
+          </a:p>
+        </p:txBody>
+      </p:sp>
+      <p:sp>
+        <p:nvSpPr>
+          <p:cNvPr id="9" name="TextBox 8">
+            <a:extLst>
+              <a:ext uri="{FF2B5EF4-FFF2-40B4-BE49-F238E27FC236}">
+                <a16:creationId xmlns:a16="http://schemas.microsoft.com/office/drawing/2014/main" id="{21A94303-6DEB-249B-14B6-E01CACE75F96}"/>
+              </a:ext>
+            </a:extLst>
+          </p:cNvPr>
+          <p:cNvSpPr txBox="1"/>
+          <p:nvPr/>
+        </p:nvSpPr>
+        <p:spPr>
+          <a:xfrm>
+            <a:off x="5507421" y="1457151"/>
+            <a:ext cx="525518" cy="369332"/>
+          </a:xfrm>
+          <a:prstGeom prst="rect">
+            <a:avLst/>
+          </a:prstGeom>
+          <a:noFill/>
+        </p:spPr>
+        <p:txBody>
+          <a:bodyPr wrap="square">
+            <a:spAutoFit/>
+          </a:bodyPr>
+          <a:lstStyle/>
+          <a:p>
+            <a:pPr algn="r"/>
+            <a:r>
+              <a:rPr lang="en-US" altLang="ko-Kore-KR" dirty="0">
+                <a:latin typeface="DM Mono" panose="020B0509040201040103" pitchFamily="49" charset="0"/>
+              </a:rPr>
+              <a:t>n</a:t>
+            </a:r>
+            <a:endParaRPr lang="ko-Kore-KR" altLang="en-US" dirty="0"/>
+          </a:p>
+        </p:txBody>
+      </p:sp>
+      <p:sp>
+        <p:nvSpPr>
+          <p:cNvPr id="11" name="TextBox 10">
+            <a:extLst>
+              <a:ext uri="{FF2B5EF4-FFF2-40B4-BE49-F238E27FC236}">
+                <a16:creationId xmlns:a16="http://schemas.microsoft.com/office/drawing/2014/main" id="{580EFB5E-FE3C-E5E6-F651-252F97338CE4}"/>
+              </a:ext>
+            </a:extLst>
+          </p:cNvPr>
+          <p:cNvSpPr txBox="1"/>
+          <p:nvPr/>
+        </p:nvSpPr>
+        <p:spPr>
+          <a:xfrm>
+            <a:off x="5665075" y="1154235"/>
+            <a:ext cx="735724" cy="261610"/>
+          </a:xfrm>
+          <a:prstGeom prst="rect">
+            <a:avLst/>
+          </a:prstGeom>
+          <a:noFill/>
+        </p:spPr>
+        <p:txBody>
+          <a:bodyPr wrap="square">
+            <a:spAutoFit/>
+          </a:bodyPr>
+          <a:lstStyle/>
+          <a:p>
+            <a:r>
+              <a:rPr kumimoji="1" lang="en-US" altLang="ko-Kore-KR" sz="1100" dirty="0">
+                <a:solidFill>
+                  <a:srgbClr val="FF0000"/>
+                </a:solidFill>
+                <a:latin typeface="DM Mono" panose="020B0509040201040103" pitchFamily="49" charset="0"/>
+              </a:rPr>
+              <a:t>0x1000</a:t>
+            </a:r>
+            <a:endParaRPr lang="ko-Kore-KR" altLang="en-US" sz="1100" dirty="0">
+              <a:solidFill>
+                <a:srgbClr val="FF0000"/>
+              </a:solidFill>
+            </a:endParaRPr>
+          </a:p>
+        </p:txBody>
+      </p:sp>
+      <p:sp>
+        <p:nvSpPr>
+          <p:cNvPr id="12" name="직사각형 11">
+            <a:extLst>
+              <a:ext uri="{FF2B5EF4-FFF2-40B4-BE49-F238E27FC236}">
+                <a16:creationId xmlns:a16="http://schemas.microsoft.com/office/drawing/2014/main" id="{87992FE3-160C-3C96-C460-93C36C0D5ADE}"/>
+              </a:ext>
+            </a:extLst>
+          </p:cNvPr>
+          <p:cNvSpPr/>
+          <p:nvPr/>
+        </p:nvSpPr>
+        <p:spPr>
+          <a:xfrm>
+            <a:off x="7202213" y="2197281"/>
+            <a:ext cx="2359573" cy="451945"/>
+          </a:xfrm>
+          <a:prstGeom prst="rect">
+            <a:avLst/>
+          </a:prstGeom>
+          <a:solidFill>
+            <a:srgbClr val="FFFF00"/>
+          </a:solidFill>
+        </p:spPr>
+        <p:style>
+          <a:lnRef idx="2">
+            <a:schemeClr val="accent1">
+              <a:shade val="50000"/>
+            </a:schemeClr>
+          </a:lnRef>
+          <a:fillRef idx="1">
+            <a:schemeClr val="accent1"/>
+          </a:fillRef>
+          <a:effectRef idx="0">
+            <a:schemeClr val="accent1"/>
+          </a:effectRef>
+          <a:fontRef idx="minor">
+            <a:schemeClr val="lt1"/>
+          </a:fontRef>
+        </p:style>
+        <p:txBody>
+          <a:bodyPr rtlCol="0" anchor="ctr"/>
+          <a:lstStyle/>
+          <a:p>
+            <a:pPr algn="ctr"/>
+            <a:r>
+              <a:rPr kumimoji="1" lang="en-US" altLang="ko-Kore-KR" dirty="0">
+                <a:solidFill>
+                  <a:srgbClr val="FF0000"/>
+                </a:solidFill>
+                <a:latin typeface="DM Mono" panose="020B0509040201040103" pitchFamily="49" charset="0"/>
+              </a:rPr>
+              <a:t>0x1000</a:t>
+            </a:r>
+            <a:endParaRPr kumimoji="1" lang="ko-Kore-KR" altLang="en-US" dirty="0">
+              <a:solidFill>
+                <a:srgbClr val="FF0000"/>
+              </a:solidFill>
+              <a:latin typeface="DM Mono" panose="020B0509040201040103" pitchFamily="49" charset="0"/>
+            </a:endParaRPr>
+          </a:p>
+        </p:txBody>
+      </p:sp>
+      <p:sp>
+        <p:nvSpPr>
+          <p:cNvPr id="13" name="TextBox 12">
+            <a:extLst>
+              <a:ext uri="{FF2B5EF4-FFF2-40B4-BE49-F238E27FC236}">
+                <a16:creationId xmlns:a16="http://schemas.microsoft.com/office/drawing/2014/main" id="{B8EE2E8B-6897-E707-CAE5-37468E57CA13}"/>
+              </a:ext>
+            </a:extLst>
+          </p:cNvPr>
+          <p:cNvSpPr txBox="1"/>
+          <p:nvPr/>
+        </p:nvSpPr>
+        <p:spPr>
+          <a:xfrm>
+            <a:off x="6676696" y="2238587"/>
+            <a:ext cx="525518" cy="369332"/>
+          </a:xfrm>
+          <a:prstGeom prst="rect">
+            <a:avLst/>
+          </a:prstGeom>
+          <a:noFill/>
+        </p:spPr>
+        <p:txBody>
+          <a:bodyPr wrap="square">
+            <a:spAutoFit/>
+          </a:bodyPr>
+          <a:lstStyle/>
+          <a:p>
+            <a:pPr algn="r"/>
+            <a:r>
+              <a:rPr lang="en-US" altLang="ko-Kore-KR" dirty="0">
+                <a:latin typeface="DM Mono" panose="020B0509040201040103" pitchFamily="49" charset="0"/>
+              </a:rPr>
+              <a:t>p</a:t>
+            </a:r>
+            <a:endParaRPr lang="ko-Kore-KR" altLang="en-US" dirty="0"/>
+          </a:p>
+        </p:txBody>
+      </p:sp>
+      <p:cxnSp>
+        <p:nvCxnSpPr>
+          <p:cNvPr id="15" name="구부러진 연결선[U] 14">
+            <a:extLst>
+              <a:ext uri="{FF2B5EF4-FFF2-40B4-BE49-F238E27FC236}">
+                <a16:creationId xmlns:a16="http://schemas.microsoft.com/office/drawing/2014/main" id="{E970E7C7-4E98-C809-9427-A6550DE6AD39}"/>
+              </a:ext>
+            </a:extLst>
+          </p:cNvPr>
+          <p:cNvCxnSpPr>
+            <a:stCxn id="12" idx="0"/>
+            <a:endCxn id="8" idx="0"/>
+          </p:cNvCxnSpPr>
+          <p:nvPr/>
+        </p:nvCxnSpPr>
+        <p:spPr>
+          <a:xfrm rot="16200000" flipV="1">
+            <a:off x="7071627" y="886908"/>
+            <a:ext cx="781436" cy="1839310"/>
+          </a:xfrm>
+          <a:prstGeom prst="curvedConnector3">
+            <a:avLst>
+              <a:gd name="adj1" fmla="val 129254"/>
+            </a:avLst>
+          </a:prstGeom>
+          <a:ln>
+            <a:tailEnd type="triangle"/>
+          </a:ln>
+        </p:spPr>
+        <p:style>
+          <a:lnRef idx="1">
+            <a:schemeClr val="dk1"/>
+          </a:lnRef>
+          <a:fillRef idx="0">
+            <a:schemeClr val="dk1"/>
+          </a:fillRef>
+          <a:effectRef idx="0">
+            <a:schemeClr val="dk1"/>
+          </a:effectRef>
+          <a:fontRef idx="minor">
+            <a:schemeClr val="tx1"/>
+          </a:fontRef>
+        </p:style>
+      </p:cxnSp>
+    </p:spTree>
+    <p:extLst>
+      <p:ext uri="{BB962C8B-B14F-4D97-AF65-F5344CB8AC3E}">
+        <p14:creationId xmlns:p14="http://schemas.microsoft.com/office/powerpoint/2010/main" val="261903889"/>
+      </p:ext>
+    </p:extLst>
+  </p:cSld>
+  <p:clrMapOvr>
+    <a:masterClrMapping/>
+  </p:clrMapOvr>
+</p:sld>
+</file>
+
+<file path=ppt/slides/slide4.xml><?xml version="1.0" encoding="utf-8"?>
+<p:sld xmlns:a="http://schemas.openxmlformats.org/drawingml/2006/main" xmlns:r="http://schemas.openxmlformats.org/officeDocument/2006/relationships" xmlns:p="http://schemas.openxmlformats.org/presentationml/2006/main">
+  <p:cSld>
+    <p:spTree>
+      <p:nvGrpSpPr>
+        <p:cNvPr id="1" name=""/>
+        <p:cNvGrpSpPr/>
+        <p:nvPr/>
+      </p:nvGrpSpPr>
+      <p:grpSpPr>
+        <a:xfrm>
+          <a:off x="0" y="0"/>
+          <a:ext cx="0" cy="0"/>
+          <a:chOff x="0" y="0"/>
+          <a:chExt cx="0" cy="0"/>
+        </a:xfrm>
+      </p:grpSpPr>
+      <p:sp>
+        <p:nvSpPr>
+          <p:cNvPr id="5" name="TextBox 4">
+            <a:extLst>
+              <a:ext uri="{FF2B5EF4-FFF2-40B4-BE49-F238E27FC236}">
+                <a16:creationId xmlns:a16="http://schemas.microsoft.com/office/drawing/2014/main" id="{5B87F660-B6FF-CA77-E37D-589CCC0A037D}"/>
+              </a:ext>
+            </a:extLst>
+          </p:cNvPr>
+          <p:cNvSpPr txBox="1"/>
+          <p:nvPr/>
+        </p:nvSpPr>
+        <p:spPr>
+          <a:xfrm>
+            <a:off x="672662" y="268125"/>
+            <a:ext cx="6096000" cy="2585323"/>
+          </a:xfrm>
+          <a:prstGeom prst="rect">
+            <a:avLst/>
+          </a:prstGeom>
+          <a:noFill/>
+        </p:spPr>
+        <p:txBody>
+          <a:bodyPr wrap="square">
+            <a:spAutoFit/>
+          </a:bodyPr>
+          <a:lstStyle/>
+          <a:p>
+            <a:r>
+              <a:rPr lang="en" altLang="ko-Kore-KR" dirty="0">
+                <a:latin typeface="DM Mono" panose="020B0509040201040103" pitchFamily="49" charset="0"/>
+              </a:rPr>
+              <a:t>int main()</a:t>
+            </a:r>
+          </a:p>
+          <a:p>
+            <a:r>
+              <a:rPr lang="en" altLang="ko-Kore-KR" dirty="0">
+                <a:latin typeface="DM Mono" panose="020B0509040201040103" pitchFamily="49" charset="0"/>
+              </a:rPr>
+              <a:t>{</a:t>
+            </a:r>
+          </a:p>
+          <a:p>
+            <a:r>
+              <a:rPr lang="en" altLang="ko-Kore-KR" dirty="0">
+                <a:latin typeface="DM Mono" panose="020B0509040201040103" pitchFamily="49" charset="0"/>
+              </a:rPr>
+              <a:t>    int n = 10;</a:t>
+            </a:r>
+          </a:p>
+          <a:p>
+            <a:endParaRPr lang="en" altLang="ko-Kore-KR" dirty="0">
+              <a:latin typeface="DM Mono" panose="020B0509040201040103" pitchFamily="49" charset="0"/>
+            </a:endParaRPr>
+          </a:p>
+          <a:p>
+            <a:r>
+              <a:rPr lang="en" altLang="ko-Kore-KR" dirty="0">
+                <a:latin typeface="DM Mono" panose="020B0509040201040103" pitchFamily="49" charset="0"/>
+              </a:rPr>
+              <a:t>    int&amp; r = n;</a:t>
+            </a:r>
+          </a:p>
+          <a:p>
+            <a:endParaRPr lang="en" altLang="ko-Kore-KR" dirty="0">
+              <a:latin typeface="DM Mono" panose="020B0509040201040103" pitchFamily="49" charset="0"/>
+            </a:endParaRPr>
+          </a:p>
+          <a:p>
+            <a:r>
+              <a:rPr lang="en" altLang="ko-Kore-KR" dirty="0">
+                <a:latin typeface="DM Mono" panose="020B0509040201040103" pitchFamily="49" charset="0"/>
+              </a:rPr>
+              <a:t>    r = 100;</a:t>
+            </a:r>
+          </a:p>
+          <a:p>
+            <a:r>
+              <a:rPr lang="en" altLang="ko-Kore-KR" dirty="0">
+                <a:latin typeface="DM Mono" panose="020B0509040201040103" pitchFamily="49" charset="0"/>
+              </a:rPr>
+              <a:t>    </a:t>
+            </a:r>
+            <a:r>
+              <a:rPr lang="en" altLang="ko-Kore-KR" dirty="0" err="1">
+                <a:latin typeface="DM Mono" panose="020B0509040201040103" pitchFamily="49" charset="0"/>
+              </a:rPr>
+              <a:t>cout</a:t>
+            </a:r>
+            <a:r>
+              <a:rPr lang="en" altLang="ko-Kore-KR" dirty="0">
+                <a:latin typeface="DM Mono" panose="020B0509040201040103" pitchFamily="49" charset="0"/>
+              </a:rPr>
+              <a:t> &lt;&lt; n &lt;&lt; </a:t>
+            </a:r>
+            <a:r>
+              <a:rPr lang="en" altLang="ko-Kore-KR" dirty="0" err="1">
+                <a:latin typeface="DM Mono" panose="020B0509040201040103" pitchFamily="49" charset="0"/>
+              </a:rPr>
+              <a:t>endl</a:t>
+            </a:r>
+            <a:r>
+              <a:rPr lang="en" altLang="ko-Kore-KR" dirty="0">
+                <a:latin typeface="DM Mono" panose="020B0509040201040103" pitchFamily="49" charset="0"/>
+              </a:rPr>
+              <a:t>;</a:t>
+            </a:r>
+          </a:p>
+          <a:p>
+            <a:r>
+              <a:rPr lang="en" altLang="ko-Kore-KR" dirty="0">
+                <a:latin typeface="DM Mono" panose="020B0509040201040103" pitchFamily="49" charset="0"/>
+              </a:rPr>
+              <a:t>}</a:t>
+            </a:r>
+            <a:endParaRPr lang="ko-Kore-KR" altLang="en-US" dirty="0">
+              <a:latin typeface="DM Mono" panose="020B0509040201040103" pitchFamily="49" charset="0"/>
+            </a:endParaRPr>
+          </a:p>
+        </p:txBody>
+      </p:sp>
+      <p:sp>
+        <p:nvSpPr>
+          <p:cNvPr id="6" name="직사각형 5">
+            <a:extLst>
+              <a:ext uri="{FF2B5EF4-FFF2-40B4-BE49-F238E27FC236}">
+                <a16:creationId xmlns:a16="http://schemas.microsoft.com/office/drawing/2014/main" id="{1C9AF545-0782-013B-F690-97B762F3D5AD}"/>
+              </a:ext>
+            </a:extLst>
+          </p:cNvPr>
+          <p:cNvSpPr/>
+          <p:nvPr/>
+        </p:nvSpPr>
+        <p:spPr>
+          <a:xfrm>
+            <a:off x="5055476" y="1008882"/>
+            <a:ext cx="5612524" cy="3689131"/>
+          </a:xfrm>
+          <a:prstGeom prst="rect">
+            <a:avLst/>
+          </a:prstGeom>
+          <a:solidFill>
+            <a:schemeClr val="bg1"/>
+          </a:solidFill>
+        </p:spPr>
+        <p:style>
+          <a:lnRef idx="2">
+            <a:schemeClr val="accent1">
+              <a:shade val="50000"/>
+            </a:schemeClr>
+          </a:lnRef>
+          <a:fillRef idx="1">
+            <a:schemeClr val="accent1"/>
+          </a:fillRef>
+          <a:effectRef idx="0">
+            <a:schemeClr val="accent1"/>
+          </a:effectRef>
+          <a:fontRef idx="minor">
+            <a:schemeClr val="lt1"/>
+          </a:fontRef>
+        </p:style>
+        <p:txBody>
+          <a:bodyPr rtlCol="0" anchor="ctr"/>
+          <a:lstStyle/>
+          <a:p>
+            <a:pPr algn="ctr"/>
+            <a:endParaRPr kumimoji="1" lang="ko-Kore-KR" altLang="en-US"/>
+          </a:p>
+        </p:txBody>
+      </p:sp>
+      <p:sp>
+        <p:nvSpPr>
+          <p:cNvPr id="7" name="TextBox 6">
+            <a:extLst>
+              <a:ext uri="{FF2B5EF4-FFF2-40B4-BE49-F238E27FC236}">
+                <a16:creationId xmlns:a16="http://schemas.microsoft.com/office/drawing/2014/main" id="{B14D4A12-0197-0648-30B3-AE6EBC1BEC63}"/>
+              </a:ext>
+            </a:extLst>
+          </p:cNvPr>
+          <p:cNvSpPr txBox="1"/>
+          <p:nvPr/>
+        </p:nvSpPr>
+        <p:spPr>
+          <a:xfrm>
+            <a:off x="7194331" y="639550"/>
+            <a:ext cx="1187669" cy="369332"/>
+          </a:xfrm>
+          <a:prstGeom prst="rect">
+            <a:avLst/>
+          </a:prstGeom>
+          <a:noFill/>
+        </p:spPr>
+        <p:txBody>
+          <a:bodyPr wrap="square">
+            <a:spAutoFit/>
+          </a:bodyPr>
+          <a:lstStyle/>
+          <a:p>
+            <a:pPr algn="ctr"/>
+            <a:r>
+              <a:rPr lang="ko-Kore-KR" altLang="en-US" dirty="0">
+                <a:latin typeface="DM Mono" panose="020B0509040201040103" pitchFamily="49" charset="0"/>
+              </a:rPr>
+              <a:t>main</a:t>
+            </a:r>
+            <a:endParaRPr lang="ko-Kore-KR" altLang="en-US" dirty="0"/>
+          </a:p>
+        </p:txBody>
+      </p:sp>
+      <p:sp>
+        <p:nvSpPr>
+          <p:cNvPr id="8" name="직사각형 7">
+            <a:extLst>
+              <a:ext uri="{FF2B5EF4-FFF2-40B4-BE49-F238E27FC236}">
+                <a16:creationId xmlns:a16="http://schemas.microsoft.com/office/drawing/2014/main" id="{53C7E6E1-EDB4-B801-05E3-E15014B4BE3B}"/>
+              </a:ext>
+            </a:extLst>
+          </p:cNvPr>
+          <p:cNvSpPr/>
+          <p:nvPr/>
+        </p:nvSpPr>
+        <p:spPr>
+          <a:xfrm>
+            <a:off x="6032938" y="1415845"/>
+            <a:ext cx="1019503" cy="451945"/>
+          </a:xfrm>
+          <a:prstGeom prst="rect">
+            <a:avLst/>
+          </a:prstGeom>
+          <a:solidFill>
+            <a:srgbClr val="FFFF00"/>
+          </a:solidFill>
+        </p:spPr>
+        <p:style>
+          <a:lnRef idx="2">
+            <a:schemeClr val="accent1">
+              <a:shade val="50000"/>
+            </a:schemeClr>
+          </a:lnRef>
+          <a:fillRef idx="1">
+            <a:schemeClr val="accent1"/>
+          </a:fillRef>
+          <a:effectRef idx="0">
+            <a:schemeClr val="accent1"/>
+          </a:effectRef>
+          <a:fontRef idx="minor">
+            <a:schemeClr val="lt1"/>
+          </a:fontRef>
+        </p:style>
+        <p:txBody>
+          <a:bodyPr rtlCol="0" anchor="ctr"/>
+          <a:lstStyle/>
+          <a:p>
+            <a:pPr algn="ctr"/>
+            <a:r>
+              <a:rPr kumimoji="1" lang="en-US" altLang="ko-Kore-KR" dirty="0">
+                <a:solidFill>
+                  <a:schemeClr val="tx1"/>
+                </a:solidFill>
+                <a:latin typeface="DM Mono" panose="020B0509040201040103" pitchFamily="49" charset="0"/>
+              </a:rPr>
+              <a:t>10</a:t>
+            </a:r>
+            <a:endParaRPr kumimoji="1" lang="ko-Kore-KR" altLang="en-US" dirty="0">
+              <a:solidFill>
+                <a:schemeClr val="tx1"/>
+              </a:solidFill>
+              <a:latin typeface="DM Mono" panose="020B0509040201040103" pitchFamily="49" charset="0"/>
+            </a:endParaRPr>
+          </a:p>
+        </p:txBody>
+      </p:sp>
+      <p:sp>
+        <p:nvSpPr>
+          <p:cNvPr id="9" name="TextBox 8">
+            <a:extLst>
+              <a:ext uri="{FF2B5EF4-FFF2-40B4-BE49-F238E27FC236}">
+                <a16:creationId xmlns:a16="http://schemas.microsoft.com/office/drawing/2014/main" id="{21A94303-6DEB-249B-14B6-E01CACE75F96}"/>
+              </a:ext>
+            </a:extLst>
+          </p:cNvPr>
+          <p:cNvSpPr txBox="1"/>
+          <p:nvPr/>
+        </p:nvSpPr>
+        <p:spPr>
+          <a:xfrm>
+            <a:off x="5507421" y="1457151"/>
+            <a:ext cx="525518" cy="369332"/>
+          </a:xfrm>
+          <a:prstGeom prst="rect">
+            <a:avLst/>
+          </a:prstGeom>
+          <a:noFill/>
+        </p:spPr>
+        <p:txBody>
+          <a:bodyPr wrap="square">
+            <a:spAutoFit/>
+          </a:bodyPr>
+          <a:lstStyle/>
+          <a:p>
+            <a:pPr algn="r"/>
+            <a:r>
+              <a:rPr lang="en-US" altLang="ko-Kore-KR" dirty="0">
+                <a:latin typeface="DM Mono" panose="020B0509040201040103" pitchFamily="49" charset="0"/>
+              </a:rPr>
+              <a:t>n</a:t>
+            </a:r>
+            <a:endParaRPr lang="ko-Kore-KR" altLang="en-US" dirty="0"/>
+          </a:p>
+        </p:txBody>
+      </p:sp>
+      <p:sp>
+        <p:nvSpPr>
+          <p:cNvPr id="11" name="TextBox 10">
+            <a:extLst>
+              <a:ext uri="{FF2B5EF4-FFF2-40B4-BE49-F238E27FC236}">
+                <a16:creationId xmlns:a16="http://schemas.microsoft.com/office/drawing/2014/main" id="{580EFB5E-FE3C-E5E6-F651-252F97338CE4}"/>
+              </a:ext>
+            </a:extLst>
+          </p:cNvPr>
+          <p:cNvSpPr txBox="1"/>
+          <p:nvPr/>
+        </p:nvSpPr>
+        <p:spPr>
+          <a:xfrm>
+            <a:off x="5665075" y="1154235"/>
+            <a:ext cx="735724" cy="261610"/>
+          </a:xfrm>
+          <a:prstGeom prst="rect">
+            <a:avLst/>
+          </a:prstGeom>
+          <a:noFill/>
+        </p:spPr>
+        <p:txBody>
+          <a:bodyPr wrap="square">
+            <a:spAutoFit/>
+          </a:bodyPr>
+          <a:lstStyle/>
+          <a:p>
+            <a:r>
+              <a:rPr kumimoji="1" lang="en-US" altLang="ko-Kore-KR" sz="1100" dirty="0">
+                <a:latin typeface="DM Mono" panose="020B0509040201040103" pitchFamily="49" charset="0"/>
+              </a:rPr>
+              <a:t>0x1000</a:t>
+            </a:r>
+            <a:endParaRPr lang="ko-Kore-KR" altLang="en-US" sz="1100" dirty="0"/>
+          </a:p>
+        </p:txBody>
+      </p:sp>
+    </p:spTree>
+    <p:extLst>
+      <p:ext uri="{BB962C8B-B14F-4D97-AF65-F5344CB8AC3E}">
+        <p14:creationId xmlns:p14="http://schemas.microsoft.com/office/powerpoint/2010/main" val="2861494460"/>
+      </p:ext>
+    </p:extLst>
+  </p:cSld>
+  <p:clrMapOvr>
+    <a:masterClrMapping/>
+  </p:clrMapOvr>
+</p:sld>
+</file>
+
+<file path=ppt/slides/slide5.xml><?xml version="1.0" encoding="utf-8"?>
+<p:sld xmlns:a="http://schemas.openxmlformats.org/drawingml/2006/main" xmlns:r="http://schemas.openxmlformats.org/officeDocument/2006/relationships" xmlns:p="http://schemas.openxmlformats.org/presentationml/2006/main">
+  <p:cSld>
+    <p:spTree>
+      <p:nvGrpSpPr>
+        <p:cNvPr id="1" name=""/>
+        <p:cNvGrpSpPr/>
+        <p:nvPr/>
+      </p:nvGrpSpPr>
+      <p:grpSpPr>
+        <a:xfrm>
+          <a:off x="0" y="0"/>
+          <a:ext cx="0" cy="0"/>
+          <a:chOff x="0" y="0"/>
+          <a:chExt cx="0" cy="0"/>
+        </a:xfrm>
+      </p:grpSpPr>
+      <p:sp>
+        <p:nvSpPr>
+          <p:cNvPr id="5" name="TextBox 4">
+            <a:extLst>
+              <a:ext uri="{FF2B5EF4-FFF2-40B4-BE49-F238E27FC236}">
+                <a16:creationId xmlns:a16="http://schemas.microsoft.com/office/drawing/2014/main" id="{5B87F660-B6FF-CA77-E37D-589CCC0A037D}"/>
+              </a:ext>
+            </a:extLst>
+          </p:cNvPr>
+          <p:cNvSpPr txBox="1"/>
+          <p:nvPr/>
+        </p:nvSpPr>
+        <p:spPr>
+          <a:xfrm>
+            <a:off x="672662" y="268125"/>
+            <a:ext cx="6096000" cy="2585323"/>
+          </a:xfrm>
+          <a:prstGeom prst="rect">
+            <a:avLst/>
+          </a:prstGeom>
+          <a:noFill/>
+        </p:spPr>
+        <p:txBody>
+          <a:bodyPr wrap="square">
+            <a:spAutoFit/>
+          </a:bodyPr>
+          <a:lstStyle/>
+          <a:p>
+            <a:r>
+              <a:rPr lang="en" altLang="ko-Kore-KR" dirty="0">
+                <a:latin typeface="DM Mono" panose="020B0509040201040103" pitchFamily="49" charset="0"/>
+              </a:rPr>
+              <a:t>int main()</a:t>
+            </a:r>
+          </a:p>
+          <a:p>
+            <a:r>
+              <a:rPr lang="en" altLang="ko-Kore-KR" dirty="0">
+                <a:latin typeface="DM Mono" panose="020B0509040201040103" pitchFamily="49" charset="0"/>
+              </a:rPr>
+              <a:t>{</a:t>
+            </a:r>
+          </a:p>
+          <a:p>
+            <a:r>
+              <a:rPr lang="en" altLang="ko-Kore-KR" dirty="0">
+                <a:latin typeface="DM Mono" panose="020B0509040201040103" pitchFamily="49" charset="0"/>
+              </a:rPr>
+              <a:t>    int n = 10;</a:t>
+            </a:r>
+          </a:p>
+          <a:p>
+            <a:endParaRPr lang="en" altLang="ko-Kore-KR" dirty="0">
+              <a:latin typeface="DM Mono" panose="020B0509040201040103" pitchFamily="49" charset="0"/>
+            </a:endParaRPr>
+          </a:p>
+          <a:p>
+            <a:r>
+              <a:rPr lang="en" altLang="ko-Kore-KR" dirty="0">
+                <a:solidFill>
+                  <a:srgbClr val="FF0000"/>
+                </a:solidFill>
+                <a:latin typeface="DM Mono" panose="020B0509040201040103" pitchFamily="49" charset="0"/>
+              </a:rPr>
+              <a:t>    int&amp; r = n;</a:t>
+            </a:r>
+          </a:p>
+          <a:p>
+            <a:endParaRPr lang="en" altLang="ko-Kore-KR" dirty="0">
+              <a:latin typeface="DM Mono" panose="020B0509040201040103" pitchFamily="49" charset="0"/>
+            </a:endParaRPr>
+          </a:p>
+          <a:p>
+            <a:r>
+              <a:rPr lang="en" altLang="ko-Kore-KR" dirty="0">
+                <a:latin typeface="DM Mono" panose="020B0509040201040103" pitchFamily="49" charset="0"/>
+              </a:rPr>
+              <a:t>    r = 100;</a:t>
+            </a:r>
+          </a:p>
+          <a:p>
+            <a:r>
+              <a:rPr lang="en" altLang="ko-Kore-KR" dirty="0">
+                <a:latin typeface="DM Mono" panose="020B0509040201040103" pitchFamily="49" charset="0"/>
+              </a:rPr>
+              <a:t>    </a:t>
+            </a:r>
+            <a:r>
+              <a:rPr lang="en" altLang="ko-Kore-KR" dirty="0" err="1">
+                <a:latin typeface="DM Mono" panose="020B0509040201040103" pitchFamily="49" charset="0"/>
+              </a:rPr>
+              <a:t>cout</a:t>
+            </a:r>
+            <a:r>
+              <a:rPr lang="en" altLang="ko-Kore-KR" dirty="0">
+                <a:latin typeface="DM Mono" panose="020B0509040201040103" pitchFamily="49" charset="0"/>
+              </a:rPr>
+              <a:t> &lt;&lt; n &lt;&lt; </a:t>
+            </a:r>
+            <a:r>
+              <a:rPr lang="en" altLang="ko-Kore-KR" dirty="0" err="1">
+                <a:latin typeface="DM Mono" panose="020B0509040201040103" pitchFamily="49" charset="0"/>
+              </a:rPr>
+              <a:t>endl</a:t>
+            </a:r>
+            <a:r>
+              <a:rPr lang="en" altLang="ko-Kore-KR" dirty="0">
+                <a:latin typeface="DM Mono" panose="020B0509040201040103" pitchFamily="49" charset="0"/>
+              </a:rPr>
+              <a:t>;</a:t>
+            </a:r>
+          </a:p>
+          <a:p>
+            <a:r>
+              <a:rPr lang="en" altLang="ko-Kore-KR" dirty="0">
+                <a:latin typeface="DM Mono" panose="020B0509040201040103" pitchFamily="49" charset="0"/>
+              </a:rPr>
+              <a:t>}</a:t>
+            </a:r>
+            <a:endParaRPr lang="ko-Kore-KR" altLang="en-US" dirty="0">
+              <a:latin typeface="DM Mono" panose="020B0509040201040103" pitchFamily="49" charset="0"/>
+            </a:endParaRPr>
+          </a:p>
+        </p:txBody>
+      </p:sp>
+      <p:sp>
+        <p:nvSpPr>
+          <p:cNvPr id="6" name="직사각형 5">
+            <a:extLst>
+              <a:ext uri="{FF2B5EF4-FFF2-40B4-BE49-F238E27FC236}">
+                <a16:creationId xmlns:a16="http://schemas.microsoft.com/office/drawing/2014/main" id="{1C9AF545-0782-013B-F690-97B762F3D5AD}"/>
+              </a:ext>
+            </a:extLst>
+          </p:cNvPr>
+          <p:cNvSpPr/>
+          <p:nvPr/>
+        </p:nvSpPr>
+        <p:spPr>
+          <a:xfrm>
+            <a:off x="5055476" y="1008882"/>
+            <a:ext cx="5612524" cy="3689131"/>
+          </a:xfrm>
+          <a:prstGeom prst="rect">
+            <a:avLst/>
+          </a:prstGeom>
+          <a:solidFill>
+            <a:schemeClr val="bg1"/>
+          </a:solidFill>
+        </p:spPr>
+        <p:style>
+          <a:lnRef idx="2">
+            <a:schemeClr val="accent1">
+              <a:shade val="50000"/>
+            </a:schemeClr>
+          </a:lnRef>
+          <a:fillRef idx="1">
+            <a:schemeClr val="accent1"/>
+          </a:fillRef>
+          <a:effectRef idx="0">
+            <a:schemeClr val="accent1"/>
+          </a:effectRef>
+          <a:fontRef idx="minor">
+            <a:schemeClr val="lt1"/>
+          </a:fontRef>
+        </p:style>
+        <p:txBody>
+          <a:bodyPr rtlCol="0" anchor="ctr"/>
+          <a:lstStyle/>
+          <a:p>
+            <a:pPr algn="ctr"/>
+            <a:endParaRPr kumimoji="1" lang="ko-Kore-KR" altLang="en-US"/>
+          </a:p>
+        </p:txBody>
+      </p:sp>
+      <p:sp>
+        <p:nvSpPr>
+          <p:cNvPr id="7" name="TextBox 6">
+            <a:extLst>
+              <a:ext uri="{FF2B5EF4-FFF2-40B4-BE49-F238E27FC236}">
+                <a16:creationId xmlns:a16="http://schemas.microsoft.com/office/drawing/2014/main" id="{B14D4A12-0197-0648-30B3-AE6EBC1BEC63}"/>
+              </a:ext>
+            </a:extLst>
+          </p:cNvPr>
+          <p:cNvSpPr txBox="1"/>
+          <p:nvPr/>
+        </p:nvSpPr>
+        <p:spPr>
+          <a:xfrm>
+            <a:off x="7194331" y="639550"/>
+            <a:ext cx="1187669" cy="369332"/>
+          </a:xfrm>
+          <a:prstGeom prst="rect">
+            <a:avLst/>
+          </a:prstGeom>
+          <a:noFill/>
+        </p:spPr>
+        <p:txBody>
+          <a:bodyPr wrap="square">
+            <a:spAutoFit/>
+          </a:bodyPr>
+          <a:lstStyle/>
+          <a:p>
+            <a:pPr algn="ctr"/>
+            <a:r>
+              <a:rPr lang="ko-Kore-KR" altLang="en-US" dirty="0">
+                <a:latin typeface="DM Mono" panose="020B0509040201040103" pitchFamily="49" charset="0"/>
+              </a:rPr>
+              <a:t>main</a:t>
+            </a:r>
+            <a:endParaRPr lang="ko-Kore-KR" altLang="en-US" dirty="0"/>
+          </a:p>
+        </p:txBody>
+      </p:sp>
+      <p:sp>
+        <p:nvSpPr>
+          <p:cNvPr id="8" name="직사각형 7">
+            <a:extLst>
+              <a:ext uri="{FF2B5EF4-FFF2-40B4-BE49-F238E27FC236}">
+                <a16:creationId xmlns:a16="http://schemas.microsoft.com/office/drawing/2014/main" id="{53C7E6E1-EDB4-B801-05E3-E15014B4BE3B}"/>
+              </a:ext>
+            </a:extLst>
+          </p:cNvPr>
+          <p:cNvSpPr/>
+          <p:nvPr/>
+        </p:nvSpPr>
+        <p:spPr>
+          <a:xfrm>
+            <a:off x="6032938" y="1415845"/>
+            <a:ext cx="1019503" cy="451945"/>
+          </a:xfrm>
+          <a:prstGeom prst="rect">
+            <a:avLst/>
+          </a:prstGeom>
+          <a:solidFill>
+            <a:srgbClr val="FFFF00"/>
+          </a:solidFill>
+        </p:spPr>
+        <p:style>
+          <a:lnRef idx="2">
+            <a:schemeClr val="accent1">
+              <a:shade val="50000"/>
+            </a:schemeClr>
+          </a:lnRef>
+          <a:fillRef idx="1">
+            <a:schemeClr val="accent1"/>
+          </a:fillRef>
+          <a:effectRef idx="0">
+            <a:schemeClr val="accent1"/>
+          </a:effectRef>
+          <a:fontRef idx="minor">
+            <a:schemeClr val="lt1"/>
+          </a:fontRef>
+        </p:style>
+        <p:txBody>
+          <a:bodyPr rtlCol="0" anchor="ctr"/>
+          <a:lstStyle/>
+          <a:p>
+            <a:pPr algn="ctr"/>
+            <a:r>
+              <a:rPr kumimoji="1" lang="en-US" altLang="ko-Kore-KR" dirty="0">
+                <a:solidFill>
+                  <a:schemeClr val="tx1"/>
+                </a:solidFill>
+                <a:latin typeface="DM Mono" panose="020B0509040201040103" pitchFamily="49" charset="0"/>
+              </a:rPr>
+              <a:t>10</a:t>
+            </a:r>
+            <a:endParaRPr kumimoji="1" lang="ko-Kore-KR" altLang="en-US" dirty="0">
+              <a:solidFill>
+                <a:schemeClr val="tx1"/>
+              </a:solidFill>
+              <a:latin typeface="DM Mono" panose="020B0509040201040103" pitchFamily="49" charset="0"/>
+            </a:endParaRPr>
+          </a:p>
+        </p:txBody>
+      </p:sp>
+      <p:sp>
+        <p:nvSpPr>
+          <p:cNvPr id="9" name="TextBox 8">
+            <a:extLst>
+              <a:ext uri="{FF2B5EF4-FFF2-40B4-BE49-F238E27FC236}">
+                <a16:creationId xmlns:a16="http://schemas.microsoft.com/office/drawing/2014/main" id="{21A94303-6DEB-249B-14B6-E01CACE75F96}"/>
+              </a:ext>
+            </a:extLst>
+          </p:cNvPr>
+          <p:cNvSpPr txBox="1"/>
+          <p:nvPr/>
+        </p:nvSpPr>
+        <p:spPr>
+          <a:xfrm>
+            <a:off x="5507419" y="1336603"/>
+            <a:ext cx="525518" cy="369332"/>
+          </a:xfrm>
+          <a:prstGeom prst="rect">
+            <a:avLst/>
+          </a:prstGeom>
+          <a:noFill/>
+        </p:spPr>
+        <p:txBody>
+          <a:bodyPr wrap="square">
+            <a:spAutoFit/>
+          </a:bodyPr>
+          <a:lstStyle/>
+          <a:p>
+            <a:pPr algn="r"/>
+            <a:r>
+              <a:rPr lang="en-US" altLang="ko-Kore-KR" dirty="0">
+                <a:latin typeface="DM Mono" panose="020B0509040201040103" pitchFamily="49" charset="0"/>
+              </a:rPr>
+              <a:t>n</a:t>
+            </a:r>
+            <a:endParaRPr lang="ko-Kore-KR" altLang="en-US" dirty="0"/>
+          </a:p>
+        </p:txBody>
+      </p:sp>
+      <p:sp>
+        <p:nvSpPr>
+          <p:cNvPr id="11" name="TextBox 10">
+            <a:extLst>
+              <a:ext uri="{FF2B5EF4-FFF2-40B4-BE49-F238E27FC236}">
+                <a16:creationId xmlns:a16="http://schemas.microsoft.com/office/drawing/2014/main" id="{580EFB5E-FE3C-E5E6-F651-252F97338CE4}"/>
+              </a:ext>
+            </a:extLst>
+          </p:cNvPr>
+          <p:cNvSpPr txBox="1"/>
+          <p:nvPr/>
+        </p:nvSpPr>
+        <p:spPr>
+          <a:xfrm>
+            <a:off x="5665075" y="1154235"/>
+            <a:ext cx="735724" cy="261610"/>
+          </a:xfrm>
+          <a:prstGeom prst="rect">
+            <a:avLst/>
+          </a:prstGeom>
+          <a:noFill/>
+        </p:spPr>
+        <p:txBody>
+          <a:bodyPr wrap="square">
+            <a:spAutoFit/>
+          </a:bodyPr>
+          <a:lstStyle/>
+          <a:p>
+            <a:r>
+              <a:rPr kumimoji="1" lang="en-US" altLang="ko-Kore-KR" sz="1100" dirty="0">
+                <a:latin typeface="DM Mono" panose="020B0509040201040103" pitchFamily="49" charset="0"/>
+              </a:rPr>
+              <a:t>0x1000</a:t>
+            </a:r>
+            <a:endParaRPr lang="ko-Kore-KR" altLang="en-US" sz="1100" dirty="0"/>
+          </a:p>
+        </p:txBody>
+      </p:sp>
+      <p:sp>
+        <p:nvSpPr>
+          <p:cNvPr id="3" name="TextBox 2">
+            <a:extLst>
+              <a:ext uri="{FF2B5EF4-FFF2-40B4-BE49-F238E27FC236}">
+                <a16:creationId xmlns:a16="http://schemas.microsoft.com/office/drawing/2014/main" id="{00A3A80F-34D3-E90A-BB4B-383ECC8F1869}"/>
+              </a:ext>
+            </a:extLst>
+          </p:cNvPr>
+          <p:cNvSpPr txBox="1"/>
+          <p:nvPr/>
+        </p:nvSpPr>
+        <p:spPr>
+          <a:xfrm>
+            <a:off x="5507419" y="1569300"/>
+            <a:ext cx="525518" cy="369332"/>
+          </a:xfrm>
+          <a:prstGeom prst="rect">
+            <a:avLst/>
+          </a:prstGeom>
+          <a:noFill/>
+        </p:spPr>
+        <p:txBody>
+          <a:bodyPr wrap="square">
+            <a:spAutoFit/>
+          </a:bodyPr>
+          <a:lstStyle/>
+          <a:p>
+            <a:pPr algn="r"/>
+            <a:r>
+              <a:rPr lang="en-US" altLang="ko-Kore-KR" dirty="0">
+                <a:solidFill>
+                  <a:srgbClr val="FF0000"/>
+                </a:solidFill>
+                <a:latin typeface="DM Mono" panose="020B0509040201040103" pitchFamily="49" charset="0"/>
+              </a:rPr>
+              <a:t>r</a:t>
+            </a:r>
+            <a:endParaRPr lang="ko-Kore-KR" altLang="en-US" dirty="0">
+              <a:solidFill>
+                <a:srgbClr val="FF0000"/>
+              </a:solidFill>
+            </a:endParaRPr>
+          </a:p>
+        </p:txBody>
+      </p:sp>
+    </p:spTree>
+    <p:extLst>
+      <p:ext uri="{BB962C8B-B14F-4D97-AF65-F5344CB8AC3E}">
+        <p14:creationId xmlns:p14="http://schemas.microsoft.com/office/powerpoint/2010/main" val="152627331"/>
+      </p:ext>
+    </p:extLst>
+  </p:cSld>
+  <p:clrMapOvr>
+    <a:masterClrMapping/>
+  </p:clrMapOvr>
+</p:sld>
+</file>
+
+<file path=ppt/slides/slide6.xml><?xml version="1.0" encoding="utf-8"?>
+<p:sld xmlns:a="http://schemas.openxmlformats.org/drawingml/2006/main" xmlns:r="http://schemas.openxmlformats.org/officeDocument/2006/relationships" xmlns:p="http://schemas.openxmlformats.org/presentationml/2006/main">
+  <p:cSld>
+    <p:spTree>
+      <p:nvGrpSpPr>
+        <p:cNvPr id="1" name=""/>
+        <p:cNvGrpSpPr/>
+        <p:nvPr/>
+      </p:nvGrpSpPr>
+      <p:grpSpPr>
+        <a:xfrm>
+          <a:off x="0" y="0"/>
+          <a:ext cx="0" cy="0"/>
+          <a:chOff x="0" y="0"/>
+          <a:chExt cx="0" cy="0"/>
+        </a:xfrm>
+      </p:grpSpPr>
+      <p:sp>
+        <p:nvSpPr>
+          <p:cNvPr id="5" name="TextBox 4">
+            <a:extLst>
+              <a:ext uri="{FF2B5EF4-FFF2-40B4-BE49-F238E27FC236}">
+                <a16:creationId xmlns:a16="http://schemas.microsoft.com/office/drawing/2014/main" id="{5B87F660-B6FF-CA77-E37D-589CCC0A037D}"/>
+              </a:ext>
+            </a:extLst>
+          </p:cNvPr>
+          <p:cNvSpPr txBox="1"/>
+          <p:nvPr/>
+        </p:nvSpPr>
+        <p:spPr>
+          <a:xfrm>
+            <a:off x="672662" y="268125"/>
+            <a:ext cx="6096000" cy="2585323"/>
+          </a:xfrm>
+          <a:prstGeom prst="rect">
+            <a:avLst/>
+          </a:prstGeom>
+          <a:noFill/>
+        </p:spPr>
+        <p:txBody>
+          <a:bodyPr wrap="square">
+            <a:spAutoFit/>
+          </a:bodyPr>
+          <a:lstStyle/>
+          <a:p>
+            <a:r>
+              <a:rPr lang="en" altLang="ko-Kore-KR" dirty="0">
+                <a:latin typeface="DM Mono" panose="020B0509040201040103" pitchFamily="49" charset="0"/>
+              </a:rPr>
+              <a:t>int main()</a:t>
+            </a:r>
+          </a:p>
+          <a:p>
+            <a:r>
+              <a:rPr lang="en" altLang="ko-Kore-KR" dirty="0">
+                <a:latin typeface="DM Mono" panose="020B0509040201040103" pitchFamily="49" charset="0"/>
+              </a:rPr>
+              <a:t>{</a:t>
+            </a:r>
+          </a:p>
+          <a:p>
+            <a:r>
+              <a:rPr lang="en" altLang="ko-Kore-KR" dirty="0">
+                <a:latin typeface="DM Mono" panose="020B0509040201040103" pitchFamily="49" charset="0"/>
+              </a:rPr>
+              <a:t>    int n = 10;</a:t>
+            </a:r>
+          </a:p>
+          <a:p>
+            <a:endParaRPr lang="en" altLang="ko-Kore-KR" dirty="0">
+              <a:latin typeface="DM Mono" panose="020B0509040201040103" pitchFamily="49" charset="0"/>
+            </a:endParaRPr>
+          </a:p>
+          <a:p>
+            <a:r>
+              <a:rPr lang="en" altLang="ko-Kore-KR" dirty="0">
+                <a:latin typeface="DM Mono" panose="020B0509040201040103" pitchFamily="49" charset="0"/>
+              </a:rPr>
+              <a:t>    int&amp; r = n;</a:t>
+            </a:r>
+          </a:p>
+          <a:p>
+            <a:endParaRPr lang="en" altLang="ko-Kore-KR" dirty="0">
+              <a:latin typeface="DM Mono" panose="020B0509040201040103" pitchFamily="49" charset="0"/>
+            </a:endParaRPr>
+          </a:p>
+          <a:p>
+            <a:r>
+              <a:rPr lang="en" altLang="ko-Kore-KR" dirty="0">
+                <a:solidFill>
+                  <a:srgbClr val="FF0000"/>
+                </a:solidFill>
+                <a:latin typeface="DM Mono" panose="020B0509040201040103" pitchFamily="49" charset="0"/>
+              </a:rPr>
+              <a:t>    r = 100;</a:t>
+            </a:r>
+          </a:p>
+          <a:p>
+            <a:r>
+              <a:rPr lang="en" altLang="ko-Kore-KR" dirty="0">
+                <a:latin typeface="DM Mono" panose="020B0509040201040103" pitchFamily="49" charset="0"/>
+              </a:rPr>
+              <a:t>    </a:t>
+            </a:r>
+            <a:r>
+              <a:rPr lang="en" altLang="ko-Kore-KR" dirty="0" err="1">
+                <a:latin typeface="DM Mono" panose="020B0509040201040103" pitchFamily="49" charset="0"/>
+              </a:rPr>
+              <a:t>cout</a:t>
+            </a:r>
+            <a:r>
+              <a:rPr lang="en" altLang="ko-Kore-KR" dirty="0">
+                <a:latin typeface="DM Mono" panose="020B0509040201040103" pitchFamily="49" charset="0"/>
+              </a:rPr>
+              <a:t> &lt;&lt; n &lt;&lt; </a:t>
+            </a:r>
+            <a:r>
+              <a:rPr lang="en" altLang="ko-Kore-KR" dirty="0" err="1">
+                <a:latin typeface="DM Mono" panose="020B0509040201040103" pitchFamily="49" charset="0"/>
+              </a:rPr>
+              <a:t>endl</a:t>
+            </a:r>
+            <a:r>
+              <a:rPr lang="en" altLang="ko-Kore-KR" dirty="0">
+                <a:latin typeface="DM Mono" panose="020B0509040201040103" pitchFamily="49" charset="0"/>
+              </a:rPr>
+              <a:t>;</a:t>
+            </a:r>
+          </a:p>
+          <a:p>
+            <a:r>
+              <a:rPr lang="en" altLang="ko-Kore-KR" dirty="0">
+                <a:latin typeface="DM Mono" panose="020B0509040201040103" pitchFamily="49" charset="0"/>
+              </a:rPr>
+              <a:t>}</a:t>
+            </a:r>
+            <a:endParaRPr lang="ko-Kore-KR" altLang="en-US" dirty="0">
+              <a:latin typeface="DM Mono" panose="020B0509040201040103" pitchFamily="49" charset="0"/>
+            </a:endParaRPr>
+          </a:p>
+        </p:txBody>
+      </p:sp>
+      <p:sp>
+        <p:nvSpPr>
+          <p:cNvPr id="6" name="직사각형 5">
+            <a:extLst>
+              <a:ext uri="{FF2B5EF4-FFF2-40B4-BE49-F238E27FC236}">
+                <a16:creationId xmlns:a16="http://schemas.microsoft.com/office/drawing/2014/main" id="{1C9AF545-0782-013B-F690-97B762F3D5AD}"/>
+              </a:ext>
+            </a:extLst>
+          </p:cNvPr>
+          <p:cNvSpPr/>
+          <p:nvPr/>
+        </p:nvSpPr>
+        <p:spPr>
+          <a:xfrm>
+            <a:off x="5055476" y="1008882"/>
+            <a:ext cx="5612524" cy="3689131"/>
+          </a:xfrm>
+          <a:prstGeom prst="rect">
+            <a:avLst/>
+          </a:prstGeom>
+          <a:solidFill>
+            <a:schemeClr val="bg1"/>
+          </a:solidFill>
+        </p:spPr>
+        <p:style>
+          <a:lnRef idx="2">
+            <a:schemeClr val="accent1">
+              <a:shade val="50000"/>
+            </a:schemeClr>
+          </a:lnRef>
+          <a:fillRef idx="1">
+            <a:schemeClr val="accent1"/>
+          </a:fillRef>
+          <a:effectRef idx="0">
+            <a:schemeClr val="accent1"/>
+          </a:effectRef>
+          <a:fontRef idx="minor">
+            <a:schemeClr val="lt1"/>
+          </a:fontRef>
+        </p:style>
+        <p:txBody>
+          <a:bodyPr rtlCol="0" anchor="ctr"/>
+          <a:lstStyle/>
+          <a:p>
+            <a:pPr algn="ctr"/>
+            <a:endParaRPr kumimoji="1" lang="ko-Kore-KR" altLang="en-US"/>
+          </a:p>
+        </p:txBody>
+      </p:sp>
+      <p:sp>
+        <p:nvSpPr>
+          <p:cNvPr id="7" name="TextBox 6">
+            <a:extLst>
+              <a:ext uri="{FF2B5EF4-FFF2-40B4-BE49-F238E27FC236}">
+                <a16:creationId xmlns:a16="http://schemas.microsoft.com/office/drawing/2014/main" id="{B14D4A12-0197-0648-30B3-AE6EBC1BEC63}"/>
+              </a:ext>
+            </a:extLst>
+          </p:cNvPr>
+          <p:cNvSpPr txBox="1"/>
+          <p:nvPr/>
+        </p:nvSpPr>
+        <p:spPr>
+          <a:xfrm>
+            <a:off x="7194331" y="639550"/>
+            <a:ext cx="1187669" cy="369332"/>
+          </a:xfrm>
+          <a:prstGeom prst="rect">
+            <a:avLst/>
+          </a:prstGeom>
+          <a:noFill/>
+        </p:spPr>
+        <p:txBody>
+          <a:bodyPr wrap="square">
+            <a:spAutoFit/>
+          </a:bodyPr>
+          <a:lstStyle/>
+          <a:p>
+            <a:pPr algn="ctr"/>
+            <a:r>
+              <a:rPr lang="ko-Kore-KR" altLang="en-US" dirty="0">
+                <a:latin typeface="DM Mono" panose="020B0509040201040103" pitchFamily="49" charset="0"/>
+              </a:rPr>
+              <a:t>main</a:t>
+            </a:r>
+            <a:endParaRPr lang="ko-Kore-KR" altLang="en-US" dirty="0"/>
+          </a:p>
+        </p:txBody>
+      </p:sp>
+      <p:sp>
+        <p:nvSpPr>
+          <p:cNvPr id="8" name="직사각형 7">
+            <a:extLst>
+              <a:ext uri="{FF2B5EF4-FFF2-40B4-BE49-F238E27FC236}">
+                <a16:creationId xmlns:a16="http://schemas.microsoft.com/office/drawing/2014/main" id="{53C7E6E1-EDB4-B801-05E3-E15014B4BE3B}"/>
+              </a:ext>
+            </a:extLst>
+          </p:cNvPr>
+          <p:cNvSpPr/>
+          <p:nvPr/>
+        </p:nvSpPr>
+        <p:spPr>
+          <a:xfrm>
+            <a:off x="6032938" y="1415845"/>
+            <a:ext cx="1019503" cy="451945"/>
+          </a:xfrm>
+          <a:prstGeom prst="rect">
+            <a:avLst/>
+          </a:prstGeom>
+          <a:solidFill>
+            <a:srgbClr val="FFFF00"/>
+          </a:solidFill>
+        </p:spPr>
+        <p:style>
+          <a:lnRef idx="2">
+            <a:schemeClr val="accent1">
+              <a:shade val="50000"/>
+            </a:schemeClr>
+          </a:lnRef>
+          <a:fillRef idx="1">
+            <a:schemeClr val="accent1"/>
+          </a:fillRef>
+          <a:effectRef idx="0">
+            <a:schemeClr val="accent1"/>
+          </a:effectRef>
+          <a:fontRef idx="minor">
+            <a:schemeClr val="lt1"/>
+          </a:fontRef>
+        </p:style>
+        <p:txBody>
+          <a:bodyPr rtlCol="0" anchor="ctr"/>
+          <a:lstStyle/>
+          <a:p>
+            <a:pPr algn="ctr"/>
+            <a:r>
+              <a:rPr kumimoji="1" lang="en-US" altLang="ko-Kore-KR" dirty="0">
+                <a:solidFill>
+                  <a:srgbClr val="FF0000"/>
+                </a:solidFill>
+                <a:latin typeface="DM Mono" panose="020B0509040201040103" pitchFamily="49" charset="0"/>
+              </a:rPr>
+              <a:t>100</a:t>
+            </a:r>
+            <a:endParaRPr kumimoji="1" lang="ko-Kore-KR" altLang="en-US" dirty="0">
+              <a:solidFill>
+                <a:srgbClr val="FF0000"/>
+              </a:solidFill>
+              <a:latin typeface="DM Mono" panose="020B0509040201040103" pitchFamily="49" charset="0"/>
+            </a:endParaRPr>
+          </a:p>
+        </p:txBody>
+      </p:sp>
+      <p:sp>
+        <p:nvSpPr>
+          <p:cNvPr id="9" name="TextBox 8">
+            <a:extLst>
+              <a:ext uri="{FF2B5EF4-FFF2-40B4-BE49-F238E27FC236}">
+                <a16:creationId xmlns:a16="http://schemas.microsoft.com/office/drawing/2014/main" id="{21A94303-6DEB-249B-14B6-E01CACE75F96}"/>
+              </a:ext>
+            </a:extLst>
+          </p:cNvPr>
+          <p:cNvSpPr txBox="1"/>
+          <p:nvPr/>
+        </p:nvSpPr>
+        <p:spPr>
+          <a:xfrm>
+            <a:off x="5507419" y="1336603"/>
+            <a:ext cx="525518" cy="369332"/>
+          </a:xfrm>
+          <a:prstGeom prst="rect">
+            <a:avLst/>
+          </a:prstGeom>
+          <a:noFill/>
+        </p:spPr>
+        <p:txBody>
+          <a:bodyPr wrap="square">
+            <a:spAutoFit/>
+          </a:bodyPr>
+          <a:lstStyle/>
+          <a:p>
+            <a:pPr algn="r"/>
+            <a:r>
+              <a:rPr lang="en-US" altLang="ko-Kore-KR" dirty="0">
+                <a:latin typeface="DM Mono" panose="020B0509040201040103" pitchFamily="49" charset="0"/>
+              </a:rPr>
+              <a:t>n</a:t>
+            </a:r>
+            <a:endParaRPr lang="ko-Kore-KR" altLang="en-US" dirty="0"/>
+          </a:p>
+        </p:txBody>
+      </p:sp>
+      <p:sp>
+        <p:nvSpPr>
+          <p:cNvPr id="11" name="TextBox 10">
+            <a:extLst>
+              <a:ext uri="{FF2B5EF4-FFF2-40B4-BE49-F238E27FC236}">
+                <a16:creationId xmlns:a16="http://schemas.microsoft.com/office/drawing/2014/main" id="{580EFB5E-FE3C-E5E6-F651-252F97338CE4}"/>
+              </a:ext>
+            </a:extLst>
+          </p:cNvPr>
+          <p:cNvSpPr txBox="1"/>
+          <p:nvPr/>
+        </p:nvSpPr>
+        <p:spPr>
+          <a:xfrm>
+            <a:off x="5665075" y="1154235"/>
+            <a:ext cx="735724" cy="261610"/>
+          </a:xfrm>
+          <a:prstGeom prst="rect">
+            <a:avLst/>
+          </a:prstGeom>
+          <a:noFill/>
+        </p:spPr>
+        <p:txBody>
+          <a:bodyPr wrap="square">
+            <a:spAutoFit/>
+          </a:bodyPr>
+          <a:lstStyle/>
+          <a:p>
+            <a:r>
+              <a:rPr kumimoji="1" lang="en-US" altLang="ko-Kore-KR" sz="1100" dirty="0">
+                <a:latin typeface="DM Mono" panose="020B0509040201040103" pitchFamily="49" charset="0"/>
+              </a:rPr>
+              <a:t>0x1000</a:t>
+            </a:r>
+            <a:endParaRPr lang="ko-Kore-KR" altLang="en-US" sz="1100" dirty="0"/>
+          </a:p>
+        </p:txBody>
+      </p:sp>
+      <p:sp>
+        <p:nvSpPr>
+          <p:cNvPr id="3" name="TextBox 2">
+            <a:extLst>
+              <a:ext uri="{FF2B5EF4-FFF2-40B4-BE49-F238E27FC236}">
+                <a16:creationId xmlns:a16="http://schemas.microsoft.com/office/drawing/2014/main" id="{00A3A80F-34D3-E90A-BB4B-383ECC8F1869}"/>
+              </a:ext>
+            </a:extLst>
+          </p:cNvPr>
+          <p:cNvSpPr txBox="1"/>
+          <p:nvPr/>
+        </p:nvSpPr>
+        <p:spPr>
+          <a:xfrm>
+            <a:off x="5507419" y="1569300"/>
+            <a:ext cx="525518" cy="369332"/>
+          </a:xfrm>
+          <a:prstGeom prst="rect">
+            <a:avLst/>
+          </a:prstGeom>
+          <a:noFill/>
+        </p:spPr>
+        <p:txBody>
+          <a:bodyPr wrap="square">
+            <a:spAutoFit/>
+          </a:bodyPr>
+          <a:lstStyle/>
+          <a:p>
+            <a:pPr algn="r"/>
+            <a:r>
+              <a:rPr lang="en-US" altLang="ko-Kore-KR" dirty="0">
+                <a:solidFill>
+                  <a:srgbClr val="FF0000"/>
+                </a:solidFill>
+                <a:latin typeface="DM Mono" panose="020B0509040201040103" pitchFamily="49" charset="0"/>
+              </a:rPr>
+              <a:t>r</a:t>
+            </a:r>
+            <a:endParaRPr lang="ko-Kore-KR" altLang="en-US" dirty="0">
+              <a:solidFill>
+                <a:srgbClr val="FF0000"/>
+              </a:solidFill>
+            </a:endParaRPr>
+          </a:p>
+        </p:txBody>
+      </p:sp>
+    </p:spTree>
+    <p:extLst>
+      <p:ext uri="{BB962C8B-B14F-4D97-AF65-F5344CB8AC3E}">
+        <p14:creationId xmlns:p14="http://schemas.microsoft.com/office/powerpoint/2010/main" val="3275012439"/>
       </p:ext>
     </p:extLst>
   </p:cSld>

--- a/230303.pptx
+++ b/230303.pptx
@@ -11,6 +11,10 @@
     <p:sldId id="259" r:id="rId5"/>
     <p:sldId id="260" r:id="rId6"/>
     <p:sldId id="261" r:id="rId7"/>
+    <p:sldId id="262" r:id="rId8"/>
+    <p:sldId id="263" r:id="rId9"/>
+    <p:sldId id="264" r:id="rId10"/>
+    <p:sldId id="265" r:id="rId11"/>
   </p:sldIdLst>
   <p:sldSz cx="12192000" cy="6858000"/>
   <p:notesSz cx="6858000" cy="9144000"/>
@@ -3875,6 +3879,579 @@
 </p:sld>
 </file>
 
+<file path=ppt/slides/slide10.xml><?xml version="1.0" encoding="utf-8"?>
+<p:sld xmlns:a="http://schemas.openxmlformats.org/drawingml/2006/main" xmlns:r="http://schemas.openxmlformats.org/officeDocument/2006/relationships" xmlns:p="http://schemas.openxmlformats.org/presentationml/2006/main">
+  <p:cSld>
+    <p:spTree>
+      <p:nvGrpSpPr>
+        <p:cNvPr id="1" name=""/>
+        <p:cNvGrpSpPr/>
+        <p:nvPr/>
+      </p:nvGrpSpPr>
+      <p:grpSpPr>
+        <a:xfrm>
+          <a:off x="0" y="0"/>
+          <a:ext cx="0" cy="0"/>
+          <a:chOff x="0" y="0"/>
+          <a:chExt cx="0" cy="0"/>
+        </a:xfrm>
+      </p:grpSpPr>
+      <p:sp>
+        <p:nvSpPr>
+          <p:cNvPr id="5" name="TextBox 4">
+            <a:extLst>
+              <a:ext uri="{FF2B5EF4-FFF2-40B4-BE49-F238E27FC236}">
+                <a16:creationId xmlns:a16="http://schemas.microsoft.com/office/drawing/2014/main" id="{5B87F660-B6FF-CA77-E37D-589CCC0A037D}"/>
+              </a:ext>
+            </a:extLst>
+          </p:cNvPr>
+          <p:cNvSpPr txBox="1"/>
+          <p:nvPr/>
+        </p:nvSpPr>
+        <p:spPr>
+          <a:xfrm>
+            <a:off x="672662" y="268125"/>
+            <a:ext cx="6096000" cy="2308324"/>
+          </a:xfrm>
+          <a:prstGeom prst="rect">
+            <a:avLst/>
+          </a:prstGeom>
+          <a:noFill/>
+        </p:spPr>
+        <p:txBody>
+          <a:bodyPr wrap="square">
+            <a:spAutoFit/>
+          </a:bodyPr>
+          <a:lstStyle/>
+          <a:p>
+            <a:r>
+              <a:rPr lang="en" altLang="ko-Kore-KR" dirty="0">
+                <a:latin typeface="DM Mono" panose="020B0509040201040103" pitchFamily="49" charset="0"/>
+              </a:rPr>
+              <a:t>void inc3(int&amp; x) { </a:t>
+            </a:r>
+            <a:r>
+              <a:rPr lang="en" altLang="ko-Kore-KR" dirty="0">
+                <a:solidFill>
+                  <a:srgbClr val="FF0000"/>
+                </a:solidFill>
+                <a:latin typeface="DM Mono" panose="020B0509040201040103" pitchFamily="49" charset="0"/>
+              </a:rPr>
+              <a:t>++x</a:t>
+            </a:r>
+            <a:r>
+              <a:rPr lang="en" altLang="ko-Kore-KR" dirty="0">
+                <a:latin typeface="DM Mono" panose="020B0509040201040103" pitchFamily="49" charset="0"/>
+              </a:rPr>
+              <a:t>; }</a:t>
+            </a:r>
+          </a:p>
+          <a:p>
+            <a:endParaRPr lang="en" altLang="ko-Kore-KR" dirty="0">
+              <a:latin typeface="DM Mono" panose="020B0509040201040103" pitchFamily="49" charset="0"/>
+            </a:endParaRPr>
+          </a:p>
+          <a:p>
+            <a:r>
+              <a:rPr lang="en" altLang="ko-Kore-KR" dirty="0">
+                <a:latin typeface="DM Mono" panose="020B0509040201040103" pitchFamily="49" charset="0"/>
+              </a:rPr>
+              <a:t>int main()</a:t>
+            </a:r>
+          </a:p>
+          <a:p>
+            <a:r>
+              <a:rPr lang="en" altLang="ko-Kore-KR" dirty="0">
+                <a:latin typeface="DM Mono" panose="020B0509040201040103" pitchFamily="49" charset="0"/>
+              </a:rPr>
+              <a:t>{</a:t>
+            </a:r>
+          </a:p>
+          <a:p>
+            <a:r>
+              <a:rPr lang="en" altLang="ko-Kore-KR" dirty="0">
+                <a:latin typeface="DM Mono" panose="020B0509040201040103" pitchFamily="49" charset="0"/>
+              </a:rPr>
+              <a:t>    int n = 10;</a:t>
+            </a:r>
+          </a:p>
+          <a:p>
+            <a:r>
+              <a:rPr lang="en" altLang="ko-Kore-KR" dirty="0">
+                <a:latin typeface="DM Mono" panose="020B0509040201040103" pitchFamily="49" charset="0"/>
+              </a:rPr>
+              <a:t>    inc3(n);</a:t>
+            </a:r>
+          </a:p>
+          <a:p>
+            <a:r>
+              <a:rPr lang="en" altLang="ko-Kore-KR" dirty="0">
+                <a:latin typeface="DM Mono" panose="020B0509040201040103" pitchFamily="49" charset="0"/>
+              </a:rPr>
+              <a:t>    </a:t>
+            </a:r>
+            <a:r>
+              <a:rPr lang="en" altLang="ko-Kore-KR" dirty="0" err="1">
+                <a:latin typeface="DM Mono" panose="020B0509040201040103" pitchFamily="49" charset="0"/>
+              </a:rPr>
+              <a:t>cout</a:t>
+            </a:r>
+            <a:r>
+              <a:rPr lang="en" altLang="ko-Kore-KR" dirty="0">
+                <a:latin typeface="DM Mono" panose="020B0509040201040103" pitchFamily="49" charset="0"/>
+              </a:rPr>
+              <a:t> &lt;&lt; n &lt;&lt; </a:t>
+            </a:r>
+            <a:r>
+              <a:rPr lang="en" altLang="ko-Kore-KR" dirty="0" err="1">
+                <a:latin typeface="DM Mono" panose="020B0509040201040103" pitchFamily="49" charset="0"/>
+              </a:rPr>
+              <a:t>endl</a:t>
+            </a:r>
+            <a:r>
+              <a:rPr lang="en" altLang="ko-Kore-KR" dirty="0">
+                <a:latin typeface="DM Mono" panose="020B0509040201040103" pitchFamily="49" charset="0"/>
+              </a:rPr>
+              <a:t>;</a:t>
+            </a:r>
+          </a:p>
+          <a:p>
+            <a:r>
+              <a:rPr lang="en" altLang="ko-Kore-KR" dirty="0">
+                <a:latin typeface="DM Mono" panose="020B0509040201040103" pitchFamily="49" charset="0"/>
+              </a:rPr>
+              <a:t>}</a:t>
+            </a:r>
+            <a:endParaRPr lang="ko-Kore-KR" altLang="en-US" dirty="0">
+              <a:latin typeface="DM Mono" panose="020B0509040201040103" pitchFamily="49" charset="0"/>
+            </a:endParaRPr>
+          </a:p>
+        </p:txBody>
+      </p:sp>
+      <p:sp>
+        <p:nvSpPr>
+          <p:cNvPr id="6" name="직사각형 5">
+            <a:extLst>
+              <a:ext uri="{FF2B5EF4-FFF2-40B4-BE49-F238E27FC236}">
+                <a16:creationId xmlns:a16="http://schemas.microsoft.com/office/drawing/2014/main" id="{1C9AF545-0782-013B-F690-97B762F3D5AD}"/>
+              </a:ext>
+            </a:extLst>
+          </p:cNvPr>
+          <p:cNvSpPr/>
+          <p:nvPr/>
+        </p:nvSpPr>
+        <p:spPr>
+          <a:xfrm>
+            <a:off x="2049517" y="2900744"/>
+            <a:ext cx="5339255" cy="2308325"/>
+          </a:xfrm>
+          <a:prstGeom prst="rect">
+            <a:avLst/>
+          </a:prstGeom>
+          <a:solidFill>
+            <a:schemeClr val="bg1"/>
+          </a:solidFill>
+        </p:spPr>
+        <p:style>
+          <a:lnRef idx="2">
+            <a:schemeClr val="accent1">
+              <a:shade val="50000"/>
+            </a:schemeClr>
+          </a:lnRef>
+          <a:fillRef idx="1">
+            <a:schemeClr val="accent1"/>
+          </a:fillRef>
+          <a:effectRef idx="0">
+            <a:schemeClr val="accent1"/>
+          </a:effectRef>
+          <a:fontRef idx="minor">
+            <a:schemeClr val="lt1"/>
+          </a:fontRef>
+        </p:style>
+        <p:txBody>
+          <a:bodyPr rtlCol="0" anchor="ctr"/>
+          <a:lstStyle/>
+          <a:p>
+            <a:pPr algn="ctr"/>
+            <a:endParaRPr kumimoji="1" lang="ko-Kore-KR" altLang="en-US"/>
+          </a:p>
+        </p:txBody>
+      </p:sp>
+      <p:sp>
+        <p:nvSpPr>
+          <p:cNvPr id="7" name="TextBox 6">
+            <a:extLst>
+              <a:ext uri="{FF2B5EF4-FFF2-40B4-BE49-F238E27FC236}">
+                <a16:creationId xmlns:a16="http://schemas.microsoft.com/office/drawing/2014/main" id="{B14D4A12-0197-0648-30B3-AE6EBC1BEC63}"/>
+              </a:ext>
+            </a:extLst>
+          </p:cNvPr>
+          <p:cNvSpPr txBox="1"/>
+          <p:nvPr/>
+        </p:nvSpPr>
+        <p:spPr>
+          <a:xfrm>
+            <a:off x="4188372" y="2531412"/>
+            <a:ext cx="1187669" cy="369332"/>
+          </a:xfrm>
+          <a:prstGeom prst="rect">
+            <a:avLst/>
+          </a:prstGeom>
+          <a:noFill/>
+        </p:spPr>
+        <p:txBody>
+          <a:bodyPr wrap="square">
+            <a:spAutoFit/>
+          </a:bodyPr>
+          <a:lstStyle/>
+          <a:p>
+            <a:pPr algn="ctr"/>
+            <a:r>
+              <a:rPr lang="ko-Kore-KR" altLang="en-US" dirty="0">
+                <a:latin typeface="DM Mono" panose="020B0509040201040103" pitchFamily="49" charset="0"/>
+              </a:rPr>
+              <a:t>main</a:t>
+            </a:r>
+            <a:endParaRPr lang="ko-Kore-KR" altLang="en-US" dirty="0"/>
+          </a:p>
+        </p:txBody>
+      </p:sp>
+      <p:sp>
+        <p:nvSpPr>
+          <p:cNvPr id="8" name="직사각형 7">
+            <a:extLst>
+              <a:ext uri="{FF2B5EF4-FFF2-40B4-BE49-F238E27FC236}">
+                <a16:creationId xmlns:a16="http://schemas.microsoft.com/office/drawing/2014/main" id="{53C7E6E1-EDB4-B801-05E3-E15014B4BE3B}"/>
+              </a:ext>
+            </a:extLst>
+          </p:cNvPr>
+          <p:cNvSpPr/>
+          <p:nvPr/>
+        </p:nvSpPr>
+        <p:spPr>
+          <a:xfrm>
+            <a:off x="3026979" y="3307707"/>
+            <a:ext cx="1019503" cy="451945"/>
+          </a:xfrm>
+          <a:prstGeom prst="rect">
+            <a:avLst/>
+          </a:prstGeom>
+          <a:solidFill>
+            <a:srgbClr val="FFFF00"/>
+          </a:solidFill>
+        </p:spPr>
+        <p:style>
+          <a:lnRef idx="2">
+            <a:schemeClr val="accent1">
+              <a:shade val="50000"/>
+            </a:schemeClr>
+          </a:lnRef>
+          <a:fillRef idx="1">
+            <a:schemeClr val="accent1"/>
+          </a:fillRef>
+          <a:effectRef idx="0">
+            <a:schemeClr val="accent1"/>
+          </a:effectRef>
+          <a:fontRef idx="minor">
+            <a:schemeClr val="lt1"/>
+          </a:fontRef>
+        </p:style>
+        <p:txBody>
+          <a:bodyPr rtlCol="0" anchor="ctr"/>
+          <a:lstStyle/>
+          <a:p>
+            <a:pPr algn="ctr"/>
+            <a:r>
+              <a:rPr kumimoji="1" lang="en-US" altLang="ko-Kore-KR" dirty="0">
+                <a:solidFill>
+                  <a:srgbClr val="FF0000"/>
+                </a:solidFill>
+                <a:latin typeface="DM Mono" panose="020B0509040201040103" pitchFamily="49" charset="0"/>
+              </a:rPr>
+              <a:t>11</a:t>
+            </a:r>
+            <a:endParaRPr kumimoji="1" lang="ko-Kore-KR" altLang="en-US" dirty="0">
+              <a:solidFill>
+                <a:srgbClr val="FF0000"/>
+              </a:solidFill>
+              <a:latin typeface="DM Mono" panose="020B0509040201040103" pitchFamily="49" charset="0"/>
+            </a:endParaRPr>
+          </a:p>
+        </p:txBody>
+      </p:sp>
+      <p:sp>
+        <p:nvSpPr>
+          <p:cNvPr id="9" name="TextBox 8">
+            <a:extLst>
+              <a:ext uri="{FF2B5EF4-FFF2-40B4-BE49-F238E27FC236}">
+                <a16:creationId xmlns:a16="http://schemas.microsoft.com/office/drawing/2014/main" id="{21A94303-6DEB-249B-14B6-E01CACE75F96}"/>
+              </a:ext>
+            </a:extLst>
+          </p:cNvPr>
+          <p:cNvSpPr txBox="1"/>
+          <p:nvPr/>
+        </p:nvSpPr>
+        <p:spPr>
+          <a:xfrm>
+            <a:off x="2501460" y="3228465"/>
+            <a:ext cx="525518" cy="369332"/>
+          </a:xfrm>
+          <a:prstGeom prst="rect">
+            <a:avLst/>
+          </a:prstGeom>
+          <a:noFill/>
+        </p:spPr>
+        <p:txBody>
+          <a:bodyPr wrap="square">
+            <a:spAutoFit/>
+          </a:bodyPr>
+          <a:lstStyle/>
+          <a:p>
+            <a:pPr algn="r"/>
+            <a:r>
+              <a:rPr lang="en-US" altLang="ko-Kore-KR" dirty="0">
+                <a:latin typeface="DM Mono" panose="020B0509040201040103" pitchFamily="49" charset="0"/>
+              </a:rPr>
+              <a:t>n</a:t>
+            </a:r>
+            <a:endParaRPr lang="ko-Kore-KR" altLang="en-US" dirty="0"/>
+          </a:p>
+        </p:txBody>
+      </p:sp>
+      <p:sp>
+        <p:nvSpPr>
+          <p:cNvPr id="11" name="TextBox 10">
+            <a:extLst>
+              <a:ext uri="{FF2B5EF4-FFF2-40B4-BE49-F238E27FC236}">
+                <a16:creationId xmlns:a16="http://schemas.microsoft.com/office/drawing/2014/main" id="{580EFB5E-FE3C-E5E6-F651-252F97338CE4}"/>
+              </a:ext>
+            </a:extLst>
+          </p:cNvPr>
+          <p:cNvSpPr txBox="1"/>
+          <p:nvPr/>
+        </p:nvSpPr>
+        <p:spPr>
+          <a:xfrm>
+            <a:off x="2659116" y="3046097"/>
+            <a:ext cx="735724" cy="261610"/>
+          </a:xfrm>
+          <a:prstGeom prst="rect">
+            <a:avLst/>
+          </a:prstGeom>
+          <a:noFill/>
+        </p:spPr>
+        <p:txBody>
+          <a:bodyPr wrap="square">
+            <a:spAutoFit/>
+          </a:bodyPr>
+          <a:lstStyle/>
+          <a:p>
+            <a:r>
+              <a:rPr kumimoji="1" lang="en-US" altLang="ko-Kore-KR" sz="1100" dirty="0">
+                <a:solidFill>
+                  <a:srgbClr val="FF0000"/>
+                </a:solidFill>
+                <a:latin typeface="DM Mono" panose="020B0509040201040103" pitchFamily="49" charset="0"/>
+              </a:rPr>
+              <a:t>0x1000</a:t>
+            </a:r>
+            <a:endParaRPr lang="ko-Kore-KR" altLang="en-US" sz="1100" dirty="0">
+              <a:solidFill>
+                <a:srgbClr val="FF0000"/>
+              </a:solidFill>
+            </a:endParaRPr>
+          </a:p>
+        </p:txBody>
+      </p:sp>
+      <p:sp>
+        <p:nvSpPr>
+          <p:cNvPr id="2" name="직사각형 1">
+            <a:extLst>
+              <a:ext uri="{FF2B5EF4-FFF2-40B4-BE49-F238E27FC236}">
+                <a16:creationId xmlns:a16="http://schemas.microsoft.com/office/drawing/2014/main" id="{C5FB47D1-8AF1-CC0C-88E9-F8BECF78A0FD}"/>
+              </a:ext>
+            </a:extLst>
+          </p:cNvPr>
+          <p:cNvSpPr/>
+          <p:nvPr/>
+        </p:nvSpPr>
+        <p:spPr>
+          <a:xfrm>
+            <a:off x="6490137" y="430271"/>
+            <a:ext cx="5339255" cy="2308325"/>
+          </a:xfrm>
+          <a:prstGeom prst="rect">
+            <a:avLst/>
+          </a:prstGeom>
+          <a:solidFill>
+            <a:schemeClr val="bg1"/>
+          </a:solidFill>
+        </p:spPr>
+        <p:style>
+          <a:lnRef idx="2">
+            <a:schemeClr val="accent1">
+              <a:shade val="50000"/>
+            </a:schemeClr>
+          </a:lnRef>
+          <a:fillRef idx="1">
+            <a:schemeClr val="accent1"/>
+          </a:fillRef>
+          <a:effectRef idx="0">
+            <a:schemeClr val="accent1"/>
+          </a:effectRef>
+          <a:fontRef idx="minor">
+            <a:schemeClr val="lt1"/>
+          </a:fontRef>
+        </p:style>
+        <p:txBody>
+          <a:bodyPr rtlCol="0" anchor="ctr"/>
+          <a:lstStyle/>
+          <a:p>
+            <a:pPr algn="ctr"/>
+            <a:endParaRPr kumimoji="1" lang="ko-Kore-KR" altLang="en-US"/>
+          </a:p>
+        </p:txBody>
+      </p:sp>
+      <p:sp>
+        <p:nvSpPr>
+          <p:cNvPr id="10" name="TextBox 9">
+            <a:extLst>
+              <a:ext uri="{FF2B5EF4-FFF2-40B4-BE49-F238E27FC236}">
+                <a16:creationId xmlns:a16="http://schemas.microsoft.com/office/drawing/2014/main" id="{3DCCBC16-43F9-C039-18AB-8667E8211725}"/>
+              </a:ext>
+            </a:extLst>
+          </p:cNvPr>
+          <p:cNvSpPr txBox="1"/>
+          <p:nvPr/>
+        </p:nvSpPr>
+        <p:spPr>
+          <a:xfrm>
+            <a:off x="8105357" y="975325"/>
+            <a:ext cx="525518" cy="369332"/>
+          </a:xfrm>
+          <a:prstGeom prst="rect">
+            <a:avLst/>
+          </a:prstGeom>
+          <a:noFill/>
+        </p:spPr>
+        <p:txBody>
+          <a:bodyPr wrap="square">
+            <a:spAutoFit/>
+          </a:bodyPr>
+          <a:lstStyle/>
+          <a:p>
+            <a:pPr algn="r"/>
+            <a:r>
+              <a:rPr lang="en-US" altLang="ko-Kore-KR" dirty="0">
+                <a:solidFill>
+                  <a:srgbClr val="FF0000"/>
+                </a:solidFill>
+                <a:latin typeface="DM Mono" panose="020B0509040201040103" pitchFamily="49" charset="0"/>
+              </a:rPr>
+              <a:t>x</a:t>
+            </a:r>
+            <a:endParaRPr lang="ko-Kore-KR" altLang="en-US" dirty="0">
+              <a:solidFill>
+                <a:srgbClr val="FF0000"/>
+              </a:solidFill>
+            </a:endParaRPr>
+          </a:p>
+        </p:txBody>
+      </p:sp>
+      <p:sp>
+        <p:nvSpPr>
+          <p:cNvPr id="12" name="TextBox 11">
+            <a:extLst>
+              <a:ext uri="{FF2B5EF4-FFF2-40B4-BE49-F238E27FC236}">
+                <a16:creationId xmlns:a16="http://schemas.microsoft.com/office/drawing/2014/main" id="{50757886-C9BE-094B-3CA4-C6214EA5B5EB}"/>
+              </a:ext>
+            </a:extLst>
+          </p:cNvPr>
+          <p:cNvSpPr txBox="1"/>
+          <p:nvPr/>
+        </p:nvSpPr>
+        <p:spPr>
+          <a:xfrm>
+            <a:off x="8565929" y="79755"/>
+            <a:ext cx="1187669" cy="369332"/>
+          </a:xfrm>
+          <a:prstGeom prst="rect">
+            <a:avLst/>
+          </a:prstGeom>
+          <a:noFill/>
+        </p:spPr>
+        <p:txBody>
+          <a:bodyPr wrap="square">
+            <a:spAutoFit/>
+          </a:bodyPr>
+          <a:lstStyle/>
+          <a:p>
+            <a:pPr algn="ctr"/>
+            <a:r>
+              <a:rPr lang="ko-Kore-KR" altLang="en-US" dirty="0">
+                <a:latin typeface="DM Mono" panose="020B0509040201040103" pitchFamily="49" charset="0"/>
+              </a:rPr>
+              <a:t>main</a:t>
+            </a:r>
+            <a:endParaRPr lang="ko-Kore-KR" altLang="en-US" dirty="0"/>
+          </a:p>
+        </p:txBody>
+      </p:sp>
+      <p:cxnSp>
+        <p:nvCxnSpPr>
+          <p:cNvPr id="13" name="구부러진 연결선[U] 12">
+            <a:extLst>
+              <a:ext uri="{FF2B5EF4-FFF2-40B4-BE49-F238E27FC236}">
+                <a16:creationId xmlns:a16="http://schemas.microsoft.com/office/drawing/2014/main" id="{DBE4A32B-12AD-D9EA-B122-D6DD563BAF8B}"/>
+              </a:ext>
+            </a:extLst>
+          </p:cNvPr>
+          <p:cNvCxnSpPr>
+            <a:cxnSpLocks/>
+            <a:endCxn id="8" idx="3"/>
+          </p:cNvCxnSpPr>
+          <p:nvPr/>
+        </p:nvCxnSpPr>
+        <p:spPr>
+          <a:xfrm rot="5400000">
+            <a:off x="5135346" y="200315"/>
+            <a:ext cx="2244501" cy="4422228"/>
+          </a:xfrm>
+          <a:prstGeom prst="curvedConnector2">
+            <a:avLst/>
+          </a:prstGeom>
+          <a:ln>
+            <a:tailEnd type="triangle"/>
+          </a:ln>
+        </p:spPr>
+        <p:style>
+          <a:lnRef idx="1">
+            <a:schemeClr val="dk1"/>
+          </a:lnRef>
+          <a:fillRef idx="0">
+            <a:schemeClr val="dk1"/>
+          </a:fillRef>
+          <a:effectRef idx="0">
+            <a:schemeClr val="dk1"/>
+          </a:effectRef>
+          <a:fontRef idx="minor">
+            <a:schemeClr val="tx1"/>
+          </a:fontRef>
+        </p:style>
+      </p:cxnSp>
+    </p:spTree>
+    <p:extLst>
+      <p:ext uri="{BB962C8B-B14F-4D97-AF65-F5344CB8AC3E}">
+        <p14:creationId xmlns:p14="http://schemas.microsoft.com/office/powerpoint/2010/main" val="184612174"/>
+      </p:ext>
+    </p:extLst>
+  </p:cSld>
+  <p:clrMapOvr>
+    <a:masterClrMapping/>
+  </p:clrMapOvr>
+</p:sld>
+</file>
+
 <file path=ppt/slides/slide2.xml><?xml version="1.0" encoding="utf-8"?>
 <p:sld xmlns:a="http://schemas.openxmlformats.org/drawingml/2006/main" xmlns:r="http://schemas.openxmlformats.org/officeDocument/2006/relationships" xmlns:p="http://schemas.openxmlformats.org/presentationml/2006/main">
   <p:cSld>
@@ -6130,6 +6707,1780 @@
     <p:extLst>
       <p:ext uri="{BB962C8B-B14F-4D97-AF65-F5344CB8AC3E}">
         <p14:creationId xmlns:p14="http://schemas.microsoft.com/office/powerpoint/2010/main" val="3275012439"/>
+      </p:ext>
+    </p:extLst>
+  </p:cSld>
+  <p:clrMapOvr>
+    <a:masterClrMapping/>
+  </p:clrMapOvr>
+</p:sld>
+</file>
+
+<file path=ppt/slides/slide7.xml><?xml version="1.0" encoding="utf-8"?>
+<p:sld xmlns:a="http://schemas.openxmlformats.org/drawingml/2006/main" xmlns:r="http://schemas.openxmlformats.org/officeDocument/2006/relationships" xmlns:p="http://schemas.openxmlformats.org/presentationml/2006/main">
+  <p:cSld>
+    <p:spTree>
+      <p:nvGrpSpPr>
+        <p:cNvPr id="1" name=""/>
+        <p:cNvGrpSpPr/>
+        <p:nvPr/>
+      </p:nvGrpSpPr>
+      <p:grpSpPr>
+        <a:xfrm>
+          <a:off x="0" y="0"/>
+          <a:ext cx="0" cy="0"/>
+          <a:chOff x="0" y="0"/>
+          <a:chExt cx="0" cy="0"/>
+        </a:xfrm>
+      </p:grpSpPr>
+      <p:sp>
+        <p:nvSpPr>
+          <p:cNvPr id="5" name="TextBox 4">
+            <a:extLst>
+              <a:ext uri="{FF2B5EF4-FFF2-40B4-BE49-F238E27FC236}">
+                <a16:creationId xmlns:a16="http://schemas.microsoft.com/office/drawing/2014/main" id="{5B87F660-B6FF-CA77-E37D-589CCC0A037D}"/>
+              </a:ext>
+            </a:extLst>
+          </p:cNvPr>
+          <p:cNvSpPr txBox="1"/>
+          <p:nvPr/>
+        </p:nvSpPr>
+        <p:spPr>
+          <a:xfrm>
+            <a:off x="672662" y="268125"/>
+            <a:ext cx="6096000" cy="2308324"/>
+          </a:xfrm>
+          <a:prstGeom prst="rect">
+            <a:avLst/>
+          </a:prstGeom>
+          <a:noFill/>
+        </p:spPr>
+        <p:txBody>
+          <a:bodyPr wrap="square">
+            <a:spAutoFit/>
+          </a:bodyPr>
+          <a:lstStyle/>
+          <a:p>
+            <a:r>
+              <a:rPr lang="en" altLang="ko-Kore-KR" dirty="0">
+                <a:latin typeface="DM Mono" panose="020B0509040201040103" pitchFamily="49" charset="0"/>
+              </a:rPr>
+              <a:t>void inc1(int x) { ++x; }</a:t>
+            </a:r>
+          </a:p>
+          <a:p>
+            <a:endParaRPr lang="en" altLang="ko-Kore-KR" dirty="0">
+              <a:latin typeface="DM Mono" panose="020B0509040201040103" pitchFamily="49" charset="0"/>
+            </a:endParaRPr>
+          </a:p>
+          <a:p>
+            <a:r>
+              <a:rPr lang="en" altLang="ko-Kore-KR" dirty="0">
+                <a:latin typeface="DM Mono" panose="020B0509040201040103" pitchFamily="49" charset="0"/>
+              </a:rPr>
+              <a:t>int main()</a:t>
+            </a:r>
+          </a:p>
+          <a:p>
+            <a:r>
+              <a:rPr lang="en" altLang="ko-Kore-KR" dirty="0">
+                <a:latin typeface="DM Mono" panose="020B0509040201040103" pitchFamily="49" charset="0"/>
+              </a:rPr>
+              <a:t>{</a:t>
+            </a:r>
+          </a:p>
+          <a:p>
+            <a:r>
+              <a:rPr lang="en" altLang="ko-Kore-KR" dirty="0">
+                <a:latin typeface="DM Mono" panose="020B0509040201040103" pitchFamily="49" charset="0"/>
+              </a:rPr>
+              <a:t>    int n = 10;</a:t>
+            </a:r>
+          </a:p>
+          <a:p>
+            <a:r>
+              <a:rPr lang="en" altLang="ko-Kore-KR" dirty="0">
+                <a:latin typeface="DM Mono" panose="020B0509040201040103" pitchFamily="49" charset="0"/>
+              </a:rPr>
+              <a:t>    inc1(n);</a:t>
+            </a:r>
+          </a:p>
+          <a:p>
+            <a:r>
+              <a:rPr lang="en" altLang="ko-Kore-KR" dirty="0">
+                <a:latin typeface="DM Mono" panose="020B0509040201040103" pitchFamily="49" charset="0"/>
+              </a:rPr>
+              <a:t>    </a:t>
+            </a:r>
+            <a:r>
+              <a:rPr lang="en" altLang="ko-Kore-KR" dirty="0" err="1">
+                <a:latin typeface="DM Mono" panose="020B0509040201040103" pitchFamily="49" charset="0"/>
+              </a:rPr>
+              <a:t>cout</a:t>
+            </a:r>
+            <a:r>
+              <a:rPr lang="en" altLang="ko-Kore-KR" dirty="0">
+                <a:latin typeface="DM Mono" panose="020B0509040201040103" pitchFamily="49" charset="0"/>
+              </a:rPr>
+              <a:t> &lt;&lt; n &lt;&lt; </a:t>
+            </a:r>
+            <a:r>
+              <a:rPr lang="en" altLang="ko-Kore-KR" dirty="0" err="1">
+                <a:latin typeface="DM Mono" panose="020B0509040201040103" pitchFamily="49" charset="0"/>
+              </a:rPr>
+              <a:t>endl</a:t>
+            </a:r>
+            <a:r>
+              <a:rPr lang="en" altLang="ko-Kore-KR" dirty="0">
+                <a:latin typeface="DM Mono" panose="020B0509040201040103" pitchFamily="49" charset="0"/>
+              </a:rPr>
+              <a:t>;</a:t>
+            </a:r>
+          </a:p>
+          <a:p>
+            <a:r>
+              <a:rPr lang="en" altLang="ko-Kore-KR" dirty="0">
+                <a:latin typeface="DM Mono" panose="020B0509040201040103" pitchFamily="49" charset="0"/>
+              </a:rPr>
+              <a:t>}</a:t>
+            </a:r>
+            <a:endParaRPr lang="ko-Kore-KR" altLang="en-US" dirty="0">
+              <a:latin typeface="DM Mono" panose="020B0509040201040103" pitchFamily="49" charset="0"/>
+            </a:endParaRPr>
+          </a:p>
+        </p:txBody>
+      </p:sp>
+      <p:sp>
+        <p:nvSpPr>
+          <p:cNvPr id="6" name="직사각형 5">
+            <a:extLst>
+              <a:ext uri="{FF2B5EF4-FFF2-40B4-BE49-F238E27FC236}">
+                <a16:creationId xmlns:a16="http://schemas.microsoft.com/office/drawing/2014/main" id="{1C9AF545-0782-013B-F690-97B762F3D5AD}"/>
+              </a:ext>
+            </a:extLst>
+          </p:cNvPr>
+          <p:cNvSpPr/>
+          <p:nvPr/>
+        </p:nvSpPr>
+        <p:spPr>
+          <a:xfrm>
+            <a:off x="2049517" y="2900744"/>
+            <a:ext cx="5339255" cy="2308325"/>
+          </a:xfrm>
+          <a:prstGeom prst="rect">
+            <a:avLst/>
+          </a:prstGeom>
+          <a:solidFill>
+            <a:schemeClr val="bg1"/>
+          </a:solidFill>
+        </p:spPr>
+        <p:style>
+          <a:lnRef idx="2">
+            <a:schemeClr val="accent1">
+              <a:shade val="50000"/>
+            </a:schemeClr>
+          </a:lnRef>
+          <a:fillRef idx="1">
+            <a:schemeClr val="accent1"/>
+          </a:fillRef>
+          <a:effectRef idx="0">
+            <a:schemeClr val="accent1"/>
+          </a:effectRef>
+          <a:fontRef idx="minor">
+            <a:schemeClr val="lt1"/>
+          </a:fontRef>
+        </p:style>
+        <p:txBody>
+          <a:bodyPr rtlCol="0" anchor="ctr"/>
+          <a:lstStyle/>
+          <a:p>
+            <a:pPr algn="ctr"/>
+            <a:endParaRPr kumimoji="1" lang="ko-Kore-KR" altLang="en-US"/>
+          </a:p>
+        </p:txBody>
+      </p:sp>
+      <p:sp>
+        <p:nvSpPr>
+          <p:cNvPr id="7" name="TextBox 6">
+            <a:extLst>
+              <a:ext uri="{FF2B5EF4-FFF2-40B4-BE49-F238E27FC236}">
+                <a16:creationId xmlns:a16="http://schemas.microsoft.com/office/drawing/2014/main" id="{B14D4A12-0197-0648-30B3-AE6EBC1BEC63}"/>
+              </a:ext>
+            </a:extLst>
+          </p:cNvPr>
+          <p:cNvSpPr txBox="1"/>
+          <p:nvPr/>
+        </p:nvSpPr>
+        <p:spPr>
+          <a:xfrm>
+            <a:off x="4188372" y="2531412"/>
+            <a:ext cx="1187669" cy="369332"/>
+          </a:xfrm>
+          <a:prstGeom prst="rect">
+            <a:avLst/>
+          </a:prstGeom>
+          <a:noFill/>
+        </p:spPr>
+        <p:txBody>
+          <a:bodyPr wrap="square">
+            <a:spAutoFit/>
+          </a:bodyPr>
+          <a:lstStyle/>
+          <a:p>
+            <a:pPr algn="ctr"/>
+            <a:r>
+              <a:rPr lang="ko-Kore-KR" altLang="en-US" dirty="0">
+                <a:latin typeface="DM Mono" panose="020B0509040201040103" pitchFamily="49" charset="0"/>
+              </a:rPr>
+              <a:t>main</a:t>
+            </a:r>
+            <a:endParaRPr lang="ko-Kore-KR" altLang="en-US" dirty="0"/>
+          </a:p>
+        </p:txBody>
+      </p:sp>
+      <p:sp>
+        <p:nvSpPr>
+          <p:cNvPr id="8" name="직사각형 7">
+            <a:extLst>
+              <a:ext uri="{FF2B5EF4-FFF2-40B4-BE49-F238E27FC236}">
+                <a16:creationId xmlns:a16="http://schemas.microsoft.com/office/drawing/2014/main" id="{53C7E6E1-EDB4-B801-05E3-E15014B4BE3B}"/>
+              </a:ext>
+            </a:extLst>
+          </p:cNvPr>
+          <p:cNvSpPr/>
+          <p:nvPr/>
+        </p:nvSpPr>
+        <p:spPr>
+          <a:xfrm>
+            <a:off x="3026979" y="3307707"/>
+            <a:ext cx="1019503" cy="451945"/>
+          </a:xfrm>
+          <a:prstGeom prst="rect">
+            <a:avLst/>
+          </a:prstGeom>
+          <a:solidFill>
+            <a:srgbClr val="FFFF00"/>
+          </a:solidFill>
+        </p:spPr>
+        <p:style>
+          <a:lnRef idx="2">
+            <a:schemeClr val="accent1">
+              <a:shade val="50000"/>
+            </a:schemeClr>
+          </a:lnRef>
+          <a:fillRef idx="1">
+            <a:schemeClr val="accent1"/>
+          </a:fillRef>
+          <a:effectRef idx="0">
+            <a:schemeClr val="accent1"/>
+          </a:effectRef>
+          <a:fontRef idx="minor">
+            <a:schemeClr val="lt1"/>
+          </a:fontRef>
+        </p:style>
+        <p:txBody>
+          <a:bodyPr rtlCol="0" anchor="ctr"/>
+          <a:lstStyle/>
+          <a:p>
+            <a:pPr algn="ctr"/>
+            <a:r>
+              <a:rPr kumimoji="1" lang="en-US" altLang="ko-Kore-KR" dirty="0">
+                <a:solidFill>
+                  <a:schemeClr val="tx1"/>
+                </a:solidFill>
+                <a:latin typeface="DM Mono" panose="020B0509040201040103" pitchFamily="49" charset="0"/>
+              </a:rPr>
+              <a:t>10</a:t>
+            </a:r>
+            <a:endParaRPr kumimoji="1" lang="ko-Kore-KR" altLang="en-US" dirty="0">
+              <a:solidFill>
+                <a:schemeClr val="tx1"/>
+              </a:solidFill>
+              <a:latin typeface="DM Mono" panose="020B0509040201040103" pitchFamily="49" charset="0"/>
+            </a:endParaRPr>
+          </a:p>
+        </p:txBody>
+      </p:sp>
+      <p:sp>
+        <p:nvSpPr>
+          <p:cNvPr id="9" name="TextBox 8">
+            <a:extLst>
+              <a:ext uri="{FF2B5EF4-FFF2-40B4-BE49-F238E27FC236}">
+                <a16:creationId xmlns:a16="http://schemas.microsoft.com/office/drawing/2014/main" id="{21A94303-6DEB-249B-14B6-E01CACE75F96}"/>
+              </a:ext>
+            </a:extLst>
+          </p:cNvPr>
+          <p:cNvSpPr txBox="1"/>
+          <p:nvPr/>
+        </p:nvSpPr>
+        <p:spPr>
+          <a:xfrm>
+            <a:off x="2501460" y="3228465"/>
+            <a:ext cx="525518" cy="369332"/>
+          </a:xfrm>
+          <a:prstGeom prst="rect">
+            <a:avLst/>
+          </a:prstGeom>
+          <a:noFill/>
+        </p:spPr>
+        <p:txBody>
+          <a:bodyPr wrap="square">
+            <a:spAutoFit/>
+          </a:bodyPr>
+          <a:lstStyle/>
+          <a:p>
+            <a:pPr algn="r"/>
+            <a:r>
+              <a:rPr lang="en-US" altLang="ko-Kore-KR" dirty="0">
+                <a:latin typeface="DM Mono" panose="020B0509040201040103" pitchFamily="49" charset="0"/>
+              </a:rPr>
+              <a:t>n</a:t>
+            </a:r>
+            <a:endParaRPr lang="ko-Kore-KR" altLang="en-US" dirty="0"/>
+          </a:p>
+        </p:txBody>
+      </p:sp>
+      <p:sp>
+        <p:nvSpPr>
+          <p:cNvPr id="11" name="TextBox 10">
+            <a:extLst>
+              <a:ext uri="{FF2B5EF4-FFF2-40B4-BE49-F238E27FC236}">
+                <a16:creationId xmlns:a16="http://schemas.microsoft.com/office/drawing/2014/main" id="{580EFB5E-FE3C-E5E6-F651-252F97338CE4}"/>
+              </a:ext>
+            </a:extLst>
+          </p:cNvPr>
+          <p:cNvSpPr txBox="1"/>
+          <p:nvPr/>
+        </p:nvSpPr>
+        <p:spPr>
+          <a:xfrm>
+            <a:off x="2659116" y="3046097"/>
+            <a:ext cx="735724" cy="261610"/>
+          </a:xfrm>
+          <a:prstGeom prst="rect">
+            <a:avLst/>
+          </a:prstGeom>
+          <a:noFill/>
+        </p:spPr>
+        <p:txBody>
+          <a:bodyPr wrap="square">
+            <a:spAutoFit/>
+          </a:bodyPr>
+          <a:lstStyle/>
+          <a:p>
+            <a:r>
+              <a:rPr kumimoji="1" lang="en-US" altLang="ko-Kore-KR" sz="1100" dirty="0">
+                <a:latin typeface="DM Mono" panose="020B0509040201040103" pitchFamily="49" charset="0"/>
+              </a:rPr>
+              <a:t>0x1000</a:t>
+            </a:r>
+            <a:endParaRPr lang="ko-Kore-KR" altLang="en-US" sz="1100" dirty="0"/>
+          </a:p>
+        </p:txBody>
+      </p:sp>
+      <p:sp>
+        <p:nvSpPr>
+          <p:cNvPr id="2" name="직사각형 1">
+            <a:extLst>
+              <a:ext uri="{FF2B5EF4-FFF2-40B4-BE49-F238E27FC236}">
+                <a16:creationId xmlns:a16="http://schemas.microsoft.com/office/drawing/2014/main" id="{C5FB47D1-8AF1-CC0C-88E9-F8BECF78A0FD}"/>
+              </a:ext>
+            </a:extLst>
+          </p:cNvPr>
+          <p:cNvSpPr/>
+          <p:nvPr/>
+        </p:nvSpPr>
+        <p:spPr>
+          <a:xfrm>
+            <a:off x="6490137" y="430271"/>
+            <a:ext cx="5339255" cy="2308325"/>
+          </a:xfrm>
+          <a:prstGeom prst="rect">
+            <a:avLst/>
+          </a:prstGeom>
+          <a:solidFill>
+            <a:schemeClr val="bg1"/>
+          </a:solidFill>
+        </p:spPr>
+        <p:style>
+          <a:lnRef idx="2">
+            <a:schemeClr val="accent1">
+              <a:shade val="50000"/>
+            </a:schemeClr>
+          </a:lnRef>
+          <a:fillRef idx="1">
+            <a:schemeClr val="accent1"/>
+          </a:fillRef>
+          <a:effectRef idx="0">
+            <a:schemeClr val="accent1"/>
+          </a:effectRef>
+          <a:fontRef idx="minor">
+            <a:schemeClr val="lt1"/>
+          </a:fontRef>
+        </p:style>
+        <p:txBody>
+          <a:bodyPr rtlCol="0" anchor="ctr"/>
+          <a:lstStyle/>
+          <a:p>
+            <a:pPr algn="ctr"/>
+            <a:endParaRPr kumimoji="1" lang="ko-Kore-KR" altLang="en-US"/>
+          </a:p>
+        </p:txBody>
+      </p:sp>
+      <p:sp>
+        <p:nvSpPr>
+          <p:cNvPr id="4" name="직사각형 3">
+            <a:extLst>
+              <a:ext uri="{FF2B5EF4-FFF2-40B4-BE49-F238E27FC236}">
+                <a16:creationId xmlns:a16="http://schemas.microsoft.com/office/drawing/2014/main" id="{82BA458A-D76D-7049-CF68-4D162AB84920}"/>
+              </a:ext>
+            </a:extLst>
+          </p:cNvPr>
+          <p:cNvSpPr/>
+          <p:nvPr/>
+        </p:nvSpPr>
+        <p:spPr>
+          <a:xfrm>
+            <a:off x="7467599" y="837234"/>
+            <a:ext cx="1019503" cy="451945"/>
+          </a:xfrm>
+          <a:prstGeom prst="rect">
+            <a:avLst/>
+          </a:prstGeom>
+          <a:solidFill>
+            <a:srgbClr val="FFFF00"/>
+          </a:solidFill>
+        </p:spPr>
+        <p:style>
+          <a:lnRef idx="2">
+            <a:schemeClr val="accent1">
+              <a:shade val="50000"/>
+            </a:schemeClr>
+          </a:lnRef>
+          <a:fillRef idx="1">
+            <a:schemeClr val="accent1"/>
+          </a:fillRef>
+          <a:effectRef idx="0">
+            <a:schemeClr val="accent1"/>
+          </a:effectRef>
+          <a:fontRef idx="minor">
+            <a:schemeClr val="lt1"/>
+          </a:fontRef>
+        </p:style>
+        <p:txBody>
+          <a:bodyPr rtlCol="0" anchor="ctr"/>
+          <a:lstStyle/>
+          <a:p>
+            <a:pPr algn="ctr"/>
+            <a:r>
+              <a:rPr kumimoji="1" lang="en-US" altLang="ko-Kore-KR" dirty="0">
+                <a:solidFill>
+                  <a:schemeClr val="tx1"/>
+                </a:solidFill>
+                <a:latin typeface="DM Mono" panose="020B0509040201040103" pitchFamily="49" charset="0"/>
+              </a:rPr>
+              <a:t>10</a:t>
+            </a:r>
+            <a:endParaRPr kumimoji="1" lang="ko-Kore-KR" altLang="en-US" dirty="0">
+              <a:solidFill>
+                <a:schemeClr val="tx1"/>
+              </a:solidFill>
+              <a:latin typeface="DM Mono" panose="020B0509040201040103" pitchFamily="49" charset="0"/>
+            </a:endParaRPr>
+          </a:p>
+        </p:txBody>
+      </p:sp>
+      <p:sp>
+        <p:nvSpPr>
+          <p:cNvPr id="10" name="TextBox 9">
+            <a:extLst>
+              <a:ext uri="{FF2B5EF4-FFF2-40B4-BE49-F238E27FC236}">
+                <a16:creationId xmlns:a16="http://schemas.microsoft.com/office/drawing/2014/main" id="{3DCCBC16-43F9-C039-18AB-8667E8211725}"/>
+              </a:ext>
+            </a:extLst>
+          </p:cNvPr>
+          <p:cNvSpPr txBox="1"/>
+          <p:nvPr/>
+        </p:nvSpPr>
+        <p:spPr>
+          <a:xfrm>
+            <a:off x="6942080" y="757992"/>
+            <a:ext cx="525518" cy="369332"/>
+          </a:xfrm>
+          <a:prstGeom prst="rect">
+            <a:avLst/>
+          </a:prstGeom>
+          <a:noFill/>
+        </p:spPr>
+        <p:txBody>
+          <a:bodyPr wrap="square">
+            <a:spAutoFit/>
+          </a:bodyPr>
+          <a:lstStyle/>
+          <a:p>
+            <a:pPr algn="r"/>
+            <a:r>
+              <a:rPr lang="en-US" altLang="ko-Kore-KR" dirty="0">
+                <a:latin typeface="DM Mono" panose="020B0509040201040103" pitchFamily="49" charset="0"/>
+              </a:rPr>
+              <a:t>x</a:t>
+            </a:r>
+            <a:endParaRPr lang="ko-Kore-KR" altLang="en-US" dirty="0"/>
+          </a:p>
+        </p:txBody>
+      </p:sp>
+      <p:sp>
+        <p:nvSpPr>
+          <p:cNvPr id="12" name="TextBox 11">
+            <a:extLst>
+              <a:ext uri="{FF2B5EF4-FFF2-40B4-BE49-F238E27FC236}">
+                <a16:creationId xmlns:a16="http://schemas.microsoft.com/office/drawing/2014/main" id="{50757886-C9BE-094B-3CA4-C6214EA5B5EB}"/>
+              </a:ext>
+            </a:extLst>
+          </p:cNvPr>
+          <p:cNvSpPr txBox="1"/>
+          <p:nvPr/>
+        </p:nvSpPr>
+        <p:spPr>
+          <a:xfrm>
+            <a:off x="8565929" y="79755"/>
+            <a:ext cx="1187669" cy="369332"/>
+          </a:xfrm>
+          <a:prstGeom prst="rect">
+            <a:avLst/>
+          </a:prstGeom>
+          <a:noFill/>
+        </p:spPr>
+        <p:txBody>
+          <a:bodyPr wrap="square">
+            <a:spAutoFit/>
+          </a:bodyPr>
+          <a:lstStyle/>
+          <a:p>
+            <a:pPr algn="ctr"/>
+            <a:r>
+              <a:rPr lang="ko-Kore-KR" altLang="en-US" dirty="0">
+                <a:latin typeface="DM Mono" panose="020B0509040201040103" pitchFamily="49" charset="0"/>
+              </a:rPr>
+              <a:t>main</a:t>
+            </a:r>
+            <a:endParaRPr lang="ko-Kore-KR" altLang="en-US" dirty="0"/>
+          </a:p>
+        </p:txBody>
+      </p:sp>
+    </p:spTree>
+    <p:extLst>
+      <p:ext uri="{BB962C8B-B14F-4D97-AF65-F5344CB8AC3E}">
+        <p14:creationId xmlns:p14="http://schemas.microsoft.com/office/powerpoint/2010/main" val="1474346937"/>
+      </p:ext>
+    </p:extLst>
+  </p:cSld>
+  <p:clrMapOvr>
+    <a:masterClrMapping/>
+  </p:clrMapOvr>
+</p:sld>
+</file>
+
+<file path=ppt/slides/slide8.xml><?xml version="1.0" encoding="utf-8"?>
+<p:sld xmlns:a="http://schemas.openxmlformats.org/drawingml/2006/main" xmlns:r="http://schemas.openxmlformats.org/officeDocument/2006/relationships" xmlns:p="http://schemas.openxmlformats.org/presentationml/2006/main">
+  <p:cSld>
+    <p:spTree>
+      <p:nvGrpSpPr>
+        <p:cNvPr id="1" name=""/>
+        <p:cNvGrpSpPr/>
+        <p:nvPr/>
+      </p:nvGrpSpPr>
+      <p:grpSpPr>
+        <a:xfrm>
+          <a:off x="0" y="0"/>
+          <a:ext cx="0" cy="0"/>
+          <a:chOff x="0" y="0"/>
+          <a:chExt cx="0" cy="0"/>
+        </a:xfrm>
+      </p:grpSpPr>
+      <p:sp>
+        <p:nvSpPr>
+          <p:cNvPr id="5" name="TextBox 4">
+            <a:extLst>
+              <a:ext uri="{FF2B5EF4-FFF2-40B4-BE49-F238E27FC236}">
+                <a16:creationId xmlns:a16="http://schemas.microsoft.com/office/drawing/2014/main" id="{5B87F660-B6FF-CA77-E37D-589CCC0A037D}"/>
+              </a:ext>
+            </a:extLst>
+          </p:cNvPr>
+          <p:cNvSpPr txBox="1"/>
+          <p:nvPr/>
+        </p:nvSpPr>
+        <p:spPr>
+          <a:xfrm>
+            <a:off x="672662" y="268125"/>
+            <a:ext cx="6096000" cy="2308324"/>
+          </a:xfrm>
+          <a:prstGeom prst="rect">
+            <a:avLst/>
+          </a:prstGeom>
+          <a:noFill/>
+        </p:spPr>
+        <p:txBody>
+          <a:bodyPr wrap="square">
+            <a:spAutoFit/>
+          </a:bodyPr>
+          <a:lstStyle/>
+          <a:p>
+            <a:r>
+              <a:rPr lang="en" altLang="ko-Kore-KR" dirty="0">
+                <a:latin typeface="DM Mono" panose="020B0509040201040103" pitchFamily="49" charset="0"/>
+              </a:rPr>
+              <a:t>void inc1(int x) { </a:t>
+            </a:r>
+            <a:r>
+              <a:rPr lang="en" altLang="ko-Kore-KR" dirty="0">
+                <a:solidFill>
+                  <a:srgbClr val="FF0000"/>
+                </a:solidFill>
+                <a:latin typeface="DM Mono" panose="020B0509040201040103" pitchFamily="49" charset="0"/>
+              </a:rPr>
+              <a:t>++x</a:t>
+            </a:r>
+            <a:r>
+              <a:rPr lang="en" altLang="ko-Kore-KR" dirty="0">
+                <a:latin typeface="DM Mono" panose="020B0509040201040103" pitchFamily="49" charset="0"/>
+              </a:rPr>
+              <a:t>; }</a:t>
+            </a:r>
+          </a:p>
+          <a:p>
+            <a:endParaRPr lang="en" altLang="ko-Kore-KR" dirty="0">
+              <a:latin typeface="DM Mono" panose="020B0509040201040103" pitchFamily="49" charset="0"/>
+            </a:endParaRPr>
+          </a:p>
+          <a:p>
+            <a:r>
+              <a:rPr lang="en" altLang="ko-Kore-KR" dirty="0">
+                <a:latin typeface="DM Mono" panose="020B0509040201040103" pitchFamily="49" charset="0"/>
+              </a:rPr>
+              <a:t>int main()</a:t>
+            </a:r>
+          </a:p>
+          <a:p>
+            <a:r>
+              <a:rPr lang="en" altLang="ko-Kore-KR" dirty="0">
+                <a:latin typeface="DM Mono" panose="020B0509040201040103" pitchFamily="49" charset="0"/>
+              </a:rPr>
+              <a:t>{</a:t>
+            </a:r>
+          </a:p>
+          <a:p>
+            <a:r>
+              <a:rPr lang="en" altLang="ko-Kore-KR" dirty="0">
+                <a:latin typeface="DM Mono" panose="020B0509040201040103" pitchFamily="49" charset="0"/>
+              </a:rPr>
+              <a:t>    int n = 10;</a:t>
+            </a:r>
+          </a:p>
+          <a:p>
+            <a:r>
+              <a:rPr lang="en" altLang="ko-Kore-KR" dirty="0">
+                <a:latin typeface="DM Mono" panose="020B0509040201040103" pitchFamily="49" charset="0"/>
+              </a:rPr>
+              <a:t>    inc1(n);</a:t>
+            </a:r>
+          </a:p>
+          <a:p>
+            <a:r>
+              <a:rPr lang="en" altLang="ko-Kore-KR" dirty="0">
+                <a:latin typeface="DM Mono" panose="020B0509040201040103" pitchFamily="49" charset="0"/>
+              </a:rPr>
+              <a:t>    </a:t>
+            </a:r>
+            <a:r>
+              <a:rPr lang="en" altLang="ko-Kore-KR" dirty="0" err="1">
+                <a:latin typeface="DM Mono" panose="020B0509040201040103" pitchFamily="49" charset="0"/>
+              </a:rPr>
+              <a:t>cout</a:t>
+            </a:r>
+            <a:r>
+              <a:rPr lang="en" altLang="ko-Kore-KR" dirty="0">
+                <a:latin typeface="DM Mono" panose="020B0509040201040103" pitchFamily="49" charset="0"/>
+              </a:rPr>
+              <a:t> &lt;&lt; n &lt;&lt; </a:t>
+            </a:r>
+            <a:r>
+              <a:rPr lang="en" altLang="ko-Kore-KR" dirty="0" err="1">
+                <a:latin typeface="DM Mono" panose="020B0509040201040103" pitchFamily="49" charset="0"/>
+              </a:rPr>
+              <a:t>endl</a:t>
+            </a:r>
+            <a:r>
+              <a:rPr lang="en" altLang="ko-Kore-KR" dirty="0">
+                <a:latin typeface="DM Mono" panose="020B0509040201040103" pitchFamily="49" charset="0"/>
+              </a:rPr>
+              <a:t>;</a:t>
+            </a:r>
+          </a:p>
+          <a:p>
+            <a:r>
+              <a:rPr lang="en" altLang="ko-Kore-KR" dirty="0">
+                <a:latin typeface="DM Mono" panose="020B0509040201040103" pitchFamily="49" charset="0"/>
+              </a:rPr>
+              <a:t>}</a:t>
+            </a:r>
+            <a:endParaRPr lang="ko-Kore-KR" altLang="en-US" dirty="0">
+              <a:latin typeface="DM Mono" panose="020B0509040201040103" pitchFamily="49" charset="0"/>
+            </a:endParaRPr>
+          </a:p>
+        </p:txBody>
+      </p:sp>
+      <p:sp>
+        <p:nvSpPr>
+          <p:cNvPr id="6" name="직사각형 5">
+            <a:extLst>
+              <a:ext uri="{FF2B5EF4-FFF2-40B4-BE49-F238E27FC236}">
+                <a16:creationId xmlns:a16="http://schemas.microsoft.com/office/drawing/2014/main" id="{1C9AF545-0782-013B-F690-97B762F3D5AD}"/>
+              </a:ext>
+            </a:extLst>
+          </p:cNvPr>
+          <p:cNvSpPr/>
+          <p:nvPr/>
+        </p:nvSpPr>
+        <p:spPr>
+          <a:xfrm>
+            <a:off x="2049517" y="2900744"/>
+            <a:ext cx="5339255" cy="2308325"/>
+          </a:xfrm>
+          <a:prstGeom prst="rect">
+            <a:avLst/>
+          </a:prstGeom>
+          <a:solidFill>
+            <a:schemeClr val="bg1"/>
+          </a:solidFill>
+        </p:spPr>
+        <p:style>
+          <a:lnRef idx="2">
+            <a:schemeClr val="accent1">
+              <a:shade val="50000"/>
+            </a:schemeClr>
+          </a:lnRef>
+          <a:fillRef idx="1">
+            <a:schemeClr val="accent1"/>
+          </a:fillRef>
+          <a:effectRef idx="0">
+            <a:schemeClr val="accent1"/>
+          </a:effectRef>
+          <a:fontRef idx="minor">
+            <a:schemeClr val="lt1"/>
+          </a:fontRef>
+        </p:style>
+        <p:txBody>
+          <a:bodyPr rtlCol="0" anchor="ctr"/>
+          <a:lstStyle/>
+          <a:p>
+            <a:pPr algn="ctr"/>
+            <a:endParaRPr kumimoji="1" lang="ko-Kore-KR" altLang="en-US"/>
+          </a:p>
+        </p:txBody>
+      </p:sp>
+      <p:sp>
+        <p:nvSpPr>
+          <p:cNvPr id="7" name="TextBox 6">
+            <a:extLst>
+              <a:ext uri="{FF2B5EF4-FFF2-40B4-BE49-F238E27FC236}">
+                <a16:creationId xmlns:a16="http://schemas.microsoft.com/office/drawing/2014/main" id="{B14D4A12-0197-0648-30B3-AE6EBC1BEC63}"/>
+              </a:ext>
+            </a:extLst>
+          </p:cNvPr>
+          <p:cNvSpPr txBox="1"/>
+          <p:nvPr/>
+        </p:nvSpPr>
+        <p:spPr>
+          <a:xfrm>
+            <a:off x="4188372" y="2531412"/>
+            <a:ext cx="1187669" cy="369332"/>
+          </a:xfrm>
+          <a:prstGeom prst="rect">
+            <a:avLst/>
+          </a:prstGeom>
+          <a:noFill/>
+        </p:spPr>
+        <p:txBody>
+          <a:bodyPr wrap="square">
+            <a:spAutoFit/>
+          </a:bodyPr>
+          <a:lstStyle/>
+          <a:p>
+            <a:pPr algn="ctr"/>
+            <a:r>
+              <a:rPr lang="ko-Kore-KR" altLang="en-US" dirty="0">
+                <a:latin typeface="DM Mono" panose="020B0509040201040103" pitchFamily="49" charset="0"/>
+              </a:rPr>
+              <a:t>main</a:t>
+            </a:r>
+            <a:endParaRPr lang="ko-Kore-KR" altLang="en-US" dirty="0"/>
+          </a:p>
+        </p:txBody>
+      </p:sp>
+      <p:sp>
+        <p:nvSpPr>
+          <p:cNvPr id="8" name="직사각형 7">
+            <a:extLst>
+              <a:ext uri="{FF2B5EF4-FFF2-40B4-BE49-F238E27FC236}">
+                <a16:creationId xmlns:a16="http://schemas.microsoft.com/office/drawing/2014/main" id="{53C7E6E1-EDB4-B801-05E3-E15014B4BE3B}"/>
+              </a:ext>
+            </a:extLst>
+          </p:cNvPr>
+          <p:cNvSpPr/>
+          <p:nvPr/>
+        </p:nvSpPr>
+        <p:spPr>
+          <a:xfrm>
+            <a:off x="3026979" y="3307707"/>
+            <a:ext cx="1019503" cy="451945"/>
+          </a:xfrm>
+          <a:prstGeom prst="rect">
+            <a:avLst/>
+          </a:prstGeom>
+          <a:solidFill>
+            <a:srgbClr val="FFFF00"/>
+          </a:solidFill>
+        </p:spPr>
+        <p:style>
+          <a:lnRef idx="2">
+            <a:schemeClr val="accent1">
+              <a:shade val="50000"/>
+            </a:schemeClr>
+          </a:lnRef>
+          <a:fillRef idx="1">
+            <a:schemeClr val="accent1"/>
+          </a:fillRef>
+          <a:effectRef idx="0">
+            <a:schemeClr val="accent1"/>
+          </a:effectRef>
+          <a:fontRef idx="minor">
+            <a:schemeClr val="lt1"/>
+          </a:fontRef>
+        </p:style>
+        <p:txBody>
+          <a:bodyPr rtlCol="0" anchor="ctr"/>
+          <a:lstStyle/>
+          <a:p>
+            <a:pPr algn="ctr"/>
+            <a:r>
+              <a:rPr kumimoji="1" lang="en-US" altLang="ko-Kore-KR" dirty="0">
+                <a:solidFill>
+                  <a:schemeClr val="tx1"/>
+                </a:solidFill>
+                <a:latin typeface="DM Mono" panose="020B0509040201040103" pitchFamily="49" charset="0"/>
+              </a:rPr>
+              <a:t>10</a:t>
+            </a:r>
+            <a:endParaRPr kumimoji="1" lang="ko-Kore-KR" altLang="en-US" dirty="0">
+              <a:solidFill>
+                <a:schemeClr val="tx1"/>
+              </a:solidFill>
+              <a:latin typeface="DM Mono" panose="020B0509040201040103" pitchFamily="49" charset="0"/>
+            </a:endParaRPr>
+          </a:p>
+        </p:txBody>
+      </p:sp>
+      <p:sp>
+        <p:nvSpPr>
+          <p:cNvPr id="9" name="TextBox 8">
+            <a:extLst>
+              <a:ext uri="{FF2B5EF4-FFF2-40B4-BE49-F238E27FC236}">
+                <a16:creationId xmlns:a16="http://schemas.microsoft.com/office/drawing/2014/main" id="{21A94303-6DEB-249B-14B6-E01CACE75F96}"/>
+              </a:ext>
+            </a:extLst>
+          </p:cNvPr>
+          <p:cNvSpPr txBox="1"/>
+          <p:nvPr/>
+        </p:nvSpPr>
+        <p:spPr>
+          <a:xfrm>
+            <a:off x="2501460" y="3228465"/>
+            <a:ext cx="525518" cy="369332"/>
+          </a:xfrm>
+          <a:prstGeom prst="rect">
+            <a:avLst/>
+          </a:prstGeom>
+          <a:noFill/>
+        </p:spPr>
+        <p:txBody>
+          <a:bodyPr wrap="square">
+            <a:spAutoFit/>
+          </a:bodyPr>
+          <a:lstStyle/>
+          <a:p>
+            <a:pPr algn="r"/>
+            <a:r>
+              <a:rPr lang="en-US" altLang="ko-Kore-KR" dirty="0">
+                <a:latin typeface="DM Mono" panose="020B0509040201040103" pitchFamily="49" charset="0"/>
+              </a:rPr>
+              <a:t>n</a:t>
+            </a:r>
+            <a:endParaRPr lang="ko-Kore-KR" altLang="en-US" dirty="0"/>
+          </a:p>
+        </p:txBody>
+      </p:sp>
+      <p:sp>
+        <p:nvSpPr>
+          <p:cNvPr id="11" name="TextBox 10">
+            <a:extLst>
+              <a:ext uri="{FF2B5EF4-FFF2-40B4-BE49-F238E27FC236}">
+                <a16:creationId xmlns:a16="http://schemas.microsoft.com/office/drawing/2014/main" id="{580EFB5E-FE3C-E5E6-F651-252F97338CE4}"/>
+              </a:ext>
+            </a:extLst>
+          </p:cNvPr>
+          <p:cNvSpPr txBox="1"/>
+          <p:nvPr/>
+        </p:nvSpPr>
+        <p:spPr>
+          <a:xfrm>
+            <a:off x="2659116" y="3046097"/>
+            <a:ext cx="735724" cy="261610"/>
+          </a:xfrm>
+          <a:prstGeom prst="rect">
+            <a:avLst/>
+          </a:prstGeom>
+          <a:noFill/>
+        </p:spPr>
+        <p:txBody>
+          <a:bodyPr wrap="square">
+            <a:spAutoFit/>
+          </a:bodyPr>
+          <a:lstStyle/>
+          <a:p>
+            <a:r>
+              <a:rPr kumimoji="1" lang="en-US" altLang="ko-Kore-KR" sz="1100" dirty="0">
+                <a:latin typeface="DM Mono" panose="020B0509040201040103" pitchFamily="49" charset="0"/>
+              </a:rPr>
+              <a:t>0x1000</a:t>
+            </a:r>
+            <a:endParaRPr lang="ko-Kore-KR" altLang="en-US" sz="1100" dirty="0"/>
+          </a:p>
+        </p:txBody>
+      </p:sp>
+      <p:sp>
+        <p:nvSpPr>
+          <p:cNvPr id="2" name="직사각형 1">
+            <a:extLst>
+              <a:ext uri="{FF2B5EF4-FFF2-40B4-BE49-F238E27FC236}">
+                <a16:creationId xmlns:a16="http://schemas.microsoft.com/office/drawing/2014/main" id="{C5FB47D1-8AF1-CC0C-88E9-F8BECF78A0FD}"/>
+              </a:ext>
+            </a:extLst>
+          </p:cNvPr>
+          <p:cNvSpPr/>
+          <p:nvPr/>
+        </p:nvSpPr>
+        <p:spPr>
+          <a:xfrm>
+            <a:off x="6490137" y="430271"/>
+            <a:ext cx="5339255" cy="2308325"/>
+          </a:xfrm>
+          <a:prstGeom prst="rect">
+            <a:avLst/>
+          </a:prstGeom>
+          <a:solidFill>
+            <a:schemeClr val="bg1"/>
+          </a:solidFill>
+        </p:spPr>
+        <p:style>
+          <a:lnRef idx="2">
+            <a:schemeClr val="accent1">
+              <a:shade val="50000"/>
+            </a:schemeClr>
+          </a:lnRef>
+          <a:fillRef idx="1">
+            <a:schemeClr val="accent1"/>
+          </a:fillRef>
+          <a:effectRef idx="0">
+            <a:schemeClr val="accent1"/>
+          </a:effectRef>
+          <a:fontRef idx="minor">
+            <a:schemeClr val="lt1"/>
+          </a:fontRef>
+        </p:style>
+        <p:txBody>
+          <a:bodyPr rtlCol="0" anchor="ctr"/>
+          <a:lstStyle/>
+          <a:p>
+            <a:pPr algn="ctr"/>
+            <a:endParaRPr kumimoji="1" lang="ko-Kore-KR" altLang="en-US"/>
+          </a:p>
+        </p:txBody>
+      </p:sp>
+      <p:sp>
+        <p:nvSpPr>
+          <p:cNvPr id="4" name="직사각형 3">
+            <a:extLst>
+              <a:ext uri="{FF2B5EF4-FFF2-40B4-BE49-F238E27FC236}">
+                <a16:creationId xmlns:a16="http://schemas.microsoft.com/office/drawing/2014/main" id="{82BA458A-D76D-7049-CF68-4D162AB84920}"/>
+              </a:ext>
+            </a:extLst>
+          </p:cNvPr>
+          <p:cNvSpPr/>
+          <p:nvPr/>
+        </p:nvSpPr>
+        <p:spPr>
+          <a:xfrm>
+            <a:off x="7467599" y="837234"/>
+            <a:ext cx="1019503" cy="451945"/>
+          </a:xfrm>
+          <a:prstGeom prst="rect">
+            <a:avLst/>
+          </a:prstGeom>
+          <a:solidFill>
+            <a:srgbClr val="FFFF00"/>
+          </a:solidFill>
+        </p:spPr>
+        <p:style>
+          <a:lnRef idx="2">
+            <a:schemeClr val="accent1">
+              <a:shade val="50000"/>
+            </a:schemeClr>
+          </a:lnRef>
+          <a:fillRef idx="1">
+            <a:schemeClr val="accent1"/>
+          </a:fillRef>
+          <a:effectRef idx="0">
+            <a:schemeClr val="accent1"/>
+          </a:effectRef>
+          <a:fontRef idx="minor">
+            <a:schemeClr val="lt1"/>
+          </a:fontRef>
+        </p:style>
+        <p:txBody>
+          <a:bodyPr rtlCol="0" anchor="ctr"/>
+          <a:lstStyle/>
+          <a:p>
+            <a:pPr algn="ctr"/>
+            <a:r>
+              <a:rPr kumimoji="1" lang="en-US" altLang="ko-Kore-KR" dirty="0">
+                <a:solidFill>
+                  <a:srgbClr val="FF0000"/>
+                </a:solidFill>
+                <a:latin typeface="DM Mono" panose="020B0509040201040103" pitchFamily="49" charset="0"/>
+              </a:rPr>
+              <a:t>11</a:t>
+            </a:r>
+            <a:endParaRPr kumimoji="1" lang="ko-Kore-KR" altLang="en-US" dirty="0">
+              <a:solidFill>
+                <a:srgbClr val="FF0000"/>
+              </a:solidFill>
+              <a:latin typeface="DM Mono" panose="020B0509040201040103" pitchFamily="49" charset="0"/>
+            </a:endParaRPr>
+          </a:p>
+        </p:txBody>
+      </p:sp>
+      <p:sp>
+        <p:nvSpPr>
+          <p:cNvPr id="10" name="TextBox 9">
+            <a:extLst>
+              <a:ext uri="{FF2B5EF4-FFF2-40B4-BE49-F238E27FC236}">
+                <a16:creationId xmlns:a16="http://schemas.microsoft.com/office/drawing/2014/main" id="{3DCCBC16-43F9-C039-18AB-8667E8211725}"/>
+              </a:ext>
+            </a:extLst>
+          </p:cNvPr>
+          <p:cNvSpPr txBox="1"/>
+          <p:nvPr/>
+        </p:nvSpPr>
+        <p:spPr>
+          <a:xfrm>
+            <a:off x="6942080" y="757992"/>
+            <a:ext cx="525518" cy="369332"/>
+          </a:xfrm>
+          <a:prstGeom prst="rect">
+            <a:avLst/>
+          </a:prstGeom>
+          <a:noFill/>
+        </p:spPr>
+        <p:txBody>
+          <a:bodyPr wrap="square">
+            <a:spAutoFit/>
+          </a:bodyPr>
+          <a:lstStyle/>
+          <a:p>
+            <a:pPr algn="r"/>
+            <a:r>
+              <a:rPr lang="en-US" altLang="ko-Kore-KR" dirty="0">
+                <a:latin typeface="DM Mono" panose="020B0509040201040103" pitchFamily="49" charset="0"/>
+              </a:rPr>
+              <a:t>x</a:t>
+            </a:r>
+            <a:endParaRPr lang="ko-Kore-KR" altLang="en-US" dirty="0"/>
+          </a:p>
+        </p:txBody>
+      </p:sp>
+      <p:sp>
+        <p:nvSpPr>
+          <p:cNvPr id="12" name="TextBox 11">
+            <a:extLst>
+              <a:ext uri="{FF2B5EF4-FFF2-40B4-BE49-F238E27FC236}">
+                <a16:creationId xmlns:a16="http://schemas.microsoft.com/office/drawing/2014/main" id="{50757886-C9BE-094B-3CA4-C6214EA5B5EB}"/>
+              </a:ext>
+            </a:extLst>
+          </p:cNvPr>
+          <p:cNvSpPr txBox="1"/>
+          <p:nvPr/>
+        </p:nvSpPr>
+        <p:spPr>
+          <a:xfrm>
+            <a:off x="8565929" y="79755"/>
+            <a:ext cx="1187669" cy="369332"/>
+          </a:xfrm>
+          <a:prstGeom prst="rect">
+            <a:avLst/>
+          </a:prstGeom>
+          <a:noFill/>
+        </p:spPr>
+        <p:txBody>
+          <a:bodyPr wrap="square">
+            <a:spAutoFit/>
+          </a:bodyPr>
+          <a:lstStyle/>
+          <a:p>
+            <a:pPr algn="ctr"/>
+            <a:r>
+              <a:rPr lang="ko-Kore-KR" altLang="en-US" dirty="0">
+                <a:latin typeface="DM Mono" panose="020B0509040201040103" pitchFamily="49" charset="0"/>
+              </a:rPr>
+              <a:t>main</a:t>
+            </a:r>
+            <a:endParaRPr lang="ko-Kore-KR" altLang="en-US" dirty="0"/>
+          </a:p>
+        </p:txBody>
+      </p:sp>
+    </p:spTree>
+    <p:extLst>
+      <p:ext uri="{BB962C8B-B14F-4D97-AF65-F5344CB8AC3E}">
+        <p14:creationId xmlns:p14="http://schemas.microsoft.com/office/powerpoint/2010/main" val="2580151120"/>
+      </p:ext>
+    </p:extLst>
+  </p:cSld>
+  <p:clrMapOvr>
+    <a:masterClrMapping/>
+  </p:clrMapOvr>
+</p:sld>
+</file>
+
+<file path=ppt/slides/slide9.xml><?xml version="1.0" encoding="utf-8"?>
+<p:sld xmlns:a="http://schemas.openxmlformats.org/drawingml/2006/main" xmlns:r="http://schemas.openxmlformats.org/officeDocument/2006/relationships" xmlns:p="http://schemas.openxmlformats.org/presentationml/2006/main">
+  <p:cSld>
+    <p:spTree>
+      <p:nvGrpSpPr>
+        <p:cNvPr id="1" name=""/>
+        <p:cNvGrpSpPr/>
+        <p:nvPr/>
+      </p:nvGrpSpPr>
+      <p:grpSpPr>
+        <a:xfrm>
+          <a:off x="0" y="0"/>
+          <a:ext cx="0" cy="0"/>
+          <a:chOff x="0" y="0"/>
+          <a:chExt cx="0" cy="0"/>
+        </a:xfrm>
+      </p:grpSpPr>
+      <p:sp>
+        <p:nvSpPr>
+          <p:cNvPr id="5" name="TextBox 4">
+            <a:extLst>
+              <a:ext uri="{FF2B5EF4-FFF2-40B4-BE49-F238E27FC236}">
+                <a16:creationId xmlns:a16="http://schemas.microsoft.com/office/drawing/2014/main" id="{5B87F660-B6FF-CA77-E37D-589CCC0A037D}"/>
+              </a:ext>
+            </a:extLst>
+          </p:cNvPr>
+          <p:cNvSpPr txBox="1"/>
+          <p:nvPr/>
+        </p:nvSpPr>
+        <p:spPr>
+          <a:xfrm>
+            <a:off x="672662" y="268125"/>
+            <a:ext cx="6096000" cy="2308324"/>
+          </a:xfrm>
+          <a:prstGeom prst="rect">
+            <a:avLst/>
+          </a:prstGeom>
+          <a:noFill/>
+        </p:spPr>
+        <p:txBody>
+          <a:bodyPr wrap="square">
+            <a:spAutoFit/>
+          </a:bodyPr>
+          <a:lstStyle/>
+          <a:p>
+            <a:r>
+              <a:rPr lang="en" altLang="ko-Kore-KR" dirty="0">
+                <a:latin typeface="DM Mono" panose="020B0509040201040103" pitchFamily="49" charset="0"/>
+              </a:rPr>
+              <a:t>void inc2(int* x) { </a:t>
+            </a:r>
+            <a:r>
+              <a:rPr lang="en" altLang="ko-Kore-KR" dirty="0">
+                <a:solidFill>
+                  <a:srgbClr val="FF0000"/>
+                </a:solidFill>
+                <a:latin typeface="DM Mono" panose="020B0509040201040103" pitchFamily="49" charset="0"/>
+              </a:rPr>
+              <a:t>++(*x)</a:t>
+            </a:r>
+            <a:r>
+              <a:rPr lang="en" altLang="ko-Kore-KR" dirty="0">
+                <a:latin typeface="DM Mono" panose="020B0509040201040103" pitchFamily="49" charset="0"/>
+              </a:rPr>
+              <a:t>; }</a:t>
+            </a:r>
+          </a:p>
+          <a:p>
+            <a:endParaRPr lang="en" altLang="ko-Kore-KR" dirty="0">
+              <a:latin typeface="DM Mono" panose="020B0509040201040103" pitchFamily="49" charset="0"/>
+            </a:endParaRPr>
+          </a:p>
+          <a:p>
+            <a:r>
+              <a:rPr lang="en" altLang="ko-Kore-KR" dirty="0">
+                <a:latin typeface="DM Mono" panose="020B0509040201040103" pitchFamily="49" charset="0"/>
+              </a:rPr>
+              <a:t>int main()</a:t>
+            </a:r>
+          </a:p>
+          <a:p>
+            <a:r>
+              <a:rPr lang="en" altLang="ko-Kore-KR" dirty="0">
+                <a:latin typeface="DM Mono" panose="020B0509040201040103" pitchFamily="49" charset="0"/>
+              </a:rPr>
+              <a:t>{</a:t>
+            </a:r>
+          </a:p>
+          <a:p>
+            <a:r>
+              <a:rPr lang="en" altLang="ko-Kore-KR" dirty="0">
+                <a:latin typeface="DM Mono" panose="020B0509040201040103" pitchFamily="49" charset="0"/>
+              </a:rPr>
+              <a:t>    int n = 10;</a:t>
+            </a:r>
+          </a:p>
+          <a:p>
+            <a:r>
+              <a:rPr lang="en" altLang="ko-Kore-KR" dirty="0">
+                <a:latin typeface="DM Mono" panose="020B0509040201040103" pitchFamily="49" charset="0"/>
+              </a:rPr>
+              <a:t>    inc2(&amp;n);</a:t>
+            </a:r>
+          </a:p>
+          <a:p>
+            <a:r>
+              <a:rPr lang="en" altLang="ko-Kore-KR" dirty="0">
+                <a:latin typeface="DM Mono" panose="020B0509040201040103" pitchFamily="49" charset="0"/>
+              </a:rPr>
+              <a:t>    </a:t>
+            </a:r>
+            <a:r>
+              <a:rPr lang="en" altLang="ko-Kore-KR" dirty="0" err="1">
+                <a:latin typeface="DM Mono" panose="020B0509040201040103" pitchFamily="49" charset="0"/>
+              </a:rPr>
+              <a:t>cout</a:t>
+            </a:r>
+            <a:r>
+              <a:rPr lang="en" altLang="ko-Kore-KR" dirty="0">
+                <a:latin typeface="DM Mono" panose="020B0509040201040103" pitchFamily="49" charset="0"/>
+              </a:rPr>
+              <a:t> &lt;&lt; n &lt;&lt; </a:t>
+            </a:r>
+            <a:r>
+              <a:rPr lang="en" altLang="ko-Kore-KR" dirty="0" err="1">
+                <a:latin typeface="DM Mono" panose="020B0509040201040103" pitchFamily="49" charset="0"/>
+              </a:rPr>
+              <a:t>endl</a:t>
+            </a:r>
+            <a:r>
+              <a:rPr lang="en" altLang="ko-Kore-KR" dirty="0">
+                <a:latin typeface="DM Mono" panose="020B0509040201040103" pitchFamily="49" charset="0"/>
+              </a:rPr>
+              <a:t>;</a:t>
+            </a:r>
+          </a:p>
+          <a:p>
+            <a:r>
+              <a:rPr lang="en" altLang="ko-Kore-KR" dirty="0">
+                <a:latin typeface="DM Mono" panose="020B0509040201040103" pitchFamily="49" charset="0"/>
+              </a:rPr>
+              <a:t>}</a:t>
+            </a:r>
+            <a:endParaRPr lang="ko-Kore-KR" altLang="en-US" dirty="0">
+              <a:latin typeface="DM Mono" panose="020B0509040201040103" pitchFamily="49" charset="0"/>
+            </a:endParaRPr>
+          </a:p>
+        </p:txBody>
+      </p:sp>
+      <p:sp>
+        <p:nvSpPr>
+          <p:cNvPr id="6" name="직사각형 5">
+            <a:extLst>
+              <a:ext uri="{FF2B5EF4-FFF2-40B4-BE49-F238E27FC236}">
+                <a16:creationId xmlns:a16="http://schemas.microsoft.com/office/drawing/2014/main" id="{1C9AF545-0782-013B-F690-97B762F3D5AD}"/>
+              </a:ext>
+            </a:extLst>
+          </p:cNvPr>
+          <p:cNvSpPr/>
+          <p:nvPr/>
+        </p:nvSpPr>
+        <p:spPr>
+          <a:xfrm>
+            <a:off x="2049517" y="2900744"/>
+            <a:ext cx="5339255" cy="2308325"/>
+          </a:xfrm>
+          <a:prstGeom prst="rect">
+            <a:avLst/>
+          </a:prstGeom>
+          <a:solidFill>
+            <a:schemeClr val="bg1"/>
+          </a:solidFill>
+        </p:spPr>
+        <p:style>
+          <a:lnRef idx="2">
+            <a:schemeClr val="accent1">
+              <a:shade val="50000"/>
+            </a:schemeClr>
+          </a:lnRef>
+          <a:fillRef idx="1">
+            <a:schemeClr val="accent1"/>
+          </a:fillRef>
+          <a:effectRef idx="0">
+            <a:schemeClr val="accent1"/>
+          </a:effectRef>
+          <a:fontRef idx="minor">
+            <a:schemeClr val="lt1"/>
+          </a:fontRef>
+        </p:style>
+        <p:txBody>
+          <a:bodyPr rtlCol="0" anchor="ctr"/>
+          <a:lstStyle/>
+          <a:p>
+            <a:pPr algn="ctr"/>
+            <a:endParaRPr kumimoji="1" lang="ko-Kore-KR" altLang="en-US"/>
+          </a:p>
+        </p:txBody>
+      </p:sp>
+      <p:sp>
+        <p:nvSpPr>
+          <p:cNvPr id="7" name="TextBox 6">
+            <a:extLst>
+              <a:ext uri="{FF2B5EF4-FFF2-40B4-BE49-F238E27FC236}">
+                <a16:creationId xmlns:a16="http://schemas.microsoft.com/office/drawing/2014/main" id="{B14D4A12-0197-0648-30B3-AE6EBC1BEC63}"/>
+              </a:ext>
+            </a:extLst>
+          </p:cNvPr>
+          <p:cNvSpPr txBox="1"/>
+          <p:nvPr/>
+        </p:nvSpPr>
+        <p:spPr>
+          <a:xfrm>
+            <a:off x="4188372" y="2531412"/>
+            <a:ext cx="1187669" cy="369332"/>
+          </a:xfrm>
+          <a:prstGeom prst="rect">
+            <a:avLst/>
+          </a:prstGeom>
+          <a:noFill/>
+        </p:spPr>
+        <p:txBody>
+          <a:bodyPr wrap="square">
+            <a:spAutoFit/>
+          </a:bodyPr>
+          <a:lstStyle/>
+          <a:p>
+            <a:pPr algn="ctr"/>
+            <a:r>
+              <a:rPr lang="ko-Kore-KR" altLang="en-US" dirty="0">
+                <a:latin typeface="DM Mono" panose="020B0509040201040103" pitchFamily="49" charset="0"/>
+              </a:rPr>
+              <a:t>main</a:t>
+            </a:r>
+            <a:endParaRPr lang="ko-Kore-KR" altLang="en-US" dirty="0"/>
+          </a:p>
+        </p:txBody>
+      </p:sp>
+      <p:sp>
+        <p:nvSpPr>
+          <p:cNvPr id="8" name="직사각형 7">
+            <a:extLst>
+              <a:ext uri="{FF2B5EF4-FFF2-40B4-BE49-F238E27FC236}">
+                <a16:creationId xmlns:a16="http://schemas.microsoft.com/office/drawing/2014/main" id="{53C7E6E1-EDB4-B801-05E3-E15014B4BE3B}"/>
+              </a:ext>
+            </a:extLst>
+          </p:cNvPr>
+          <p:cNvSpPr/>
+          <p:nvPr/>
+        </p:nvSpPr>
+        <p:spPr>
+          <a:xfrm>
+            <a:off x="3026979" y="3307707"/>
+            <a:ext cx="1019503" cy="451945"/>
+          </a:xfrm>
+          <a:prstGeom prst="rect">
+            <a:avLst/>
+          </a:prstGeom>
+          <a:solidFill>
+            <a:srgbClr val="FFFF00"/>
+          </a:solidFill>
+        </p:spPr>
+        <p:style>
+          <a:lnRef idx="2">
+            <a:schemeClr val="accent1">
+              <a:shade val="50000"/>
+            </a:schemeClr>
+          </a:lnRef>
+          <a:fillRef idx="1">
+            <a:schemeClr val="accent1"/>
+          </a:fillRef>
+          <a:effectRef idx="0">
+            <a:schemeClr val="accent1"/>
+          </a:effectRef>
+          <a:fontRef idx="minor">
+            <a:schemeClr val="lt1"/>
+          </a:fontRef>
+        </p:style>
+        <p:txBody>
+          <a:bodyPr rtlCol="0" anchor="ctr"/>
+          <a:lstStyle/>
+          <a:p>
+            <a:pPr algn="ctr"/>
+            <a:r>
+              <a:rPr kumimoji="1" lang="en-US" altLang="ko-Kore-KR" dirty="0">
+                <a:solidFill>
+                  <a:srgbClr val="FF0000"/>
+                </a:solidFill>
+                <a:latin typeface="DM Mono" panose="020B0509040201040103" pitchFamily="49" charset="0"/>
+              </a:rPr>
+              <a:t>11</a:t>
+            </a:r>
+            <a:endParaRPr kumimoji="1" lang="ko-Kore-KR" altLang="en-US" dirty="0">
+              <a:solidFill>
+                <a:srgbClr val="FF0000"/>
+              </a:solidFill>
+              <a:latin typeface="DM Mono" panose="020B0509040201040103" pitchFamily="49" charset="0"/>
+            </a:endParaRPr>
+          </a:p>
+        </p:txBody>
+      </p:sp>
+      <p:sp>
+        <p:nvSpPr>
+          <p:cNvPr id="9" name="TextBox 8">
+            <a:extLst>
+              <a:ext uri="{FF2B5EF4-FFF2-40B4-BE49-F238E27FC236}">
+                <a16:creationId xmlns:a16="http://schemas.microsoft.com/office/drawing/2014/main" id="{21A94303-6DEB-249B-14B6-E01CACE75F96}"/>
+              </a:ext>
+            </a:extLst>
+          </p:cNvPr>
+          <p:cNvSpPr txBox="1"/>
+          <p:nvPr/>
+        </p:nvSpPr>
+        <p:spPr>
+          <a:xfrm>
+            <a:off x="2501460" y="3228465"/>
+            <a:ext cx="525518" cy="369332"/>
+          </a:xfrm>
+          <a:prstGeom prst="rect">
+            <a:avLst/>
+          </a:prstGeom>
+          <a:noFill/>
+        </p:spPr>
+        <p:txBody>
+          <a:bodyPr wrap="square">
+            <a:spAutoFit/>
+          </a:bodyPr>
+          <a:lstStyle/>
+          <a:p>
+            <a:pPr algn="r"/>
+            <a:r>
+              <a:rPr lang="en-US" altLang="ko-Kore-KR" dirty="0">
+                <a:latin typeface="DM Mono" panose="020B0509040201040103" pitchFamily="49" charset="0"/>
+              </a:rPr>
+              <a:t>n</a:t>
+            </a:r>
+            <a:endParaRPr lang="ko-Kore-KR" altLang="en-US" dirty="0"/>
+          </a:p>
+        </p:txBody>
+      </p:sp>
+      <p:sp>
+        <p:nvSpPr>
+          <p:cNvPr id="11" name="TextBox 10">
+            <a:extLst>
+              <a:ext uri="{FF2B5EF4-FFF2-40B4-BE49-F238E27FC236}">
+                <a16:creationId xmlns:a16="http://schemas.microsoft.com/office/drawing/2014/main" id="{580EFB5E-FE3C-E5E6-F651-252F97338CE4}"/>
+              </a:ext>
+            </a:extLst>
+          </p:cNvPr>
+          <p:cNvSpPr txBox="1"/>
+          <p:nvPr/>
+        </p:nvSpPr>
+        <p:spPr>
+          <a:xfrm>
+            <a:off x="2659116" y="3046097"/>
+            <a:ext cx="735724" cy="261610"/>
+          </a:xfrm>
+          <a:prstGeom prst="rect">
+            <a:avLst/>
+          </a:prstGeom>
+          <a:noFill/>
+        </p:spPr>
+        <p:txBody>
+          <a:bodyPr wrap="square">
+            <a:spAutoFit/>
+          </a:bodyPr>
+          <a:lstStyle/>
+          <a:p>
+            <a:r>
+              <a:rPr kumimoji="1" lang="en-US" altLang="ko-Kore-KR" sz="1100" dirty="0">
+                <a:solidFill>
+                  <a:srgbClr val="FF0000"/>
+                </a:solidFill>
+                <a:latin typeface="DM Mono" panose="020B0509040201040103" pitchFamily="49" charset="0"/>
+              </a:rPr>
+              <a:t>0x1000</a:t>
+            </a:r>
+            <a:endParaRPr lang="ko-Kore-KR" altLang="en-US" sz="1100" dirty="0">
+              <a:solidFill>
+                <a:srgbClr val="FF0000"/>
+              </a:solidFill>
+            </a:endParaRPr>
+          </a:p>
+        </p:txBody>
+      </p:sp>
+      <p:sp>
+        <p:nvSpPr>
+          <p:cNvPr id="2" name="직사각형 1">
+            <a:extLst>
+              <a:ext uri="{FF2B5EF4-FFF2-40B4-BE49-F238E27FC236}">
+                <a16:creationId xmlns:a16="http://schemas.microsoft.com/office/drawing/2014/main" id="{C5FB47D1-8AF1-CC0C-88E9-F8BECF78A0FD}"/>
+              </a:ext>
+            </a:extLst>
+          </p:cNvPr>
+          <p:cNvSpPr/>
+          <p:nvPr/>
+        </p:nvSpPr>
+        <p:spPr>
+          <a:xfrm>
+            <a:off x="6490137" y="430271"/>
+            <a:ext cx="5339255" cy="2308325"/>
+          </a:xfrm>
+          <a:prstGeom prst="rect">
+            <a:avLst/>
+          </a:prstGeom>
+          <a:solidFill>
+            <a:schemeClr val="bg1"/>
+          </a:solidFill>
+        </p:spPr>
+        <p:style>
+          <a:lnRef idx="2">
+            <a:schemeClr val="accent1">
+              <a:shade val="50000"/>
+            </a:schemeClr>
+          </a:lnRef>
+          <a:fillRef idx="1">
+            <a:schemeClr val="accent1"/>
+          </a:fillRef>
+          <a:effectRef idx="0">
+            <a:schemeClr val="accent1"/>
+          </a:effectRef>
+          <a:fontRef idx="minor">
+            <a:schemeClr val="lt1"/>
+          </a:fontRef>
+        </p:style>
+        <p:txBody>
+          <a:bodyPr rtlCol="0" anchor="ctr"/>
+          <a:lstStyle/>
+          <a:p>
+            <a:pPr algn="ctr"/>
+            <a:endParaRPr kumimoji="1" lang="ko-Kore-KR" altLang="en-US"/>
+          </a:p>
+        </p:txBody>
+      </p:sp>
+      <p:sp>
+        <p:nvSpPr>
+          <p:cNvPr id="4" name="직사각형 3">
+            <a:extLst>
+              <a:ext uri="{FF2B5EF4-FFF2-40B4-BE49-F238E27FC236}">
+                <a16:creationId xmlns:a16="http://schemas.microsoft.com/office/drawing/2014/main" id="{82BA458A-D76D-7049-CF68-4D162AB84920}"/>
+              </a:ext>
+            </a:extLst>
+          </p:cNvPr>
+          <p:cNvSpPr/>
+          <p:nvPr/>
+        </p:nvSpPr>
+        <p:spPr>
+          <a:xfrm>
+            <a:off x="7467599" y="837234"/>
+            <a:ext cx="2002222" cy="451945"/>
+          </a:xfrm>
+          <a:prstGeom prst="rect">
+            <a:avLst/>
+          </a:prstGeom>
+          <a:solidFill>
+            <a:srgbClr val="FFFF00"/>
+          </a:solidFill>
+        </p:spPr>
+        <p:style>
+          <a:lnRef idx="2">
+            <a:schemeClr val="accent1">
+              <a:shade val="50000"/>
+            </a:schemeClr>
+          </a:lnRef>
+          <a:fillRef idx="1">
+            <a:schemeClr val="accent1"/>
+          </a:fillRef>
+          <a:effectRef idx="0">
+            <a:schemeClr val="accent1"/>
+          </a:effectRef>
+          <a:fontRef idx="minor">
+            <a:schemeClr val="lt1"/>
+          </a:fontRef>
+        </p:style>
+        <p:txBody>
+          <a:bodyPr rtlCol="0" anchor="ctr"/>
+          <a:lstStyle/>
+          <a:p>
+            <a:pPr algn="ctr"/>
+            <a:r>
+              <a:rPr kumimoji="1" lang="en-US" altLang="ko-Kore-KR" dirty="0">
+                <a:solidFill>
+                  <a:srgbClr val="FF0000"/>
+                </a:solidFill>
+                <a:latin typeface="DM Mono" panose="020B0509040201040103" pitchFamily="49" charset="0"/>
+              </a:rPr>
+              <a:t>0x1000</a:t>
+            </a:r>
+            <a:endParaRPr kumimoji="1" lang="ko-Kore-KR" altLang="en-US" dirty="0">
+              <a:solidFill>
+                <a:srgbClr val="FF0000"/>
+              </a:solidFill>
+              <a:latin typeface="DM Mono" panose="020B0509040201040103" pitchFamily="49" charset="0"/>
+            </a:endParaRPr>
+          </a:p>
+        </p:txBody>
+      </p:sp>
+      <p:sp>
+        <p:nvSpPr>
+          <p:cNvPr id="10" name="TextBox 9">
+            <a:extLst>
+              <a:ext uri="{FF2B5EF4-FFF2-40B4-BE49-F238E27FC236}">
+                <a16:creationId xmlns:a16="http://schemas.microsoft.com/office/drawing/2014/main" id="{3DCCBC16-43F9-C039-18AB-8667E8211725}"/>
+              </a:ext>
+            </a:extLst>
+          </p:cNvPr>
+          <p:cNvSpPr txBox="1"/>
+          <p:nvPr/>
+        </p:nvSpPr>
+        <p:spPr>
+          <a:xfrm>
+            <a:off x="6942080" y="757992"/>
+            <a:ext cx="525518" cy="369332"/>
+          </a:xfrm>
+          <a:prstGeom prst="rect">
+            <a:avLst/>
+          </a:prstGeom>
+          <a:noFill/>
+        </p:spPr>
+        <p:txBody>
+          <a:bodyPr wrap="square">
+            <a:spAutoFit/>
+          </a:bodyPr>
+          <a:lstStyle/>
+          <a:p>
+            <a:pPr algn="r"/>
+            <a:r>
+              <a:rPr lang="en-US" altLang="ko-Kore-KR" dirty="0">
+                <a:latin typeface="DM Mono" panose="020B0509040201040103" pitchFamily="49" charset="0"/>
+              </a:rPr>
+              <a:t>x</a:t>
+            </a:r>
+            <a:endParaRPr lang="ko-Kore-KR" altLang="en-US" dirty="0"/>
+          </a:p>
+        </p:txBody>
+      </p:sp>
+      <p:sp>
+        <p:nvSpPr>
+          <p:cNvPr id="12" name="TextBox 11">
+            <a:extLst>
+              <a:ext uri="{FF2B5EF4-FFF2-40B4-BE49-F238E27FC236}">
+                <a16:creationId xmlns:a16="http://schemas.microsoft.com/office/drawing/2014/main" id="{50757886-C9BE-094B-3CA4-C6214EA5B5EB}"/>
+              </a:ext>
+            </a:extLst>
+          </p:cNvPr>
+          <p:cNvSpPr txBox="1"/>
+          <p:nvPr/>
+        </p:nvSpPr>
+        <p:spPr>
+          <a:xfrm>
+            <a:off x="8565929" y="79755"/>
+            <a:ext cx="1187669" cy="369332"/>
+          </a:xfrm>
+          <a:prstGeom prst="rect">
+            <a:avLst/>
+          </a:prstGeom>
+          <a:noFill/>
+        </p:spPr>
+        <p:txBody>
+          <a:bodyPr wrap="square">
+            <a:spAutoFit/>
+          </a:bodyPr>
+          <a:lstStyle/>
+          <a:p>
+            <a:pPr algn="ctr"/>
+            <a:r>
+              <a:rPr lang="ko-Kore-KR" altLang="en-US" dirty="0">
+                <a:latin typeface="DM Mono" panose="020B0509040201040103" pitchFamily="49" charset="0"/>
+              </a:rPr>
+              <a:t>main</a:t>
+            </a:r>
+            <a:endParaRPr lang="ko-Kore-KR" altLang="en-US" dirty="0"/>
+          </a:p>
+        </p:txBody>
+      </p:sp>
+      <p:cxnSp>
+        <p:nvCxnSpPr>
+          <p:cNvPr id="13" name="구부러진 연결선[U] 12">
+            <a:extLst>
+              <a:ext uri="{FF2B5EF4-FFF2-40B4-BE49-F238E27FC236}">
+                <a16:creationId xmlns:a16="http://schemas.microsoft.com/office/drawing/2014/main" id="{DBE4A32B-12AD-D9EA-B122-D6DD563BAF8B}"/>
+              </a:ext>
+            </a:extLst>
+          </p:cNvPr>
+          <p:cNvCxnSpPr>
+            <a:stCxn id="4" idx="2"/>
+            <a:endCxn id="8" idx="3"/>
+          </p:cNvCxnSpPr>
+          <p:nvPr/>
+        </p:nvCxnSpPr>
+        <p:spPr>
+          <a:xfrm rot="5400000">
+            <a:off x="5135346" y="200315"/>
+            <a:ext cx="2244501" cy="4422228"/>
+          </a:xfrm>
+          <a:prstGeom prst="curvedConnector2">
+            <a:avLst/>
+          </a:prstGeom>
+          <a:ln>
+            <a:tailEnd type="triangle"/>
+          </a:ln>
+        </p:spPr>
+        <p:style>
+          <a:lnRef idx="1">
+            <a:schemeClr val="dk1"/>
+          </a:lnRef>
+          <a:fillRef idx="0">
+            <a:schemeClr val="dk1"/>
+          </a:fillRef>
+          <a:effectRef idx="0">
+            <a:schemeClr val="dk1"/>
+          </a:effectRef>
+          <a:fontRef idx="minor">
+            <a:schemeClr val="tx1"/>
+          </a:fontRef>
+        </p:style>
+      </p:cxnSp>
+    </p:spTree>
+    <p:extLst>
+      <p:ext uri="{BB962C8B-B14F-4D97-AF65-F5344CB8AC3E}">
+        <p14:creationId xmlns:p14="http://schemas.microsoft.com/office/powerpoint/2010/main" val="1589409951"/>
       </p:ext>
     </p:extLst>
   </p:cSld>

--- a/230303.pptx
+++ b/230303.pptx
@@ -15,6 +15,10 @@
     <p:sldId id="263" r:id="rId9"/>
     <p:sldId id="264" r:id="rId10"/>
     <p:sldId id="265" r:id="rId11"/>
+    <p:sldId id="266" r:id="rId12"/>
+    <p:sldId id="267" r:id="rId13"/>
+    <p:sldId id="268" r:id="rId14"/>
+    <p:sldId id="269" r:id="rId15"/>
   </p:sldIdLst>
   <p:sldSz cx="12192000" cy="6858000"/>
   <p:notesSz cx="6858000" cy="9144000"/>
@@ -4443,6 +4447,3517 @@
     <p:extLst>
       <p:ext uri="{BB962C8B-B14F-4D97-AF65-F5344CB8AC3E}">
         <p14:creationId xmlns:p14="http://schemas.microsoft.com/office/powerpoint/2010/main" val="184612174"/>
+      </p:ext>
+    </p:extLst>
+  </p:cSld>
+  <p:clrMapOvr>
+    <a:masterClrMapping/>
+  </p:clrMapOvr>
+</p:sld>
+</file>
+
+<file path=ppt/slides/slide11.xml><?xml version="1.0" encoding="utf-8"?>
+<p:sld xmlns:a="http://schemas.openxmlformats.org/drawingml/2006/main" xmlns:r="http://schemas.openxmlformats.org/officeDocument/2006/relationships" xmlns:p="http://schemas.openxmlformats.org/presentationml/2006/main">
+  <p:cSld>
+    <p:spTree>
+      <p:nvGrpSpPr>
+        <p:cNvPr id="1" name=""/>
+        <p:cNvGrpSpPr/>
+        <p:nvPr/>
+      </p:nvGrpSpPr>
+      <p:grpSpPr>
+        <a:xfrm>
+          <a:off x="0" y="0"/>
+          <a:ext cx="0" cy="0"/>
+          <a:chOff x="0" y="0"/>
+          <a:chExt cx="0" cy="0"/>
+        </a:xfrm>
+      </p:grpSpPr>
+      <p:sp>
+        <p:nvSpPr>
+          <p:cNvPr id="5" name="TextBox 4">
+            <a:extLst>
+              <a:ext uri="{FF2B5EF4-FFF2-40B4-BE49-F238E27FC236}">
+                <a16:creationId xmlns:a16="http://schemas.microsoft.com/office/drawing/2014/main" id="{5B87F660-B6FF-CA77-E37D-589CCC0A037D}"/>
+              </a:ext>
+            </a:extLst>
+          </p:cNvPr>
+          <p:cNvSpPr txBox="1"/>
+          <p:nvPr/>
+        </p:nvSpPr>
+        <p:spPr>
+          <a:xfrm>
+            <a:off x="641819" y="268125"/>
+            <a:ext cx="4016445" cy="5355312"/>
+          </a:xfrm>
+          <a:prstGeom prst="rect">
+            <a:avLst/>
+          </a:prstGeom>
+          <a:noFill/>
+        </p:spPr>
+        <p:txBody>
+          <a:bodyPr wrap="square">
+            <a:spAutoFit/>
+          </a:bodyPr>
+          <a:lstStyle/>
+          <a:p>
+            <a:r>
+              <a:rPr lang="en" altLang="ko-Kore-KR" dirty="0">
+                <a:latin typeface="DM Mono" panose="020B0509040201040103" pitchFamily="49" charset="0"/>
+              </a:rPr>
+              <a:t>class Point {</a:t>
+            </a:r>
+          </a:p>
+          <a:p>
+            <a:r>
+              <a:rPr lang="en" altLang="ko-Kore-KR" dirty="0">
+                <a:latin typeface="DM Mono" panose="020B0509040201040103" pitchFamily="49" charset="0"/>
+              </a:rPr>
+              <a:t>    int x;</a:t>
+            </a:r>
+          </a:p>
+          <a:p>
+            <a:r>
+              <a:rPr lang="en" altLang="ko-Kore-KR" dirty="0">
+                <a:latin typeface="DM Mono" panose="020B0509040201040103" pitchFamily="49" charset="0"/>
+              </a:rPr>
+              <a:t>    int y;</a:t>
+            </a:r>
+          </a:p>
+          <a:p>
+            <a:r>
+              <a:rPr lang="en" altLang="ko-Kore-KR" dirty="0">
+                <a:latin typeface="DM Mono" panose="020B0509040201040103" pitchFamily="49" charset="0"/>
+              </a:rPr>
+              <a:t>public:</a:t>
+            </a:r>
+          </a:p>
+          <a:p>
+            <a:r>
+              <a:rPr lang="en" altLang="ko-Kore-KR" dirty="0">
+                <a:latin typeface="DM Mono" panose="020B0509040201040103" pitchFamily="49" charset="0"/>
+              </a:rPr>
+              <a:t>    void Set(int a, int b)</a:t>
+            </a:r>
+          </a:p>
+          <a:p>
+            <a:r>
+              <a:rPr lang="en" altLang="ko-Kore-KR" dirty="0">
+                <a:latin typeface="DM Mono" panose="020B0509040201040103" pitchFamily="49" charset="0"/>
+              </a:rPr>
+              <a:t>    {</a:t>
+            </a:r>
+          </a:p>
+          <a:p>
+            <a:r>
+              <a:rPr lang="en" altLang="ko-Kore-KR" dirty="0">
+                <a:latin typeface="DM Mono" panose="020B0509040201040103" pitchFamily="49" charset="0"/>
+              </a:rPr>
+              <a:t>        x = a;</a:t>
+            </a:r>
+          </a:p>
+          <a:p>
+            <a:r>
+              <a:rPr lang="en" altLang="ko-Kore-KR" dirty="0">
+                <a:latin typeface="DM Mono" panose="020B0509040201040103" pitchFamily="49" charset="0"/>
+              </a:rPr>
+              <a:t>        y = b;</a:t>
+            </a:r>
+          </a:p>
+          <a:p>
+            <a:r>
+              <a:rPr lang="en" altLang="ko-Kore-KR" dirty="0">
+                <a:latin typeface="DM Mono" panose="020B0509040201040103" pitchFamily="49" charset="0"/>
+              </a:rPr>
+              <a:t>    }</a:t>
+            </a:r>
+          </a:p>
+          <a:p>
+            <a:r>
+              <a:rPr lang="en" altLang="ko-Kore-KR" dirty="0">
+                <a:latin typeface="DM Mono" panose="020B0509040201040103" pitchFamily="49" charset="0"/>
+              </a:rPr>
+              <a:t>};</a:t>
+            </a:r>
+          </a:p>
+          <a:p>
+            <a:endParaRPr lang="en" altLang="ko-Kore-KR" dirty="0">
+              <a:latin typeface="DM Mono" panose="020B0509040201040103" pitchFamily="49" charset="0"/>
+            </a:endParaRPr>
+          </a:p>
+          <a:p>
+            <a:r>
+              <a:rPr lang="en" altLang="ko-Kore-KR" dirty="0">
+                <a:latin typeface="DM Mono" panose="020B0509040201040103" pitchFamily="49" charset="0"/>
+              </a:rPr>
+              <a:t>int main()</a:t>
+            </a:r>
+          </a:p>
+          <a:p>
+            <a:r>
+              <a:rPr lang="en" altLang="ko-Kore-KR" dirty="0">
+                <a:latin typeface="DM Mono" panose="020B0509040201040103" pitchFamily="49" charset="0"/>
+              </a:rPr>
+              <a:t>{</a:t>
+            </a:r>
+          </a:p>
+          <a:p>
+            <a:r>
+              <a:rPr lang="en" altLang="ko-Kore-KR" dirty="0">
+                <a:latin typeface="DM Mono" panose="020B0509040201040103" pitchFamily="49" charset="0"/>
+              </a:rPr>
+              <a:t>    Point p1;</a:t>
+            </a:r>
+          </a:p>
+          <a:p>
+            <a:r>
+              <a:rPr lang="en" altLang="ko-Kore-KR" dirty="0">
+                <a:latin typeface="DM Mono" panose="020B0509040201040103" pitchFamily="49" charset="0"/>
+              </a:rPr>
+              <a:t>    Point p2;</a:t>
+            </a:r>
+          </a:p>
+          <a:p>
+            <a:endParaRPr lang="en" altLang="ko-Kore-KR" dirty="0">
+              <a:latin typeface="DM Mono" panose="020B0509040201040103" pitchFamily="49" charset="0"/>
+            </a:endParaRPr>
+          </a:p>
+          <a:p>
+            <a:r>
+              <a:rPr lang="en" altLang="ko-Kore-KR" dirty="0">
+                <a:latin typeface="DM Mono" panose="020B0509040201040103" pitchFamily="49" charset="0"/>
+              </a:rPr>
+              <a:t>    p1.Set(10, 20);</a:t>
+            </a:r>
+          </a:p>
+          <a:p>
+            <a:r>
+              <a:rPr lang="en" altLang="ko-Kore-KR" dirty="0">
+                <a:latin typeface="DM Mono" panose="020B0509040201040103" pitchFamily="49" charset="0"/>
+              </a:rPr>
+              <a:t>    p2.Set(100, 200);</a:t>
+            </a:r>
+          </a:p>
+          <a:p>
+            <a:r>
+              <a:rPr lang="en" altLang="ko-Kore-KR" dirty="0">
+                <a:latin typeface="DM Mono" panose="020B0509040201040103" pitchFamily="49" charset="0"/>
+              </a:rPr>
+              <a:t>}</a:t>
+            </a:r>
+            <a:endParaRPr lang="ko-Kore-KR" altLang="en-US" dirty="0">
+              <a:latin typeface="DM Mono" panose="020B0509040201040103" pitchFamily="49" charset="0"/>
+            </a:endParaRPr>
+          </a:p>
+        </p:txBody>
+      </p:sp>
+      <p:sp>
+        <p:nvSpPr>
+          <p:cNvPr id="6" name="직사각형 5">
+            <a:extLst>
+              <a:ext uri="{FF2B5EF4-FFF2-40B4-BE49-F238E27FC236}">
+                <a16:creationId xmlns:a16="http://schemas.microsoft.com/office/drawing/2014/main" id="{1C9AF545-0782-013B-F690-97B762F3D5AD}"/>
+              </a:ext>
+            </a:extLst>
+          </p:cNvPr>
+          <p:cNvSpPr/>
+          <p:nvPr/>
+        </p:nvSpPr>
+        <p:spPr>
+          <a:xfrm>
+            <a:off x="5601862" y="637457"/>
+            <a:ext cx="5339255" cy="2308325"/>
+          </a:xfrm>
+          <a:prstGeom prst="rect">
+            <a:avLst/>
+          </a:prstGeom>
+          <a:solidFill>
+            <a:schemeClr val="bg1"/>
+          </a:solidFill>
+        </p:spPr>
+        <p:style>
+          <a:lnRef idx="2">
+            <a:schemeClr val="accent1">
+              <a:shade val="50000"/>
+            </a:schemeClr>
+          </a:lnRef>
+          <a:fillRef idx="1">
+            <a:schemeClr val="accent1"/>
+          </a:fillRef>
+          <a:effectRef idx="0">
+            <a:schemeClr val="accent1"/>
+          </a:effectRef>
+          <a:fontRef idx="minor">
+            <a:schemeClr val="lt1"/>
+          </a:fontRef>
+        </p:style>
+        <p:txBody>
+          <a:bodyPr rtlCol="0" anchor="ctr"/>
+          <a:lstStyle/>
+          <a:p>
+            <a:pPr algn="ctr"/>
+            <a:endParaRPr kumimoji="1" lang="ko-Kore-KR" altLang="en-US"/>
+          </a:p>
+        </p:txBody>
+      </p:sp>
+      <p:sp>
+        <p:nvSpPr>
+          <p:cNvPr id="7" name="TextBox 6">
+            <a:extLst>
+              <a:ext uri="{FF2B5EF4-FFF2-40B4-BE49-F238E27FC236}">
+                <a16:creationId xmlns:a16="http://schemas.microsoft.com/office/drawing/2014/main" id="{B14D4A12-0197-0648-30B3-AE6EBC1BEC63}"/>
+              </a:ext>
+            </a:extLst>
+          </p:cNvPr>
+          <p:cNvSpPr txBox="1"/>
+          <p:nvPr/>
+        </p:nvSpPr>
+        <p:spPr>
+          <a:xfrm>
+            <a:off x="7740717" y="268125"/>
+            <a:ext cx="1187669" cy="369332"/>
+          </a:xfrm>
+          <a:prstGeom prst="rect">
+            <a:avLst/>
+          </a:prstGeom>
+          <a:noFill/>
+        </p:spPr>
+        <p:txBody>
+          <a:bodyPr wrap="square">
+            <a:spAutoFit/>
+          </a:bodyPr>
+          <a:lstStyle/>
+          <a:p>
+            <a:pPr algn="ctr"/>
+            <a:r>
+              <a:rPr lang="ko-Kore-KR" altLang="en-US" dirty="0">
+                <a:latin typeface="DM Mono" panose="020B0509040201040103" pitchFamily="49" charset="0"/>
+              </a:rPr>
+              <a:t>main</a:t>
+            </a:r>
+            <a:endParaRPr lang="ko-Kore-KR" altLang="en-US" dirty="0"/>
+          </a:p>
+        </p:txBody>
+      </p:sp>
+      <p:sp>
+        <p:nvSpPr>
+          <p:cNvPr id="8" name="직사각형 7">
+            <a:extLst>
+              <a:ext uri="{FF2B5EF4-FFF2-40B4-BE49-F238E27FC236}">
+                <a16:creationId xmlns:a16="http://schemas.microsoft.com/office/drawing/2014/main" id="{53C7E6E1-EDB4-B801-05E3-E15014B4BE3B}"/>
+              </a:ext>
+            </a:extLst>
+          </p:cNvPr>
+          <p:cNvSpPr/>
+          <p:nvPr/>
+        </p:nvSpPr>
+        <p:spPr>
+          <a:xfrm>
+            <a:off x="6579324" y="1044420"/>
+            <a:ext cx="1019503" cy="451945"/>
+          </a:xfrm>
+          <a:prstGeom prst="rect">
+            <a:avLst/>
+          </a:prstGeom>
+          <a:solidFill>
+            <a:srgbClr val="FFFF00"/>
+          </a:solidFill>
+        </p:spPr>
+        <p:style>
+          <a:lnRef idx="2">
+            <a:schemeClr val="accent1">
+              <a:shade val="50000"/>
+            </a:schemeClr>
+          </a:lnRef>
+          <a:fillRef idx="1">
+            <a:schemeClr val="accent1"/>
+          </a:fillRef>
+          <a:effectRef idx="0">
+            <a:schemeClr val="accent1"/>
+          </a:effectRef>
+          <a:fontRef idx="minor">
+            <a:schemeClr val="lt1"/>
+          </a:fontRef>
+        </p:style>
+        <p:txBody>
+          <a:bodyPr rtlCol="0" anchor="ctr"/>
+          <a:lstStyle/>
+          <a:p>
+            <a:pPr algn="ctr"/>
+            <a:endParaRPr kumimoji="1" lang="ko-Kore-KR" altLang="en-US" dirty="0">
+              <a:solidFill>
+                <a:schemeClr val="tx1"/>
+              </a:solidFill>
+              <a:latin typeface="DM Mono" panose="020B0509040201040103" pitchFamily="49" charset="0"/>
+            </a:endParaRPr>
+          </a:p>
+        </p:txBody>
+      </p:sp>
+      <p:sp>
+        <p:nvSpPr>
+          <p:cNvPr id="9" name="TextBox 8">
+            <a:extLst>
+              <a:ext uri="{FF2B5EF4-FFF2-40B4-BE49-F238E27FC236}">
+                <a16:creationId xmlns:a16="http://schemas.microsoft.com/office/drawing/2014/main" id="{21A94303-6DEB-249B-14B6-E01CACE75F96}"/>
+              </a:ext>
+            </a:extLst>
+          </p:cNvPr>
+          <p:cNvSpPr txBox="1"/>
+          <p:nvPr/>
+        </p:nvSpPr>
+        <p:spPr>
+          <a:xfrm>
+            <a:off x="6053806" y="1085726"/>
+            <a:ext cx="525518" cy="369332"/>
+          </a:xfrm>
+          <a:prstGeom prst="rect">
+            <a:avLst/>
+          </a:prstGeom>
+          <a:noFill/>
+        </p:spPr>
+        <p:txBody>
+          <a:bodyPr wrap="square">
+            <a:spAutoFit/>
+          </a:bodyPr>
+          <a:lstStyle/>
+          <a:p>
+            <a:pPr algn="r"/>
+            <a:r>
+              <a:rPr lang="en-US" altLang="ko-Kore-KR" dirty="0">
+                <a:latin typeface="DM Mono" panose="020B0509040201040103" pitchFamily="49" charset="0"/>
+              </a:rPr>
+              <a:t>x</a:t>
+            </a:r>
+            <a:endParaRPr lang="ko-Kore-KR" altLang="en-US" dirty="0"/>
+          </a:p>
+        </p:txBody>
+      </p:sp>
+      <p:sp>
+        <p:nvSpPr>
+          <p:cNvPr id="3" name="직사각형 2">
+            <a:extLst>
+              <a:ext uri="{FF2B5EF4-FFF2-40B4-BE49-F238E27FC236}">
+                <a16:creationId xmlns:a16="http://schemas.microsoft.com/office/drawing/2014/main" id="{B696691E-66C2-E5A5-FC77-5DD1F01A92A3}"/>
+              </a:ext>
+            </a:extLst>
+          </p:cNvPr>
+          <p:cNvSpPr/>
+          <p:nvPr/>
+        </p:nvSpPr>
+        <p:spPr>
+          <a:xfrm>
+            <a:off x="6579324" y="1496364"/>
+            <a:ext cx="1019503" cy="451945"/>
+          </a:xfrm>
+          <a:prstGeom prst="rect">
+            <a:avLst/>
+          </a:prstGeom>
+          <a:solidFill>
+            <a:srgbClr val="FFFF00"/>
+          </a:solidFill>
+        </p:spPr>
+        <p:style>
+          <a:lnRef idx="2">
+            <a:schemeClr val="accent1">
+              <a:shade val="50000"/>
+            </a:schemeClr>
+          </a:lnRef>
+          <a:fillRef idx="1">
+            <a:schemeClr val="accent1"/>
+          </a:fillRef>
+          <a:effectRef idx="0">
+            <a:schemeClr val="accent1"/>
+          </a:effectRef>
+          <a:fontRef idx="minor">
+            <a:schemeClr val="lt1"/>
+          </a:fontRef>
+        </p:style>
+        <p:txBody>
+          <a:bodyPr rtlCol="0" anchor="ctr"/>
+          <a:lstStyle/>
+          <a:p>
+            <a:pPr algn="ctr"/>
+            <a:endParaRPr kumimoji="1" lang="ko-Kore-KR" altLang="en-US" dirty="0">
+              <a:solidFill>
+                <a:schemeClr val="tx1"/>
+              </a:solidFill>
+              <a:latin typeface="DM Mono" panose="020B0509040201040103" pitchFamily="49" charset="0"/>
+            </a:endParaRPr>
+          </a:p>
+        </p:txBody>
+      </p:sp>
+      <p:sp>
+        <p:nvSpPr>
+          <p:cNvPr id="4" name="TextBox 3">
+            <a:extLst>
+              <a:ext uri="{FF2B5EF4-FFF2-40B4-BE49-F238E27FC236}">
+                <a16:creationId xmlns:a16="http://schemas.microsoft.com/office/drawing/2014/main" id="{6780460D-4213-28A3-E2A9-497DCD9CD20B}"/>
+              </a:ext>
+            </a:extLst>
+          </p:cNvPr>
+          <p:cNvSpPr txBox="1"/>
+          <p:nvPr/>
+        </p:nvSpPr>
+        <p:spPr>
+          <a:xfrm>
+            <a:off x="6053806" y="1537670"/>
+            <a:ext cx="525518" cy="369332"/>
+          </a:xfrm>
+          <a:prstGeom prst="rect">
+            <a:avLst/>
+          </a:prstGeom>
+          <a:noFill/>
+        </p:spPr>
+        <p:txBody>
+          <a:bodyPr wrap="square">
+            <a:spAutoFit/>
+          </a:bodyPr>
+          <a:lstStyle/>
+          <a:p>
+            <a:pPr algn="r"/>
+            <a:r>
+              <a:rPr lang="en-US" altLang="ko-Kore-KR" dirty="0">
+                <a:latin typeface="DM Mono" panose="020B0509040201040103" pitchFamily="49" charset="0"/>
+              </a:rPr>
+              <a:t>y</a:t>
+            </a:r>
+            <a:endParaRPr lang="ko-Kore-KR" altLang="en-US" dirty="0"/>
+          </a:p>
+        </p:txBody>
+      </p:sp>
+      <p:sp>
+        <p:nvSpPr>
+          <p:cNvPr id="14" name="TextBox 13">
+            <a:extLst>
+              <a:ext uri="{FF2B5EF4-FFF2-40B4-BE49-F238E27FC236}">
+                <a16:creationId xmlns:a16="http://schemas.microsoft.com/office/drawing/2014/main" id="{2C906AAA-B591-9CE2-707D-564EC364CEA1}"/>
+              </a:ext>
+            </a:extLst>
+          </p:cNvPr>
+          <p:cNvSpPr txBox="1"/>
+          <p:nvPr/>
+        </p:nvSpPr>
+        <p:spPr>
+          <a:xfrm>
+            <a:off x="6826316" y="716394"/>
+            <a:ext cx="525518" cy="369332"/>
+          </a:xfrm>
+          <a:prstGeom prst="rect">
+            <a:avLst/>
+          </a:prstGeom>
+          <a:noFill/>
+        </p:spPr>
+        <p:txBody>
+          <a:bodyPr wrap="square">
+            <a:spAutoFit/>
+          </a:bodyPr>
+          <a:lstStyle/>
+          <a:p>
+            <a:pPr algn="r"/>
+            <a:r>
+              <a:rPr lang="en-US" altLang="ko-Kore-KR" dirty="0">
+                <a:latin typeface="DM Mono" panose="020B0509040201040103" pitchFamily="49" charset="0"/>
+              </a:rPr>
+              <a:t>p1</a:t>
+            </a:r>
+            <a:endParaRPr lang="ko-Kore-KR" altLang="en-US" dirty="0"/>
+          </a:p>
+        </p:txBody>
+      </p:sp>
+      <p:sp>
+        <p:nvSpPr>
+          <p:cNvPr id="15" name="직사각형 14">
+            <a:extLst>
+              <a:ext uri="{FF2B5EF4-FFF2-40B4-BE49-F238E27FC236}">
+                <a16:creationId xmlns:a16="http://schemas.microsoft.com/office/drawing/2014/main" id="{64E52F2C-218B-4620-79C4-4877E6E5969B}"/>
+              </a:ext>
+            </a:extLst>
+          </p:cNvPr>
+          <p:cNvSpPr/>
+          <p:nvPr/>
+        </p:nvSpPr>
+        <p:spPr>
+          <a:xfrm>
+            <a:off x="8889812" y="1027731"/>
+            <a:ext cx="1019503" cy="451945"/>
+          </a:xfrm>
+          <a:prstGeom prst="rect">
+            <a:avLst/>
+          </a:prstGeom>
+          <a:solidFill>
+            <a:srgbClr val="FFFF00"/>
+          </a:solidFill>
+        </p:spPr>
+        <p:style>
+          <a:lnRef idx="2">
+            <a:schemeClr val="accent1">
+              <a:shade val="50000"/>
+            </a:schemeClr>
+          </a:lnRef>
+          <a:fillRef idx="1">
+            <a:schemeClr val="accent1"/>
+          </a:fillRef>
+          <a:effectRef idx="0">
+            <a:schemeClr val="accent1"/>
+          </a:effectRef>
+          <a:fontRef idx="minor">
+            <a:schemeClr val="lt1"/>
+          </a:fontRef>
+        </p:style>
+        <p:txBody>
+          <a:bodyPr rtlCol="0" anchor="ctr"/>
+          <a:lstStyle/>
+          <a:p>
+            <a:pPr algn="ctr"/>
+            <a:endParaRPr kumimoji="1" lang="ko-Kore-KR" altLang="en-US" dirty="0">
+              <a:solidFill>
+                <a:schemeClr val="tx1"/>
+              </a:solidFill>
+              <a:latin typeface="DM Mono" panose="020B0509040201040103" pitchFamily="49" charset="0"/>
+            </a:endParaRPr>
+          </a:p>
+        </p:txBody>
+      </p:sp>
+      <p:sp>
+        <p:nvSpPr>
+          <p:cNvPr id="16" name="TextBox 15">
+            <a:extLst>
+              <a:ext uri="{FF2B5EF4-FFF2-40B4-BE49-F238E27FC236}">
+                <a16:creationId xmlns:a16="http://schemas.microsoft.com/office/drawing/2014/main" id="{8F36A755-BA5E-B5BB-E8DE-2E9EEA97DAC7}"/>
+              </a:ext>
+            </a:extLst>
+          </p:cNvPr>
+          <p:cNvSpPr txBox="1"/>
+          <p:nvPr/>
+        </p:nvSpPr>
+        <p:spPr>
+          <a:xfrm>
+            <a:off x="8364294" y="1069037"/>
+            <a:ext cx="525518" cy="369332"/>
+          </a:xfrm>
+          <a:prstGeom prst="rect">
+            <a:avLst/>
+          </a:prstGeom>
+          <a:noFill/>
+        </p:spPr>
+        <p:txBody>
+          <a:bodyPr wrap="square">
+            <a:spAutoFit/>
+          </a:bodyPr>
+          <a:lstStyle/>
+          <a:p>
+            <a:pPr algn="r"/>
+            <a:r>
+              <a:rPr lang="en-US" altLang="ko-Kore-KR" dirty="0">
+                <a:latin typeface="DM Mono" panose="020B0509040201040103" pitchFamily="49" charset="0"/>
+              </a:rPr>
+              <a:t>x</a:t>
+            </a:r>
+            <a:endParaRPr lang="ko-Kore-KR" altLang="en-US" dirty="0"/>
+          </a:p>
+        </p:txBody>
+      </p:sp>
+      <p:sp>
+        <p:nvSpPr>
+          <p:cNvPr id="17" name="직사각형 16">
+            <a:extLst>
+              <a:ext uri="{FF2B5EF4-FFF2-40B4-BE49-F238E27FC236}">
+                <a16:creationId xmlns:a16="http://schemas.microsoft.com/office/drawing/2014/main" id="{74FB0951-60FB-E864-868C-14BDE20794B6}"/>
+              </a:ext>
+            </a:extLst>
+          </p:cNvPr>
+          <p:cNvSpPr/>
+          <p:nvPr/>
+        </p:nvSpPr>
+        <p:spPr>
+          <a:xfrm>
+            <a:off x="8889812" y="1479675"/>
+            <a:ext cx="1019503" cy="451945"/>
+          </a:xfrm>
+          <a:prstGeom prst="rect">
+            <a:avLst/>
+          </a:prstGeom>
+          <a:solidFill>
+            <a:srgbClr val="FFFF00"/>
+          </a:solidFill>
+        </p:spPr>
+        <p:style>
+          <a:lnRef idx="2">
+            <a:schemeClr val="accent1">
+              <a:shade val="50000"/>
+            </a:schemeClr>
+          </a:lnRef>
+          <a:fillRef idx="1">
+            <a:schemeClr val="accent1"/>
+          </a:fillRef>
+          <a:effectRef idx="0">
+            <a:schemeClr val="accent1"/>
+          </a:effectRef>
+          <a:fontRef idx="minor">
+            <a:schemeClr val="lt1"/>
+          </a:fontRef>
+        </p:style>
+        <p:txBody>
+          <a:bodyPr rtlCol="0" anchor="ctr"/>
+          <a:lstStyle/>
+          <a:p>
+            <a:pPr algn="ctr"/>
+            <a:endParaRPr kumimoji="1" lang="ko-Kore-KR" altLang="en-US" dirty="0">
+              <a:solidFill>
+                <a:schemeClr val="tx1"/>
+              </a:solidFill>
+              <a:latin typeface="DM Mono" panose="020B0509040201040103" pitchFamily="49" charset="0"/>
+            </a:endParaRPr>
+          </a:p>
+        </p:txBody>
+      </p:sp>
+      <p:sp>
+        <p:nvSpPr>
+          <p:cNvPr id="18" name="TextBox 17">
+            <a:extLst>
+              <a:ext uri="{FF2B5EF4-FFF2-40B4-BE49-F238E27FC236}">
+                <a16:creationId xmlns:a16="http://schemas.microsoft.com/office/drawing/2014/main" id="{FE9CE25E-6A26-EA81-158F-A26E6978C042}"/>
+              </a:ext>
+            </a:extLst>
+          </p:cNvPr>
+          <p:cNvSpPr txBox="1"/>
+          <p:nvPr/>
+        </p:nvSpPr>
+        <p:spPr>
+          <a:xfrm>
+            <a:off x="8364294" y="1520981"/>
+            <a:ext cx="525518" cy="369332"/>
+          </a:xfrm>
+          <a:prstGeom prst="rect">
+            <a:avLst/>
+          </a:prstGeom>
+          <a:noFill/>
+        </p:spPr>
+        <p:txBody>
+          <a:bodyPr wrap="square">
+            <a:spAutoFit/>
+          </a:bodyPr>
+          <a:lstStyle/>
+          <a:p>
+            <a:pPr algn="r"/>
+            <a:r>
+              <a:rPr lang="en-US" altLang="ko-Kore-KR" dirty="0">
+                <a:latin typeface="DM Mono" panose="020B0509040201040103" pitchFamily="49" charset="0"/>
+              </a:rPr>
+              <a:t>y</a:t>
+            </a:r>
+            <a:endParaRPr lang="ko-Kore-KR" altLang="en-US" dirty="0"/>
+          </a:p>
+        </p:txBody>
+      </p:sp>
+      <p:sp>
+        <p:nvSpPr>
+          <p:cNvPr id="19" name="TextBox 18">
+            <a:extLst>
+              <a:ext uri="{FF2B5EF4-FFF2-40B4-BE49-F238E27FC236}">
+                <a16:creationId xmlns:a16="http://schemas.microsoft.com/office/drawing/2014/main" id="{13C3684E-6926-A6DD-3741-B85563245BDA}"/>
+              </a:ext>
+            </a:extLst>
+          </p:cNvPr>
+          <p:cNvSpPr txBox="1"/>
+          <p:nvPr/>
+        </p:nvSpPr>
+        <p:spPr>
+          <a:xfrm>
+            <a:off x="9136804" y="699705"/>
+            <a:ext cx="525518" cy="369332"/>
+          </a:xfrm>
+          <a:prstGeom prst="rect">
+            <a:avLst/>
+          </a:prstGeom>
+          <a:noFill/>
+        </p:spPr>
+        <p:txBody>
+          <a:bodyPr wrap="square">
+            <a:spAutoFit/>
+          </a:bodyPr>
+          <a:lstStyle/>
+          <a:p>
+            <a:pPr algn="r"/>
+            <a:r>
+              <a:rPr lang="en-US" altLang="ko-Kore-KR" dirty="0">
+                <a:latin typeface="DM Mono" panose="020B0509040201040103" pitchFamily="49" charset="0"/>
+              </a:rPr>
+              <a:t>p2</a:t>
+            </a:r>
+            <a:endParaRPr lang="ko-Kore-KR" altLang="en-US" dirty="0"/>
+          </a:p>
+        </p:txBody>
+      </p:sp>
+      <p:sp>
+        <p:nvSpPr>
+          <p:cNvPr id="21" name="TextBox 20">
+            <a:extLst>
+              <a:ext uri="{FF2B5EF4-FFF2-40B4-BE49-F238E27FC236}">
+                <a16:creationId xmlns:a16="http://schemas.microsoft.com/office/drawing/2014/main" id="{D46FF2F9-80B0-73F6-958D-62C64B5B1B0C}"/>
+              </a:ext>
+            </a:extLst>
+          </p:cNvPr>
+          <p:cNvSpPr txBox="1"/>
+          <p:nvPr/>
+        </p:nvSpPr>
+        <p:spPr>
+          <a:xfrm>
+            <a:off x="5072727" y="3695789"/>
+            <a:ext cx="6477454" cy="1477328"/>
+          </a:xfrm>
+          <a:prstGeom prst="rect">
+            <a:avLst/>
+          </a:prstGeom>
+          <a:noFill/>
+        </p:spPr>
+        <p:txBody>
+          <a:bodyPr wrap="square">
+            <a:spAutoFit/>
+          </a:bodyPr>
+          <a:lstStyle/>
+          <a:p>
+            <a:r>
+              <a:rPr lang="en" altLang="ko-Kore-KR" dirty="0">
+                <a:latin typeface="DM Mono" panose="020B0509040201040103" pitchFamily="49" charset="0"/>
+              </a:rPr>
+              <a:t> void Point::Set(int a, int b)</a:t>
+            </a:r>
+          </a:p>
+          <a:p>
+            <a:r>
+              <a:rPr lang="en" altLang="ko-Kore-KR" dirty="0">
+                <a:latin typeface="DM Mono" panose="020B0509040201040103" pitchFamily="49" charset="0"/>
+              </a:rPr>
+              <a:t> {</a:t>
+            </a:r>
+          </a:p>
+          <a:p>
+            <a:r>
+              <a:rPr lang="en" altLang="ko-Kore-KR" dirty="0">
+                <a:latin typeface="DM Mono" panose="020B0509040201040103" pitchFamily="49" charset="0"/>
+              </a:rPr>
+              <a:t>        x = a;</a:t>
+            </a:r>
+          </a:p>
+          <a:p>
+            <a:r>
+              <a:rPr lang="en" altLang="ko-Kore-KR" dirty="0">
+                <a:latin typeface="DM Mono" panose="020B0509040201040103" pitchFamily="49" charset="0"/>
+              </a:rPr>
+              <a:t>        y = b;</a:t>
+            </a:r>
+          </a:p>
+          <a:p>
+            <a:r>
+              <a:rPr lang="en" altLang="ko-Kore-KR" dirty="0">
+                <a:latin typeface="DM Mono" panose="020B0509040201040103" pitchFamily="49" charset="0"/>
+              </a:rPr>
+              <a:t> }</a:t>
+            </a:r>
+            <a:endParaRPr lang="ko-Kore-KR" altLang="en-US" dirty="0"/>
+          </a:p>
+        </p:txBody>
+      </p:sp>
+    </p:spTree>
+    <p:extLst>
+      <p:ext uri="{BB962C8B-B14F-4D97-AF65-F5344CB8AC3E}">
+        <p14:creationId xmlns:p14="http://schemas.microsoft.com/office/powerpoint/2010/main" val="1972650812"/>
+      </p:ext>
+    </p:extLst>
+  </p:cSld>
+  <p:clrMapOvr>
+    <a:masterClrMapping/>
+  </p:clrMapOvr>
+</p:sld>
+</file>
+
+<file path=ppt/slides/slide12.xml><?xml version="1.0" encoding="utf-8"?>
+<p:sld xmlns:a="http://schemas.openxmlformats.org/drawingml/2006/main" xmlns:r="http://schemas.openxmlformats.org/officeDocument/2006/relationships" xmlns:p="http://schemas.openxmlformats.org/presentationml/2006/main">
+  <p:cSld>
+    <p:spTree>
+      <p:nvGrpSpPr>
+        <p:cNvPr id="1" name=""/>
+        <p:cNvGrpSpPr/>
+        <p:nvPr/>
+      </p:nvGrpSpPr>
+      <p:grpSpPr>
+        <a:xfrm>
+          <a:off x="0" y="0"/>
+          <a:ext cx="0" cy="0"/>
+          <a:chOff x="0" y="0"/>
+          <a:chExt cx="0" cy="0"/>
+        </a:xfrm>
+      </p:grpSpPr>
+      <p:sp>
+        <p:nvSpPr>
+          <p:cNvPr id="5" name="TextBox 4">
+            <a:extLst>
+              <a:ext uri="{FF2B5EF4-FFF2-40B4-BE49-F238E27FC236}">
+                <a16:creationId xmlns:a16="http://schemas.microsoft.com/office/drawing/2014/main" id="{5B87F660-B6FF-CA77-E37D-589CCC0A037D}"/>
+              </a:ext>
+            </a:extLst>
+          </p:cNvPr>
+          <p:cNvSpPr txBox="1"/>
+          <p:nvPr/>
+        </p:nvSpPr>
+        <p:spPr>
+          <a:xfrm>
+            <a:off x="641819" y="268125"/>
+            <a:ext cx="4016445" cy="5355312"/>
+          </a:xfrm>
+          <a:prstGeom prst="rect">
+            <a:avLst/>
+          </a:prstGeom>
+          <a:noFill/>
+        </p:spPr>
+        <p:txBody>
+          <a:bodyPr wrap="square">
+            <a:spAutoFit/>
+          </a:bodyPr>
+          <a:lstStyle/>
+          <a:p>
+            <a:r>
+              <a:rPr lang="en" altLang="ko-Kore-KR" dirty="0">
+                <a:latin typeface="DM Mono" panose="020B0509040201040103" pitchFamily="49" charset="0"/>
+              </a:rPr>
+              <a:t>class Point {</a:t>
+            </a:r>
+          </a:p>
+          <a:p>
+            <a:r>
+              <a:rPr lang="en" altLang="ko-Kore-KR" dirty="0">
+                <a:latin typeface="DM Mono" panose="020B0509040201040103" pitchFamily="49" charset="0"/>
+              </a:rPr>
+              <a:t>    int x;</a:t>
+            </a:r>
+          </a:p>
+          <a:p>
+            <a:r>
+              <a:rPr lang="en" altLang="ko-Kore-KR" dirty="0">
+                <a:latin typeface="DM Mono" panose="020B0509040201040103" pitchFamily="49" charset="0"/>
+              </a:rPr>
+              <a:t>    int y;</a:t>
+            </a:r>
+          </a:p>
+          <a:p>
+            <a:r>
+              <a:rPr lang="en" altLang="ko-Kore-KR" dirty="0">
+                <a:latin typeface="DM Mono" panose="020B0509040201040103" pitchFamily="49" charset="0"/>
+              </a:rPr>
+              <a:t>public:</a:t>
+            </a:r>
+          </a:p>
+          <a:p>
+            <a:r>
+              <a:rPr lang="en" altLang="ko-Kore-KR" dirty="0">
+                <a:latin typeface="DM Mono" panose="020B0509040201040103" pitchFamily="49" charset="0"/>
+              </a:rPr>
+              <a:t>    void Set(int a, int b)</a:t>
+            </a:r>
+          </a:p>
+          <a:p>
+            <a:r>
+              <a:rPr lang="en" altLang="ko-Kore-KR" dirty="0">
+                <a:latin typeface="DM Mono" panose="020B0509040201040103" pitchFamily="49" charset="0"/>
+              </a:rPr>
+              <a:t>    {</a:t>
+            </a:r>
+          </a:p>
+          <a:p>
+            <a:r>
+              <a:rPr lang="en" altLang="ko-Kore-KR" dirty="0">
+                <a:latin typeface="DM Mono" panose="020B0509040201040103" pitchFamily="49" charset="0"/>
+              </a:rPr>
+              <a:t>        x = a;</a:t>
+            </a:r>
+          </a:p>
+          <a:p>
+            <a:r>
+              <a:rPr lang="en" altLang="ko-Kore-KR" dirty="0">
+                <a:latin typeface="DM Mono" panose="020B0509040201040103" pitchFamily="49" charset="0"/>
+              </a:rPr>
+              <a:t>        y = b;</a:t>
+            </a:r>
+          </a:p>
+          <a:p>
+            <a:r>
+              <a:rPr lang="en" altLang="ko-Kore-KR" dirty="0">
+                <a:latin typeface="DM Mono" panose="020B0509040201040103" pitchFamily="49" charset="0"/>
+              </a:rPr>
+              <a:t>    }</a:t>
+            </a:r>
+          </a:p>
+          <a:p>
+            <a:r>
+              <a:rPr lang="en" altLang="ko-Kore-KR" dirty="0">
+                <a:latin typeface="DM Mono" panose="020B0509040201040103" pitchFamily="49" charset="0"/>
+              </a:rPr>
+              <a:t>};</a:t>
+            </a:r>
+          </a:p>
+          <a:p>
+            <a:endParaRPr lang="en" altLang="ko-Kore-KR" dirty="0">
+              <a:latin typeface="DM Mono" panose="020B0509040201040103" pitchFamily="49" charset="0"/>
+            </a:endParaRPr>
+          </a:p>
+          <a:p>
+            <a:r>
+              <a:rPr lang="en" altLang="ko-Kore-KR" dirty="0">
+                <a:latin typeface="DM Mono" panose="020B0509040201040103" pitchFamily="49" charset="0"/>
+              </a:rPr>
+              <a:t>int main()</a:t>
+            </a:r>
+          </a:p>
+          <a:p>
+            <a:r>
+              <a:rPr lang="en" altLang="ko-Kore-KR" dirty="0">
+                <a:latin typeface="DM Mono" panose="020B0509040201040103" pitchFamily="49" charset="0"/>
+              </a:rPr>
+              <a:t>{</a:t>
+            </a:r>
+          </a:p>
+          <a:p>
+            <a:r>
+              <a:rPr lang="en" altLang="ko-Kore-KR" dirty="0">
+                <a:latin typeface="DM Mono" panose="020B0509040201040103" pitchFamily="49" charset="0"/>
+              </a:rPr>
+              <a:t>    Point p1;</a:t>
+            </a:r>
+          </a:p>
+          <a:p>
+            <a:r>
+              <a:rPr lang="en" altLang="ko-Kore-KR" dirty="0">
+                <a:latin typeface="DM Mono" panose="020B0509040201040103" pitchFamily="49" charset="0"/>
+              </a:rPr>
+              <a:t>    Point p2;</a:t>
+            </a:r>
+          </a:p>
+          <a:p>
+            <a:endParaRPr lang="en" altLang="ko-Kore-KR" dirty="0">
+              <a:latin typeface="DM Mono" panose="020B0509040201040103" pitchFamily="49" charset="0"/>
+            </a:endParaRPr>
+          </a:p>
+          <a:p>
+            <a:r>
+              <a:rPr lang="en" altLang="ko-Kore-KR" dirty="0">
+                <a:latin typeface="DM Mono" panose="020B0509040201040103" pitchFamily="49" charset="0"/>
+              </a:rPr>
+              <a:t>    p1.Set(10, 20);</a:t>
+            </a:r>
+          </a:p>
+          <a:p>
+            <a:r>
+              <a:rPr lang="en" altLang="ko-Kore-KR" dirty="0">
+                <a:latin typeface="DM Mono" panose="020B0509040201040103" pitchFamily="49" charset="0"/>
+              </a:rPr>
+              <a:t>    p2.Set(100, 200);</a:t>
+            </a:r>
+          </a:p>
+          <a:p>
+            <a:r>
+              <a:rPr lang="en" altLang="ko-Kore-KR" dirty="0">
+                <a:latin typeface="DM Mono" panose="020B0509040201040103" pitchFamily="49" charset="0"/>
+              </a:rPr>
+              <a:t>}</a:t>
+            </a:r>
+            <a:endParaRPr lang="ko-Kore-KR" altLang="en-US" dirty="0">
+              <a:latin typeface="DM Mono" panose="020B0509040201040103" pitchFamily="49" charset="0"/>
+            </a:endParaRPr>
+          </a:p>
+        </p:txBody>
+      </p:sp>
+      <p:sp>
+        <p:nvSpPr>
+          <p:cNvPr id="6" name="직사각형 5">
+            <a:extLst>
+              <a:ext uri="{FF2B5EF4-FFF2-40B4-BE49-F238E27FC236}">
+                <a16:creationId xmlns:a16="http://schemas.microsoft.com/office/drawing/2014/main" id="{1C9AF545-0782-013B-F690-97B762F3D5AD}"/>
+              </a:ext>
+            </a:extLst>
+          </p:cNvPr>
+          <p:cNvSpPr/>
+          <p:nvPr/>
+        </p:nvSpPr>
+        <p:spPr>
+          <a:xfrm>
+            <a:off x="5601862" y="637457"/>
+            <a:ext cx="5339255" cy="2308325"/>
+          </a:xfrm>
+          <a:prstGeom prst="rect">
+            <a:avLst/>
+          </a:prstGeom>
+          <a:solidFill>
+            <a:schemeClr val="bg1"/>
+          </a:solidFill>
+        </p:spPr>
+        <p:style>
+          <a:lnRef idx="2">
+            <a:schemeClr val="accent1">
+              <a:shade val="50000"/>
+            </a:schemeClr>
+          </a:lnRef>
+          <a:fillRef idx="1">
+            <a:schemeClr val="accent1"/>
+          </a:fillRef>
+          <a:effectRef idx="0">
+            <a:schemeClr val="accent1"/>
+          </a:effectRef>
+          <a:fontRef idx="minor">
+            <a:schemeClr val="lt1"/>
+          </a:fontRef>
+        </p:style>
+        <p:txBody>
+          <a:bodyPr rtlCol="0" anchor="ctr"/>
+          <a:lstStyle/>
+          <a:p>
+            <a:pPr algn="ctr"/>
+            <a:endParaRPr kumimoji="1" lang="ko-Kore-KR" altLang="en-US"/>
+          </a:p>
+        </p:txBody>
+      </p:sp>
+      <p:sp>
+        <p:nvSpPr>
+          <p:cNvPr id="7" name="TextBox 6">
+            <a:extLst>
+              <a:ext uri="{FF2B5EF4-FFF2-40B4-BE49-F238E27FC236}">
+                <a16:creationId xmlns:a16="http://schemas.microsoft.com/office/drawing/2014/main" id="{B14D4A12-0197-0648-30B3-AE6EBC1BEC63}"/>
+              </a:ext>
+            </a:extLst>
+          </p:cNvPr>
+          <p:cNvSpPr txBox="1"/>
+          <p:nvPr/>
+        </p:nvSpPr>
+        <p:spPr>
+          <a:xfrm>
+            <a:off x="7740717" y="268125"/>
+            <a:ext cx="1187669" cy="369332"/>
+          </a:xfrm>
+          <a:prstGeom prst="rect">
+            <a:avLst/>
+          </a:prstGeom>
+          <a:noFill/>
+        </p:spPr>
+        <p:txBody>
+          <a:bodyPr wrap="square">
+            <a:spAutoFit/>
+          </a:bodyPr>
+          <a:lstStyle/>
+          <a:p>
+            <a:pPr algn="ctr"/>
+            <a:r>
+              <a:rPr lang="ko-Kore-KR" altLang="en-US" dirty="0">
+                <a:latin typeface="DM Mono" panose="020B0509040201040103" pitchFamily="49" charset="0"/>
+              </a:rPr>
+              <a:t>main</a:t>
+            </a:r>
+            <a:endParaRPr lang="ko-Kore-KR" altLang="en-US" dirty="0"/>
+          </a:p>
+        </p:txBody>
+      </p:sp>
+      <p:sp>
+        <p:nvSpPr>
+          <p:cNvPr id="8" name="직사각형 7">
+            <a:extLst>
+              <a:ext uri="{FF2B5EF4-FFF2-40B4-BE49-F238E27FC236}">
+                <a16:creationId xmlns:a16="http://schemas.microsoft.com/office/drawing/2014/main" id="{53C7E6E1-EDB4-B801-05E3-E15014B4BE3B}"/>
+              </a:ext>
+            </a:extLst>
+          </p:cNvPr>
+          <p:cNvSpPr/>
+          <p:nvPr/>
+        </p:nvSpPr>
+        <p:spPr>
+          <a:xfrm>
+            <a:off x="6579324" y="1044420"/>
+            <a:ext cx="1019503" cy="451945"/>
+          </a:xfrm>
+          <a:prstGeom prst="rect">
+            <a:avLst/>
+          </a:prstGeom>
+          <a:solidFill>
+            <a:srgbClr val="FFFF00"/>
+          </a:solidFill>
+        </p:spPr>
+        <p:style>
+          <a:lnRef idx="2">
+            <a:schemeClr val="accent1">
+              <a:shade val="50000"/>
+            </a:schemeClr>
+          </a:lnRef>
+          <a:fillRef idx="1">
+            <a:schemeClr val="accent1"/>
+          </a:fillRef>
+          <a:effectRef idx="0">
+            <a:schemeClr val="accent1"/>
+          </a:effectRef>
+          <a:fontRef idx="minor">
+            <a:schemeClr val="lt1"/>
+          </a:fontRef>
+        </p:style>
+        <p:txBody>
+          <a:bodyPr rtlCol="0" anchor="ctr"/>
+          <a:lstStyle/>
+          <a:p>
+            <a:pPr algn="ctr"/>
+            <a:endParaRPr kumimoji="1" lang="ko-Kore-KR" altLang="en-US" dirty="0">
+              <a:solidFill>
+                <a:schemeClr val="tx1"/>
+              </a:solidFill>
+              <a:latin typeface="DM Mono" panose="020B0509040201040103" pitchFamily="49" charset="0"/>
+            </a:endParaRPr>
+          </a:p>
+        </p:txBody>
+      </p:sp>
+      <p:sp>
+        <p:nvSpPr>
+          <p:cNvPr id="9" name="TextBox 8">
+            <a:extLst>
+              <a:ext uri="{FF2B5EF4-FFF2-40B4-BE49-F238E27FC236}">
+                <a16:creationId xmlns:a16="http://schemas.microsoft.com/office/drawing/2014/main" id="{21A94303-6DEB-249B-14B6-E01CACE75F96}"/>
+              </a:ext>
+            </a:extLst>
+          </p:cNvPr>
+          <p:cNvSpPr txBox="1"/>
+          <p:nvPr/>
+        </p:nvSpPr>
+        <p:spPr>
+          <a:xfrm>
+            <a:off x="6053806" y="1085726"/>
+            <a:ext cx="525518" cy="369332"/>
+          </a:xfrm>
+          <a:prstGeom prst="rect">
+            <a:avLst/>
+          </a:prstGeom>
+          <a:noFill/>
+        </p:spPr>
+        <p:txBody>
+          <a:bodyPr wrap="square">
+            <a:spAutoFit/>
+          </a:bodyPr>
+          <a:lstStyle/>
+          <a:p>
+            <a:pPr algn="r"/>
+            <a:r>
+              <a:rPr lang="en-US" altLang="ko-Kore-KR" dirty="0">
+                <a:latin typeface="DM Mono" panose="020B0509040201040103" pitchFamily="49" charset="0"/>
+              </a:rPr>
+              <a:t>x</a:t>
+            </a:r>
+            <a:endParaRPr lang="ko-Kore-KR" altLang="en-US" dirty="0"/>
+          </a:p>
+        </p:txBody>
+      </p:sp>
+      <p:sp>
+        <p:nvSpPr>
+          <p:cNvPr id="3" name="직사각형 2">
+            <a:extLst>
+              <a:ext uri="{FF2B5EF4-FFF2-40B4-BE49-F238E27FC236}">
+                <a16:creationId xmlns:a16="http://schemas.microsoft.com/office/drawing/2014/main" id="{B696691E-66C2-E5A5-FC77-5DD1F01A92A3}"/>
+              </a:ext>
+            </a:extLst>
+          </p:cNvPr>
+          <p:cNvSpPr/>
+          <p:nvPr/>
+        </p:nvSpPr>
+        <p:spPr>
+          <a:xfrm>
+            <a:off x="6579324" y="1496364"/>
+            <a:ext cx="1019503" cy="451945"/>
+          </a:xfrm>
+          <a:prstGeom prst="rect">
+            <a:avLst/>
+          </a:prstGeom>
+          <a:solidFill>
+            <a:srgbClr val="FFFF00"/>
+          </a:solidFill>
+        </p:spPr>
+        <p:style>
+          <a:lnRef idx="2">
+            <a:schemeClr val="accent1">
+              <a:shade val="50000"/>
+            </a:schemeClr>
+          </a:lnRef>
+          <a:fillRef idx="1">
+            <a:schemeClr val="accent1"/>
+          </a:fillRef>
+          <a:effectRef idx="0">
+            <a:schemeClr val="accent1"/>
+          </a:effectRef>
+          <a:fontRef idx="minor">
+            <a:schemeClr val="lt1"/>
+          </a:fontRef>
+        </p:style>
+        <p:txBody>
+          <a:bodyPr rtlCol="0" anchor="ctr"/>
+          <a:lstStyle/>
+          <a:p>
+            <a:pPr algn="ctr"/>
+            <a:endParaRPr kumimoji="1" lang="ko-Kore-KR" altLang="en-US" dirty="0">
+              <a:solidFill>
+                <a:schemeClr val="tx1"/>
+              </a:solidFill>
+              <a:latin typeface="DM Mono" panose="020B0509040201040103" pitchFamily="49" charset="0"/>
+            </a:endParaRPr>
+          </a:p>
+        </p:txBody>
+      </p:sp>
+      <p:sp>
+        <p:nvSpPr>
+          <p:cNvPr id="4" name="TextBox 3">
+            <a:extLst>
+              <a:ext uri="{FF2B5EF4-FFF2-40B4-BE49-F238E27FC236}">
+                <a16:creationId xmlns:a16="http://schemas.microsoft.com/office/drawing/2014/main" id="{6780460D-4213-28A3-E2A9-497DCD9CD20B}"/>
+              </a:ext>
+            </a:extLst>
+          </p:cNvPr>
+          <p:cNvSpPr txBox="1"/>
+          <p:nvPr/>
+        </p:nvSpPr>
+        <p:spPr>
+          <a:xfrm>
+            <a:off x="6053806" y="1537670"/>
+            <a:ext cx="525518" cy="369332"/>
+          </a:xfrm>
+          <a:prstGeom prst="rect">
+            <a:avLst/>
+          </a:prstGeom>
+          <a:noFill/>
+        </p:spPr>
+        <p:txBody>
+          <a:bodyPr wrap="square">
+            <a:spAutoFit/>
+          </a:bodyPr>
+          <a:lstStyle/>
+          <a:p>
+            <a:pPr algn="r"/>
+            <a:r>
+              <a:rPr lang="en-US" altLang="ko-Kore-KR" dirty="0">
+                <a:latin typeface="DM Mono" panose="020B0509040201040103" pitchFamily="49" charset="0"/>
+              </a:rPr>
+              <a:t>y</a:t>
+            </a:r>
+            <a:endParaRPr lang="ko-Kore-KR" altLang="en-US" dirty="0"/>
+          </a:p>
+        </p:txBody>
+      </p:sp>
+      <p:sp>
+        <p:nvSpPr>
+          <p:cNvPr id="14" name="TextBox 13">
+            <a:extLst>
+              <a:ext uri="{FF2B5EF4-FFF2-40B4-BE49-F238E27FC236}">
+                <a16:creationId xmlns:a16="http://schemas.microsoft.com/office/drawing/2014/main" id="{2C906AAA-B591-9CE2-707D-564EC364CEA1}"/>
+              </a:ext>
+            </a:extLst>
+          </p:cNvPr>
+          <p:cNvSpPr txBox="1"/>
+          <p:nvPr/>
+        </p:nvSpPr>
+        <p:spPr>
+          <a:xfrm>
+            <a:off x="6826316" y="716394"/>
+            <a:ext cx="525518" cy="369332"/>
+          </a:xfrm>
+          <a:prstGeom prst="rect">
+            <a:avLst/>
+          </a:prstGeom>
+          <a:noFill/>
+        </p:spPr>
+        <p:txBody>
+          <a:bodyPr wrap="square">
+            <a:spAutoFit/>
+          </a:bodyPr>
+          <a:lstStyle/>
+          <a:p>
+            <a:pPr algn="r"/>
+            <a:r>
+              <a:rPr lang="en-US" altLang="ko-Kore-KR" dirty="0">
+                <a:latin typeface="DM Mono" panose="020B0509040201040103" pitchFamily="49" charset="0"/>
+              </a:rPr>
+              <a:t>p1</a:t>
+            </a:r>
+            <a:endParaRPr lang="ko-Kore-KR" altLang="en-US" dirty="0"/>
+          </a:p>
+        </p:txBody>
+      </p:sp>
+      <p:sp>
+        <p:nvSpPr>
+          <p:cNvPr id="15" name="직사각형 14">
+            <a:extLst>
+              <a:ext uri="{FF2B5EF4-FFF2-40B4-BE49-F238E27FC236}">
+                <a16:creationId xmlns:a16="http://schemas.microsoft.com/office/drawing/2014/main" id="{64E52F2C-218B-4620-79C4-4877E6E5969B}"/>
+              </a:ext>
+            </a:extLst>
+          </p:cNvPr>
+          <p:cNvSpPr/>
+          <p:nvPr/>
+        </p:nvSpPr>
+        <p:spPr>
+          <a:xfrm>
+            <a:off x="8889812" y="1027731"/>
+            <a:ext cx="1019503" cy="451945"/>
+          </a:xfrm>
+          <a:prstGeom prst="rect">
+            <a:avLst/>
+          </a:prstGeom>
+          <a:solidFill>
+            <a:srgbClr val="FFFF00"/>
+          </a:solidFill>
+        </p:spPr>
+        <p:style>
+          <a:lnRef idx="2">
+            <a:schemeClr val="accent1">
+              <a:shade val="50000"/>
+            </a:schemeClr>
+          </a:lnRef>
+          <a:fillRef idx="1">
+            <a:schemeClr val="accent1"/>
+          </a:fillRef>
+          <a:effectRef idx="0">
+            <a:schemeClr val="accent1"/>
+          </a:effectRef>
+          <a:fontRef idx="minor">
+            <a:schemeClr val="lt1"/>
+          </a:fontRef>
+        </p:style>
+        <p:txBody>
+          <a:bodyPr rtlCol="0" anchor="ctr"/>
+          <a:lstStyle/>
+          <a:p>
+            <a:pPr algn="ctr"/>
+            <a:endParaRPr kumimoji="1" lang="ko-Kore-KR" altLang="en-US" dirty="0">
+              <a:solidFill>
+                <a:schemeClr val="tx1"/>
+              </a:solidFill>
+              <a:latin typeface="DM Mono" panose="020B0509040201040103" pitchFamily="49" charset="0"/>
+            </a:endParaRPr>
+          </a:p>
+        </p:txBody>
+      </p:sp>
+      <p:sp>
+        <p:nvSpPr>
+          <p:cNvPr id="16" name="TextBox 15">
+            <a:extLst>
+              <a:ext uri="{FF2B5EF4-FFF2-40B4-BE49-F238E27FC236}">
+                <a16:creationId xmlns:a16="http://schemas.microsoft.com/office/drawing/2014/main" id="{8F36A755-BA5E-B5BB-E8DE-2E9EEA97DAC7}"/>
+              </a:ext>
+            </a:extLst>
+          </p:cNvPr>
+          <p:cNvSpPr txBox="1"/>
+          <p:nvPr/>
+        </p:nvSpPr>
+        <p:spPr>
+          <a:xfrm>
+            <a:off x="8364294" y="1069037"/>
+            <a:ext cx="525518" cy="369332"/>
+          </a:xfrm>
+          <a:prstGeom prst="rect">
+            <a:avLst/>
+          </a:prstGeom>
+          <a:noFill/>
+        </p:spPr>
+        <p:txBody>
+          <a:bodyPr wrap="square">
+            <a:spAutoFit/>
+          </a:bodyPr>
+          <a:lstStyle/>
+          <a:p>
+            <a:pPr algn="r"/>
+            <a:r>
+              <a:rPr lang="en-US" altLang="ko-Kore-KR" dirty="0">
+                <a:latin typeface="DM Mono" panose="020B0509040201040103" pitchFamily="49" charset="0"/>
+              </a:rPr>
+              <a:t>x</a:t>
+            </a:r>
+            <a:endParaRPr lang="ko-Kore-KR" altLang="en-US" dirty="0"/>
+          </a:p>
+        </p:txBody>
+      </p:sp>
+      <p:sp>
+        <p:nvSpPr>
+          <p:cNvPr id="17" name="직사각형 16">
+            <a:extLst>
+              <a:ext uri="{FF2B5EF4-FFF2-40B4-BE49-F238E27FC236}">
+                <a16:creationId xmlns:a16="http://schemas.microsoft.com/office/drawing/2014/main" id="{74FB0951-60FB-E864-868C-14BDE20794B6}"/>
+              </a:ext>
+            </a:extLst>
+          </p:cNvPr>
+          <p:cNvSpPr/>
+          <p:nvPr/>
+        </p:nvSpPr>
+        <p:spPr>
+          <a:xfrm>
+            <a:off x="8889812" y="1479675"/>
+            <a:ext cx="1019503" cy="451945"/>
+          </a:xfrm>
+          <a:prstGeom prst="rect">
+            <a:avLst/>
+          </a:prstGeom>
+          <a:solidFill>
+            <a:srgbClr val="FFFF00"/>
+          </a:solidFill>
+        </p:spPr>
+        <p:style>
+          <a:lnRef idx="2">
+            <a:schemeClr val="accent1">
+              <a:shade val="50000"/>
+            </a:schemeClr>
+          </a:lnRef>
+          <a:fillRef idx="1">
+            <a:schemeClr val="accent1"/>
+          </a:fillRef>
+          <a:effectRef idx="0">
+            <a:schemeClr val="accent1"/>
+          </a:effectRef>
+          <a:fontRef idx="minor">
+            <a:schemeClr val="lt1"/>
+          </a:fontRef>
+        </p:style>
+        <p:txBody>
+          <a:bodyPr rtlCol="0" anchor="ctr"/>
+          <a:lstStyle/>
+          <a:p>
+            <a:pPr algn="ctr"/>
+            <a:endParaRPr kumimoji="1" lang="ko-Kore-KR" altLang="en-US" dirty="0">
+              <a:solidFill>
+                <a:schemeClr val="tx1"/>
+              </a:solidFill>
+              <a:latin typeface="DM Mono" panose="020B0509040201040103" pitchFamily="49" charset="0"/>
+            </a:endParaRPr>
+          </a:p>
+        </p:txBody>
+      </p:sp>
+      <p:sp>
+        <p:nvSpPr>
+          <p:cNvPr id="18" name="TextBox 17">
+            <a:extLst>
+              <a:ext uri="{FF2B5EF4-FFF2-40B4-BE49-F238E27FC236}">
+                <a16:creationId xmlns:a16="http://schemas.microsoft.com/office/drawing/2014/main" id="{FE9CE25E-6A26-EA81-158F-A26E6978C042}"/>
+              </a:ext>
+            </a:extLst>
+          </p:cNvPr>
+          <p:cNvSpPr txBox="1"/>
+          <p:nvPr/>
+        </p:nvSpPr>
+        <p:spPr>
+          <a:xfrm>
+            <a:off x="8364294" y="1520981"/>
+            <a:ext cx="525518" cy="369332"/>
+          </a:xfrm>
+          <a:prstGeom prst="rect">
+            <a:avLst/>
+          </a:prstGeom>
+          <a:noFill/>
+        </p:spPr>
+        <p:txBody>
+          <a:bodyPr wrap="square">
+            <a:spAutoFit/>
+          </a:bodyPr>
+          <a:lstStyle/>
+          <a:p>
+            <a:pPr algn="r"/>
+            <a:r>
+              <a:rPr lang="en-US" altLang="ko-Kore-KR" dirty="0">
+                <a:latin typeface="DM Mono" panose="020B0509040201040103" pitchFamily="49" charset="0"/>
+              </a:rPr>
+              <a:t>y</a:t>
+            </a:r>
+            <a:endParaRPr lang="ko-Kore-KR" altLang="en-US" dirty="0"/>
+          </a:p>
+        </p:txBody>
+      </p:sp>
+      <p:sp>
+        <p:nvSpPr>
+          <p:cNvPr id="19" name="TextBox 18">
+            <a:extLst>
+              <a:ext uri="{FF2B5EF4-FFF2-40B4-BE49-F238E27FC236}">
+                <a16:creationId xmlns:a16="http://schemas.microsoft.com/office/drawing/2014/main" id="{13C3684E-6926-A6DD-3741-B85563245BDA}"/>
+              </a:ext>
+            </a:extLst>
+          </p:cNvPr>
+          <p:cNvSpPr txBox="1"/>
+          <p:nvPr/>
+        </p:nvSpPr>
+        <p:spPr>
+          <a:xfrm>
+            <a:off x="9136804" y="699705"/>
+            <a:ext cx="525518" cy="369332"/>
+          </a:xfrm>
+          <a:prstGeom prst="rect">
+            <a:avLst/>
+          </a:prstGeom>
+          <a:noFill/>
+        </p:spPr>
+        <p:txBody>
+          <a:bodyPr wrap="square">
+            <a:spAutoFit/>
+          </a:bodyPr>
+          <a:lstStyle/>
+          <a:p>
+            <a:pPr algn="r"/>
+            <a:r>
+              <a:rPr lang="en-US" altLang="ko-Kore-KR" dirty="0">
+                <a:latin typeface="DM Mono" panose="020B0509040201040103" pitchFamily="49" charset="0"/>
+              </a:rPr>
+              <a:t>p2</a:t>
+            </a:r>
+            <a:endParaRPr lang="ko-Kore-KR" altLang="en-US" dirty="0"/>
+          </a:p>
+        </p:txBody>
+      </p:sp>
+      <p:sp>
+        <p:nvSpPr>
+          <p:cNvPr id="21" name="TextBox 20">
+            <a:extLst>
+              <a:ext uri="{FF2B5EF4-FFF2-40B4-BE49-F238E27FC236}">
+                <a16:creationId xmlns:a16="http://schemas.microsoft.com/office/drawing/2014/main" id="{D46FF2F9-80B0-73F6-958D-62C64B5B1B0C}"/>
+              </a:ext>
+            </a:extLst>
+          </p:cNvPr>
+          <p:cNvSpPr txBox="1"/>
+          <p:nvPr/>
+        </p:nvSpPr>
+        <p:spPr>
+          <a:xfrm>
+            <a:off x="5072727" y="3695789"/>
+            <a:ext cx="6477454" cy="1477328"/>
+          </a:xfrm>
+          <a:prstGeom prst="rect">
+            <a:avLst/>
+          </a:prstGeom>
+          <a:noFill/>
+        </p:spPr>
+        <p:txBody>
+          <a:bodyPr wrap="square">
+            <a:spAutoFit/>
+          </a:bodyPr>
+          <a:lstStyle/>
+          <a:p>
+            <a:r>
+              <a:rPr lang="en" altLang="ko-Kore-KR" dirty="0">
+                <a:latin typeface="DM Mono" panose="020B0509040201040103" pitchFamily="49" charset="0"/>
+              </a:rPr>
+              <a:t> void Point::Set(</a:t>
+            </a:r>
+            <a:r>
+              <a:rPr lang="en" altLang="ko-Kore-KR" dirty="0">
+                <a:solidFill>
+                  <a:srgbClr val="FF0000"/>
+                </a:solidFill>
+                <a:latin typeface="DM Mono" panose="020B0509040201040103" pitchFamily="49" charset="0"/>
+              </a:rPr>
+              <a:t>Point* this, </a:t>
+            </a:r>
+            <a:r>
+              <a:rPr lang="en" altLang="ko-Kore-KR" dirty="0">
+                <a:latin typeface="DM Mono" panose="020B0509040201040103" pitchFamily="49" charset="0"/>
+              </a:rPr>
+              <a:t>int a, int b)</a:t>
+            </a:r>
+          </a:p>
+          <a:p>
+            <a:r>
+              <a:rPr lang="en" altLang="ko-Kore-KR" dirty="0">
+                <a:latin typeface="DM Mono" panose="020B0509040201040103" pitchFamily="49" charset="0"/>
+              </a:rPr>
+              <a:t> {</a:t>
+            </a:r>
+          </a:p>
+          <a:p>
+            <a:r>
+              <a:rPr lang="en" altLang="ko-Kore-KR" dirty="0">
+                <a:latin typeface="DM Mono" panose="020B0509040201040103" pitchFamily="49" charset="0"/>
+              </a:rPr>
+              <a:t>        </a:t>
+            </a:r>
+            <a:r>
+              <a:rPr lang="en" altLang="ko-Kore-KR" dirty="0">
+                <a:solidFill>
+                  <a:srgbClr val="FF0000"/>
+                </a:solidFill>
+                <a:latin typeface="DM Mono" panose="020B0509040201040103" pitchFamily="49" charset="0"/>
+              </a:rPr>
+              <a:t>this-&gt;</a:t>
+            </a:r>
+            <a:r>
+              <a:rPr lang="en" altLang="ko-Kore-KR" dirty="0">
+                <a:latin typeface="DM Mono" panose="020B0509040201040103" pitchFamily="49" charset="0"/>
+              </a:rPr>
+              <a:t>x = a;</a:t>
+            </a:r>
+          </a:p>
+          <a:p>
+            <a:r>
+              <a:rPr lang="en" altLang="ko-Kore-KR" dirty="0">
+                <a:latin typeface="DM Mono" panose="020B0509040201040103" pitchFamily="49" charset="0"/>
+              </a:rPr>
+              <a:t>        </a:t>
+            </a:r>
+            <a:r>
+              <a:rPr lang="en" altLang="ko-Kore-KR" dirty="0">
+                <a:solidFill>
+                  <a:srgbClr val="FF0000"/>
+                </a:solidFill>
+                <a:latin typeface="DM Mono" panose="020B0509040201040103" pitchFamily="49" charset="0"/>
+              </a:rPr>
+              <a:t>this-&gt;</a:t>
+            </a:r>
+            <a:r>
+              <a:rPr lang="en" altLang="ko-Kore-KR" dirty="0">
+                <a:latin typeface="DM Mono" panose="020B0509040201040103" pitchFamily="49" charset="0"/>
+              </a:rPr>
+              <a:t>y = b;</a:t>
+            </a:r>
+          </a:p>
+          <a:p>
+            <a:r>
+              <a:rPr lang="en" altLang="ko-Kore-KR" dirty="0">
+                <a:latin typeface="DM Mono" panose="020B0509040201040103" pitchFamily="49" charset="0"/>
+              </a:rPr>
+              <a:t> }</a:t>
+            </a:r>
+            <a:endParaRPr lang="ko-Kore-KR" altLang="en-US" dirty="0"/>
+          </a:p>
+        </p:txBody>
+      </p:sp>
+    </p:spTree>
+    <p:extLst>
+      <p:ext uri="{BB962C8B-B14F-4D97-AF65-F5344CB8AC3E}">
+        <p14:creationId xmlns:p14="http://schemas.microsoft.com/office/powerpoint/2010/main" val="440073996"/>
+      </p:ext>
+    </p:extLst>
+  </p:cSld>
+  <p:clrMapOvr>
+    <a:masterClrMapping/>
+  </p:clrMapOvr>
+</p:sld>
+</file>
+
+<file path=ppt/slides/slide13.xml><?xml version="1.0" encoding="utf-8"?>
+<p:sld xmlns:a="http://schemas.openxmlformats.org/drawingml/2006/main" xmlns:r="http://schemas.openxmlformats.org/officeDocument/2006/relationships" xmlns:p="http://schemas.openxmlformats.org/presentationml/2006/main">
+  <p:cSld>
+    <p:spTree>
+      <p:nvGrpSpPr>
+        <p:cNvPr id="1" name=""/>
+        <p:cNvGrpSpPr/>
+        <p:nvPr/>
+      </p:nvGrpSpPr>
+      <p:grpSpPr>
+        <a:xfrm>
+          <a:off x="0" y="0"/>
+          <a:ext cx="0" cy="0"/>
+          <a:chOff x="0" y="0"/>
+          <a:chExt cx="0" cy="0"/>
+        </a:xfrm>
+      </p:grpSpPr>
+      <p:sp>
+        <p:nvSpPr>
+          <p:cNvPr id="5" name="TextBox 4">
+            <a:extLst>
+              <a:ext uri="{FF2B5EF4-FFF2-40B4-BE49-F238E27FC236}">
+                <a16:creationId xmlns:a16="http://schemas.microsoft.com/office/drawing/2014/main" id="{5B87F660-B6FF-CA77-E37D-589CCC0A037D}"/>
+              </a:ext>
+            </a:extLst>
+          </p:cNvPr>
+          <p:cNvSpPr txBox="1"/>
+          <p:nvPr/>
+        </p:nvSpPr>
+        <p:spPr>
+          <a:xfrm>
+            <a:off x="641819" y="268125"/>
+            <a:ext cx="4430908" cy="2862322"/>
+          </a:xfrm>
+          <a:prstGeom prst="rect">
+            <a:avLst/>
+          </a:prstGeom>
+          <a:noFill/>
+        </p:spPr>
+        <p:txBody>
+          <a:bodyPr wrap="square">
+            <a:spAutoFit/>
+          </a:bodyPr>
+          <a:lstStyle/>
+          <a:p>
+            <a:r>
+              <a:rPr lang="en" altLang="ko-Kore-KR" dirty="0">
+                <a:latin typeface="DM Mono" panose="020B0509040201040103" pitchFamily="49" charset="0"/>
+              </a:rPr>
+              <a:t>int main()</a:t>
+            </a:r>
+          </a:p>
+          <a:p>
+            <a:r>
+              <a:rPr lang="en" altLang="ko-Kore-KR" dirty="0">
+                <a:latin typeface="DM Mono" panose="020B0509040201040103" pitchFamily="49" charset="0"/>
+              </a:rPr>
+              <a:t>{</a:t>
+            </a:r>
+          </a:p>
+          <a:p>
+            <a:r>
+              <a:rPr lang="en" altLang="ko-Kore-KR" dirty="0">
+                <a:latin typeface="DM Mono" panose="020B0509040201040103" pitchFamily="49" charset="0"/>
+              </a:rPr>
+              <a:t>    Point p1;</a:t>
+            </a:r>
+          </a:p>
+          <a:p>
+            <a:r>
+              <a:rPr lang="en" altLang="ko-Kore-KR" dirty="0">
+                <a:latin typeface="DM Mono" panose="020B0509040201040103" pitchFamily="49" charset="0"/>
+              </a:rPr>
+              <a:t>    Point p2;</a:t>
+            </a:r>
+          </a:p>
+          <a:p>
+            <a:endParaRPr lang="en" altLang="ko-Kore-KR" dirty="0">
+              <a:latin typeface="DM Mono" panose="020B0509040201040103" pitchFamily="49" charset="0"/>
+            </a:endParaRPr>
+          </a:p>
+          <a:p>
+            <a:r>
+              <a:rPr lang="en" altLang="ko-Kore-KR" dirty="0">
+                <a:latin typeface="DM Mono" panose="020B0509040201040103" pitchFamily="49" charset="0"/>
+              </a:rPr>
+              <a:t>    p1.Set(10, 20);</a:t>
+            </a:r>
+          </a:p>
+          <a:p>
+            <a:r>
+              <a:rPr lang="en" altLang="ko-Kore-KR" dirty="0">
+                <a:solidFill>
+                  <a:srgbClr val="FF0000"/>
+                </a:solidFill>
+                <a:latin typeface="DM Mono" panose="020B0509040201040103" pitchFamily="49" charset="0"/>
+              </a:rPr>
+              <a:t>    // Point::Set(&amp;p1, 10, 20);</a:t>
+            </a:r>
+          </a:p>
+          <a:p>
+            <a:endParaRPr lang="en" altLang="ko-Kore-KR" dirty="0">
+              <a:latin typeface="DM Mono" panose="020B0509040201040103" pitchFamily="49" charset="0"/>
+            </a:endParaRPr>
+          </a:p>
+          <a:p>
+            <a:r>
+              <a:rPr lang="en" altLang="ko-Kore-KR" dirty="0">
+                <a:latin typeface="DM Mono" panose="020B0509040201040103" pitchFamily="49" charset="0"/>
+              </a:rPr>
+              <a:t>    p2.Set(100, 200);</a:t>
+            </a:r>
+          </a:p>
+          <a:p>
+            <a:r>
+              <a:rPr lang="en" altLang="ko-Kore-KR" dirty="0">
+                <a:latin typeface="DM Mono" panose="020B0509040201040103" pitchFamily="49" charset="0"/>
+              </a:rPr>
+              <a:t>}</a:t>
+            </a:r>
+            <a:endParaRPr lang="ko-Kore-KR" altLang="en-US" dirty="0">
+              <a:latin typeface="DM Mono" panose="020B0509040201040103" pitchFamily="49" charset="0"/>
+            </a:endParaRPr>
+          </a:p>
+        </p:txBody>
+      </p:sp>
+      <p:sp>
+        <p:nvSpPr>
+          <p:cNvPr id="6" name="직사각형 5">
+            <a:extLst>
+              <a:ext uri="{FF2B5EF4-FFF2-40B4-BE49-F238E27FC236}">
+                <a16:creationId xmlns:a16="http://schemas.microsoft.com/office/drawing/2014/main" id="{1C9AF545-0782-013B-F690-97B762F3D5AD}"/>
+              </a:ext>
+            </a:extLst>
+          </p:cNvPr>
+          <p:cNvSpPr/>
+          <p:nvPr/>
+        </p:nvSpPr>
+        <p:spPr>
+          <a:xfrm>
+            <a:off x="5601862" y="637457"/>
+            <a:ext cx="5339255" cy="2308325"/>
+          </a:xfrm>
+          <a:prstGeom prst="rect">
+            <a:avLst/>
+          </a:prstGeom>
+          <a:solidFill>
+            <a:schemeClr val="bg1"/>
+          </a:solidFill>
+        </p:spPr>
+        <p:style>
+          <a:lnRef idx="2">
+            <a:schemeClr val="accent1">
+              <a:shade val="50000"/>
+            </a:schemeClr>
+          </a:lnRef>
+          <a:fillRef idx="1">
+            <a:schemeClr val="accent1"/>
+          </a:fillRef>
+          <a:effectRef idx="0">
+            <a:schemeClr val="accent1"/>
+          </a:effectRef>
+          <a:fontRef idx="minor">
+            <a:schemeClr val="lt1"/>
+          </a:fontRef>
+        </p:style>
+        <p:txBody>
+          <a:bodyPr rtlCol="0" anchor="ctr"/>
+          <a:lstStyle/>
+          <a:p>
+            <a:pPr algn="ctr"/>
+            <a:endParaRPr kumimoji="1" lang="ko-Kore-KR" altLang="en-US"/>
+          </a:p>
+        </p:txBody>
+      </p:sp>
+      <p:sp>
+        <p:nvSpPr>
+          <p:cNvPr id="7" name="TextBox 6">
+            <a:extLst>
+              <a:ext uri="{FF2B5EF4-FFF2-40B4-BE49-F238E27FC236}">
+                <a16:creationId xmlns:a16="http://schemas.microsoft.com/office/drawing/2014/main" id="{B14D4A12-0197-0648-30B3-AE6EBC1BEC63}"/>
+              </a:ext>
+            </a:extLst>
+          </p:cNvPr>
+          <p:cNvSpPr txBox="1"/>
+          <p:nvPr/>
+        </p:nvSpPr>
+        <p:spPr>
+          <a:xfrm>
+            <a:off x="7740717" y="268125"/>
+            <a:ext cx="1187669" cy="369332"/>
+          </a:xfrm>
+          <a:prstGeom prst="rect">
+            <a:avLst/>
+          </a:prstGeom>
+          <a:noFill/>
+        </p:spPr>
+        <p:txBody>
+          <a:bodyPr wrap="square">
+            <a:spAutoFit/>
+          </a:bodyPr>
+          <a:lstStyle/>
+          <a:p>
+            <a:pPr algn="ctr"/>
+            <a:r>
+              <a:rPr lang="ko-Kore-KR" altLang="en-US" dirty="0">
+                <a:latin typeface="DM Mono" panose="020B0509040201040103" pitchFamily="49" charset="0"/>
+              </a:rPr>
+              <a:t>main</a:t>
+            </a:r>
+            <a:endParaRPr lang="ko-Kore-KR" altLang="en-US" dirty="0"/>
+          </a:p>
+        </p:txBody>
+      </p:sp>
+      <p:sp>
+        <p:nvSpPr>
+          <p:cNvPr id="8" name="직사각형 7">
+            <a:extLst>
+              <a:ext uri="{FF2B5EF4-FFF2-40B4-BE49-F238E27FC236}">
+                <a16:creationId xmlns:a16="http://schemas.microsoft.com/office/drawing/2014/main" id="{53C7E6E1-EDB4-B801-05E3-E15014B4BE3B}"/>
+              </a:ext>
+            </a:extLst>
+          </p:cNvPr>
+          <p:cNvSpPr/>
+          <p:nvPr/>
+        </p:nvSpPr>
+        <p:spPr>
+          <a:xfrm>
+            <a:off x="6579324" y="1044420"/>
+            <a:ext cx="1019503" cy="451945"/>
+          </a:xfrm>
+          <a:prstGeom prst="rect">
+            <a:avLst/>
+          </a:prstGeom>
+          <a:solidFill>
+            <a:srgbClr val="FFFF00"/>
+          </a:solidFill>
+        </p:spPr>
+        <p:style>
+          <a:lnRef idx="2">
+            <a:schemeClr val="accent1">
+              <a:shade val="50000"/>
+            </a:schemeClr>
+          </a:lnRef>
+          <a:fillRef idx="1">
+            <a:schemeClr val="accent1"/>
+          </a:fillRef>
+          <a:effectRef idx="0">
+            <a:schemeClr val="accent1"/>
+          </a:effectRef>
+          <a:fontRef idx="minor">
+            <a:schemeClr val="lt1"/>
+          </a:fontRef>
+        </p:style>
+        <p:txBody>
+          <a:bodyPr rtlCol="0" anchor="ctr"/>
+          <a:lstStyle/>
+          <a:p>
+            <a:pPr algn="ctr"/>
+            <a:r>
+              <a:rPr kumimoji="1" lang="en-US" altLang="ko-Kore-KR" dirty="0">
+                <a:solidFill>
+                  <a:srgbClr val="FF0000"/>
+                </a:solidFill>
+                <a:latin typeface="DM Mono" panose="020B0509040201040103" pitchFamily="49" charset="0"/>
+              </a:rPr>
+              <a:t>10</a:t>
+            </a:r>
+            <a:endParaRPr kumimoji="1" lang="ko-Kore-KR" altLang="en-US" dirty="0">
+              <a:solidFill>
+                <a:srgbClr val="FF0000"/>
+              </a:solidFill>
+              <a:latin typeface="DM Mono" panose="020B0509040201040103" pitchFamily="49" charset="0"/>
+            </a:endParaRPr>
+          </a:p>
+        </p:txBody>
+      </p:sp>
+      <p:sp>
+        <p:nvSpPr>
+          <p:cNvPr id="9" name="TextBox 8">
+            <a:extLst>
+              <a:ext uri="{FF2B5EF4-FFF2-40B4-BE49-F238E27FC236}">
+                <a16:creationId xmlns:a16="http://schemas.microsoft.com/office/drawing/2014/main" id="{21A94303-6DEB-249B-14B6-E01CACE75F96}"/>
+              </a:ext>
+            </a:extLst>
+          </p:cNvPr>
+          <p:cNvSpPr txBox="1"/>
+          <p:nvPr/>
+        </p:nvSpPr>
+        <p:spPr>
+          <a:xfrm>
+            <a:off x="6053806" y="1085726"/>
+            <a:ext cx="525518" cy="369332"/>
+          </a:xfrm>
+          <a:prstGeom prst="rect">
+            <a:avLst/>
+          </a:prstGeom>
+          <a:noFill/>
+        </p:spPr>
+        <p:txBody>
+          <a:bodyPr wrap="square">
+            <a:spAutoFit/>
+          </a:bodyPr>
+          <a:lstStyle/>
+          <a:p>
+            <a:pPr algn="r"/>
+            <a:r>
+              <a:rPr lang="en-US" altLang="ko-Kore-KR" dirty="0">
+                <a:latin typeface="DM Mono" panose="020B0509040201040103" pitchFamily="49" charset="0"/>
+              </a:rPr>
+              <a:t>x</a:t>
+            </a:r>
+            <a:endParaRPr lang="ko-Kore-KR" altLang="en-US" dirty="0"/>
+          </a:p>
+        </p:txBody>
+      </p:sp>
+      <p:sp>
+        <p:nvSpPr>
+          <p:cNvPr id="3" name="직사각형 2">
+            <a:extLst>
+              <a:ext uri="{FF2B5EF4-FFF2-40B4-BE49-F238E27FC236}">
+                <a16:creationId xmlns:a16="http://schemas.microsoft.com/office/drawing/2014/main" id="{B696691E-66C2-E5A5-FC77-5DD1F01A92A3}"/>
+              </a:ext>
+            </a:extLst>
+          </p:cNvPr>
+          <p:cNvSpPr/>
+          <p:nvPr/>
+        </p:nvSpPr>
+        <p:spPr>
+          <a:xfrm>
+            <a:off x="6579324" y="1496364"/>
+            <a:ext cx="1019503" cy="451945"/>
+          </a:xfrm>
+          <a:prstGeom prst="rect">
+            <a:avLst/>
+          </a:prstGeom>
+          <a:solidFill>
+            <a:srgbClr val="FFFF00"/>
+          </a:solidFill>
+        </p:spPr>
+        <p:style>
+          <a:lnRef idx="2">
+            <a:schemeClr val="accent1">
+              <a:shade val="50000"/>
+            </a:schemeClr>
+          </a:lnRef>
+          <a:fillRef idx="1">
+            <a:schemeClr val="accent1"/>
+          </a:fillRef>
+          <a:effectRef idx="0">
+            <a:schemeClr val="accent1"/>
+          </a:effectRef>
+          <a:fontRef idx="minor">
+            <a:schemeClr val="lt1"/>
+          </a:fontRef>
+        </p:style>
+        <p:txBody>
+          <a:bodyPr rtlCol="0" anchor="ctr"/>
+          <a:lstStyle/>
+          <a:p>
+            <a:pPr algn="ctr"/>
+            <a:r>
+              <a:rPr kumimoji="1" lang="en-US" altLang="ko-Kore-KR" dirty="0">
+                <a:solidFill>
+                  <a:srgbClr val="FF0000"/>
+                </a:solidFill>
+                <a:latin typeface="DM Mono" panose="020B0509040201040103" pitchFamily="49" charset="0"/>
+              </a:rPr>
+              <a:t>20</a:t>
+            </a:r>
+            <a:endParaRPr kumimoji="1" lang="ko-Kore-KR" altLang="en-US" dirty="0">
+              <a:solidFill>
+                <a:srgbClr val="FF0000"/>
+              </a:solidFill>
+              <a:latin typeface="DM Mono" panose="020B0509040201040103" pitchFamily="49" charset="0"/>
+            </a:endParaRPr>
+          </a:p>
+        </p:txBody>
+      </p:sp>
+      <p:sp>
+        <p:nvSpPr>
+          <p:cNvPr id="4" name="TextBox 3">
+            <a:extLst>
+              <a:ext uri="{FF2B5EF4-FFF2-40B4-BE49-F238E27FC236}">
+                <a16:creationId xmlns:a16="http://schemas.microsoft.com/office/drawing/2014/main" id="{6780460D-4213-28A3-E2A9-497DCD9CD20B}"/>
+              </a:ext>
+            </a:extLst>
+          </p:cNvPr>
+          <p:cNvSpPr txBox="1"/>
+          <p:nvPr/>
+        </p:nvSpPr>
+        <p:spPr>
+          <a:xfrm>
+            <a:off x="6053806" y="1537670"/>
+            <a:ext cx="525518" cy="369332"/>
+          </a:xfrm>
+          <a:prstGeom prst="rect">
+            <a:avLst/>
+          </a:prstGeom>
+          <a:noFill/>
+        </p:spPr>
+        <p:txBody>
+          <a:bodyPr wrap="square">
+            <a:spAutoFit/>
+          </a:bodyPr>
+          <a:lstStyle/>
+          <a:p>
+            <a:pPr algn="r"/>
+            <a:r>
+              <a:rPr lang="en-US" altLang="ko-Kore-KR" dirty="0">
+                <a:latin typeface="DM Mono" panose="020B0509040201040103" pitchFamily="49" charset="0"/>
+              </a:rPr>
+              <a:t>y</a:t>
+            </a:r>
+            <a:endParaRPr lang="ko-Kore-KR" altLang="en-US" dirty="0"/>
+          </a:p>
+        </p:txBody>
+      </p:sp>
+      <p:sp>
+        <p:nvSpPr>
+          <p:cNvPr id="14" name="TextBox 13">
+            <a:extLst>
+              <a:ext uri="{FF2B5EF4-FFF2-40B4-BE49-F238E27FC236}">
+                <a16:creationId xmlns:a16="http://schemas.microsoft.com/office/drawing/2014/main" id="{2C906AAA-B591-9CE2-707D-564EC364CEA1}"/>
+              </a:ext>
+            </a:extLst>
+          </p:cNvPr>
+          <p:cNvSpPr txBox="1"/>
+          <p:nvPr/>
+        </p:nvSpPr>
+        <p:spPr>
+          <a:xfrm>
+            <a:off x="6826316" y="716394"/>
+            <a:ext cx="525518" cy="369332"/>
+          </a:xfrm>
+          <a:prstGeom prst="rect">
+            <a:avLst/>
+          </a:prstGeom>
+          <a:noFill/>
+        </p:spPr>
+        <p:txBody>
+          <a:bodyPr wrap="square">
+            <a:spAutoFit/>
+          </a:bodyPr>
+          <a:lstStyle/>
+          <a:p>
+            <a:pPr algn="r"/>
+            <a:r>
+              <a:rPr lang="en-US" altLang="ko-Kore-KR" dirty="0">
+                <a:latin typeface="DM Mono" panose="020B0509040201040103" pitchFamily="49" charset="0"/>
+              </a:rPr>
+              <a:t>p1</a:t>
+            </a:r>
+            <a:endParaRPr lang="ko-Kore-KR" altLang="en-US" dirty="0"/>
+          </a:p>
+        </p:txBody>
+      </p:sp>
+      <p:sp>
+        <p:nvSpPr>
+          <p:cNvPr id="15" name="직사각형 14">
+            <a:extLst>
+              <a:ext uri="{FF2B5EF4-FFF2-40B4-BE49-F238E27FC236}">
+                <a16:creationId xmlns:a16="http://schemas.microsoft.com/office/drawing/2014/main" id="{64E52F2C-218B-4620-79C4-4877E6E5969B}"/>
+              </a:ext>
+            </a:extLst>
+          </p:cNvPr>
+          <p:cNvSpPr/>
+          <p:nvPr/>
+        </p:nvSpPr>
+        <p:spPr>
+          <a:xfrm>
+            <a:off x="8889812" y="1027731"/>
+            <a:ext cx="1019503" cy="451945"/>
+          </a:xfrm>
+          <a:prstGeom prst="rect">
+            <a:avLst/>
+          </a:prstGeom>
+          <a:solidFill>
+            <a:srgbClr val="FFFF00"/>
+          </a:solidFill>
+        </p:spPr>
+        <p:style>
+          <a:lnRef idx="2">
+            <a:schemeClr val="accent1">
+              <a:shade val="50000"/>
+            </a:schemeClr>
+          </a:lnRef>
+          <a:fillRef idx="1">
+            <a:schemeClr val="accent1"/>
+          </a:fillRef>
+          <a:effectRef idx="0">
+            <a:schemeClr val="accent1"/>
+          </a:effectRef>
+          <a:fontRef idx="minor">
+            <a:schemeClr val="lt1"/>
+          </a:fontRef>
+        </p:style>
+        <p:txBody>
+          <a:bodyPr rtlCol="0" anchor="ctr"/>
+          <a:lstStyle/>
+          <a:p>
+            <a:pPr algn="ctr"/>
+            <a:endParaRPr kumimoji="1" lang="ko-Kore-KR" altLang="en-US" dirty="0">
+              <a:solidFill>
+                <a:schemeClr val="tx1"/>
+              </a:solidFill>
+              <a:latin typeface="DM Mono" panose="020B0509040201040103" pitchFamily="49" charset="0"/>
+            </a:endParaRPr>
+          </a:p>
+        </p:txBody>
+      </p:sp>
+      <p:sp>
+        <p:nvSpPr>
+          <p:cNvPr id="16" name="TextBox 15">
+            <a:extLst>
+              <a:ext uri="{FF2B5EF4-FFF2-40B4-BE49-F238E27FC236}">
+                <a16:creationId xmlns:a16="http://schemas.microsoft.com/office/drawing/2014/main" id="{8F36A755-BA5E-B5BB-E8DE-2E9EEA97DAC7}"/>
+              </a:ext>
+            </a:extLst>
+          </p:cNvPr>
+          <p:cNvSpPr txBox="1"/>
+          <p:nvPr/>
+        </p:nvSpPr>
+        <p:spPr>
+          <a:xfrm>
+            <a:off x="8364294" y="1069037"/>
+            <a:ext cx="525518" cy="369332"/>
+          </a:xfrm>
+          <a:prstGeom prst="rect">
+            <a:avLst/>
+          </a:prstGeom>
+          <a:noFill/>
+        </p:spPr>
+        <p:txBody>
+          <a:bodyPr wrap="square">
+            <a:spAutoFit/>
+          </a:bodyPr>
+          <a:lstStyle/>
+          <a:p>
+            <a:pPr algn="r"/>
+            <a:r>
+              <a:rPr lang="en-US" altLang="ko-Kore-KR" dirty="0">
+                <a:latin typeface="DM Mono" panose="020B0509040201040103" pitchFamily="49" charset="0"/>
+              </a:rPr>
+              <a:t>x</a:t>
+            </a:r>
+            <a:endParaRPr lang="ko-Kore-KR" altLang="en-US" dirty="0"/>
+          </a:p>
+        </p:txBody>
+      </p:sp>
+      <p:sp>
+        <p:nvSpPr>
+          <p:cNvPr id="17" name="직사각형 16">
+            <a:extLst>
+              <a:ext uri="{FF2B5EF4-FFF2-40B4-BE49-F238E27FC236}">
+                <a16:creationId xmlns:a16="http://schemas.microsoft.com/office/drawing/2014/main" id="{74FB0951-60FB-E864-868C-14BDE20794B6}"/>
+              </a:ext>
+            </a:extLst>
+          </p:cNvPr>
+          <p:cNvSpPr/>
+          <p:nvPr/>
+        </p:nvSpPr>
+        <p:spPr>
+          <a:xfrm>
+            <a:off x="8889812" y="1479675"/>
+            <a:ext cx="1019503" cy="451945"/>
+          </a:xfrm>
+          <a:prstGeom prst="rect">
+            <a:avLst/>
+          </a:prstGeom>
+          <a:solidFill>
+            <a:srgbClr val="FFFF00"/>
+          </a:solidFill>
+        </p:spPr>
+        <p:style>
+          <a:lnRef idx="2">
+            <a:schemeClr val="accent1">
+              <a:shade val="50000"/>
+            </a:schemeClr>
+          </a:lnRef>
+          <a:fillRef idx="1">
+            <a:schemeClr val="accent1"/>
+          </a:fillRef>
+          <a:effectRef idx="0">
+            <a:schemeClr val="accent1"/>
+          </a:effectRef>
+          <a:fontRef idx="minor">
+            <a:schemeClr val="lt1"/>
+          </a:fontRef>
+        </p:style>
+        <p:txBody>
+          <a:bodyPr rtlCol="0" anchor="ctr"/>
+          <a:lstStyle/>
+          <a:p>
+            <a:pPr algn="ctr"/>
+            <a:endParaRPr kumimoji="1" lang="ko-Kore-KR" altLang="en-US" dirty="0">
+              <a:solidFill>
+                <a:schemeClr val="tx1"/>
+              </a:solidFill>
+              <a:latin typeface="DM Mono" panose="020B0509040201040103" pitchFamily="49" charset="0"/>
+            </a:endParaRPr>
+          </a:p>
+        </p:txBody>
+      </p:sp>
+      <p:sp>
+        <p:nvSpPr>
+          <p:cNvPr id="18" name="TextBox 17">
+            <a:extLst>
+              <a:ext uri="{FF2B5EF4-FFF2-40B4-BE49-F238E27FC236}">
+                <a16:creationId xmlns:a16="http://schemas.microsoft.com/office/drawing/2014/main" id="{FE9CE25E-6A26-EA81-158F-A26E6978C042}"/>
+              </a:ext>
+            </a:extLst>
+          </p:cNvPr>
+          <p:cNvSpPr txBox="1"/>
+          <p:nvPr/>
+        </p:nvSpPr>
+        <p:spPr>
+          <a:xfrm>
+            <a:off x="8364294" y="1520981"/>
+            <a:ext cx="525518" cy="369332"/>
+          </a:xfrm>
+          <a:prstGeom prst="rect">
+            <a:avLst/>
+          </a:prstGeom>
+          <a:noFill/>
+        </p:spPr>
+        <p:txBody>
+          <a:bodyPr wrap="square">
+            <a:spAutoFit/>
+          </a:bodyPr>
+          <a:lstStyle/>
+          <a:p>
+            <a:pPr algn="r"/>
+            <a:r>
+              <a:rPr lang="en-US" altLang="ko-Kore-KR" dirty="0">
+                <a:latin typeface="DM Mono" panose="020B0509040201040103" pitchFamily="49" charset="0"/>
+              </a:rPr>
+              <a:t>y</a:t>
+            </a:r>
+            <a:endParaRPr lang="ko-Kore-KR" altLang="en-US" dirty="0"/>
+          </a:p>
+        </p:txBody>
+      </p:sp>
+      <p:sp>
+        <p:nvSpPr>
+          <p:cNvPr id="19" name="TextBox 18">
+            <a:extLst>
+              <a:ext uri="{FF2B5EF4-FFF2-40B4-BE49-F238E27FC236}">
+                <a16:creationId xmlns:a16="http://schemas.microsoft.com/office/drawing/2014/main" id="{13C3684E-6926-A6DD-3741-B85563245BDA}"/>
+              </a:ext>
+            </a:extLst>
+          </p:cNvPr>
+          <p:cNvSpPr txBox="1"/>
+          <p:nvPr/>
+        </p:nvSpPr>
+        <p:spPr>
+          <a:xfrm>
+            <a:off x="9136804" y="699705"/>
+            <a:ext cx="525518" cy="369332"/>
+          </a:xfrm>
+          <a:prstGeom prst="rect">
+            <a:avLst/>
+          </a:prstGeom>
+          <a:noFill/>
+        </p:spPr>
+        <p:txBody>
+          <a:bodyPr wrap="square">
+            <a:spAutoFit/>
+          </a:bodyPr>
+          <a:lstStyle/>
+          <a:p>
+            <a:pPr algn="r"/>
+            <a:r>
+              <a:rPr lang="en-US" altLang="ko-Kore-KR" dirty="0">
+                <a:latin typeface="DM Mono" panose="020B0509040201040103" pitchFamily="49" charset="0"/>
+              </a:rPr>
+              <a:t>p2</a:t>
+            </a:r>
+            <a:endParaRPr lang="ko-Kore-KR" altLang="en-US" dirty="0"/>
+          </a:p>
+        </p:txBody>
+      </p:sp>
+      <p:sp>
+        <p:nvSpPr>
+          <p:cNvPr id="21" name="TextBox 20">
+            <a:extLst>
+              <a:ext uri="{FF2B5EF4-FFF2-40B4-BE49-F238E27FC236}">
+                <a16:creationId xmlns:a16="http://schemas.microsoft.com/office/drawing/2014/main" id="{D46FF2F9-80B0-73F6-958D-62C64B5B1B0C}"/>
+              </a:ext>
+            </a:extLst>
+          </p:cNvPr>
+          <p:cNvSpPr txBox="1"/>
+          <p:nvPr/>
+        </p:nvSpPr>
+        <p:spPr>
+          <a:xfrm>
+            <a:off x="5072727" y="3695789"/>
+            <a:ext cx="6477454" cy="1477328"/>
+          </a:xfrm>
+          <a:prstGeom prst="rect">
+            <a:avLst/>
+          </a:prstGeom>
+          <a:noFill/>
+        </p:spPr>
+        <p:txBody>
+          <a:bodyPr wrap="square">
+            <a:spAutoFit/>
+          </a:bodyPr>
+          <a:lstStyle/>
+          <a:p>
+            <a:r>
+              <a:rPr lang="en" altLang="ko-Kore-KR" dirty="0">
+                <a:latin typeface="DM Mono" panose="020B0509040201040103" pitchFamily="49" charset="0"/>
+              </a:rPr>
+              <a:t> void Point::Set(</a:t>
+            </a:r>
+            <a:r>
+              <a:rPr lang="en" altLang="ko-Kore-KR" dirty="0">
+                <a:solidFill>
+                  <a:srgbClr val="FF0000"/>
+                </a:solidFill>
+                <a:latin typeface="DM Mono" panose="020B0509040201040103" pitchFamily="49" charset="0"/>
+              </a:rPr>
+              <a:t>Point* this, </a:t>
+            </a:r>
+            <a:r>
+              <a:rPr lang="en" altLang="ko-Kore-KR" dirty="0">
+                <a:latin typeface="DM Mono" panose="020B0509040201040103" pitchFamily="49" charset="0"/>
+              </a:rPr>
+              <a:t>int a, int b)</a:t>
+            </a:r>
+          </a:p>
+          <a:p>
+            <a:r>
+              <a:rPr lang="en" altLang="ko-Kore-KR" dirty="0">
+                <a:latin typeface="DM Mono" panose="020B0509040201040103" pitchFamily="49" charset="0"/>
+              </a:rPr>
+              <a:t> {</a:t>
+            </a:r>
+          </a:p>
+          <a:p>
+            <a:r>
+              <a:rPr lang="en" altLang="ko-Kore-KR" dirty="0">
+                <a:latin typeface="DM Mono" panose="020B0509040201040103" pitchFamily="49" charset="0"/>
+              </a:rPr>
+              <a:t>        </a:t>
+            </a:r>
+            <a:r>
+              <a:rPr lang="en" altLang="ko-Kore-KR" dirty="0">
+                <a:solidFill>
+                  <a:srgbClr val="FF0000"/>
+                </a:solidFill>
+                <a:latin typeface="DM Mono" panose="020B0509040201040103" pitchFamily="49" charset="0"/>
+              </a:rPr>
+              <a:t>this-&gt;</a:t>
+            </a:r>
+            <a:r>
+              <a:rPr lang="en" altLang="ko-Kore-KR" dirty="0">
+                <a:latin typeface="DM Mono" panose="020B0509040201040103" pitchFamily="49" charset="0"/>
+              </a:rPr>
+              <a:t>x = a;</a:t>
+            </a:r>
+          </a:p>
+          <a:p>
+            <a:r>
+              <a:rPr lang="en" altLang="ko-Kore-KR" dirty="0">
+                <a:latin typeface="DM Mono" panose="020B0509040201040103" pitchFamily="49" charset="0"/>
+              </a:rPr>
+              <a:t>        </a:t>
+            </a:r>
+            <a:r>
+              <a:rPr lang="en" altLang="ko-Kore-KR" dirty="0">
+                <a:solidFill>
+                  <a:srgbClr val="FF0000"/>
+                </a:solidFill>
+                <a:latin typeface="DM Mono" panose="020B0509040201040103" pitchFamily="49" charset="0"/>
+              </a:rPr>
+              <a:t>this-&gt;</a:t>
+            </a:r>
+            <a:r>
+              <a:rPr lang="en" altLang="ko-Kore-KR" dirty="0">
+                <a:latin typeface="DM Mono" panose="020B0509040201040103" pitchFamily="49" charset="0"/>
+              </a:rPr>
+              <a:t>y = b;</a:t>
+            </a:r>
+          </a:p>
+          <a:p>
+            <a:r>
+              <a:rPr lang="en" altLang="ko-Kore-KR" dirty="0">
+                <a:latin typeface="DM Mono" panose="020B0509040201040103" pitchFamily="49" charset="0"/>
+              </a:rPr>
+              <a:t> }</a:t>
+            </a:r>
+            <a:endParaRPr lang="ko-Kore-KR" altLang="en-US" dirty="0"/>
+          </a:p>
+        </p:txBody>
+      </p:sp>
+      <p:sp>
+        <p:nvSpPr>
+          <p:cNvPr id="10" name="TextBox 9">
+            <a:extLst>
+              <a:ext uri="{FF2B5EF4-FFF2-40B4-BE49-F238E27FC236}">
+                <a16:creationId xmlns:a16="http://schemas.microsoft.com/office/drawing/2014/main" id="{335AB2CA-4212-CB66-C869-D59EEB22A8D9}"/>
+              </a:ext>
+            </a:extLst>
+          </p:cNvPr>
+          <p:cNvSpPr txBox="1"/>
+          <p:nvPr/>
+        </p:nvSpPr>
+        <p:spPr>
+          <a:xfrm>
+            <a:off x="4511699" y="3228452"/>
+            <a:ext cx="765594" cy="369332"/>
+          </a:xfrm>
+          <a:prstGeom prst="rect">
+            <a:avLst/>
+          </a:prstGeom>
+          <a:noFill/>
+        </p:spPr>
+        <p:txBody>
+          <a:bodyPr wrap="square">
+            <a:spAutoFit/>
+          </a:bodyPr>
+          <a:lstStyle/>
+          <a:p>
+            <a:r>
+              <a:rPr lang="en" altLang="ko-Kore-KR" dirty="0">
+                <a:solidFill>
+                  <a:srgbClr val="FF0000"/>
+                </a:solidFill>
+                <a:latin typeface="DM Mono" panose="020B0509040201040103" pitchFamily="49" charset="0"/>
+              </a:rPr>
+              <a:t>this</a:t>
+            </a:r>
+            <a:endParaRPr lang="ko-Kore-KR" altLang="en-US" dirty="0"/>
+          </a:p>
+        </p:txBody>
+      </p:sp>
+      <p:cxnSp>
+        <p:nvCxnSpPr>
+          <p:cNvPr id="12" name="구부러진 연결선[U] 11">
+            <a:extLst>
+              <a:ext uri="{FF2B5EF4-FFF2-40B4-BE49-F238E27FC236}">
+                <a16:creationId xmlns:a16="http://schemas.microsoft.com/office/drawing/2014/main" id="{A5B7918E-2E8B-6142-F316-F6DD2A6E698A}"/>
+              </a:ext>
+            </a:extLst>
+          </p:cNvPr>
+          <p:cNvCxnSpPr>
+            <a:stCxn id="10" idx="0"/>
+            <a:endCxn id="8" idx="0"/>
+          </p:cNvCxnSpPr>
+          <p:nvPr/>
+        </p:nvCxnSpPr>
+        <p:spPr>
+          <a:xfrm rot="5400000" flipH="1" flipV="1">
+            <a:off x="4899770" y="1039146"/>
+            <a:ext cx="2184032" cy="2194580"/>
+          </a:xfrm>
+          <a:prstGeom prst="curvedConnector3">
+            <a:avLst>
+              <a:gd name="adj1" fmla="val 110467"/>
+            </a:avLst>
+          </a:prstGeom>
+          <a:ln>
+            <a:tailEnd type="triangle"/>
+          </a:ln>
+        </p:spPr>
+        <p:style>
+          <a:lnRef idx="1">
+            <a:schemeClr val="dk1"/>
+          </a:lnRef>
+          <a:fillRef idx="0">
+            <a:schemeClr val="dk1"/>
+          </a:fillRef>
+          <a:effectRef idx="0">
+            <a:schemeClr val="dk1"/>
+          </a:effectRef>
+          <a:fontRef idx="minor">
+            <a:schemeClr val="tx1"/>
+          </a:fontRef>
+        </p:style>
+      </p:cxnSp>
+    </p:spTree>
+    <p:extLst>
+      <p:ext uri="{BB962C8B-B14F-4D97-AF65-F5344CB8AC3E}">
+        <p14:creationId xmlns:p14="http://schemas.microsoft.com/office/powerpoint/2010/main" val="651990781"/>
+      </p:ext>
+    </p:extLst>
+  </p:cSld>
+  <p:clrMapOvr>
+    <a:masterClrMapping/>
+  </p:clrMapOvr>
+</p:sld>
+</file>
+
+<file path=ppt/slides/slide14.xml><?xml version="1.0" encoding="utf-8"?>
+<p:sld xmlns:a="http://schemas.openxmlformats.org/drawingml/2006/main" xmlns:r="http://schemas.openxmlformats.org/officeDocument/2006/relationships" xmlns:p="http://schemas.openxmlformats.org/presentationml/2006/main">
+  <p:cSld>
+    <p:spTree>
+      <p:nvGrpSpPr>
+        <p:cNvPr id="1" name=""/>
+        <p:cNvGrpSpPr/>
+        <p:nvPr/>
+      </p:nvGrpSpPr>
+      <p:grpSpPr>
+        <a:xfrm>
+          <a:off x="0" y="0"/>
+          <a:ext cx="0" cy="0"/>
+          <a:chOff x="0" y="0"/>
+          <a:chExt cx="0" cy="0"/>
+        </a:xfrm>
+      </p:grpSpPr>
+      <p:sp>
+        <p:nvSpPr>
+          <p:cNvPr id="5" name="TextBox 4">
+            <a:extLst>
+              <a:ext uri="{FF2B5EF4-FFF2-40B4-BE49-F238E27FC236}">
+                <a16:creationId xmlns:a16="http://schemas.microsoft.com/office/drawing/2014/main" id="{5B87F660-B6FF-CA77-E37D-589CCC0A037D}"/>
+              </a:ext>
+            </a:extLst>
+          </p:cNvPr>
+          <p:cNvSpPr txBox="1"/>
+          <p:nvPr/>
+        </p:nvSpPr>
+        <p:spPr>
+          <a:xfrm>
+            <a:off x="641819" y="268125"/>
+            <a:ext cx="4784196" cy="3416320"/>
+          </a:xfrm>
+          <a:prstGeom prst="rect">
+            <a:avLst/>
+          </a:prstGeom>
+          <a:noFill/>
+        </p:spPr>
+        <p:txBody>
+          <a:bodyPr wrap="square">
+            <a:spAutoFit/>
+          </a:bodyPr>
+          <a:lstStyle/>
+          <a:p>
+            <a:r>
+              <a:rPr lang="en" altLang="ko-Kore-KR" dirty="0">
+                <a:latin typeface="DM Mono" panose="020B0509040201040103" pitchFamily="49" charset="0"/>
+              </a:rPr>
+              <a:t>int main()</a:t>
+            </a:r>
+          </a:p>
+          <a:p>
+            <a:r>
+              <a:rPr lang="en" altLang="ko-Kore-KR" dirty="0">
+                <a:latin typeface="DM Mono" panose="020B0509040201040103" pitchFamily="49" charset="0"/>
+              </a:rPr>
+              <a:t>{</a:t>
+            </a:r>
+          </a:p>
+          <a:p>
+            <a:r>
+              <a:rPr lang="en" altLang="ko-Kore-KR" dirty="0">
+                <a:latin typeface="DM Mono" panose="020B0509040201040103" pitchFamily="49" charset="0"/>
+              </a:rPr>
+              <a:t>    Point p1;</a:t>
+            </a:r>
+          </a:p>
+          <a:p>
+            <a:r>
+              <a:rPr lang="en" altLang="ko-Kore-KR" dirty="0">
+                <a:latin typeface="DM Mono" panose="020B0509040201040103" pitchFamily="49" charset="0"/>
+              </a:rPr>
+              <a:t>    Point p2;</a:t>
+            </a:r>
+          </a:p>
+          <a:p>
+            <a:endParaRPr lang="en" altLang="ko-Kore-KR" dirty="0">
+              <a:latin typeface="DM Mono" panose="020B0509040201040103" pitchFamily="49" charset="0"/>
+            </a:endParaRPr>
+          </a:p>
+          <a:p>
+            <a:r>
+              <a:rPr lang="en" altLang="ko-Kore-KR" dirty="0">
+                <a:latin typeface="DM Mono" panose="020B0509040201040103" pitchFamily="49" charset="0"/>
+              </a:rPr>
+              <a:t>    p1.Set(10, 20);</a:t>
+            </a:r>
+          </a:p>
+          <a:p>
+            <a:r>
+              <a:rPr lang="en" altLang="ko-Kore-KR" dirty="0">
+                <a:solidFill>
+                  <a:srgbClr val="FF0000"/>
+                </a:solidFill>
+                <a:latin typeface="DM Mono" panose="020B0509040201040103" pitchFamily="49" charset="0"/>
+              </a:rPr>
+              <a:t>    // Point::Set(&amp;p1, 10, 20);</a:t>
+            </a:r>
+          </a:p>
+          <a:p>
+            <a:endParaRPr lang="en" altLang="ko-Kore-KR" dirty="0">
+              <a:latin typeface="DM Mono" panose="020B0509040201040103" pitchFamily="49" charset="0"/>
+            </a:endParaRPr>
+          </a:p>
+          <a:p>
+            <a:r>
+              <a:rPr lang="en" altLang="ko-Kore-KR" dirty="0">
+                <a:latin typeface="DM Mono" panose="020B0509040201040103" pitchFamily="49" charset="0"/>
+              </a:rPr>
+              <a:t>    p2.Set(100, 200);</a:t>
+            </a:r>
+          </a:p>
+          <a:p>
+            <a:r>
+              <a:rPr lang="en" altLang="ko-Kore-KR" dirty="0">
+                <a:latin typeface="DM Mono" panose="020B0509040201040103" pitchFamily="49" charset="0"/>
+              </a:rPr>
+              <a:t>    </a:t>
+            </a:r>
+            <a:r>
+              <a:rPr lang="en" altLang="ko-Kore-KR" dirty="0">
+                <a:solidFill>
+                  <a:srgbClr val="FF0000"/>
+                </a:solidFill>
+                <a:latin typeface="DM Mono" panose="020B0509040201040103" pitchFamily="49" charset="0"/>
+              </a:rPr>
+              <a:t>// Point::Set(&amp;p2, 100, 200);</a:t>
+            </a:r>
+          </a:p>
+          <a:p>
+            <a:r>
+              <a:rPr lang="en" altLang="ko-Kore-KR" dirty="0">
+                <a:latin typeface="DM Mono" panose="020B0509040201040103" pitchFamily="49" charset="0"/>
+              </a:rPr>
+              <a:t>    </a:t>
+            </a:r>
+          </a:p>
+          <a:p>
+            <a:r>
+              <a:rPr lang="en" altLang="ko-Kore-KR" dirty="0">
+                <a:latin typeface="DM Mono" panose="020B0509040201040103" pitchFamily="49" charset="0"/>
+              </a:rPr>
+              <a:t>}</a:t>
+            </a:r>
+            <a:endParaRPr lang="ko-Kore-KR" altLang="en-US" dirty="0">
+              <a:latin typeface="DM Mono" panose="020B0509040201040103" pitchFamily="49" charset="0"/>
+            </a:endParaRPr>
+          </a:p>
+        </p:txBody>
+      </p:sp>
+      <p:sp>
+        <p:nvSpPr>
+          <p:cNvPr id="6" name="직사각형 5">
+            <a:extLst>
+              <a:ext uri="{FF2B5EF4-FFF2-40B4-BE49-F238E27FC236}">
+                <a16:creationId xmlns:a16="http://schemas.microsoft.com/office/drawing/2014/main" id="{1C9AF545-0782-013B-F690-97B762F3D5AD}"/>
+              </a:ext>
+            </a:extLst>
+          </p:cNvPr>
+          <p:cNvSpPr/>
+          <p:nvPr/>
+        </p:nvSpPr>
+        <p:spPr>
+          <a:xfrm>
+            <a:off x="5601862" y="637457"/>
+            <a:ext cx="5339255" cy="2308325"/>
+          </a:xfrm>
+          <a:prstGeom prst="rect">
+            <a:avLst/>
+          </a:prstGeom>
+          <a:solidFill>
+            <a:schemeClr val="bg1"/>
+          </a:solidFill>
+        </p:spPr>
+        <p:style>
+          <a:lnRef idx="2">
+            <a:schemeClr val="accent1">
+              <a:shade val="50000"/>
+            </a:schemeClr>
+          </a:lnRef>
+          <a:fillRef idx="1">
+            <a:schemeClr val="accent1"/>
+          </a:fillRef>
+          <a:effectRef idx="0">
+            <a:schemeClr val="accent1"/>
+          </a:effectRef>
+          <a:fontRef idx="minor">
+            <a:schemeClr val="lt1"/>
+          </a:fontRef>
+        </p:style>
+        <p:txBody>
+          <a:bodyPr rtlCol="0" anchor="ctr"/>
+          <a:lstStyle/>
+          <a:p>
+            <a:pPr algn="ctr"/>
+            <a:endParaRPr kumimoji="1" lang="ko-Kore-KR" altLang="en-US"/>
+          </a:p>
+        </p:txBody>
+      </p:sp>
+      <p:sp>
+        <p:nvSpPr>
+          <p:cNvPr id="7" name="TextBox 6">
+            <a:extLst>
+              <a:ext uri="{FF2B5EF4-FFF2-40B4-BE49-F238E27FC236}">
+                <a16:creationId xmlns:a16="http://schemas.microsoft.com/office/drawing/2014/main" id="{B14D4A12-0197-0648-30B3-AE6EBC1BEC63}"/>
+              </a:ext>
+            </a:extLst>
+          </p:cNvPr>
+          <p:cNvSpPr txBox="1"/>
+          <p:nvPr/>
+        </p:nvSpPr>
+        <p:spPr>
+          <a:xfrm>
+            <a:off x="7740717" y="268125"/>
+            <a:ext cx="1187669" cy="369332"/>
+          </a:xfrm>
+          <a:prstGeom prst="rect">
+            <a:avLst/>
+          </a:prstGeom>
+          <a:noFill/>
+        </p:spPr>
+        <p:txBody>
+          <a:bodyPr wrap="square">
+            <a:spAutoFit/>
+          </a:bodyPr>
+          <a:lstStyle/>
+          <a:p>
+            <a:pPr algn="ctr"/>
+            <a:r>
+              <a:rPr lang="ko-Kore-KR" altLang="en-US" dirty="0">
+                <a:latin typeface="DM Mono" panose="020B0509040201040103" pitchFamily="49" charset="0"/>
+              </a:rPr>
+              <a:t>main</a:t>
+            </a:r>
+            <a:endParaRPr lang="ko-Kore-KR" altLang="en-US" dirty="0"/>
+          </a:p>
+        </p:txBody>
+      </p:sp>
+      <p:sp>
+        <p:nvSpPr>
+          <p:cNvPr id="8" name="직사각형 7">
+            <a:extLst>
+              <a:ext uri="{FF2B5EF4-FFF2-40B4-BE49-F238E27FC236}">
+                <a16:creationId xmlns:a16="http://schemas.microsoft.com/office/drawing/2014/main" id="{53C7E6E1-EDB4-B801-05E3-E15014B4BE3B}"/>
+              </a:ext>
+            </a:extLst>
+          </p:cNvPr>
+          <p:cNvSpPr/>
+          <p:nvPr/>
+        </p:nvSpPr>
+        <p:spPr>
+          <a:xfrm>
+            <a:off x="6579324" y="1044420"/>
+            <a:ext cx="1019503" cy="451945"/>
+          </a:xfrm>
+          <a:prstGeom prst="rect">
+            <a:avLst/>
+          </a:prstGeom>
+          <a:solidFill>
+            <a:srgbClr val="FFFF00"/>
+          </a:solidFill>
+        </p:spPr>
+        <p:style>
+          <a:lnRef idx="2">
+            <a:schemeClr val="accent1">
+              <a:shade val="50000"/>
+            </a:schemeClr>
+          </a:lnRef>
+          <a:fillRef idx="1">
+            <a:schemeClr val="accent1"/>
+          </a:fillRef>
+          <a:effectRef idx="0">
+            <a:schemeClr val="accent1"/>
+          </a:effectRef>
+          <a:fontRef idx="minor">
+            <a:schemeClr val="lt1"/>
+          </a:fontRef>
+        </p:style>
+        <p:txBody>
+          <a:bodyPr rtlCol="0" anchor="ctr"/>
+          <a:lstStyle/>
+          <a:p>
+            <a:pPr algn="ctr"/>
+            <a:r>
+              <a:rPr kumimoji="1" lang="en-US" altLang="ko-Kore-KR" dirty="0">
+                <a:solidFill>
+                  <a:schemeClr val="tx1"/>
+                </a:solidFill>
+                <a:latin typeface="DM Mono" panose="020B0509040201040103" pitchFamily="49" charset="0"/>
+              </a:rPr>
+              <a:t>10</a:t>
+            </a:r>
+            <a:endParaRPr kumimoji="1" lang="ko-Kore-KR" altLang="en-US" dirty="0">
+              <a:solidFill>
+                <a:schemeClr val="tx1"/>
+              </a:solidFill>
+              <a:latin typeface="DM Mono" panose="020B0509040201040103" pitchFamily="49" charset="0"/>
+            </a:endParaRPr>
+          </a:p>
+        </p:txBody>
+      </p:sp>
+      <p:sp>
+        <p:nvSpPr>
+          <p:cNvPr id="9" name="TextBox 8">
+            <a:extLst>
+              <a:ext uri="{FF2B5EF4-FFF2-40B4-BE49-F238E27FC236}">
+                <a16:creationId xmlns:a16="http://schemas.microsoft.com/office/drawing/2014/main" id="{21A94303-6DEB-249B-14B6-E01CACE75F96}"/>
+              </a:ext>
+            </a:extLst>
+          </p:cNvPr>
+          <p:cNvSpPr txBox="1"/>
+          <p:nvPr/>
+        </p:nvSpPr>
+        <p:spPr>
+          <a:xfrm>
+            <a:off x="6053806" y="1085726"/>
+            <a:ext cx="525518" cy="369332"/>
+          </a:xfrm>
+          <a:prstGeom prst="rect">
+            <a:avLst/>
+          </a:prstGeom>
+          <a:noFill/>
+        </p:spPr>
+        <p:txBody>
+          <a:bodyPr wrap="square">
+            <a:spAutoFit/>
+          </a:bodyPr>
+          <a:lstStyle/>
+          <a:p>
+            <a:pPr algn="r"/>
+            <a:r>
+              <a:rPr lang="en-US" altLang="ko-Kore-KR" dirty="0">
+                <a:latin typeface="DM Mono" panose="020B0509040201040103" pitchFamily="49" charset="0"/>
+              </a:rPr>
+              <a:t>x</a:t>
+            </a:r>
+            <a:endParaRPr lang="ko-Kore-KR" altLang="en-US" dirty="0"/>
+          </a:p>
+        </p:txBody>
+      </p:sp>
+      <p:sp>
+        <p:nvSpPr>
+          <p:cNvPr id="3" name="직사각형 2">
+            <a:extLst>
+              <a:ext uri="{FF2B5EF4-FFF2-40B4-BE49-F238E27FC236}">
+                <a16:creationId xmlns:a16="http://schemas.microsoft.com/office/drawing/2014/main" id="{B696691E-66C2-E5A5-FC77-5DD1F01A92A3}"/>
+              </a:ext>
+            </a:extLst>
+          </p:cNvPr>
+          <p:cNvSpPr/>
+          <p:nvPr/>
+        </p:nvSpPr>
+        <p:spPr>
+          <a:xfrm>
+            <a:off x="6579324" y="1496364"/>
+            <a:ext cx="1019503" cy="451945"/>
+          </a:xfrm>
+          <a:prstGeom prst="rect">
+            <a:avLst/>
+          </a:prstGeom>
+          <a:solidFill>
+            <a:srgbClr val="FFFF00"/>
+          </a:solidFill>
+        </p:spPr>
+        <p:style>
+          <a:lnRef idx="2">
+            <a:schemeClr val="accent1">
+              <a:shade val="50000"/>
+            </a:schemeClr>
+          </a:lnRef>
+          <a:fillRef idx="1">
+            <a:schemeClr val="accent1"/>
+          </a:fillRef>
+          <a:effectRef idx="0">
+            <a:schemeClr val="accent1"/>
+          </a:effectRef>
+          <a:fontRef idx="minor">
+            <a:schemeClr val="lt1"/>
+          </a:fontRef>
+        </p:style>
+        <p:txBody>
+          <a:bodyPr rtlCol="0" anchor="ctr"/>
+          <a:lstStyle/>
+          <a:p>
+            <a:pPr algn="ctr"/>
+            <a:r>
+              <a:rPr kumimoji="1" lang="en-US" altLang="ko-Kore-KR" dirty="0">
+                <a:solidFill>
+                  <a:schemeClr val="tx1"/>
+                </a:solidFill>
+                <a:latin typeface="DM Mono" panose="020B0509040201040103" pitchFamily="49" charset="0"/>
+              </a:rPr>
+              <a:t>20</a:t>
+            </a:r>
+            <a:endParaRPr kumimoji="1" lang="ko-Kore-KR" altLang="en-US" dirty="0">
+              <a:solidFill>
+                <a:schemeClr val="tx1"/>
+              </a:solidFill>
+              <a:latin typeface="DM Mono" panose="020B0509040201040103" pitchFamily="49" charset="0"/>
+            </a:endParaRPr>
+          </a:p>
+        </p:txBody>
+      </p:sp>
+      <p:sp>
+        <p:nvSpPr>
+          <p:cNvPr id="4" name="TextBox 3">
+            <a:extLst>
+              <a:ext uri="{FF2B5EF4-FFF2-40B4-BE49-F238E27FC236}">
+                <a16:creationId xmlns:a16="http://schemas.microsoft.com/office/drawing/2014/main" id="{6780460D-4213-28A3-E2A9-497DCD9CD20B}"/>
+              </a:ext>
+            </a:extLst>
+          </p:cNvPr>
+          <p:cNvSpPr txBox="1"/>
+          <p:nvPr/>
+        </p:nvSpPr>
+        <p:spPr>
+          <a:xfrm>
+            <a:off x="6053806" y="1537670"/>
+            <a:ext cx="525518" cy="369332"/>
+          </a:xfrm>
+          <a:prstGeom prst="rect">
+            <a:avLst/>
+          </a:prstGeom>
+          <a:noFill/>
+        </p:spPr>
+        <p:txBody>
+          <a:bodyPr wrap="square">
+            <a:spAutoFit/>
+          </a:bodyPr>
+          <a:lstStyle/>
+          <a:p>
+            <a:pPr algn="r"/>
+            <a:r>
+              <a:rPr lang="en-US" altLang="ko-Kore-KR" dirty="0">
+                <a:latin typeface="DM Mono" panose="020B0509040201040103" pitchFamily="49" charset="0"/>
+              </a:rPr>
+              <a:t>y</a:t>
+            </a:r>
+            <a:endParaRPr lang="ko-Kore-KR" altLang="en-US" dirty="0"/>
+          </a:p>
+        </p:txBody>
+      </p:sp>
+      <p:sp>
+        <p:nvSpPr>
+          <p:cNvPr id="14" name="TextBox 13">
+            <a:extLst>
+              <a:ext uri="{FF2B5EF4-FFF2-40B4-BE49-F238E27FC236}">
+                <a16:creationId xmlns:a16="http://schemas.microsoft.com/office/drawing/2014/main" id="{2C906AAA-B591-9CE2-707D-564EC364CEA1}"/>
+              </a:ext>
+            </a:extLst>
+          </p:cNvPr>
+          <p:cNvSpPr txBox="1"/>
+          <p:nvPr/>
+        </p:nvSpPr>
+        <p:spPr>
+          <a:xfrm>
+            <a:off x="6826316" y="716394"/>
+            <a:ext cx="525518" cy="369332"/>
+          </a:xfrm>
+          <a:prstGeom prst="rect">
+            <a:avLst/>
+          </a:prstGeom>
+          <a:noFill/>
+        </p:spPr>
+        <p:txBody>
+          <a:bodyPr wrap="square">
+            <a:spAutoFit/>
+          </a:bodyPr>
+          <a:lstStyle/>
+          <a:p>
+            <a:pPr algn="r"/>
+            <a:r>
+              <a:rPr lang="en-US" altLang="ko-Kore-KR" dirty="0">
+                <a:latin typeface="DM Mono" panose="020B0509040201040103" pitchFamily="49" charset="0"/>
+              </a:rPr>
+              <a:t>p1</a:t>
+            </a:r>
+            <a:endParaRPr lang="ko-Kore-KR" altLang="en-US" dirty="0"/>
+          </a:p>
+        </p:txBody>
+      </p:sp>
+      <p:sp>
+        <p:nvSpPr>
+          <p:cNvPr id="15" name="직사각형 14">
+            <a:extLst>
+              <a:ext uri="{FF2B5EF4-FFF2-40B4-BE49-F238E27FC236}">
+                <a16:creationId xmlns:a16="http://schemas.microsoft.com/office/drawing/2014/main" id="{64E52F2C-218B-4620-79C4-4877E6E5969B}"/>
+              </a:ext>
+            </a:extLst>
+          </p:cNvPr>
+          <p:cNvSpPr/>
+          <p:nvPr/>
+        </p:nvSpPr>
+        <p:spPr>
+          <a:xfrm>
+            <a:off x="8889812" y="1027731"/>
+            <a:ext cx="1019503" cy="451945"/>
+          </a:xfrm>
+          <a:prstGeom prst="rect">
+            <a:avLst/>
+          </a:prstGeom>
+          <a:solidFill>
+            <a:srgbClr val="FFFF00"/>
+          </a:solidFill>
+        </p:spPr>
+        <p:style>
+          <a:lnRef idx="2">
+            <a:schemeClr val="accent1">
+              <a:shade val="50000"/>
+            </a:schemeClr>
+          </a:lnRef>
+          <a:fillRef idx="1">
+            <a:schemeClr val="accent1"/>
+          </a:fillRef>
+          <a:effectRef idx="0">
+            <a:schemeClr val="accent1"/>
+          </a:effectRef>
+          <a:fontRef idx="minor">
+            <a:schemeClr val="lt1"/>
+          </a:fontRef>
+        </p:style>
+        <p:txBody>
+          <a:bodyPr rtlCol="0" anchor="ctr"/>
+          <a:lstStyle/>
+          <a:p>
+            <a:pPr algn="ctr"/>
+            <a:r>
+              <a:rPr kumimoji="1" lang="en-US" altLang="ko-Kore-KR" dirty="0">
+                <a:solidFill>
+                  <a:srgbClr val="FF0000"/>
+                </a:solidFill>
+                <a:latin typeface="DM Mono" panose="020B0509040201040103" pitchFamily="49" charset="0"/>
+              </a:rPr>
+              <a:t>100</a:t>
+            </a:r>
+            <a:endParaRPr kumimoji="1" lang="ko-Kore-KR" altLang="en-US" dirty="0">
+              <a:solidFill>
+                <a:srgbClr val="FF0000"/>
+              </a:solidFill>
+              <a:latin typeface="DM Mono" panose="020B0509040201040103" pitchFamily="49" charset="0"/>
+            </a:endParaRPr>
+          </a:p>
+        </p:txBody>
+      </p:sp>
+      <p:sp>
+        <p:nvSpPr>
+          <p:cNvPr id="16" name="TextBox 15">
+            <a:extLst>
+              <a:ext uri="{FF2B5EF4-FFF2-40B4-BE49-F238E27FC236}">
+                <a16:creationId xmlns:a16="http://schemas.microsoft.com/office/drawing/2014/main" id="{8F36A755-BA5E-B5BB-E8DE-2E9EEA97DAC7}"/>
+              </a:ext>
+            </a:extLst>
+          </p:cNvPr>
+          <p:cNvSpPr txBox="1"/>
+          <p:nvPr/>
+        </p:nvSpPr>
+        <p:spPr>
+          <a:xfrm>
+            <a:off x="8364294" y="1069037"/>
+            <a:ext cx="525518" cy="369332"/>
+          </a:xfrm>
+          <a:prstGeom prst="rect">
+            <a:avLst/>
+          </a:prstGeom>
+          <a:noFill/>
+        </p:spPr>
+        <p:txBody>
+          <a:bodyPr wrap="square">
+            <a:spAutoFit/>
+          </a:bodyPr>
+          <a:lstStyle/>
+          <a:p>
+            <a:pPr algn="r"/>
+            <a:r>
+              <a:rPr lang="en-US" altLang="ko-Kore-KR" dirty="0">
+                <a:latin typeface="DM Mono" panose="020B0509040201040103" pitchFamily="49" charset="0"/>
+              </a:rPr>
+              <a:t>x</a:t>
+            </a:r>
+            <a:endParaRPr lang="ko-Kore-KR" altLang="en-US" dirty="0"/>
+          </a:p>
+        </p:txBody>
+      </p:sp>
+      <p:sp>
+        <p:nvSpPr>
+          <p:cNvPr id="17" name="직사각형 16">
+            <a:extLst>
+              <a:ext uri="{FF2B5EF4-FFF2-40B4-BE49-F238E27FC236}">
+                <a16:creationId xmlns:a16="http://schemas.microsoft.com/office/drawing/2014/main" id="{74FB0951-60FB-E864-868C-14BDE20794B6}"/>
+              </a:ext>
+            </a:extLst>
+          </p:cNvPr>
+          <p:cNvSpPr/>
+          <p:nvPr/>
+        </p:nvSpPr>
+        <p:spPr>
+          <a:xfrm>
+            <a:off x="8889812" y="1479675"/>
+            <a:ext cx="1019503" cy="451945"/>
+          </a:xfrm>
+          <a:prstGeom prst="rect">
+            <a:avLst/>
+          </a:prstGeom>
+          <a:solidFill>
+            <a:srgbClr val="FFFF00"/>
+          </a:solidFill>
+        </p:spPr>
+        <p:style>
+          <a:lnRef idx="2">
+            <a:schemeClr val="accent1">
+              <a:shade val="50000"/>
+            </a:schemeClr>
+          </a:lnRef>
+          <a:fillRef idx="1">
+            <a:schemeClr val="accent1"/>
+          </a:fillRef>
+          <a:effectRef idx="0">
+            <a:schemeClr val="accent1"/>
+          </a:effectRef>
+          <a:fontRef idx="minor">
+            <a:schemeClr val="lt1"/>
+          </a:fontRef>
+        </p:style>
+        <p:txBody>
+          <a:bodyPr rtlCol="0" anchor="ctr"/>
+          <a:lstStyle/>
+          <a:p>
+            <a:pPr algn="ctr"/>
+            <a:r>
+              <a:rPr kumimoji="1" lang="en-US" altLang="ko-Kore-KR" dirty="0">
+                <a:solidFill>
+                  <a:srgbClr val="FF0000"/>
+                </a:solidFill>
+                <a:latin typeface="DM Mono" panose="020B0509040201040103" pitchFamily="49" charset="0"/>
+              </a:rPr>
+              <a:t>200</a:t>
+            </a:r>
+            <a:endParaRPr kumimoji="1" lang="ko-Kore-KR" altLang="en-US" dirty="0">
+              <a:solidFill>
+                <a:srgbClr val="FF0000"/>
+              </a:solidFill>
+              <a:latin typeface="DM Mono" panose="020B0509040201040103" pitchFamily="49" charset="0"/>
+            </a:endParaRPr>
+          </a:p>
+        </p:txBody>
+      </p:sp>
+      <p:sp>
+        <p:nvSpPr>
+          <p:cNvPr id="18" name="TextBox 17">
+            <a:extLst>
+              <a:ext uri="{FF2B5EF4-FFF2-40B4-BE49-F238E27FC236}">
+                <a16:creationId xmlns:a16="http://schemas.microsoft.com/office/drawing/2014/main" id="{FE9CE25E-6A26-EA81-158F-A26E6978C042}"/>
+              </a:ext>
+            </a:extLst>
+          </p:cNvPr>
+          <p:cNvSpPr txBox="1"/>
+          <p:nvPr/>
+        </p:nvSpPr>
+        <p:spPr>
+          <a:xfrm>
+            <a:off x="8364294" y="1520981"/>
+            <a:ext cx="525518" cy="369332"/>
+          </a:xfrm>
+          <a:prstGeom prst="rect">
+            <a:avLst/>
+          </a:prstGeom>
+          <a:noFill/>
+        </p:spPr>
+        <p:txBody>
+          <a:bodyPr wrap="square">
+            <a:spAutoFit/>
+          </a:bodyPr>
+          <a:lstStyle/>
+          <a:p>
+            <a:pPr algn="r"/>
+            <a:r>
+              <a:rPr lang="en-US" altLang="ko-Kore-KR" dirty="0">
+                <a:latin typeface="DM Mono" panose="020B0509040201040103" pitchFamily="49" charset="0"/>
+              </a:rPr>
+              <a:t>y</a:t>
+            </a:r>
+            <a:endParaRPr lang="ko-Kore-KR" altLang="en-US" dirty="0"/>
+          </a:p>
+        </p:txBody>
+      </p:sp>
+      <p:sp>
+        <p:nvSpPr>
+          <p:cNvPr id="19" name="TextBox 18">
+            <a:extLst>
+              <a:ext uri="{FF2B5EF4-FFF2-40B4-BE49-F238E27FC236}">
+                <a16:creationId xmlns:a16="http://schemas.microsoft.com/office/drawing/2014/main" id="{13C3684E-6926-A6DD-3741-B85563245BDA}"/>
+              </a:ext>
+            </a:extLst>
+          </p:cNvPr>
+          <p:cNvSpPr txBox="1"/>
+          <p:nvPr/>
+        </p:nvSpPr>
+        <p:spPr>
+          <a:xfrm>
+            <a:off x="9136804" y="699705"/>
+            <a:ext cx="525518" cy="369332"/>
+          </a:xfrm>
+          <a:prstGeom prst="rect">
+            <a:avLst/>
+          </a:prstGeom>
+          <a:noFill/>
+        </p:spPr>
+        <p:txBody>
+          <a:bodyPr wrap="square">
+            <a:spAutoFit/>
+          </a:bodyPr>
+          <a:lstStyle/>
+          <a:p>
+            <a:pPr algn="r"/>
+            <a:r>
+              <a:rPr lang="en-US" altLang="ko-Kore-KR" dirty="0">
+                <a:latin typeface="DM Mono" panose="020B0509040201040103" pitchFamily="49" charset="0"/>
+              </a:rPr>
+              <a:t>p2</a:t>
+            </a:r>
+            <a:endParaRPr lang="ko-Kore-KR" altLang="en-US" dirty="0"/>
+          </a:p>
+        </p:txBody>
+      </p:sp>
+      <p:sp>
+        <p:nvSpPr>
+          <p:cNvPr id="21" name="TextBox 20">
+            <a:extLst>
+              <a:ext uri="{FF2B5EF4-FFF2-40B4-BE49-F238E27FC236}">
+                <a16:creationId xmlns:a16="http://schemas.microsoft.com/office/drawing/2014/main" id="{D46FF2F9-80B0-73F6-958D-62C64B5B1B0C}"/>
+              </a:ext>
+            </a:extLst>
+          </p:cNvPr>
+          <p:cNvSpPr txBox="1"/>
+          <p:nvPr/>
+        </p:nvSpPr>
+        <p:spPr>
+          <a:xfrm>
+            <a:off x="5072727" y="3695789"/>
+            <a:ext cx="6477454" cy="1477328"/>
+          </a:xfrm>
+          <a:prstGeom prst="rect">
+            <a:avLst/>
+          </a:prstGeom>
+          <a:noFill/>
+        </p:spPr>
+        <p:txBody>
+          <a:bodyPr wrap="square">
+            <a:spAutoFit/>
+          </a:bodyPr>
+          <a:lstStyle/>
+          <a:p>
+            <a:r>
+              <a:rPr lang="en" altLang="ko-Kore-KR" dirty="0">
+                <a:latin typeface="DM Mono" panose="020B0509040201040103" pitchFamily="49" charset="0"/>
+              </a:rPr>
+              <a:t> void Point::Set(</a:t>
+            </a:r>
+            <a:r>
+              <a:rPr lang="en" altLang="ko-Kore-KR" dirty="0">
+                <a:solidFill>
+                  <a:srgbClr val="FF0000"/>
+                </a:solidFill>
+                <a:latin typeface="DM Mono" panose="020B0509040201040103" pitchFamily="49" charset="0"/>
+              </a:rPr>
+              <a:t>Point* this, </a:t>
+            </a:r>
+            <a:r>
+              <a:rPr lang="en" altLang="ko-Kore-KR" dirty="0">
+                <a:latin typeface="DM Mono" panose="020B0509040201040103" pitchFamily="49" charset="0"/>
+              </a:rPr>
+              <a:t>int a, int b)</a:t>
+            </a:r>
+          </a:p>
+          <a:p>
+            <a:r>
+              <a:rPr lang="en" altLang="ko-Kore-KR" dirty="0">
+                <a:latin typeface="DM Mono" panose="020B0509040201040103" pitchFamily="49" charset="0"/>
+              </a:rPr>
+              <a:t> {</a:t>
+            </a:r>
+          </a:p>
+          <a:p>
+            <a:r>
+              <a:rPr lang="en" altLang="ko-Kore-KR" dirty="0">
+                <a:latin typeface="DM Mono" panose="020B0509040201040103" pitchFamily="49" charset="0"/>
+              </a:rPr>
+              <a:t>        </a:t>
+            </a:r>
+            <a:r>
+              <a:rPr lang="en" altLang="ko-Kore-KR" dirty="0">
+                <a:solidFill>
+                  <a:srgbClr val="FF0000"/>
+                </a:solidFill>
+                <a:latin typeface="DM Mono" panose="020B0509040201040103" pitchFamily="49" charset="0"/>
+              </a:rPr>
+              <a:t>this-&gt;</a:t>
+            </a:r>
+            <a:r>
+              <a:rPr lang="en" altLang="ko-Kore-KR" dirty="0">
+                <a:latin typeface="DM Mono" panose="020B0509040201040103" pitchFamily="49" charset="0"/>
+              </a:rPr>
+              <a:t>x = a;</a:t>
+            </a:r>
+          </a:p>
+          <a:p>
+            <a:r>
+              <a:rPr lang="en" altLang="ko-Kore-KR" dirty="0">
+                <a:latin typeface="DM Mono" panose="020B0509040201040103" pitchFamily="49" charset="0"/>
+              </a:rPr>
+              <a:t>        </a:t>
+            </a:r>
+            <a:r>
+              <a:rPr lang="en" altLang="ko-Kore-KR" dirty="0">
+                <a:solidFill>
+                  <a:srgbClr val="FF0000"/>
+                </a:solidFill>
+                <a:latin typeface="DM Mono" panose="020B0509040201040103" pitchFamily="49" charset="0"/>
+              </a:rPr>
+              <a:t>this-&gt;</a:t>
+            </a:r>
+            <a:r>
+              <a:rPr lang="en" altLang="ko-Kore-KR" dirty="0">
+                <a:latin typeface="DM Mono" panose="020B0509040201040103" pitchFamily="49" charset="0"/>
+              </a:rPr>
+              <a:t>y = b;</a:t>
+            </a:r>
+          </a:p>
+          <a:p>
+            <a:r>
+              <a:rPr lang="en" altLang="ko-Kore-KR" dirty="0">
+                <a:latin typeface="DM Mono" panose="020B0509040201040103" pitchFamily="49" charset="0"/>
+              </a:rPr>
+              <a:t> }</a:t>
+            </a:r>
+            <a:endParaRPr lang="ko-Kore-KR" altLang="en-US" dirty="0"/>
+          </a:p>
+        </p:txBody>
+      </p:sp>
+      <p:sp>
+        <p:nvSpPr>
+          <p:cNvPr id="10" name="TextBox 9">
+            <a:extLst>
+              <a:ext uri="{FF2B5EF4-FFF2-40B4-BE49-F238E27FC236}">
+                <a16:creationId xmlns:a16="http://schemas.microsoft.com/office/drawing/2014/main" id="{335AB2CA-4212-CB66-C869-D59EEB22A8D9}"/>
+              </a:ext>
+            </a:extLst>
+          </p:cNvPr>
+          <p:cNvSpPr txBox="1"/>
+          <p:nvPr/>
+        </p:nvSpPr>
+        <p:spPr>
+          <a:xfrm>
+            <a:off x="10748506" y="3162211"/>
+            <a:ext cx="765594" cy="369332"/>
+          </a:xfrm>
+          <a:prstGeom prst="rect">
+            <a:avLst/>
+          </a:prstGeom>
+          <a:noFill/>
+        </p:spPr>
+        <p:txBody>
+          <a:bodyPr wrap="square">
+            <a:spAutoFit/>
+          </a:bodyPr>
+          <a:lstStyle/>
+          <a:p>
+            <a:r>
+              <a:rPr lang="en" altLang="ko-Kore-KR" dirty="0">
+                <a:solidFill>
+                  <a:srgbClr val="FF0000"/>
+                </a:solidFill>
+                <a:latin typeface="DM Mono" panose="020B0509040201040103" pitchFamily="49" charset="0"/>
+              </a:rPr>
+              <a:t>this</a:t>
+            </a:r>
+            <a:endParaRPr lang="ko-Kore-KR" altLang="en-US" dirty="0"/>
+          </a:p>
+        </p:txBody>
+      </p:sp>
+      <p:cxnSp>
+        <p:nvCxnSpPr>
+          <p:cNvPr id="12" name="구부러진 연결선[U] 11">
+            <a:extLst>
+              <a:ext uri="{FF2B5EF4-FFF2-40B4-BE49-F238E27FC236}">
+                <a16:creationId xmlns:a16="http://schemas.microsoft.com/office/drawing/2014/main" id="{A5B7918E-2E8B-6142-F316-F6DD2A6E698A}"/>
+              </a:ext>
+            </a:extLst>
+          </p:cNvPr>
+          <p:cNvCxnSpPr>
+            <a:cxnSpLocks/>
+            <a:stCxn id="10" idx="0"/>
+            <a:endCxn id="19" idx="2"/>
+          </p:cNvCxnSpPr>
+          <p:nvPr/>
+        </p:nvCxnSpPr>
+        <p:spPr>
+          <a:xfrm rot="16200000" flipV="1">
+            <a:off x="9218846" y="1249754"/>
+            <a:ext cx="2093174" cy="1731740"/>
+          </a:xfrm>
+          <a:prstGeom prst="curvedConnector3">
+            <a:avLst>
+              <a:gd name="adj1" fmla="val 109758"/>
+            </a:avLst>
+          </a:prstGeom>
+          <a:ln>
+            <a:tailEnd type="triangle"/>
+          </a:ln>
+        </p:spPr>
+        <p:style>
+          <a:lnRef idx="1">
+            <a:schemeClr val="dk1"/>
+          </a:lnRef>
+          <a:fillRef idx="0">
+            <a:schemeClr val="dk1"/>
+          </a:fillRef>
+          <a:effectRef idx="0">
+            <a:schemeClr val="dk1"/>
+          </a:effectRef>
+          <a:fontRef idx="minor">
+            <a:schemeClr val="tx1"/>
+          </a:fontRef>
+        </p:style>
+      </p:cxnSp>
+    </p:spTree>
+    <p:extLst>
+      <p:ext uri="{BB962C8B-B14F-4D97-AF65-F5344CB8AC3E}">
+        <p14:creationId xmlns:p14="http://schemas.microsoft.com/office/powerpoint/2010/main" val="451246305"/>
       </p:ext>
     </p:extLst>
   </p:cSld>

--- a/230303.pptx
+++ b/230303.pptx
@@ -19,6 +19,10 @@
     <p:sldId id="267" r:id="rId13"/>
     <p:sldId id="268" r:id="rId14"/>
     <p:sldId id="269" r:id="rId15"/>
+    <p:sldId id="270" r:id="rId16"/>
+    <p:sldId id="271" r:id="rId17"/>
+    <p:sldId id="272" r:id="rId18"/>
+    <p:sldId id="273" r:id="rId19"/>
   </p:sldIdLst>
   <p:sldSz cx="12192000" cy="6858000"/>
   <p:notesSz cx="6858000" cy="9144000"/>
@@ -7958,6 +7962,2970 @@
     <p:extLst>
       <p:ext uri="{BB962C8B-B14F-4D97-AF65-F5344CB8AC3E}">
         <p14:creationId xmlns:p14="http://schemas.microsoft.com/office/powerpoint/2010/main" val="451246305"/>
+      </p:ext>
+    </p:extLst>
+  </p:cSld>
+  <p:clrMapOvr>
+    <a:masterClrMapping/>
+  </p:clrMapOvr>
+</p:sld>
+</file>
+
+<file path=ppt/slides/slide15.xml><?xml version="1.0" encoding="utf-8"?>
+<p:sld xmlns:a="http://schemas.openxmlformats.org/drawingml/2006/main" xmlns:r="http://schemas.openxmlformats.org/officeDocument/2006/relationships" xmlns:p="http://schemas.openxmlformats.org/presentationml/2006/main">
+  <p:cSld>
+    <p:spTree>
+      <p:nvGrpSpPr>
+        <p:cNvPr id="1" name=""/>
+        <p:cNvGrpSpPr/>
+        <p:nvPr/>
+      </p:nvGrpSpPr>
+      <p:grpSpPr>
+        <a:xfrm>
+          <a:off x="0" y="0"/>
+          <a:ext cx="0" cy="0"/>
+          <a:chOff x="0" y="0"/>
+          <a:chExt cx="0" cy="0"/>
+        </a:xfrm>
+      </p:grpSpPr>
+      <p:sp>
+        <p:nvSpPr>
+          <p:cNvPr id="5" name="TextBox 4">
+            <a:extLst>
+              <a:ext uri="{FF2B5EF4-FFF2-40B4-BE49-F238E27FC236}">
+                <a16:creationId xmlns:a16="http://schemas.microsoft.com/office/drawing/2014/main" id="{5B87F660-B6FF-CA77-E37D-589CCC0A037D}"/>
+              </a:ext>
+            </a:extLst>
+          </p:cNvPr>
+          <p:cNvSpPr txBox="1"/>
+          <p:nvPr/>
+        </p:nvSpPr>
+        <p:spPr>
+          <a:xfrm>
+            <a:off x="641819" y="268125"/>
+            <a:ext cx="4784196" cy="5047536"/>
+          </a:xfrm>
+          <a:prstGeom prst="rect">
+            <a:avLst/>
+          </a:prstGeom>
+          <a:noFill/>
+        </p:spPr>
+        <p:txBody>
+          <a:bodyPr wrap="square">
+            <a:spAutoFit/>
+          </a:bodyPr>
+          <a:lstStyle/>
+          <a:p>
+            <a:r>
+              <a:rPr lang="en" altLang="ko-Kore-KR" sz="1400" dirty="0">
+                <a:latin typeface="DM Mono" panose="020B0509040201040103" pitchFamily="49" charset="0"/>
+              </a:rPr>
+              <a:t>class User {</a:t>
+            </a:r>
+          </a:p>
+          <a:p>
+            <a:r>
+              <a:rPr lang="en" altLang="ko-Kore-KR" sz="1400" dirty="0">
+                <a:latin typeface="DM Mono" panose="020B0509040201040103" pitchFamily="49" charset="0"/>
+              </a:rPr>
+              <a:t>    char* name;</a:t>
+            </a:r>
+          </a:p>
+          <a:p>
+            <a:r>
+              <a:rPr lang="en" altLang="ko-Kore-KR" sz="1400" dirty="0">
+                <a:latin typeface="DM Mono" panose="020B0509040201040103" pitchFamily="49" charset="0"/>
+              </a:rPr>
+              <a:t>    int age;</a:t>
+            </a:r>
+          </a:p>
+          <a:p>
+            <a:endParaRPr lang="en" altLang="ko-Kore-KR" sz="1400" dirty="0">
+              <a:latin typeface="DM Mono" panose="020B0509040201040103" pitchFamily="49" charset="0"/>
+            </a:endParaRPr>
+          </a:p>
+          <a:p>
+            <a:r>
+              <a:rPr lang="en" altLang="ko-Kore-KR" sz="1400" dirty="0">
+                <a:latin typeface="DM Mono" panose="020B0509040201040103" pitchFamily="49" charset="0"/>
+              </a:rPr>
+              <a:t>public:</a:t>
+            </a:r>
+          </a:p>
+          <a:p>
+            <a:r>
+              <a:rPr lang="en" altLang="ko-Kore-KR" sz="1400" dirty="0">
+                <a:latin typeface="DM Mono" panose="020B0509040201040103" pitchFamily="49" charset="0"/>
+              </a:rPr>
+              <a:t>    User(const char* s, int n)</a:t>
+            </a:r>
+          </a:p>
+          <a:p>
+            <a:r>
+              <a:rPr lang="en" altLang="ko-Kore-KR" sz="1400" dirty="0">
+                <a:latin typeface="DM Mono" panose="020B0509040201040103" pitchFamily="49" charset="0"/>
+              </a:rPr>
+              <a:t>        : age(n)</a:t>
+            </a:r>
+          </a:p>
+          <a:p>
+            <a:r>
+              <a:rPr lang="en" altLang="ko-Kore-KR" sz="1400" dirty="0">
+                <a:latin typeface="DM Mono" panose="020B0509040201040103" pitchFamily="49" charset="0"/>
+              </a:rPr>
+              <a:t>    {</a:t>
+            </a:r>
+          </a:p>
+          <a:p>
+            <a:r>
+              <a:rPr lang="en" altLang="ko-Kore-KR" sz="1400" dirty="0">
+                <a:latin typeface="DM Mono" panose="020B0509040201040103" pitchFamily="49" charset="0"/>
+              </a:rPr>
+              <a:t>        name = new char[</a:t>
+            </a:r>
+            <a:r>
+              <a:rPr lang="en" altLang="ko-Kore-KR" sz="1400" dirty="0" err="1">
+                <a:latin typeface="DM Mono" panose="020B0509040201040103" pitchFamily="49" charset="0"/>
+              </a:rPr>
+              <a:t>strlen</a:t>
+            </a:r>
+            <a:r>
+              <a:rPr lang="en" altLang="ko-Kore-KR" sz="1400" dirty="0">
+                <a:latin typeface="DM Mono" panose="020B0509040201040103" pitchFamily="49" charset="0"/>
+              </a:rPr>
+              <a:t>(s) + 1];</a:t>
+            </a:r>
+          </a:p>
+          <a:p>
+            <a:r>
+              <a:rPr lang="en" altLang="ko-Kore-KR" sz="1400" dirty="0">
+                <a:latin typeface="DM Mono" panose="020B0509040201040103" pitchFamily="49" charset="0"/>
+              </a:rPr>
+              <a:t>        </a:t>
+            </a:r>
+            <a:r>
+              <a:rPr lang="en" altLang="ko-Kore-KR" sz="1400" dirty="0" err="1">
+                <a:latin typeface="DM Mono" panose="020B0509040201040103" pitchFamily="49" charset="0"/>
+              </a:rPr>
+              <a:t>strcpy</a:t>
+            </a:r>
+            <a:r>
+              <a:rPr lang="en" altLang="ko-Kore-KR" sz="1400" dirty="0">
+                <a:latin typeface="DM Mono" panose="020B0509040201040103" pitchFamily="49" charset="0"/>
+              </a:rPr>
+              <a:t>(name, s);</a:t>
+            </a:r>
+          </a:p>
+          <a:p>
+            <a:r>
+              <a:rPr lang="en" altLang="ko-Kore-KR" sz="1400" dirty="0">
+                <a:latin typeface="DM Mono" panose="020B0509040201040103" pitchFamily="49" charset="0"/>
+              </a:rPr>
+              <a:t>    }</a:t>
+            </a:r>
+          </a:p>
+          <a:p>
+            <a:endParaRPr lang="en" altLang="ko-Kore-KR" sz="1400" dirty="0">
+              <a:latin typeface="DM Mono" panose="020B0509040201040103" pitchFamily="49" charset="0"/>
+            </a:endParaRPr>
+          </a:p>
+          <a:p>
+            <a:r>
+              <a:rPr lang="en" altLang="ko-Kore-KR" sz="1400" dirty="0">
+                <a:latin typeface="DM Mono" panose="020B0509040201040103" pitchFamily="49" charset="0"/>
+              </a:rPr>
+              <a:t>    ~User()</a:t>
+            </a:r>
+          </a:p>
+          <a:p>
+            <a:r>
+              <a:rPr lang="en" altLang="ko-Kore-KR" sz="1400" dirty="0">
+                <a:latin typeface="DM Mono" panose="020B0509040201040103" pitchFamily="49" charset="0"/>
+              </a:rPr>
+              <a:t>    {</a:t>
+            </a:r>
+          </a:p>
+          <a:p>
+            <a:r>
+              <a:rPr lang="en" altLang="ko-Kore-KR" sz="1400" dirty="0">
+                <a:latin typeface="DM Mono" panose="020B0509040201040103" pitchFamily="49" charset="0"/>
+              </a:rPr>
+              <a:t>        delete[] name;</a:t>
+            </a:r>
+          </a:p>
+          <a:p>
+            <a:r>
+              <a:rPr lang="en" altLang="ko-Kore-KR" sz="1400" dirty="0">
+                <a:latin typeface="DM Mono" panose="020B0509040201040103" pitchFamily="49" charset="0"/>
+              </a:rPr>
+              <a:t>    }</a:t>
+            </a:r>
+          </a:p>
+          <a:p>
+            <a:r>
+              <a:rPr lang="en" altLang="ko-Kore-KR" sz="1400" dirty="0">
+                <a:latin typeface="DM Mono" panose="020B0509040201040103" pitchFamily="49" charset="0"/>
+              </a:rPr>
+              <a:t>};</a:t>
+            </a:r>
+          </a:p>
+          <a:p>
+            <a:endParaRPr lang="en" altLang="ko-Kore-KR" sz="1400" dirty="0">
+              <a:latin typeface="DM Mono" panose="020B0509040201040103" pitchFamily="49" charset="0"/>
+            </a:endParaRPr>
+          </a:p>
+          <a:p>
+            <a:r>
+              <a:rPr lang="en" altLang="ko-Kore-KR" sz="1400" dirty="0">
+                <a:latin typeface="DM Mono" panose="020B0509040201040103" pitchFamily="49" charset="0"/>
+              </a:rPr>
+              <a:t>int main()</a:t>
+            </a:r>
+          </a:p>
+          <a:p>
+            <a:r>
+              <a:rPr lang="en" altLang="ko-Kore-KR" sz="1400" dirty="0">
+                <a:latin typeface="DM Mono" panose="020B0509040201040103" pitchFamily="49" charset="0"/>
+              </a:rPr>
+              <a:t>{</a:t>
+            </a:r>
+          </a:p>
+          <a:p>
+            <a:r>
+              <a:rPr lang="en" altLang="ko-Kore-KR" sz="1400" dirty="0">
+                <a:latin typeface="DM Mono" panose="020B0509040201040103" pitchFamily="49" charset="0"/>
+              </a:rPr>
+              <a:t>    User user1("Tom", 42);</a:t>
+            </a:r>
+          </a:p>
+          <a:p>
+            <a:r>
+              <a:rPr lang="en" altLang="ko-Kore-KR" sz="1400" dirty="0">
+                <a:latin typeface="DM Mono" panose="020B0509040201040103" pitchFamily="49" charset="0"/>
+              </a:rPr>
+              <a:t>    User user2 = user1;</a:t>
+            </a:r>
+          </a:p>
+          <a:p>
+            <a:r>
+              <a:rPr lang="en" altLang="ko-Kore-KR" sz="1400" dirty="0">
+                <a:latin typeface="DM Mono" panose="020B0509040201040103" pitchFamily="49" charset="0"/>
+              </a:rPr>
+              <a:t>}</a:t>
+            </a:r>
+            <a:endParaRPr lang="ko-Kore-KR" altLang="en-US" sz="1400" dirty="0">
+              <a:latin typeface="DM Mono" panose="020B0509040201040103" pitchFamily="49" charset="0"/>
+            </a:endParaRPr>
+          </a:p>
+        </p:txBody>
+      </p:sp>
+      <p:sp>
+        <p:nvSpPr>
+          <p:cNvPr id="8" name="직사각형 7">
+            <a:extLst>
+              <a:ext uri="{FF2B5EF4-FFF2-40B4-BE49-F238E27FC236}">
+                <a16:creationId xmlns:a16="http://schemas.microsoft.com/office/drawing/2014/main" id="{53C7E6E1-EDB4-B801-05E3-E15014B4BE3B}"/>
+              </a:ext>
+            </a:extLst>
+          </p:cNvPr>
+          <p:cNvSpPr/>
+          <p:nvPr/>
+        </p:nvSpPr>
+        <p:spPr>
+          <a:xfrm>
+            <a:off x="6579324" y="1044420"/>
+            <a:ext cx="1019503" cy="451945"/>
+          </a:xfrm>
+          <a:prstGeom prst="rect">
+            <a:avLst/>
+          </a:prstGeom>
+          <a:solidFill>
+            <a:srgbClr val="FFFF00"/>
+          </a:solidFill>
+        </p:spPr>
+        <p:style>
+          <a:lnRef idx="2">
+            <a:schemeClr val="accent1">
+              <a:shade val="50000"/>
+            </a:schemeClr>
+          </a:lnRef>
+          <a:fillRef idx="1">
+            <a:schemeClr val="accent1"/>
+          </a:fillRef>
+          <a:effectRef idx="0">
+            <a:schemeClr val="accent1"/>
+          </a:effectRef>
+          <a:fontRef idx="minor">
+            <a:schemeClr val="lt1"/>
+          </a:fontRef>
+        </p:style>
+        <p:txBody>
+          <a:bodyPr rtlCol="0" anchor="ctr"/>
+          <a:lstStyle/>
+          <a:p>
+            <a:pPr algn="ctr"/>
+            <a:endParaRPr kumimoji="1" lang="ko-Kore-KR" altLang="en-US" dirty="0">
+              <a:solidFill>
+                <a:schemeClr val="tx1"/>
+              </a:solidFill>
+              <a:latin typeface="DM Mono" panose="020B0509040201040103" pitchFamily="49" charset="0"/>
+            </a:endParaRPr>
+          </a:p>
+        </p:txBody>
+      </p:sp>
+      <p:sp>
+        <p:nvSpPr>
+          <p:cNvPr id="9" name="TextBox 8">
+            <a:extLst>
+              <a:ext uri="{FF2B5EF4-FFF2-40B4-BE49-F238E27FC236}">
+                <a16:creationId xmlns:a16="http://schemas.microsoft.com/office/drawing/2014/main" id="{21A94303-6DEB-249B-14B6-E01CACE75F96}"/>
+              </a:ext>
+            </a:extLst>
+          </p:cNvPr>
+          <p:cNvSpPr txBox="1"/>
+          <p:nvPr/>
+        </p:nvSpPr>
+        <p:spPr>
+          <a:xfrm>
+            <a:off x="5559821" y="1085726"/>
+            <a:ext cx="1019503" cy="369332"/>
+          </a:xfrm>
+          <a:prstGeom prst="rect">
+            <a:avLst/>
+          </a:prstGeom>
+          <a:noFill/>
+        </p:spPr>
+        <p:txBody>
+          <a:bodyPr wrap="square">
+            <a:spAutoFit/>
+          </a:bodyPr>
+          <a:lstStyle/>
+          <a:p>
+            <a:pPr algn="r"/>
+            <a:r>
+              <a:rPr lang="en-US" altLang="ko-Kore-KR" dirty="0">
+                <a:latin typeface="DM Mono" panose="020B0509040201040103" pitchFamily="49" charset="0"/>
+              </a:rPr>
+              <a:t>name</a:t>
+            </a:r>
+            <a:endParaRPr lang="ko-Kore-KR" altLang="en-US" dirty="0"/>
+          </a:p>
+        </p:txBody>
+      </p:sp>
+      <p:sp>
+        <p:nvSpPr>
+          <p:cNvPr id="3" name="직사각형 2">
+            <a:extLst>
+              <a:ext uri="{FF2B5EF4-FFF2-40B4-BE49-F238E27FC236}">
+                <a16:creationId xmlns:a16="http://schemas.microsoft.com/office/drawing/2014/main" id="{B696691E-66C2-E5A5-FC77-5DD1F01A92A3}"/>
+              </a:ext>
+            </a:extLst>
+          </p:cNvPr>
+          <p:cNvSpPr/>
+          <p:nvPr/>
+        </p:nvSpPr>
+        <p:spPr>
+          <a:xfrm>
+            <a:off x="6579324" y="1496364"/>
+            <a:ext cx="1019503" cy="451945"/>
+          </a:xfrm>
+          <a:prstGeom prst="rect">
+            <a:avLst/>
+          </a:prstGeom>
+          <a:solidFill>
+            <a:srgbClr val="FFFF00"/>
+          </a:solidFill>
+        </p:spPr>
+        <p:style>
+          <a:lnRef idx="2">
+            <a:schemeClr val="accent1">
+              <a:shade val="50000"/>
+            </a:schemeClr>
+          </a:lnRef>
+          <a:fillRef idx="1">
+            <a:schemeClr val="accent1"/>
+          </a:fillRef>
+          <a:effectRef idx="0">
+            <a:schemeClr val="accent1"/>
+          </a:effectRef>
+          <a:fontRef idx="minor">
+            <a:schemeClr val="lt1"/>
+          </a:fontRef>
+        </p:style>
+        <p:txBody>
+          <a:bodyPr rtlCol="0" anchor="ctr"/>
+          <a:lstStyle/>
+          <a:p>
+            <a:pPr algn="ctr"/>
+            <a:r>
+              <a:rPr kumimoji="1" lang="en-US" altLang="ko-Kore-KR" dirty="0">
+                <a:solidFill>
+                  <a:schemeClr val="tx1"/>
+                </a:solidFill>
+                <a:latin typeface="DM Mono" panose="020B0509040201040103" pitchFamily="49" charset="0"/>
+              </a:rPr>
+              <a:t>42</a:t>
+            </a:r>
+            <a:endParaRPr kumimoji="1" lang="ko-Kore-KR" altLang="en-US" dirty="0">
+              <a:solidFill>
+                <a:schemeClr val="tx1"/>
+              </a:solidFill>
+              <a:latin typeface="DM Mono" panose="020B0509040201040103" pitchFamily="49" charset="0"/>
+            </a:endParaRPr>
+          </a:p>
+        </p:txBody>
+      </p:sp>
+      <p:sp>
+        <p:nvSpPr>
+          <p:cNvPr id="4" name="TextBox 3">
+            <a:extLst>
+              <a:ext uri="{FF2B5EF4-FFF2-40B4-BE49-F238E27FC236}">
+                <a16:creationId xmlns:a16="http://schemas.microsoft.com/office/drawing/2014/main" id="{6780460D-4213-28A3-E2A9-497DCD9CD20B}"/>
+              </a:ext>
+            </a:extLst>
+          </p:cNvPr>
+          <p:cNvSpPr txBox="1"/>
+          <p:nvPr/>
+        </p:nvSpPr>
+        <p:spPr>
+          <a:xfrm>
+            <a:off x="5762445" y="1537670"/>
+            <a:ext cx="816879" cy="369332"/>
+          </a:xfrm>
+          <a:prstGeom prst="rect">
+            <a:avLst/>
+          </a:prstGeom>
+          <a:noFill/>
+        </p:spPr>
+        <p:txBody>
+          <a:bodyPr wrap="square">
+            <a:spAutoFit/>
+          </a:bodyPr>
+          <a:lstStyle/>
+          <a:p>
+            <a:pPr algn="r"/>
+            <a:r>
+              <a:rPr lang="en-US" altLang="ko-Kore-KR" dirty="0">
+                <a:latin typeface="DM Mono" panose="020B0509040201040103" pitchFamily="49" charset="0"/>
+              </a:rPr>
+              <a:t>age</a:t>
+            </a:r>
+            <a:endParaRPr lang="ko-Kore-KR" altLang="en-US" dirty="0"/>
+          </a:p>
+        </p:txBody>
+      </p:sp>
+      <p:sp>
+        <p:nvSpPr>
+          <p:cNvPr id="14" name="TextBox 13">
+            <a:extLst>
+              <a:ext uri="{FF2B5EF4-FFF2-40B4-BE49-F238E27FC236}">
+                <a16:creationId xmlns:a16="http://schemas.microsoft.com/office/drawing/2014/main" id="{2C906AAA-B591-9CE2-707D-564EC364CEA1}"/>
+              </a:ext>
+            </a:extLst>
+          </p:cNvPr>
+          <p:cNvSpPr txBox="1"/>
+          <p:nvPr/>
+        </p:nvSpPr>
+        <p:spPr>
+          <a:xfrm>
+            <a:off x="6316565" y="706514"/>
+            <a:ext cx="1144492" cy="369332"/>
+          </a:xfrm>
+          <a:prstGeom prst="rect">
+            <a:avLst/>
+          </a:prstGeom>
+          <a:noFill/>
+        </p:spPr>
+        <p:txBody>
+          <a:bodyPr wrap="square">
+            <a:spAutoFit/>
+          </a:bodyPr>
+          <a:lstStyle/>
+          <a:p>
+            <a:pPr algn="r"/>
+            <a:r>
+              <a:rPr lang="en-US" altLang="ko-Kore-KR" dirty="0">
+                <a:latin typeface="DM Mono" panose="020B0509040201040103" pitchFamily="49" charset="0"/>
+              </a:rPr>
+              <a:t>user1</a:t>
+            </a:r>
+            <a:endParaRPr lang="ko-Kore-KR" altLang="en-US" dirty="0"/>
+          </a:p>
+        </p:txBody>
+      </p:sp>
+      <p:sp>
+        <p:nvSpPr>
+          <p:cNvPr id="2" name="직사각형 1">
+            <a:extLst>
+              <a:ext uri="{FF2B5EF4-FFF2-40B4-BE49-F238E27FC236}">
+                <a16:creationId xmlns:a16="http://schemas.microsoft.com/office/drawing/2014/main" id="{A56DF2E7-85AA-BE31-956B-5F8B7FAAA23E}"/>
+              </a:ext>
+            </a:extLst>
+          </p:cNvPr>
+          <p:cNvSpPr/>
+          <p:nvPr/>
+        </p:nvSpPr>
+        <p:spPr>
+          <a:xfrm>
+            <a:off x="9316528" y="630975"/>
+            <a:ext cx="1919771" cy="451945"/>
+          </a:xfrm>
+          <a:prstGeom prst="rect">
+            <a:avLst/>
+          </a:prstGeom>
+          <a:solidFill>
+            <a:srgbClr val="FFFF00"/>
+          </a:solidFill>
+        </p:spPr>
+        <p:style>
+          <a:lnRef idx="2">
+            <a:schemeClr val="accent1">
+              <a:shade val="50000"/>
+            </a:schemeClr>
+          </a:lnRef>
+          <a:fillRef idx="1">
+            <a:schemeClr val="accent1"/>
+          </a:fillRef>
+          <a:effectRef idx="0">
+            <a:schemeClr val="accent1"/>
+          </a:effectRef>
+          <a:fontRef idx="minor">
+            <a:schemeClr val="lt1"/>
+          </a:fontRef>
+        </p:style>
+        <p:txBody>
+          <a:bodyPr rtlCol="0" anchor="ctr"/>
+          <a:lstStyle/>
+          <a:p>
+            <a:pPr algn="ctr"/>
+            <a:r>
+              <a:rPr kumimoji="1" lang="en-US" altLang="ko-Kore-KR" dirty="0">
+                <a:solidFill>
+                  <a:schemeClr val="tx1"/>
+                </a:solidFill>
+                <a:latin typeface="DM Mono" panose="020B0509040201040103" pitchFamily="49" charset="0"/>
+              </a:rPr>
+              <a:t>“Tom”</a:t>
+            </a:r>
+            <a:endParaRPr kumimoji="1" lang="ko-Kore-KR" altLang="en-US" dirty="0">
+              <a:solidFill>
+                <a:schemeClr val="tx1"/>
+              </a:solidFill>
+              <a:latin typeface="DM Mono" panose="020B0509040201040103" pitchFamily="49" charset="0"/>
+            </a:endParaRPr>
+          </a:p>
+        </p:txBody>
+      </p:sp>
+      <p:cxnSp>
+        <p:nvCxnSpPr>
+          <p:cNvPr id="13" name="구부러진 연결선[U] 12">
+            <a:extLst>
+              <a:ext uri="{FF2B5EF4-FFF2-40B4-BE49-F238E27FC236}">
+                <a16:creationId xmlns:a16="http://schemas.microsoft.com/office/drawing/2014/main" id="{32CC38EB-3710-5E69-2219-5D899AC66556}"/>
+              </a:ext>
+            </a:extLst>
+          </p:cNvPr>
+          <p:cNvCxnSpPr>
+            <a:stCxn id="8" idx="3"/>
+            <a:endCxn id="2" idx="1"/>
+          </p:cNvCxnSpPr>
+          <p:nvPr/>
+        </p:nvCxnSpPr>
+        <p:spPr>
+          <a:xfrm flipV="1">
+            <a:off x="7598827" y="856948"/>
+            <a:ext cx="1717701" cy="413445"/>
+          </a:xfrm>
+          <a:prstGeom prst="curvedConnector3">
+            <a:avLst/>
+          </a:prstGeom>
+          <a:ln>
+            <a:tailEnd type="triangle"/>
+          </a:ln>
+        </p:spPr>
+        <p:style>
+          <a:lnRef idx="1">
+            <a:schemeClr val="dk1"/>
+          </a:lnRef>
+          <a:fillRef idx="0">
+            <a:schemeClr val="dk1"/>
+          </a:fillRef>
+          <a:effectRef idx="0">
+            <a:schemeClr val="dk1"/>
+          </a:effectRef>
+          <a:fontRef idx="minor">
+            <a:schemeClr val="tx1"/>
+          </a:fontRef>
+        </p:style>
+      </p:cxnSp>
+    </p:spTree>
+    <p:extLst>
+      <p:ext uri="{BB962C8B-B14F-4D97-AF65-F5344CB8AC3E}">
+        <p14:creationId xmlns:p14="http://schemas.microsoft.com/office/powerpoint/2010/main" val="3174835600"/>
+      </p:ext>
+    </p:extLst>
+  </p:cSld>
+  <p:clrMapOvr>
+    <a:masterClrMapping/>
+  </p:clrMapOvr>
+</p:sld>
+</file>
+
+<file path=ppt/slides/slide16.xml><?xml version="1.0" encoding="utf-8"?>
+<p:sld xmlns:a="http://schemas.openxmlformats.org/drawingml/2006/main" xmlns:r="http://schemas.openxmlformats.org/officeDocument/2006/relationships" xmlns:p="http://schemas.openxmlformats.org/presentationml/2006/main">
+  <p:cSld>
+    <p:spTree>
+      <p:nvGrpSpPr>
+        <p:cNvPr id="1" name=""/>
+        <p:cNvGrpSpPr/>
+        <p:nvPr/>
+      </p:nvGrpSpPr>
+      <p:grpSpPr>
+        <a:xfrm>
+          <a:off x="0" y="0"/>
+          <a:ext cx="0" cy="0"/>
+          <a:chOff x="0" y="0"/>
+          <a:chExt cx="0" cy="0"/>
+        </a:xfrm>
+      </p:grpSpPr>
+      <p:sp>
+        <p:nvSpPr>
+          <p:cNvPr id="5" name="TextBox 4">
+            <a:extLst>
+              <a:ext uri="{FF2B5EF4-FFF2-40B4-BE49-F238E27FC236}">
+                <a16:creationId xmlns:a16="http://schemas.microsoft.com/office/drawing/2014/main" id="{5B87F660-B6FF-CA77-E37D-589CCC0A037D}"/>
+              </a:ext>
+            </a:extLst>
+          </p:cNvPr>
+          <p:cNvSpPr txBox="1"/>
+          <p:nvPr/>
+        </p:nvSpPr>
+        <p:spPr>
+          <a:xfrm>
+            <a:off x="641819" y="268125"/>
+            <a:ext cx="4784196" cy="5047536"/>
+          </a:xfrm>
+          <a:prstGeom prst="rect">
+            <a:avLst/>
+          </a:prstGeom>
+          <a:noFill/>
+        </p:spPr>
+        <p:txBody>
+          <a:bodyPr wrap="square">
+            <a:spAutoFit/>
+          </a:bodyPr>
+          <a:lstStyle/>
+          <a:p>
+            <a:r>
+              <a:rPr lang="en" altLang="ko-Kore-KR" sz="1400" dirty="0">
+                <a:latin typeface="DM Mono" panose="020B0509040201040103" pitchFamily="49" charset="0"/>
+              </a:rPr>
+              <a:t>class User {</a:t>
+            </a:r>
+          </a:p>
+          <a:p>
+            <a:r>
+              <a:rPr lang="en" altLang="ko-Kore-KR" sz="1400" dirty="0">
+                <a:latin typeface="DM Mono" panose="020B0509040201040103" pitchFamily="49" charset="0"/>
+              </a:rPr>
+              <a:t>    char* name;</a:t>
+            </a:r>
+          </a:p>
+          <a:p>
+            <a:r>
+              <a:rPr lang="en" altLang="ko-Kore-KR" sz="1400" dirty="0">
+                <a:latin typeface="DM Mono" panose="020B0509040201040103" pitchFamily="49" charset="0"/>
+              </a:rPr>
+              <a:t>    int age;</a:t>
+            </a:r>
+          </a:p>
+          <a:p>
+            <a:endParaRPr lang="en" altLang="ko-Kore-KR" sz="1400" dirty="0">
+              <a:latin typeface="DM Mono" panose="020B0509040201040103" pitchFamily="49" charset="0"/>
+            </a:endParaRPr>
+          </a:p>
+          <a:p>
+            <a:r>
+              <a:rPr lang="en" altLang="ko-Kore-KR" sz="1400" dirty="0">
+                <a:latin typeface="DM Mono" panose="020B0509040201040103" pitchFamily="49" charset="0"/>
+              </a:rPr>
+              <a:t>public:</a:t>
+            </a:r>
+          </a:p>
+          <a:p>
+            <a:r>
+              <a:rPr lang="en" altLang="ko-Kore-KR" sz="1400" dirty="0">
+                <a:latin typeface="DM Mono" panose="020B0509040201040103" pitchFamily="49" charset="0"/>
+              </a:rPr>
+              <a:t>    User(const char* s, int n)</a:t>
+            </a:r>
+          </a:p>
+          <a:p>
+            <a:r>
+              <a:rPr lang="en" altLang="ko-Kore-KR" sz="1400" dirty="0">
+                <a:latin typeface="DM Mono" panose="020B0509040201040103" pitchFamily="49" charset="0"/>
+              </a:rPr>
+              <a:t>        : age(n)</a:t>
+            </a:r>
+          </a:p>
+          <a:p>
+            <a:r>
+              <a:rPr lang="en" altLang="ko-Kore-KR" sz="1400" dirty="0">
+                <a:latin typeface="DM Mono" panose="020B0509040201040103" pitchFamily="49" charset="0"/>
+              </a:rPr>
+              <a:t>    {</a:t>
+            </a:r>
+          </a:p>
+          <a:p>
+            <a:r>
+              <a:rPr lang="en" altLang="ko-Kore-KR" sz="1400" dirty="0">
+                <a:latin typeface="DM Mono" panose="020B0509040201040103" pitchFamily="49" charset="0"/>
+              </a:rPr>
+              <a:t>        name = new char[</a:t>
+            </a:r>
+            <a:r>
+              <a:rPr lang="en" altLang="ko-Kore-KR" sz="1400" dirty="0" err="1">
+                <a:latin typeface="DM Mono" panose="020B0509040201040103" pitchFamily="49" charset="0"/>
+              </a:rPr>
+              <a:t>strlen</a:t>
+            </a:r>
+            <a:r>
+              <a:rPr lang="en" altLang="ko-Kore-KR" sz="1400" dirty="0">
+                <a:latin typeface="DM Mono" panose="020B0509040201040103" pitchFamily="49" charset="0"/>
+              </a:rPr>
+              <a:t>(s) + 1];</a:t>
+            </a:r>
+          </a:p>
+          <a:p>
+            <a:r>
+              <a:rPr lang="en" altLang="ko-Kore-KR" sz="1400" dirty="0">
+                <a:latin typeface="DM Mono" panose="020B0509040201040103" pitchFamily="49" charset="0"/>
+              </a:rPr>
+              <a:t>        </a:t>
+            </a:r>
+            <a:r>
+              <a:rPr lang="en" altLang="ko-Kore-KR" sz="1400" dirty="0" err="1">
+                <a:latin typeface="DM Mono" panose="020B0509040201040103" pitchFamily="49" charset="0"/>
+              </a:rPr>
+              <a:t>strcpy</a:t>
+            </a:r>
+            <a:r>
+              <a:rPr lang="en" altLang="ko-Kore-KR" sz="1400" dirty="0">
+                <a:latin typeface="DM Mono" panose="020B0509040201040103" pitchFamily="49" charset="0"/>
+              </a:rPr>
+              <a:t>(name, s);</a:t>
+            </a:r>
+          </a:p>
+          <a:p>
+            <a:r>
+              <a:rPr lang="en" altLang="ko-Kore-KR" sz="1400" dirty="0">
+                <a:latin typeface="DM Mono" panose="020B0509040201040103" pitchFamily="49" charset="0"/>
+              </a:rPr>
+              <a:t>    }</a:t>
+            </a:r>
+          </a:p>
+          <a:p>
+            <a:endParaRPr lang="en" altLang="ko-Kore-KR" sz="1400" dirty="0">
+              <a:latin typeface="DM Mono" panose="020B0509040201040103" pitchFamily="49" charset="0"/>
+            </a:endParaRPr>
+          </a:p>
+          <a:p>
+            <a:r>
+              <a:rPr lang="en" altLang="ko-Kore-KR" sz="1400" dirty="0">
+                <a:latin typeface="DM Mono" panose="020B0509040201040103" pitchFamily="49" charset="0"/>
+              </a:rPr>
+              <a:t>    ~User()</a:t>
+            </a:r>
+          </a:p>
+          <a:p>
+            <a:r>
+              <a:rPr lang="en" altLang="ko-Kore-KR" sz="1400" dirty="0">
+                <a:latin typeface="DM Mono" panose="020B0509040201040103" pitchFamily="49" charset="0"/>
+              </a:rPr>
+              <a:t>    {</a:t>
+            </a:r>
+          </a:p>
+          <a:p>
+            <a:r>
+              <a:rPr lang="en" altLang="ko-Kore-KR" sz="1400" dirty="0">
+                <a:latin typeface="DM Mono" panose="020B0509040201040103" pitchFamily="49" charset="0"/>
+              </a:rPr>
+              <a:t>        delete[] name;</a:t>
+            </a:r>
+          </a:p>
+          <a:p>
+            <a:r>
+              <a:rPr lang="en" altLang="ko-Kore-KR" sz="1400" dirty="0">
+                <a:latin typeface="DM Mono" panose="020B0509040201040103" pitchFamily="49" charset="0"/>
+              </a:rPr>
+              <a:t>    }</a:t>
+            </a:r>
+          </a:p>
+          <a:p>
+            <a:r>
+              <a:rPr lang="en" altLang="ko-Kore-KR" sz="1400" dirty="0">
+                <a:latin typeface="DM Mono" panose="020B0509040201040103" pitchFamily="49" charset="0"/>
+              </a:rPr>
+              <a:t>};</a:t>
+            </a:r>
+          </a:p>
+          <a:p>
+            <a:endParaRPr lang="en" altLang="ko-Kore-KR" sz="1400" dirty="0">
+              <a:latin typeface="DM Mono" panose="020B0509040201040103" pitchFamily="49" charset="0"/>
+            </a:endParaRPr>
+          </a:p>
+          <a:p>
+            <a:r>
+              <a:rPr lang="en" altLang="ko-Kore-KR" sz="1400" dirty="0">
+                <a:latin typeface="DM Mono" panose="020B0509040201040103" pitchFamily="49" charset="0"/>
+              </a:rPr>
+              <a:t>int main()</a:t>
+            </a:r>
+          </a:p>
+          <a:p>
+            <a:r>
+              <a:rPr lang="en" altLang="ko-Kore-KR" sz="1400" dirty="0">
+                <a:latin typeface="DM Mono" panose="020B0509040201040103" pitchFamily="49" charset="0"/>
+              </a:rPr>
+              <a:t>{</a:t>
+            </a:r>
+          </a:p>
+          <a:p>
+            <a:r>
+              <a:rPr lang="en" altLang="ko-Kore-KR" sz="1400" dirty="0">
+                <a:latin typeface="DM Mono" panose="020B0509040201040103" pitchFamily="49" charset="0"/>
+              </a:rPr>
+              <a:t>    User user1("Tom", 42);</a:t>
+            </a:r>
+          </a:p>
+          <a:p>
+            <a:r>
+              <a:rPr lang="en" altLang="ko-Kore-KR" sz="1400" dirty="0">
+                <a:solidFill>
+                  <a:srgbClr val="FF0000"/>
+                </a:solidFill>
+                <a:latin typeface="DM Mono" panose="020B0509040201040103" pitchFamily="49" charset="0"/>
+              </a:rPr>
+              <a:t>    User user2 = user1;</a:t>
+            </a:r>
+          </a:p>
+          <a:p>
+            <a:r>
+              <a:rPr lang="en" altLang="ko-Kore-KR" sz="1400" dirty="0">
+                <a:latin typeface="DM Mono" panose="020B0509040201040103" pitchFamily="49" charset="0"/>
+              </a:rPr>
+              <a:t>}</a:t>
+            </a:r>
+            <a:endParaRPr lang="ko-Kore-KR" altLang="en-US" sz="1400" dirty="0">
+              <a:latin typeface="DM Mono" panose="020B0509040201040103" pitchFamily="49" charset="0"/>
+            </a:endParaRPr>
+          </a:p>
+        </p:txBody>
+      </p:sp>
+      <p:sp>
+        <p:nvSpPr>
+          <p:cNvPr id="8" name="직사각형 7">
+            <a:extLst>
+              <a:ext uri="{FF2B5EF4-FFF2-40B4-BE49-F238E27FC236}">
+                <a16:creationId xmlns:a16="http://schemas.microsoft.com/office/drawing/2014/main" id="{53C7E6E1-EDB4-B801-05E3-E15014B4BE3B}"/>
+              </a:ext>
+            </a:extLst>
+          </p:cNvPr>
+          <p:cNvSpPr/>
+          <p:nvPr/>
+        </p:nvSpPr>
+        <p:spPr>
+          <a:xfrm>
+            <a:off x="6579324" y="1044420"/>
+            <a:ext cx="1019503" cy="451945"/>
+          </a:xfrm>
+          <a:prstGeom prst="rect">
+            <a:avLst/>
+          </a:prstGeom>
+          <a:solidFill>
+            <a:srgbClr val="FFFF00"/>
+          </a:solidFill>
+        </p:spPr>
+        <p:style>
+          <a:lnRef idx="2">
+            <a:schemeClr val="accent1">
+              <a:shade val="50000"/>
+            </a:schemeClr>
+          </a:lnRef>
+          <a:fillRef idx="1">
+            <a:schemeClr val="accent1"/>
+          </a:fillRef>
+          <a:effectRef idx="0">
+            <a:schemeClr val="accent1"/>
+          </a:effectRef>
+          <a:fontRef idx="minor">
+            <a:schemeClr val="lt1"/>
+          </a:fontRef>
+        </p:style>
+        <p:txBody>
+          <a:bodyPr rtlCol="0" anchor="ctr"/>
+          <a:lstStyle/>
+          <a:p>
+            <a:pPr algn="ctr"/>
+            <a:endParaRPr kumimoji="1" lang="ko-Kore-KR" altLang="en-US" dirty="0">
+              <a:solidFill>
+                <a:schemeClr val="tx1"/>
+              </a:solidFill>
+              <a:latin typeface="DM Mono" panose="020B0509040201040103" pitchFamily="49" charset="0"/>
+            </a:endParaRPr>
+          </a:p>
+        </p:txBody>
+      </p:sp>
+      <p:sp>
+        <p:nvSpPr>
+          <p:cNvPr id="9" name="TextBox 8">
+            <a:extLst>
+              <a:ext uri="{FF2B5EF4-FFF2-40B4-BE49-F238E27FC236}">
+                <a16:creationId xmlns:a16="http://schemas.microsoft.com/office/drawing/2014/main" id="{21A94303-6DEB-249B-14B6-E01CACE75F96}"/>
+              </a:ext>
+            </a:extLst>
+          </p:cNvPr>
+          <p:cNvSpPr txBox="1"/>
+          <p:nvPr/>
+        </p:nvSpPr>
+        <p:spPr>
+          <a:xfrm>
+            <a:off x="5559821" y="1085726"/>
+            <a:ext cx="1019503" cy="369332"/>
+          </a:xfrm>
+          <a:prstGeom prst="rect">
+            <a:avLst/>
+          </a:prstGeom>
+          <a:noFill/>
+        </p:spPr>
+        <p:txBody>
+          <a:bodyPr wrap="square">
+            <a:spAutoFit/>
+          </a:bodyPr>
+          <a:lstStyle/>
+          <a:p>
+            <a:pPr algn="r"/>
+            <a:r>
+              <a:rPr lang="en-US" altLang="ko-Kore-KR" dirty="0">
+                <a:latin typeface="DM Mono" panose="020B0509040201040103" pitchFamily="49" charset="0"/>
+              </a:rPr>
+              <a:t>name</a:t>
+            </a:r>
+            <a:endParaRPr lang="ko-Kore-KR" altLang="en-US" dirty="0"/>
+          </a:p>
+        </p:txBody>
+      </p:sp>
+      <p:sp>
+        <p:nvSpPr>
+          <p:cNvPr id="3" name="직사각형 2">
+            <a:extLst>
+              <a:ext uri="{FF2B5EF4-FFF2-40B4-BE49-F238E27FC236}">
+                <a16:creationId xmlns:a16="http://schemas.microsoft.com/office/drawing/2014/main" id="{B696691E-66C2-E5A5-FC77-5DD1F01A92A3}"/>
+              </a:ext>
+            </a:extLst>
+          </p:cNvPr>
+          <p:cNvSpPr/>
+          <p:nvPr/>
+        </p:nvSpPr>
+        <p:spPr>
+          <a:xfrm>
+            <a:off x="6579324" y="1496364"/>
+            <a:ext cx="1019503" cy="451945"/>
+          </a:xfrm>
+          <a:prstGeom prst="rect">
+            <a:avLst/>
+          </a:prstGeom>
+          <a:solidFill>
+            <a:srgbClr val="FFFF00"/>
+          </a:solidFill>
+        </p:spPr>
+        <p:style>
+          <a:lnRef idx="2">
+            <a:schemeClr val="accent1">
+              <a:shade val="50000"/>
+            </a:schemeClr>
+          </a:lnRef>
+          <a:fillRef idx="1">
+            <a:schemeClr val="accent1"/>
+          </a:fillRef>
+          <a:effectRef idx="0">
+            <a:schemeClr val="accent1"/>
+          </a:effectRef>
+          <a:fontRef idx="minor">
+            <a:schemeClr val="lt1"/>
+          </a:fontRef>
+        </p:style>
+        <p:txBody>
+          <a:bodyPr rtlCol="0" anchor="ctr"/>
+          <a:lstStyle/>
+          <a:p>
+            <a:pPr algn="ctr"/>
+            <a:r>
+              <a:rPr kumimoji="1" lang="en-US" altLang="ko-Kore-KR" dirty="0">
+                <a:solidFill>
+                  <a:schemeClr val="tx1"/>
+                </a:solidFill>
+                <a:latin typeface="DM Mono" panose="020B0509040201040103" pitchFamily="49" charset="0"/>
+              </a:rPr>
+              <a:t>42</a:t>
+            </a:r>
+            <a:endParaRPr kumimoji="1" lang="ko-Kore-KR" altLang="en-US" dirty="0">
+              <a:solidFill>
+                <a:schemeClr val="tx1"/>
+              </a:solidFill>
+              <a:latin typeface="DM Mono" panose="020B0509040201040103" pitchFamily="49" charset="0"/>
+            </a:endParaRPr>
+          </a:p>
+        </p:txBody>
+      </p:sp>
+      <p:sp>
+        <p:nvSpPr>
+          <p:cNvPr id="4" name="TextBox 3">
+            <a:extLst>
+              <a:ext uri="{FF2B5EF4-FFF2-40B4-BE49-F238E27FC236}">
+                <a16:creationId xmlns:a16="http://schemas.microsoft.com/office/drawing/2014/main" id="{6780460D-4213-28A3-E2A9-497DCD9CD20B}"/>
+              </a:ext>
+            </a:extLst>
+          </p:cNvPr>
+          <p:cNvSpPr txBox="1"/>
+          <p:nvPr/>
+        </p:nvSpPr>
+        <p:spPr>
+          <a:xfrm>
+            <a:off x="5762445" y="1537670"/>
+            <a:ext cx="816879" cy="369332"/>
+          </a:xfrm>
+          <a:prstGeom prst="rect">
+            <a:avLst/>
+          </a:prstGeom>
+          <a:noFill/>
+        </p:spPr>
+        <p:txBody>
+          <a:bodyPr wrap="square">
+            <a:spAutoFit/>
+          </a:bodyPr>
+          <a:lstStyle/>
+          <a:p>
+            <a:pPr algn="r"/>
+            <a:r>
+              <a:rPr lang="en-US" altLang="ko-Kore-KR" dirty="0">
+                <a:latin typeface="DM Mono" panose="020B0509040201040103" pitchFamily="49" charset="0"/>
+              </a:rPr>
+              <a:t>age</a:t>
+            </a:r>
+            <a:endParaRPr lang="ko-Kore-KR" altLang="en-US" dirty="0"/>
+          </a:p>
+        </p:txBody>
+      </p:sp>
+      <p:sp>
+        <p:nvSpPr>
+          <p:cNvPr id="14" name="TextBox 13">
+            <a:extLst>
+              <a:ext uri="{FF2B5EF4-FFF2-40B4-BE49-F238E27FC236}">
+                <a16:creationId xmlns:a16="http://schemas.microsoft.com/office/drawing/2014/main" id="{2C906AAA-B591-9CE2-707D-564EC364CEA1}"/>
+              </a:ext>
+            </a:extLst>
+          </p:cNvPr>
+          <p:cNvSpPr txBox="1"/>
+          <p:nvPr/>
+        </p:nvSpPr>
+        <p:spPr>
+          <a:xfrm>
+            <a:off x="6316565" y="706514"/>
+            <a:ext cx="1144492" cy="369332"/>
+          </a:xfrm>
+          <a:prstGeom prst="rect">
+            <a:avLst/>
+          </a:prstGeom>
+          <a:noFill/>
+        </p:spPr>
+        <p:txBody>
+          <a:bodyPr wrap="square">
+            <a:spAutoFit/>
+          </a:bodyPr>
+          <a:lstStyle/>
+          <a:p>
+            <a:pPr algn="r"/>
+            <a:r>
+              <a:rPr lang="en-US" altLang="ko-Kore-KR" dirty="0">
+                <a:latin typeface="DM Mono" panose="020B0509040201040103" pitchFamily="49" charset="0"/>
+              </a:rPr>
+              <a:t>user1</a:t>
+            </a:r>
+            <a:endParaRPr lang="ko-Kore-KR" altLang="en-US" dirty="0"/>
+          </a:p>
+        </p:txBody>
+      </p:sp>
+      <p:sp>
+        <p:nvSpPr>
+          <p:cNvPr id="2" name="직사각형 1">
+            <a:extLst>
+              <a:ext uri="{FF2B5EF4-FFF2-40B4-BE49-F238E27FC236}">
+                <a16:creationId xmlns:a16="http://schemas.microsoft.com/office/drawing/2014/main" id="{A56DF2E7-85AA-BE31-956B-5F8B7FAAA23E}"/>
+              </a:ext>
+            </a:extLst>
+          </p:cNvPr>
+          <p:cNvSpPr/>
+          <p:nvPr/>
+        </p:nvSpPr>
+        <p:spPr>
+          <a:xfrm>
+            <a:off x="9316528" y="630975"/>
+            <a:ext cx="1919771" cy="451945"/>
+          </a:xfrm>
+          <a:prstGeom prst="rect">
+            <a:avLst/>
+          </a:prstGeom>
+          <a:solidFill>
+            <a:srgbClr val="FFFF00"/>
+          </a:solidFill>
+        </p:spPr>
+        <p:style>
+          <a:lnRef idx="2">
+            <a:schemeClr val="accent1">
+              <a:shade val="50000"/>
+            </a:schemeClr>
+          </a:lnRef>
+          <a:fillRef idx="1">
+            <a:schemeClr val="accent1"/>
+          </a:fillRef>
+          <a:effectRef idx="0">
+            <a:schemeClr val="accent1"/>
+          </a:effectRef>
+          <a:fontRef idx="minor">
+            <a:schemeClr val="lt1"/>
+          </a:fontRef>
+        </p:style>
+        <p:txBody>
+          <a:bodyPr rtlCol="0" anchor="ctr"/>
+          <a:lstStyle/>
+          <a:p>
+            <a:pPr algn="ctr"/>
+            <a:r>
+              <a:rPr kumimoji="1" lang="en-US" altLang="ko-Kore-KR" dirty="0">
+                <a:solidFill>
+                  <a:schemeClr val="tx1"/>
+                </a:solidFill>
+                <a:latin typeface="DM Mono" panose="020B0509040201040103" pitchFamily="49" charset="0"/>
+              </a:rPr>
+              <a:t>“Tom”</a:t>
+            </a:r>
+            <a:endParaRPr kumimoji="1" lang="ko-Kore-KR" altLang="en-US" dirty="0">
+              <a:solidFill>
+                <a:schemeClr val="tx1"/>
+              </a:solidFill>
+              <a:latin typeface="DM Mono" panose="020B0509040201040103" pitchFamily="49" charset="0"/>
+            </a:endParaRPr>
+          </a:p>
+        </p:txBody>
+      </p:sp>
+      <p:cxnSp>
+        <p:nvCxnSpPr>
+          <p:cNvPr id="13" name="구부러진 연결선[U] 12">
+            <a:extLst>
+              <a:ext uri="{FF2B5EF4-FFF2-40B4-BE49-F238E27FC236}">
+                <a16:creationId xmlns:a16="http://schemas.microsoft.com/office/drawing/2014/main" id="{32CC38EB-3710-5E69-2219-5D899AC66556}"/>
+              </a:ext>
+            </a:extLst>
+          </p:cNvPr>
+          <p:cNvCxnSpPr>
+            <a:stCxn id="8" idx="3"/>
+            <a:endCxn id="2" idx="1"/>
+          </p:cNvCxnSpPr>
+          <p:nvPr/>
+        </p:nvCxnSpPr>
+        <p:spPr>
+          <a:xfrm flipV="1">
+            <a:off x="7598827" y="856948"/>
+            <a:ext cx="1717701" cy="413445"/>
+          </a:xfrm>
+          <a:prstGeom prst="curvedConnector3">
+            <a:avLst/>
+          </a:prstGeom>
+          <a:ln>
+            <a:tailEnd type="triangle"/>
+          </a:ln>
+        </p:spPr>
+        <p:style>
+          <a:lnRef idx="1">
+            <a:schemeClr val="dk1"/>
+          </a:lnRef>
+          <a:fillRef idx="0">
+            <a:schemeClr val="dk1"/>
+          </a:fillRef>
+          <a:effectRef idx="0">
+            <a:schemeClr val="dk1"/>
+          </a:effectRef>
+          <a:fontRef idx="minor">
+            <a:schemeClr val="tx1"/>
+          </a:fontRef>
+        </p:style>
+      </p:cxnSp>
+      <p:sp>
+        <p:nvSpPr>
+          <p:cNvPr id="6" name="직사각형 5">
+            <a:extLst>
+              <a:ext uri="{FF2B5EF4-FFF2-40B4-BE49-F238E27FC236}">
+                <a16:creationId xmlns:a16="http://schemas.microsoft.com/office/drawing/2014/main" id="{84AE2169-F1BD-F017-AAA4-FFBD4F52001D}"/>
+              </a:ext>
+            </a:extLst>
+          </p:cNvPr>
+          <p:cNvSpPr/>
+          <p:nvPr/>
+        </p:nvSpPr>
+        <p:spPr>
+          <a:xfrm>
+            <a:off x="6587158" y="2977055"/>
+            <a:ext cx="1019503" cy="451945"/>
+          </a:xfrm>
+          <a:prstGeom prst="rect">
+            <a:avLst/>
+          </a:prstGeom>
+          <a:solidFill>
+            <a:srgbClr val="FFFF00"/>
+          </a:solidFill>
+        </p:spPr>
+        <p:style>
+          <a:lnRef idx="2">
+            <a:schemeClr val="accent1">
+              <a:shade val="50000"/>
+            </a:schemeClr>
+          </a:lnRef>
+          <a:fillRef idx="1">
+            <a:schemeClr val="accent1"/>
+          </a:fillRef>
+          <a:effectRef idx="0">
+            <a:schemeClr val="accent1"/>
+          </a:effectRef>
+          <a:fontRef idx="minor">
+            <a:schemeClr val="lt1"/>
+          </a:fontRef>
+        </p:style>
+        <p:txBody>
+          <a:bodyPr rtlCol="0" anchor="ctr"/>
+          <a:lstStyle/>
+          <a:p>
+            <a:pPr algn="ctr"/>
+            <a:endParaRPr kumimoji="1" lang="ko-Kore-KR" altLang="en-US" dirty="0">
+              <a:solidFill>
+                <a:schemeClr val="tx1"/>
+              </a:solidFill>
+              <a:latin typeface="DM Mono" panose="020B0509040201040103" pitchFamily="49" charset="0"/>
+            </a:endParaRPr>
+          </a:p>
+        </p:txBody>
+      </p:sp>
+      <p:sp>
+        <p:nvSpPr>
+          <p:cNvPr id="7" name="TextBox 6">
+            <a:extLst>
+              <a:ext uri="{FF2B5EF4-FFF2-40B4-BE49-F238E27FC236}">
+                <a16:creationId xmlns:a16="http://schemas.microsoft.com/office/drawing/2014/main" id="{7458A979-CD7F-7746-7253-2AB8FF1C1422}"/>
+              </a:ext>
+            </a:extLst>
+          </p:cNvPr>
+          <p:cNvSpPr txBox="1"/>
+          <p:nvPr/>
+        </p:nvSpPr>
+        <p:spPr>
+          <a:xfrm>
+            <a:off x="5567655" y="3018361"/>
+            <a:ext cx="1019503" cy="369332"/>
+          </a:xfrm>
+          <a:prstGeom prst="rect">
+            <a:avLst/>
+          </a:prstGeom>
+          <a:noFill/>
+        </p:spPr>
+        <p:txBody>
+          <a:bodyPr wrap="square">
+            <a:spAutoFit/>
+          </a:bodyPr>
+          <a:lstStyle/>
+          <a:p>
+            <a:pPr algn="r"/>
+            <a:r>
+              <a:rPr lang="en-US" altLang="ko-Kore-KR" dirty="0">
+                <a:latin typeface="DM Mono" panose="020B0509040201040103" pitchFamily="49" charset="0"/>
+              </a:rPr>
+              <a:t>name</a:t>
+            </a:r>
+            <a:endParaRPr lang="ko-Kore-KR" altLang="en-US" dirty="0"/>
+          </a:p>
+        </p:txBody>
+      </p:sp>
+      <p:sp>
+        <p:nvSpPr>
+          <p:cNvPr id="10" name="직사각형 9">
+            <a:extLst>
+              <a:ext uri="{FF2B5EF4-FFF2-40B4-BE49-F238E27FC236}">
+                <a16:creationId xmlns:a16="http://schemas.microsoft.com/office/drawing/2014/main" id="{10C34CF7-A43E-AEDA-DA7C-1F5E50AA1841}"/>
+              </a:ext>
+            </a:extLst>
+          </p:cNvPr>
+          <p:cNvSpPr/>
+          <p:nvPr/>
+        </p:nvSpPr>
+        <p:spPr>
+          <a:xfrm>
+            <a:off x="6587158" y="3428999"/>
+            <a:ext cx="1019503" cy="451945"/>
+          </a:xfrm>
+          <a:prstGeom prst="rect">
+            <a:avLst/>
+          </a:prstGeom>
+          <a:solidFill>
+            <a:srgbClr val="FFFF00"/>
+          </a:solidFill>
+        </p:spPr>
+        <p:style>
+          <a:lnRef idx="2">
+            <a:schemeClr val="accent1">
+              <a:shade val="50000"/>
+            </a:schemeClr>
+          </a:lnRef>
+          <a:fillRef idx="1">
+            <a:schemeClr val="accent1"/>
+          </a:fillRef>
+          <a:effectRef idx="0">
+            <a:schemeClr val="accent1"/>
+          </a:effectRef>
+          <a:fontRef idx="minor">
+            <a:schemeClr val="lt1"/>
+          </a:fontRef>
+        </p:style>
+        <p:txBody>
+          <a:bodyPr rtlCol="0" anchor="ctr"/>
+          <a:lstStyle/>
+          <a:p>
+            <a:pPr algn="ctr"/>
+            <a:r>
+              <a:rPr kumimoji="1" lang="en-US" altLang="ko-Kore-KR" dirty="0">
+                <a:solidFill>
+                  <a:schemeClr val="tx1"/>
+                </a:solidFill>
+                <a:latin typeface="DM Mono" panose="020B0509040201040103" pitchFamily="49" charset="0"/>
+              </a:rPr>
+              <a:t>42</a:t>
+            </a:r>
+            <a:endParaRPr kumimoji="1" lang="ko-Kore-KR" altLang="en-US" dirty="0">
+              <a:solidFill>
+                <a:schemeClr val="tx1"/>
+              </a:solidFill>
+              <a:latin typeface="DM Mono" panose="020B0509040201040103" pitchFamily="49" charset="0"/>
+            </a:endParaRPr>
+          </a:p>
+        </p:txBody>
+      </p:sp>
+      <p:sp>
+        <p:nvSpPr>
+          <p:cNvPr id="11" name="TextBox 10">
+            <a:extLst>
+              <a:ext uri="{FF2B5EF4-FFF2-40B4-BE49-F238E27FC236}">
+                <a16:creationId xmlns:a16="http://schemas.microsoft.com/office/drawing/2014/main" id="{6BFC44D0-4E9C-7FF2-11A7-A958506B35F4}"/>
+              </a:ext>
+            </a:extLst>
+          </p:cNvPr>
+          <p:cNvSpPr txBox="1"/>
+          <p:nvPr/>
+        </p:nvSpPr>
+        <p:spPr>
+          <a:xfrm>
+            <a:off x="5770279" y="3470305"/>
+            <a:ext cx="816879" cy="369332"/>
+          </a:xfrm>
+          <a:prstGeom prst="rect">
+            <a:avLst/>
+          </a:prstGeom>
+          <a:noFill/>
+        </p:spPr>
+        <p:txBody>
+          <a:bodyPr wrap="square">
+            <a:spAutoFit/>
+          </a:bodyPr>
+          <a:lstStyle/>
+          <a:p>
+            <a:pPr algn="r"/>
+            <a:r>
+              <a:rPr lang="en-US" altLang="ko-Kore-KR" dirty="0">
+                <a:latin typeface="DM Mono" panose="020B0509040201040103" pitchFamily="49" charset="0"/>
+              </a:rPr>
+              <a:t>age</a:t>
+            </a:r>
+            <a:endParaRPr lang="ko-Kore-KR" altLang="en-US" dirty="0"/>
+          </a:p>
+        </p:txBody>
+      </p:sp>
+      <p:sp>
+        <p:nvSpPr>
+          <p:cNvPr id="12" name="TextBox 11">
+            <a:extLst>
+              <a:ext uri="{FF2B5EF4-FFF2-40B4-BE49-F238E27FC236}">
+                <a16:creationId xmlns:a16="http://schemas.microsoft.com/office/drawing/2014/main" id="{0F8B6AC2-5F8F-D626-1232-86AB8E1F9D69}"/>
+              </a:ext>
+            </a:extLst>
+          </p:cNvPr>
+          <p:cNvSpPr txBox="1"/>
+          <p:nvPr/>
+        </p:nvSpPr>
+        <p:spPr>
+          <a:xfrm>
+            <a:off x="6324399" y="2639149"/>
+            <a:ext cx="1144492" cy="369332"/>
+          </a:xfrm>
+          <a:prstGeom prst="rect">
+            <a:avLst/>
+          </a:prstGeom>
+          <a:noFill/>
+        </p:spPr>
+        <p:txBody>
+          <a:bodyPr wrap="square">
+            <a:spAutoFit/>
+          </a:bodyPr>
+          <a:lstStyle/>
+          <a:p>
+            <a:pPr algn="r"/>
+            <a:r>
+              <a:rPr lang="en-US" altLang="ko-Kore-KR" dirty="0">
+                <a:latin typeface="DM Mono" panose="020B0509040201040103" pitchFamily="49" charset="0"/>
+              </a:rPr>
+              <a:t>user2</a:t>
+            </a:r>
+            <a:endParaRPr lang="ko-Kore-KR" altLang="en-US" dirty="0"/>
+          </a:p>
+        </p:txBody>
+      </p:sp>
+      <p:cxnSp>
+        <p:nvCxnSpPr>
+          <p:cNvPr id="15" name="구부러진 연결선[U] 14">
+            <a:extLst>
+              <a:ext uri="{FF2B5EF4-FFF2-40B4-BE49-F238E27FC236}">
+                <a16:creationId xmlns:a16="http://schemas.microsoft.com/office/drawing/2014/main" id="{41215EF4-22F3-1D34-2AD8-4E31DC29D2ED}"/>
+              </a:ext>
+            </a:extLst>
+          </p:cNvPr>
+          <p:cNvCxnSpPr>
+            <a:cxnSpLocks/>
+            <a:stCxn id="6" idx="3"/>
+            <a:endCxn id="2" idx="1"/>
+          </p:cNvCxnSpPr>
+          <p:nvPr/>
+        </p:nvCxnSpPr>
+        <p:spPr>
+          <a:xfrm flipV="1">
+            <a:off x="7606661" y="856948"/>
+            <a:ext cx="1709867" cy="2346080"/>
+          </a:xfrm>
+          <a:prstGeom prst="curvedConnector3">
+            <a:avLst>
+              <a:gd name="adj1" fmla="val 50000"/>
+            </a:avLst>
+          </a:prstGeom>
+          <a:ln>
+            <a:tailEnd type="triangle"/>
+          </a:ln>
+        </p:spPr>
+        <p:style>
+          <a:lnRef idx="1">
+            <a:schemeClr val="dk1"/>
+          </a:lnRef>
+          <a:fillRef idx="0">
+            <a:schemeClr val="dk1"/>
+          </a:fillRef>
+          <a:effectRef idx="0">
+            <a:schemeClr val="dk1"/>
+          </a:effectRef>
+          <a:fontRef idx="minor">
+            <a:schemeClr val="tx1"/>
+          </a:fontRef>
+        </p:style>
+      </p:cxnSp>
+    </p:spTree>
+    <p:extLst>
+      <p:ext uri="{BB962C8B-B14F-4D97-AF65-F5344CB8AC3E}">
+        <p14:creationId xmlns:p14="http://schemas.microsoft.com/office/powerpoint/2010/main" val="491632735"/>
+      </p:ext>
+    </p:extLst>
+  </p:cSld>
+  <p:clrMapOvr>
+    <a:masterClrMapping/>
+  </p:clrMapOvr>
+</p:sld>
+</file>
+
+<file path=ppt/slides/slide17.xml><?xml version="1.0" encoding="utf-8"?>
+<p:sld xmlns:a="http://schemas.openxmlformats.org/drawingml/2006/main" xmlns:r="http://schemas.openxmlformats.org/officeDocument/2006/relationships" xmlns:p="http://schemas.openxmlformats.org/presentationml/2006/main">
+  <p:cSld>
+    <p:spTree>
+      <p:nvGrpSpPr>
+        <p:cNvPr id="1" name=""/>
+        <p:cNvGrpSpPr/>
+        <p:nvPr/>
+      </p:nvGrpSpPr>
+      <p:grpSpPr>
+        <a:xfrm>
+          <a:off x="0" y="0"/>
+          <a:ext cx="0" cy="0"/>
+          <a:chOff x="0" y="0"/>
+          <a:chExt cx="0" cy="0"/>
+        </a:xfrm>
+      </p:grpSpPr>
+      <p:sp>
+        <p:nvSpPr>
+          <p:cNvPr id="5" name="TextBox 4">
+            <a:extLst>
+              <a:ext uri="{FF2B5EF4-FFF2-40B4-BE49-F238E27FC236}">
+                <a16:creationId xmlns:a16="http://schemas.microsoft.com/office/drawing/2014/main" id="{5B87F660-B6FF-CA77-E37D-589CCC0A037D}"/>
+              </a:ext>
+            </a:extLst>
+          </p:cNvPr>
+          <p:cNvSpPr txBox="1"/>
+          <p:nvPr/>
+        </p:nvSpPr>
+        <p:spPr>
+          <a:xfrm>
+            <a:off x="641819" y="268125"/>
+            <a:ext cx="4784196" cy="5047536"/>
+          </a:xfrm>
+          <a:prstGeom prst="rect">
+            <a:avLst/>
+          </a:prstGeom>
+          <a:noFill/>
+        </p:spPr>
+        <p:txBody>
+          <a:bodyPr wrap="square">
+            <a:spAutoFit/>
+          </a:bodyPr>
+          <a:lstStyle/>
+          <a:p>
+            <a:r>
+              <a:rPr lang="en" altLang="ko-Kore-KR" sz="1400" dirty="0">
+                <a:latin typeface="DM Mono" panose="020B0509040201040103" pitchFamily="49" charset="0"/>
+              </a:rPr>
+              <a:t>class User {</a:t>
+            </a:r>
+          </a:p>
+          <a:p>
+            <a:r>
+              <a:rPr lang="en" altLang="ko-Kore-KR" sz="1400" dirty="0">
+                <a:latin typeface="DM Mono" panose="020B0509040201040103" pitchFamily="49" charset="0"/>
+              </a:rPr>
+              <a:t>    char* name;</a:t>
+            </a:r>
+          </a:p>
+          <a:p>
+            <a:r>
+              <a:rPr lang="en" altLang="ko-Kore-KR" sz="1400" dirty="0">
+                <a:latin typeface="DM Mono" panose="020B0509040201040103" pitchFamily="49" charset="0"/>
+              </a:rPr>
+              <a:t>    int age;</a:t>
+            </a:r>
+          </a:p>
+          <a:p>
+            <a:endParaRPr lang="en" altLang="ko-Kore-KR" sz="1400" dirty="0">
+              <a:latin typeface="DM Mono" panose="020B0509040201040103" pitchFamily="49" charset="0"/>
+            </a:endParaRPr>
+          </a:p>
+          <a:p>
+            <a:r>
+              <a:rPr lang="en" altLang="ko-Kore-KR" sz="1400" dirty="0">
+                <a:latin typeface="DM Mono" panose="020B0509040201040103" pitchFamily="49" charset="0"/>
+              </a:rPr>
+              <a:t>public:</a:t>
+            </a:r>
+          </a:p>
+          <a:p>
+            <a:r>
+              <a:rPr lang="en" altLang="ko-Kore-KR" sz="1400" dirty="0">
+                <a:latin typeface="DM Mono" panose="020B0509040201040103" pitchFamily="49" charset="0"/>
+              </a:rPr>
+              <a:t>    User(const char* s, int n)</a:t>
+            </a:r>
+          </a:p>
+          <a:p>
+            <a:r>
+              <a:rPr lang="en" altLang="ko-Kore-KR" sz="1400" dirty="0">
+                <a:latin typeface="DM Mono" panose="020B0509040201040103" pitchFamily="49" charset="0"/>
+              </a:rPr>
+              <a:t>        : age(n)</a:t>
+            </a:r>
+          </a:p>
+          <a:p>
+            <a:r>
+              <a:rPr lang="en" altLang="ko-Kore-KR" sz="1400" dirty="0">
+                <a:latin typeface="DM Mono" panose="020B0509040201040103" pitchFamily="49" charset="0"/>
+              </a:rPr>
+              <a:t>    {</a:t>
+            </a:r>
+          </a:p>
+          <a:p>
+            <a:r>
+              <a:rPr lang="en" altLang="ko-Kore-KR" sz="1400" dirty="0">
+                <a:latin typeface="DM Mono" panose="020B0509040201040103" pitchFamily="49" charset="0"/>
+              </a:rPr>
+              <a:t>        name = new char[</a:t>
+            </a:r>
+            <a:r>
+              <a:rPr lang="en" altLang="ko-Kore-KR" sz="1400" dirty="0" err="1">
+                <a:latin typeface="DM Mono" panose="020B0509040201040103" pitchFamily="49" charset="0"/>
+              </a:rPr>
+              <a:t>strlen</a:t>
+            </a:r>
+            <a:r>
+              <a:rPr lang="en" altLang="ko-Kore-KR" sz="1400" dirty="0">
+                <a:latin typeface="DM Mono" panose="020B0509040201040103" pitchFamily="49" charset="0"/>
+              </a:rPr>
+              <a:t>(s) + 1];</a:t>
+            </a:r>
+          </a:p>
+          <a:p>
+            <a:r>
+              <a:rPr lang="en" altLang="ko-Kore-KR" sz="1400" dirty="0">
+                <a:latin typeface="DM Mono" panose="020B0509040201040103" pitchFamily="49" charset="0"/>
+              </a:rPr>
+              <a:t>        </a:t>
+            </a:r>
+            <a:r>
+              <a:rPr lang="en" altLang="ko-Kore-KR" sz="1400" dirty="0" err="1">
+                <a:latin typeface="DM Mono" panose="020B0509040201040103" pitchFamily="49" charset="0"/>
+              </a:rPr>
+              <a:t>strcpy</a:t>
+            </a:r>
+            <a:r>
+              <a:rPr lang="en" altLang="ko-Kore-KR" sz="1400" dirty="0">
+                <a:latin typeface="DM Mono" panose="020B0509040201040103" pitchFamily="49" charset="0"/>
+              </a:rPr>
+              <a:t>(name, s);</a:t>
+            </a:r>
+          </a:p>
+          <a:p>
+            <a:r>
+              <a:rPr lang="en" altLang="ko-Kore-KR" sz="1400" dirty="0">
+                <a:latin typeface="DM Mono" panose="020B0509040201040103" pitchFamily="49" charset="0"/>
+              </a:rPr>
+              <a:t>    }</a:t>
+            </a:r>
+          </a:p>
+          <a:p>
+            <a:endParaRPr lang="en" altLang="ko-Kore-KR" sz="1400" dirty="0">
+              <a:latin typeface="DM Mono" panose="020B0509040201040103" pitchFamily="49" charset="0"/>
+            </a:endParaRPr>
+          </a:p>
+          <a:p>
+            <a:r>
+              <a:rPr lang="en" altLang="ko-Kore-KR" sz="1400" dirty="0">
+                <a:latin typeface="DM Mono" panose="020B0509040201040103" pitchFamily="49" charset="0"/>
+              </a:rPr>
+              <a:t>    ~User()</a:t>
+            </a:r>
+          </a:p>
+          <a:p>
+            <a:r>
+              <a:rPr lang="en" altLang="ko-Kore-KR" sz="1400" dirty="0">
+                <a:latin typeface="DM Mono" panose="020B0509040201040103" pitchFamily="49" charset="0"/>
+              </a:rPr>
+              <a:t>    {</a:t>
+            </a:r>
+          </a:p>
+          <a:p>
+            <a:r>
+              <a:rPr lang="en" altLang="ko-Kore-KR" sz="1400" dirty="0">
+                <a:latin typeface="DM Mono" panose="020B0509040201040103" pitchFamily="49" charset="0"/>
+              </a:rPr>
+              <a:t>        delete[] name;</a:t>
+            </a:r>
+          </a:p>
+          <a:p>
+            <a:r>
+              <a:rPr lang="en" altLang="ko-Kore-KR" sz="1400" dirty="0">
+                <a:latin typeface="DM Mono" panose="020B0509040201040103" pitchFamily="49" charset="0"/>
+              </a:rPr>
+              <a:t>    }</a:t>
+            </a:r>
+          </a:p>
+          <a:p>
+            <a:r>
+              <a:rPr lang="en" altLang="ko-Kore-KR" sz="1400" dirty="0">
+                <a:latin typeface="DM Mono" panose="020B0509040201040103" pitchFamily="49" charset="0"/>
+              </a:rPr>
+              <a:t>};</a:t>
+            </a:r>
+          </a:p>
+          <a:p>
+            <a:endParaRPr lang="en" altLang="ko-Kore-KR" sz="1400" dirty="0">
+              <a:latin typeface="DM Mono" panose="020B0509040201040103" pitchFamily="49" charset="0"/>
+            </a:endParaRPr>
+          </a:p>
+          <a:p>
+            <a:r>
+              <a:rPr lang="en" altLang="ko-Kore-KR" sz="1400" dirty="0">
+                <a:latin typeface="DM Mono" panose="020B0509040201040103" pitchFamily="49" charset="0"/>
+              </a:rPr>
+              <a:t>int main()</a:t>
+            </a:r>
+          </a:p>
+          <a:p>
+            <a:r>
+              <a:rPr lang="en" altLang="ko-Kore-KR" sz="1400" dirty="0">
+                <a:latin typeface="DM Mono" panose="020B0509040201040103" pitchFamily="49" charset="0"/>
+              </a:rPr>
+              <a:t>{</a:t>
+            </a:r>
+          </a:p>
+          <a:p>
+            <a:r>
+              <a:rPr lang="en" altLang="ko-Kore-KR" sz="1400" dirty="0">
+                <a:latin typeface="DM Mono" panose="020B0509040201040103" pitchFamily="49" charset="0"/>
+              </a:rPr>
+              <a:t>    User user1("Tom", 42);</a:t>
+            </a:r>
+          </a:p>
+          <a:p>
+            <a:r>
+              <a:rPr lang="en" altLang="ko-Kore-KR" sz="1400" dirty="0">
+                <a:latin typeface="DM Mono" panose="020B0509040201040103" pitchFamily="49" charset="0"/>
+              </a:rPr>
+              <a:t>    User user2 = user1;</a:t>
+            </a:r>
+          </a:p>
+          <a:p>
+            <a:r>
+              <a:rPr lang="en" altLang="ko-Kore-KR" sz="1400" dirty="0">
+                <a:latin typeface="DM Mono" panose="020B0509040201040103" pitchFamily="49" charset="0"/>
+              </a:rPr>
+              <a:t>}</a:t>
+            </a:r>
+            <a:endParaRPr lang="ko-Kore-KR" altLang="en-US" sz="1400" dirty="0">
+              <a:latin typeface="DM Mono" panose="020B0509040201040103" pitchFamily="49" charset="0"/>
+            </a:endParaRPr>
+          </a:p>
+        </p:txBody>
+      </p:sp>
+      <p:sp>
+        <p:nvSpPr>
+          <p:cNvPr id="8" name="직사각형 7">
+            <a:extLst>
+              <a:ext uri="{FF2B5EF4-FFF2-40B4-BE49-F238E27FC236}">
+                <a16:creationId xmlns:a16="http://schemas.microsoft.com/office/drawing/2014/main" id="{53C7E6E1-EDB4-B801-05E3-E15014B4BE3B}"/>
+              </a:ext>
+            </a:extLst>
+          </p:cNvPr>
+          <p:cNvSpPr/>
+          <p:nvPr/>
+        </p:nvSpPr>
+        <p:spPr>
+          <a:xfrm>
+            <a:off x="6579324" y="1044420"/>
+            <a:ext cx="1019503" cy="451945"/>
+          </a:xfrm>
+          <a:prstGeom prst="rect">
+            <a:avLst/>
+          </a:prstGeom>
+          <a:solidFill>
+            <a:srgbClr val="FF0000"/>
+          </a:solidFill>
+        </p:spPr>
+        <p:style>
+          <a:lnRef idx="2">
+            <a:schemeClr val="accent1">
+              <a:shade val="50000"/>
+            </a:schemeClr>
+          </a:lnRef>
+          <a:fillRef idx="1">
+            <a:schemeClr val="accent1"/>
+          </a:fillRef>
+          <a:effectRef idx="0">
+            <a:schemeClr val="accent1"/>
+          </a:effectRef>
+          <a:fontRef idx="minor">
+            <a:schemeClr val="lt1"/>
+          </a:fontRef>
+        </p:style>
+        <p:txBody>
+          <a:bodyPr rtlCol="0" anchor="ctr"/>
+          <a:lstStyle/>
+          <a:p>
+            <a:pPr algn="ctr"/>
+            <a:endParaRPr kumimoji="1" lang="ko-Kore-KR" altLang="en-US" dirty="0">
+              <a:solidFill>
+                <a:schemeClr val="tx1"/>
+              </a:solidFill>
+              <a:latin typeface="DM Mono" panose="020B0509040201040103" pitchFamily="49" charset="0"/>
+            </a:endParaRPr>
+          </a:p>
+        </p:txBody>
+      </p:sp>
+      <p:sp>
+        <p:nvSpPr>
+          <p:cNvPr id="9" name="TextBox 8">
+            <a:extLst>
+              <a:ext uri="{FF2B5EF4-FFF2-40B4-BE49-F238E27FC236}">
+                <a16:creationId xmlns:a16="http://schemas.microsoft.com/office/drawing/2014/main" id="{21A94303-6DEB-249B-14B6-E01CACE75F96}"/>
+              </a:ext>
+            </a:extLst>
+          </p:cNvPr>
+          <p:cNvSpPr txBox="1"/>
+          <p:nvPr/>
+        </p:nvSpPr>
+        <p:spPr>
+          <a:xfrm>
+            <a:off x="5559821" y="1085726"/>
+            <a:ext cx="1019503" cy="369332"/>
+          </a:xfrm>
+          <a:prstGeom prst="rect">
+            <a:avLst/>
+          </a:prstGeom>
+          <a:noFill/>
+        </p:spPr>
+        <p:txBody>
+          <a:bodyPr wrap="square">
+            <a:spAutoFit/>
+          </a:bodyPr>
+          <a:lstStyle/>
+          <a:p>
+            <a:pPr algn="r"/>
+            <a:r>
+              <a:rPr lang="en-US" altLang="ko-Kore-KR" dirty="0">
+                <a:latin typeface="DM Mono" panose="020B0509040201040103" pitchFamily="49" charset="0"/>
+              </a:rPr>
+              <a:t>name</a:t>
+            </a:r>
+            <a:endParaRPr lang="ko-Kore-KR" altLang="en-US" dirty="0"/>
+          </a:p>
+        </p:txBody>
+      </p:sp>
+      <p:sp>
+        <p:nvSpPr>
+          <p:cNvPr id="3" name="직사각형 2">
+            <a:extLst>
+              <a:ext uri="{FF2B5EF4-FFF2-40B4-BE49-F238E27FC236}">
+                <a16:creationId xmlns:a16="http://schemas.microsoft.com/office/drawing/2014/main" id="{B696691E-66C2-E5A5-FC77-5DD1F01A92A3}"/>
+              </a:ext>
+            </a:extLst>
+          </p:cNvPr>
+          <p:cNvSpPr/>
+          <p:nvPr/>
+        </p:nvSpPr>
+        <p:spPr>
+          <a:xfrm>
+            <a:off x="6579324" y="1496364"/>
+            <a:ext cx="1019503" cy="451945"/>
+          </a:xfrm>
+          <a:prstGeom prst="rect">
+            <a:avLst/>
+          </a:prstGeom>
+          <a:solidFill>
+            <a:srgbClr val="FF0000"/>
+          </a:solidFill>
+        </p:spPr>
+        <p:style>
+          <a:lnRef idx="2">
+            <a:schemeClr val="accent1">
+              <a:shade val="50000"/>
+            </a:schemeClr>
+          </a:lnRef>
+          <a:fillRef idx="1">
+            <a:schemeClr val="accent1"/>
+          </a:fillRef>
+          <a:effectRef idx="0">
+            <a:schemeClr val="accent1"/>
+          </a:effectRef>
+          <a:fontRef idx="minor">
+            <a:schemeClr val="lt1"/>
+          </a:fontRef>
+        </p:style>
+        <p:txBody>
+          <a:bodyPr rtlCol="0" anchor="ctr"/>
+          <a:lstStyle/>
+          <a:p>
+            <a:pPr algn="ctr"/>
+            <a:r>
+              <a:rPr kumimoji="1" lang="en-US" altLang="ko-Kore-KR" dirty="0">
+                <a:solidFill>
+                  <a:schemeClr val="tx1"/>
+                </a:solidFill>
+                <a:latin typeface="DM Mono" panose="020B0509040201040103" pitchFamily="49" charset="0"/>
+              </a:rPr>
+              <a:t>42</a:t>
+            </a:r>
+            <a:endParaRPr kumimoji="1" lang="ko-Kore-KR" altLang="en-US" dirty="0">
+              <a:solidFill>
+                <a:schemeClr val="tx1"/>
+              </a:solidFill>
+              <a:latin typeface="DM Mono" panose="020B0509040201040103" pitchFamily="49" charset="0"/>
+            </a:endParaRPr>
+          </a:p>
+        </p:txBody>
+      </p:sp>
+      <p:sp>
+        <p:nvSpPr>
+          <p:cNvPr id="4" name="TextBox 3">
+            <a:extLst>
+              <a:ext uri="{FF2B5EF4-FFF2-40B4-BE49-F238E27FC236}">
+                <a16:creationId xmlns:a16="http://schemas.microsoft.com/office/drawing/2014/main" id="{6780460D-4213-28A3-E2A9-497DCD9CD20B}"/>
+              </a:ext>
+            </a:extLst>
+          </p:cNvPr>
+          <p:cNvSpPr txBox="1"/>
+          <p:nvPr/>
+        </p:nvSpPr>
+        <p:spPr>
+          <a:xfrm>
+            <a:off x="5762445" y="1537670"/>
+            <a:ext cx="816879" cy="369332"/>
+          </a:xfrm>
+          <a:prstGeom prst="rect">
+            <a:avLst/>
+          </a:prstGeom>
+          <a:noFill/>
+        </p:spPr>
+        <p:txBody>
+          <a:bodyPr wrap="square">
+            <a:spAutoFit/>
+          </a:bodyPr>
+          <a:lstStyle/>
+          <a:p>
+            <a:pPr algn="r"/>
+            <a:r>
+              <a:rPr lang="en-US" altLang="ko-Kore-KR" dirty="0">
+                <a:latin typeface="DM Mono" panose="020B0509040201040103" pitchFamily="49" charset="0"/>
+              </a:rPr>
+              <a:t>age</a:t>
+            </a:r>
+            <a:endParaRPr lang="ko-Kore-KR" altLang="en-US" dirty="0"/>
+          </a:p>
+        </p:txBody>
+      </p:sp>
+      <p:sp>
+        <p:nvSpPr>
+          <p:cNvPr id="14" name="TextBox 13">
+            <a:extLst>
+              <a:ext uri="{FF2B5EF4-FFF2-40B4-BE49-F238E27FC236}">
+                <a16:creationId xmlns:a16="http://schemas.microsoft.com/office/drawing/2014/main" id="{2C906AAA-B591-9CE2-707D-564EC364CEA1}"/>
+              </a:ext>
+            </a:extLst>
+          </p:cNvPr>
+          <p:cNvSpPr txBox="1"/>
+          <p:nvPr/>
+        </p:nvSpPr>
+        <p:spPr>
+          <a:xfrm>
+            <a:off x="6316565" y="706514"/>
+            <a:ext cx="1144492" cy="369332"/>
+          </a:xfrm>
+          <a:prstGeom prst="rect">
+            <a:avLst/>
+          </a:prstGeom>
+          <a:noFill/>
+        </p:spPr>
+        <p:txBody>
+          <a:bodyPr wrap="square">
+            <a:spAutoFit/>
+          </a:bodyPr>
+          <a:lstStyle/>
+          <a:p>
+            <a:pPr algn="r"/>
+            <a:r>
+              <a:rPr lang="en-US" altLang="ko-Kore-KR" dirty="0">
+                <a:latin typeface="DM Mono" panose="020B0509040201040103" pitchFamily="49" charset="0"/>
+              </a:rPr>
+              <a:t>user1</a:t>
+            </a:r>
+            <a:endParaRPr lang="ko-Kore-KR" altLang="en-US" dirty="0"/>
+          </a:p>
+        </p:txBody>
+      </p:sp>
+      <p:sp>
+        <p:nvSpPr>
+          <p:cNvPr id="2" name="직사각형 1">
+            <a:extLst>
+              <a:ext uri="{FF2B5EF4-FFF2-40B4-BE49-F238E27FC236}">
+                <a16:creationId xmlns:a16="http://schemas.microsoft.com/office/drawing/2014/main" id="{A56DF2E7-85AA-BE31-956B-5F8B7FAAA23E}"/>
+              </a:ext>
+            </a:extLst>
+          </p:cNvPr>
+          <p:cNvSpPr/>
+          <p:nvPr/>
+        </p:nvSpPr>
+        <p:spPr>
+          <a:xfrm>
+            <a:off x="9316528" y="630975"/>
+            <a:ext cx="1919771" cy="451945"/>
+          </a:xfrm>
+          <a:prstGeom prst="rect">
+            <a:avLst/>
+          </a:prstGeom>
+          <a:solidFill>
+            <a:srgbClr val="FF0000"/>
+          </a:solidFill>
+        </p:spPr>
+        <p:style>
+          <a:lnRef idx="2">
+            <a:schemeClr val="accent1">
+              <a:shade val="50000"/>
+            </a:schemeClr>
+          </a:lnRef>
+          <a:fillRef idx="1">
+            <a:schemeClr val="accent1"/>
+          </a:fillRef>
+          <a:effectRef idx="0">
+            <a:schemeClr val="accent1"/>
+          </a:effectRef>
+          <a:fontRef idx="minor">
+            <a:schemeClr val="lt1"/>
+          </a:fontRef>
+        </p:style>
+        <p:txBody>
+          <a:bodyPr rtlCol="0" anchor="ctr"/>
+          <a:lstStyle/>
+          <a:p>
+            <a:pPr algn="ctr"/>
+            <a:r>
+              <a:rPr kumimoji="1" lang="en-US" altLang="ko-Kore-KR" dirty="0">
+                <a:solidFill>
+                  <a:schemeClr val="tx1"/>
+                </a:solidFill>
+                <a:latin typeface="DM Mono" panose="020B0509040201040103" pitchFamily="49" charset="0"/>
+              </a:rPr>
+              <a:t>“Tom”</a:t>
+            </a:r>
+            <a:endParaRPr kumimoji="1" lang="ko-Kore-KR" altLang="en-US" dirty="0">
+              <a:solidFill>
+                <a:schemeClr val="tx1"/>
+              </a:solidFill>
+              <a:latin typeface="DM Mono" panose="020B0509040201040103" pitchFamily="49" charset="0"/>
+            </a:endParaRPr>
+          </a:p>
+        </p:txBody>
+      </p:sp>
+      <p:cxnSp>
+        <p:nvCxnSpPr>
+          <p:cNvPr id="13" name="구부러진 연결선[U] 12">
+            <a:extLst>
+              <a:ext uri="{FF2B5EF4-FFF2-40B4-BE49-F238E27FC236}">
+                <a16:creationId xmlns:a16="http://schemas.microsoft.com/office/drawing/2014/main" id="{32CC38EB-3710-5E69-2219-5D899AC66556}"/>
+              </a:ext>
+            </a:extLst>
+          </p:cNvPr>
+          <p:cNvCxnSpPr>
+            <a:stCxn id="8" idx="3"/>
+            <a:endCxn id="2" idx="1"/>
+          </p:cNvCxnSpPr>
+          <p:nvPr/>
+        </p:nvCxnSpPr>
+        <p:spPr>
+          <a:xfrm flipV="1">
+            <a:off x="7598827" y="856948"/>
+            <a:ext cx="1717701" cy="413445"/>
+          </a:xfrm>
+          <a:prstGeom prst="curvedConnector3">
+            <a:avLst/>
+          </a:prstGeom>
+          <a:ln>
+            <a:tailEnd type="triangle"/>
+          </a:ln>
+        </p:spPr>
+        <p:style>
+          <a:lnRef idx="1">
+            <a:schemeClr val="dk1"/>
+          </a:lnRef>
+          <a:fillRef idx="0">
+            <a:schemeClr val="dk1"/>
+          </a:fillRef>
+          <a:effectRef idx="0">
+            <a:schemeClr val="dk1"/>
+          </a:effectRef>
+          <a:fontRef idx="minor">
+            <a:schemeClr val="tx1"/>
+          </a:fontRef>
+        </p:style>
+      </p:cxnSp>
+      <p:sp>
+        <p:nvSpPr>
+          <p:cNvPr id="6" name="직사각형 5">
+            <a:extLst>
+              <a:ext uri="{FF2B5EF4-FFF2-40B4-BE49-F238E27FC236}">
+                <a16:creationId xmlns:a16="http://schemas.microsoft.com/office/drawing/2014/main" id="{84AE2169-F1BD-F017-AAA4-FFBD4F52001D}"/>
+              </a:ext>
+            </a:extLst>
+          </p:cNvPr>
+          <p:cNvSpPr/>
+          <p:nvPr/>
+        </p:nvSpPr>
+        <p:spPr>
+          <a:xfrm>
+            <a:off x="6587158" y="2977055"/>
+            <a:ext cx="1019503" cy="451945"/>
+          </a:xfrm>
+          <a:prstGeom prst="rect">
+            <a:avLst/>
+          </a:prstGeom>
+          <a:solidFill>
+            <a:srgbClr val="FFFF00"/>
+          </a:solidFill>
+        </p:spPr>
+        <p:style>
+          <a:lnRef idx="2">
+            <a:schemeClr val="accent1">
+              <a:shade val="50000"/>
+            </a:schemeClr>
+          </a:lnRef>
+          <a:fillRef idx="1">
+            <a:schemeClr val="accent1"/>
+          </a:fillRef>
+          <a:effectRef idx="0">
+            <a:schemeClr val="accent1"/>
+          </a:effectRef>
+          <a:fontRef idx="minor">
+            <a:schemeClr val="lt1"/>
+          </a:fontRef>
+        </p:style>
+        <p:txBody>
+          <a:bodyPr rtlCol="0" anchor="ctr"/>
+          <a:lstStyle/>
+          <a:p>
+            <a:pPr algn="ctr"/>
+            <a:endParaRPr kumimoji="1" lang="ko-Kore-KR" altLang="en-US" dirty="0">
+              <a:solidFill>
+                <a:schemeClr val="tx1"/>
+              </a:solidFill>
+              <a:latin typeface="DM Mono" panose="020B0509040201040103" pitchFamily="49" charset="0"/>
+            </a:endParaRPr>
+          </a:p>
+        </p:txBody>
+      </p:sp>
+      <p:sp>
+        <p:nvSpPr>
+          <p:cNvPr id="7" name="TextBox 6">
+            <a:extLst>
+              <a:ext uri="{FF2B5EF4-FFF2-40B4-BE49-F238E27FC236}">
+                <a16:creationId xmlns:a16="http://schemas.microsoft.com/office/drawing/2014/main" id="{7458A979-CD7F-7746-7253-2AB8FF1C1422}"/>
+              </a:ext>
+            </a:extLst>
+          </p:cNvPr>
+          <p:cNvSpPr txBox="1"/>
+          <p:nvPr/>
+        </p:nvSpPr>
+        <p:spPr>
+          <a:xfrm>
+            <a:off x="5567655" y="3018361"/>
+            <a:ext cx="1019503" cy="369332"/>
+          </a:xfrm>
+          <a:prstGeom prst="rect">
+            <a:avLst/>
+          </a:prstGeom>
+          <a:noFill/>
+        </p:spPr>
+        <p:txBody>
+          <a:bodyPr wrap="square">
+            <a:spAutoFit/>
+          </a:bodyPr>
+          <a:lstStyle/>
+          <a:p>
+            <a:pPr algn="r"/>
+            <a:r>
+              <a:rPr lang="en-US" altLang="ko-Kore-KR" dirty="0">
+                <a:latin typeface="DM Mono" panose="020B0509040201040103" pitchFamily="49" charset="0"/>
+              </a:rPr>
+              <a:t>name</a:t>
+            </a:r>
+            <a:endParaRPr lang="ko-Kore-KR" altLang="en-US" dirty="0"/>
+          </a:p>
+        </p:txBody>
+      </p:sp>
+      <p:sp>
+        <p:nvSpPr>
+          <p:cNvPr id="10" name="직사각형 9">
+            <a:extLst>
+              <a:ext uri="{FF2B5EF4-FFF2-40B4-BE49-F238E27FC236}">
+                <a16:creationId xmlns:a16="http://schemas.microsoft.com/office/drawing/2014/main" id="{10C34CF7-A43E-AEDA-DA7C-1F5E50AA1841}"/>
+              </a:ext>
+            </a:extLst>
+          </p:cNvPr>
+          <p:cNvSpPr/>
+          <p:nvPr/>
+        </p:nvSpPr>
+        <p:spPr>
+          <a:xfrm>
+            <a:off x="6587158" y="3428999"/>
+            <a:ext cx="1019503" cy="451945"/>
+          </a:xfrm>
+          <a:prstGeom prst="rect">
+            <a:avLst/>
+          </a:prstGeom>
+          <a:solidFill>
+            <a:srgbClr val="FFFF00"/>
+          </a:solidFill>
+        </p:spPr>
+        <p:style>
+          <a:lnRef idx="2">
+            <a:schemeClr val="accent1">
+              <a:shade val="50000"/>
+            </a:schemeClr>
+          </a:lnRef>
+          <a:fillRef idx="1">
+            <a:schemeClr val="accent1"/>
+          </a:fillRef>
+          <a:effectRef idx="0">
+            <a:schemeClr val="accent1"/>
+          </a:effectRef>
+          <a:fontRef idx="minor">
+            <a:schemeClr val="lt1"/>
+          </a:fontRef>
+        </p:style>
+        <p:txBody>
+          <a:bodyPr rtlCol="0" anchor="ctr"/>
+          <a:lstStyle/>
+          <a:p>
+            <a:pPr algn="ctr"/>
+            <a:r>
+              <a:rPr kumimoji="1" lang="en-US" altLang="ko-Kore-KR" dirty="0">
+                <a:solidFill>
+                  <a:schemeClr val="tx1"/>
+                </a:solidFill>
+                <a:latin typeface="DM Mono" panose="020B0509040201040103" pitchFamily="49" charset="0"/>
+              </a:rPr>
+              <a:t>42</a:t>
+            </a:r>
+            <a:endParaRPr kumimoji="1" lang="ko-Kore-KR" altLang="en-US" dirty="0">
+              <a:solidFill>
+                <a:schemeClr val="tx1"/>
+              </a:solidFill>
+              <a:latin typeface="DM Mono" panose="020B0509040201040103" pitchFamily="49" charset="0"/>
+            </a:endParaRPr>
+          </a:p>
+        </p:txBody>
+      </p:sp>
+      <p:sp>
+        <p:nvSpPr>
+          <p:cNvPr id="11" name="TextBox 10">
+            <a:extLst>
+              <a:ext uri="{FF2B5EF4-FFF2-40B4-BE49-F238E27FC236}">
+                <a16:creationId xmlns:a16="http://schemas.microsoft.com/office/drawing/2014/main" id="{6BFC44D0-4E9C-7FF2-11A7-A958506B35F4}"/>
+              </a:ext>
+            </a:extLst>
+          </p:cNvPr>
+          <p:cNvSpPr txBox="1"/>
+          <p:nvPr/>
+        </p:nvSpPr>
+        <p:spPr>
+          <a:xfrm>
+            <a:off x="5770279" y="3470305"/>
+            <a:ext cx="816879" cy="369332"/>
+          </a:xfrm>
+          <a:prstGeom prst="rect">
+            <a:avLst/>
+          </a:prstGeom>
+          <a:noFill/>
+        </p:spPr>
+        <p:txBody>
+          <a:bodyPr wrap="square">
+            <a:spAutoFit/>
+          </a:bodyPr>
+          <a:lstStyle/>
+          <a:p>
+            <a:pPr algn="r"/>
+            <a:r>
+              <a:rPr lang="en-US" altLang="ko-Kore-KR" dirty="0">
+                <a:latin typeface="DM Mono" panose="020B0509040201040103" pitchFamily="49" charset="0"/>
+              </a:rPr>
+              <a:t>age</a:t>
+            </a:r>
+            <a:endParaRPr lang="ko-Kore-KR" altLang="en-US" dirty="0"/>
+          </a:p>
+        </p:txBody>
+      </p:sp>
+      <p:sp>
+        <p:nvSpPr>
+          <p:cNvPr id="12" name="TextBox 11">
+            <a:extLst>
+              <a:ext uri="{FF2B5EF4-FFF2-40B4-BE49-F238E27FC236}">
+                <a16:creationId xmlns:a16="http://schemas.microsoft.com/office/drawing/2014/main" id="{0F8B6AC2-5F8F-D626-1232-86AB8E1F9D69}"/>
+              </a:ext>
+            </a:extLst>
+          </p:cNvPr>
+          <p:cNvSpPr txBox="1"/>
+          <p:nvPr/>
+        </p:nvSpPr>
+        <p:spPr>
+          <a:xfrm>
+            <a:off x="6324399" y="2639149"/>
+            <a:ext cx="1144492" cy="369332"/>
+          </a:xfrm>
+          <a:prstGeom prst="rect">
+            <a:avLst/>
+          </a:prstGeom>
+          <a:noFill/>
+        </p:spPr>
+        <p:txBody>
+          <a:bodyPr wrap="square">
+            <a:spAutoFit/>
+          </a:bodyPr>
+          <a:lstStyle/>
+          <a:p>
+            <a:pPr algn="r"/>
+            <a:r>
+              <a:rPr lang="en-US" altLang="ko-Kore-KR" dirty="0">
+                <a:latin typeface="DM Mono" panose="020B0509040201040103" pitchFamily="49" charset="0"/>
+              </a:rPr>
+              <a:t>user2</a:t>
+            </a:r>
+            <a:endParaRPr lang="ko-Kore-KR" altLang="en-US" dirty="0"/>
+          </a:p>
+        </p:txBody>
+      </p:sp>
+      <p:cxnSp>
+        <p:nvCxnSpPr>
+          <p:cNvPr id="15" name="구부러진 연결선[U] 14">
+            <a:extLst>
+              <a:ext uri="{FF2B5EF4-FFF2-40B4-BE49-F238E27FC236}">
+                <a16:creationId xmlns:a16="http://schemas.microsoft.com/office/drawing/2014/main" id="{41215EF4-22F3-1D34-2AD8-4E31DC29D2ED}"/>
+              </a:ext>
+            </a:extLst>
+          </p:cNvPr>
+          <p:cNvCxnSpPr>
+            <a:cxnSpLocks/>
+            <a:stCxn id="6" idx="3"/>
+            <a:endCxn id="2" idx="1"/>
+          </p:cNvCxnSpPr>
+          <p:nvPr/>
+        </p:nvCxnSpPr>
+        <p:spPr>
+          <a:xfrm flipV="1">
+            <a:off x="7606661" y="856948"/>
+            <a:ext cx="1709867" cy="2346080"/>
+          </a:xfrm>
+          <a:prstGeom prst="curvedConnector3">
+            <a:avLst>
+              <a:gd name="adj1" fmla="val 50000"/>
+            </a:avLst>
+          </a:prstGeom>
+          <a:ln>
+            <a:tailEnd type="triangle"/>
+          </a:ln>
+        </p:spPr>
+        <p:style>
+          <a:lnRef idx="1">
+            <a:schemeClr val="dk1"/>
+          </a:lnRef>
+          <a:fillRef idx="0">
+            <a:schemeClr val="dk1"/>
+          </a:fillRef>
+          <a:effectRef idx="0">
+            <a:schemeClr val="dk1"/>
+          </a:effectRef>
+          <a:fontRef idx="minor">
+            <a:schemeClr val="tx1"/>
+          </a:fontRef>
+        </p:style>
+      </p:cxnSp>
+    </p:spTree>
+    <p:extLst>
+      <p:ext uri="{BB962C8B-B14F-4D97-AF65-F5344CB8AC3E}">
+        <p14:creationId xmlns:p14="http://schemas.microsoft.com/office/powerpoint/2010/main" val="1271505052"/>
+      </p:ext>
+    </p:extLst>
+  </p:cSld>
+  <p:clrMapOvr>
+    <a:masterClrMapping/>
+  </p:clrMapOvr>
+</p:sld>
+</file>
+
+<file path=ppt/slides/slide18.xml><?xml version="1.0" encoding="utf-8"?>
+<p:sld xmlns:a="http://schemas.openxmlformats.org/drawingml/2006/main" xmlns:r="http://schemas.openxmlformats.org/officeDocument/2006/relationships" xmlns:p="http://schemas.openxmlformats.org/presentationml/2006/main">
+  <p:cSld>
+    <p:spTree>
+      <p:nvGrpSpPr>
+        <p:cNvPr id="1" name=""/>
+        <p:cNvGrpSpPr/>
+        <p:nvPr/>
+      </p:nvGrpSpPr>
+      <p:grpSpPr>
+        <a:xfrm>
+          <a:off x="0" y="0"/>
+          <a:ext cx="0" cy="0"/>
+          <a:chOff x="0" y="0"/>
+          <a:chExt cx="0" cy="0"/>
+        </a:xfrm>
+      </p:grpSpPr>
+      <p:sp>
+        <p:nvSpPr>
+          <p:cNvPr id="5" name="TextBox 4">
+            <a:extLst>
+              <a:ext uri="{FF2B5EF4-FFF2-40B4-BE49-F238E27FC236}">
+                <a16:creationId xmlns:a16="http://schemas.microsoft.com/office/drawing/2014/main" id="{5B87F660-B6FF-CA77-E37D-589CCC0A037D}"/>
+              </a:ext>
+            </a:extLst>
+          </p:cNvPr>
+          <p:cNvSpPr txBox="1"/>
+          <p:nvPr/>
+        </p:nvSpPr>
+        <p:spPr>
+          <a:xfrm>
+            <a:off x="641819" y="268125"/>
+            <a:ext cx="4784196" cy="5047536"/>
+          </a:xfrm>
+          <a:prstGeom prst="rect">
+            <a:avLst/>
+          </a:prstGeom>
+          <a:noFill/>
+        </p:spPr>
+        <p:txBody>
+          <a:bodyPr wrap="square">
+            <a:spAutoFit/>
+          </a:bodyPr>
+          <a:lstStyle/>
+          <a:p>
+            <a:r>
+              <a:rPr lang="en" altLang="ko-Kore-KR" sz="1400" dirty="0">
+                <a:latin typeface="DM Mono" panose="020B0509040201040103" pitchFamily="49" charset="0"/>
+              </a:rPr>
+              <a:t>class User {</a:t>
+            </a:r>
+          </a:p>
+          <a:p>
+            <a:r>
+              <a:rPr lang="en" altLang="ko-Kore-KR" sz="1400" dirty="0">
+                <a:latin typeface="DM Mono" panose="020B0509040201040103" pitchFamily="49" charset="0"/>
+              </a:rPr>
+              <a:t>    char* name;</a:t>
+            </a:r>
+          </a:p>
+          <a:p>
+            <a:r>
+              <a:rPr lang="en" altLang="ko-Kore-KR" sz="1400" dirty="0">
+                <a:latin typeface="DM Mono" panose="020B0509040201040103" pitchFamily="49" charset="0"/>
+              </a:rPr>
+              <a:t>    int age;</a:t>
+            </a:r>
+          </a:p>
+          <a:p>
+            <a:endParaRPr lang="en" altLang="ko-Kore-KR" sz="1400" dirty="0">
+              <a:latin typeface="DM Mono" panose="020B0509040201040103" pitchFamily="49" charset="0"/>
+            </a:endParaRPr>
+          </a:p>
+          <a:p>
+            <a:r>
+              <a:rPr lang="en" altLang="ko-Kore-KR" sz="1400" dirty="0">
+                <a:latin typeface="DM Mono" panose="020B0509040201040103" pitchFamily="49" charset="0"/>
+              </a:rPr>
+              <a:t>public:</a:t>
+            </a:r>
+          </a:p>
+          <a:p>
+            <a:r>
+              <a:rPr lang="en" altLang="ko-Kore-KR" sz="1400" dirty="0">
+                <a:latin typeface="DM Mono" panose="020B0509040201040103" pitchFamily="49" charset="0"/>
+              </a:rPr>
+              <a:t>    User(const char* s, int n)</a:t>
+            </a:r>
+          </a:p>
+          <a:p>
+            <a:r>
+              <a:rPr lang="en" altLang="ko-Kore-KR" sz="1400" dirty="0">
+                <a:latin typeface="DM Mono" panose="020B0509040201040103" pitchFamily="49" charset="0"/>
+              </a:rPr>
+              <a:t>        : age(n)</a:t>
+            </a:r>
+          </a:p>
+          <a:p>
+            <a:r>
+              <a:rPr lang="en" altLang="ko-Kore-KR" sz="1400" dirty="0">
+                <a:latin typeface="DM Mono" panose="020B0509040201040103" pitchFamily="49" charset="0"/>
+              </a:rPr>
+              <a:t>    {</a:t>
+            </a:r>
+          </a:p>
+          <a:p>
+            <a:r>
+              <a:rPr lang="en" altLang="ko-Kore-KR" sz="1400" dirty="0">
+                <a:latin typeface="DM Mono" panose="020B0509040201040103" pitchFamily="49" charset="0"/>
+              </a:rPr>
+              <a:t>        name = new char[</a:t>
+            </a:r>
+            <a:r>
+              <a:rPr lang="en" altLang="ko-Kore-KR" sz="1400" dirty="0" err="1">
+                <a:latin typeface="DM Mono" panose="020B0509040201040103" pitchFamily="49" charset="0"/>
+              </a:rPr>
+              <a:t>strlen</a:t>
+            </a:r>
+            <a:r>
+              <a:rPr lang="en" altLang="ko-Kore-KR" sz="1400" dirty="0">
+                <a:latin typeface="DM Mono" panose="020B0509040201040103" pitchFamily="49" charset="0"/>
+              </a:rPr>
+              <a:t>(s) + 1];</a:t>
+            </a:r>
+          </a:p>
+          <a:p>
+            <a:r>
+              <a:rPr lang="en" altLang="ko-Kore-KR" sz="1400" dirty="0">
+                <a:latin typeface="DM Mono" panose="020B0509040201040103" pitchFamily="49" charset="0"/>
+              </a:rPr>
+              <a:t>        </a:t>
+            </a:r>
+            <a:r>
+              <a:rPr lang="en" altLang="ko-Kore-KR" sz="1400" dirty="0" err="1">
+                <a:latin typeface="DM Mono" panose="020B0509040201040103" pitchFamily="49" charset="0"/>
+              </a:rPr>
+              <a:t>strcpy</a:t>
+            </a:r>
+            <a:r>
+              <a:rPr lang="en" altLang="ko-Kore-KR" sz="1400" dirty="0">
+                <a:latin typeface="DM Mono" panose="020B0509040201040103" pitchFamily="49" charset="0"/>
+              </a:rPr>
+              <a:t>(name, s);</a:t>
+            </a:r>
+          </a:p>
+          <a:p>
+            <a:r>
+              <a:rPr lang="en" altLang="ko-Kore-KR" sz="1400" dirty="0">
+                <a:latin typeface="DM Mono" panose="020B0509040201040103" pitchFamily="49" charset="0"/>
+              </a:rPr>
+              <a:t>    }</a:t>
+            </a:r>
+          </a:p>
+          <a:p>
+            <a:endParaRPr lang="en" altLang="ko-Kore-KR" sz="1400" dirty="0">
+              <a:latin typeface="DM Mono" panose="020B0509040201040103" pitchFamily="49" charset="0"/>
+            </a:endParaRPr>
+          </a:p>
+          <a:p>
+            <a:r>
+              <a:rPr lang="en" altLang="ko-Kore-KR" sz="1400" dirty="0">
+                <a:latin typeface="DM Mono" panose="020B0509040201040103" pitchFamily="49" charset="0"/>
+              </a:rPr>
+              <a:t>    ~User()</a:t>
+            </a:r>
+          </a:p>
+          <a:p>
+            <a:r>
+              <a:rPr lang="en" altLang="ko-Kore-KR" sz="1400" dirty="0">
+                <a:latin typeface="DM Mono" panose="020B0509040201040103" pitchFamily="49" charset="0"/>
+              </a:rPr>
+              <a:t>    {</a:t>
+            </a:r>
+          </a:p>
+          <a:p>
+            <a:r>
+              <a:rPr lang="en" altLang="ko-Kore-KR" sz="1400" dirty="0">
+                <a:latin typeface="DM Mono" panose="020B0509040201040103" pitchFamily="49" charset="0"/>
+              </a:rPr>
+              <a:t>        delete[] name;</a:t>
+            </a:r>
+          </a:p>
+          <a:p>
+            <a:r>
+              <a:rPr lang="en" altLang="ko-Kore-KR" sz="1400" dirty="0">
+                <a:latin typeface="DM Mono" panose="020B0509040201040103" pitchFamily="49" charset="0"/>
+              </a:rPr>
+              <a:t>    }</a:t>
+            </a:r>
+          </a:p>
+          <a:p>
+            <a:r>
+              <a:rPr lang="en" altLang="ko-Kore-KR" sz="1400" dirty="0">
+                <a:latin typeface="DM Mono" panose="020B0509040201040103" pitchFamily="49" charset="0"/>
+              </a:rPr>
+              <a:t>};</a:t>
+            </a:r>
+          </a:p>
+          <a:p>
+            <a:endParaRPr lang="en" altLang="ko-Kore-KR" sz="1400" dirty="0">
+              <a:latin typeface="DM Mono" panose="020B0509040201040103" pitchFamily="49" charset="0"/>
+            </a:endParaRPr>
+          </a:p>
+          <a:p>
+            <a:r>
+              <a:rPr lang="en" altLang="ko-Kore-KR" sz="1400" dirty="0">
+                <a:latin typeface="DM Mono" panose="020B0509040201040103" pitchFamily="49" charset="0"/>
+              </a:rPr>
+              <a:t>int main()</a:t>
+            </a:r>
+          </a:p>
+          <a:p>
+            <a:r>
+              <a:rPr lang="en" altLang="ko-Kore-KR" sz="1400" dirty="0">
+                <a:latin typeface="DM Mono" panose="020B0509040201040103" pitchFamily="49" charset="0"/>
+              </a:rPr>
+              <a:t>{</a:t>
+            </a:r>
+          </a:p>
+          <a:p>
+            <a:r>
+              <a:rPr lang="en" altLang="ko-Kore-KR" sz="1400" dirty="0">
+                <a:latin typeface="DM Mono" panose="020B0509040201040103" pitchFamily="49" charset="0"/>
+              </a:rPr>
+              <a:t>    User user1("Tom", 42);</a:t>
+            </a:r>
+          </a:p>
+          <a:p>
+            <a:r>
+              <a:rPr lang="en" altLang="ko-Kore-KR" sz="1400" dirty="0">
+                <a:latin typeface="DM Mono" panose="020B0509040201040103" pitchFamily="49" charset="0"/>
+              </a:rPr>
+              <a:t>    User user2 = user1;</a:t>
+            </a:r>
+          </a:p>
+          <a:p>
+            <a:r>
+              <a:rPr lang="en" altLang="ko-Kore-KR" sz="1400" dirty="0">
+                <a:latin typeface="DM Mono" panose="020B0509040201040103" pitchFamily="49" charset="0"/>
+              </a:rPr>
+              <a:t>}</a:t>
+            </a:r>
+            <a:endParaRPr lang="ko-Kore-KR" altLang="en-US" sz="1400" dirty="0">
+              <a:latin typeface="DM Mono" panose="020B0509040201040103" pitchFamily="49" charset="0"/>
+            </a:endParaRPr>
+          </a:p>
+        </p:txBody>
+      </p:sp>
+      <p:sp>
+        <p:nvSpPr>
+          <p:cNvPr id="2" name="직사각형 1">
+            <a:extLst>
+              <a:ext uri="{FF2B5EF4-FFF2-40B4-BE49-F238E27FC236}">
+                <a16:creationId xmlns:a16="http://schemas.microsoft.com/office/drawing/2014/main" id="{A56DF2E7-85AA-BE31-956B-5F8B7FAAA23E}"/>
+              </a:ext>
+            </a:extLst>
+          </p:cNvPr>
+          <p:cNvSpPr/>
+          <p:nvPr/>
+        </p:nvSpPr>
+        <p:spPr>
+          <a:xfrm>
+            <a:off x="9316528" y="630975"/>
+            <a:ext cx="1919771" cy="451945"/>
+          </a:xfrm>
+          <a:prstGeom prst="rect">
+            <a:avLst/>
+          </a:prstGeom>
+          <a:solidFill>
+            <a:srgbClr val="FF0000"/>
+          </a:solidFill>
+        </p:spPr>
+        <p:style>
+          <a:lnRef idx="2">
+            <a:schemeClr val="accent1">
+              <a:shade val="50000"/>
+            </a:schemeClr>
+          </a:lnRef>
+          <a:fillRef idx="1">
+            <a:schemeClr val="accent1"/>
+          </a:fillRef>
+          <a:effectRef idx="0">
+            <a:schemeClr val="accent1"/>
+          </a:effectRef>
+          <a:fontRef idx="minor">
+            <a:schemeClr val="lt1"/>
+          </a:fontRef>
+        </p:style>
+        <p:txBody>
+          <a:bodyPr rtlCol="0" anchor="ctr"/>
+          <a:lstStyle/>
+          <a:p>
+            <a:pPr algn="ctr"/>
+            <a:r>
+              <a:rPr kumimoji="1" lang="en-US" altLang="ko-Kore-KR" dirty="0">
+                <a:solidFill>
+                  <a:schemeClr val="tx1"/>
+                </a:solidFill>
+                <a:latin typeface="DM Mono" panose="020B0509040201040103" pitchFamily="49" charset="0"/>
+              </a:rPr>
+              <a:t>“Tom”</a:t>
+            </a:r>
+            <a:endParaRPr kumimoji="1" lang="ko-Kore-KR" altLang="en-US" dirty="0">
+              <a:solidFill>
+                <a:schemeClr val="tx1"/>
+              </a:solidFill>
+              <a:latin typeface="DM Mono" panose="020B0509040201040103" pitchFamily="49" charset="0"/>
+            </a:endParaRPr>
+          </a:p>
+        </p:txBody>
+      </p:sp>
+      <p:sp>
+        <p:nvSpPr>
+          <p:cNvPr id="6" name="직사각형 5">
+            <a:extLst>
+              <a:ext uri="{FF2B5EF4-FFF2-40B4-BE49-F238E27FC236}">
+                <a16:creationId xmlns:a16="http://schemas.microsoft.com/office/drawing/2014/main" id="{84AE2169-F1BD-F017-AAA4-FFBD4F52001D}"/>
+              </a:ext>
+            </a:extLst>
+          </p:cNvPr>
+          <p:cNvSpPr/>
+          <p:nvPr/>
+        </p:nvSpPr>
+        <p:spPr>
+          <a:xfrm>
+            <a:off x="6587158" y="2977055"/>
+            <a:ext cx="1019503" cy="451945"/>
+          </a:xfrm>
+          <a:prstGeom prst="rect">
+            <a:avLst/>
+          </a:prstGeom>
+          <a:solidFill>
+            <a:srgbClr val="FFFF00"/>
+          </a:solidFill>
+        </p:spPr>
+        <p:style>
+          <a:lnRef idx="2">
+            <a:schemeClr val="accent1">
+              <a:shade val="50000"/>
+            </a:schemeClr>
+          </a:lnRef>
+          <a:fillRef idx="1">
+            <a:schemeClr val="accent1"/>
+          </a:fillRef>
+          <a:effectRef idx="0">
+            <a:schemeClr val="accent1"/>
+          </a:effectRef>
+          <a:fontRef idx="minor">
+            <a:schemeClr val="lt1"/>
+          </a:fontRef>
+        </p:style>
+        <p:txBody>
+          <a:bodyPr rtlCol="0" anchor="ctr"/>
+          <a:lstStyle/>
+          <a:p>
+            <a:pPr algn="ctr"/>
+            <a:endParaRPr kumimoji="1" lang="ko-Kore-KR" altLang="en-US" dirty="0">
+              <a:solidFill>
+                <a:schemeClr val="tx1"/>
+              </a:solidFill>
+              <a:latin typeface="DM Mono" panose="020B0509040201040103" pitchFamily="49" charset="0"/>
+            </a:endParaRPr>
+          </a:p>
+        </p:txBody>
+      </p:sp>
+      <p:sp>
+        <p:nvSpPr>
+          <p:cNvPr id="7" name="TextBox 6">
+            <a:extLst>
+              <a:ext uri="{FF2B5EF4-FFF2-40B4-BE49-F238E27FC236}">
+                <a16:creationId xmlns:a16="http://schemas.microsoft.com/office/drawing/2014/main" id="{7458A979-CD7F-7746-7253-2AB8FF1C1422}"/>
+              </a:ext>
+            </a:extLst>
+          </p:cNvPr>
+          <p:cNvSpPr txBox="1"/>
+          <p:nvPr/>
+        </p:nvSpPr>
+        <p:spPr>
+          <a:xfrm>
+            <a:off x="5567655" y="3018361"/>
+            <a:ext cx="1019503" cy="369332"/>
+          </a:xfrm>
+          <a:prstGeom prst="rect">
+            <a:avLst/>
+          </a:prstGeom>
+          <a:noFill/>
+        </p:spPr>
+        <p:txBody>
+          <a:bodyPr wrap="square">
+            <a:spAutoFit/>
+          </a:bodyPr>
+          <a:lstStyle/>
+          <a:p>
+            <a:pPr algn="r"/>
+            <a:r>
+              <a:rPr lang="en-US" altLang="ko-Kore-KR" dirty="0">
+                <a:latin typeface="DM Mono" panose="020B0509040201040103" pitchFamily="49" charset="0"/>
+              </a:rPr>
+              <a:t>name</a:t>
+            </a:r>
+            <a:endParaRPr lang="ko-Kore-KR" altLang="en-US" dirty="0"/>
+          </a:p>
+        </p:txBody>
+      </p:sp>
+      <p:sp>
+        <p:nvSpPr>
+          <p:cNvPr id="10" name="직사각형 9">
+            <a:extLst>
+              <a:ext uri="{FF2B5EF4-FFF2-40B4-BE49-F238E27FC236}">
+                <a16:creationId xmlns:a16="http://schemas.microsoft.com/office/drawing/2014/main" id="{10C34CF7-A43E-AEDA-DA7C-1F5E50AA1841}"/>
+              </a:ext>
+            </a:extLst>
+          </p:cNvPr>
+          <p:cNvSpPr/>
+          <p:nvPr/>
+        </p:nvSpPr>
+        <p:spPr>
+          <a:xfrm>
+            <a:off x="6587158" y="3428999"/>
+            <a:ext cx="1019503" cy="451945"/>
+          </a:xfrm>
+          <a:prstGeom prst="rect">
+            <a:avLst/>
+          </a:prstGeom>
+          <a:solidFill>
+            <a:srgbClr val="FFFF00"/>
+          </a:solidFill>
+        </p:spPr>
+        <p:style>
+          <a:lnRef idx="2">
+            <a:schemeClr val="accent1">
+              <a:shade val="50000"/>
+            </a:schemeClr>
+          </a:lnRef>
+          <a:fillRef idx="1">
+            <a:schemeClr val="accent1"/>
+          </a:fillRef>
+          <a:effectRef idx="0">
+            <a:schemeClr val="accent1"/>
+          </a:effectRef>
+          <a:fontRef idx="minor">
+            <a:schemeClr val="lt1"/>
+          </a:fontRef>
+        </p:style>
+        <p:txBody>
+          <a:bodyPr rtlCol="0" anchor="ctr"/>
+          <a:lstStyle/>
+          <a:p>
+            <a:pPr algn="ctr"/>
+            <a:r>
+              <a:rPr kumimoji="1" lang="en-US" altLang="ko-Kore-KR" dirty="0">
+                <a:solidFill>
+                  <a:schemeClr val="tx1"/>
+                </a:solidFill>
+                <a:latin typeface="DM Mono" panose="020B0509040201040103" pitchFamily="49" charset="0"/>
+              </a:rPr>
+              <a:t>42</a:t>
+            </a:r>
+            <a:endParaRPr kumimoji="1" lang="ko-Kore-KR" altLang="en-US" dirty="0">
+              <a:solidFill>
+                <a:schemeClr val="tx1"/>
+              </a:solidFill>
+              <a:latin typeface="DM Mono" panose="020B0509040201040103" pitchFamily="49" charset="0"/>
+            </a:endParaRPr>
+          </a:p>
+        </p:txBody>
+      </p:sp>
+      <p:sp>
+        <p:nvSpPr>
+          <p:cNvPr id="11" name="TextBox 10">
+            <a:extLst>
+              <a:ext uri="{FF2B5EF4-FFF2-40B4-BE49-F238E27FC236}">
+                <a16:creationId xmlns:a16="http://schemas.microsoft.com/office/drawing/2014/main" id="{6BFC44D0-4E9C-7FF2-11A7-A958506B35F4}"/>
+              </a:ext>
+            </a:extLst>
+          </p:cNvPr>
+          <p:cNvSpPr txBox="1"/>
+          <p:nvPr/>
+        </p:nvSpPr>
+        <p:spPr>
+          <a:xfrm>
+            <a:off x="5770279" y="3470305"/>
+            <a:ext cx="816879" cy="369332"/>
+          </a:xfrm>
+          <a:prstGeom prst="rect">
+            <a:avLst/>
+          </a:prstGeom>
+          <a:noFill/>
+        </p:spPr>
+        <p:txBody>
+          <a:bodyPr wrap="square">
+            <a:spAutoFit/>
+          </a:bodyPr>
+          <a:lstStyle/>
+          <a:p>
+            <a:pPr algn="r"/>
+            <a:r>
+              <a:rPr lang="en-US" altLang="ko-Kore-KR" dirty="0">
+                <a:latin typeface="DM Mono" panose="020B0509040201040103" pitchFamily="49" charset="0"/>
+              </a:rPr>
+              <a:t>age</a:t>
+            </a:r>
+            <a:endParaRPr lang="ko-Kore-KR" altLang="en-US" dirty="0"/>
+          </a:p>
+        </p:txBody>
+      </p:sp>
+      <p:sp>
+        <p:nvSpPr>
+          <p:cNvPr id="12" name="TextBox 11">
+            <a:extLst>
+              <a:ext uri="{FF2B5EF4-FFF2-40B4-BE49-F238E27FC236}">
+                <a16:creationId xmlns:a16="http://schemas.microsoft.com/office/drawing/2014/main" id="{0F8B6AC2-5F8F-D626-1232-86AB8E1F9D69}"/>
+              </a:ext>
+            </a:extLst>
+          </p:cNvPr>
+          <p:cNvSpPr txBox="1"/>
+          <p:nvPr/>
+        </p:nvSpPr>
+        <p:spPr>
+          <a:xfrm>
+            <a:off x="6324399" y="2639149"/>
+            <a:ext cx="1144492" cy="369332"/>
+          </a:xfrm>
+          <a:prstGeom prst="rect">
+            <a:avLst/>
+          </a:prstGeom>
+          <a:noFill/>
+        </p:spPr>
+        <p:txBody>
+          <a:bodyPr wrap="square">
+            <a:spAutoFit/>
+          </a:bodyPr>
+          <a:lstStyle/>
+          <a:p>
+            <a:pPr algn="r"/>
+            <a:r>
+              <a:rPr lang="en-US" altLang="ko-Kore-KR" dirty="0">
+                <a:latin typeface="DM Mono" panose="020B0509040201040103" pitchFamily="49" charset="0"/>
+              </a:rPr>
+              <a:t>user2</a:t>
+            </a:r>
+            <a:endParaRPr lang="ko-Kore-KR" altLang="en-US" dirty="0"/>
+          </a:p>
+        </p:txBody>
+      </p:sp>
+      <p:cxnSp>
+        <p:nvCxnSpPr>
+          <p:cNvPr id="15" name="구부러진 연결선[U] 14">
+            <a:extLst>
+              <a:ext uri="{FF2B5EF4-FFF2-40B4-BE49-F238E27FC236}">
+                <a16:creationId xmlns:a16="http://schemas.microsoft.com/office/drawing/2014/main" id="{41215EF4-22F3-1D34-2AD8-4E31DC29D2ED}"/>
+              </a:ext>
+            </a:extLst>
+          </p:cNvPr>
+          <p:cNvCxnSpPr>
+            <a:cxnSpLocks/>
+            <a:stCxn id="6" idx="3"/>
+            <a:endCxn id="2" idx="1"/>
+          </p:cNvCxnSpPr>
+          <p:nvPr/>
+        </p:nvCxnSpPr>
+        <p:spPr>
+          <a:xfrm flipV="1">
+            <a:off x="7606661" y="856948"/>
+            <a:ext cx="1709867" cy="2346080"/>
+          </a:xfrm>
+          <a:prstGeom prst="curvedConnector3">
+            <a:avLst>
+              <a:gd name="adj1" fmla="val 50000"/>
+            </a:avLst>
+          </a:prstGeom>
+          <a:ln>
+            <a:tailEnd type="triangle"/>
+          </a:ln>
+        </p:spPr>
+        <p:style>
+          <a:lnRef idx="1">
+            <a:schemeClr val="dk1"/>
+          </a:lnRef>
+          <a:fillRef idx="0">
+            <a:schemeClr val="dk1"/>
+          </a:fillRef>
+          <a:effectRef idx="0">
+            <a:schemeClr val="dk1"/>
+          </a:effectRef>
+          <a:fontRef idx="minor">
+            <a:schemeClr val="tx1"/>
+          </a:fontRef>
+        </p:style>
+      </p:cxnSp>
+    </p:spTree>
+    <p:extLst>
+      <p:ext uri="{BB962C8B-B14F-4D97-AF65-F5344CB8AC3E}">
+        <p14:creationId xmlns:p14="http://schemas.microsoft.com/office/powerpoint/2010/main" val="2103247791"/>
       </p:ext>
     </p:extLst>
   </p:cSld>

--- a/230303.pptx
+++ b/230303.pptx
@@ -23,6 +23,13 @@
     <p:sldId id="271" r:id="rId17"/>
     <p:sldId id="272" r:id="rId18"/>
     <p:sldId id="273" r:id="rId19"/>
+    <p:sldId id="274" r:id="rId20"/>
+    <p:sldId id="275" r:id="rId21"/>
+    <p:sldId id="280" r:id="rId22"/>
+    <p:sldId id="276" r:id="rId23"/>
+    <p:sldId id="277" r:id="rId24"/>
+    <p:sldId id="278" r:id="rId25"/>
+    <p:sldId id="279" r:id="rId26"/>
   </p:sldIdLst>
   <p:sldSz cx="12192000" cy="6858000"/>
   <p:notesSz cx="6858000" cy="9144000"/>
@@ -10935,6 +10942,800 @@
 </p:sld>
 </file>
 
+<file path=ppt/slides/slide19.xml><?xml version="1.0" encoding="utf-8"?>
+<p:sld xmlns:a="http://schemas.openxmlformats.org/drawingml/2006/main" xmlns:r="http://schemas.openxmlformats.org/officeDocument/2006/relationships" xmlns:p="http://schemas.openxmlformats.org/presentationml/2006/main">
+  <p:cSld>
+    <p:spTree>
+      <p:nvGrpSpPr>
+        <p:cNvPr id="1" name=""/>
+        <p:cNvGrpSpPr/>
+        <p:nvPr/>
+      </p:nvGrpSpPr>
+      <p:grpSpPr>
+        <a:xfrm>
+          <a:off x="0" y="0"/>
+          <a:ext cx="0" cy="0"/>
+          <a:chOff x="0" y="0"/>
+          <a:chExt cx="0" cy="0"/>
+        </a:xfrm>
+      </p:grpSpPr>
+      <p:sp>
+        <p:nvSpPr>
+          <p:cNvPr id="8" name="직사각형 7">
+            <a:extLst>
+              <a:ext uri="{FF2B5EF4-FFF2-40B4-BE49-F238E27FC236}">
+                <a16:creationId xmlns:a16="http://schemas.microsoft.com/office/drawing/2014/main" id="{53C7E6E1-EDB4-B801-05E3-E15014B4BE3B}"/>
+              </a:ext>
+            </a:extLst>
+          </p:cNvPr>
+          <p:cNvSpPr/>
+          <p:nvPr/>
+        </p:nvSpPr>
+        <p:spPr>
+          <a:xfrm>
+            <a:off x="6579324" y="1044420"/>
+            <a:ext cx="1019503" cy="451945"/>
+          </a:xfrm>
+          <a:prstGeom prst="rect">
+            <a:avLst/>
+          </a:prstGeom>
+          <a:solidFill>
+            <a:srgbClr val="FFFF00"/>
+          </a:solidFill>
+        </p:spPr>
+        <p:style>
+          <a:lnRef idx="2">
+            <a:schemeClr val="accent1">
+              <a:shade val="50000"/>
+            </a:schemeClr>
+          </a:lnRef>
+          <a:fillRef idx="1">
+            <a:schemeClr val="accent1"/>
+          </a:fillRef>
+          <a:effectRef idx="0">
+            <a:schemeClr val="accent1"/>
+          </a:effectRef>
+          <a:fontRef idx="minor">
+            <a:schemeClr val="lt1"/>
+          </a:fontRef>
+        </p:style>
+        <p:txBody>
+          <a:bodyPr rtlCol="0" anchor="ctr"/>
+          <a:lstStyle/>
+          <a:p>
+            <a:pPr algn="ctr"/>
+            <a:endParaRPr kumimoji="1" lang="ko-Kore-KR" altLang="en-US" dirty="0">
+              <a:solidFill>
+                <a:schemeClr val="tx1"/>
+              </a:solidFill>
+              <a:latin typeface="DM Mono" panose="020B0509040201040103" pitchFamily="49" charset="0"/>
+            </a:endParaRPr>
+          </a:p>
+        </p:txBody>
+      </p:sp>
+      <p:sp>
+        <p:nvSpPr>
+          <p:cNvPr id="9" name="TextBox 8">
+            <a:extLst>
+              <a:ext uri="{FF2B5EF4-FFF2-40B4-BE49-F238E27FC236}">
+                <a16:creationId xmlns:a16="http://schemas.microsoft.com/office/drawing/2014/main" id="{21A94303-6DEB-249B-14B6-E01CACE75F96}"/>
+              </a:ext>
+            </a:extLst>
+          </p:cNvPr>
+          <p:cNvSpPr txBox="1"/>
+          <p:nvPr/>
+        </p:nvSpPr>
+        <p:spPr>
+          <a:xfrm>
+            <a:off x="5559821" y="1085726"/>
+            <a:ext cx="1019503" cy="369332"/>
+          </a:xfrm>
+          <a:prstGeom prst="rect">
+            <a:avLst/>
+          </a:prstGeom>
+          <a:noFill/>
+        </p:spPr>
+        <p:txBody>
+          <a:bodyPr wrap="square">
+            <a:spAutoFit/>
+          </a:bodyPr>
+          <a:lstStyle/>
+          <a:p>
+            <a:pPr algn="r"/>
+            <a:r>
+              <a:rPr lang="en-US" altLang="ko-Kore-KR" dirty="0">
+                <a:latin typeface="DM Mono" panose="020B0509040201040103" pitchFamily="49" charset="0"/>
+              </a:rPr>
+              <a:t>name</a:t>
+            </a:r>
+            <a:endParaRPr lang="ko-Kore-KR" altLang="en-US" dirty="0"/>
+          </a:p>
+        </p:txBody>
+      </p:sp>
+      <p:sp>
+        <p:nvSpPr>
+          <p:cNvPr id="3" name="직사각형 2">
+            <a:extLst>
+              <a:ext uri="{FF2B5EF4-FFF2-40B4-BE49-F238E27FC236}">
+                <a16:creationId xmlns:a16="http://schemas.microsoft.com/office/drawing/2014/main" id="{B696691E-66C2-E5A5-FC77-5DD1F01A92A3}"/>
+              </a:ext>
+            </a:extLst>
+          </p:cNvPr>
+          <p:cNvSpPr/>
+          <p:nvPr/>
+        </p:nvSpPr>
+        <p:spPr>
+          <a:xfrm>
+            <a:off x="6579324" y="1496364"/>
+            <a:ext cx="1019503" cy="451945"/>
+          </a:xfrm>
+          <a:prstGeom prst="rect">
+            <a:avLst/>
+          </a:prstGeom>
+          <a:solidFill>
+            <a:srgbClr val="FFFF00"/>
+          </a:solidFill>
+        </p:spPr>
+        <p:style>
+          <a:lnRef idx="2">
+            <a:schemeClr val="accent1">
+              <a:shade val="50000"/>
+            </a:schemeClr>
+          </a:lnRef>
+          <a:fillRef idx="1">
+            <a:schemeClr val="accent1"/>
+          </a:fillRef>
+          <a:effectRef idx="0">
+            <a:schemeClr val="accent1"/>
+          </a:effectRef>
+          <a:fontRef idx="minor">
+            <a:schemeClr val="lt1"/>
+          </a:fontRef>
+        </p:style>
+        <p:txBody>
+          <a:bodyPr rtlCol="0" anchor="ctr"/>
+          <a:lstStyle/>
+          <a:p>
+            <a:pPr algn="ctr"/>
+            <a:r>
+              <a:rPr kumimoji="1" lang="en-US" altLang="ko-Kore-KR" dirty="0">
+                <a:solidFill>
+                  <a:schemeClr val="tx1"/>
+                </a:solidFill>
+                <a:latin typeface="DM Mono" panose="020B0509040201040103" pitchFamily="49" charset="0"/>
+              </a:rPr>
+              <a:t>42</a:t>
+            </a:r>
+            <a:endParaRPr kumimoji="1" lang="ko-Kore-KR" altLang="en-US" dirty="0">
+              <a:solidFill>
+                <a:schemeClr val="tx1"/>
+              </a:solidFill>
+              <a:latin typeface="DM Mono" panose="020B0509040201040103" pitchFamily="49" charset="0"/>
+            </a:endParaRPr>
+          </a:p>
+        </p:txBody>
+      </p:sp>
+      <p:sp>
+        <p:nvSpPr>
+          <p:cNvPr id="4" name="TextBox 3">
+            <a:extLst>
+              <a:ext uri="{FF2B5EF4-FFF2-40B4-BE49-F238E27FC236}">
+                <a16:creationId xmlns:a16="http://schemas.microsoft.com/office/drawing/2014/main" id="{6780460D-4213-28A3-E2A9-497DCD9CD20B}"/>
+              </a:ext>
+            </a:extLst>
+          </p:cNvPr>
+          <p:cNvSpPr txBox="1"/>
+          <p:nvPr/>
+        </p:nvSpPr>
+        <p:spPr>
+          <a:xfrm>
+            <a:off x="5762445" y="1537670"/>
+            <a:ext cx="816879" cy="369332"/>
+          </a:xfrm>
+          <a:prstGeom prst="rect">
+            <a:avLst/>
+          </a:prstGeom>
+          <a:noFill/>
+        </p:spPr>
+        <p:txBody>
+          <a:bodyPr wrap="square">
+            <a:spAutoFit/>
+          </a:bodyPr>
+          <a:lstStyle/>
+          <a:p>
+            <a:pPr algn="r"/>
+            <a:r>
+              <a:rPr lang="en-US" altLang="ko-Kore-KR" dirty="0">
+                <a:latin typeface="DM Mono" panose="020B0509040201040103" pitchFamily="49" charset="0"/>
+              </a:rPr>
+              <a:t>age</a:t>
+            </a:r>
+            <a:endParaRPr lang="ko-Kore-KR" altLang="en-US" dirty="0"/>
+          </a:p>
+        </p:txBody>
+      </p:sp>
+      <p:sp>
+        <p:nvSpPr>
+          <p:cNvPr id="14" name="TextBox 13">
+            <a:extLst>
+              <a:ext uri="{FF2B5EF4-FFF2-40B4-BE49-F238E27FC236}">
+                <a16:creationId xmlns:a16="http://schemas.microsoft.com/office/drawing/2014/main" id="{2C906AAA-B591-9CE2-707D-564EC364CEA1}"/>
+              </a:ext>
+            </a:extLst>
+          </p:cNvPr>
+          <p:cNvSpPr txBox="1"/>
+          <p:nvPr/>
+        </p:nvSpPr>
+        <p:spPr>
+          <a:xfrm>
+            <a:off x="6316565" y="706514"/>
+            <a:ext cx="1144492" cy="369332"/>
+          </a:xfrm>
+          <a:prstGeom prst="rect">
+            <a:avLst/>
+          </a:prstGeom>
+          <a:noFill/>
+        </p:spPr>
+        <p:txBody>
+          <a:bodyPr wrap="square">
+            <a:spAutoFit/>
+          </a:bodyPr>
+          <a:lstStyle/>
+          <a:p>
+            <a:pPr algn="r"/>
+            <a:r>
+              <a:rPr lang="en-US" altLang="ko-Kore-KR" dirty="0">
+                <a:latin typeface="DM Mono" panose="020B0509040201040103" pitchFamily="49" charset="0"/>
+              </a:rPr>
+              <a:t>user1</a:t>
+            </a:r>
+            <a:endParaRPr lang="ko-Kore-KR" altLang="en-US" dirty="0"/>
+          </a:p>
+        </p:txBody>
+      </p:sp>
+      <p:sp>
+        <p:nvSpPr>
+          <p:cNvPr id="2" name="직사각형 1">
+            <a:extLst>
+              <a:ext uri="{FF2B5EF4-FFF2-40B4-BE49-F238E27FC236}">
+                <a16:creationId xmlns:a16="http://schemas.microsoft.com/office/drawing/2014/main" id="{A56DF2E7-85AA-BE31-956B-5F8B7FAAA23E}"/>
+              </a:ext>
+            </a:extLst>
+          </p:cNvPr>
+          <p:cNvSpPr/>
+          <p:nvPr/>
+        </p:nvSpPr>
+        <p:spPr>
+          <a:xfrm>
+            <a:off x="9316528" y="630975"/>
+            <a:ext cx="1919771" cy="451945"/>
+          </a:xfrm>
+          <a:prstGeom prst="rect">
+            <a:avLst/>
+          </a:prstGeom>
+          <a:solidFill>
+            <a:srgbClr val="FFFF00"/>
+          </a:solidFill>
+        </p:spPr>
+        <p:style>
+          <a:lnRef idx="2">
+            <a:schemeClr val="accent1">
+              <a:shade val="50000"/>
+            </a:schemeClr>
+          </a:lnRef>
+          <a:fillRef idx="1">
+            <a:schemeClr val="accent1"/>
+          </a:fillRef>
+          <a:effectRef idx="0">
+            <a:schemeClr val="accent1"/>
+          </a:effectRef>
+          <a:fontRef idx="minor">
+            <a:schemeClr val="lt1"/>
+          </a:fontRef>
+        </p:style>
+        <p:txBody>
+          <a:bodyPr rtlCol="0" anchor="ctr"/>
+          <a:lstStyle/>
+          <a:p>
+            <a:pPr algn="ctr"/>
+            <a:r>
+              <a:rPr kumimoji="1" lang="en-US" altLang="ko-Kore-KR" dirty="0">
+                <a:solidFill>
+                  <a:schemeClr val="tx1"/>
+                </a:solidFill>
+                <a:latin typeface="DM Mono" panose="020B0509040201040103" pitchFamily="49" charset="0"/>
+              </a:rPr>
+              <a:t>“Tom”</a:t>
+            </a:r>
+            <a:endParaRPr kumimoji="1" lang="ko-Kore-KR" altLang="en-US" dirty="0">
+              <a:solidFill>
+                <a:schemeClr val="tx1"/>
+              </a:solidFill>
+              <a:latin typeface="DM Mono" panose="020B0509040201040103" pitchFamily="49" charset="0"/>
+            </a:endParaRPr>
+          </a:p>
+        </p:txBody>
+      </p:sp>
+      <p:cxnSp>
+        <p:nvCxnSpPr>
+          <p:cNvPr id="13" name="구부러진 연결선[U] 12">
+            <a:extLst>
+              <a:ext uri="{FF2B5EF4-FFF2-40B4-BE49-F238E27FC236}">
+                <a16:creationId xmlns:a16="http://schemas.microsoft.com/office/drawing/2014/main" id="{32CC38EB-3710-5E69-2219-5D899AC66556}"/>
+              </a:ext>
+            </a:extLst>
+          </p:cNvPr>
+          <p:cNvCxnSpPr>
+            <a:stCxn id="8" idx="3"/>
+            <a:endCxn id="2" idx="1"/>
+          </p:cNvCxnSpPr>
+          <p:nvPr/>
+        </p:nvCxnSpPr>
+        <p:spPr>
+          <a:xfrm flipV="1">
+            <a:off x="7598827" y="856948"/>
+            <a:ext cx="1717701" cy="413445"/>
+          </a:xfrm>
+          <a:prstGeom prst="curvedConnector3">
+            <a:avLst/>
+          </a:prstGeom>
+          <a:ln>
+            <a:tailEnd type="triangle"/>
+          </a:ln>
+        </p:spPr>
+        <p:style>
+          <a:lnRef idx="1">
+            <a:schemeClr val="dk1"/>
+          </a:lnRef>
+          <a:fillRef idx="0">
+            <a:schemeClr val="dk1"/>
+          </a:fillRef>
+          <a:effectRef idx="0">
+            <a:schemeClr val="dk1"/>
+          </a:effectRef>
+          <a:fontRef idx="minor">
+            <a:schemeClr val="tx1"/>
+          </a:fontRef>
+        </p:style>
+      </p:cxnSp>
+      <p:sp>
+        <p:nvSpPr>
+          <p:cNvPr id="6" name="직사각형 5">
+            <a:extLst>
+              <a:ext uri="{FF2B5EF4-FFF2-40B4-BE49-F238E27FC236}">
+                <a16:creationId xmlns:a16="http://schemas.microsoft.com/office/drawing/2014/main" id="{C2856FD9-AA12-6E09-0081-40DBD97ED42E}"/>
+              </a:ext>
+            </a:extLst>
+          </p:cNvPr>
+          <p:cNvSpPr/>
+          <p:nvPr/>
+        </p:nvSpPr>
+        <p:spPr>
+          <a:xfrm>
+            <a:off x="6579324" y="2887597"/>
+            <a:ext cx="1019503" cy="451945"/>
+          </a:xfrm>
+          <a:prstGeom prst="rect">
+            <a:avLst/>
+          </a:prstGeom>
+          <a:solidFill>
+            <a:srgbClr val="FFFF00"/>
+          </a:solidFill>
+        </p:spPr>
+        <p:style>
+          <a:lnRef idx="2">
+            <a:schemeClr val="accent1">
+              <a:shade val="50000"/>
+            </a:schemeClr>
+          </a:lnRef>
+          <a:fillRef idx="1">
+            <a:schemeClr val="accent1"/>
+          </a:fillRef>
+          <a:effectRef idx="0">
+            <a:schemeClr val="accent1"/>
+          </a:effectRef>
+          <a:fontRef idx="minor">
+            <a:schemeClr val="lt1"/>
+          </a:fontRef>
+        </p:style>
+        <p:txBody>
+          <a:bodyPr rtlCol="0" anchor="ctr"/>
+          <a:lstStyle/>
+          <a:p>
+            <a:pPr algn="ctr"/>
+            <a:endParaRPr kumimoji="1" lang="ko-Kore-KR" altLang="en-US" dirty="0">
+              <a:solidFill>
+                <a:schemeClr val="tx1"/>
+              </a:solidFill>
+              <a:latin typeface="DM Mono" panose="020B0509040201040103" pitchFamily="49" charset="0"/>
+            </a:endParaRPr>
+          </a:p>
+        </p:txBody>
+      </p:sp>
+      <p:sp>
+        <p:nvSpPr>
+          <p:cNvPr id="7" name="TextBox 6">
+            <a:extLst>
+              <a:ext uri="{FF2B5EF4-FFF2-40B4-BE49-F238E27FC236}">
+                <a16:creationId xmlns:a16="http://schemas.microsoft.com/office/drawing/2014/main" id="{7F0583F7-CBB1-3176-B517-85F39B2F719F}"/>
+              </a:ext>
+            </a:extLst>
+          </p:cNvPr>
+          <p:cNvSpPr txBox="1"/>
+          <p:nvPr/>
+        </p:nvSpPr>
+        <p:spPr>
+          <a:xfrm>
+            <a:off x="5559821" y="2928903"/>
+            <a:ext cx="1019503" cy="369332"/>
+          </a:xfrm>
+          <a:prstGeom prst="rect">
+            <a:avLst/>
+          </a:prstGeom>
+          <a:noFill/>
+        </p:spPr>
+        <p:txBody>
+          <a:bodyPr wrap="square">
+            <a:spAutoFit/>
+          </a:bodyPr>
+          <a:lstStyle/>
+          <a:p>
+            <a:pPr algn="r"/>
+            <a:r>
+              <a:rPr lang="en-US" altLang="ko-Kore-KR" dirty="0">
+                <a:latin typeface="DM Mono" panose="020B0509040201040103" pitchFamily="49" charset="0"/>
+              </a:rPr>
+              <a:t>name</a:t>
+            </a:r>
+            <a:endParaRPr lang="ko-Kore-KR" altLang="en-US" dirty="0"/>
+          </a:p>
+        </p:txBody>
+      </p:sp>
+      <p:sp>
+        <p:nvSpPr>
+          <p:cNvPr id="10" name="직사각형 9">
+            <a:extLst>
+              <a:ext uri="{FF2B5EF4-FFF2-40B4-BE49-F238E27FC236}">
+                <a16:creationId xmlns:a16="http://schemas.microsoft.com/office/drawing/2014/main" id="{ACA56B23-29AD-05A0-2C34-08F6F4CEA9A9}"/>
+              </a:ext>
+            </a:extLst>
+          </p:cNvPr>
+          <p:cNvSpPr/>
+          <p:nvPr/>
+        </p:nvSpPr>
+        <p:spPr>
+          <a:xfrm>
+            <a:off x="6579324" y="3339541"/>
+            <a:ext cx="1019503" cy="451945"/>
+          </a:xfrm>
+          <a:prstGeom prst="rect">
+            <a:avLst/>
+          </a:prstGeom>
+          <a:solidFill>
+            <a:srgbClr val="FFFF00"/>
+          </a:solidFill>
+        </p:spPr>
+        <p:style>
+          <a:lnRef idx="2">
+            <a:schemeClr val="accent1">
+              <a:shade val="50000"/>
+            </a:schemeClr>
+          </a:lnRef>
+          <a:fillRef idx="1">
+            <a:schemeClr val="accent1"/>
+          </a:fillRef>
+          <a:effectRef idx="0">
+            <a:schemeClr val="accent1"/>
+          </a:effectRef>
+          <a:fontRef idx="minor">
+            <a:schemeClr val="lt1"/>
+          </a:fontRef>
+        </p:style>
+        <p:txBody>
+          <a:bodyPr rtlCol="0" anchor="ctr"/>
+          <a:lstStyle/>
+          <a:p>
+            <a:pPr algn="ctr"/>
+            <a:r>
+              <a:rPr kumimoji="1" lang="en-US" altLang="ko-Kore-KR" dirty="0">
+                <a:solidFill>
+                  <a:schemeClr val="tx1"/>
+                </a:solidFill>
+                <a:latin typeface="DM Mono" panose="020B0509040201040103" pitchFamily="49" charset="0"/>
+              </a:rPr>
+              <a:t>42</a:t>
+            </a:r>
+            <a:endParaRPr kumimoji="1" lang="ko-Kore-KR" altLang="en-US" dirty="0">
+              <a:solidFill>
+                <a:schemeClr val="tx1"/>
+              </a:solidFill>
+              <a:latin typeface="DM Mono" panose="020B0509040201040103" pitchFamily="49" charset="0"/>
+            </a:endParaRPr>
+          </a:p>
+        </p:txBody>
+      </p:sp>
+      <p:sp>
+        <p:nvSpPr>
+          <p:cNvPr id="11" name="TextBox 10">
+            <a:extLst>
+              <a:ext uri="{FF2B5EF4-FFF2-40B4-BE49-F238E27FC236}">
+                <a16:creationId xmlns:a16="http://schemas.microsoft.com/office/drawing/2014/main" id="{AA01C9D7-C2A5-1430-9AED-C1BD75415CA6}"/>
+              </a:ext>
+            </a:extLst>
+          </p:cNvPr>
+          <p:cNvSpPr txBox="1"/>
+          <p:nvPr/>
+        </p:nvSpPr>
+        <p:spPr>
+          <a:xfrm>
+            <a:off x="5762445" y="3380847"/>
+            <a:ext cx="816879" cy="369332"/>
+          </a:xfrm>
+          <a:prstGeom prst="rect">
+            <a:avLst/>
+          </a:prstGeom>
+          <a:noFill/>
+        </p:spPr>
+        <p:txBody>
+          <a:bodyPr wrap="square">
+            <a:spAutoFit/>
+          </a:bodyPr>
+          <a:lstStyle/>
+          <a:p>
+            <a:pPr algn="r"/>
+            <a:r>
+              <a:rPr lang="en-US" altLang="ko-Kore-KR" dirty="0">
+                <a:latin typeface="DM Mono" panose="020B0509040201040103" pitchFamily="49" charset="0"/>
+              </a:rPr>
+              <a:t>age</a:t>
+            </a:r>
+            <a:endParaRPr lang="ko-Kore-KR" altLang="en-US" dirty="0"/>
+          </a:p>
+        </p:txBody>
+      </p:sp>
+      <p:sp>
+        <p:nvSpPr>
+          <p:cNvPr id="12" name="TextBox 11">
+            <a:extLst>
+              <a:ext uri="{FF2B5EF4-FFF2-40B4-BE49-F238E27FC236}">
+                <a16:creationId xmlns:a16="http://schemas.microsoft.com/office/drawing/2014/main" id="{19FA0AFB-1A2C-15BF-FA77-ABD1BE70F7CE}"/>
+              </a:ext>
+            </a:extLst>
+          </p:cNvPr>
+          <p:cNvSpPr txBox="1"/>
+          <p:nvPr/>
+        </p:nvSpPr>
+        <p:spPr>
+          <a:xfrm>
+            <a:off x="6316565" y="2549691"/>
+            <a:ext cx="1144492" cy="369332"/>
+          </a:xfrm>
+          <a:prstGeom prst="rect">
+            <a:avLst/>
+          </a:prstGeom>
+          <a:noFill/>
+        </p:spPr>
+        <p:txBody>
+          <a:bodyPr wrap="square">
+            <a:spAutoFit/>
+          </a:bodyPr>
+          <a:lstStyle/>
+          <a:p>
+            <a:pPr algn="r"/>
+            <a:r>
+              <a:rPr lang="en-US" altLang="ko-Kore-KR" dirty="0">
+                <a:latin typeface="DM Mono" panose="020B0509040201040103" pitchFamily="49" charset="0"/>
+              </a:rPr>
+              <a:t>user</a:t>
+            </a:r>
+            <a:r>
+              <a:rPr lang="en-US" altLang="ko-KR" dirty="0">
+                <a:latin typeface="DM Mono" panose="020B0509040201040103" pitchFamily="49" charset="0"/>
+              </a:rPr>
+              <a:t>2</a:t>
+            </a:r>
+            <a:endParaRPr lang="ko-Kore-KR" altLang="en-US" dirty="0"/>
+          </a:p>
+        </p:txBody>
+      </p:sp>
+      <p:sp>
+        <p:nvSpPr>
+          <p:cNvPr id="18" name="직사각형 17">
+            <a:extLst>
+              <a:ext uri="{FF2B5EF4-FFF2-40B4-BE49-F238E27FC236}">
+                <a16:creationId xmlns:a16="http://schemas.microsoft.com/office/drawing/2014/main" id="{FEDC871B-8ABA-AFF3-95B7-B03FB399C252}"/>
+              </a:ext>
+            </a:extLst>
+          </p:cNvPr>
+          <p:cNvSpPr/>
+          <p:nvPr/>
+        </p:nvSpPr>
+        <p:spPr>
+          <a:xfrm>
+            <a:off x="9236015" y="2467078"/>
+            <a:ext cx="1919771" cy="451945"/>
+          </a:xfrm>
+          <a:prstGeom prst="rect">
+            <a:avLst/>
+          </a:prstGeom>
+          <a:solidFill>
+            <a:srgbClr val="FFFF00"/>
+          </a:solidFill>
+        </p:spPr>
+        <p:style>
+          <a:lnRef idx="2">
+            <a:schemeClr val="accent1">
+              <a:shade val="50000"/>
+            </a:schemeClr>
+          </a:lnRef>
+          <a:fillRef idx="1">
+            <a:schemeClr val="accent1"/>
+          </a:fillRef>
+          <a:effectRef idx="0">
+            <a:schemeClr val="accent1"/>
+          </a:effectRef>
+          <a:fontRef idx="minor">
+            <a:schemeClr val="lt1"/>
+          </a:fontRef>
+        </p:style>
+        <p:txBody>
+          <a:bodyPr rtlCol="0" anchor="ctr"/>
+          <a:lstStyle/>
+          <a:p>
+            <a:pPr algn="ctr"/>
+            <a:r>
+              <a:rPr kumimoji="1" lang="en-US" altLang="ko-Kore-KR" dirty="0">
+                <a:solidFill>
+                  <a:schemeClr val="tx1"/>
+                </a:solidFill>
+                <a:latin typeface="DM Mono" panose="020B0509040201040103" pitchFamily="49" charset="0"/>
+              </a:rPr>
+              <a:t>“Tom”</a:t>
+            </a:r>
+            <a:endParaRPr kumimoji="1" lang="ko-Kore-KR" altLang="en-US" dirty="0">
+              <a:solidFill>
+                <a:schemeClr val="tx1"/>
+              </a:solidFill>
+              <a:latin typeface="DM Mono" panose="020B0509040201040103" pitchFamily="49" charset="0"/>
+            </a:endParaRPr>
+          </a:p>
+        </p:txBody>
+      </p:sp>
+      <p:cxnSp>
+        <p:nvCxnSpPr>
+          <p:cNvPr id="19" name="구부러진 연결선[U] 18">
+            <a:extLst>
+              <a:ext uri="{FF2B5EF4-FFF2-40B4-BE49-F238E27FC236}">
+                <a16:creationId xmlns:a16="http://schemas.microsoft.com/office/drawing/2014/main" id="{F20598E9-266F-6407-4FD9-481AAE5FDB93}"/>
+              </a:ext>
+            </a:extLst>
+          </p:cNvPr>
+          <p:cNvCxnSpPr>
+            <a:cxnSpLocks/>
+            <a:stCxn id="6" idx="3"/>
+            <a:endCxn id="18" idx="1"/>
+          </p:cNvCxnSpPr>
+          <p:nvPr/>
+        </p:nvCxnSpPr>
+        <p:spPr>
+          <a:xfrm flipV="1">
+            <a:off x="7598827" y="2693051"/>
+            <a:ext cx="1637188" cy="420519"/>
+          </a:xfrm>
+          <a:prstGeom prst="curvedConnector3">
+            <a:avLst>
+              <a:gd name="adj1" fmla="val 50000"/>
+            </a:avLst>
+          </a:prstGeom>
+          <a:ln>
+            <a:tailEnd type="triangle"/>
+          </a:ln>
+        </p:spPr>
+        <p:style>
+          <a:lnRef idx="1">
+            <a:schemeClr val="dk1"/>
+          </a:lnRef>
+          <a:fillRef idx="0">
+            <a:schemeClr val="dk1"/>
+          </a:fillRef>
+          <a:effectRef idx="0">
+            <a:schemeClr val="dk1"/>
+          </a:effectRef>
+          <a:fontRef idx="minor">
+            <a:schemeClr val="tx1"/>
+          </a:fontRef>
+        </p:style>
+      </p:cxnSp>
+      <p:sp>
+        <p:nvSpPr>
+          <p:cNvPr id="26" name="TextBox 25">
+            <a:extLst>
+              <a:ext uri="{FF2B5EF4-FFF2-40B4-BE49-F238E27FC236}">
+                <a16:creationId xmlns:a16="http://schemas.microsoft.com/office/drawing/2014/main" id="{CF8BC190-00D9-5337-02CE-A25AB9BD21F5}"/>
+              </a:ext>
+            </a:extLst>
+          </p:cNvPr>
+          <p:cNvSpPr txBox="1"/>
+          <p:nvPr/>
+        </p:nvSpPr>
+        <p:spPr>
+          <a:xfrm>
+            <a:off x="346992" y="474021"/>
+            <a:ext cx="6094562" cy="1569660"/>
+          </a:xfrm>
+          <a:prstGeom prst="rect">
+            <a:avLst/>
+          </a:prstGeom>
+          <a:noFill/>
+        </p:spPr>
+        <p:txBody>
+          <a:bodyPr wrap="square">
+            <a:spAutoFit/>
+          </a:bodyPr>
+          <a:lstStyle/>
+          <a:p>
+            <a:r>
+              <a:rPr lang="ko-Kore-KR" altLang="en-US" sz="1600" dirty="0">
+                <a:latin typeface="DM Mono" panose="020B0509040201040103" pitchFamily="49" charset="0"/>
+              </a:rPr>
+              <a:t>User(const User&amp; rhs)</a:t>
+            </a:r>
+          </a:p>
+          <a:p>
+            <a:r>
+              <a:rPr lang="ko-Kore-KR" altLang="en-US" sz="1600" dirty="0">
+                <a:latin typeface="DM Mono" panose="020B0509040201040103" pitchFamily="49" charset="0"/>
+              </a:rPr>
+              <a:t>        : age(rhs.age)</a:t>
+            </a:r>
+          </a:p>
+          <a:p>
+            <a:r>
+              <a:rPr lang="ko-Kore-KR" altLang="en-US" sz="1600" dirty="0">
+                <a:latin typeface="DM Mono" panose="020B0509040201040103" pitchFamily="49" charset="0"/>
+              </a:rPr>
+              <a:t>{</a:t>
+            </a:r>
+          </a:p>
+          <a:p>
+            <a:r>
+              <a:rPr lang="ko-Kore-KR" altLang="en-US" sz="1600" dirty="0">
+                <a:latin typeface="DM Mono" panose="020B0509040201040103" pitchFamily="49" charset="0"/>
+              </a:rPr>
+              <a:t>    name = new char[strlen(rhs.name) + 1];</a:t>
+            </a:r>
+          </a:p>
+          <a:p>
+            <a:r>
+              <a:rPr lang="ko-Kore-KR" altLang="en-US" sz="1600" dirty="0">
+                <a:latin typeface="DM Mono" panose="020B0509040201040103" pitchFamily="49" charset="0"/>
+              </a:rPr>
+              <a:t>    strcpy(name, rhs.name);</a:t>
+            </a:r>
+          </a:p>
+          <a:p>
+            <a:r>
+              <a:rPr lang="ko-Kore-KR" altLang="en-US" sz="1600" dirty="0">
+                <a:latin typeface="DM Mono" panose="020B0509040201040103" pitchFamily="49" charset="0"/>
+              </a:rPr>
+              <a:t>}</a:t>
+            </a:r>
+          </a:p>
+        </p:txBody>
+      </p:sp>
+    </p:spTree>
+    <p:extLst>
+      <p:ext uri="{BB962C8B-B14F-4D97-AF65-F5344CB8AC3E}">
+        <p14:creationId xmlns:p14="http://schemas.microsoft.com/office/powerpoint/2010/main" val="3620480586"/>
+      </p:ext>
+    </p:extLst>
+  </p:cSld>
+  <p:clrMapOvr>
+    <a:masterClrMapping/>
+  </p:clrMapOvr>
+</p:sld>
+</file>
+
 <file path=ppt/slides/slide2.xml><?xml version="1.0" encoding="utf-8"?>
 <p:sld xmlns:a="http://schemas.openxmlformats.org/drawingml/2006/main" xmlns:r="http://schemas.openxmlformats.org/officeDocument/2006/relationships" xmlns:p="http://schemas.openxmlformats.org/presentationml/2006/main">
   <p:cSld>
@@ -11428,6 +12229,6420 @@
     <p:extLst>
       <p:ext uri="{BB962C8B-B14F-4D97-AF65-F5344CB8AC3E}">
         <p14:creationId xmlns:p14="http://schemas.microsoft.com/office/powerpoint/2010/main" val="1975084592"/>
+      </p:ext>
+    </p:extLst>
+  </p:cSld>
+  <p:clrMapOvr>
+    <a:masterClrMapping/>
+  </p:clrMapOvr>
+</p:sld>
+</file>
+
+<file path=ppt/slides/slide20.xml><?xml version="1.0" encoding="utf-8"?>
+<p:sld xmlns:a="http://schemas.openxmlformats.org/drawingml/2006/main" xmlns:r="http://schemas.openxmlformats.org/officeDocument/2006/relationships" xmlns:p="http://schemas.openxmlformats.org/presentationml/2006/main">
+  <p:cSld>
+    <p:spTree>
+      <p:nvGrpSpPr>
+        <p:cNvPr id="1" name=""/>
+        <p:cNvGrpSpPr/>
+        <p:nvPr/>
+      </p:nvGrpSpPr>
+      <p:grpSpPr>
+        <a:xfrm>
+          <a:off x="0" y="0"/>
+          <a:ext cx="0" cy="0"/>
+          <a:chOff x="0" y="0"/>
+          <a:chExt cx="0" cy="0"/>
+        </a:xfrm>
+      </p:grpSpPr>
+      <p:sp>
+        <p:nvSpPr>
+          <p:cNvPr id="8" name="직사각형 7">
+            <a:extLst>
+              <a:ext uri="{FF2B5EF4-FFF2-40B4-BE49-F238E27FC236}">
+                <a16:creationId xmlns:a16="http://schemas.microsoft.com/office/drawing/2014/main" id="{53C7E6E1-EDB4-B801-05E3-E15014B4BE3B}"/>
+              </a:ext>
+            </a:extLst>
+          </p:cNvPr>
+          <p:cNvSpPr/>
+          <p:nvPr/>
+        </p:nvSpPr>
+        <p:spPr>
+          <a:xfrm>
+            <a:off x="6579324" y="1044420"/>
+            <a:ext cx="1019503" cy="451945"/>
+          </a:xfrm>
+          <a:prstGeom prst="rect">
+            <a:avLst/>
+          </a:prstGeom>
+          <a:solidFill>
+            <a:srgbClr val="FFFF00"/>
+          </a:solidFill>
+        </p:spPr>
+        <p:style>
+          <a:lnRef idx="2">
+            <a:schemeClr val="accent1">
+              <a:shade val="50000"/>
+            </a:schemeClr>
+          </a:lnRef>
+          <a:fillRef idx="1">
+            <a:schemeClr val="accent1"/>
+          </a:fillRef>
+          <a:effectRef idx="0">
+            <a:schemeClr val="accent1"/>
+          </a:effectRef>
+          <a:fontRef idx="minor">
+            <a:schemeClr val="lt1"/>
+          </a:fontRef>
+        </p:style>
+        <p:txBody>
+          <a:bodyPr rtlCol="0" anchor="ctr"/>
+          <a:lstStyle/>
+          <a:p>
+            <a:pPr algn="ctr"/>
+            <a:endParaRPr kumimoji="1" lang="ko-Kore-KR" altLang="en-US" dirty="0">
+              <a:solidFill>
+                <a:schemeClr val="tx1"/>
+              </a:solidFill>
+              <a:latin typeface="DM Mono" panose="020B0509040201040103" pitchFamily="49" charset="0"/>
+            </a:endParaRPr>
+          </a:p>
+        </p:txBody>
+      </p:sp>
+      <p:sp>
+        <p:nvSpPr>
+          <p:cNvPr id="9" name="TextBox 8">
+            <a:extLst>
+              <a:ext uri="{FF2B5EF4-FFF2-40B4-BE49-F238E27FC236}">
+                <a16:creationId xmlns:a16="http://schemas.microsoft.com/office/drawing/2014/main" id="{21A94303-6DEB-249B-14B6-E01CACE75F96}"/>
+              </a:ext>
+            </a:extLst>
+          </p:cNvPr>
+          <p:cNvSpPr txBox="1"/>
+          <p:nvPr/>
+        </p:nvSpPr>
+        <p:spPr>
+          <a:xfrm>
+            <a:off x="5559821" y="1085726"/>
+            <a:ext cx="1019503" cy="369332"/>
+          </a:xfrm>
+          <a:prstGeom prst="rect">
+            <a:avLst/>
+          </a:prstGeom>
+          <a:noFill/>
+        </p:spPr>
+        <p:txBody>
+          <a:bodyPr wrap="square">
+            <a:spAutoFit/>
+          </a:bodyPr>
+          <a:lstStyle/>
+          <a:p>
+            <a:pPr algn="r"/>
+            <a:r>
+              <a:rPr lang="en-US" altLang="ko-Kore-KR" dirty="0">
+                <a:latin typeface="DM Mono" panose="020B0509040201040103" pitchFamily="49" charset="0"/>
+              </a:rPr>
+              <a:t>name</a:t>
+            </a:r>
+            <a:endParaRPr lang="ko-Kore-KR" altLang="en-US" dirty="0"/>
+          </a:p>
+        </p:txBody>
+      </p:sp>
+      <p:sp>
+        <p:nvSpPr>
+          <p:cNvPr id="3" name="직사각형 2">
+            <a:extLst>
+              <a:ext uri="{FF2B5EF4-FFF2-40B4-BE49-F238E27FC236}">
+                <a16:creationId xmlns:a16="http://schemas.microsoft.com/office/drawing/2014/main" id="{B696691E-66C2-E5A5-FC77-5DD1F01A92A3}"/>
+              </a:ext>
+            </a:extLst>
+          </p:cNvPr>
+          <p:cNvSpPr/>
+          <p:nvPr/>
+        </p:nvSpPr>
+        <p:spPr>
+          <a:xfrm>
+            <a:off x="6579324" y="1496364"/>
+            <a:ext cx="1019503" cy="451945"/>
+          </a:xfrm>
+          <a:prstGeom prst="rect">
+            <a:avLst/>
+          </a:prstGeom>
+          <a:solidFill>
+            <a:srgbClr val="FFFF00"/>
+          </a:solidFill>
+        </p:spPr>
+        <p:style>
+          <a:lnRef idx="2">
+            <a:schemeClr val="accent1">
+              <a:shade val="50000"/>
+            </a:schemeClr>
+          </a:lnRef>
+          <a:fillRef idx="1">
+            <a:schemeClr val="accent1"/>
+          </a:fillRef>
+          <a:effectRef idx="0">
+            <a:schemeClr val="accent1"/>
+          </a:effectRef>
+          <a:fontRef idx="minor">
+            <a:schemeClr val="lt1"/>
+          </a:fontRef>
+        </p:style>
+        <p:txBody>
+          <a:bodyPr rtlCol="0" anchor="ctr"/>
+          <a:lstStyle/>
+          <a:p>
+            <a:pPr algn="ctr"/>
+            <a:r>
+              <a:rPr kumimoji="1" lang="en-US" altLang="ko-Kore-KR" dirty="0">
+                <a:solidFill>
+                  <a:schemeClr val="tx1"/>
+                </a:solidFill>
+                <a:latin typeface="DM Mono" panose="020B0509040201040103" pitchFamily="49" charset="0"/>
+              </a:rPr>
+              <a:t>42</a:t>
+            </a:r>
+            <a:endParaRPr kumimoji="1" lang="ko-Kore-KR" altLang="en-US" dirty="0">
+              <a:solidFill>
+                <a:schemeClr val="tx1"/>
+              </a:solidFill>
+              <a:latin typeface="DM Mono" panose="020B0509040201040103" pitchFamily="49" charset="0"/>
+            </a:endParaRPr>
+          </a:p>
+        </p:txBody>
+      </p:sp>
+      <p:sp>
+        <p:nvSpPr>
+          <p:cNvPr id="4" name="TextBox 3">
+            <a:extLst>
+              <a:ext uri="{FF2B5EF4-FFF2-40B4-BE49-F238E27FC236}">
+                <a16:creationId xmlns:a16="http://schemas.microsoft.com/office/drawing/2014/main" id="{6780460D-4213-28A3-E2A9-497DCD9CD20B}"/>
+              </a:ext>
+            </a:extLst>
+          </p:cNvPr>
+          <p:cNvSpPr txBox="1"/>
+          <p:nvPr/>
+        </p:nvSpPr>
+        <p:spPr>
+          <a:xfrm>
+            <a:off x="5762445" y="1537670"/>
+            <a:ext cx="816879" cy="369332"/>
+          </a:xfrm>
+          <a:prstGeom prst="rect">
+            <a:avLst/>
+          </a:prstGeom>
+          <a:noFill/>
+        </p:spPr>
+        <p:txBody>
+          <a:bodyPr wrap="square">
+            <a:spAutoFit/>
+          </a:bodyPr>
+          <a:lstStyle/>
+          <a:p>
+            <a:pPr algn="r"/>
+            <a:r>
+              <a:rPr lang="en-US" altLang="ko-Kore-KR" dirty="0">
+                <a:latin typeface="DM Mono" panose="020B0509040201040103" pitchFamily="49" charset="0"/>
+              </a:rPr>
+              <a:t>age</a:t>
+            </a:r>
+            <a:endParaRPr lang="ko-Kore-KR" altLang="en-US" dirty="0"/>
+          </a:p>
+        </p:txBody>
+      </p:sp>
+      <p:sp>
+        <p:nvSpPr>
+          <p:cNvPr id="14" name="TextBox 13">
+            <a:extLst>
+              <a:ext uri="{FF2B5EF4-FFF2-40B4-BE49-F238E27FC236}">
+                <a16:creationId xmlns:a16="http://schemas.microsoft.com/office/drawing/2014/main" id="{2C906AAA-B591-9CE2-707D-564EC364CEA1}"/>
+              </a:ext>
+            </a:extLst>
+          </p:cNvPr>
+          <p:cNvSpPr txBox="1"/>
+          <p:nvPr/>
+        </p:nvSpPr>
+        <p:spPr>
+          <a:xfrm>
+            <a:off x="6316565" y="706514"/>
+            <a:ext cx="1144492" cy="369332"/>
+          </a:xfrm>
+          <a:prstGeom prst="rect">
+            <a:avLst/>
+          </a:prstGeom>
+          <a:noFill/>
+        </p:spPr>
+        <p:txBody>
+          <a:bodyPr wrap="square">
+            <a:spAutoFit/>
+          </a:bodyPr>
+          <a:lstStyle/>
+          <a:p>
+            <a:pPr algn="r"/>
+            <a:r>
+              <a:rPr lang="en-US" altLang="ko-Kore-KR" dirty="0">
+                <a:latin typeface="DM Mono" panose="020B0509040201040103" pitchFamily="49" charset="0"/>
+              </a:rPr>
+              <a:t>user1</a:t>
+            </a:r>
+            <a:endParaRPr lang="ko-Kore-KR" altLang="en-US" dirty="0"/>
+          </a:p>
+        </p:txBody>
+      </p:sp>
+      <p:sp>
+        <p:nvSpPr>
+          <p:cNvPr id="2" name="직사각형 1">
+            <a:extLst>
+              <a:ext uri="{FF2B5EF4-FFF2-40B4-BE49-F238E27FC236}">
+                <a16:creationId xmlns:a16="http://schemas.microsoft.com/office/drawing/2014/main" id="{A56DF2E7-85AA-BE31-956B-5F8B7FAAA23E}"/>
+              </a:ext>
+            </a:extLst>
+          </p:cNvPr>
+          <p:cNvSpPr/>
+          <p:nvPr/>
+        </p:nvSpPr>
+        <p:spPr>
+          <a:xfrm>
+            <a:off x="9316528" y="630975"/>
+            <a:ext cx="1919771" cy="451945"/>
+          </a:xfrm>
+          <a:prstGeom prst="rect">
+            <a:avLst/>
+          </a:prstGeom>
+          <a:solidFill>
+            <a:srgbClr val="FFFF00"/>
+          </a:solidFill>
+        </p:spPr>
+        <p:style>
+          <a:lnRef idx="2">
+            <a:schemeClr val="accent1">
+              <a:shade val="50000"/>
+            </a:schemeClr>
+          </a:lnRef>
+          <a:fillRef idx="1">
+            <a:schemeClr val="accent1"/>
+          </a:fillRef>
+          <a:effectRef idx="0">
+            <a:schemeClr val="accent1"/>
+          </a:effectRef>
+          <a:fontRef idx="minor">
+            <a:schemeClr val="lt1"/>
+          </a:fontRef>
+        </p:style>
+        <p:txBody>
+          <a:bodyPr rtlCol="0" anchor="ctr"/>
+          <a:lstStyle/>
+          <a:p>
+            <a:pPr algn="ctr"/>
+            <a:r>
+              <a:rPr kumimoji="1" lang="en-US" altLang="ko-Kore-KR" dirty="0">
+                <a:solidFill>
+                  <a:schemeClr val="tx1"/>
+                </a:solidFill>
+                <a:latin typeface="DM Mono" panose="020B0509040201040103" pitchFamily="49" charset="0"/>
+              </a:rPr>
+              <a:t>“Tom”</a:t>
+            </a:r>
+            <a:endParaRPr kumimoji="1" lang="ko-Kore-KR" altLang="en-US" dirty="0">
+              <a:solidFill>
+                <a:schemeClr val="tx1"/>
+              </a:solidFill>
+              <a:latin typeface="DM Mono" panose="020B0509040201040103" pitchFamily="49" charset="0"/>
+            </a:endParaRPr>
+          </a:p>
+        </p:txBody>
+      </p:sp>
+      <p:cxnSp>
+        <p:nvCxnSpPr>
+          <p:cNvPr id="13" name="구부러진 연결선[U] 12">
+            <a:extLst>
+              <a:ext uri="{FF2B5EF4-FFF2-40B4-BE49-F238E27FC236}">
+                <a16:creationId xmlns:a16="http://schemas.microsoft.com/office/drawing/2014/main" id="{32CC38EB-3710-5E69-2219-5D899AC66556}"/>
+              </a:ext>
+            </a:extLst>
+          </p:cNvPr>
+          <p:cNvCxnSpPr>
+            <a:stCxn id="8" idx="3"/>
+            <a:endCxn id="2" idx="1"/>
+          </p:cNvCxnSpPr>
+          <p:nvPr/>
+        </p:nvCxnSpPr>
+        <p:spPr>
+          <a:xfrm flipV="1">
+            <a:off x="7598827" y="856948"/>
+            <a:ext cx="1717701" cy="413445"/>
+          </a:xfrm>
+          <a:prstGeom prst="curvedConnector3">
+            <a:avLst/>
+          </a:prstGeom>
+          <a:ln>
+            <a:tailEnd type="triangle"/>
+          </a:ln>
+        </p:spPr>
+        <p:style>
+          <a:lnRef idx="1">
+            <a:schemeClr val="dk1"/>
+          </a:lnRef>
+          <a:fillRef idx="0">
+            <a:schemeClr val="dk1"/>
+          </a:fillRef>
+          <a:effectRef idx="0">
+            <a:schemeClr val="dk1"/>
+          </a:effectRef>
+          <a:fontRef idx="minor">
+            <a:schemeClr val="tx1"/>
+          </a:fontRef>
+        </p:style>
+      </p:cxnSp>
+      <p:sp>
+        <p:nvSpPr>
+          <p:cNvPr id="6" name="직사각형 5">
+            <a:extLst>
+              <a:ext uri="{FF2B5EF4-FFF2-40B4-BE49-F238E27FC236}">
+                <a16:creationId xmlns:a16="http://schemas.microsoft.com/office/drawing/2014/main" id="{1CD764CC-1FEF-05E5-7473-FE9FEE764C0E}"/>
+              </a:ext>
+            </a:extLst>
+          </p:cNvPr>
+          <p:cNvSpPr/>
+          <p:nvPr/>
+        </p:nvSpPr>
+        <p:spPr>
+          <a:xfrm>
+            <a:off x="6579324" y="1948307"/>
+            <a:ext cx="1019503" cy="451945"/>
+          </a:xfrm>
+          <a:prstGeom prst="rect">
+            <a:avLst/>
+          </a:prstGeom>
+          <a:solidFill>
+            <a:srgbClr val="FFFF00"/>
+          </a:solidFill>
+        </p:spPr>
+        <p:style>
+          <a:lnRef idx="2">
+            <a:schemeClr val="accent1">
+              <a:shade val="50000"/>
+            </a:schemeClr>
+          </a:lnRef>
+          <a:fillRef idx="1">
+            <a:schemeClr val="accent1"/>
+          </a:fillRef>
+          <a:effectRef idx="0">
+            <a:schemeClr val="accent1"/>
+          </a:effectRef>
+          <a:fontRef idx="minor">
+            <a:schemeClr val="lt1"/>
+          </a:fontRef>
+        </p:style>
+        <p:txBody>
+          <a:bodyPr rtlCol="0" anchor="ctr"/>
+          <a:lstStyle/>
+          <a:p>
+            <a:pPr algn="ctr"/>
+            <a:endParaRPr kumimoji="1" lang="ko-Kore-KR" altLang="en-US" dirty="0">
+              <a:solidFill>
+                <a:schemeClr val="tx1"/>
+              </a:solidFill>
+              <a:latin typeface="DM Mono" panose="020B0509040201040103" pitchFamily="49" charset="0"/>
+            </a:endParaRPr>
+          </a:p>
+        </p:txBody>
+      </p:sp>
+      <p:sp>
+        <p:nvSpPr>
+          <p:cNvPr id="7" name="TextBox 6">
+            <a:extLst>
+              <a:ext uri="{FF2B5EF4-FFF2-40B4-BE49-F238E27FC236}">
+                <a16:creationId xmlns:a16="http://schemas.microsoft.com/office/drawing/2014/main" id="{C5031269-ECF4-F875-1C16-18EBA208442E}"/>
+              </a:ext>
+            </a:extLst>
+          </p:cNvPr>
+          <p:cNvSpPr txBox="1"/>
+          <p:nvPr/>
+        </p:nvSpPr>
+        <p:spPr>
+          <a:xfrm>
+            <a:off x="5762445" y="1989613"/>
+            <a:ext cx="816879" cy="369332"/>
+          </a:xfrm>
+          <a:prstGeom prst="rect">
+            <a:avLst/>
+          </a:prstGeom>
+          <a:noFill/>
+        </p:spPr>
+        <p:txBody>
+          <a:bodyPr wrap="square">
+            <a:spAutoFit/>
+          </a:bodyPr>
+          <a:lstStyle/>
+          <a:p>
+            <a:pPr algn="r"/>
+            <a:r>
+              <a:rPr lang="en-US" altLang="ko-Kore-KR" dirty="0">
+                <a:latin typeface="DM Mono" panose="020B0509040201040103" pitchFamily="49" charset="0"/>
+              </a:rPr>
+              <a:t>ref</a:t>
+            </a:r>
+            <a:endParaRPr lang="ko-Kore-KR" altLang="en-US" dirty="0"/>
+          </a:p>
+        </p:txBody>
+      </p:sp>
+      <p:sp>
+        <p:nvSpPr>
+          <p:cNvPr id="10" name="직사각형 9">
+            <a:extLst>
+              <a:ext uri="{FF2B5EF4-FFF2-40B4-BE49-F238E27FC236}">
+                <a16:creationId xmlns:a16="http://schemas.microsoft.com/office/drawing/2014/main" id="{846AEF10-46E5-B36D-C285-25D16C185DFA}"/>
+              </a:ext>
+            </a:extLst>
+          </p:cNvPr>
+          <p:cNvSpPr/>
+          <p:nvPr/>
+        </p:nvSpPr>
+        <p:spPr>
+          <a:xfrm>
+            <a:off x="9701842" y="1672387"/>
+            <a:ext cx="951782" cy="451945"/>
+          </a:xfrm>
+          <a:prstGeom prst="rect">
+            <a:avLst/>
+          </a:prstGeom>
+          <a:solidFill>
+            <a:srgbClr val="FFFF00"/>
+          </a:solidFill>
+        </p:spPr>
+        <p:style>
+          <a:lnRef idx="2">
+            <a:schemeClr val="accent1">
+              <a:shade val="50000"/>
+            </a:schemeClr>
+          </a:lnRef>
+          <a:fillRef idx="1">
+            <a:schemeClr val="accent1"/>
+          </a:fillRef>
+          <a:effectRef idx="0">
+            <a:schemeClr val="accent1"/>
+          </a:effectRef>
+          <a:fontRef idx="minor">
+            <a:schemeClr val="lt1"/>
+          </a:fontRef>
+        </p:style>
+        <p:txBody>
+          <a:bodyPr rtlCol="0" anchor="ctr"/>
+          <a:lstStyle/>
+          <a:p>
+            <a:pPr algn="ctr"/>
+            <a:r>
+              <a:rPr kumimoji="1" lang="en-US" altLang="ko-Kore-KR" dirty="0">
+                <a:solidFill>
+                  <a:schemeClr val="tx1"/>
+                </a:solidFill>
+                <a:latin typeface="DM Mono" panose="020B0509040201040103" pitchFamily="49" charset="0"/>
+              </a:rPr>
+              <a:t>1</a:t>
+            </a:r>
+            <a:endParaRPr kumimoji="1" lang="ko-Kore-KR" altLang="en-US" dirty="0">
+              <a:solidFill>
+                <a:schemeClr val="tx1"/>
+              </a:solidFill>
+              <a:latin typeface="DM Mono" panose="020B0509040201040103" pitchFamily="49" charset="0"/>
+            </a:endParaRPr>
+          </a:p>
+        </p:txBody>
+      </p:sp>
+      <p:cxnSp>
+        <p:nvCxnSpPr>
+          <p:cNvPr id="11" name="구부러진 연결선[U] 10">
+            <a:extLst>
+              <a:ext uri="{FF2B5EF4-FFF2-40B4-BE49-F238E27FC236}">
+                <a16:creationId xmlns:a16="http://schemas.microsoft.com/office/drawing/2014/main" id="{D5C2ABD5-E6B0-9917-9362-484ABB895194}"/>
+              </a:ext>
+            </a:extLst>
+          </p:cNvPr>
+          <p:cNvCxnSpPr>
+            <a:cxnSpLocks/>
+            <a:stCxn id="6" idx="3"/>
+            <a:endCxn id="10" idx="1"/>
+          </p:cNvCxnSpPr>
+          <p:nvPr/>
+        </p:nvCxnSpPr>
+        <p:spPr>
+          <a:xfrm flipV="1">
+            <a:off x="7598827" y="1898360"/>
+            <a:ext cx="2103015" cy="275920"/>
+          </a:xfrm>
+          <a:prstGeom prst="curvedConnector3">
+            <a:avLst/>
+          </a:prstGeom>
+          <a:ln>
+            <a:tailEnd type="triangle"/>
+          </a:ln>
+        </p:spPr>
+        <p:style>
+          <a:lnRef idx="1">
+            <a:schemeClr val="dk1"/>
+          </a:lnRef>
+          <a:fillRef idx="0">
+            <a:schemeClr val="dk1"/>
+          </a:fillRef>
+          <a:effectRef idx="0">
+            <a:schemeClr val="dk1"/>
+          </a:effectRef>
+          <a:fontRef idx="minor">
+            <a:schemeClr val="tx1"/>
+          </a:fontRef>
+        </p:style>
+      </p:cxnSp>
+      <p:sp>
+        <p:nvSpPr>
+          <p:cNvPr id="30" name="TextBox 29">
+            <a:extLst>
+              <a:ext uri="{FF2B5EF4-FFF2-40B4-BE49-F238E27FC236}">
+                <a16:creationId xmlns:a16="http://schemas.microsoft.com/office/drawing/2014/main" id="{2C25FEF6-C330-8F15-02D9-BE4B6FC92320}"/>
+              </a:ext>
+            </a:extLst>
+          </p:cNvPr>
+          <p:cNvSpPr txBox="1"/>
+          <p:nvPr/>
+        </p:nvSpPr>
+        <p:spPr>
+          <a:xfrm>
+            <a:off x="-90807" y="327620"/>
+            <a:ext cx="6094562" cy="2031325"/>
+          </a:xfrm>
+          <a:prstGeom prst="rect">
+            <a:avLst/>
+          </a:prstGeom>
+          <a:noFill/>
+        </p:spPr>
+        <p:txBody>
+          <a:bodyPr wrap="square">
+            <a:spAutoFit/>
+          </a:bodyPr>
+          <a:lstStyle/>
+          <a:p>
+            <a:r>
+              <a:rPr lang="ko-Kore-KR" altLang="en-US" sz="1600" dirty="0">
+                <a:latin typeface="DM Mono" panose="020B0509040201040103" pitchFamily="49" charset="0"/>
+              </a:rPr>
+              <a:t> </a:t>
+            </a:r>
+            <a:r>
+              <a:rPr lang="en-US" altLang="ko-Kore-KR" sz="1600" dirty="0">
+                <a:latin typeface="DM Mono" panose="020B0509040201040103" pitchFamily="49" charset="0"/>
+              </a:rPr>
+              <a:t>   </a:t>
+            </a:r>
+            <a:r>
+              <a:rPr lang="ko-Kore-KR" altLang="en-US" sz="1600" dirty="0">
+                <a:latin typeface="DM Mono" panose="020B0509040201040103" pitchFamily="49" charset="0"/>
+              </a:rPr>
+              <a:t>User(const char* s, int n)</a:t>
+            </a:r>
+          </a:p>
+          <a:p>
+            <a:r>
+              <a:rPr lang="ko-Kore-KR" altLang="en-US" sz="1600" dirty="0">
+                <a:latin typeface="DM Mono" panose="020B0509040201040103" pitchFamily="49" charset="0"/>
+              </a:rPr>
+              <a:t>        : age(n)</a:t>
+            </a:r>
+          </a:p>
+          <a:p>
+            <a:r>
+              <a:rPr lang="ko-Kore-KR" altLang="en-US" sz="1600" dirty="0">
+                <a:latin typeface="DM Mono" panose="020B0509040201040103" pitchFamily="49" charset="0"/>
+              </a:rPr>
+              <a:t>    {</a:t>
+            </a:r>
+          </a:p>
+          <a:p>
+            <a:r>
+              <a:rPr lang="ko-Kore-KR" altLang="en-US" sz="1600" dirty="0">
+                <a:latin typeface="DM Mono" panose="020B0509040201040103" pitchFamily="49" charset="0"/>
+              </a:rPr>
+              <a:t>        name = new char[strlen(s) + 1];</a:t>
+            </a:r>
+          </a:p>
+          <a:p>
+            <a:r>
+              <a:rPr lang="ko-Kore-KR" altLang="en-US" sz="1600" dirty="0">
+                <a:latin typeface="DM Mono" panose="020B0509040201040103" pitchFamily="49" charset="0"/>
+              </a:rPr>
+              <a:t>        strcpy(name, s);</a:t>
+            </a:r>
+          </a:p>
+          <a:p>
+            <a:endParaRPr lang="ko-Kore-KR" altLang="en-US" sz="1400" dirty="0">
+              <a:latin typeface="DM Mono" panose="020B0509040201040103" pitchFamily="49" charset="0"/>
+            </a:endParaRPr>
+          </a:p>
+          <a:p>
+            <a:r>
+              <a:rPr lang="ko-Kore-KR" altLang="en-US" sz="1600" dirty="0">
+                <a:latin typeface="DM Mono" panose="020B0509040201040103" pitchFamily="49" charset="0"/>
+              </a:rPr>
+              <a:t>        ref = new int(1);</a:t>
+            </a:r>
+          </a:p>
+          <a:p>
+            <a:r>
+              <a:rPr lang="ko-Kore-KR" altLang="en-US" sz="1600" dirty="0">
+                <a:latin typeface="DM Mono" panose="020B0509040201040103" pitchFamily="49" charset="0"/>
+              </a:rPr>
+              <a:t>    }</a:t>
+            </a:r>
+          </a:p>
+        </p:txBody>
+      </p:sp>
+    </p:spTree>
+    <p:extLst>
+      <p:ext uri="{BB962C8B-B14F-4D97-AF65-F5344CB8AC3E}">
+        <p14:creationId xmlns:p14="http://schemas.microsoft.com/office/powerpoint/2010/main" val="532430900"/>
+      </p:ext>
+    </p:extLst>
+  </p:cSld>
+  <p:clrMapOvr>
+    <a:masterClrMapping/>
+  </p:clrMapOvr>
+</p:sld>
+</file>
+
+<file path=ppt/slides/slide21.xml><?xml version="1.0" encoding="utf-8"?>
+<p:sld xmlns:a="http://schemas.openxmlformats.org/drawingml/2006/main" xmlns:r="http://schemas.openxmlformats.org/officeDocument/2006/relationships" xmlns:p="http://schemas.openxmlformats.org/presentationml/2006/main">
+  <p:cSld>
+    <p:spTree>
+      <p:nvGrpSpPr>
+        <p:cNvPr id="1" name=""/>
+        <p:cNvGrpSpPr/>
+        <p:nvPr/>
+      </p:nvGrpSpPr>
+      <p:grpSpPr>
+        <a:xfrm>
+          <a:off x="0" y="0"/>
+          <a:ext cx="0" cy="0"/>
+          <a:chOff x="0" y="0"/>
+          <a:chExt cx="0" cy="0"/>
+        </a:xfrm>
+      </p:grpSpPr>
+      <p:sp>
+        <p:nvSpPr>
+          <p:cNvPr id="8" name="직사각형 7">
+            <a:extLst>
+              <a:ext uri="{FF2B5EF4-FFF2-40B4-BE49-F238E27FC236}">
+                <a16:creationId xmlns:a16="http://schemas.microsoft.com/office/drawing/2014/main" id="{53C7E6E1-EDB4-B801-05E3-E15014B4BE3B}"/>
+              </a:ext>
+            </a:extLst>
+          </p:cNvPr>
+          <p:cNvSpPr/>
+          <p:nvPr/>
+        </p:nvSpPr>
+        <p:spPr>
+          <a:xfrm>
+            <a:off x="6579324" y="1044420"/>
+            <a:ext cx="1019503" cy="451945"/>
+          </a:xfrm>
+          <a:prstGeom prst="rect">
+            <a:avLst/>
+          </a:prstGeom>
+          <a:solidFill>
+            <a:srgbClr val="FFFF00"/>
+          </a:solidFill>
+        </p:spPr>
+        <p:style>
+          <a:lnRef idx="2">
+            <a:schemeClr val="accent1">
+              <a:shade val="50000"/>
+            </a:schemeClr>
+          </a:lnRef>
+          <a:fillRef idx="1">
+            <a:schemeClr val="accent1"/>
+          </a:fillRef>
+          <a:effectRef idx="0">
+            <a:schemeClr val="accent1"/>
+          </a:effectRef>
+          <a:fontRef idx="minor">
+            <a:schemeClr val="lt1"/>
+          </a:fontRef>
+        </p:style>
+        <p:txBody>
+          <a:bodyPr rtlCol="0" anchor="ctr"/>
+          <a:lstStyle/>
+          <a:p>
+            <a:pPr algn="ctr"/>
+            <a:endParaRPr kumimoji="1" lang="ko-Kore-KR" altLang="en-US" dirty="0">
+              <a:solidFill>
+                <a:schemeClr val="tx1"/>
+              </a:solidFill>
+              <a:latin typeface="DM Mono" panose="020B0509040201040103" pitchFamily="49" charset="0"/>
+            </a:endParaRPr>
+          </a:p>
+        </p:txBody>
+      </p:sp>
+      <p:sp>
+        <p:nvSpPr>
+          <p:cNvPr id="9" name="TextBox 8">
+            <a:extLst>
+              <a:ext uri="{FF2B5EF4-FFF2-40B4-BE49-F238E27FC236}">
+                <a16:creationId xmlns:a16="http://schemas.microsoft.com/office/drawing/2014/main" id="{21A94303-6DEB-249B-14B6-E01CACE75F96}"/>
+              </a:ext>
+            </a:extLst>
+          </p:cNvPr>
+          <p:cNvSpPr txBox="1"/>
+          <p:nvPr/>
+        </p:nvSpPr>
+        <p:spPr>
+          <a:xfrm>
+            <a:off x="5559821" y="1085726"/>
+            <a:ext cx="1019503" cy="369332"/>
+          </a:xfrm>
+          <a:prstGeom prst="rect">
+            <a:avLst/>
+          </a:prstGeom>
+          <a:noFill/>
+        </p:spPr>
+        <p:txBody>
+          <a:bodyPr wrap="square">
+            <a:spAutoFit/>
+          </a:bodyPr>
+          <a:lstStyle/>
+          <a:p>
+            <a:pPr algn="r"/>
+            <a:r>
+              <a:rPr lang="en-US" altLang="ko-Kore-KR" dirty="0">
+                <a:latin typeface="DM Mono" panose="020B0509040201040103" pitchFamily="49" charset="0"/>
+              </a:rPr>
+              <a:t>name</a:t>
+            </a:r>
+            <a:endParaRPr lang="ko-Kore-KR" altLang="en-US" dirty="0"/>
+          </a:p>
+        </p:txBody>
+      </p:sp>
+      <p:sp>
+        <p:nvSpPr>
+          <p:cNvPr id="3" name="직사각형 2">
+            <a:extLst>
+              <a:ext uri="{FF2B5EF4-FFF2-40B4-BE49-F238E27FC236}">
+                <a16:creationId xmlns:a16="http://schemas.microsoft.com/office/drawing/2014/main" id="{B696691E-66C2-E5A5-FC77-5DD1F01A92A3}"/>
+              </a:ext>
+            </a:extLst>
+          </p:cNvPr>
+          <p:cNvSpPr/>
+          <p:nvPr/>
+        </p:nvSpPr>
+        <p:spPr>
+          <a:xfrm>
+            <a:off x="6579324" y="1496364"/>
+            <a:ext cx="1019503" cy="451945"/>
+          </a:xfrm>
+          <a:prstGeom prst="rect">
+            <a:avLst/>
+          </a:prstGeom>
+          <a:solidFill>
+            <a:srgbClr val="FFFF00"/>
+          </a:solidFill>
+        </p:spPr>
+        <p:style>
+          <a:lnRef idx="2">
+            <a:schemeClr val="accent1">
+              <a:shade val="50000"/>
+            </a:schemeClr>
+          </a:lnRef>
+          <a:fillRef idx="1">
+            <a:schemeClr val="accent1"/>
+          </a:fillRef>
+          <a:effectRef idx="0">
+            <a:schemeClr val="accent1"/>
+          </a:effectRef>
+          <a:fontRef idx="minor">
+            <a:schemeClr val="lt1"/>
+          </a:fontRef>
+        </p:style>
+        <p:txBody>
+          <a:bodyPr rtlCol="0" anchor="ctr"/>
+          <a:lstStyle/>
+          <a:p>
+            <a:pPr algn="ctr"/>
+            <a:r>
+              <a:rPr kumimoji="1" lang="en-US" altLang="ko-Kore-KR" dirty="0">
+                <a:solidFill>
+                  <a:schemeClr val="tx1"/>
+                </a:solidFill>
+                <a:latin typeface="DM Mono" panose="020B0509040201040103" pitchFamily="49" charset="0"/>
+              </a:rPr>
+              <a:t>42</a:t>
+            </a:r>
+            <a:endParaRPr kumimoji="1" lang="ko-Kore-KR" altLang="en-US" dirty="0">
+              <a:solidFill>
+                <a:schemeClr val="tx1"/>
+              </a:solidFill>
+              <a:latin typeface="DM Mono" panose="020B0509040201040103" pitchFamily="49" charset="0"/>
+            </a:endParaRPr>
+          </a:p>
+        </p:txBody>
+      </p:sp>
+      <p:sp>
+        <p:nvSpPr>
+          <p:cNvPr id="4" name="TextBox 3">
+            <a:extLst>
+              <a:ext uri="{FF2B5EF4-FFF2-40B4-BE49-F238E27FC236}">
+                <a16:creationId xmlns:a16="http://schemas.microsoft.com/office/drawing/2014/main" id="{6780460D-4213-28A3-E2A9-497DCD9CD20B}"/>
+              </a:ext>
+            </a:extLst>
+          </p:cNvPr>
+          <p:cNvSpPr txBox="1"/>
+          <p:nvPr/>
+        </p:nvSpPr>
+        <p:spPr>
+          <a:xfrm>
+            <a:off x="5762445" y="1537670"/>
+            <a:ext cx="816879" cy="369332"/>
+          </a:xfrm>
+          <a:prstGeom prst="rect">
+            <a:avLst/>
+          </a:prstGeom>
+          <a:noFill/>
+        </p:spPr>
+        <p:txBody>
+          <a:bodyPr wrap="square">
+            <a:spAutoFit/>
+          </a:bodyPr>
+          <a:lstStyle/>
+          <a:p>
+            <a:pPr algn="r"/>
+            <a:r>
+              <a:rPr lang="en-US" altLang="ko-Kore-KR" dirty="0">
+                <a:latin typeface="DM Mono" panose="020B0509040201040103" pitchFamily="49" charset="0"/>
+              </a:rPr>
+              <a:t>age</a:t>
+            </a:r>
+            <a:endParaRPr lang="ko-Kore-KR" altLang="en-US" dirty="0"/>
+          </a:p>
+        </p:txBody>
+      </p:sp>
+      <p:sp>
+        <p:nvSpPr>
+          <p:cNvPr id="14" name="TextBox 13">
+            <a:extLst>
+              <a:ext uri="{FF2B5EF4-FFF2-40B4-BE49-F238E27FC236}">
+                <a16:creationId xmlns:a16="http://schemas.microsoft.com/office/drawing/2014/main" id="{2C906AAA-B591-9CE2-707D-564EC364CEA1}"/>
+              </a:ext>
+            </a:extLst>
+          </p:cNvPr>
+          <p:cNvSpPr txBox="1"/>
+          <p:nvPr/>
+        </p:nvSpPr>
+        <p:spPr>
+          <a:xfrm>
+            <a:off x="6316565" y="706514"/>
+            <a:ext cx="1144492" cy="369332"/>
+          </a:xfrm>
+          <a:prstGeom prst="rect">
+            <a:avLst/>
+          </a:prstGeom>
+          <a:noFill/>
+        </p:spPr>
+        <p:txBody>
+          <a:bodyPr wrap="square">
+            <a:spAutoFit/>
+          </a:bodyPr>
+          <a:lstStyle/>
+          <a:p>
+            <a:pPr algn="r"/>
+            <a:r>
+              <a:rPr lang="en-US" altLang="ko-Kore-KR" dirty="0">
+                <a:latin typeface="DM Mono" panose="020B0509040201040103" pitchFamily="49" charset="0"/>
+              </a:rPr>
+              <a:t>user1</a:t>
+            </a:r>
+            <a:endParaRPr lang="ko-Kore-KR" altLang="en-US" dirty="0"/>
+          </a:p>
+        </p:txBody>
+      </p:sp>
+      <p:sp>
+        <p:nvSpPr>
+          <p:cNvPr id="2" name="직사각형 1">
+            <a:extLst>
+              <a:ext uri="{FF2B5EF4-FFF2-40B4-BE49-F238E27FC236}">
+                <a16:creationId xmlns:a16="http://schemas.microsoft.com/office/drawing/2014/main" id="{A56DF2E7-85AA-BE31-956B-5F8B7FAAA23E}"/>
+              </a:ext>
+            </a:extLst>
+          </p:cNvPr>
+          <p:cNvSpPr/>
+          <p:nvPr/>
+        </p:nvSpPr>
+        <p:spPr>
+          <a:xfrm>
+            <a:off x="9316528" y="630975"/>
+            <a:ext cx="1919771" cy="451945"/>
+          </a:xfrm>
+          <a:prstGeom prst="rect">
+            <a:avLst/>
+          </a:prstGeom>
+          <a:solidFill>
+            <a:srgbClr val="FFFF00"/>
+          </a:solidFill>
+        </p:spPr>
+        <p:style>
+          <a:lnRef idx="2">
+            <a:schemeClr val="accent1">
+              <a:shade val="50000"/>
+            </a:schemeClr>
+          </a:lnRef>
+          <a:fillRef idx="1">
+            <a:schemeClr val="accent1"/>
+          </a:fillRef>
+          <a:effectRef idx="0">
+            <a:schemeClr val="accent1"/>
+          </a:effectRef>
+          <a:fontRef idx="minor">
+            <a:schemeClr val="lt1"/>
+          </a:fontRef>
+        </p:style>
+        <p:txBody>
+          <a:bodyPr rtlCol="0" anchor="ctr"/>
+          <a:lstStyle/>
+          <a:p>
+            <a:pPr algn="ctr"/>
+            <a:r>
+              <a:rPr kumimoji="1" lang="en-US" altLang="ko-Kore-KR" dirty="0">
+                <a:solidFill>
+                  <a:schemeClr val="tx1"/>
+                </a:solidFill>
+                <a:latin typeface="DM Mono" panose="020B0509040201040103" pitchFamily="49" charset="0"/>
+              </a:rPr>
+              <a:t>“Tom”</a:t>
+            </a:r>
+            <a:endParaRPr kumimoji="1" lang="ko-Kore-KR" altLang="en-US" dirty="0">
+              <a:solidFill>
+                <a:schemeClr val="tx1"/>
+              </a:solidFill>
+              <a:latin typeface="DM Mono" panose="020B0509040201040103" pitchFamily="49" charset="0"/>
+            </a:endParaRPr>
+          </a:p>
+        </p:txBody>
+      </p:sp>
+      <p:cxnSp>
+        <p:nvCxnSpPr>
+          <p:cNvPr id="13" name="구부러진 연결선[U] 12">
+            <a:extLst>
+              <a:ext uri="{FF2B5EF4-FFF2-40B4-BE49-F238E27FC236}">
+                <a16:creationId xmlns:a16="http://schemas.microsoft.com/office/drawing/2014/main" id="{32CC38EB-3710-5E69-2219-5D899AC66556}"/>
+              </a:ext>
+            </a:extLst>
+          </p:cNvPr>
+          <p:cNvCxnSpPr>
+            <a:stCxn id="8" idx="3"/>
+            <a:endCxn id="2" idx="1"/>
+          </p:cNvCxnSpPr>
+          <p:nvPr/>
+        </p:nvCxnSpPr>
+        <p:spPr>
+          <a:xfrm flipV="1">
+            <a:off x="7598827" y="856948"/>
+            <a:ext cx="1717701" cy="413445"/>
+          </a:xfrm>
+          <a:prstGeom prst="curvedConnector3">
+            <a:avLst/>
+          </a:prstGeom>
+          <a:ln>
+            <a:tailEnd type="triangle"/>
+          </a:ln>
+        </p:spPr>
+        <p:style>
+          <a:lnRef idx="1">
+            <a:schemeClr val="dk1"/>
+          </a:lnRef>
+          <a:fillRef idx="0">
+            <a:schemeClr val="dk1"/>
+          </a:fillRef>
+          <a:effectRef idx="0">
+            <a:schemeClr val="dk1"/>
+          </a:effectRef>
+          <a:fontRef idx="minor">
+            <a:schemeClr val="tx1"/>
+          </a:fontRef>
+        </p:style>
+      </p:cxnSp>
+      <p:sp>
+        <p:nvSpPr>
+          <p:cNvPr id="6" name="직사각형 5">
+            <a:extLst>
+              <a:ext uri="{FF2B5EF4-FFF2-40B4-BE49-F238E27FC236}">
+                <a16:creationId xmlns:a16="http://schemas.microsoft.com/office/drawing/2014/main" id="{1CD764CC-1FEF-05E5-7473-FE9FEE764C0E}"/>
+              </a:ext>
+            </a:extLst>
+          </p:cNvPr>
+          <p:cNvSpPr/>
+          <p:nvPr/>
+        </p:nvSpPr>
+        <p:spPr>
+          <a:xfrm>
+            <a:off x="6579324" y="1948307"/>
+            <a:ext cx="1019503" cy="451945"/>
+          </a:xfrm>
+          <a:prstGeom prst="rect">
+            <a:avLst/>
+          </a:prstGeom>
+          <a:solidFill>
+            <a:srgbClr val="FFFF00"/>
+          </a:solidFill>
+        </p:spPr>
+        <p:style>
+          <a:lnRef idx="2">
+            <a:schemeClr val="accent1">
+              <a:shade val="50000"/>
+            </a:schemeClr>
+          </a:lnRef>
+          <a:fillRef idx="1">
+            <a:schemeClr val="accent1"/>
+          </a:fillRef>
+          <a:effectRef idx="0">
+            <a:schemeClr val="accent1"/>
+          </a:effectRef>
+          <a:fontRef idx="minor">
+            <a:schemeClr val="lt1"/>
+          </a:fontRef>
+        </p:style>
+        <p:txBody>
+          <a:bodyPr rtlCol="0" anchor="ctr"/>
+          <a:lstStyle/>
+          <a:p>
+            <a:pPr algn="ctr"/>
+            <a:endParaRPr kumimoji="1" lang="ko-Kore-KR" altLang="en-US" dirty="0">
+              <a:solidFill>
+                <a:schemeClr val="tx1"/>
+              </a:solidFill>
+              <a:latin typeface="DM Mono" panose="020B0509040201040103" pitchFamily="49" charset="0"/>
+            </a:endParaRPr>
+          </a:p>
+        </p:txBody>
+      </p:sp>
+      <p:sp>
+        <p:nvSpPr>
+          <p:cNvPr id="7" name="TextBox 6">
+            <a:extLst>
+              <a:ext uri="{FF2B5EF4-FFF2-40B4-BE49-F238E27FC236}">
+                <a16:creationId xmlns:a16="http://schemas.microsoft.com/office/drawing/2014/main" id="{C5031269-ECF4-F875-1C16-18EBA208442E}"/>
+              </a:ext>
+            </a:extLst>
+          </p:cNvPr>
+          <p:cNvSpPr txBox="1"/>
+          <p:nvPr/>
+        </p:nvSpPr>
+        <p:spPr>
+          <a:xfrm>
+            <a:off x="5762445" y="1989613"/>
+            <a:ext cx="816879" cy="369332"/>
+          </a:xfrm>
+          <a:prstGeom prst="rect">
+            <a:avLst/>
+          </a:prstGeom>
+          <a:noFill/>
+        </p:spPr>
+        <p:txBody>
+          <a:bodyPr wrap="square">
+            <a:spAutoFit/>
+          </a:bodyPr>
+          <a:lstStyle/>
+          <a:p>
+            <a:pPr algn="r"/>
+            <a:r>
+              <a:rPr lang="en-US" altLang="ko-Kore-KR" dirty="0">
+                <a:latin typeface="DM Mono" panose="020B0509040201040103" pitchFamily="49" charset="0"/>
+              </a:rPr>
+              <a:t>ref</a:t>
+            </a:r>
+            <a:endParaRPr lang="ko-Kore-KR" altLang="en-US" dirty="0"/>
+          </a:p>
+        </p:txBody>
+      </p:sp>
+      <p:sp>
+        <p:nvSpPr>
+          <p:cNvPr id="10" name="직사각형 9">
+            <a:extLst>
+              <a:ext uri="{FF2B5EF4-FFF2-40B4-BE49-F238E27FC236}">
+                <a16:creationId xmlns:a16="http://schemas.microsoft.com/office/drawing/2014/main" id="{846AEF10-46E5-B36D-C285-25D16C185DFA}"/>
+              </a:ext>
+            </a:extLst>
+          </p:cNvPr>
+          <p:cNvSpPr/>
+          <p:nvPr/>
+        </p:nvSpPr>
+        <p:spPr>
+          <a:xfrm>
+            <a:off x="9701842" y="1672387"/>
+            <a:ext cx="951782" cy="451945"/>
+          </a:xfrm>
+          <a:prstGeom prst="rect">
+            <a:avLst/>
+          </a:prstGeom>
+          <a:solidFill>
+            <a:srgbClr val="FFFF00"/>
+          </a:solidFill>
+        </p:spPr>
+        <p:style>
+          <a:lnRef idx="2">
+            <a:schemeClr val="accent1">
+              <a:shade val="50000"/>
+            </a:schemeClr>
+          </a:lnRef>
+          <a:fillRef idx="1">
+            <a:schemeClr val="accent1"/>
+          </a:fillRef>
+          <a:effectRef idx="0">
+            <a:schemeClr val="accent1"/>
+          </a:effectRef>
+          <a:fontRef idx="minor">
+            <a:schemeClr val="lt1"/>
+          </a:fontRef>
+        </p:style>
+        <p:txBody>
+          <a:bodyPr rtlCol="0" anchor="ctr"/>
+          <a:lstStyle/>
+          <a:p>
+            <a:pPr algn="ctr"/>
+            <a:r>
+              <a:rPr kumimoji="1" lang="en-US" altLang="ko-Kore-KR" dirty="0">
+                <a:solidFill>
+                  <a:srgbClr val="FF0000"/>
+                </a:solidFill>
+                <a:latin typeface="DM Mono" panose="020B0509040201040103" pitchFamily="49" charset="0"/>
+              </a:rPr>
+              <a:t>2</a:t>
+            </a:r>
+            <a:endParaRPr kumimoji="1" lang="ko-Kore-KR" altLang="en-US" dirty="0">
+              <a:solidFill>
+                <a:srgbClr val="FF0000"/>
+              </a:solidFill>
+              <a:latin typeface="DM Mono" panose="020B0509040201040103" pitchFamily="49" charset="0"/>
+            </a:endParaRPr>
+          </a:p>
+        </p:txBody>
+      </p:sp>
+      <p:cxnSp>
+        <p:nvCxnSpPr>
+          <p:cNvPr id="11" name="구부러진 연결선[U] 10">
+            <a:extLst>
+              <a:ext uri="{FF2B5EF4-FFF2-40B4-BE49-F238E27FC236}">
+                <a16:creationId xmlns:a16="http://schemas.microsoft.com/office/drawing/2014/main" id="{D5C2ABD5-E6B0-9917-9362-484ABB895194}"/>
+              </a:ext>
+            </a:extLst>
+          </p:cNvPr>
+          <p:cNvCxnSpPr>
+            <a:cxnSpLocks/>
+            <a:stCxn id="6" idx="3"/>
+            <a:endCxn id="10" idx="1"/>
+          </p:cNvCxnSpPr>
+          <p:nvPr/>
+        </p:nvCxnSpPr>
+        <p:spPr>
+          <a:xfrm flipV="1">
+            <a:off x="7598827" y="1898360"/>
+            <a:ext cx="2103015" cy="275920"/>
+          </a:xfrm>
+          <a:prstGeom prst="curvedConnector3">
+            <a:avLst/>
+          </a:prstGeom>
+          <a:ln>
+            <a:tailEnd type="triangle"/>
+          </a:ln>
+        </p:spPr>
+        <p:style>
+          <a:lnRef idx="1">
+            <a:schemeClr val="dk1"/>
+          </a:lnRef>
+          <a:fillRef idx="0">
+            <a:schemeClr val="dk1"/>
+          </a:fillRef>
+          <a:effectRef idx="0">
+            <a:schemeClr val="dk1"/>
+          </a:effectRef>
+          <a:fontRef idx="minor">
+            <a:schemeClr val="tx1"/>
+          </a:fontRef>
+        </p:style>
+      </p:cxnSp>
+      <p:sp>
+        <p:nvSpPr>
+          <p:cNvPr id="16" name="직사각형 15">
+            <a:extLst>
+              <a:ext uri="{FF2B5EF4-FFF2-40B4-BE49-F238E27FC236}">
+                <a16:creationId xmlns:a16="http://schemas.microsoft.com/office/drawing/2014/main" id="{5AB20428-AB7F-3632-E12A-3E83112ADA42}"/>
+              </a:ext>
+            </a:extLst>
+          </p:cNvPr>
+          <p:cNvSpPr/>
+          <p:nvPr/>
+        </p:nvSpPr>
+        <p:spPr>
+          <a:xfrm>
+            <a:off x="6579324" y="2859556"/>
+            <a:ext cx="1019503" cy="451945"/>
+          </a:xfrm>
+          <a:prstGeom prst="rect">
+            <a:avLst/>
+          </a:prstGeom>
+          <a:solidFill>
+            <a:srgbClr val="FFFF00"/>
+          </a:solidFill>
+        </p:spPr>
+        <p:style>
+          <a:lnRef idx="2">
+            <a:schemeClr val="accent1">
+              <a:shade val="50000"/>
+            </a:schemeClr>
+          </a:lnRef>
+          <a:fillRef idx="1">
+            <a:schemeClr val="accent1"/>
+          </a:fillRef>
+          <a:effectRef idx="0">
+            <a:schemeClr val="accent1"/>
+          </a:effectRef>
+          <a:fontRef idx="minor">
+            <a:schemeClr val="lt1"/>
+          </a:fontRef>
+        </p:style>
+        <p:txBody>
+          <a:bodyPr rtlCol="0" anchor="ctr"/>
+          <a:lstStyle/>
+          <a:p>
+            <a:pPr algn="ctr"/>
+            <a:endParaRPr kumimoji="1" lang="ko-Kore-KR" altLang="en-US" dirty="0">
+              <a:solidFill>
+                <a:schemeClr val="tx1"/>
+              </a:solidFill>
+              <a:latin typeface="DM Mono" panose="020B0509040201040103" pitchFamily="49" charset="0"/>
+            </a:endParaRPr>
+          </a:p>
+        </p:txBody>
+      </p:sp>
+      <p:sp>
+        <p:nvSpPr>
+          <p:cNvPr id="17" name="TextBox 16">
+            <a:extLst>
+              <a:ext uri="{FF2B5EF4-FFF2-40B4-BE49-F238E27FC236}">
+                <a16:creationId xmlns:a16="http://schemas.microsoft.com/office/drawing/2014/main" id="{69CF4A6F-22F8-CFBB-58AE-155E14BFA500}"/>
+              </a:ext>
+            </a:extLst>
+          </p:cNvPr>
+          <p:cNvSpPr txBox="1"/>
+          <p:nvPr/>
+        </p:nvSpPr>
+        <p:spPr>
+          <a:xfrm>
+            <a:off x="5559821" y="2900862"/>
+            <a:ext cx="1019503" cy="369332"/>
+          </a:xfrm>
+          <a:prstGeom prst="rect">
+            <a:avLst/>
+          </a:prstGeom>
+          <a:noFill/>
+        </p:spPr>
+        <p:txBody>
+          <a:bodyPr wrap="square">
+            <a:spAutoFit/>
+          </a:bodyPr>
+          <a:lstStyle/>
+          <a:p>
+            <a:pPr algn="r"/>
+            <a:r>
+              <a:rPr lang="en-US" altLang="ko-Kore-KR" dirty="0">
+                <a:latin typeface="DM Mono" panose="020B0509040201040103" pitchFamily="49" charset="0"/>
+              </a:rPr>
+              <a:t>name</a:t>
+            </a:r>
+            <a:endParaRPr lang="ko-Kore-KR" altLang="en-US" dirty="0"/>
+          </a:p>
+        </p:txBody>
+      </p:sp>
+      <p:sp>
+        <p:nvSpPr>
+          <p:cNvPr id="18" name="직사각형 17">
+            <a:extLst>
+              <a:ext uri="{FF2B5EF4-FFF2-40B4-BE49-F238E27FC236}">
+                <a16:creationId xmlns:a16="http://schemas.microsoft.com/office/drawing/2014/main" id="{B2036F07-E8F9-82AA-CAD0-46AB3C8196B6}"/>
+              </a:ext>
+            </a:extLst>
+          </p:cNvPr>
+          <p:cNvSpPr/>
+          <p:nvPr/>
+        </p:nvSpPr>
+        <p:spPr>
+          <a:xfrm>
+            <a:off x="6579324" y="3311500"/>
+            <a:ext cx="1019503" cy="451945"/>
+          </a:xfrm>
+          <a:prstGeom prst="rect">
+            <a:avLst/>
+          </a:prstGeom>
+          <a:solidFill>
+            <a:srgbClr val="FFFF00"/>
+          </a:solidFill>
+        </p:spPr>
+        <p:style>
+          <a:lnRef idx="2">
+            <a:schemeClr val="accent1">
+              <a:shade val="50000"/>
+            </a:schemeClr>
+          </a:lnRef>
+          <a:fillRef idx="1">
+            <a:schemeClr val="accent1"/>
+          </a:fillRef>
+          <a:effectRef idx="0">
+            <a:schemeClr val="accent1"/>
+          </a:effectRef>
+          <a:fontRef idx="minor">
+            <a:schemeClr val="lt1"/>
+          </a:fontRef>
+        </p:style>
+        <p:txBody>
+          <a:bodyPr rtlCol="0" anchor="ctr"/>
+          <a:lstStyle/>
+          <a:p>
+            <a:pPr algn="ctr"/>
+            <a:r>
+              <a:rPr kumimoji="1" lang="en-US" altLang="ko-Kore-KR" dirty="0">
+                <a:solidFill>
+                  <a:schemeClr val="tx1"/>
+                </a:solidFill>
+                <a:latin typeface="DM Mono" panose="020B0509040201040103" pitchFamily="49" charset="0"/>
+              </a:rPr>
+              <a:t>42</a:t>
+            </a:r>
+            <a:endParaRPr kumimoji="1" lang="ko-Kore-KR" altLang="en-US" dirty="0">
+              <a:solidFill>
+                <a:schemeClr val="tx1"/>
+              </a:solidFill>
+              <a:latin typeface="DM Mono" panose="020B0509040201040103" pitchFamily="49" charset="0"/>
+            </a:endParaRPr>
+          </a:p>
+        </p:txBody>
+      </p:sp>
+      <p:sp>
+        <p:nvSpPr>
+          <p:cNvPr id="19" name="TextBox 18">
+            <a:extLst>
+              <a:ext uri="{FF2B5EF4-FFF2-40B4-BE49-F238E27FC236}">
+                <a16:creationId xmlns:a16="http://schemas.microsoft.com/office/drawing/2014/main" id="{EC42D6A8-BE23-D995-88DF-0E04257868CD}"/>
+              </a:ext>
+            </a:extLst>
+          </p:cNvPr>
+          <p:cNvSpPr txBox="1"/>
+          <p:nvPr/>
+        </p:nvSpPr>
+        <p:spPr>
+          <a:xfrm>
+            <a:off x="5762445" y="3352806"/>
+            <a:ext cx="816879" cy="369332"/>
+          </a:xfrm>
+          <a:prstGeom prst="rect">
+            <a:avLst/>
+          </a:prstGeom>
+          <a:noFill/>
+        </p:spPr>
+        <p:txBody>
+          <a:bodyPr wrap="square">
+            <a:spAutoFit/>
+          </a:bodyPr>
+          <a:lstStyle/>
+          <a:p>
+            <a:pPr algn="r"/>
+            <a:r>
+              <a:rPr lang="en-US" altLang="ko-Kore-KR" dirty="0">
+                <a:latin typeface="DM Mono" panose="020B0509040201040103" pitchFamily="49" charset="0"/>
+              </a:rPr>
+              <a:t>age</a:t>
+            </a:r>
+            <a:endParaRPr lang="ko-Kore-KR" altLang="en-US" dirty="0"/>
+          </a:p>
+        </p:txBody>
+      </p:sp>
+      <p:sp>
+        <p:nvSpPr>
+          <p:cNvPr id="20" name="TextBox 19">
+            <a:extLst>
+              <a:ext uri="{FF2B5EF4-FFF2-40B4-BE49-F238E27FC236}">
+                <a16:creationId xmlns:a16="http://schemas.microsoft.com/office/drawing/2014/main" id="{254CC547-CC56-A546-CC21-5C6EBE4127D4}"/>
+              </a:ext>
+            </a:extLst>
+          </p:cNvPr>
+          <p:cNvSpPr txBox="1"/>
+          <p:nvPr/>
+        </p:nvSpPr>
+        <p:spPr>
+          <a:xfrm>
+            <a:off x="6316565" y="2521650"/>
+            <a:ext cx="1144492" cy="369332"/>
+          </a:xfrm>
+          <a:prstGeom prst="rect">
+            <a:avLst/>
+          </a:prstGeom>
+          <a:noFill/>
+        </p:spPr>
+        <p:txBody>
+          <a:bodyPr wrap="square">
+            <a:spAutoFit/>
+          </a:bodyPr>
+          <a:lstStyle/>
+          <a:p>
+            <a:pPr algn="r"/>
+            <a:r>
+              <a:rPr lang="en-US" altLang="ko-Kore-KR" dirty="0">
+                <a:latin typeface="DM Mono" panose="020B0509040201040103" pitchFamily="49" charset="0"/>
+              </a:rPr>
+              <a:t>user2</a:t>
+            </a:r>
+            <a:endParaRPr lang="ko-Kore-KR" altLang="en-US" dirty="0"/>
+          </a:p>
+        </p:txBody>
+      </p:sp>
+      <p:sp>
+        <p:nvSpPr>
+          <p:cNvPr id="21" name="직사각형 20">
+            <a:extLst>
+              <a:ext uri="{FF2B5EF4-FFF2-40B4-BE49-F238E27FC236}">
+                <a16:creationId xmlns:a16="http://schemas.microsoft.com/office/drawing/2014/main" id="{4BD12AF1-DDC1-E2E5-2A1A-3C4BC6C79653}"/>
+              </a:ext>
+            </a:extLst>
+          </p:cNvPr>
+          <p:cNvSpPr/>
+          <p:nvPr/>
+        </p:nvSpPr>
+        <p:spPr>
+          <a:xfrm>
+            <a:off x="6579324" y="3763443"/>
+            <a:ext cx="1019503" cy="451945"/>
+          </a:xfrm>
+          <a:prstGeom prst="rect">
+            <a:avLst/>
+          </a:prstGeom>
+          <a:solidFill>
+            <a:srgbClr val="FFFF00"/>
+          </a:solidFill>
+        </p:spPr>
+        <p:style>
+          <a:lnRef idx="2">
+            <a:schemeClr val="accent1">
+              <a:shade val="50000"/>
+            </a:schemeClr>
+          </a:lnRef>
+          <a:fillRef idx="1">
+            <a:schemeClr val="accent1"/>
+          </a:fillRef>
+          <a:effectRef idx="0">
+            <a:schemeClr val="accent1"/>
+          </a:effectRef>
+          <a:fontRef idx="minor">
+            <a:schemeClr val="lt1"/>
+          </a:fontRef>
+        </p:style>
+        <p:txBody>
+          <a:bodyPr rtlCol="0" anchor="ctr"/>
+          <a:lstStyle/>
+          <a:p>
+            <a:pPr algn="ctr"/>
+            <a:endParaRPr kumimoji="1" lang="ko-Kore-KR" altLang="en-US" dirty="0">
+              <a:solidFill>
+                <a:schemeClr val="tx1"/>
+              </a:solidFill>
+              <a:latin typeface="DM Mono" panose="020B0509040201040103" pitchFamily="49" charset="0"/>
+            </a:endParaRPr>
+          </a:p>
+        </p:txBody>
+      </p:sp>
+      <p:sp>
+        <p:nvSpPr>
+          <p:cNvPr id="22" name="TextBox 21">
+            <a:extLst>
+              <a:ext uri="{FF2B5EF4-FFF2-40B4-BE49-F238E27FC236}">
+                <a16:creationId xmlns:a16="http://schemas.microsoft.com/office/drawing/2014/main" id="{69790EC0-71C3-F1EB-C941-9BF5B932BE75}"/>
+              </a:ext>
+            </a:extLst>
+          </p:cNvPr>
+          <p:cNvSpPr txBox="1"/>
+          <p:nvPr/>
+        </p:nvSpPr>
+        <p:spPr>
+          <a:xfrm>
+            <a:off x="5762445" y="3804749"/>
+            <a:ext cx="816879" cy="369332"/>
+          </a:xfrm>
+          <a:prstGeom prst="rect">
+            <a:avLst/>
+          </a:prstGeom>
+          <a:noFill/>
+        </p:spPr>
+        <p:txBody>
+          <a:bodyPr wrap="square">
+            <a:spAutoFit/>
+          </a:bodyPr>
+          <a:lstStyle/>
+          <a:p>
+            <a:pPr algn="r"/>
+            <a:r>
+              <a:rPr lang="en-US" altLang="ko-Kore-KR" dirty="0">
+                <a:latin typeface="DM Mono" panose="020B0509040201040103" pitchFamily="49" charset="0"/>
+              </a:rPr>
+              <a:t>ref</a:t>
+            </a:r>
+            <a:endParaRPr lang="ko-Kore-KR" altLang="en-US" dirty="0"/>
+          </a:p>
+        </p:txBody>
+      </p:sp>
+      <p:cxnSp>
+        <p:nvCxnSpPr>
+          <p:cNvPr id="23" name="구부러진 연결선[U] 22">
+            <a:extLst>
+              <a:ext uri="{FF2B5EF4-FFF2-40B4-BE49-F238E27FC236}">
+                <a16:creationId xmlns:a16="http://schemas.microsoft.com/office/drawing/2014/main" id="{EC9DE9AD-A1A7-C7CE-159E-4C665F5437DA}"/>
+              </a:ext>
+            </a:extLst>
+          </p:cNvPr>
+          <p:cNvCxnSpPr>
+            <a:cxnSpLocks/>
+            <a:stCxn id="16" idx="3"/>
+            <a:endCxn id="2" idx="1"/>
+          </p:cNvCxnSpPr>
+          <p:nvPr/>
+        </p:nvCxnSpPr>
+        <p:spPr>
+          <a:xfrm flipV="1">
+            <a:off x="7598827" y="856948"/>
+            <a:ext cx="1717701" cy="2228581"/>
+          </a:xfrm>
+          <a:prstGeom prst="curvedConnector3">
+            <a:avLst>
+              <a:gd name="adj1" fmla="val 50000"/>
+            </a:avLst>
+          </a:prstGeom>
+          <a:ln>
+            <a:tailEnd type="triangle"/>
+          </a:ln>
+        </p:spPr>
+        <p:style>
+          <a:lnRef idx="1">
+            <a:schemeClr val="dk1"/>
+          </a:lnRef>
+          <a:fillRef idx="0">
+            <a:schemeClr val="dk1"/>
+          </a:fillRef>
+          <a:effectRef idx="0">
+            <a:schemeClr val="dk1"/>
+          </a:effectRef>
+          <a:fontRef idx="minor">
+            <a:schemeClr val="tx1"/>
+          </a:fontRef>
+        </p:style>
+      </p:cxnSp>
+      <p:cxnSp>
+        <p:nvCxnSpPr>
+          <p:cNvPr id="26" name="구부러진 연결선[U] 25">
+            <a:extLst>
+              <a:ext uri="{FF2B5EF4-FFF2-40B4-BE49-F238E27FC236}">
+                <a16:creationId xmlns:a16="http://schemas.microsoft.com/office/drawing/2014/main" id="{32AF8785-69E3-6845-A892-84385401840F}"/>
+              </a:ext>
+            </a:extLst>
+          </p:cNvPr>
+          <p:cNvCxnSpPr>
+            <a:cxnSpLocks/>
+            <a:stCxn id="21" idx="3"/>
+            <a:endCxn id="10" idx="1"/>
+          </p:cNvCxnSpPr>
+          <p:nvPr/>
+        </p:nvCxnSpPr>
+        <p:spPr>
+          <a:xfrm flipV="1">
+            <a:off x="7598827" y="1898360"/>
+            <a:ext cx="2103015" cy="2091056"/>
+          </a:xfrm>
+          <a:prstGeom prst="curvedConnector3">
+            <a:avLst/>
+          </a:prstGeom>
+          <a:ln>
+            <a:tailEnd type="triangle"/>
+          </a:ln>
+        </p:spPr>
+        <p:style>
+          <a:lnRef idx="1">
+            <a:schemeClr val="dk1"/>
+          </a:lnRef>
+          <a:fillRef idx="0">
+            <a:schemeClr val="dk1"/>
+          </a:fillRef>
+          <a:effectRef idx="0">
+            <a:schemeClr val="dk1"/>
+          </a:effectRef>
+          <a:fontRef idx="minor">
+            <a:schemeClr val="tx1"/>
+          </a:fontRef>
+        </p:style>
+      </p:cxnSp>
+      <p:sp>
+        <p:nvSpPr>
+          <p:cNvPr id="12" name="TextBox 11">
+            <a:extLst>
+              <a:ext uri="{FF2B5EF4-FFF2-40B4-BE49-F238E27FC236}">
+                <a16:creationId xmlns:a16="http://schemas.microsoft.com/office/drawing/2014/main" id="{8259BDD9-753E-F0B7-6769-5E1C0FE7A22C}"/>
+              </a:ext>
+            </a:extLst>
+          </p:cNvPr>
+          <p:cNvSpPr txBox="1"/>
+          <p:nvPr/>
+        </p:nvSpPr>
+        <p:spPr>
+          <a:xfrm>
+            <a:off x="292105" y="288412"/>
+            <a:ext cx="6094562" cy="2031325"/>
+          </a:xfrm>
+          <a:prstGeom prst="rect">
+            <a:avLst/>
+          </a:prstGeom>
+          <a:noFill/>
+        </p:spPr>
+        <p:txBody>
+          <a:bodyPr wrap="square">
+            <a:spAutoFit/>
+          </a:bodyPr>
+          <a:lstStyle/>
+          <a:p>
+            <a:r>
+              <a:rPr lang="ko-Kore-KR" altLang="en-US" dirty="0">
+                <a:latin typeface="DM Mono" panose="020B0509040201040103" pitchFamily="49" charset="0"/>
+              </a:rPr>
+              <a:t> </a:t>
+            </a:r>
+            <a:r>
+              <a:rPr lang="en-US" altLang="ko-Kore-KR" dirty="0">
+                <a:latin typeface="DM Mono" panose="020B0509040201040103" pitchFamily="49" charset="0"/>
+              </a:rPr>
+              <a:t>   </a:t>
+            </a:r>
+            <a:r>
+              <a:rPr lang="ko-Kore-KR" altLang="en-US" dirty="0">
+                <a:latin typeface="DM Mono" panose="020B0509040201040103" pitchFamily="49" charset="0"/>
+              </a:rPr>
+              <a:t>User(const User&amp; rhs)</a:t>
+            </a:r>
+          </a:p>
+          <a:p>
+            <a:r>
+              <a:rPr lang="ko-Kore-KR" altLang="en-US" dirty="0">
+                <a:latin typeface="DM Mono" panose="020B0509040201040103" pitchFamily="49" charset="0"/>
+              </a:rPr>
+              <a:t>        : name(rhs.name)</a:t>
+            </a:r>
+          </a:p>
+          <a:p>
+            <a:r>
+              <a:rPr lang="ko-Kore-KR" altLang="en-US" dirty="0">
+                <a:latin typeface="DM Mono" panose="020B0509040201040103" pitchFamily="49" charset="0"/>
+              </a:rPr>
+              <a:t>        , age(rhs.age)</a:t>
+            </a:r>
+          </a:p>
+          <a:p>
+            <a:r>
+              <a:rPr lang="ko-Kore-KR" altLang="en-US" dirty="0">
+                <a:latin typeface="DM Mono" panose="020B0509040201040103" pitchFamily="49" charset="0"/>
+              </a:rPr>
+              <a:t>        , ref(rhs.ref)</a:t>
+            </a:r>
+          </a:p>
+          <a:p>
+            <a:r>
+              <a:rPr lang="ko-Kore-KR" altLang="en-US" dirty="0">
+                <a:latin typeface="DM Mono" panose="020B0509040201040103" pitchFamily="49" charset="0"/>
+              </a:rPr>
+              <a:t>    {</a:t>
+            </a:r>
+          </a:p>
+          <a:p>
+            <a:r>
+              <a:rPr lang="en-US" altLang="ko-Kore-KR" dirty="0">
+                <a:solidFill>
+                  <a:srgbClr val="FF0000"/>
+                </a:solidFill>
+                <a:latin typeface="DM Mono" panose="020B0509040201040103" pitchFamily="49" charset="0"/>
+              </a:rPr>
+              <a:t>        </a:t>
+            </a:r>
+            <a:r>
+              <a:rPr lang="ko-Kore-KR" altLang="en-US" dirty="0">
+                <a:solidFill>
+                  <a:srgbClr val="FF0000"/>
+                </a:solidFill>
+                <a:latin typeface="DM Mono" panose="020B0509040201040103" pitchFamily="49" charset="0"/>
+              </a:rPr>
+              <a:t>++(*ref);</a:t>
+            </a:r>
+          </a:p>
+          <a:p>
+            <a:r>
+              <a:rPr lang="ko-Kore-KR" altLang="en-US" dirty="0">
+                <a:latin typeface="DM Mono" panose="020B0509040201040103" pitchFamily="49" charset="0"/>
+              </a:rPr>
+              <a:t>    }</a:t>
+            </a:r>
+          </a:p>
+        </p:txBody>
+      </p:sp>
+    </p:spTree>
+    <p:extLst>
+      <p:ext uri="{BB962C8B-B14F-4D97-AF65-F5344CB8AC3E}">
+        <p14:creationId xmlns:p14="http://schemas.microsoft.com/office/powerpoint/2010/main" val="3937564218"/>
+      </p:ext>
+    </p:extLst>
+  </p:cSld>
+  <p:clrMapOvr>
+    <a:masterClrMapping/>
+  </p:clrMapOvr>
+</p:sld>
+</file>
+
+<file path=ppt/slides/slide22.xml><?xml version="1.0" encoding="utf-8"?>
+<p:sld xmlns:a="http://schemas.openxmlformats.org/drawingml/2006/main" xmlns:r="http://schemas.openxmlformats.org/officeDocument/2006/relationships" xmlns:p="http://schemas.openxmlformats.org/presentationml/2006/main">
+  <p:cSld>
+    <p:spTree>
+      <p:nvGrpSpPr>
+        <p:cNvPr id="1" name=""/>
+        <p:cNvGrpSpPr/>
+        <p:nvPr/>
+      </p:nvGrpSpPr>
+      <p:grpSpPr>
+        <a:xfrm>
+          <a:off x="0" y="0"/>
+          <a:ext cx="0" cy="0"/>
+          <a:chOff x="0" y="0"/>
+          <a:chExt cx="0" cy="0"/>
+        </a:xfrm>
+      </p:grpSpPr>
+      <p:sp>
+        <p:nvSpPr>
+          <p:cNvPr id="8" name="직사각형 7">
+            <a:extLst>
+              <a:ext uri="{FF2B5EF4-FFF2-40B4-BE49-F238E27FC236}">
+                <a16:creationId xmlns:a16="http://schemas.microsoft.com/office/drawing/2014/main" id="{53C7E6E1-EDB4-B801-05E3-E15014B4BE3B}"/>
+              </a:ext>
+            </a:extLst>
+          </p:cNvPr>
+          <p:cNvSpPr/>
+          <p:nvPr/>
+        </p:nvSpPr>
+        <p:spPr>
+          <a:xfrm>
+            <a:off x="6579324" y="1044420"/>
+            <a:ext cx="1019503" cy="451945"/>
+          </a:xfrm>
+          <a:prstGeom prst="rect">
+            <a:avLst/>
+          </a:prstGeom>
+          <a:solidFill>
+            <a:srgbClr val="FFFF00"/>
+          </a:solidFill>
+        </p:spPr>
+        <p:style>
+          <a:lnRef idx="2">
+            <a:schemeClr val="accent1">
+              <a:shade val="50000"/>
+            </a:schemeClr>
+          </a:lnRef>
+          <a:fillRef idx="1">
+            <a:schemeClr val="accent1"/>
+          </a:fillRef>
+          <a:effectRef idx="0">
+            <a:schemeClr val="accent1"/>
+          </a:effectRef>
+          <a:fontRef idx="minor">
+            <a:schemeClr val="lt1"/>
+          </a:fontRef>
+        </p:style>
+        <p:txBody>
+          <a:bodyPr rtlCol="0" anchor="ctr"/>
+          <a:lstStyle/>
+          <a:p>
+            <a:pPr algn="ctr"/>
+            <a:endParaRPr kumimoji="1" lang="ko-Kore-KR" altLang="en-US" dirty="0">
+              <a:solidFill>
+                <a:schemeClr val="tx1"/>
+              </a:solidFill>
+              <a:latin typeface="DM Mono" panose="020B0509040201040103" pitchFamily="49" charset="0"/>
+            </a:endParaRPr>
+          </a:p>
+        </p:txBody>
+      </p:sp>
+      <p:sp>
+        <p:nvSpPr>
+          <p:cNvPr id="9" name="TextBox 8">
+            <a:extLst>
+              <a:ext uri="{FF2B5EF4-FFF2-40B4-BE49-F238E27FC236}">
+                <a16:creationId xmlns:a16="http://schemas.microsoft.com/office/drawing/2014/main" id="{21A94303-6DEB-249B-14B6-E01CACE75F96}"/>
+              </a:ext>
+            </a:extLst>
+          </p:cNvPr>
+          <p:cNvSpPr txBox="1"/>
+          <p:nvPr/>
+        </p:nvSpPr>
+        <p:spPr>
+          <a:xfrm>
+            <a:off x="5559821" y="1085726"/>
+            <a:ext cx="1019503" cy="369332"/>
+          </a:xfrm>
+          <a:prstGeom prst="rect">
+            <a:avLst/>
+          </a:prstGeom>
+          <a:noFill/>
+        </p:spPr>
+        <p:txBody>
+          <a:bodyPr wrap="square">
+            <a:spAutoFit/>
+          </a:bodyPr>
+          <a:lstStyle/>
+          <a:p>
+            <a:pPr algn="r"/>
+            <a:r>
+              <a:rPr lang="en-US" altLang="ko-Kore-KR" dirty="0">
+                <a:latin typeface="DM Mono" panose="020B0509040201040103" pitchFamily="49" charset="0"/>
+              </a:rPr>
+              <a:t>name</a:t>
+            </a:r>
+            <a:endParaRPr lang="ko-Kore-KR" altLang="en-US" dirty="0"/>
+          </a:p>
+        </p:txBody>
+      </p:sp>
+      <p:sp>
+        <p:nvSpPr>
+          <p:cNvPr id="3" name="직사각형 2">
+            <a:extLst>
+              <a:ext uri="{FF2B5EF4-FFF2-40B4-BE49-F238E27FC236}">
+                <a16:creationId xmlns:a16="http://schemas.microsoft.com/office/drawing/2014/main" id="{B696691E-66C2-E5A5-FC77-5DD1F01A92A3}"/>
+              </a:ext>
+            </a:extLst>
+          </p:cNvPr>
+          <p:cNvSpPr/>
+          <p:nvPr/>
+        </p:nvSpPr>
+        <p:spPr>
+          <a:xfrm>
+            <a:off x="6579324" y="1496364"/>
+            <a:ext cx="1019503" cy="451945"/>
+          </a:xfrm>
+          <a:prstGeom prst="rect">
+            <a:avLst/>
+          </a:prstGeom>
+          <a:solidFill>
+            <a:srgbClr val="FFFF00"/>
+          </a:solidFill>
+        </p:spPr>
+        <p:style>
+          <a:lnRef idx="2">
+            <a:schemeClr val="accent1">
+              <a:shade val="50000"/>
+            </a:schemeClr>
+          </a:lnRef>
+          <a:fillRef idx="1">
+            <a:schemeClr val="accent1"/>
+          </a:fillRef>
+          <a:effectRef idx="0">
+            <a:schemeClr val="accent1"/>
+          </a:effectRef>
+          <a:fontRef idx="minor">
+            <a:schemeClr val="lt1"/>
+          </a:fontRef>
+        </p:style>
+        <p:txBody>
+          <a:bodyPr rtlCol="0" anchor="ctr"/>
+          <a:lstStyle/>
+          <a:p>
+            <a:pPr algn="ctr"/>
+            <a:r>
+              <a:rPr kumimoji="1" lang="en-US" altLang="ko-Kore-KR" dirty="0">
+                <a:solidFill>
+                  <a:schemeClr val="tx1"/>
+                </a:solidFill>
+                <a:latin typeface="DM Mono" panose="020B0509040201040103" pitchFamily="49" charset="0"/>
+              </a:rPr>
+              <a:t>42</a:t>
+            </a:r>
+            <a:endParaRPr kumimoji="1" lang="ko-Kore-KR" altLang="en-US" dirty="0">
+              <a:solidFill>
+                <a:schemeClr val="tx1"/>
+              </a:solidFill>
+              <a:latin typeface="DM Mono" panose="020B0509040201040103" pitchFamily="49" charset="0"/>
+            </a:endParaRPr>
+          </a:p>
+        </p:txBody>
+      </p:sp>
+      <p:sp>
+        <p:nvSpPr>
+          <p:cNvPr id="4" name="TextBox 3">
+            <a:extLst>
+              <a:ext uri="{FF2B5EF4-FFF2-40B4-BE49-F238E27FC236}">
+                <a16:creationId xmlns:a16="http://schemas.microsoft.com/office/drawing/2014/main" id="{6780460D-4213-28A3-E2A9-497DCD9CD20B}"/>
+              </a:ext>
+            </a:extLst>
+          </p:cNvPr>
+          <p:cNvSpPr txBox="1"/>
+          <p:nvPr/>
+        </p:nvSpPr>
+        <p:spPr>
+          <a:xfrm>
+            <a:off x="5762445" y="1537670"/>
+            <a:ext cx="816879" cy="369332"/>
+          </a:xfrm>
+          <a:prstGeom prst="rect">
+            <a:avLst/>
+          </a:prstGeom>
+          <a:noFill/>
+        </p:spPr>
+        <p:txBody>
+          <a:bodyPr wrap="square">
+            <a:spAutoFit/>
+          </a:bodyPr>
+          <a:lstStyle/>
+          <a:p>
+            <a:pPr algn="r"/>
+            <a:r>
+              <a:rPr lang="en-US" altLang="ko-Kore-KR" dirty="0">
+                <a:latin typeface="DM Mono" panose="020B0509040201040103" pitchFamily="49" charset="0"/>
+              </a:rPr>
+              <a:t>age</a:t>
+            </a:r>
+            <a:endParaRPr lang="ko-Kore-KR" altLang="en-US" dirty="0"/>
+          </a:p>
+        </p:txBody>
+      </p:sp>
+      <p:sp>
+        <p:nvSpPr>
+          <p:cNvPr id="14" name="TextBox 13">
+            <a:extLst>
+              <a:ext uri="{FF2B5EF4-FFF2-40B4-BE49-F238E27FC236}">
+                <a16:creationId xmlns:a16="http://schemas.microsoft.com/office/drawing/2014/main" id="{2C906AAA-B591-9CE2-707D-564EC364CEA1}"/>
+              </a:ext>
+            </a:extLst>
+          </p:cNvPr>
+          <p:cNvSpPr txBox="1"/>
+          <p:nvPr/>
+        </p:nvSpPr>
+        <p:spPr>
+          <a:xfrm>
+            <a:off x="6316565" y="706514"/>
+            <a:ext cx="1144492" cy="369332"/>
+          </a:xfrm>
+          <a:prstGeom prst="rect">
+            <a:avLst/>
+          </a:prstGeom>
+          <a:noFill/>
+        </p:spPr>
+        <p:txBody>
+          <a:bodyPr wrap="square">
+            <a:spAutoFit/>
+          </a:bodyPr>
+          <a:lstStyle/>
+          <a:p>
+            <a:pPr algn="r"/>
+            <a:r>
+              <a:rPr lang="en-US" altLang="ko-Kore-KR" dirty="0">
+                <a:latin typeface="DM Mono" panose="020B0509040201040103" pitchFamily="49" charset="0"/>
+              </a:rPr>
+              <a:t>user1</a:t>
+            </a:r>
+            <a:endParaRPr lang="ko-Kore-KR" altLang="en-US" dirty="0"/>
+          </a:p>
+        </p:txBody>
+      </p:sp>
+      <p:sp>
+        <p:nvSpPr>
+          <p:cNvPr id="2" name="직사각형 1">
+            <a:extLst>
+              <a:ext uri="{FF2B5EF4-FFF2-40B4-BE49-F238E27FC236}">
+                <a16:creationId xmlns:a16="http://schemas.microsoft.com/office/drawing/2014/main" id="{A56DF2E7-85AA-BE31-956B-5F8B7FAAA23E}"/>
+              </a:ext>
+            </a:extLst>
+          </p:cNvPr>
+          <p:cNvSpPr/>
+          <p:nvPr/>
+        </p:nvSpPr>
+        <p:spPr>
+          <a:xfrm>
+            <a:off x="9316528" y="630975"/>
+            <a:ext cx="1919771" cy="451945"/>
+          </a:xfrm>
+          <a:prstGeom prst="rect">
+            <a:avLst/>
+          </a:prstGeom>
+          <a:solidFill>
+            <a:srgbClr val="FFFF00"/>
+          </a:solidFill>
+        </p:spPr>
+        <p:style>
+          <a:lnRef idx="2">
+            <a:schemeClr val="accent1">
+              <a:shade val="50000"/>
+            </a:schemeClr>
+          </a:lnRef>
+          <a:fillRef idx="1">
+            <a:schemeClr val="accent1"/>
+          </a:fillRef>
+          <a:effectRef idx="0">
+            <a:schemeClr val="accent1"/>
+          </a:effectRef>
+          <a:fontRef idx="minor">
+            <a:schemeClr val="lt1"/>
+          </a:fontRef>
+        </p:style>
+        <p:txBody>
+          <a:bodyPr rtlCol="0" anchor="ctr"/>
+          <a:lstStyle/>
+          <a:p>
+            <a:pPr algn="ctr"/>
+            <a:r>
+              <a:rPr kumimoji="1" lang="en-US" altLang="ko-Kore-KR" dirty="0">
+                <a:solidFill>
+                  <a:schemeClr val="tx1"/>
+                </a:solidFill>
+                <a:latin typeface="DM Mono" panose="020B0509040201040103" pitchFamily="49" charset="0"/>
+              </a:rPr>
+              <a:t>“Tom”</a:t>
+            </a:r>
+            <a:endParaRPr kumimoji="1" lang="ko-Kore-KR" altLang="en-US" dirty="0">
+              <a:solidFill>
+                <a:schemeClr val="tx1"/>
+              </a:solidFill>
+              <a:latin typeface="DM Mono" panose="020B0509040201040103" pitchFamily="49" charset="0"/>
+            </a:endParaRPr>
+          </a:p>
+        </p:txBody>
+      </p:sp>
+      <p:cxnSp>
+        <p:nvCxnSpPr>
+          <p:cNvPr id="13" name="구부러진 연결선[U] 12">
+            <a:extLst>
+              <a:ext uri="{FF2B5EF4-FFF2-40B4-BE49-F238E27FC236}">
+                <a16:creationId xmlns:a16="http://schemas.microsoft.com/office/drawing/2014/main" id="{32CC38EB-3710-5E69-2219-5D899AC66556}"/>
+              </a:ext>
+            </a:extLst>
+          </p:cNvPr>
+          <p:cNvCxnSpPr>
+            <a:stCxn id="8" idx="3"/>
+            <a:endCxn id="2" idx="1"/>
+          </p:cNvCxnSpPr>
+          <p:nvPr/>
+        </p:nvCxnSpPr>
+        <p:spPr>
+          <a:xfrm flipV="1">
+            <a:off x="7598827" y="856948"/>
+            <a:ext cx="1717701" cy="413445"/>
+          </a:xfrm>
+          <a:prstGeom prst="curvedConnector3">
+            <a:avLst/>
+          </a:prstGeom>
+          <a:ln>
+            <a:tailEnd type="triangle"/>
+          </a:ln>
+        </p:spPr>
+        <p:style>
+          <a:lnRef idx="1">
+            <a:schemeClr val="dk1"/>
+          </a:lnRef>
+          <a:fillRef idx="0">
+            <a:schemeClr val="dk1"/>
+          </a:fillRef>
+          <a:effectRef idx="0">
+            <a:schemeClr val="dk1"/>
+          </a:effectRef>
+          <a:fontRef idx="minor">
+            <a:schemeClr val="tx1"/>
+          </a:fontRef>
+        </p:style>
+      </p:cxnSp>
+      <p:sp>
+        <p:nvSpPr>
+          <p:cNvPr id="6" name="직사각형 5">
+            <a:extLst>
+              <a:ext uri="{FF2B5EF4-FFF2-40B4-BE49-F238E27FC236}">
+                <a16:creationId xmlns:a16="http://schemas.microsoft.com/office/drawing/2014/main" id="{1CD764CC-1FEF-05E5-7473-FE9FEE764C0E}"/>
+              </a:ext>
+            </a:extLst>
+          </p:cNvPr>
+          <p:cNvSpPr/>
+          <p:nvPr/>
+        </p:nvSpPr>
+        <p:spPr>
+          <a:xfrm>
+            <a:off x="6579324" y="1948307"/>
+            <a:ext cx="1019503" cy="451945"/>
+          </a:xfrm>
+          <a:prstGeom prst="rect">
+            <a:avLst/>
+          </a:prstGeom>
+          <a:solidFill>
+            <a:srgbClr val="FFFF00"/>
+          </a:solidFill>
+        </p:spPr>
+        <p:style>
+          <a:lnRef idx="2">
+            <a:schemeClr val="accent1">
+              <a:shade val="50000"/>
+            </a:schemeClr>
+          </a:lnRef>
+          <a:fillRef idx="1">
+            <a:schemeClr val="accent1"/>
+          </a:fillRef>
+          <a:effectRef idx="0">
+            <a:schemeClr val="accent1"/>
+          </a:effectRef>
+          <a:fontRef idx="minor">
+            <a:schemeClr val="lt1"/>
+          </a:fontRef>
+        </p:style>
+        <p:txBody>
+          <a:bodyPr rtlCol="0" anchor="ctr"/>
+          <a:lstStyle/>
+          <a:p>
+            <a:pPr algn="ctr"/>
+            <a:endParaRPr kumimoji="1" lang="ko-Kore-KR" altLang="en-US" dirty="0">
+              <a:solidFill>
+                <a:schemeClr val="tx1"/>
+              </a:solidFill>
+              <a:latin typeface="DM Mono" panose="020B0509040201040103" pitchFamily="49" charset="0"/>
+            </a:endParaRPr>
+          </a:p>
+        </p:txBody>
+      </p:sp>
+      <p:sp>
+        <p:nvSpPr>
+          <p:cNvPr id="7" name="TextBox 6">
+            <a:extLst>
+              <a:ext uri="{FF2B5EF4-FFF2-40B4-BE49-F238E27FC236}">
+                <a16:creationId xmlns:a16="http://schemas.microsoft.com/office/drawing/2014/main" id="{C5031269-ECF4-F875-1C16-18EBA208442E}"/>
+              </a:ext>
+            </a:extLst>
+          </p:cNvPr>
+          <p:cNvSpPr txBox="1"/>
+          <p:nvPr/>
+        </p:nvSpPr>
+        <p:spPr>
+          <a:xfrm>
+            <a:off x="5762445" y="1989613"/>
+            <a:ext cx="816879" cy="369332"/>
+          </a:xfrm>
+          <a:prstGeom prst="rect">
+            <a:avLst/>
+          </a:prstGeom>
+          <a:noFill/>
+        </p:spPr>
+        <p:txBody>
+          <a:bodyPr wrap="square">
+            <a:spAutoFit/>
+          </a:bodyPr>
+          <a:lstStyle/>
+          <a:p>
+            <a:pPr algn="r"/>
+            <a:r>
+              <a:rPr lang="en-US" altLang="ko-Kore-KR" dirty="0">
+                <a:latin typeface="DM Mono" panose="020B0509040201040103" pitchFamily="49" charset="0"/>
+              </a:rPr>
+              <a:t>ref</a:t>
+            </a:r>
+            <a:endParaRPr lang="ko-Kore-KR" altLang="en-US" dirty="0"/>
+          </a:p>
+        </p:txBody>
+      </p:sp>
+      <p:sp>
+        <p:nvSpPr>
+          <p:cNvPr id="10" name="직사각형 9">
+            <a:extLst>
+              <a:ext uri="{FF2B5EF4-FFF2-40B4-BE49-F238E27FC236}">
+                <a16:creationId xmlns:a16="http://schemas.microsoft.com/office/drawing/2014/main" id="{846AEF10-46E5-B36D-C285-25D16C185DFA}"/>
+              </a:ext>
+            </a:extLst>
+          </p:cNvPr>
+          <p:cNvSpPr/>
+          <p:nvPr/>
+        </p:nvSpPr>
+        <p:spPr>
+          <a:xfrm>
+            <a:off x="9701842" y="1672387"/>
+            <a:ext cx="951782" cy="451945"/>
+          </a:xfrm>
+          <a:prstGeom prst="rect">
+            <a:avLst/>
+          </a:prstGeom>
+          <a:solidFill>
+            <a:srgbClr val="FFFF00"/>
+          </a:solidFill>
+        </p:spPr>
+        <p:style>
+          <a:lnRef idx="2">
+            <a:schemeClr val="accent1">
+              <a:shade val="50000"/>
+            </a:schemeClr>
+          </a:lnRef>
+          <a:fillRef idx="1">
+            <a:schemeClr val="accent1"/>
+          </a:fillRef>
+          <a:effectRef idx="0">
+            <a:schemeClr val="accent1"/>
+          </a:effectRef>
+          <a:fontRef idx="minor">
+            <a:schemeClr val="lt1"/>
+          </a:fontRef>
+        </p:style>
+        <p:txBody>
+          <a:bodyPr rtlCol="0" anchor="ctr"/>
+          <a:lstStyle/>
+          <a:p>
+            <a:pPr algn="ctr"/>
+            <a:r>
+              <a:rPr kumimoji="1" lang="en-US" altLang="ko-Kore-KR" dirty="0">
+                <a:solidFill>
+                  <a:schemeClr val="tx1"/>
+                </a:solidFill>
+                <a:latin typeface="DM Mono" panose="020B0509040201040103" pitchFamily="49" charset="0"/>
+              </a:rPr>
+              <a:t>3</a:t>
+            </a:r>
+            <a:endParaRPr kumimoji="1" lang="ko-Kore-KR" altLang="en-US" dirty="0">
+              <a:solidFill>
+                <a:schemeClr val="tx1"/>
+              </a:solidFill>
+              <a:latin typeface="DM Mono" panose="020B0509040201040103" pitchFamily="49" charset="0"/>
+            </a:endParaRPr>
+          </a:p>
+        </p:txBody>
+      </p:sp>
+      <p:cxnSp>
+        <p:nvCxnSpPr>
+          <p:cNvPr id="11" name="구부러진 연결선[U] 10">
+            <a:extLst>
+              <a:ext uri="{FF2B5EF4-FFF2-40B4-BE49-F238E27FC236}">
+                <a16:creationId xmlns:a16="http://schemas.microsoft.com/office/drawing/2014/main" id="{D5C2ABD5-E6B0-9917-9362-484ABB895194}"/>
+              </a:ext>
+            </a:extLst>
+          </p:cNvPr>
+          <p:cNvCxnSpPr>
+            <a:cxnSpLocks/>
+            <a:stCxn id="6" idx="3"/>
+            <a:endCxn id="10" idx="1"/>
+          </p:cNvCxnSpPr>
+          <p:nvPr/>
+        </p:nvCxnSpPr>
+        <p:spPr>
+          <a:xfrm flipV="1">
+            <a:off x="7598827" y="1898360"/>
+            <a:ext cx="2103015" cy="275920"/>
+          </a:xfrm>
+          <a:prstGeom prst="curvedConnector3">
+            <a:avLst/>
+          </a:prstGeom>
+          <a:ln>
+            <a:tailEnd type="triangle"/>
+          </a:ln>
+        </p:spPr>
+        <p:style>
+          <a:lnRef idx="1">
+            <a:schemeClr val="dk1"/>
+          </a:lnRef>
+          <a:fillRef idx="0">
+            <a:schemeClr val="dk1"/>
+          </a:fillRef>
+          <a:effectRef idx="0">
+            <a:schemeClr val="dk1"/>
+          </a:effectRef>
+          <a:fontRef idx="minor">
+            <a:schemeClr val="tx1"/>
+          </a:fontRef>
+        </p:style>
+      </p:cxnSp>
+      <p:sp>
+        <p:nvSpPr>
+          <p:cNvPr id="16" name="직사각형 15">
+            <a:extLst>
+              <a:ext uri="{FF2B5EF4-FFF2-40B4-BE49-F238E27FC236}">
+                <a16:creationId xmlns:a16="http://schemas.microsoft.com/office/drawing/2014/main" id="{5AB20428-AB7F-3632-E12A-3E83112ADA42}"/>
+              </a:ext>
+            </a:extLst>
+          </p:cNvPr>
+          <p:cNvSpPr/>
+          <p:nvPr/>
+        </p:nvSpPr>
+        <p:spPr>
+          <a:xfrm>
+            <a:off x="6579324" y="2859556"/>
+            <a:ext cx="1019503" cy="451945"/>
+          </a:xfrm>
+          <a:prstGeom prst="rect">
+            <a:avLst/>
+          </a:prstGeom>
+          <a:solidFill>
+            <a:srgbClr val="FFFF00"/>
+          </a:solidFill>
+        </p:spPr>
+        <p:style>
+          <a:lnRef idx="2">
+            <a:schemeClr val="accent1">
+              <a:shade val="50000"/>
+            </a:schemeClr>
+          </a:lnRef>
+          <a:fillRef idx="1">
+            <a:schemeClr val="accent1"/>
+          </a:fillRef>
+          <a:effectRef idx="0">
+            <a:schemeClr val="accent1"/>
+          </a:effectRef>
+          <a:fontRef idx="minor">
+            <a:schemeClr val="lt1"/>
+          </a:fontRef>
+        </p:style>
+        <p:txBody>
+          <a:bodyPr rtlCol="0" anchor="ctr"/>
+          <a:lstStyle/>
+          <a:p>
+            <a:pPr algn="ctr"/>
+            <a:endParaRPr kumimoji="1" lang="ko-Kore-KR" altLang="en-US" dirty="0">
+              <a:solidFill>
+                <a:schemeClr val="tx1"/>
+              </a:solidFill>
+              <a:latin typeface="DM Mono" panose="020B0509040201040103" pitchFamily="49" charset="0"/>
+            </a:endParaRPr>
+          </a:p>
+        </p:txBody>
+      </p:sp>
+      <p:sp>
+        <p:nvSpPr>
+          <p:cNvPr id="17" name="TextBox 16">
+            <a:extLst>
+              <a:ext uri="{FF2B5EF4-FFF2-40B4-BE49-F238E27FC236}">
+                <a16:creationId xmlns:a16="http://schemas.microsoft.com/office/drawing/2014/main" id="{69CF4A6F-22F8-CFBB-58AE-155E14BFA500}"/>
+              </a:ext>
+            </a:extLst>
+          </p:cNvPr>
+          <p:cNvSpPr txBox="1"/>
+          <p:nvPr/>
+        </p:nvSpPr>
+        <p:spPr>
+          <a:xfrm>
+            <a:off x="5559821" y="2900862"/>
+            <a:ext cx="1019503" cy="369332"/>
+          </a:xfrm>
+          <a:prstGeom prst="rect">
+            <a:avLst/>
+          </a:prstGeom>
+          <a:noFill/>
+        </p:spPr>
+        <p:txBody>
+          <a:bodyPr wrap="square">
+            <a:spAutoFit/>
+          </a:bodyPr>
+          <a:lstStyle/>
+          <a:p>
+            <a:pPr algn="r"/>
+            <a:r>
+              <a:rPr lang="en-US" altLang="ko-Kore-KR" dirty="0">
+                <a:latin typeface="DM Mono" panose="020B0509040201040103" pitchFamily="49" charset="0"/>
+              </a:rPr>
+              <a:t>name</a:t>
+            </a:r>
+            <a:endParaRPr lang="ko-Kore-KR" altLang="en-US" dirty="0"/>
+          </a:p>
+        </p:txBody>
+      </p:sp>
+      <p:sp>
+        <p:nvSpPr>
+          <p:cNvPr id="18" name="직사각형 17">
+            <a:extLst>
+              <a:ext uri="{FF2B5EF4-FFF2-40B4-BE49-F238E27FC236}">
+                <a16:creationId xmlns:a16="http://schemas.microsoft.com/office/drawing/2014/main" id="{B2036F07-E8F9-82AA-CAD0-46AB3C8196B6}"/>
+              </a:ext>
+            </a:extLst>
+          </p:cNvPr>
+          <p:cNvSpPr/>
+          <p:nvPr/>
+        </p:nvSpPr>
+        <p:spPr>
+          <a:xfrm>
+            <a:off x="6579324" y="3311500"/>
+            <a:ext cx="1019503" cy="451945"/>
+          </a:xfrm>
+          <a:prstGeom prst="rect">
+            <a:avLst/>
+          </a:prstGeom>
+          <a:solidFill>
+            <a:srgbClr val="FFFF00"/>
+          </a:solidFill>
+        </p:spPr>
+        <p:style>
+          <a:lnRef idx="2">
+            <a:schemeClr val="accent1">
+              <a:shade val="50000"/>
+            </a:schemeClr>
+          </a:lnRef>
+          <a:fillRef idx="1">
+            <a:schemeClr val="accent1"/>
+          </a:fillRef>
+          <a:effectRef idx="0">
+            <a:schemeClr val="accent1"/>
+          </a:effectRef>
+          <a:fontRef idx="minor">
+            <a:schemeClr val="lt1"/>
+          </a:fontRef>
+        </p:style>
+        <p:txBody>
+          <a:bodyPr rtlCol="0" anchor="ctr"/>
+          <a:lstStyle/>
+          <a:p>
+            <a:pPr algn="ctr"/>
+            <a:r>
+              <a:rPr kumimoji="1" lang="en-US" altLang="ko-Kore-KR" dirty="0">
+                <a:solidFill>
+                  <a:schemeClr val="tx1"/>
+                </a:solidFill>
+                <a:latin typeface="DM Mono" panose="020B0509040201040103" pitchFamily="49" charset="0"/>
+              </a:rPr>
+              <a:t>42</a:t>
+            </a:r>
+            <a:endParaRPr kumimoji="1" lang="ko-Kore-KR" altLang="en-US" dirty="0">
+              <a:solidFill>
+                <a:schemeClr val="tx1"/>
+              </a:solidFill>
+              <a:latin typeface="DM Mono" panose="020B0509040201040103" pitchFamily="49" charset="0"/>
+            </a:endParaRPr>
+          </a:p>
+        </p:txBody>
+      </p:sp>
+      <p:sp>
+        <p:nvSpPr>
+          <p:cNvPr id="19" name="TextBox 18">
+            <a:extLst>
+              <a:ext uri="{FF2B5EF4-FFF2-40B4-BE49-F238E27FC236}">
+                <a16:creationId xmlns:a16="http://schemas.microsoft.com/office/drawing/2014/main" id="{EC42D6A8-BE23-D995-88DF-0E04257868CD}"/>
+              </a:ext>
+            </a:extLst>
+          </p:cNvPr>
+          <p:cNvSpPr txBox="1"/>
+          <p:nvPr/>
+        </p:nvSpPr>
+        <p:spPr>
+          <a:xfrm>
+            <a:off x="5762445" y="3352806"/>
+            <a:ext cx="816879" cy="369332"/>
+          </a:xfrm>
+          <a:prstGeom prst="rect">
+            <a:avLst/>
+          </a:prstGeom>
+          <a:noFill/>
+        </p:spPr>
+        <p:txBody>
+          <a:bodyPr wrap="square">
+            <a:spAutoFit/>
+          </a:bodyPr>
+          <a:lstStyle/>
+          <a:p>
+            <a:pPr algn="r"/>
+            <a:r>
+              <a:rPr lang="en-US" altLang="ko-Kore-KR" dirty="0">
+                <a:latin typeface="DM Mono" panose="020B0509040201040103" pitchFamily="49" charset="0"/>
+              </a:rPr>
+              <a:t>age</a:t>
+            </a:r>
+            <a:endParaRPr lang="ko-Kore-KR" altLang="en-US" dirty="0"/>
+          </a:p>
+        </p:txBody>
+      </p:sp>
+      <p:sp>
+        <p:nvSpPr>
+          <p:cNvPr id="20" name="TextBox 19">
+            <a:extLst>
+              <a:ext uri="{FF2B5EF4-FFF2-40B4-BE49-F238E27FC236}">
+                <a16:creationId xmlns:a16="http://schemas.microsoft.com/office/drawing/2014/main" id="{254CC547-CC56-A546-CC21-5C6EBE4127D4}"/>
+              </a:ext>
+            </a:extLst>
+          </p:cNvPr>
+          <p:cNvSpPr txBox="1"/>
+          <p:nvPr/>
+        </p:nvSpPr>
+        <p:spPr>
+          <a:xfrm>
+            <a:off x="6316565" y="2521650"/>
+            <a:ext cx="1144492" cy="369332"/>
+          </a:xfrm>
+          <a:prstGeom prst="rect">
+            <a:avLst/>
+          </a:prstGeom>
+          <a:noFill/>
+        </p:spPr>
+        <p:txBody>
+          <a:bodyPr wrap="square">
+            <a:spAutoFit/>
+          </a:bodyPr>
+          <a:lstStyle/>
+          <a:p>
+            <a:pPr algn="r"/>
+            <a:r>
+              <a:rPr lang="en-US" altLang="ko-Kore-KR" dirty="0">
+                <a:latin typeface="DM Mono" panose="020B0509040201040103" pitchFamily="49" charset="0"/>
+              </a:rPr>
+              <a:t>user2</a:t>
+            </a:r>
+            <a:endParaRPr lang="ko-Kore-KR" altLang="en-US" dirty="0"/>
+          </a:p>
+        </p:txBody>
+      </p:sp>
+      <p:sp>
+        <p:nvSpPr>
+          <p:cNvPr id="21" name="직사각형 20">
+            <a:extLst>
+              <a:ext uri="{FF2B5EF4-FFF2-40B4-BE49-F238E27FC236}">
+                <a16:creationId xmlns:a16="http://schemas.microsoft.com/office/drawing/2014/main" id="{4BD12AF1-DDC1-E2E5-2A1A-3C4BC6C79653}"/>
+              </a:ext>
+            </a:extLst>
+          </p:cNvPr>
+          <p:cNvSpPr/>
+          <p:nvPr/>
+        </p:nvSpPr>
+        <p:spPr>
+          <a:xfrm>
+            <a:off x="6579324" y="3763443"/>
+            <a:ext cx="1019503" cy="451945"/>
+          </a:xfrm>
+          <a:prstGeom prst="rect">
+            <a:avLst/>
+          </a:prstGeom>
+          <a:solidFill>
+            <a:srgbClr val="FFFF00"/>
+          </a:solidFill>
+        </p:spPr>
+        <p:style>
+          <a:lnRef idx="2">
+            <a:schemeClr val="accent1">
+              <a:shade val="50000"/>
+            </a:schemeClr>
+          </a:lnRef>
+          <a:fillRef idx="1">
+            <a:schemeClr val="accent1"/>
+          </a:fillRef>
+          <a:effectRef idx="0">
+            <a:schemeClr val="accent1"/>
+          </a:effectRef>
+          <a:fontRef idx="minor">
+            <a:schemeClr val="lt1"/>
+          </a:fontRef>
+        </p:style>
+        <p:txBody>
+          <a:bodyPr rtlCol="0" anchor="ctr"/>
+          <a:lstStyle/>
+          <a:p>
+            <a:pPr algn="ctr"/>
+            <a:endParaRPr kumimoji="1" lang="ko-Kore-KR" altLang="en-US" dirty="0">
+              <a:solidFill>
+                <a:schemeClr val="tx1"/>
+              </a:solidFill>
+              <a:latin typeface="DM Mono" panose="020B0509040201040103" pitchFamily="49" charset="0"/>
+            </a:endParaRPr>
+          </a:p>
+        </p:txBody>
+      </p:sp>
+      <p:sp>
+        <p:nvSpPr>
+          <p:cNvPr id="22" name="TextBox 21">
+            <a:extLst>
+              <a:ext uri="{FF2B5EF4-FFF2-40B4-BE49-F238E27FC236}">
+                <a16:creationId xmlns:a16="http://schemas.microsoft.com/office/drawing/2014/main" id="{69790EC0-71C3-F1EB-C941-9BF5B932BE75}"/>
+              </a:ext>
+            </a:extLst>
+          </p:cNvPr>
+          <p:cNvSpPr txBox="1"/>
+          <p:nvPr/>
+        </p:nvSpPr>
+        <p:spPr>
+          <a:xfrm>
+            <a:off x="5762445" y="3804749"/>
+            <a:ext cx="816879" cy="369332"/>
+          </a:xfrm>
+          <a:prstGeom prst="rect">
+            <a:avLst/>
+          </a:prstGeom>
+          <a:noFill/>
+        </p:spPr>
+        <p:txBody>
+          <a:bodyPr wrap="square">
+            <a:spAutoFit/>
+          </a:bodyPr>
+          <a:lstStyle/>
+          <a:p>
+            <a:pPr algn="r"/>
+            <a:r>
+              <a:rPr lang="en-US" altLang="ko-Kore-KR" dirty="0">
+                <a:latin typeface="DM Mono" panose="020B0509040201040103" pitchFamily="49" charset="0"/>
+              </a:rPr>
+              <a:t>ref</a:t>
+            </a:r>
+            <a:endParaRPr lang="ko-Kore-KR" altLang="en-US" dirty="0"/>
+          </a:p>
+        </p:txBody>
+      </p:sp>
+      <p:cxnSp>
+        <p:nvCxnSpPr>
+          <p:cNvPr id="23" name="구부러진 연결선[U] 22">
+            <a:extLst>
+              <a:ext uri="{FF2B5EF4-FFF2-40B4-BE49-F238E27FC236}">
+                <a16:creationId xmlns:a16="http://schemas.microsoft.com/office/drawing/2014/main" id="{EC9DE9AD-A1A7-C7CE-159E-4C665F5437DA}"/>
+              </a:ext>
+            </a:extLst>
+          </p:cNvPr>
+          <p:cNvCxnSpPr>
+            <a:cxnSpLocks/>
+            <a:stCxn id="16" idx="3"/>
+            <a:endCxn id="2" idx="1"/>
+          </p:cNvCxnSpPr>
+          <p:nvPr/>
+        </p:nvCxnSpPr>
+        <p:spPr>
+          <a:xfrm flipV="1">
+            <a:off x="7598827" y="856948"/>
+            <a:ext cx="1717701" cy="2228581"/>
+          </a:xfrm>
+          <a:prstGeom prst="curvedConnector3">
+            <a:avLst>
+              <a:gd name="adj1" fmla="val 50000"/>
+            </a:avLst>
+          </a:prstGeom>
+          <a:ln>
+            <a:tailEnd type="triangle"/>
+          </a:ln>
+        </p:spPr>
+        <p:style>
+          <a:lnRef idx="1">
+            <a:schemeClr val="dk1"/>
+          </a:lnRef>
+          <a:fillRef idx="0">
+            <a:schemeClr val="dk1"/>
+          </a:fillRef>
+          <a:effectRef idx="0">
+            <a:schemeClr val="dk1"/>
+          </a:effectRef>
+          <a:fontRef idx="minor">
+            <a:schemeClr val="tx1"/>
+          </a:fontRef>
+        </p:style>
+      </p:cxnSp>
+      <p:cxnSp>
+        <p:nvCxnSpPr>
+          <p:cNvPr id="26" name="구부러진 연결선[U] 25">
+            <a:extLst>
+              <a:ext uri="{FF2B5EF4-FFF2-40B4-BE49-F238E27FC236}">
+                <a16:creationId xmlns:a16="http://schemas.microsoft.com/office/drawing/2014/main" id="{32AF8785-69E3-6845-A892-84385401840F}"/>
+              </a:ext>
+            </a:extLst>
+          </p:cNvPr>
+          <p:cNvCxnSpPr>
+            <a:cxnSpLocks/>
+            <a:stCxn id="21" idx="3"/>
+            <a:endCxn id="10" idx="1"/>
+          </p:cNvCxnSpPr>
+          <p:nvPr/>
+        </p:nvCxnSpPr>
+        <p:spPr>
+          <a:xfrm flipV="1">
+            <a:off x="7598827" y="1898360"/>
+            <a:ext cx="2103015" cy="2091056"/>
+          </a:xfrm>
+          <a:prstGeom prst="curvedConnector3">
+            <a:avLst/>
+          </a:prstGeom>
+          <a:ln>
+            <a:tailEnd type="triangle"/>
+          </a:ln>
+        </p:spPr>
+        <p:style>
+          <a:lnRef idx="1">
+            <a:schemeClr val="dk1"/>
+          </a:lnRef>
+          <a:fillRef idx="0">
+            <a:schemeClr val="dk1"/>
+          </a:fillRef>
+          <a:effectRef idx="0">
+            <a:schemeClr val="dk1"/>
+          </a:effectRef>
+          <a:fontRef idx="minor">
+            <a:schemeClr val="tx1"/>
+          </a:fontRef>
+        </p:style>
+      </p:cxnSp>
+      <p:sp>
+        <p:nvSpPr>
+          <p:cNvPr id="5" name="직사각형 4">
+            <a:extLst>
+              <a:ext uri="{FF2B5EF4-FFF2-40B4-BE49-F238E27FC236}">
+                <a16:creationId xmlns:a16="http://schemas.microsoft.com/office/drawing/2014/main" id="{A38BD75C-44CA-32EE-9942-EA787FDC821A}"/>
+              </a:ext>
+            </a:extLst>
+          </p:cNvPr>
+          <p:cNvSpPr/>
+          <p:nvPr/>
+        </p:nvSpPr>
+        <p:spPr>
+          <a:xfrm>
+            <a:off x="6579324" y="4743114"/>
+            <a:ext cx="1019503" cy="451945"/>
+          </a:xfrm>
+          <a:prstGeom prst="rect">
+            <a:avLst/>
+          </a:prstGeom>
+          <a:solidFill>
+            <a:srgbClr val="FFFF00"/>
+          </a:solidFill>
+        </p:spPr>
+        <p:style>
+          <a:lnRef idx="2">
+            <a:schemeClr val="accent1">
+              <a:shade val="50000"/>
+            </a:schemeClr>
+          </a:lnRef>
+          <a:fillRef idx="1">
+            <a:schemeClr val="accent1"/>
+          </a:fillRef>
+          <a:effectRef idx="0">
+            <a:schemeClr val="accent1"/>
+          </a:effectRef>
+          <a:fontRef idx="minor">
+            <a:schemeClr val="lt1"/>
+          </a:fontRef>
+        </p:style>
+        <p:txBody>
+          <a:bodyPr rtlCol="0" anchor="ctr"/>
+          <a:lstStyle/>
+          <a:p>
+            <a:pPr algn="ctr"/>
+            <a:endParaRPr kumimoji="1" lang="ko-Kore-KR" altLang="en-US" dirty="0">
+              <a:solidFill>
+                <a:schemeClr val="tx1"/>
+              </a:solidFill>
+              <a:latin typeface="DM Mono" panose="020B0509040201040103" pitchFamily="49" charset="0"/>
+            </a:endParaRPr>
+          </a:p>
+        </p:txBody>
+      </p:sp>
+      <p:sp>
+        <p:nvSpPr>
+          <p:cNvPr id="12" name="TextBox 11">
+            <a:extLst>
+              <a:ext uri="{FF2B5EF4-FFF2-40B4-BE49-F238E27FC236}">
+                <a16:creationId xmlns:a16="http://schemas.microsoft.com/office/drawing/2014/main" id="{283C7765-FAB4-EF33-45F8-66F5F3811E66}"/>
+              </a:ext>
+            </a:extLst>
+          </p:cNvPr>
+          <p:cNvSpPr txBox="1"/>
+          <p:nvPr/>
+        </p:nvSpPr>
+        <p:spPr>
+          <a:xfrm>
+            <a:off x="5559821" y="4784420"/>
+            <a:ext cx="1019503" cy="369332"/>
+          </a:xfrm>
+          <a:prstGeom prst="rect">
+            <a:avLst/>
+          </a:prstGeom>
+          <a:noFill/>
+        </p:spPr>
+        <p:txBody>
+          <a:bodyPr wrap="square">
+            <a:spAutoFit/>
+          </a:bodyPr>
+          <a:lstStyle/>
+          <a:p>
+            <a:pPr algn="r"/>
+            <a:r>
+              <a:rPr lang="en-US" altLang="ko-Kore-KR" dirty="0">
+                <a:latin typeface="DM Mono" panose="020B0509040201040103" pitchFamily="49" charset="0"/>
+              </a:rPr>
+              <a:t>name</a:t>
+            </a:r>
+            <a:endParaRPr lang="ko-Kore-KR" altLang="en-US" dirty="0"/>
+          </a:p>
+        </p:txBody>
+      </p:sp>
+      <p:sp>
+        <p:nvSpPr>
+          <p:cNvPr id="15" name="직사각형 14">
+            <a:extLst>
+              <a:ext uri="{FF2B5EF4-FFF2-40B4-BE49-F238E27FC236}">
+                <a16:creationId xmlns:a16="http://schemas.microsoft.com/office/drawing/2014/main" id="{98D4916D-6D02-1579-C988-591C4900AB2F}"/>
+              </a:ext>
+            </a:extLst>
+          </p:cNvPr>
+          <p:cNvSpPr/>
+          <p:nvPr/>
+        </p:nvSpPr>
+        <p:spPr>
+          <a:xfrm>
+            <a:off x="6579324" y="5195058"/>
+            <a:ext cx="1019503" cy="451945"/>
+          </a:xfrm>
+          <a:prstGeom prst="rect">
+            <a:avLst/>
+          </a:prstGeom>
+          <a:solidFill>
+            <a:srgbClr val="FFFF00"/>
+          </a:solidFill>
+        </p:spPr>
+        <p:style>
+          <a:lnRef idx="2">
+            <a:schemeClr val="accent1">
+              <a:shade val="50000"/>
+            </a:schemeClr>
+          </a:lnRef>
+          <a:fillRef idx="1">
+            <a:schemeClr val="accent1"/>
+          </a:fillRef>
+          <a:effectRef idx="0">
+            <a:schemeClr val="accent1"/>
+          </a:effectRef>
+          <a:fontRef idx="minor">
+            <a:schemeClr val="lt1"/>
+          </a:fontRef>
+        </p:style>
+        <p:txBody>
+          <a:bodyPr rtlCol="0" anchor="ctr"/>
+          <a:lstStyle/>
+          <a:p>
+            <a:pPr algn="ctr"/>
+            <a:r>
+              <a:rPr kumimoji="1" lang="en-US" altLang="ko-Kore-KR" dirty="0">
+                <a:solidFill>
+                  <a:schemeClr val="tx1"/>
+                </a:solidFill>
+                <a:latin typeface="DM Mono" panose="020B0509040201040103" pitchFamily="49" charset="0"/>
+              </a:rPr>
+              <a:t>42</a:t>
+            </a:r>
+            <a:endParaRPr kumimoji="1" lang="ko-Kore-KR" altLang="en-US" dirty="0">
+              <a:solidFill>
+                <a:schemeClr val="tx1"/>
+              </a:solidFill>
+              <a:latin typeface="DM Mono" panose="020B0509040201040103" pitchFamily="49" charset="0"/>
+            </a:endParaRPr>
+          </a:p>
+        </p:txBody>
+      </p:sp>
+      <p:sp>
+        <p:nvSpPr>
+          <p:cNvPr id="24" name="TextBox 23">
+            <a:extLst>
+              <a:ext uri="{FF2B5EF4-FFF2-40B4-BE49-F238E27FC236}">
+                <a16:creationId xmlns:a16="http://schemas.microsoft.com/office/drawing/2014/main" id="{A6271B56-B13C-2468-DD4D-641150F734A7}"/>
+              </a:ext>
+            </a:extLst>
+          </p:cNvPr>
+          <p:cNvSpPr txBox="1"/>
+          <p:nvPr/>
+        </p:nvSpPr>
+        <p:spPr>
+          <a:xfrm>
+            <a:off x="5762445" y="5236364"/>
+            <a:ext cx="816879" cy="369332"/>
+          </a:xfrm>
+          <a:prstGeom prst="rect">
+            <a:avLst/>
+          </a:prstGeom>
+          <a:noFill/>
+        </p:spPr>
+        <p:txBody>
+          <a:bodyPr wrap="square">
+            <a:spAutoFit/>
+          </a:bodyPr>
+          <a:lstStyle/>
+          <a:p>
+            <a:pPr algn="r"/>
+            <a:r>
+              <a:rPr lang="en-US" altLang="ko-Kore-KR" dirty="0">
+                <a:latin typeface="DM Mono" panose="020B0509040201040103" pitchFamily="49" charset="0"/>
+              </a:rPr>
+              <a:t>age</a:t>
+            </a:r>
+            <a:endParaRPr lang="ko-Kore-KR" altLang="en-US" dirty="0"/>
+          </a:p>
+        </p:txBody>
+      </p:sp>
+      <p:sp>
+        <p:nvSpPr>
+          <p:cNvPr id="25" name="TextBox 24">
+            <a:extLst>
+              <a:ext uri="{FF2B5EF4-FFF2-40B4-BE49-F238E27FC236}">
+                <a16:creationId xmlns:a16="http://schemas.microsoft.com/office/drawing/2014/main" id="{C9DDA677-5308-119E-6077-CE4DFC9AB616}"/>
+              </a:ext>
+            </a:extLst>
+          </p:cNvPr>
+          <p:cNvSpPr txBox="1"/>
+          <p:nvPr/>
+        </p:nvSpPr>
+        <p:spPr>
+          <a:xfrm>
+            <a:off x="6316565" y="4405208"/>
+            <a:ext cx="1144492" cy="369332"/>
+          </a:xfrm>
+          <a:prstGeom prst="rect">
+            <a:avLst/>
+          </a:prstGeom>
+          <a:noFill/>
+        </p:spPr>
+        <p:txBody>
+          <a:bodyPr wrap="square">
+            <a:spAutoFit/>
+          </a:bodyPr>
+          <a:lstStyle/>
+          <a:p>
+            <a:pPr algn="r"/>
+            <a:r>
+              <a:rPr lang="en-US" altLang="ko-Kore-KR" dirty="0">
+                <a:latin typeface="DM Mono" panose="020B0509040201040103" pitchFamily="49" charset="0"/>
+              </a:rPr>
+              <a:t>user3</a:t>
+            </a:r>
+            <a:endParaRPr lang="ko-Kore-KR" altLang="en-US" dirty="0"/>
+          </a:p>
+        </p:txBody>
+      </p:sp>
+      <p:sp>
+        <p:nvSpPr>
+          <p:cNvPr id="27" name="직사각형 26">
+            <a:extLst>
+              <a:ext uri="{FF2B5EF4-FFF2-40B4-BE49-F238E27FC236}">
+                <a16:creationId xmlns:a16="http://schemas.microsoft.com/office/drawing/2014/main" id="{DE4CE345-D520-80B2-79F0-1115FA6EA925}"/>
+              </a:ext>
+            </a:extLst>
+          </p:cNvPr>
+          <p:cNvSpPr/>
+          <p:nvPr/>
+        </p:nvSpPr>
+        <p:spPr>
+          <a:xfrm>
+            <a:off x="6579324" y="5647001"/>
+            <a:ext cx="1019503" cy="451945"/>
+          </a:xfrm>
+          <a:prstGeom prst="rect">
+            <a:avLst/>
+          </a:prstGeom>
+          <a:solidFill>
+            <a:srgbClr val="FFFF00"/>
+          </a:solidFill>
+        </p:spPr>
+        <p:style>
+          <a:lnRef idx="2">
+            <a:schemeClr val="accent1">
+              <a:shade val="50000"/>
+            </a:schemeClr>
+          </a:lnRef>
+          <a:fillRef idx="1">
+            <a:schemeClr val="accent1"/>
+          </a:fillRef>
+          <a:effectRef idx="0">
+            <a:schemeClr val="accent1"/>
+          </a:effectRef>
+          <a:fontRef idx="minor">
+            <a:schemeClr val="lt1"/>
+          </a:fontRef>
+        </p:style>
+        <p:txBody>
+          <a:bodyPr rtlCol="0" anchor="ctr"/>
+          <a:lstStyle/>
+          <a:p>
+            <a:pPr algn="ctr"/>
+            <a:endParaRPr kumimoji="1" lang="ko-Kore-KR" altLang="en-US" dirty="0">
+              <a:solidFill>
+                <a:schemeClr val="tx1"/>
+              </a:solidFill>
+              <a:latin typeface="DM Mono" panose="020B0509040201040103" pitchFamily="49" charset="0"/>
+            </a:endParaRPr>
+          </a:p>
+        </p:txBody>
+      </p:sp>
+      <p:sp>
+        <p:nvSpPr>
+          <p:cNvPr id="28" name="TextBox 27">
+            <a:extLst>
+              <a:ext uri="{FF2B5EF4-FFF2-40B4-BE49-F238E27FC236}">
+                <a16:creationId xmlns:a16="http://schemas.microsoft.com/office/drawing/2014/main" id="{0AF30397-BF7D-4844-3050-B6D52B6F4414}"/>
+              </a:ext>
+            </a:extLst>
+          </p:cNvPr>
+          <p:cNvSpPr txBox="1"/>
+          <p:nvPr/>
+        </p:nvSpPr>
+        <p:spPr>
+          <a:xfrm>
+            <a:off x="5762445" y="5688307"/>
+            <a:ext cx="816879" cy="369332"/>
+          </a:xfrm>
+          <a:prstGeom prst="rect">
+            <a:avLst/>
+          </a:prstGeom>
+          <a:noFill/>
+        </p:spPr>
+        <p:txBody>
+          <a:bodyPr wrap="square">
+            <a:spAutoFit/>
+          </a:bodyPr>
+          <a:lstStyle/>
+          <a:p>
+            <a:pPr algn="r"/>
+            <a:r>
+              <a:rPr lang="en-US" altLang="ko-Kore-KR" dirty="0">
+                <a:latin typeface="DM Mono" panose="020B0509040201040103" pitchFamily="49" charset="0"/>
+              </a:rPr>
+              <a:t>ref</a:t>
+            </a:r>
+            <a:endParaRPr lang="ko-Kore-KR" altLang="en-US" dirty="0"/>
+          </a:p>
+        </p:txBody>
+      </p:sp>
+      <p:cxnSp>
+        <p:nvCxnSpPr>
+          <p:cNvPr id="29" name="구부러진 연결선[U] 28">
+            <a:extLst>
+              <a:ext uri="{FF2B5EF4-FFF2-40B4-BE49-F238E27FC236}">
+                <a16:creationId xmlns:a16="http://schemas.microsoft.com/office/drawing/2014/main" id="{4AE4FD8B-D424-10CD-8725-3E2EF3258F14}"/>
+              </a:ext>
+            </a:extLst>
+          </p:cNvPr>
+          <p:cNvCxnSpPr>
+            <a:cxnSpLocks/>
+            <a:stCxn id="5" idx="3"/>
+            <a:endCxn id="2" idx="1"/>
+          </p:cNvCxnSpPr>
+          <p:nvPr/>
+        </p:nvCxnSpPr>
+        <p:spPr>
+          <a:xfrm flipV="1">
+            <a:off x="7598827" y="856948"/>
+            <a:ext cx="1717701" cy="4112139"/>
+          </a:xfrm>
+          <a:prstGeom prst="curvedConnector3">
+            <a:avLst>
+              <a:gd name="adj1" fmla="val 50000"/>
+            </a:avLst>
+          </a:prstGeom>
+          <a:ln>
+            <a:tailEnd type="triangle"/>
+          </a:ln>
+        </p:spPr>
+        <p:style>
+          <a:lnRef idx="1">
+            <a:schemeClr val="dk1"/>
+          </a:lnRef>
+          <a:fillRef idx="0">
+            <a:schemeClr val="dk1"/>
+          </a:fillRef>
+          <a:effectRef idx="0">
+            <a:schemeClr val="dk1"/>
+          </a:effectRef>
+          <a:fontRef idx="minor">
+            <a:schemeClr val="tx1"/>
+          </a:fontRef>
+        </p:style>
+      </p:cxnSp>
+      <p:cxnSp>
+        <p:nvCxnSpPr>
+          <p:cNvPr id="32" name="구부러진 연결선[U] 31">
+            <a:extLst>
+              <a:ext uri="{FF2B5EF4-FFF2-40B4-BE49-F238E27FC236}">
+                <a16:creationId xmlns:a16="http://schemas.microsoft.com/office/drawing/2014/main" id="{F3A2D926-2241-1832-7BDF-B9031DF7D246}"/>
+              </a:ext>
+            </a:extLst>
+          </p:cNvPr>
+          <p:cNvCxnSpPr>
+            <a:cxnSpLocks/>
+            <a:stCxn id="27" idx="3"/>
+            <a:endCxn id="10" idx="1"/>
+          </p:cNvCxnSpPr>
+          <p:nvPr/>
+        </p:nvCxnSpPr>
+        <p:spPr>
+          <a:xfrm flipV="1">
+            <a:off x="7598827" y="1898360"/>
+            <a:ext cx="2103015" cy="3974614"/>
+          </a:xfrm>
+          <a:prstGeom prst="curvedConnector3">
+            <a:avLst>
+              <a:gd name="adj1" fmla="val 50000"/>
+            </a:avLst>
+          </a:prstGeom>
+          <a:ln>
+            <a:tailEnd type="triangle"/>
+          </a:ln>
+        </p:spPr>
+        <p:style>
+          <a:lnRef idx="1">
+            <a:schemeClr val="dk1"/>
+          </a:lnRef>
+          <a:fillRef idx="0">
+            <a:schemeClr val="dk1"/>
+          </a:fillRef>
+          <a:effectRef idx="0">
+            <a:schemeClr val="dk1"/>
+          </a:effectRef>
+          <a:fontRef idx="minor">
+            <a:schemeClr val="tx1"/>
+          </a:fontRef>
+        </p:style>
+      </p:cxnSp>
+      <p:sp>
+        <p:nvSpPr>
+          <p:cNvPr id="35" name="TextBox 34">
+            <a:extLst>
+              <a:ext uri="{FF2B5EF4-FFF2-40B4-BE49-F238E27FC236}">
+                <a16:creationId xmlns:a16="http://schemas.microsoft.com/office/drawing/2014/main" id="{6B1AB773-85AB-05B0-4972-1D0E6A6D663F}"/>
+              </a:ext>
+            </a:extLst>
+          </p:cNvPr>
+          <p:cNvSpPr txBox="1"/>
+          <p:nvPr/>
+        </p:nvSpPr>
+        <p:spPr>
+          <a:xfrm>
+            <a:off x="292105" y="288412"/>
+            <a:ext cx="6094562" cy="2031325"/>
+          </a:xfrm>
+          <a:prstGeom prst="rect">
+            <a:avLst/>
+          </a:prstGeom>
+          <a:noFill/>
+        </p:spPr>
+        <p:txBody>
+          <a:bodyPr wrap="square">
+            <a:spAutoFit/>
+          </a:bodyPr>
+          <a:lstStyle/>
+          <a:p>
+            <a:r>
+              <a:rPr lang="ko-Kore-KR" altLang="en-US" dirty="0">
+                <a:latin typeface="DM Mono" panose="020B0509040201040103" pitchFamily="49" charset="0"/>
+              </a:rPr>
+              <a:t> </a:t>
+            </a:r>
+            <a:r>
+              <a:rPr lang="en-US" altLang="ko-Kore-KR" dirty="0">
+                <a:latin typeface="DM Mono" panose="020B0509040201040103" pitchFamily="49" charset="0"/>
+              </a:rPr>
+              <a:t>   </a:t>
+            </a:r>
+            <a:r>
+              <a:rPr lang="ko-Kore-KR" altLang="en-US" dirty="0">
+                <a:latin typeface="DM Mono" panose="020B0509040201040103" pitchFamily="49" charset="0"/>
+              </a:rPr>
+              <a:t>User(const User&amp; rhs)</a:t>
+            </a:r>
+          </a:p>
+          <a:p>
+            <a:r>
+              <a:rPr lang="ko-Kore-KR" altLang="en-US" dirty="0">
+                <a:latin typeface="DM Mono" panose="020B0509040201040103" pitchFamily="49" charset="0"/>
+              </a:rPr>
+              <a:t>        : name(rhs.name)</a:t>
+            </a:r>
+          </a:p>
+          <a:p>
+            <a:r>
+              <a:rPr lang="ko-Kore-KR" altLang="en-US" dirty="0">
+                <a:latin typeface="DM Mono" panose="020B0509040201040103" pitchFamily="49" charset="0"/>
+              </a:rPr>
+              <a:t>        , age(rhs.age)</a:t>
+            </a:r>
+          </a:p>
+          <a:p>
+            <a:r>
+              <a:rPr lang="ko-Kore-KR" altLang="en-US" dirty="0">
+                <a:latin typeface="DM Mono" panose="020B0509040201040103" pitchFamily="49" charset="0"/>
+              </a:rPr>
+              <a:t>        , ref(rhs.ref)</a:t>
+            </a:r>
+          </a:p>
+          <a:p>
+            <a:r>
+              <a:rPr lang="ko-Kore-KR" altLang="en-US" dirty="0">
+                <a:latin typeface="DM Mono" panose="020B0509040201040103" pitchFamily="49" charset="0"/>
+              </a:rPr>
+              <a:t>    {</a:t>
+            </a:r>
+          </a:p>
+          <a:p>
+            <a:r>
+              <a:rPr lang="en-US" altLang="ko-Kore-KR" dirty="0">
+                <a:solidFill>
+                  <a:srgbClr val="FF0000"/>
+                </a:solidFill>
+                <a:latin typeface="DM Mono" panose="020B0509040201040103" pitchFamily="49" charset="0"/>
+              </a:rPr>
+              <a:t>        </a:t>
+            </a:r>
+            <a:r>
+              <a:rPr lang="ko-Kore-KR" altLang="en-US" dirty="0">
+                <a:solidFill>
+                  <a:srgbClr val="FF0000"/>
+                </a:solidFill>
+                <a:latin typeface="DM Mono" panose="020B0509040201040103" pitchFamily="49" charset="0"/>
+              </a:rPr>
+              <a:t>++(*ref);</a:t>
+            </a:r>
+          </a:p>
+          <a:p>
+            <a:r>
+              <a:rPr lang="ko-Kore-KR" altLang="en-US" dirty="0">
+                <a:latin typeface="DM Mono" panose="020B0509040201040103" pitchFamily="49" charset="0"/>
+              </a:rPr>
+              <a:t>    }</a:t>
+            </a:r>
+          </a:p>
+        </p:txBody>
+      </p:sp>
+    </p:spTree>
+    <p:extLst>
+      <p:ext uri="{BB962C8B-B14F-4D97-AF65-F5344CB8AC3E}">
+        <p14:creationId xmlns:p14="http://schemas.microsoft.com/office/powerpoint/2010/main" val="2805731647"/>
+      </p:ext>
+    </p:extLst>
+  </p:cSld>
+  <p:clrMapOvr>
+    <a:masterClrMapping/>
+  </p:clrMapOvr>
+</p:sld>
+</file>
+
+<file path=ppt/slides/slide23.xml><?xml version="1.0" encoding="utf-8"?>
+<p:sld xmlns:a="http://schemas.openxmlformats.org/drawingml/2006/main" xmlns:r="http://schemas.openxmlformats.org/officeDocument/2006/relationships" xmlns:p="http://schemas.openxmlformats.org/presentationml/2006/main">
+  <p:cSld>
+    <p:spTree>
+      <p:nvGrpSpPr>
+        <p:cNvPr id="1" name=""/>
+        <p:cNvGrpSpPr/>
+        <p:nvPr/>
+      </p:nvGrpSpPr>
+      <p:grpSpPr>
+        <a:xfrm>
+          <a:off x="0" y="0"/>
+          <a:ext cx="0" cy="0"/>
+          <a:chOff x="0" y="0"/>
+          <a:chExt cx="0" cy="0"/>
+        </a:xfrm>
+      </p:grpSpPr>
+      <p:sp>
+        <p:nvSpPr>
+          <p:cNvPr id="8" name="직사각형 7">
+            <a:extLst>
+              <a:ext uri="{FF2B5EF4-FFF2-40B4-BE49-F238E27FC236}">
+                <a16:creationId xmlns:a16="http://schemas.microsoft.com/office/drawing/2014/main" id="{53C7E6E1-EDB4-B801-05E3-E15014B4BE3B}"/>
+              </a:ext>
+            </a:extLst>
+          </p:cNvPr>
+          <p:cNvSpPr/>
+          <p:nvPr/>
+        </p:nvSpPr>
+        <p:spPr>
+          <a:xfrm>
+            <a:off x="6579324" y="1044420"/>
+            <a:ext cx="1019503" cy="451945"/>
+          </a:xfrm>
+          <a:prstGeom prst="rect">
+            <a:avLst/>
+          </a:prstGeom>
+          <a:solidFill>
+            <a:srgbClr val="FF0000"/>
+          </a:solidFill>
+        </p:spPr>
+        <p:style>
+          <a:lnRef idx="2">
+            <a:schemeClr val="accent1">
+              <a:shade val="50000"/>
+            </a:schemeClr>
+          </a:lnRef>
+          <a:fillRef idx="1">
+            <a:schemeClr val="accent1"/>
+          </a:fillRef>
+          <a:effectRef idx="0">
+            <a:schemeClr val="accent1"/>
+          </a:effectRef>
+          <a:fontRef idx="minor">
+            <a:schemeClr val="lt1"/>
+          </a:fontRef>
+        </p:style>
+        <p:txBody>
+          <a:bodyPr rtlCol="0" anchor="ctr"/>
+          <a:lstStyle/>
+          <a:p>
+            <a:pPr algn="ctr"/>
+            <a:endParaRPr kumimoji="1" lang="ko-Kore-KR" altLang="en-US" dirty="0">
+              <a:solidFill>
+                <a:schemeClr val="tx1"/>
+              </a:solidFill>
+              <a:latin typeface="DM Mono" panose="020B0509040201040103" pitchFamily="49" charset="0"/>
+            </a:endParaRPr>
+          </a:p>
+        </p:txBody>
+      </p:sp>
+      <p:sp>
+        <p:nvSpPr>
+          <p:cNvPr id="9" name="TextBox 8">
+            <a:extLst>
+              <a:ext uri="{FF2B5EF4-FFF2-40B4-BE49-F238E27FC236}">
+                <a16:creationId xmlns:a16="http://schemas.microsoft.com/office/drawing/2014/main" id="{21A94303-6DEB-249B-14B6-E01CACE75F96}"/>
+              </a:ext>
+            </a:extLst>
+          </p:cNvPr>
+          <p:cNvSpPr txBox="1"/>
+          <p:nvPr/>
+        </p:nvSpPr>
+        <p:spPr>
+          <a:xfrm>
+            <a:off x="5559821" y="1085726"/>
+            <a:ext cx="1019503" cy="369332"/>
+          </a:xfrm>
+          <a:prstGeom prst="rect">
+            <a:avLst/>
+          </a:prstGeom>
+          <a:noFill/>
+        </p:spPr>
+        <p:txBody>
+          <a:bodyPr wrap="square">
+            <a:spAutoFit/>
+          </a:bodyPr>
+          <a:lstStyle/>
+          <a:p>
+            <a:pPr algn="r"/>
+            <a:r>
+              <a:rPr lang="en-US" altLang="ko-Kore-KR" dirty="0">
+                <a:latin typeface="DM Mono" panose="020B0509040201040103" pitchFamily="49" charset="0"/>
+              </a:rPr>
+              <a:t>name</a:t>
+            </a:r>
+            <a:endParaRPr lang="ko-Kore-KR" altLang="en-US" dirty="0"/>
+          </a:p>
+        </p:txBody>
+      </p:sp>
+      <p:sp>
+        <p:nvSpPr>
+          <p:cNvPr id="3" name="직사각형 2">
+            <a:extLst>
+              <a:ext uri="{FF2B5EF4-FFF2-40B4-BE49-F238E27FC236}">
+                <a16:creationId xmlns:a16="http://schemas.microsoft.com/office/drawing/2014/main" id="{B696691E-66C2-E5A5-FC77-5DD1F01A92A3}"/>
+              </a:ext>
+            </a:extLst>
+          </p:cNvPr>
+          <p:cNvSpPr/>
+          <p:nvPr/>
+        </p:nvSpPr>
+        <p:spPr>
+          <a:xfrm>
+            <a:off x="6579324" y="1496364"/>
+            <a:ext cx="1019503" cy="451945"/>
+          </a:xfrm>
+          <a:prstGeom prst="rect">
+            <a:avLst/>
+          </a:prstGeom>
+          <a:solidFill>
+            <a:srgbClr val="FF0000"/>
+          </a:solidFill>
+        </p:spPr>
+        <p:style>
+          <a:lnRef idx="2">
+            <a:schemeClr val="accent1">
+              <a:shade val="50000"/>
+            </a:schemeClr>
+          </a:lnRef>
+          <a:fillRef idx="1">
+            <a:schemeClr val="accent1"/>
+          </a:fillRef>
+          <a:effectRef idx="0">
+            <a:schemeClr val="accent1"/>
+          </a:effectRef>
+          <a:fontRef idx="minor">
+            <a:schemeClr val="lt1"/>
+          </a:fontRef>
+        </p:style>
+        <p:txBody>
+          <a:bodyPr rtlCol="0" anchor="ctr"/>
+          <a:lstStyle/>
+          <a:p>
+            <a:pPr algn="ctr"/>
+            <a:r>
+              <a:rPr kumimoji="1" lang="en-US" altLang="ko-Kore-KR" dirty="0">
+                <a:solidFill>
+                  <a:schemeClr val="tx1"/>
+                </a:solidFill>
+                <a:latin typeface="DM Mono" panose="020B0509040201040103" pitchFamily="49" charset="0"/>
+              </a:rPr>
+              <a:t>42</a:t>
+            </a:r>
+            <a:endParaRPr kumimoji="1" lang="ko-Kore-KR" altLang="en-US" dirty="0">
+              <a:solidFill>
+                <a:schemeClr val="tx1"/>
+              </a:solidFill>
+              <a:latin typeface="DM Mono" panose="020B0509040201040103" pitchFamily="49" charset="0"/>
+            </a:endParaRPr>
+          </a:p>
+        </p:txBody>
+      </p:sp>
+      <p:sp>
+        <p:nvSpPr>
+          <p:cNvPr id="4" name="TextBox 3">
+            <a:extLst>
+              <a:ext uri="{FF2B5EF4-FFF2-40B4-BE49-F238E27FC236}">
+                <a16:creationId xmlns:a16="http://schemas.microsoft.com/office/drawing/2014/main" id="{6780460D-4213-28A3-E2A9-497DCD9CD20B}"/>
+              </a:ext>
+            </a:extLst>
+          </p:cNvPr>
+          <p:cNvSpPr txBox="1"/>
+          <p:nvPr/>
+        </p:nvSpPr>
+        <p:spPr>
+          <a:xfrm>
+            <a:off x="5762445" y="1537670"/>
+            <a:ext cx="816879" cy="369332"/>
+          </a:xfrm>
+          <a:prstGeom prst="rect">
+            <a:avLst/>
+          </a:prstGeom>
+          <a:noFill/>
+        </p:spPr>
+        <p:txBody>
+          <a:bodyPr wrap="square">
+            <a:spAutoFit/>
+          </a:bodyPr>
+          <a:lstStyle/>
+          <a:p>
+            <a:pPr algn="r"/>
+            <a:r>
+              <a:rPr lang="en-US" altLang="ko-Kore-KR" dirty="0">
+                <a:latin typeface="DM Mono" panose="020B0509040201040103" pitchFamily="49" charset="0"/>
+              </a:rPr>
+              <a:t>age</a:t>
+            </a:r>
+            <a:endParaRPr lang="ko-Kore-KR" altLang="en-US" dirty="0"/>
+          </a:p>
+        </p:txBody>
+      </p:sp>
+      <p:sp>
+        <p:nvSpPr>
+          <p:cNvPr id="14" name="TextBox 13">
+            <a:extLst>
+              <a:ext uri="{FF2B5EF4-FFF2-40B4-BE49-F238E27FC236}">
+                <a16:creationId xmlns:a16="http://schemas.microsoft.com/office/drawing/2014/main" id="{2C906AAA-B591-9CE2-707D-564EC364CEA1}"/>
+              </a:ext>
+            </a:extLst>
+          </p:cNvPr>
+          <p:cNvSpPr txBox="1"/>
+          <p:nvPr/>
+        </p:nvSpPr>
+        <p:spPr>
+          <a:xfrm>
+            <a:off x="6316565" y="706514"/>
+            <a:ext cx="1144492" cy="369332"/>
+          </a:xfrm>
+          <a:prstGeom prst="rect">
+            <a:avLst/>
+          </a:prstGeom>
+          <a:noFill/>
+        </p:spPr>
+        <p:txBody>
+          <a:bodyPr wrap="square">
+            <a:spAutoFit/>
+          </a:bodyPr>
+          <a:lstStyle/>
+          <a:p>
+            <a:pPr algn="r"/>
+            <a:r>
+              <a:rPr lang="en-US" altLang="ko-Kore-KR" dirty="0">
+                <a:latin typeface="DM Mono" panose="020B0509040201040103" pitchFamily="49" charset="0"/>
+              </a:rPr>
+              <a:t>user1</a:t>
+            </a:r>
+            <a:endParaRPr lang="ko-Kore-KR" altLang="en-US" dirty="0"/>
+          </a:p>
+        </p:txBody>
+      </p:sp>
+      <p:sp>
+        <p:nvSpPr>
+          <p:cNvPr id="2" name="직사각형 1">
+            <a:extLst>
+              <a:ext uri="{FF2B5EF4-FFF2-40B4-BE49-F238E27FC236}">
+                <a16:creationId xmlns:a16="http://schemas.microsoft.com/office/drawing/2014/main" id="{A56DF2E7-85AA-BE31-956B-5F8B7FAAA23E}"/>
+              </a:ext>
+            </a:extLst>
+          </p:cNvPr>
+          <p:cNvSpPr/>
+          <p:nvPr/>
+        </p:nvSpPr>
+        <p:spPr>
+          <a:xfrm>
+            <a:off x="9316528" y="630975"/>
+            <a:ext cx="1919771" cy="451945"/>
+          </a:xfrm>
+          <a:prstGeom prst="rect">
+            <a:avLst/>
+          </a:prstGeom>
+          <a:solidFill>
+            <a:srgbClr val="FFFF00"/>
+          </a:solidFill>
+        </p:spPr>
+        <p:style>
+          <a:lnRef idx="2">
+            <a:schemeClr val="accent1">
+              <a:shade val="50000"/>
+            </a:schemeClr>
+          </a:lnRef>
+          <a:fillRef idx="1">
+            <a:schemeClr val="accent1"/>
+          </a:fillRef>
+          <a:effectRef idx="0">
+            <a:schemeClr val="accent1"/>
+          </a:effectRef>
+          <a:fontRef idx="minor">
+            <a:schemeClr val="lt1"/>
+          </a:fontRef>
+        </p:style>
+        <p:txBody>
+          <a:bodyPr rtlCol="0" anchor="ctr"/>
+          <a:lstStyle/>
+          <a:p>
+            <a:pPr algn="ctr"/>
+            <a:r>
+              <a:rPr kumimoji="1" lang="en-US" altLang="ko-Kore-KR" dirty="0">
+                <a:solidFill>
+                  <a:schemeClr val="tx1"/>
+                </a:solidFill>
+                <a:latin typeface="DM Mono" panose="020B0509040201040103" pitchFamily="49" charset="0"/>
+              </a:rPr>
+              <a:t>“Tom”</a:t>
+            </a:r>
+            <a:endParaRPr kumimoji="1" lang="ko-Kore-KR" altLang="en-US" dirty="0">
+              <a:solidFill>
+                <a:schemeClr val="tx1"/>
+              </a:solidFill>
+              <a:latin typeface="DM Mono" panose="020B0509040201040103" pitchFamily="49" charset="0"/>
+            </a:endParaRPr>
+          </a:p>
+        </p:txBody>
+      </p:sp>
+      <p:sp>
+        <p:nvSpPr>
+          <p:cNvPr id="6" name="직사각형 5">
+            <a:extLst>
+              <a:ext uri="{FF2B5EF4-FFF2-40B4-BE49-F238E27FC236}">
+                <a16:creationId xmlns:a16="http://schemas.microsoft.com/office/drawing/2014/main" id="{1CD764CC-1FEF-05E5-7473-FE9FEE764C0E}"/>
+              </a:ext>
+            </a:extLst>
+          </p:cNvPr>
+          <p:cNvSpPr/>
+          <p:nvPr/>
+        </p:nvSpPr>
+        <p:spPr>
+          <a:xfrm>
+            <a:off x="6579324" y="1948307"/>
+            <a:ext cx="1019503" cy="451945"/>
+          </a:xfrm>
+          <a:prstGeom prst="rect">
+            <a:avLst/>
+          </a:prstGeom>
+          <a:solidFill>
+            <a:srgbClr val="FF0000"/>
+          </a:solidFill>
+        </p:spPr>
+        <p:style>
+          <a:lnRef idx="2">
+            <a:schemeClr val="accent1">
+              <a:shade val="50000"/>
+            </a:schemeClr>
+          </a:lnRef>
+          <a:fillRef idx="1">
+            <a:schemeClr val="accent1"/>
+          </a:fillRef>
+          <a:effectRef idx="0">
+            <a:schemeClr val="accent1"/>
+          </a:effectRef>
+          <a:fontRef idx="minor">
+            <a:schemeClr val="lt1"/>
+          </a:fontRef>
+        </p:style>
+        <p:txBody>
+          <a:bodyPr rtlCol="0" anchor="ctr"/>
+          <a:lstStyle/>
+          <a:p>
+            <a:pPr algn="ctr"/>
+            <a:endParaRPr kumimoji="1" lang="ko-Kore-KR" altLang="en-US" dirty="0">
+              <a:solidFill>
+                <a:schemeClr val="tx1"/>
+              </a:solidFill>
+              <a:latin typeface="DM Mono" panose="020B0509040201040103" pitchFamily="49" charset="0"/>
+            </a:endParaRPr>
+          </a:p>
+        </p:txBody>
+      </p:sp>
+      <p:sp>
+        <p:nvSpPr>
+          <p:cNvPr id="7" name="TextBox 6">
+            <a:extLst>
+              <a:ext uri="{FF2B5EF4-FFF2-40B4-BE49-F238E27FC236}">
+                <a16:creationId xmlns:a16="http://schemas.microsoft.com/office/drawing/2014/main" id="{C5031269-ECF4-F875-1C16-18EBA208442E}"/>
+              </a:ext>
+            </a:extLst>
+          </p:cNvPr>
+          <p:cNvSpPr txBox="1"/>
+          <p:nvPr/>
+        </p:nvSpPr>
+        <p:spPr>
+          <a:xfrm>
+            <a:off x="5762445" y="1989613"/>
+            <a:ext cx="816879" cy="369332"/>
+          </a:xfrm>
+          <a:prstGeom prst="rect">
+            <a:avLst/>
+          </a:prstGeom>
+          <a:noFill/>
+        </p:spPr>
+        <p:txBody>
+          <a:bodyPr wrap="square">
+            <a:spAutoFit/>
+          </a:bodyPr>
+          <a:lstStyle/>
+          <a:p>
+            <a:pPr algn="r"/>
+            <a:r>
+              <a:rPr lang="en-US" altLang="ko-Kore-KR" dirty="0">
+                <a:latin typeface="DM Mono" panose="020B0509040201040103" pitchFamily="49" charset="0"/>
+              </a:rPr>
+              <a:t>ref</a:t>
+            </a:r>
+            <a:endParaRPr lang="ko-Kore-KR" altLang="en-US" dirty="0"/>
+          </a:p>
+        </p:txBody>
+      </p:sp>
+      <p:sp>
+        <p:nvSpPr>
+          <p:cNvPr id="10" name="직사각형 9">
+            <a:extLst>
+              <a:ext uri="{FF2B5EF4-FFF2-40B4-BE49-F238E27FC236}">
+                <a16:creationId xmlns:a16="http://schemas.microsoft.com/office/drawing/2014/main" id="{846AEF10-46E5-B36D-C285-25D16C185DFA}"/>
+              </a:ext>
+            </a:extLst>
+          </p:cNvPr>
+          <p:cNvSpPr/>
+          <p:nvPr/>
+        </p:nvSpPr>
+        <p:spPr>
+          <a:xfrm>
+            <a:off x="9701842" y="1672387"/>
+            <a:ext cx="951782" cy="451945"/>
+          </a:xfrm>
+          <a:prstGeom prst="rect">
+            <a:avLst/>
+          </a:prstGeom>
+          <a:solidFill>
+            <a:srgbClr val="FFFF00"/>
+          </a:solidFill>
+        </p:spPr>
+        <p:style>
+          <a:lnRef idx="2">
+            <a:schemeClr val="accent1">
+              <a:shade val="50000"/>
+            </a:schemeClr>
+          </a:lnRef>
+          <a:fillRef idx="1">
+            <a:schemeClr val="accent1"/>
+          </a:fillRef>
+          <a:effectRef idx="0">
+            <a:schemeClr val="accent1"/>
+          </a:effectRef>
+          <a:fontRef idx="minor">
+            <a:schemeClr val="lt1"/>
+          </a:fontRef>
+        </p:style>
+        <p:txBody>
+          <a:bodyPr rtlCol="0" anchor="ctr"/>
+          <a:lstStyle/>
+          <a:p>
+            <a:pPr algn="ctr"/>
+            <a:r>
+              <a:rPr kumimoji="1" lang="en-US" altLang="ko-Kore-KR" dirty="0">
+                <a:solidFill>
+                  <a:srgbClr val="FF0000"/>
+                </a:solidFill>
+                <a:latin typeface="DM Mono" panose="020B0509040201040103" pitchFamily="49" charset="0"/>
+              </a:rPr>
+              <a:t>2</a:t>
+            </a:r>
+            <a:endParaRPr kumimoji="1" lang="ko-Kore-KR" altLang="en-US" dirty="0">
+              <a:solidFill>
+                <a:srgbClr val="FF0000"/>
+              </a:solidFill>
+              <a:latin typeface="DM Mono" panose="020B0509040201040103" pitchFamily="49" charset="0"/>
+            </a:endParaRPr>
+          </a:p>
+        </p:txBody>
+      </p:sp>
+      <p:sp>
+        <p:nvSpPr>
+          <p:cNvPr id="16" name="직사각형 15">
+            <a:extLst>
+              <a:ext uri="{FF2B5EF4-FFF2-40B4-BE49-F238E27FC236}">
+                <a16:creationId xmlns:a16="http://schemas.microsoft.com/office/drawing/2014/main" id="{5AB20428-AB7F-3632-E12A-3E83112ADA42}"/>
+              </a:ext>
+            </a:extLst>
+          </p:cNvPr>
+          <p:cNvSpPr/>
+          <p:nvPr/>
+        </p:nvSpPr>
+        <p:spPr>
+          <a:xfrm>
+            <a:off x="6579324" y="2859556"/>
+            <a:ext cx="1019503" cy="451945"/>
+          </a:xfrm>
+          <a:prstGeom prst="rect">
+            <a:avLst/>
+          </a:prstGeom>
+          <a:solidFill>
+            <a:srgbClr val="FFFF00"/>
+          </a:solidFill>
+        </p:spPr>
+        <p:style>
+          <a:lnRef idx="2">
+            <a:schemeClr val="accent1">
+              <a:shade val="50000"/>
+            </a:schemeClr>
+          </a:lnRef>
+          <a:fillRef idx="1">
+            <a:schemeClr val="accent1"/>
+          </a:fillRef>
+          <a:effectRef idx="0">
+            <a:schemeClr val="accent1"/>
+          </a:effectRef>
+          <a:fontRef idx="minor">
+            <a:schemeClr val="lt1"/>
+          </a:fontRef>
+        </p:style>
+        <p:txBody>
+          <a:bodyPr rtlCol="0" anchor="ctr"/>
+          <a:lstStyle/>
+          <a:p>
+            <a:pPr algn="ctr"/>
+            <a:endParaRPr kumimoji="1" lang="ko-Kore-KR" altLang="en-US" dirty="0">
+              <a:solidFill>
+                <a:schemeClr val="tx1"/>
+              </a:solidFill>
+              <a:latin typeface="DM Mono" panose="020B0509040201040103" pitchFamily="49" charset="0"/>
+            </a:endParaRPr>
+          </a:p>
+        </p:txBody>
+      </p:sp>
+      <p:sp>
+        <p:nvSpPr>
+          <p:cNvPr id="17" name="TextBox 16">
+            <a:extLst>
+              <a:ext uri="{FF2B5EF4-FFF2-40B4-BE49-F238E27FC236}">
+                <a16:creationId xmlns:a16="http://schemas.microsoft.com/office/drawing/2014/main" id="{69CF4A6F-22F8-CFBB-58AE-155E14BFA500}"/>
+              </a:ext>
+            </a:extLst>
+          </p:cNvPr>
+          <p:cNvSpPr txBox="1"/>
+          <p:nvPr/>
+        </p:nvSpPr>
+        <p:spPr>
+          <a:xfrm>
+            <a:off x="5559821" y="2900862"/>
+            <a:ext cx="1019503" cy="369332"/>
+          </a:xfrm>
+          <a:prstGeom prst="rect">
+            <a:avLst/>
+          </a:prstGeom>
+          <a:noFill/>
+        </p:spPr>
+        <p:txBody>
+          <a:bodyPr wrap="square">
+            <a:spAutoFit/>
+          </a:bodyPr>
+          <a:lstStyle/>
+          <a:p>
+            <a:pPr algn="r"/>
+            <a:r>
+              <a:rPr lang="en-US" altLang="ko-Kore-KR" dirty="0">
+                <a:latin typeface="DM Mono" panose="020B0509040201040103" pitchFamily="49" charset="0"/>
+              </a:rPr>
+              <a:t>name</a:t>
+            </a:r>
+            <a:endParaRPr lang="ko-Kore-KR" altLang="en-US" dirty="0"/>
+          </a:p>
+        </p:txBody>
+      </p:sp>
+      <p:sp>
+        <p:nvSpPr>
+          <p:cNvPr id="18" name="직사각형 17">
+            <a:extLst>
+              <a:ext uri="{FF2B5EF4-FFF2-40B4-BE49-F238E27FC236}">
+                <a16:creationId xmlns:a16="http://schemas.microsoft.com/office/drawing/2014/main" id="{B2036F07-E8F9-82AA-CAD0-46AB3C8196B6}"/>
+              </a:ext>
+            </a:extLst>
+          </p:cNvPr>
+          <p:cNvSpPr/>
+          <p:nvPr/>
+        </p:nvSpPr>
+        <p:spPr>
+          <a:xfrm>
+            <a:off x="6579324" y="3311500"/>
+            <a:ext cx="1019503" cy="451945"/>
+          </a:xfrm>
+          <a:prstGeom prst="rect">
+            <a:avLst/>
+          </a:prstGeom>
+          <a:solidFill>
+            <a:srgbClr val="FFFF00"/>
+          </a:solidFill>
+        </p:spPr>
+        <p:style>
+          <a:lnRef idx="2">
+            <a:schemeClr val="accent1">
+              <a:shade val="50000"/>
+            </a:schemeClr>
+          </a:lnRef>
+          <a:fillRef idx="1">
+            <a:schemeClr val="accent1"/>
+          </a:fillRef>
+          <a:effectRef idx="0">
+            <a:schemeClr val="accent1"/>
+          </a:effectRef>
+          <a:fontRef idx="minor">
+            <a:schemeClr val="lt1"/>
+          </a:fontRef>
+        </p:style>
+        <p:txBody>
+          <a:bodyPr rtlCol="0" anchor="ctr"/>
+          <a:lstStyle/>
+          <a:p>
+            <a:pPr algn="ctr"/>
+            <a:r>
+              <a:rPr kumimoji="1" lang="en-US" altLang="ko-Kore-KR" dirty="0">
+                <a:solidFill>
+                  <a:schemeClr val="tx1"/>
+                </a:solidFill>
+                <a:latin typeface="DM Mono" panose="020B0509040201040103" pitchFamily="49" charset="0"/>
+              </a:rPr>
+              <a:t>42</a:t>
+            </a:r>
+            <a:endParaRPr kumimoji="1" lang="ko-Kore-KR" altLang="en-US" dirty="0">
+              <a:solidFill>
+                <a:schemeClr val="tx1"/>
+              </a:solidFill>
+              <a:latin typeface="DM Mono" panose="020B0509040201040103" pitchFamily="49" charset="0"/>
+            </a:endParaRPr>
+          </a:p>
+        </p:txBody>
+      </p:sp>
+      <p:sp>
+        <p:nvSpPr>
+          <p:cNvPr id="19" name="TextBox 18">
+            <a:extLst>
+              <a:ext uri="{FF2B5EF4-FFF2-40B4-BE49-F238E27FC236}">
+                <a16:creationId xmlns:a16="http://schemas.microsoft.com/office/drawing/2014/main" id="{EC42D6A8-BE23-D995-88DF-0E04257868CD}"/>
+              </a:ext>
+            </a:extLst>
+          </p:cNvPr>
+          <p:cNvSpPr txBox="1"/>
+          <p:nvPr/>
+        </p:nvSpPr>
+        <p:spPr>
+          <a:xfrm>
+            <a:off x="5762445" y="3352806"/>
+            <a:ext cx="816879" cy="369332"/>
+          </a:xfrm>
+          <a:prstGeom prst="rect">
+            <a:avLst/>
+          </a:prstGeom>
+          <a:noFill/>
+        </p:spPr>
+        <p:txBody>
+          <a:bodyPr wrap="square">
+            <a:spAutoFit/>
+          </a:bodyPr>
+          <a:lstStyle/>
+          <a:p>
+            <a:pPr algn="r"/>
+            <a:r>
+              <a:rPr lang="en-US" altLang="ko-Kore-KR" dirty="0">
+                <a:latin typeface="DM Mono" panose="020B0509040201040103" pitchFamily="49" charset="0"/>
+              </a:rPr>
+              <a:t>age</a:t>
+            </a:r>
+            <a:endParaRPr lang="ko-Kore-KR" altLang="en-US" dirty="0"/>
+          </a:p>
+        </p:txBody>
+      </p:sp>
+      <p:sp>
+        <p:nvSpPr>
+          <p:cNvPr id="20" name="TextBox 19">
+            <a:extLst>
+              <a:ext uri="{FF2B5EF4-FFF2-40B4-BE49-F238E27FC236}">
+                <a16:creationId xmlns:a16="http://schemas.microsoft.com/office/drawing/2014/main" id="{254CC547-CC56-A546-CC21-5C6EBE4127D4}"/>
+              </a:ext>
+            </a:extLst>
+          </p:cNvPr>
+          <p:cNvSpPr txBox="1"/>
+          <p:nvPr/>
+        </p:nvSpPr>
+        <p:spPr>
+          <a:xfrm>
+            <a:off x="6316565" y="2521650"/>
+            <a:ext cx="1144492" cy="369332"/>
+          </a:xfrm>
+          <a:prstGeom prst="rect">
+            <a:avLst/>
+          </a:prstGeom>
+          <a:noFill/>
+        </p:spPr>
+        <p:txBody>
+          <a:bodyPr wrap="square">
+            <a:spAutoFit/>
+          </a:bodyPr>
+          <a:lstStyle/>
+          <a:p>
+            <a:pPr algn="r"/>
+            <a:r>
+              <a:rPr lang="en-US" altLang="ko-Kore-KR" dirty="0">
+                <a:latin typeface="DM Mono" panose="020B0509040201040103" pitchFamily="49" charset="0"/>
+              </a:rPr>
+              <a:t>user2</a:t>
+            </a:r>
+            <a:endParaRPr lang="ko-Kore-KR" altLang="en-US" dirty="0"/>
+          </a:p>
+        </p:txBody>
+      </p:sp>
+      <p:sp>
+        <p:nvSpPr>
+          <p:cNvPr id="21" name="직사각형 20">
+            <a:extLst>
+              <a:ext uri="{FF2B5EF4-FFF2-40B4-BE49-F238E27FC236}">
+                <a16:creationId xmlns:a16="http://schemas.microsoft.com/office/drawing/2014/main" id="{4BD12AF1-DDC1-E2E5-2A1A-3C4BC6C79653}"/>
+              </a:ext>
+            </a:extLst>
+          </p:cNvPr>
+          <p:cNvSpPr/>
+          <p:nvPr/>
+        </p:nvSpPr>
+        <p:spPr>
+          <a:xfrm>
+            <a:off x="6579324" y="3763443"/>
+            <a:ext cx="1019503" cy="451945"/>
+          </a:xfrm>
+          <a:prstGeom prst="rect">
+            <a:avLst/>
+          </a:prstGeom>
+          <a:solidFill>
+            <a:srgbClr val="FFFF00"/>
+          </a:solidFill>
+        </p:spPr>
+        <p:style>
+          <a:lnRef idx="2">
+            <a:schemeClr val="accent1">
+              <a:shade val="50000"/>
+            </a:schemeClr>
+          </a:lnRef>
+          <a:fillRef idx="1">
+            <a:schemeClr val="accent1"/>
+          </a:fillRef>
+          <a:effectRef idx="0">
+            <a:schemeClr val="accent1"/>
+          </a:effectRef>
+          <a:fontRef idx="minor">
+            <a:schemeClr val="lt1"/>
+          </a:fontRef>
+        </p:style>
+        <p:txBody>
+          <a:bodyPr rtlCol="0" anchor="ctr"/>
+          <a:lstStyle/>
+          <a:p>
+            <a:pPr algn="ctr"/>
+            <a:endParaRPr kumimoji="1" lang="ko-Kore-KR" altLang="en-US" dirty="0">
+              <a:solidFill>
+                <a:schemeClr val="tx1"/>
+              </a:solidFill>
+              <a:latin typeface="DM Mono" panose="020B0509040201040103" pitchFamily="49" charset="0"/>
+            </a:endParaRPr>
+          </a:p>
+        </p:txBody>
+      </p:sp>
+      <p:sp>
+        <p:nvSpPr>
+          <p:cNvPr id="22" name="TextBox 21">
+            <a:extLst>
+              <a:ext uri="{FF2B5EF4-FFF2-40B4-BE49-F238E27FC236}">
+                <a16:creationId xmlns:a16="http://schemas.microsoft.com/office/drawing/2014/main" id="{69790EC0-71C3-F1EB-C941-9BF5B932BE75}"/>
+              </a:ext>
+            </a:extLst>
+          </p:cNvPr>
+          <p:cNvSpPr txBox="1"/>
+          <p:nvPr/>
+        </p:nvSpPr>
+        <p:spPr>
+          <a:xfrm>
+            <a:off x="5762445" y="3804749"/>
+            <a:ext cx="816879" cy="369332"/>
+          </a:xfrm>
+          <a:prstGeom prst="rect">
+            <a:avLst/>
+          </a:prstGeom>
+          <a:noFill/>
+        </p:spPr>
+        <p:txBody>
+          <a:bodyPr wrap="square">
+            <a:spAutoFit/>
+          </a:bodyPr>
+          <a:lstStyle/>
+          <a:p>
+            <a:pPr algn="r"/>
+            <a:r>
+              <a:rPr lang="en-US" altLang="ko-Kore-KR" dirty="0">
+                <a:latin typeface="DM Mono" panose="020B0509040201040103" pitchFamily="49" charset="0"/>
+              </a:rPr>
+              <a:t>ref</a:t>
+            </a:r>
+            <a:endParaRPr lang="ko-Kore-KR" altLang="en-US" dirty="0"/>
+          </a:p>
+        </p:txBody>
+      </p:sp>
+      <p:cxnSp>
+        <p:nvCxnSpPr>
+          <p:cNvPr id="23" name="구부러진 연결선[U] 22">
+            <a:extLst>
+              <a:ext uri="{FF2B5EF4-FFF2-40B4-BE49-F238E27FC236}">
+                <a16:creationId xmlns:a16="http://schemas.microsoft.com/office/drawing/2014/main" id="{EC9DE9AD-A1A7-C7CE-159E-4C665F5437DA}"/>
+              </a:ext>
+            </a:extLst>
+          </p:cNvPr>
+          <p:cNvCxnSpPr>
+            <a:cxnSpLocks/>
+            <a:stCxn id="16" idx="3"/>
+            <a:endCxn id="2" idx="1"/>
+          </p:cNvCxnSpPr>
+          <p:nvPr/>
+        </p:nvCxnSpPr>
+        <p:spPr>
+          <a:xfrm flipV="1">
+            <a:off x="7598827" y="856948"/>
+            <a:ext cx="1717701" cy="2228581"/>
+          </a:xfrm>
+          <a:prstGeom prst="curvedConnector3">
+            <a:avLst>
+              <a:gd name="adj1" fmla="val 50000"/>
+            </a:avLst>
+          </a:prstGeom>
+          <a:ln>
+            <a:tailEnd type="triangle"/>
+          </a:ln>
+        </p:spPr>
+        <p:style>
+          <a:lnRef idx="1">
+            <a:schemeClr val="dk1"/>
+          </a:lnRef>
+          <a:fillRef idx="0">
+            <a:schemeClr val="dk1"/>
+          </a:fillRef>
+          <a:effectRef idx="0">
+            <a:schemeClr val="dk1"/>
+          </a:effectRef>
+          <a:fontRef idx="minor">
+            <a:schemeClr val="tx1"/>
+          </a:fontRef>
+        </p:style>
+      </p:cxnSp>
+      <p:cxnSp>
+        <p:nvCxnSpPr>
+          <p:cNvPr id="26" name="구부러진 연결선[U] 25">
+            <a:extLst>
+              <a:ext uri="{FF2B5EF4-FFF2-40B4-BE49-F238E27FC236}">
+                <a16:creationId xmlns:a16="http://schemas.microsoft.com/office/drawing/2014/main" id="{32AF8785-69E3-6845-A892-84385401840F}"/>
+              </a:ext>
+            </a:extLst>
+          </p:cNvPr>
+          <p:cNvCxnSpPr>
+            <a:cxnSpLocks/>
+            <a:stCxn id="21" idx="3"/>
+            <a:endCxn id="10" idx="1"/>
+          </p:cNvCxnSpPr>
+          <p:nvPr/>
+        </p:nvCxnSpPr>
+        <p:spPr>
+          <a:xfrm flipV="1">
+            <a:off x="7598827" y="1898360"/>
+            <a:ext cx="2103015" cy="2091056"/>
+          </a:xfrm>
+          <a:prstGeom prst="curvedConnector3">
+            <a:avLst/>
+          </a:prstGeom>
+          <a:ln>
+            <a:tailEnd type="triangle"/>
+          </a:ln>
+        </p:spPr>
+        <p:style>
+          <a:lnRef idx="1">
+            <a:schemeClr val="dk1"/>
+          </a:lnRef>
+          <a:fillRef idx="0">
+            <a:schemeClr val="dk1"/>
+          </a:fillRef>
+          <a:effectRef idx="0">
+            <a:schemeClr val="dk1"/>
+          </a:effectRef>
+          <a:fontRef idx="minor">
+            <a:schemeClr val="tx1"/>
+          </a:fontRef>
+        </p:style>
+      </p:cxnSp>
+      <p:sp>
+        <p:nvSpPr>
+          <p:cNvPr id="5" name="직사각형 4">
+            <a:extLst>
+              <a:ext uri="{FF2B5EF4-FFF2-40B4-BE49-F238E27FC236}">
+                <a16:creationId xmlns:a16="http://schemas.microsoft.com/office/drawing/2014/main" id="{A38BD75C-44CA-32EE-9942-EA787FDC821A}"/>
+              </a:ext>
+            </a:extLst>
+          </p:cNvPr>
+          <p:cNvSpPr/>
+          <p:nvPr/>
+        </p:nvSpPr>
+        <p:spPr>
+          <a:xfrm>
+            <a:off x="6579324" y="4743114"/>
+            <a:ext cx="1019503" cy="451945"/>
+          </a:xfrm>
+          <a:prstGeom prst="rect">
+            <a:avLst/>
+          </a:prstGeom>
+          <a:solidFill>
+            <a:srgbClr val="FFFF00"/>
+          </a:solidFill>
+        </p:spPr>
+        <p:style>
+          <a:lnRef idx="2">
+            <a:schemeClr val="accent1">
+              <a:shade val="50000"/>
+            </a:schemeClr>
+          </a:lnRef>
+          <a:fillRef idx="1">
+            <a:schemeClr val="accent1"/>
+          </a:fillRef>
+          <a:effectRef idx="0">
+            <a:schemeClr val="accent1"/>
+          </a:effectRef>
+          <a:fontRef idx="minor">
+            <a:schemeClr val="lt1"/>
+          </a:fontRef>
+        </p:style>
+        <p:txBody>
+          <a:bodyPr rtlCol="0" anchor="ctr"/>
+          <a:lstStyle/>
+          <a:p>
+            <a:pPr algn="ctr"/>
+            <a:endParaRPr kumimoji="1" lang="ko-Kore-KR" altLang="en-US" dirty="0">
+              <a:solidFill>
+                <a:schemeClr val="tx1"/>
+              </a:solidFill>
+              <a:latin typeface="DM Mono" panose="020B0509040201040103" pitchFamily="49" charset="0"/>
+            </a:endParaRPr>
+          </a:p>
+        </p:txBody>
+      </p:sp>
+      <p:sp>
+        <p:nvSpPr>
+          <p:cNvPr id="12" name="TextBox 11">
+            <a:extLst>
+              <a:ext uri="{FF2B5EF4-FFF2-40B4-BE49-F238E27FC236}">
+                <a16:creationId xmlns:a16="http://schemas.microsoft.com/office/drawing/2014/main" id="{283C7765-FAB4-EF33-45F8-66F5F3811E66}"/>
+              </a:ext>
+            </a:extLst>
+          </p:cNvPr>
+          <p:cNvSpPr txBox="1"/>
+          <p:nvPr/>
+        </p:nvSpPr>
+        <p:spPr>
+          <a:xfrm>
+            <a:off x="5559821" y="4784420"/>
+            <a:ext cx="1019503" cy="369332"/>
+          </a:xfrm>
+          <a:prstGeom prst="rect">
+            <a:avLst/>
+          </a:prstGeom>
+          <a:noFill/>
+        </p:spPr>
+        <p:txBody>
+          <a:bodyPr wrap="square">
+            <a:spAutoFit/>
+          </a:bodyPr>
+          <a:lstStyle/>
+          <a:p>
+            <a:pPr algn="r"/>
+            <a:r>
+              <a:rPr lang="en-US" altLang="ko-Kore-KR" dirty="0">
+                <a:latin typeface="DM Mono" panose="020B0509040201040103" pitchFamily="49" charset="0"/>
+              </a:rPr>
+              <a:t>name</a:t>
+            </a:r>
+            <a:endParaRPr lang="ko-Kore-KR" altLang="en-US" dirty="0"/>
+          </a:p>
+        </p:txBody>
+      </p:sp>
+      <p:sp>
+        <p:nvSpPr>
+          <p:cNvPr id="15" name="직사각형 14">
+            <a:extLst>
+              <a:ext uri="{FF2B5EF4-FFF2-40B4-BE49-F238E27FC236}">
+                <a16:creationId xmlns:a16="http://schemas.microsoft.com/office/drawing/2014/main" id="{98D4916D-6D02-1579-C988-591C4900AB2F}"/>
+              </a:ext>
+            </a:extLst>
+          </p:cNvPr>
+          <p:cNvSpPr/>
+          <p:nvPr/>
+        </p:nvSpPr>
+        <p:spPr>
+          <a:xfrm>
+            <a:off x="6579324" y="5195058"/>
+            <a:ext cx="1019503" cy="451945"/>
+          </a:xfrm>
+          <a:prstGeom prst="rect">
+            <a:avLst/>
+          </a:prstGeom>
+          <a:solidFill>
+            <a:srgbClr val="FFFF00"/>
+          </a:solidFill>
+        </p:spPr>
+        <p:style>
+          <a:lnRef idx="2">
+            <a:schemeClr val="accent1">
+              <a:shade val="50000"/>
+            </a:schemeClr>
+          </a:lnRef>
+          <a:fillRef idx="1">
+            <a:schemeClr val="accent1"/>
+          </a:fillRef>
+          <a:effectRef idx="0">
+            <a:schemeClr val="accent1"/>
+          </a:effectRef>
+          <a:fontRef idx="minor">
+            <a:schemeClr val="lt1"/>
+          </a:fontRef>
+        </p:style>
+        <p:txBody>
+          <a:bodyPr rtlCol="0" anchor="ctr"/>
+          <a:lstStyle/>
+          <a:p>
+            <a:pPr algn="ctr"/>
+            <a:r>
+              <a:rPr kumimoji="1" lang="en-US" altLang="ko-Kore-KR" dirty="0">
+                <a:solidFill>
+                  <a:schemeClr val="tx1"/>
+                </a:solidFill>
+                <a:latin typeface="DM Mono" panose="020B0509040201040103" pitchFamily="49" charset="0"/>
+              </a:rPr>
+              <a:t>42</a:t>
+            </a:r>
+            <a:endParaRPr kumimoji="1" lang="ko-Kore-KR" altLang="en-US" dirty="0">
+              <a:solidFill>
+                <a:schemeClr val="tx1"/>
+              </a:solidFill>
+              <a:latin typeface="DM Mono" panose="020B0509040201040103" pitchFamily="49" charset="0"/>
+            </a:endParaRPr>
+          </a:p>
+        </p:txBody>
+      </p:sp>
+      <p:sp>
+        <p:nvSpPr>
+          <p:cNvPr id="24" name="TextBox 23">
+            <a:extLst>
+              <a:ext uri="{FF2B5EF4-FFF2-40B4-BE49-F238E27FC236}">
+                <a16:creationId xmlns:a16="http://schemas.microsoft.com/office/drawing/2014/main" id="{A6271B56-B13C-2468-DD4D-641150F734A7}"/>
+              </a:ext>
+            </a:extLst>
+          </p:cNvPr>
+          <p:cNvSpPr txBox="1"/>
+          <p:nvPr/>
+        </p:nvSpPr>
+        <p:spPr>
+          <a:xfrm>
+            <a:off x="5762445" y="5236364"/>
+            <a:ext cx="816879" cy="369332"/>
+          </a:xfrm>
+          <a:prstGeom prst="rect">
+            <a:avLst/>
+          </a:prstGeom>
+          <a:noFill/>
+        </p:spPr>
+        <p:txBody>
+          <a:bodyPr wrap="square">
+            <a:spAutoFit/>
+          </a:bodyPr>
+          <a:lstStyle/>
+          <a:p>
+            <a:pPr algn="r"/>
+            <a:r>
+              <a:rPr lang="en-US" altLang="ko-Kore-KR" dirty="0">
+                <a:latin typeface="DM Mono" panose="020B0509040201040103" pitchFamily="49" charset="0"/>
+              </a:rPr>
+              <a:t>age</a:t>
+            </a:r>
+            <a:endParaRPr lang="ko-Kore-KR" altLang="en-US" dirty="0"/>
+          </a:p>
+        </p:txBody>
+      </p:sp>
+      <p:sp>
+        <p:nvSpPr>
+          <p:cNvPr id="25" name="TextBox 24">
+            <a:extLst>
+              <a:ext uri="{FF2B5EF4-FFF2-40B4-BE49-F238E27FC236}">
+                <a16:creationId xmlns:a16="http://schemas.microsoft.com/office/drawing/2014/main" id="{C9DDA677-5308-119E-6077-CE4DFC9AB616}"/>
+              </a:ext>
+            </a:extLst>
+          </p:cNvPr>
+          <p:cNvSpPr txBox="1"/>
+          <p:nvPr/>
+        </p:nvSpPr>
+        <p:spPr>
+          <a:xfrm>
+            <a:off x="6316565" y="4405208"/>
+            <a:ext cx="1144492" cy="369332"/>
+          </a:xfrm>
+          <a:prstGeom prst="rect">
+            <a:avLst/>
+          </a:prstGeom>
+          <a:noFill/>
+        </p:spPr>
+        <p:txBody>
+          <a:bodyPr wrap="square">
+            <a:spAutoFit/>
+          </a:bodyPr>
+          <a:lstStyle/>
+          <a:p>
+            <a:pPr algn="r"/>
+            <a:r>
+              <a:rPr lang="en-US" altLang="ko-Kore-KR" dirty="0">
+                <a:latin typeface="DM Mono" panose="020B0509040201040103" pitchFamily="49" charset="0"/>
+              </a:rPr>
+              <a:t>user3</a:t>
+            </a:r>
+            <a:endParaRPr lang="ko-Kore-KR" altLang="en-US" dirty="0"/>
+          </a:p>
+        </p:txBody>
+      </p:sp>
+      <p:sp>
+        <p:nvSpPr>
+          <p:cNvPr id="27" name="직사각형 26">
+            <a:extLst>
+              <a:ext uri="{FF2B5EF4-FFF2-40B4-BE49-F238E27FC236}">
+                <a16:creationId xmlns:a16="http://schemas.microsoft.com/office/drawing/2014/main" id="{DE4CE345-D520-80B2-79F0-1115FA6EA925}"/>
+              </a:ext>
+            </a:extLst>
+          </p:cNvPr>
+          <p:cNvSpPr/>
+          <p:nvPr/>
+        </p:nvSpPr>
+        <p:spPr>
+          <a:xfrm>
+            <a:off x="6579324" y="5647001"/>
+            <a:ext cx="1019503" cy="451945"/>
+          </a:xfrm>
+          <a:prstGeom prst="rect">
+            <a:avLst/>
+          </a:prstGeom>
+          <a:solidFill>
+            <a:srgbClr val="FFFF00"/>
+          </a:solidFill>
+        </p:spPr>
+        <p:style>
+          <a:lnRef idx="2">
+            <a:schemeClr val="accent1">
+              <a:shade val="50000"/>
+            </a:schemeClr>
+          </a:lnRef>
+          <a:fillRef idx="1">
+            <a:schemeClr val="accent1"/>
+          </a:fillRef>
+          <a:effectRef idx="0">
+            <a:schemeClr val="accent1"/>
+          </a:effectRef>
+          <a:fontRef idx="minor">
+            <a:schemeClr val="lt1"/>
+          </a:fontRef>
+        </p:style>
+        <p:txBody>
+          <a:bodyPr rtlCol="0" anchor="ctr"/>
+          <a:lstStyle/>
+          <a:p>
+            <a:pPr algn="ctr"/>
+            <a:endParaRPr kumimoji="1" lang="ko-Kore-KR" altLang="en-US" dirty="0">
+              <a:solidFill>
+                <a:schemeClr val="tx1"/>
+              </a:solidFill>
+              <a:latin typeface="DM Mono" panose="020B0509040201040103" pitchFamily="49" charset="0"/>
+            </a:endParaRPr>
+          </a:p>
+        </p:txBody>
+      </p:sp>
+      <p:sp>
+        <p:nvSpPr>
+          <p:cNvPr id="28" name="TextBox 27">
+            <a:extLst>
+              <a:ext uri="{FF2B5EF4-FFF2-40B4-BE49-F238E27FC236}">
+                <a16:creationId xmlns:a16="http://schemas.microsoft.com/office/drawing/2014/main" id="{0AF30397-BF7D-4844-3050-B6D52B6F4414}"/>
+              </a:ext>
+            </a:extLst>
+          </p:cNvPr>
+          <p:cNvSpPr txBox="1"/>
+          <p:nvPr/>
+        </p:nvSpPr>
+        <p:spPr>
+          <a:xfrm>
+            <a:off x="5762445" y="5688307"/>
+            <a:ext cx="816879" cy="369332"/>
+          </a:xfrm>
+          <a:prstGeom prst="rect">
+            <a:avLst/>
+          </a:prstGeom>
+          <a:noFill/>
+        </p:spPr>
+        <p:txBody>
+          <a:bodyPr wrap="square">
+            <a:spAutoFit/>
+          </a:bodyPr>
+          <a:lstStyle/>
+          <a:p>
+            <a:pPr algn="r"/>
+            <a:r>
+              <a:rPr lang="en-US" altLang="ko-Kore-KR" dirty="0">
+                <a:latin typeface="DM Mono" panose="020B0509040201040103" pitchFamily="49" charset="0"/>
+              </a:rPr>
+              <a:t>ref</a:t>
+            </a:r>
+            <a:endParaRPr lang="ko-Kore-KR" altLang="en-US" dirty="0"/>
+          </a:p>
+        </p:txBody>
+      </p:sp>
+      <p:cxnSp>
+        <p:nvCxnSpPr>
+          <p:cNvPr id="29" name="구부러진 연결선[U] 28">
+            <a:extLst>
+              <a:ext uri="{FF2B5EF4-FFF2-40B4-BE49-F238E27FC236}">
+                <a16:creationId xmlns:a16="http://schemas.microsoft.com/office/drawing/2014/main" id="{4AE4FD8B-D424-10CD-8725-3E2EF3258F14}"/>
+              </a:ext>
+            </a:extLst>
+          </p:cNvPr>
+          <p:cNvCxnSpPr>
+            <a:cxnSpLocks/>
+            <a:stCxn id="5" idx="3"/>
+            <a:endCxn id="2" idx="1"/>
+          </p:cNvCxnSpPr>
+          <p:nvPr/>
+        </p:nvCxnSpPr>
+        <p:spPr>
+          <a:xfrm flipV="1">
+            <a:off x="7598827" y="856948"/>
+            <a:ext cx="1717701" cy="4112139"/>
+          </a:xfrm>
+          <a:prstGeom prst="curvedConnector3">
+            <a:avLst>
+              <a:gd name="adj1" fmla="val 50000"/>
+            </a:avLst>
+          </a:prstGeom>
+          <a:ln>
+            <a:tailEnd type="triangle"/>
+          </a:ln>
+        </p:spPr>
+        <p:style>
+          <a:lnRef idx="1">
+            <a:schemeClr val="dk1"/>
+          </a:lnRef>
+          <a:fillRef idx="0">
+            <a:schemeClr val="dk1"/>
+          </a:fillRef>
+          <a:effectRef idx="0">
+            <a:schemeClr val="dk1"/>
+          </a:effectRef>
+          <a:fontRef idx="minor">
+            <a:schemeClr val="tx1"/>
+          </a:fontRef>
+        </p:style>
+      </p:cxnSp>
+      <p:cxnSp>
+        <p:nvCxnSpPr>
+          <p:cNvPr id="32" name="구부러진 연결선[U] 31">
+            <a:extLst>
+              <a:ext uri="{FF2B5EF4-FFF2-40B4-BE49-F238E27FC236}">
+                <a16:creationId xmlns:a16="http://schemas.microsoft.com/office/drawing/2014/main" id="{F3A2D926-2241-1832-7BDF-B9031DF7D246}"/>
+              </a:ext>
+            </a:extLst>
+          </p:cNvPr>
+          <p:cNvCxnSpPr>
+            <a:cxnSpLocks/>
+            <a:stCxn id="27" idx="3"/>
+            <a:endCxn id="10" idx="1"/>
+          </p:cNvCxnSpPr>
+          <p:nvPr/>
+        </p:nvCxnSpPr>
+        <p:spPr>
+          <a:xfrm flipV="1">
+            <a:off x="7598827" y="1898360"/>
+            <a:ext cx="2103015" cy="3974614"/>
+          </a:xfrm>
+          <a:prstGeom prst="curvedConnector3">
+            <a:avLst>
+              <a:gd name="adj1" fmla="val 50000"/>
+            </a:avLst>
+          </a:prstGeom>
+          <a:ln>
+            <a:tailEnd type="triangle"/>
+          </a:ln>
+        </p:spPr>
+        <p:style>
+          <a:lnRef idx="1">
+            <a:schemeClr val="dk1"/>
+          </a:lnRef>
+          <a:fillRef idx="0">
+            <a:schemeClr val="dk1"/>
+          </a:fillRef>
+          <a:effectRef idx="0">
+            <a:schemeClr val="dk1"/>
+          </a:effectRef>
+          <a:fontRef idx="minor">
+            <a:schemeClr val="tx1"/>
+          </a:fontRef>
+        </p:style>
+      </p:cxnSp>
+      <p:sp>
+        <p:nvSpPr>
+          <p:cNvPr id="31" name="TextBox 30">
+            <a:extLst>
+              <a:ext uri="{FF2B5EF4-FFF2-40B4-BE49-F238E27FC236}">
+                <a16:creationId xmlns:a16="http://schemas.microsoft.com/office/drawing/2014/main" id="{66DC4D9A-41A0-0C96-0ED6-7EF39C3AD396}"/>
+              </a:ext>
+            </a:extLst>
+          </p:cNvPr>
+          <p:cNvSpPr txBox="1"/>
+          <p:nvPr/>
+        </p:nvSpPr>
+        <p:spPr>
+          <a:xfrm>
+            <a:off x="153118" y="226621"/>
+            <a:ext cx="6094562" cy="2031325"/>
+          </a:xfrm>
+          <a:prstGeom prst="rect">
+            <a:avLst/>
+          </a:prstGeom>
+          <a:noFill/>
+        </p:spPr>
+        <p:txBody>
+          <a:bodyPr wrap="square">
+            <a:spAutoFit/>
+          </a:bodyPr>
+          <a:lstStyle/>
+          <a:p>
+            <a:r>
+              <a:rPr lang="ko-Kore-KR" altLang="en-US" dirty="0">
+                <a:latin typeface="DM Mono" panose="020B0509040201040103" pitchFamily="49" charset="0"/>
+              </a:rPr>
+              <a:t> ~User()</a:t>
+            </a:r>
+          </a:p>
+          <a:p>
+            <a:r>
+              <a:rPr lang="ko-Kore-KR" altLang="en-US" dirty="0">
+                <a:latin typeface="DM Mono" panose="020B0509040201040103" pitchFamily="49" charset="0"/>
+              </a:rPr>
+              <a:t>    {</a:t>
+            </a:r>
+          </a:p>
+          <a:p>
+            <a:r>
+              <a:rPr lang="ko-Kore-KR" altLang="en-US" dirty="0">
+                <a:latin typeface="DM Mono" panose="020B0509040201040103" pitchFamily="49" charset="0"/>
+              </a:rPr>
+              <a:t>        if (</a:t>
+            </a:r>
+            <a:r>
+              <a:rPr lang="ko-Kore-KR" altLang="en-US" dirty="0">
+                <a:solidFill>
+                  <a:srgbClr val="FF0000"/>
+                </a:solidFill>
+                <a:latin typeface="DM Mono" panose="020B0509040201040103" pitchFamily="49" charset="0"/>
+              </a:rPr>
+              <a:t>--(*ref) == 0</a:t>
+            </a:r>
+            <a:r>
+              <a:rPr lang="ko-Kore-KR" altLang="en-US" dirty="0">
+                <a:latin typeface="DM Mono" panose="020B0509040201040103" pitchFamily="49" charset="0"/>
+              </a:rPr>
+              <a:t>) {</a:t>
+            </a:r>
+          </a:p>
+          <a:p>
+            <a:r>
+              <a:rPr lang="ko-Kore-KR" altLang="en-US" dirty="0">
+                <a:latin typeface="DM Mono" panose="020B0509040201040103" pitchFamily="49" charset="0"/>
+              </a:rPr>
+              <a:t>            delete[] name;</a:t>
+            </a:r>
+          </a:p>
+          <a:p>
+            <a:r>
+              <a:rPr lang="ko-Kore-KR" altLang="en-US" dirty="0">
+                <a:latin typeface="DM Mono" panose="020B0509040201040103" pitchFamily="49" charset="0"/>
+              </a:rPr>
+              <a:t>            delete ref;</a:t>
+            </a:r>
+          </a:p>
+          <a:p>
+            <a:r>
+              <a:rPr lang="ko-Kore-KR" altLang="en-US" dirty="0">
+                <a:latin typeface="DM Mono" panose="020B0509040201040103" pitchFamily="49" charset="0"/>
+              </a:rPr>
+              <a:t>        }</a:t>
+            </a:r>
+          </a:p>
+          <a:p>
+            <a:r>
+              <a:rPr lang="ko-Kore-KR" altLang="en-US" dirty="0">
+                <a:latin typeface="DM Mono" panose="020B0509040201040103" pitchFamily="49" charset="0"/>
+              </a:rPr>
+              <a:t>    }</a:t>
+            </a:r>
+          </a:p>
+        </p:txBody>
+      </p:sp>
+    </p:spTree>
+    <p:extLst>
+      <p:ext uri="{BB962C8B-B14F-4D97-AF65-F5344CB8AC3E}">
+        <p14:creationId xmlns:p14="http://schemas.microsoft.com/office/powerpoint/2010/main" val="4252539729"/>
+      </p:ext>
+    </p:extLst>
+  </p:cSld>
+  <p:clrMapOvr>
+    <a:masterClrMapping/>
+  </p:clrMapOvr>
+</p:sld>
+</file>
+
+<file path=ppt/slides/slide24.xml><?xml version="1.0" encoding="utf-8"?>
+<p:sld xmlns:a="http://schemas.openxmlformats.org/drawingml/2006/main" xmlns:r="http://schemas.openxmlformats.org/officeDocument/2006/relationships" xmlns:p="http://schemas.openxmlformats.org/presentationml/2006/main">
+  <p:cSld>
+    <p:spTree>
+      <p:nvGrpSpPr>
+        <p:cNvPr id="1" name=""/>
+        <p:cNvGrpSpPr/>
+        <p:nvPr/>
+      </p:nvGrpSpPr>
+      <p:grpSpPr>
+        <a:xfrm>
+          <a:off x="0" y="0"/>
+          <a:ext cx="0" cy="0"/>
+          <a:chOff x="0" y="0"/>
+          <a:chExt cx="0" cy="0"/>
+        </a:xfrm>
+      </p:grpSpPr>
+      <p:sp>
+        <p:nvSpPr>
+          <p:cNvPr id="2" name="직사각형 1">
+            <a:extLst>
+              <a:ext uri="{FF2B5EF4-FFF2-40B4-BE49-F238E27FC236}">
+                <a16:creationId xmlns:a16="http://schemas.microsoft.com/office/drawing/2014/main" id="{A56DF2E7-85AA-BE31-956B-5F8B7FAAA23E}"/>
+              </a:ext>
+            </a:extLst>
+          </p:cNvPr>
+          <p:cNvSpPr/>
+          <p:nvPr/>
+        </p:nvSpPr>
+        <p:spPr>
+          <a:xfrm>
+            <a:off x="9316528" y="630975"/>
+            <a:ext cx="1919771" cy="451945"/>
+          </a:xfrm>
+          <a:prstGeom prst="rect">
+            <a:avLst/>
+          </a:prstGeom>
+          <a:solidFill>
+            <a:srgbClr val="FFFF00"/>
+          </a:solidFill>
+        </p:spPr>
+        <p:style>
+          <a:lnRef idx="2">
+            <a:schemeClr val="accent1">
+              <a:shade val="50000"/>
+            </a:schemeClr>
+          </a:lnRef>
+          <a:fillRef idx="1">
+            <a:schemeClr val="accent1"/>
+          </a:fillRef>
+          <a:effectRef idx="0">
+            <a:schemeClr val="accent1"/>
+          </a:effectRef>
+          <a:fontRef idx="minor">
+            <a:schemeClr val="lt1"/>
+          </a:fontRef>
+        </p:style>
+        <p:txBody>
+          <a:bodyPr rtlCol="0" anchor="ctr"/>
+          <a:lstStyle/>
+          <a:p>
+            <a:pPr algn="ctr"/>
+            <a:r>
+              <a:rPr kumimoji="1" lang="en-US" altLang="ko-Kore-KR" dirty="0">
+                <a:solidFill>
+                  <a:schemeClr val="tx1"/>
+                </a:solidFill>
+                <a:latin typeface="DM Mono" panose="020B0509040201040103" pitchFamily="49" charset="0"/>
+              </a:rPr>
+              <a:t>“Tom”</a:t>
+            </a:r>
+            <a:endParaRPr kumimoji="1" lang="ko-Kore-KR" altLang="en-US" dirty="0">
+              <a:solidFill>
+                <a:schemeClr val="tx1"/>
+              </a:solidFill>
+              <a:latin typeface="DM Mono" panose="020B0509040201040103" pitchFamily="49" charset="0"/>
+            </a:endParaRPr>
+          </a:p>
+        </p:txBody>
+      </p:sp>
+      <p:sp>
+        <p:nvSpPr>
+          <p:cNvPr id="10" name="직사각형 9">
+            <a:extLst>
+              <a:ext uri="{FF2B5EF4-FFF2-40B4-BE49-F238E27FC236}">
+                <a16:creationId xmlns:a16="http://schemas.microsoft.com/office/drawing/2014/main" id="{846AEF10-46E5-B36D-C285-25D16C185DFA}"/>
+              </a:ext>
+            </a:extLst>
+          </p:cNvPr>
+          <p:cNvSpPr/>
+          <p:nvPr/>
+        </p:nvSpPr>
+        <p:spPr>
+          <a:xfrm>
+            <a:off x="9701842" y="1672387"/>
+            <a:ext cx="951782" cy="451945"/>
+          </a:xfrm>
+          <a:prstGeom prst="rect">
+            <a:avLst/>
+          </a:prstGeom>
+          <a:solidFill>
+            <a:srgbClr val="FFFF00"/>
+          </a:solidFill>
+        </p:spPr>
+        <p:style>
+          <a:lnRef idx="2">
+            <a:schemeClr val="accent1">
+              <a:shade val="50000"/>
+            </a:schemeClr>
+          </a:lnRef>
+          <a:fillRef idx="1">
+            <a:schemeClr val="accent1"/>
+          </a:fillRef>
+          <a:effectRef idx="0">
+            <a:schemeClr val="accent1"/>
+          </a:effectRef>
+          <a:fontRef idx="minor">
+            <a:schemeClr val="lt1"/>
+          </a:fontRef>
+        </p:style>
+        <p:txBody>
+          <a:bodyPr rtlCol="0" anchor="ctr"/>
+          <a:lstStyle/>
+          <a:p>
+            <a:pPr algn="ctr"/>
+            <a:r>
+              <a:rPr kumimoji="1" lang="en-US" altLang="ko-Kore-KR" dirty="0">
+                <a:solidFill>
+                  <a:srgbClr val="FF0000"/>
+                </a:solidFill>
+                <a:latin typeface="DM Mono" panose="020B0509040201040103" pitchFamily="49" charset="0"/>
+              </a:rPr>
+              <a:t>1</a:t>
+            </a:r>
+            <a:endParaRPr kumimoji="1" lang="ko-Kore-KR" altLang="en-US" dirty="0">
+              <a:solidFill>
+                <a:srgbClr val="FF0000"/>
+              </a:solidFill>
+              <a:latin typeface="DM Mono" panose="020B0509040201040103" pitchFamily="49" charset="0"/>
+            </a:endParaRPr>
+          </a:p>
+        </p:txBody>
+      </p:sp>
+      <p:sp>
+        <p:nvSpPr>
+          <p:cNvPr id="16" name="직사각형 15">
+            <a:extLst>
+              <a:ext uri="{FF2B5EF4-FFF2-40B4-BE49-F238E27FC236}">
+                <a16:creationId xmlns:a16="http://schemas.microsoft.com/office/drawing/2014/main" id="{5AB20428-AB7F-3632-E12A-3E83112ADA42}"/>
+              </a:ext>
+            </a:extLst>
+          </p:cNvPr>
+          <p:cNvSpPr/>
+          <p:nvPr/>
+        </p:nvSpPr>
+        <p:spPr>
+          <a:xfrm>
+            <a:off x="6579324" y="2859556"/>
+            <a:ext cx="1019503" cy="451945"/>
+          </a:xfrm>
+          <a:prstGeom prst="rect">
+            <a:avLst/>
+          </a:prstGeom>
+          <a:solidFill>
+            <a:srgbClr val="FF0000"/>
+          </a:solidFill>
+        </p:spPr>
+        <p:style>
+          <a:lnRef idx="2">
+            <a:schemeClr val="accent1">
+              <a:shade val="50000"/>
+            </a:schemeClr>
+          </a:lnRef>
+          <a:fillRef idx="1">
+            <a:schemeClr val="accent1"/>
+          </a:fillRef>
+          <a:effectRef idx="0">
+            <a:schemeClr val="accent1"/>
+          </a:effectRef>
+          <a:fontRef idx="minor">
+            <a:schemeClr val="lt1"/>
+          </a:fontRef>
+        </p:style>
+        <p:txBody>
+          <a:bodyPr rtlCol="0" anchor="ctr"/>
+          <a:lstStyle/>
+          <a:p>
+            <a:pPr algn="ctr"/>
+            <a:endParaRPr kumimoji="1" lang="ko-Kore-KR" altLang="en-US" dirty="0">
+              <a:solidFill>
+                <a:schemeClr val="tx1"/>
+              </a:solidFill>
+              <a:latin typeface="DM Mono" panose="020B0509040201040103" pitchFamily="49" charset="0"/>
+            </a:endParaRPr>
+          </a:p>
+        </p:txBody>
+      </p:sp>
+      <p:sp>
+        <p:nvSpPr>
+          <p:cNvPr id="17" name="TextBox 16">
+            <a:extLst>
+              <a:ext uri="{FF2B5EF4-FFF2-40B4-BE49-F238E27FC236}">
+                <a16:creationId xmlns:a16="http://schemas.microsoft.com/office/drawing/2014/main" id="{69CF4A6F-22F8-CFBB-58AE-155E14BFA500}"/>
+              </a:ext>
+            </a:extLst>
+          </p:cNvPr>
+          <p:cNvSpPr txBox="1"/>
+          <p:nvPr/>
+        </p:nvSpPr>
+        <p:spPr>
+          <a:xfrm>
+            <a:off x="5559821" y="2900862"/>
+            <a:ext cx="1019503" cy="369332"/>
+          </a:xfrm>
+          <a:prstGeom prst="rect">
+            <a:avLst/>
+          </a:prstGeom>
+          <a:noFill/>
+        </p:spPr>
+        <p:txBody>
+          <a:bodyPr wrap="square">
+            <a:spAutoFit/>
+          </a:bodyPr>
+          <a:lstStyle/>
+          <a:p>
+            <a:pPr algn="r"/>
+            <a:r>
+              <a:rPr lang="en-US" altLang="ko-Kore-KR" dirty="0">
+                <a:latin typeface="DM Mono" panose="020B0509040201040103" pitchFamily="49" charset="0"/>
+              </a:rPr>
+              <a:t>name</a:t>
+            </a:r>
+            <a:endParaRPr lang="ko-Kore-KR" altLang="en-US" dirty="0"/>
+          </a:p>
+        </p:txBody>
+      </p:sp>
+      <p:sp>
+        <p:nvSpPr>
+          <p:cNvPr id="18" name="직사각형 17">
+            <a:extLst>
+              <a:ext uri="{FF2B5EF4-FFF2-40B4-BE49-F238E27FC236}">
+                <a16:creationId xmlns:a16="http://schemas.microsoft.com/office/drawing/2014/main" id="{B2036F07-E8F9-82AA-CAD0-46AB3C8196B6}"/>
+              </a:ext>
+            </a:extLst>
+          </p:cNvPr>
+          <p:cNvSpPr/>
+          <p:nvPr/>
+        </p:nvSpPr>
+        <p:spPr>
+          <a:xfrm>
+            <a:off x="6579324" y="3311500"/>
+            <a:ext cx="1019503" cy="451945"/>
+          </a:xfrm>
+          <a:prstGeom prst="rect">
+            <a:avLst/>
+          </a:prstGeom>
+          <a:solidFill>
+            <a:srgbClr val="FF0000"/>
+          </a:solidFill>
+        </p:spPr>
+        <p:style>
+          <a:lnRef idx="2">
+            <a:schemeClr val="accent1">
+              <a:shade val="50000"/>
+            </a:schemeClr>
+          </a:lnRef>
+          <a:fillRef idx="1">
+            <a:schemeClr val="accent1"/>
+          </a:fillRef>
+          <a:effectRef idx="0">
+            <a:schemeClr val="accent1"/>
+          </a:effectRef>
+          <a:fontRef idx="minor">
+            <a:schemeClr val="lt1"/>
+          </a:fontRef>
+        </p:style>
+        <p:txBody>
+          <a:bodyPr rtlCol="0" anchor="ctr"/>
+          <a:lstStyle/>
+          <a:p>
+            <a:pPr algn="ctr"/>
+            <a:r>
+              <a:rPr kumimoji="1" lang="en-US" altLang="ko-Kore-KR" dirty="0">
+                <a:solidFill>
+                  <a:schemeClr val="tx1"/>
+                </a:solidFill>
+                <a:latin typeface="DM Mono" panose="020B0509040201040103" pitchFamily="49" charset="0"/>
+              </a:rPr>
+              <a:t>42</a:t>
+            </a:r>
+            <a:endParaRPr kumimoji="1" lang="ko-Kore-KR" altLang="en-US" dirty="0">
+              <a:solidFill>
+                <a:schemeClr val="tx1"/>
+              </a:solidFill>
+              <a:latin typeface="DM Mono" panose="020B0509040201040103" pitchFamily="49" charset="0"/>
+            </a:endParaRPr>
+          </a:p>
+        </p:txBody>
+      </p:sp>
+      <p:sp>
+        <p:nvSpPr>
+          <p:cNvPr id="19" name="TextBox 18">
+            <a:extLst>
+              <a:ext uri="{FF2B5EF4-FFF2-40B4-BE49-F238E27FC236}">
+                <a16:creationId xmlns:a16="http://schemas.microsoft.com/office/drawing/2014/main" id="{EC42D6A8-BE23-D995-88DF-0E04257868CD}"/>
+              </a:ext>
+            </a:extLst>
+          </p:cNvPr>
+          <p:cNvSpPr txBox="1"/>
+          <p:nvPr/>
+        </p:nvSpPr>
+        <p:spPr>
+          <a:xfrm>
+            <a:off x="5762445" y="3352806"/>
+            <a:ext cx="816879" cy="369332"/>
+          </a:xfrm>
+          <a:prstGeom prst="rect">
+            <a:avLst/>
+          </a:prstGeom>
+          <a:noFill/>
+        </p:spPr>
+        <p:txBody>
+          <a:bodyPr wrap="square">
+            <a:spAutoFit/>
+          </a:bodyPr>
+          <a:lstStyle/>
+          <a:p>
+            <a:pPr algn="r"/>
+            <a:r>
+              <a:rPr lang="en-US" altLang="ko-Kore-KR" dirty="0">
+                <a:latin typeface="DM Mono" panose="020B0509040201040103" pitchFamily="49" charset="0"/>
+              </a:rPr>
+              <a:t>age</a:t>
+            </a:r>
+            <a:endParaRPr lang="ko-Kore-KR" altLang="en-US" dirty="0"/>
+          </a:p>
+        </p:txBody>
+      </p:sp>
+      <p:sp>
+        <p:nvSpPr>
+          <p:cNvPr id="20" name="TextBox 19">
+            <a:extLst>
+              <a:ext uri="{FF2B5EF4-FFF2-40B4-BE49-F238E27FC236}">
+                <a16:creationId xmlns:a16="http://schemas.microsoft.com/office/drawing/2014/main" id="{254CC547-CC56-A546-CC21-5C6EBE4127D4}"/>
+              </a:ext>
+            </a:extLst>
+          </p:cNvPr>
+          <p:cNvSpPr txBox="1"/>
+          <p:nvPr/>
+        </p:nvSpPr>
+        <p:spPr>
+          <a:xfrm>
+            <a:off x="6316565" y="2521650"/>
+            <a:ext cx="1144492" cy="369332"/>
+          </a:xfrm>
+          <a:prstGeom prst="rect">
+            <a:avLst/>
+          </a:prstGeom>
+          <a:noFill/>
+        </p:spPr>
+        <p:txBody>
+          <a:bodyPr wrap="square">
+            <a:spAutoFit/>
+          </a:bodyPr>
+          <a:lstStyle/>
+          <a:p>
+            <a:pPr algn="r"/>
+            <a:r>
+              <a:rPr lang="en-US" altLang="ko-Kore-KR" dirty="0">
+                <a:latin typeface="DM Mono" panose="020B0509040201040103" pitchFamily="49" charset="0"/>
+              </a:rPr>
+              <a:t>user2</a:t>
+            </a:r>
+            <a:endParaRPr lang="ko-Kore-KR" altLang="en-US" dirty="0"/>
+          </a:p>
+        </p:txBody>
+      </p:sp>
+      <p:sp>
+        <p:nvSpPr>
+          <p:cNvPr id="21" name="직사각형 20">
+            <a:extLst>
+              <a:ext uri="{FF2B5EF4-FFF2-40B4-BE49-F238E27FC236}">
+                <a16:creationId xmlns:a16="http://schemas.microsoft.com/office/drawing/2014/main" id="{4BD12AF1-DDC1-E2E5-2A1A-3C4BC6C79653}"/>
+              </a:ext>
+            </a:extLst>
+          </p:cNvPr>
+          <p:cNvSpPr/>
+          <p:nvPr/>
+        </p:nvSpPr>
+        <p:spPr>
+          <a:xfrm>
+            <a:off x="6579324" y="3763443"/>
+            <a:ext cx="1019503" cy="451945"/>
+          </a:xfrm>
+          <a:prstGeom prst="rect">
+            <a:avLst/>
+          </a:prstGeom>
+          <a:solidFill>
+            <a:srgbClr val="FF0000"/>
+          </a:solidFill>
+        </p:spPr>
+        <p:style>
+          <a:lnRef idx="2">
+            <a:schemeClr val="accent1">
+              <a:shade val="50000"/>
+            </a:schemeClr>
+          </a:lnRef>
+          <a:fillRef idx="1">
+            <a:schemeClr val="accent1"/>
+          </a:fillRef>
+          <a:effectRef idx="0">
+            <a:schemeClr val="accent1"/>
+          </a:effectRef>
+          <a:fontRef idx="minor">
+            <a:schemeClr val="lt1"/>
+          </a:fontRef>
+        </p:style>
+        <p:txBody>
+          <a:bodyPr rtlCol="0" anchor="ctr"/>
+          <a:lstStyle/>
+          <a:p>
+            <a:pPr algn="ctr"/>
+            <a:endParaRPr kumimoji="1" lang="ko-Kore-KR" altLang="en-US" dirty="0">
+              <a:solidFill>
+                <a:schemeClr val="tx1"/>
+              </a:solidFill>
+              <a:latin typeface="DM Mono" panose="020B0509040201040103" pitchFamily="49" charset="0"/>
+            </a:endParaRPr>
+          </a:p>
+        </p:txBody>
+      </p:sp>
+      <p:sp>
+        <p:nvSpPr>
+          <p:cNvPr id="22" name="TextBox 21">
+            <a:extLst>
+              <a:ext uri="{FF2B5EF4-FFF2-40B4-BE49-F238E27FC236}">
+                <a16:creationId xmlns:a16="http://schemas.microsoft.com/office/drawing/2014/main" id="{69790EC0-71C3-F1EB-C941-9BF5B932BE75}"/>
+              </a:ext>
+            </a:extLst>
+          </p:cNvPr>
+          <p:cNvSpPr txBox="1"/>
+          <p:nvPr/>
+        </p:nvSpPr>
+        <p:spPr>
+          <a:xfrm>
+            <a:off x="5762445" y="3804749"/>
+            <a:ext cx="816879" cy="369332"/>
+          </a:xfrm>
+          <a:prstGeom prst="rect">
+            <a:avLst/>
+          </a:prstGeom>
+          <a:noFill/>
+        </p:spPr>
+        <p:txBody>
+          <a:bodyPr wrap="square">
+            <a:spAutoFit/>
+          </a:bodyPr>
+          <a:lstStyle/>
+          <a:p>
+            <a:pPr algn="r"/>
+            <a:r>
+              <a:rPr lang="en-US" altLang="ko-Kore-KR" dirty="0">
+                <a:latin typeface="DM Mono" panose="020B0509040201040103" pitchFamily="49" charset="0"/>
+              </a:rPr>
+              <a:t>ref</a:t>
+            </a:r>
+            <a:endParaRPr lang="ko-Kore-KR" altLang="en-US" dirty="0"/>
+          </a:p>
+        </p:txBody>
+      </p:sp>
+      <p:cxnSp>
+        <p:nvCxnSpPr>
+          <p:cNvPr id="26" name="구부러진 연결선[U] 25">
+            <a:extLst>
+              <a:ext uri="{FF2B5EF4-FFF2-40B4-BE49-F238E27FC236}">
+                <a16:creationId xmlns:a16="http://schemas.microsoft.com/office/drawing/2014/main" id="{32AF8785-69E3-6845-A892-84385401840F}"/>
+              </a:ext>
+            </a:extLst>
+          </p:cNvPr>
+          <p:cNvCxnSpPr>
+            <a:cxnSpLocks/>
+            <a:stCxn id="21" idx="3"/>
+            <a:endCxn id="10" idx="1"/>
+          </p:cNvCxnSpPr>
+          <p:nvPr/>
+        </p:nvCxnSpPr>
+        <p:spPr>
+          <a:xfrm flipV="1">
+            <a:off x="7598827" y="1898360"/>
+            <a:ext cx="2103015" cy="2091056"/>
+          </a:xfrm>
+          <a:prstGeom prst="curvedConnector3">
+            <a:avLst/>
+          </a:prstGeom>
+          <a:ln>
+            <a:tailEnd type="triangle"/>
+          </a:ln>
+        </p:spPr>
+        <p:style>
+          <a:lnRef idx="1">
+            <a:schemeClr val="dk1"/>
+          </a:lnRef>
+          <a:fillRef idx="0">
+            <a:schemeClr val="dk1"/>
+          </a:fillRef>
+          <a:effectRef idx="0">
+            <a:schemeClr val="dk1"/>
+          </a:effectRef>
+          <a:fontRef idx="minor">
+            <a:schemeClr val="tx1"/>
+          </a:fontRef>
+        </p:style>
+      </p:cxnSp>
+      <p:sp>
+        <p:nvSpPr>
+          <p:cNvPr id="5" name="직사각형 4">
+            <a:extLst>
+              <a:ext uri="{FF2B5EF4-FFF2-40B4-BE49-F238E27FC236}">
+                <a16:creationId xmlns:a16="http://schemas.microsoft.com/office/drawing/2014/main" id="{A38BD75C-44CA-32EE-9942-EA787FDC821A}"/>
+              </a:ext>
+            </a:extLst>
+          </p:cNvPr>
+          <p:cNvSpPr/>
+          <p:nvPr/>
+        </p:nvSpPr>
+        <p:spPr>
+          <a:xfrm>
+            <a:off x="6579324" y="4743114"/>
+            <a:ext cx="1019503" cy="451945"/>
+          </a:xfrm>
+          <a:prstGeom prst="rect">
+            <a:avLst/>
+          </a:prstGeom>
+          <a:solidFill>
+            <a:srgbClr val="FFFF00"/>
+          </a:solidFill>
+        </p:spPr>
+        <p:style>
+          <a:lnRef idx="2">
+            <a:schemeClr val="accent1">
+              <a:shade val="50000"/>
+            </a:schemeClr>
+          </a:lnRef>
+          <a:fillRef idx="1">
+            <a:schemeClr val="accent1"/>
+          </a:fillRef>
+          <a:effectRef idx="0">
+            <a:schemeClr val="accent1"/>
+          </a:effectRef>
+          <a:fontRef idx="minor">
+            <a:schemeClr val="lt1"/>
+          </a:fontRef>
+        </p:style>
+        <p:txBody>
+          <a:bodyPr rtlCol="0" anchor="ctr"/>
+          <a:lstStyle/>
+          <a:p>
+            <a:pPr algn="ctr"/>
+            <a:endParaRPr kumimoji="1" lang="ko-Kore-KR" altLang="en-US" dirty="0">
+              <a:solidFill>
+                <a:schemeClr val="tx1"/>
+              </a:solidFill>
+              <a:latin typeface="DM Mono" panose="020B0509040201040103" pitchFamily="49" charset="0"/>
+            </a:endParaRPr>
+          </a:p>
+        </p:txBody>
+      </p:sp>
+      <p:sp>
+        <p:nvSpPr>
+          <p:cNvPr id="12" name="TextBox 11">
+            <a:extLst>
+              <a:ext uri="{FF2B5EF4-FFF2-40B4-BE49-F238E27FC236}">
+                <a16:creationId xmlns:a16="http://schemas.microsoft.com/office/drawing/2014/main" id="{283C7765-FAB4-EF33-45F8-66F5F3811E66}"/>
+              </a:ext>
+            </a:extLst>
+          </p:cNvPr>
+          <p:cNvSpPr txBox="1"/>
+          <p:nvPr/>
+        </p:nvSpPr>
+        <p:spPr>
+          <a:xfrm>
+            <a:off x="5559821" y="4784420"/>
+            <a:ext cx="1019503" cy="369332"/>
+          </a:xfrm>
+          <a:prstGeom prst="rect">
+            <a:avLst/>
+          </a:prstGeom>
+          <a:noFill/>
+        </p:spPr>
+        <p:txBody>
+          <a:bodyPr wrap="square">
+            <a:spAutoFit/>
+          </a:bodyPr>
+          <a:lstStyle/>
+          <a:p>
+            <a:pPr algn="r"/>
+            <a:r>
+              <a:rPr lang="en-US" altLang="ko-Kore-KR" dirty="0">
+                <a:latin typeface="DM Mono" panose="020B0509040201040103" pitchFamily="49" charset="0"/>
+              </a:rPr>
+              <a:t>name</a:t>
+            </a:r>
+            <a:endParaRPr lang="ko-Kore-KR" altLang="en-US" dirty="0"/>
+          </a:p>
+        </p:txBody>
+      </p:sp>
+      <p:sp>
+        <p:nvSpPr>
+          <p:cNvPr id="15" name="직사각형 14">
+            <a:extLst>
+              <a:ext uri="{FF2B5EF4-FFF2-40B4-BE49-F238E27FC236}">
+                <a16:creationId xmlns:a16="http://schemas.microsoft.com/office/drawing/2014/main" id="{98D4916D-6D02-1579-C988-591C4900AB2F}"/>
+              </a:ext>
+            </a:extLst>
+          </p:cNvPr>
+          <p:cNvSpPr/>
+          <p:nvPr/>
+        </p:nvSpPr>
+        <p:spPr>
+          <a:xfrm>
+            <a:off x="6579324" y="5195058"/>
+            <a:ext cx="1019503" cy="451945"/>
+          </a:xfrm>
+          <a:prstGeom prst="rect">
+            <a:avLst/>
+          </a:prstGeom>
+          <a:solidFill>
+            <a:srgbClr val="FFFF00"/>
+          </a:solidFill>
+        </p:spPr>
+        <p:style>
+          <a:lnRef idx="2">
+            <a:schemeClr val="accent1">
+              <a:shade val="50000"/>
+            </a:schemeClr>
+          </a:lnRef>
+          <a:fillRef idx="1">
+            <a:schemeClr val="accent1"/>
+          </a:fillRef>
+          <a:effectRef idx="0">
+            <a:schemeClr val="accent1"/>
+          </a:effectRef>
+          <a:fontRef idx="minor">
+            <a:schemeClr val="lt1"/>
+          </a:fontRef>
+        </p:style>
+        <p:txBody>
+          <a:bodyPr rtlCol="0" anchor="ctr"/>
+          <a:lstStyle/>
+          <a:p>
+            <a:pPr algn="ctr"/>
+            <a:r>
+              <a:rPr kumimoji="1" lang="en-US" altLang="ko-Kore-KR" dirty="0">
+                <a:solidFill>
+                  <a:schemeClr val="tx1"/>
+                </a:solidFill>
+                <a:latin typeface="DM Mono" panose="020B0509040201040103" pitchFamily="49" charset="0"/>
+              </a:rPr>
+              <a:t>42</a:t>
+            </a:r>
+            <a:endParaRPr kumimoji="1" lang="ko-Kore-KR" altLang="en-US" dirty="0">
+              <a:solidFill>
+                <a:schemeClr val="tx1"/>
+              </a:solidFill>
+              <a:latin typeface="DM Mono" panose="020B0509040201040103" pitchFamily="49" charset="0"/>
+            </a:endParaRPr>
+          </a:p>
+        </p:txBody>
+      </p:sp>
+      <p:sp>
+        <p:nvSpPr>
+          <p:cNvPr id="24" name="TextBox 23">
+            <a:extLst>
+              <a:ext uri="{FF2B5EF4-FFF2-40B4-BE49-F238E27FC236}">
+                <a16:creationId xmlns:a16="http://schemas.microsoft.com/office/drawing/2014/main" id="{A6271B56-B13C-2468-DD4D-641150F734A7}"/>
+              </a:ext>
+            </a:extLst>
+          </p:cNvPr>
+          <p:cNvSpPr txBox="1"/>
+          <p:nvPr/>
+        </p:nvSpPr>
+        <p:spPr>
+          <a:xfrm>
+            <a:off x="5762445" y="5236364"/>
+            <a:ext cx="816879" cy="369332"/>
+          </a:xfrm>
+          <a:prstGeom prst="rect">
+            <a:avLst/>
+          </a:prstGeom>
+          <a:noFill/>
+        </p:spPr>
+        <p:txBody>
+          <a:bodyPr wrap="square">
+            <a:spAutoFit/>
+          </a:bodyPr>
+          <a:lstStyle/>
+          <a:p>
+            <a:pPr algn="r"/>
+            <a:r>
+              <a:rPr lang="en-US" altLang="ko-Kore-KR" dirty="0">
+                <a:latin typeface="DM Mono" panose="020B0509040201040103" pitchFamily="49" charset="0"/>
+              </a:rPr>
+              <a:t>age</a:t>
+            </a:r>
+            <a:endParaRPr lang="ko-Kore-KR" altLang="en-US" dirty="0"/>
+          </a:p>
+        </p:txBody>
+      </p:sp>
+      <p:sp>
+        <p:nvSpPr>
+          <p:cNvPr id="25" name="TextBox 24">
+            <a:extLst>
+              <a:ext uri="{FF2B5EF4-FFF2-40B4-BE49-F238E27FC236}">
+                <a16:creationId xmlns:a16="http://schemas.microsoft.com/office/drawing/2014/main" id="{C9DDA677-5308-119E-6077-CE4DFC9AB616}"/>
+              </a:ext>
+            </a:extLst>
+          </p:cNvPr>
+          <p:cNvSpPr txBox="1"/>
+          <p:nvPr/>
+        </p:nvSpPr>
+        <p:spPr>
+          <a:xfrm>
+            <a:off x="6316565" y="4405208"/>
+            <a:ext cx="1144492" cy="369332"/>
+          </a:xfrm>
+          <a:prstGeom prst="rect">
+            <a:avLst/>
+          </a:prstGeom>
+          <a:noFill/>
+        </p:spPr>
+        <p:txBody>
+          <a:bodyPr wrap="square">
+            <a:spAutoFit/>
+          </a:bodyPr>
+          <a:lstStyle/>
+          <a:p>
+            <a:pPr algn="r"/>
+            <a:r>
+              <a:rPr lang="en-US" altLang="ko-Kore-KR" dirty="0">
+                <a:latin typeface="DM Mono" panose="020B0509040201040103" pitchFamily="49" charset="0"/>
+              </a:rPr>
+              <a:t>user3</a:t>
+            </a:r>
+            <a:endParaRPr lang="ko-Kore-KR" altLang="en-US" dirty="0"/>
+          </a:p>
+        </p:txBody>
+      </p:sp>
+      <p:sp>
+        <p:nvSpPr>
+          <p:cNvPr id="27" name="직사각형 26">
+            <a:extLst>
+              <a:ext uri="{FF2B5EF4-FFF2-40B4-BE49-F238E27FC236}">
+                <a16:creationId xmlns:a16="http://schemas.microsoft.com/office/drawing/2014/main" id="{DE4CE345-D520-80B2-79F0-1115FA6EA925}"/>
+              </a:ext>
+            </a:extLst>
+          </p:cNvPr>
+          <p:cNvSpPr/>
+          <p:nvPr/>
+        </p:nvSpPr>
+        <p:spPr>
+          <a:xfrm>
+            <a:off x="6579324" y="5647001"/>
+            <a:ext cx="1019503" cy="451945"/>
+          </a:xfrm>
+          <a:prstGeom prst="rect">
+            <a:avLst/>
+          </a:prstGeom>
+          <a:solidFill>
+            <a:srgbClr val="FFFF00"/>
+          </a:solidFill>
+        </p:spPr>
+        <p:style>
+          <a:lnRef idx="2">
+            <a:schemeClr val="accent1">
+              <a:shade val="50000"/>
+            </a:schemeClr>
+          </a:lnRef>
+          <a:fillRef idx="1">
+            <a:schemeClr val="accent1"/>
+          </a:fillRef>
+          <a:effectRef idx="0">
+            <a:schemeClr val="accent1"/>
+          </a:effectRef>
+          <a:fontRef idx="minor">
+            <a:schemeClr val="lt1"/>
+          </a:fontRef>
+        </p:style>
+        <p:txBody>
+          <a:bodyPr rtlCol="0" anchor="ctr"/>
+          <a:lstStyle/>
+          <a:p>
+            <a:pPr algn="ctr"/>
+            <a:endParaRPr kumimoji="1" lang="ko-Kore-KR" altLang="en-US" dirty="0">
+              <a:solidFill>
+                <a:schemeClr val="tx1"/>
+              </a:solidFill>
+              <a:latin typeface="DM Mono" panose="020B0509040201040103" pitchFamily="49" charset="0"/>
+            </a:endParaRPr>
+          </a:p>
+        </p:txBody>
+      </p:sp>
+      <p:sp>
+        <p:nvSpPr>
+          <p:cNvPr id="28" name="TextBox 27">
+            <a:extLst>
+              <a:ext uri="{FF2B5EF4-FFF2-40B4-BE49-F238E27FC236}">
+                <a16:creationId xmlns:a16="http://schemas.microsoft.com/office/drawing/2014/main" id="{0AF30397-BF7D-4844-3050-B6D52B6F4414}"/>
+              </a:ext>
+            </a:extLst>
+          </p:cNvPr>
+          <p:cNvSpPr txBox="1"/>
+          <p:nvPr/>
+        </p:nvSpPr>
+        <p:spPr>
+          <a:xfrm>
+            <a:off x="5762445" y="5688307"/>
+            <a:ext cx="816879" cy="369332"/>
+          </a:xfrm>
+          <a:prstGeom prst="rect">
+            <a:avLst/>
+          </a:prstGeom>
+          <a:noFill/>
+        </p:spPr>
+        <p:txBody>
+          <a:bodyPr wrap="square">
+            <a:spAutoFit/>
+          </a:bodyPr>
+          <a:lstStyle/>
+          <a:p>
+            <a:pPr algn="r"/>
+            <a:r>
+              <a:rPr lang="en-US" altLang="ko-Kore-KR" dirty="0">
+                <a:latin typeface="DM Mono" panose="020B0509040201040103" pitchFamily="49" charset="0"/>
+              </a:rPr>
+              <a:t>ref</a:t>
+            </a:r>
+            <a:endParaRPr lang="ko-Kore-KR" altLang="en-US" dirty="0"/>
+          </a:p>
+        </p:txBody>
+      </p:sp>
+      <p:cxnSp>
+        <p:nvCxnSpPr>
+          <p:cNvPr id="29" name="구부러진 연결선[U] 28">
+            <a:extLst>
+              <a:ext uri="{FF2B5EF4-FFF2-40B4-BE49-F238E27FC236}">
+                <a16:creationId xmlns:a16="http://schemas.microsoft.com/office/drawing/2014/main" id="{4AE4FD8B-D424-10CD-8725-3E2EF3258F14}"/>
+              </a:ext>
+            </a:extLst>
+          </p:cNvPr>
+          <p:cNvCxnSpPr>
+            <a:cxnSpLocks/>
+            <a:stCxn id="5" idx="3"/>
+            <a:endCxn id="2" idx="1"/>
+          </p:cNvCxnSpPr>
+          <p:nvPr/>
+        </p:nvCxnSpPr>
+        <p:spPr>
+          <a:xfrm flipV="1">
+            <a:off x="7598827" y="856948"/>
+            <a:ext cx="1717701" cy="4112139"/>
+          </a:xfrm>
+          <a:prstGeom prst="curvedConnector3">
+            <a:avLst>
+              <a:gd name="adj1" fmla="val 50000"/>
+            </a:avLst>
+          </a:prstGeom>
+          <a:ln>
+            <a:tailEnd type="triangle"/>
+          </a:ln>
+        </p:spPr>
+        <p:style>
+          <a:lnRef idx="1">
+            <a:schemeClr val="dk1"/>
+          </a:lnRef>
+          <a:fillRef idx="0">
+            <a:schemeClr val="dk1"/>
+          </a:fillRef>
+          <a:effectRef idx="0">
+            <a:schemeClr val="dk1"/>
+          </a:effectRef>
+          <a:fontRef idx="minor">
+            <a:schemeClr val="tx1"/>
+          </a:fontRef>
+        </p:style>
+      </p:cxnSp>
+      <p:cxnSp>
+        <p:nvCxnSpPr>
+          <p:cNvPr id="32" name="구부러진 연결선[U] 31">
+            <a:extLst>
+              <a:ext uri="{FF2B5EF4-FFF2-40B4-BE49-F238E27FC236}">
+                <a16:creationId xmlns:a16="http://schemas.microsoft.com/office/drawing/2014/main" id="{F3A2D926-2241-1832-7BDF-B9031DF7D246}"/>
+              </a:ext>
+            </a:extLst>
+          </p:cNvPr>
+          <p:cNvCxnSpPr>
+            <a:cxnSpLocks/>
+            <a:stCxn id="27" idx="3"/>
+            <a:endCxn id="10" idx="1"/>
+          </p:cNvCxnSpPr>
+          <p:nvPr/>
+        </p:nvCxnSpPr>
+        <p:spPr>
+          <a:xfrm flipV="1">
+            <a:off x="7598827" y="1898360"/>
+            <a:ext cx="2103015" cy="3974614"/>
+          </a:xfrm>
+          <a:prstGeom prst="curvedConnector3">
+            <a:avLst>
+              <a:gd name="adj1" fmla="val 50000"/>
+            </a:avLst>
+          </a:prstGeom>
+          <a:ln>
+            <a:tailEnd type="triangle"/>
+          </a:ln>
+        </p:spPr>
+        <p:style>
+          <a:lnRef idx="1">
+            <a:schemeClr val="dk1"/>
+          </a:lnRef>
+          <a:fillRef idx="0">
+            <a:schemeClr val="dk1"/>
+          </a:fillRef>
+          <a:effectRef idx="0">
+            <a:schemeClr val="dk1"/>
+          </a:effectRef>
+          <a:fontRef idx="minor">
+            <a:schemeClr val="tx1"/>
+          </a:fontRef>
+        </p:style>
+      </p:cxnSp>
+      <p:sp>
+        <p:nvSpPr>
+          <p:cNvPr id="11" name="TextBox 10">
+            <a:extLst>
+              <a:ext uri="{FF2B5EF4-FFF2-40B4-BE49-F238E27FC236}">
+                <a16:creationId xmlns:a16="http://schemas.microsoft.com/office/drawing/2014/main" id="{960F4D1D-81A5-FFCE-F109-21066387E554}"/>
+              </a:ext>
+            </a:extLst>
+          </p:cNvPr>
+          <p:cNvSpPr txBox="1"/>
+          <p:nvPr/>
+        </p:nvSpPr>
+        <p:spPr>
+          <a:xfrm>
+            <a:off x="153118" y="226621"/>
+            <a:ext cx="6094562" cy="2031325"/>
+          </a:xfrm>
+          <a:prstGeom prst="rect">
+            <a:avLst/>
+          </a:prstGeom>
+          <a:noFill/>
+        </p:spPr>
+        <p:txBody>
+          <a:bodyPr wrap="square">
+            <a:spAutoFit/>
+          </a:bodyPr>
+          <a:lstStyle/>
+          <a:p>
+            <a:r>
+              <a:rPr lang="ko-Kore-KR" altLang="en-US" dirty="0">
+                <a:latin typeface="DM Mono" panose="020B0509040201040103" pitchFamily="49" charset="0"/>
+              </a:rPr>
+              <a:t> ~User()</a:t>
+            </a:r>
+          </a:p>
+          <a:p>
+            <a:r>
+              <a:rPr lang="ko-Kore-KR" altLang="en-US" dirty="0">
+                <a:latin typeface="DM Mono" panose="020B0509040201040103" pitchFamily="49" charset="0"/>
+              </a:rPr>
+              <a:t>    {</a:t>
+            </a:r>
+          </a:p>
+          <a:p>
+            <a:r>
+              <a:rPr lang="ko-Kore-KR" altLang="en-US" dirty="0">
+                <a:latin typeface="DM Mono" panose="020B0509040201040103" pitchFamily="49" charset="0"/>
+              </a:rPr>
+              <a:t>        if (</a:t>
+            </a:r>
+            <a:r>
+              <a:rPr lang="ko-Kore-KR" altLang="en-US" dirty="0">
+                <a:solidFill>
+                  <a:srgbClr val="FF0000"/>
+                </a:solidFill>
+                <a:latin typeface="DM Mono" panose="020B0509040201040103" pitchFamily="49" charset="0"/>
+              </a:rPr>
+              <a:t>--(*ref) == 0</a:t>
+            </a:r>
+            <a:r>
+              <a:rPr lang="ko-Kore-KR" altLang="en-US" dirty="0">
+                <a:latin typeface="DM Mono" panose="020B0509040201040103" pitchFamily="49" charset="0"/>
+              </a:rPr>
+              <a:t>) {</a:t>
+            </a:r>
+          </a:p>
+          <a:p>
+            <a:r>
+              <a:rPr lang="ko-Kore-KR" altLang="en-US" dirty="0">
+                <a:latin typeface="DM Mono" panose="020B0509040201040103" pitchFamily="49" charset="0"/>
+              </a:rPr>
+              <a:t>            delete[] name;</a:t>
+            </a:r>
+          </a:p>
+          <a:p>
+            <a:r>
+              <a:rPr lang="ko-Kore-KR" altLang="en-US" dirty="0">
+                <a:latin typeface="DM Mono" panose="020B0509040201040103" pitchFamily="49" charset="0"/>
+              </a:rPr>
+              <a:t>            delete ref;</a:t>
+            </a:r>
+          </a:p>
+          <a:p>
+            <a:r>
+              <a:rPr lang="ko-Kore-KR" altLang="en-US" dirty="0">
+                <a:latin typeface="DM Mono" panose="020B0509040201040103" pitchFamily="49" charset="0"/>
+              </a:rPr>
+              <a:t>        }</a:t>
+            </a:r>
+          </a:p>
+          <a:p>
+            <a:r>
+              <a:rPr lang="ko-Kore-KR" altLang="en-US" dirty="0">
+                <a:latin typeface="DM Mono" panose="020B0509040201040103" pitchFamily="49" charset="0"/>
+              </a:rPr>
+              <a:t>    }</a:t>
+            </a:r>
+          </a:p>
+        </p:txBody>
+      </p:sp>
+    </p:spTree>
+    <p:extLst>
+      <p:ext uri="{BB962C8B-B14F-4D97-AF65-F5344CB8AC3E}">
+        <p14:creationId xmlns:p14="http://schemas.microsoft.com/office/powerpoint/2010/main" val="2837209398"/>
+      </p:ext>
+    </p:extLst>
+  </p:cSld>
+  <p:clrMapOvr>
+    <a:masterClrMapping/>
+  </p:clrMapOvr>
+</p:sld>
+</file>
+
+<file path=ppt/slides/slide25.xml><?xml version="1.0" encoding="utf-8"?>
+<p:sld xmlns:a="http://schemas.openxmlformats.org/drawingml/2006/main" xmlns:r="http://schemas.openxmlformats.org/officeDocument/2006/relationships" xmlns:p="http://schemas.openxmlformats.org/presentationml/2006/main">
+  <p:cSld>
+    <p:spTree>
+      <p:nvGrpSpPr>
+        <p:cNvPr id="1" name=""/>
+        <p:cNvGrpSpPr/>
+        <p:nvPr/>
+      </p:nvGrpSpPr>
+      <p:grpSpPr>
+        <a:xfrm>
+          <a:off x="0" y="0"/>
+          <a:ext cx="0" cy="0"/>
+          <a:chOff x="0" y="0"/>
+          <a:chExt cx="0" cy="0"/>
+        </a:xfrm>
+      </p:grpSpPr>
+      <p:sp>
+        <p:nvSpPr>
+          <p:cNvPr id="2" name="직사각형 1">
+            <a:extLst>
+              <a:ext uri="{FF2B5EF4-FFF2-40B4-BE49-F238E27FC236}">
+                <a16:creationId xmlns:a16="http://schemas.microsoft.com/office/drawing/2014/main" id="{A56DF2E7-85AA-BE31-956B-5F8B7FAAA23E}"/>
+              </a:ext>
+            </a:extLst>
+          </p:cNvPr>
+          <p:cNvSpPr/>
+          <p:nvPr/>
+        </p:nvSpPr>
+        <p:spPr>
+          <a:xfrm>
+            <a:off x="9316528" y="630975"/>
+            <a:ext cx="1919771" cy="451945"/>
+          </a:xfrm>
+          <a:prstGeom prst="rect">
+            <a:avLst/>
+          </a:prstGeom>
+          <a:solidFill>
+            <a:srgbClr val="FF0000"/>
+          </a:solidFill>
+        </p:spPr>
+        <p:style>
+          <a:lnRef idx="2">
+            <a:schemeClr val="accent1">
+              <a:shade val="50000"/>
+            </a:schemeClr>
+          </a:lnRef>
+          <a:fillRef idx="1">
+            <a:schemeClr val="accent1"/>
+          </a:fillRef>
+          <a:effectRef idx="0">
+            <a:schemeClr val="accent1"/>
+          </a:effectRef>
+          <a:fontRef idx="minor">
+            <a:schemeClr val="lt1"/>
+          </a:fontRef>
+        </p:style>
+        <p:txBody>
+          <a:bodyPr rtlCol="0" anchor="ctr"/>
+          <a:lstStyle/>
+          <a:p>
+            <a:pPr algn="ctr"/>
+            <a:r>
+              <a:rPr kumimoji="1" lang="en-US" altLang="ko-Kore-KR" dirty="0">
+                <a:solidFill>
+                  <a:schemeClr val="tx1"/>
+                </a:solidFill>
+                <a:latin typeface="DM Mono" panose="020B0509040201040103" pitchFamily="49" charset="0"/>
+              </a:rPr>
+              <a:t>“Tom”</a:t>
+            </a:r>
+            <a:endParaRPr kumimoji="1" lang="ko-Kore-KR" altLang="en-US" dirty="0">
+              <a:solidFill>
+                <a:schemeClr val="tx1"/>
+              </a:solidFill>
+              <a:latin typeface="DM Mono" panose="020B0509040201040103" pitchFamily="49" charset="0"/>
+            </a:endParaRPr>
+          </a:p>
+        </p:txBody>
+      </p:sp>
+      <p:sp>
+        <p:nvSpPr>
+          <p:cNvPr id="10" name="직사각형 9">
+            <a:extLst>
+              <a:ext uri="{FF2B5EF4-FFF2-40B4-BE49-F238E27FC236}">
+                <a16:creationId xmlns:a16="http://schemas.microsoft.com/office/drawing/2014/main" id="{846AEF10-46E5-B36D-C285-25D16C185DFA}"/>
+              </a:ext>
+            </a:extLst>
+          </p:cNvPr>
+          <p:cNvSpPr/>
+          <p:nvPr/>
+        </p:nvSpPr>
+        <p:spPr>
+          <a:xfrm>
+            <a:off x="9701842" y="1672387"/>
+            <a:ext cx="951782" cy="451945"/>
+          </a:xfrm>
+          <a:prstGeom prst="rect">
+            <a:avLst/>
+          </a:prstGeom>
+          <a:solidFill>
+            <a:srgbClr val="FF0000"/>
+          </a:solidFill>
+        </p:spPr>
+        <p:style>
+          <a:lnRef idx="2">
+            <a:schemeClr val="accent1">
+              <a:shade val="50000"/>
+            </a:schemeClr>
+          </a:lnRef>
+          <a:fillRef idx="1">
+            <a:schemeClr val="accent1"/>
+          </a:fillRef>
+          <a:effectRef idx="0">
+            <a:schemeClr val="accent1"/>
+          </a:effectRef>
+          <a:fontRef idx="minor">
+            <a:schemeClr val="lt1"/>
+          </a:fontRef>
+        </p:style>
+        <p:txBody>
+          <a:bodyPr rtlCol="0" anchor="ctr"/>
+          <a:lstStyle/>
+          <a:p>
+            <a:pPr algn="ctr"/>
+            <a:r>
+              <a:rPr kumimoji="1" lang="en-US" altLang="ko-Kore-KR" dirty="0">
+                <a:solidFill>
+                  <a:schemeClr val="bg1"/>
+                </a:solidFill>
+                <a:latin typeface="DM Mono" panose="020B0509040201040103" pitchFamily="49" charset="0"/>
+              </a:rPr>
+              <a:t>0</a:t>
+            </a:r>
+            <a:endParaRPr kumimoji="1" lang="ko-Kore-KR" altLang="en-US" dirty="0">
+              <a:solidFill>
+                <a:schemeClr val="bg1"/>
+              </a:solidFill>
+              <a:latin typeface="DM Mono" panose="020B0509040201040103" pitchFamily="49" charset="0"/>
+            </a:endParaRPr>
+          </a:p>
+        </p:txBody>
+      </p:sp>
+      <p:sp>
+        <p:nvSpPr>
+          <p:cNvPr id="5" name="직사각형 4">
+            <a:extLst>
+              <a:ext uri="{FF2B5EF4-FFF2-40B4-BE49-F238E27FC236}">
+                <a16:creationId xmlns:a16="http://schemas.microsoft.com/office/drawing/2014/main" id="{A38BD75C-44CA-32EE-9942-EA787FDC821A}"/>
+              </a:ext>
+            </a:extLst>
+          </p:cNvPr>
+          <p:cNvSpPr/>
+          <p:nvPr/>
+        </p:nvSpPr>
+        <p:spPr>
+          <a:xfrm>
+            <a:off x="6579324" y="4743114"/>
+            <a:ext cx="1019503" cy="451945"/>
+          </a:xfrm>
+          <a:prstGeom prst="rect">
+            <a:avLst/>
+          </a:prstGeom>
+          <a:solidFill>
+            <a:srgbClr val="FF0000"/>
+          </a:solidFill>
+        </p:spPr>
+        <p:style>
+          <a:lnRef idx="2">
+            <a:schemeClr val="accent1">
+              <a:shade val="50000"/>
+            </a:schemeClr>
+          </a:lnRef>
+          <a:fillRef idx="1">
+            <a:schemeClr val="accent1"/>
+          </a:fillRef>
+          <a:effectRef idx="0">
+            <a:schemeClr val="accent1"/>
+          </a:effectRef>
+          <a:fontRef idx="minor">
+            <a:schemeClr val="lt1"/>
+          </a:fontRef>
+        </p:style>
+        <p:txBody>
+          <a:bodyPr rtlCol="0" anchor="ctr"/>
+          <a:lstStyle/>
+          <a:p>
+            <a:pPr algn="ctr"/>
+            <a:endParaRPr kumimoji="1" lang="ko-Kore-KR" altLang="en-US" dirty="0">
+              <a:solidFill>
+                <a:schemeClr val="tx1"/>
+              </a:solidFill>
+              <a:latin typeface="DM Mono" panose="020B0509040201040103" pitchFamily="49" charset="0"/>
+            </a:endParaRPr>
+          </a:p>
+        </p:txBody>
+      </p:sp>
+      <p:sp>
+        <p:nvSpPr>
+          <p:cNvPr id="12" name="TextBox 11">
+            <a:extLst>
+              <a:ext uri="{FF2B5EF4-FFF2-40B4-BE49-F238E27FC236}">
+                <a16:creationId xmlns:a16="http://schemas.microsoft.com/office/drawing/2014/main" id="{283C7765-FAB4-EF33-45F8-66F5F3811E66}"/>
+              </a:ext>
+            </a:extLst>
+          </p:cNvPr>
+          <p:cNvSpPr txBox="1"/>
+          <p:nvPr/>
+        </p:nvSpPr>
+        <p:spPr>
+          <a:xfrm>
+            <a:off x="5559821" y="4784420"/>
+            <a:ext cx="1019503" cy="369332"/>
+          </a:xfrm>
+          <a:prstGeom prst="rect">
+            <a:avLst/>
+          </a:prstGeom>
+          <a:noFill/>
+        </p:spPr>
+        <p:txBody>
+          <a:bodyPr wrap="square">
+            <a:spAutoFit/>
+          </a:bodyPr>
+          <a:lstStyle/>
+          <a:p>
+            <a:pPr algn="r"/>
+            <a:r>
+              <a:rPr lang="en-US" altLang="ko-Kore-KR" dirty="0">
+                <a:latin typeface="DM Mono" panose="020B0509040201040103" pitchFamily="49" charset="0"/>
+              </a:rPr>
+              <a:t>name</a:t>
+            </a:r>
+            <a:endParaRPr lang="ko-Kore-KR" altLang="en-US" dirty="0"/>
+          </a:p>
+        </p:txBody>
+      </p:sp>
+      <p:sp>
+        <p:nvSpPr>
+          <p:cNvPr id="15" name="직사각형 14">
+            <a:extLst>
+              <a:ext uri="{FF2B5EF4-FFF2-40B4-BE49-F238E27FC236}">
+                <a16:creationId xmlns:a16="http://schemas.microsoft.com/office/drawing/2014/main" id="{98D4916D-6D02-1579-C988-591C4900AB2F}"/>
+              </a:ext>
+            </a:extLst>
+          </p:cNvPr>
+          <p:cNvSpPr/>
+          <p:nvPr/>
+        </p:nvSpPr>
+        <p:spPr>
+          <a:xfrm>
+            <a:off x="6579324" y="5195058"/>
+            <a:ext cx="1019503" cy="451945"/>
+          </a:xfrm>
+          <a:prstGeom prst="rect">
+            <a:avLst/>
+          </a:prstGeom>
+          <a:solidFill>
+            <a:srgbClr val="FF0000"/>
+          </a:solidFill>
+        </p:spPr>
+        <p:style>
+          <a:lnRef idx="2">
+            <a:schemeClr val="accent1">
+              <a:shade val="50000"/>
+            </a:schemeClr>
+          </a:lnRef>
+          <a:fillRef idx="1">
+            <a:schemeClr val="accent1"/>
+          </a:fillRef>
+          <a:effectRef idx="0">
+            <a:schemeClr val="accent1"/>
+          </a:effectRef>
+          <a:fontRef idx="minor">
+            <a:schemeClr val="lt1"/>
+          </a:fontRef>
+        </p:style>
+        <p:txBody>
+          <a:bodyPr rtlCol="0" anchor="ctr"/>
+          <a:lstStyle/>
+          <a:p>
+            <a:pPr algn="ctr"/>
+            <a:r>
+              <a:rPr kumimoji="1" lang="en-US" altLang="ko-Kore-KR" dirty="0">
+                <a:solidFill>
+                  <a:schemeClr val="tx1"/>
+                </a:solidFill>
+                <a:latin typeface="DM Mono" panose="020B0509040201040103" pitchFamily="49" charset="0"/>
+              </a:rPr>
+              <a:t>42</a:t>
+            </a:r>
+            <a:endParaRPr kumimoji="1" lang="ko-Kore-KR" altLang="en-US" dirty="0">
+              <a:solidFill>
+                <a:schemeClr val="tx1"/>
+              </a:solidFill>
+              <a:latin typeface="DM Mono" panose="020B0509040201040103" pitchFamily="49" charset="0"/>
+            </a:endParaRPr>
+          </a:p>
+        </p:txBody>
+      </p:sp>
+      <p:sp>
+        <p:nvSpPr>
+          <p:cNvPr id="24" name="TextBox 23">
+            <a:extLst>
+              <a:ext uri="{FF2B5EF4-FFF2-40B4-BE49-F238E27FC236}">
+                <a16:creationId xmlns:a16="http://schemas.microsoft.com/office/drawing/2014/main" id="{A6271B56-B13C-2468-DD4D-641150F734A7}"/>
+              </a:ext>
+            </a:extLst>
+          </p:cNvPr>
+          <p:cNvSpPr txBox="1"/>
+          <p:nvPr/>
+        </p:nvSpPr>
+        <p:spPr>
+          <a:xfrm>
+            <a:off x="5762445" y="5236364"/>
+            <a:ext cx="816879" cy="369332"/>
+          </a:xfrm>
+          <a:prstGeom prst="rect">
+            <a:avLst/>
+          </a:prstGeom>
+          <a:noFill/>
+        </p:spPr>
+        <p:txBody>
+          <a:bodyPr wrap="square">
+            <a:spAutoFit/>
+          </a:bodyPr>
+          <a:lstStyle/>
+          <a:p>
+            <a:pPr algn="r"/>
+            <a:r>
+              <a:rPr lang="en-US" altLang="ko-Kore-KR" dirty="0">
+                <a:latin typeface="DM Mono" panose="020B0509040201040103" pitchFamily="49" charset="0"/>
+              </a:rPr>
+              <a:t>age</a:t>
+            </a:r>
+            <a:endParaRPr lang="ko-Kore-KR" altLang="en-US" dirty="0"/>
+          </a:p>
+        </p:txBody>
+      </p:sp>
+      <p:sp>
+        <p:nvSpPr>
+          <p:cNvPr id="25" name="TextBox 24">
+            <a:extLst>
+              <a:ext uri="{FF2B5EF4-FFF2-40B4-BE49-F238E27FC236}">
+                <a16:creationId xmlns:a16="http://schemas.microsoft.com/office/drawing/2014/main" id="{C9DDA677-5308-119E-6077-CE4DFC9AB616}"/>
+              </a:ext>
+            </a:extLst>
+          </p:cNvPr>
+          <p:cNvSpPr txBox="1"/>
+          <p:nvPr/>
+        </p:nvSpPr>
+        <p:spPr>
+          <a:xfrm>
+            <a:off x="6316565" y="4405208"/>
+            <a:ext cx="1144492" cy="369332"/>
+          </a:xfrm>
+          <a:prstGeom prst="rect">
+            <a:avLst/>
+          </a:prstGeom>
+          <a:noFill/>
+        </p:spPr>
+        <p:txBody>
+          <a:bodyPr wrap="square">
+            <a:spAutoFit/>
+          </a:bodyPr>
+          <a:lstStyle/>
+          <a:p>
+            <a:pPr algn="r"/>
+            <a:r>
+              <a:rPr lang="en-US" altLang="ko-Kore-KR" dirty="0">
+                <a:latin typeface="DM Mono" panose="020B0509040201040103" pitchFamily="49" charset="0"/>
+              </a:rPr>
+              <a:t>user3</a:t>
+            </a:r>
+            <a:endParaRPr lang="ko-Kore-KR" altLang="en-US" dirty="0"/>
+          </a:p>
+        </p:txBody>
+      </p:sp>
+      <p:sp>
+        <p:nvSpPr>
+          <p:cNvPr id="27" name="직사각형 26">
+            <a:extLst>
+              <a:ext uri="{FF2B5EF4-FFF2-40B4-BE49-F238E27FC236}">
+                <a16:creationId xmlns:a16="http://schemas.microsoft.com/office/drawing/2014/main" id="{DE4CE345-D520-80B2-79F0-1115FA6EA925}"/>
+              </a:ext>
+            </a:extLst>
+          </p:cNvPr>
+          <p:cNvSpPr/>
+          <p:nvPr/>
+        </p:nvSpPr>
+        <p:spPr>
+          <a:xfrm>
+            <a:off x="6579324" y="5647001"/>
+            <a:ext cx="1019503" cy="451945"/>
+          </a:xfrm>
+          <a:prstGeom prst="rect">
+            <a:avLst/>
+          </a:prstGeom>
+          <a:solidFill>
+            <a:srgbClr val="FF0000"/>
+          </a:solidFill>
+        </p:spPr>
+        <p:style>
+          <a:lnRef idx="2">
+            <a:schemeClr val="accent1">
+              <a:shade val="50000"/>
+            </a:schemeClr>
+          </a:lnRef>
+          <a:fillRef idx="1">
+            <a:schemeClr val="accent1"/>
+          </a:fillRef>
+          <a:effectRef idx="0">
+            <a:schemeClr val="accent1"/>
+          </a:effectRef>
+          <a:fontRef idx="minor">
+            <a:schemeClr val="lt1"/>
+          </a:fontRef>
+        </p:style>
+        <p:txBody>
+          <a:bodyPr rtlCol="0" anchor="ctr"/>
+          <a:lstStyle/>
+          <a:p>
+            <a:pPr algn="ctr"/>
+            <a:endParaRPr kumimoji="1" lang="ko-Kore-KR" altLang="en-US" dirty="0">
+              <a:solidFill>
+                <a:schemeClr val="tx1"/>
+              </a:solidFill>
+              <a:latin typeface="DM Mono" panose="020B0509040201040103" pitchFamily="49" charset="0"/>
+            </a:endParaRPr>
+          </a:p>
+        </p:txBody>
+      </p:sp>
+      <p:sp>
+        <p:nvSpPr>
+          <p:cNvPr id="28" name="TextBox 27">
+            <a:extLst>
+              <a:ext uri="{FF2B5EF4-FFF2-40B4-BE49-F238E27FC236}">
+                <a16:creationId xmlns:a16="http://schemas.microsoft.com/office/drawing/2014/main" id="{0AF30397-BF7D-4844-3050-B6D52B6F4414}"/>
+              </a:ext>
+            </a:extLst>
+          </p:cNvPr>
+          <p:cNvSpPr txBox="1"/>
+          <p:nvPr/>
+        </p:nvSpPr>
+        <p:spPr>
+          <a:xfrm>
+            <a:off x="5762445" y="5688307"/>
+            <a:ext cx="816879" cy="369332"/>
+          </a:xfrm>
+          <a:prstGeom prst="rect">
+            <a:avLst/>
+          </a:prstGeom>
+          <a:noFill/>
+        </p:spPr>
+        <p:txBody>
+          <a:bodyPr wrap="square">
+            <a:spAutoFit/>
+          </a:bodyPr>
+          <a:lstStyle/>
+          <a:p>
+            <a:pPr algn="r"/>
+            <a:r>
+              <a:rPr lang="en-US" altLang="ko-Kore-KR" dirty="0">
+                <a:latin typeface="DM Mono" panose="020B0509040201040103" pitchFamily="49" charset="0"/>
+              </a:rPr>
+              <a:t>ref</a:t>
+            </a:r>
+            <a:endParaRPr lang="ko-Kore-KR" altLang="en-US" dirty="0"/>
+          </a:p>
+        </p:txBody>
+      </p:sp>
+      <p:cxnSp>
+        <p:nvCxnSpPr>
+          <p:cNvPr id="29" name="구부러진 연결선[U] 28">
+            <a:extLst>
+              <a:ext uri="{FF2B5EF4-FFF2-40B4-BE49-F238E27FC236}">
+                <a16:creationId xmlns:a16="http://schemas.microsoft.com/office/drawing/2014/main" id="{4AE4FD8B-D424-10CD-8725-3E2EF3258F14}"/>
+              </a:ext>
+            </a:extLst>
+          </p:cNvPr>
+          <p:cNvCxnSpPr>
+            <a:cxnSpLocks/>
+            <a:stCxn id="5" idx="3"/>
+            <a:endCxn id="2" idx="1"/>
+          </p:cNvCxnSpPr>
+          <p:nvPr/>
+        </p:nvCxnSpPr>
+        <p:spPr>
+          <a:xfrm flipV="1">
+            <a:off x="7598827" y="856948"/>
+            <a:ext cx="1717701" cy="4112139"/>
+          </a:xfrm>
+          <a:prstGeom prst="curvedConnector3">
+            <a:avLst>
+              <a:gd name="adj1" fmla="val 50000"/>
+            </a:avLst>
+          </a:prstGeom>
+          <a:ln>
+            <a:tailEnd type="triangle"/>
+          </a:ln>
+        </p:spPr>
+        <p:style>
+          <a:lnRef idx="1">
+            <a:schemeClr val="dk1"/>
+          </a:lnRef>
+          <a:fillRef idx="0">
+            <a:schemeClr val="dk1"/>
+          </a:fillRef>
+          <a:effectRef idx="0">
+            <a:schemeClr val="dk1"/>
+          </a:effectRef>
+          <a:fontRef idx="minor">
+            <a:schemeClr val="tx1"/>
+          </a:fontRef>
+        </p:style>
+      </p:cxnSp>
+      <p:cxnSp>
+        <p:nvCxnSpPr>
+          <p:cNvPr id="32" name="구부러진 연결선[U] 31">
+            <a:extLst>
+              <a:ext uri="{FF2B5EF4-FFF2-40B4-BE49-F238E27FC236}">
+                <a16:creationId xmlns:a16="http://schemas.microsoft.com/office/drawing/2014/main" id="{F3A2D926-2241-1832-7BDF-B9031DF7D246}"/>
+              </a:ext>
+            </a:extLst>
+          </p:cNvPr>
+          <p:cNvCxnSpPr>
+            <a:cxnSpLocks/>
+            <a:stCxn id="27" idx="3"/>
+            <a:endCxn id="10" idx="1"/>
+          </p:cNvCxnSpPr>
+          <p:nvPr/>
+        </p:nvCxnSpPr>
+        <p:spPr>
+          <a:xfrm flipV="1">
+            <a:off x="7598827" y="1898360"/>
+            <a:ext cx="2103015" cy="3974614"/>
+          </a:xfrm>
+          <a:prstGeom prst="curvedConnector3">
+            <a:avLst>
+              <a:gd name="adj1" fmla="val 50000"/>
+            </a:avLst>
+          </a:prstGeom>
+          <a:ln>
+            <a:tailEnd type="triangle"/>
+          </a:ln>
+        </p:spPr>
+        <p:style>
+          <a:lnRef idx="1">
+            <a:schemeClr val="dk1"/>
+          </a:lnRef>
+          <a:fillRef idx="0">
+            <a:schemeClr val="dk1"/>
+          </a:fillRef>
+          <a:effectRef idx="0">
+            <a:schemeClr val="dk1"/>
+          </a:effectRef>
+          <a:fontRef idx="minor">
+            <a:schemeClr val="tx1"/>
+          </a:fontRef>
+        </p:style>
+      </p:cxnSp>
+      <p:sp>
+        <p:nvSpPr>
+          <p:cNvPr id="6" name="TextBox 5">
+            <a:extLst>
+              <a:ext uri="{FF2B5EF4-FFF2-40B4-BE49-F238E27FC236}">
+                <a16:creationId xmlns:a16="http://schemas.microsoft.com/office/drawing/2014/main" id="{C265CF67-32A9-9023-98CD-6F04191D71F8}"/>
+              </a:ext>
+            </a:extLst>
+          </p:cNvPr>
+          <p:cNvSpPr txBox="1"/>
+          <p:nvPr/>
+        </p:nvSpPr>
+        <p:spPr>
+          <a:xfrm>
+            <a:off x="153118" y="226621"/>
+            <a:ext cx="6094562" cy="2031325"/>
+          </a:xfrm>
+          <a:prstGeom prst="rect">
+            <a:avLst/>
+          </a:prstGeom>
+          <a:noFill/>
+        </p:spPr>
+        <p:txBody>
+          <a:bodyPr wrap="square">
+            <a:spAutoFit/>
+          </a:bodyPr>
+          <a:lstStyle/>
+          <a:p>
+            <a:r>
+              <a:rPr lang="ko-Kore-KR" altLang="en-US" dirty="0">
+                <a:latin typeface="DM Mono" panose="020B0509040201040103" pitchFamily="49" charset="0"/>
+              </a:rPr>
+              <a:t> ~User()</a:t>
+            </a:r>
+          </a:p>
+          <a:p>
+            <a:r>
+              <a:rPr lang="ko-Kore-KR" altLang="en-US" dirty="0">
+                <a:latin typeface="DM Mono" panose="020B0509040201040103" pitchFamily="49" charset="0"/>
+              </a:rPr>
+              <a:t>    {</a:t>
+            </a:r>
+          </a:p>
+          <a:p>
+            <a:r>
+              <a:rPr lang="ko-Kore-KR" altLang="en-US" dirty="0">
+                <a:latin typeface="DM Mono" panose="020B0509040201040103" pitchFamily="49" charset="0"/>
+              </a:rPr>
+              <a:t>        if (</a:t>
+            </a:r>
+            <a:r>
+              <a:rPr lang="ko-Kore-KR" altLang="en-US" dirty="0">
+                <a:solidFill>
+                  <a:srgbClr val="FF0000"/>
+                </a:solidFill>
+                <a:latin typeface="DM Mono" panose="020B0509040201040103" pitchFamily="49" charset="0"/>
+              </a:rPr>
+              <a:t>--(*ref) == 0</a:t>
+            </a:r>
+            <a:r>
+              <a:rPr lang="ko-Kore-KR" altLang="en-US" dirty="0">
+                <a:latin typeface="DM Mono" panose="020B0509040201040103" pitchFamily="49" charset="0"/>
+              </a:rPr>
+              <a:t>) {</a:t>
+            </a:r>
+          </a:p>
+          <a:p>
+            <a:r>
+              <a:rPr lang="ko-Kore-KR" altLang="en-US" dirty="0">
+                <a:latin typeface="DM Mono" panose="020B0509040201040103" pitchFamily="49" charset="0"/>
+              </a:rPr>
+              <a:t>            </a:t>
+            </a:r>
+            <a:r>
+              <a:rPr lang="ko-Kore-KR" altLang="en-US" dirty="0">
+                <a:solidFill>
+                  <a:srgbClr val="FF0000"/>
+                </a:solidFill>
+                <a:latin typeface="DM Mono" panose="020B0509040201040103" pitchFamily="49" charset="0"/>
+              </a:rPr>
+              <a:t>delete[] name;</a:t>
+            </a:r>
+          </a:p>
+          <a:p>
+            <a:r>
+              <a:rPr lang="ko-Kore-KR" altLang="en-US" dirty="0">
+                <a:solidFill>
+                  <a:srgbClr val="FF0000"/>
+                </a:solidFill>
+                <a:latin typeface="DM Mono" panose="020B0509040201040103" pitchFamily="49" charset="0"/>
+              </a:rPr>
+              <a:t>            delete ref;</a:t>
+            </a:r>
+          </a:p>
+          <a:p>
+            <a:r>
+              <a:rPr lang="ko-Kore-KR" altLang="en-US" dirty="0">
+                <a:latin typeface="DM Mono" panose="020B0509040201040103" pitchFamily="49" charset="0"/>
+              </a:rPr>
+              <a:t>        }</a:t>
+            </a:r>
+          </a:p>
+          <a:p>
+            <a:r>
+              <a:rPr lang="ko-Kore-KR" altLang="en-US" dirty="0">
+                <a:latin typeface="DM Mono" panose="020B0509040201040103" pitchFamily="49" charset="0"/>
+              </a:rPr>
+              <a:t>    }</a:t>
+            </a:r>
+          </a:p>
+        </p:txBody>
+      </p:sp>
+    </p:spTree>
+    <p:extLst>
+      <p:ext uri="{BB962C8B-B14F-4D97-AF65-F5344CB8AC3E}">
+        <p14:creationId xmlns:p14="http://schemas.microsoft.com/office/powerpoint/2010/main" val="2254784154"/>
       </p:ext>
     </p:extLst>
   </p:cSld>

--- a/230303.pptx
+++ b/230303.pptx
@@ -30,6 +30,8 @@
     <p:sldId id="277" r:id="rId24"/>
     <p:sldId id="278" r:id="rId25"/>
     <p:sldId id="279" r:id="rId26"/>
+    <p:sldId id="281" r:id="rId27"/>
+    <p:sldId id="282" r:id="rId28"/>
   </p:sldIdLst>
   <p:sldSz cx="12192000" cy="6858000"/>
   <p:notesSz cx="6858000" cy="9144000"/>
@@ -18643,6 +18645,1153 @@
     <p:extLst>
       <p:ext uri="{BB962C8B-B14F-4D97-AF65-F5344CB8AC3E}">
         <p14:creationId xmlns:p14="http://schemas.microsoft.com/office/powerpoint/2010/main" val="2254784154"/>
+      </p:ext>
+    </p:extLst>
+  </p:cSld>
+  <p:clrMapOvr>
+    <a:masterClrMapping/>
+  </p:clrMapOvr>
+</p:sld>
+</file>
+
+<file path=ppt/slides/slide26.xml><?xml version="1.0" encoding="utf-8"?>
+<p:sld xmlns:a="http://schemas.openxmlformats.org/drawingml/2006/main" xmlns:r="http://schemas.openxmlformats.org/officeDocument/2006/relationships" xmlns:p="http://schemas.openxmlformats.org/presentationml/2006/main">
+  <p:cSld>
+    <p:spTree>
+      <p:nvGrpSpPr>
+        <p:cNvPr id="1" name=""/>
+        <p:cNvGrpSpPr/>
+        <p:nvPr/>
+      </p:nvGrpSpPr>
+      <p:grpSpPr>
+        <a:xfrm>
+          <a:off x="0" y="0"/>
+          <a:ext cx="0" cy="0"/>
+          <a:chOff x="0" y="0"/>
+          <a:chExt cx="0" cy="0"/>
+        </a:xfrm>
+      </p:grpSpPr>
+      <p:sp>
+        <p:nvSpPr>
+          <p:cNvPr id="5" name="TextBox 4">
+            <a:extLst>
+              <a:ext uri="{FF2B5EF4-FFF2-40B4-BE49-F238E27FC236}">
+                <a16:creationId xmlns:a16="http://schemas.microsoft.com/office/drawing/2014/main" id="{728C707C-40C2-14AC-11C8-A6DA1FA4C213}"/>
+              </a:ext>
+            </a:extLst>
+          </p:cNvPr>
+          <p:cNvSpPr txBox="1"/>
+          <p:nvPr/>
+        </p:nvSpPr>
+        <p:spPr>
+          <a:xfrm>
+            <a:off x="692269" y="411587"/>
+            <a:ext cx="6094562" cy="2585323"/>
+          </a:xfrm>
+          <a:prstGeom prst="rect">
+            <a:avLst/>
+          </a:prstGeom>
+          <a:noFill/>
+        </p:spPr>
+        <p:txBody>
+          <a:bodyPr wrap="square">
+            <a:spAutoFit/>
+          </a:bodyPr>
+          <a:lstStyle/>
+          <a:p>
+            <a:r>
+              <a:rPr lang="en" altLang="ko-Kore-KR" dirty="0">
+                <a:latin typeface="DM Mono" panose="020B0509040201040103" pitchFamily="49" charset="0"/>
+              </a:rPr>
+              <a:t>int </a:t>
+            </a:r>
+            <a:r>
+              <a:rPr lang="en" altLang="ko-Kore-KR" dirty="0" err="1">
+                <a:latin typeface="DM Mono" panose="020B0509040201040103" pitchFamily="49" charset="0"/>
+              </a:rPr>
+              <a:t>cnt</a:t>
+            </a:r>
+            <a:r>
+              <a:rPr lang="en" altLang="ko-Kore-KR" dirty="0">
+                <a:latin typeface="DM Mono" panose="020B0509040201040103" pitchFamily="49" charset="0"/>
+              </a:rPr>
+              <a:t> = 0;</a:t>
+            </a:r>
+          </a:p>
+          <a:p>
+            <a:endParaRPr lang="en" altLang="ko-Kore-KR" dirty="0">
+              <a:latin typeface="DM Mono" panose="020B0509040201040103" pitchFamily="49" charset="0"/>
+            </a:endParaRPr>
+          </a:p>
+          <a:p>
+            <a:r>
+              <a:rPr lang="en" altLang="ko-Kore-KR" dirty="0">
+                <a:latin typeface="DM Mono" panose="020B0509040201040103" pitchFamily="49" charset="0"/>
+              </a:rPr>
+              <a:t>class Car {</a:t>
+            </a:r>
+          </a:p>
+          <a:p>
+            <a:r>
+              <a:rPr lang="en" altLang="ko-Kore-KR" dirty="0">
+                <a:latin typeface="DM Mono" panose="020B0509040201040103" pitchFamily="49" charset="0"/>
+              </a:rPr>
+              <a:t>    int color;</a:t>
+            </a:r>
+          </a:p>
+          <a:p>
+            <a:endParaRPr lang="en" altLang="ko-Kore-KR" dirty="0">
+              <a:latin typeface="DM Mono" panose="020B0509040201040103" pitchFamily="49" charset="0"/>
+            </a:endParaRPr>
+          </a:p>
+          <a:p>
+            <a:r>
+              <a:rPr lang="en" altLang="ko-Kore-KR" dirty="0">
+                <a:latin typeface="DM Mono" panose="020B0509040201040103" pitchFamily="49" charset="0"/>
+              </a:rPr>
+              <a:t>public:</a:t>
+            </a:r>
+          </a:p>
+          <a:p>
+            <a:r>
+              <a:rPr lang="en" altLang="ko-Kore-KR" dirty="0">
+                <a:latin typeface="DM Mono" panose="020B0509040201040103" pitchFamily="49" charset="0"/>
+              </a:rPr>
+              <a:t>    Car() { </a:t>
+            </a:r>
+            <a:r>
+              <a:rPr lang="en" altLang="ko-Kore-KR" dirty="0" err="1">
+                <a:latin typeface="DM Mono" panose="020B0509040201040103" pitchFamily="49" charset="0"/>
+              </a:rPr>
+              <a:t>cnt</a:t>
+            </a:r>
+            <a:r>
+              <a:rPr lang="en" altLang="ko-Kore-KR" dirty="0">
+                <a:latin typeface="DM Mono" panose="020B0509040201040103" pitchFamily="49" charset="0"/>
+              </a:rPr>
+              <a:t>++; }</a:t>
+            </a:r>
+          </a:p>
+          <a:p>
+            <a:r>
+              <a:rPr lang="en" altLang="ko-Kore-KR" dirty="0">
+                <a:latin typeface="DM Mono" panose="020B0509040201040103" pitchFamily="49" charset="0"/>
+              </a:rPr>
+              <a:t>    ~Car() { </a:t>
+            </a:r>
+            <a:r>
+              <a:rPr lang="en" altLang="ko-Kore-KR" dirty="0" err="1">
+                <a:latin typeface="DM Mono" panose="020B0509040201040103" pitchFamily="49" charset="0"/>
+              </a:rPr>
+              <a:t>cnt</a:t>
+            </a:r>
+            <a:r>
+              <a:rPr lang="en" altLang="ko-Kore-KR" dirty="0">
+                <a:latin typeface="DM Mono" panose="020B0509040201040103" pitchFamily="49" charset="0"/>
+              </a:rPr>
+              <a:t>--; }</a:t>
+            </a:r>
+          </a:p>
+          <a:p>
+            <a:r>
+              <a:rPr lang="en" altLang="ko-Kore-KR" dirty="0">
+                <a:latin typeface="DM Mono" panose="020B0509040201040103" pitchFamily="49" charset="0"/>
+              </a:rPr>
+              <a:t>};</a:t>
+            </a:r>
+            <a:endParaRPr lang="ko-Kore-KR" altLang="en-US" dirty="0">
+              <a:latin typeface="DM Mono" panose="020B0509040201040103" pitchFamily="49" charset="0"/>
+            </a:endParaRPr>
+          </a:p>
+        </p:txBody>
+      </p:sp>
+      <p:sp>
+        <p:nvSpPr>
+          <p:cNvPr id="6" name="직사각형 5">
+            <a:extLst>
+              <a:ext uri="{FF2B5EF4-FFF2-40B4-BE49-F238E27FC236}">
+                <a16:creationId xmlns:a16="http://schemas.microsoft.com/office/drawing/2014/main" id="{2657A07A-D8CF-800C-4FCA-46192A15177B}"/>
+              </a:ext>
+            </a:extLst>
+          </p:cNvPr>
+          <p:cNvSpPr/>
+          <p:nvPr/>
+        </p:nvSpPr>
+        <p:spPr>
+          <a:xfrm>
+            <a:off x="6579324" y="4743114"/>
+            <a:ext cx="1019503" cy="451945"/>
+          </a:xfrm>
+          <a:prstGeom prst="rect">
+            <a:avLst/>
+          </a:prstGeom>
+          <a:solidFill>
+            <a:srgbClr val="FFFF00"/>
+          </a:solidFill>
+        </p:spPr>
+        <p:style>
+          <a:lnRef idx="2">
+            <a:schemeClr val="accent1">
+              <a:shade val="50000"/>
+            </a:schemeClr>
+          </a:lnRef>
+          <a:fillRef idx="1">
+            <a:schemeClr val="accent1"/>
+          </a:fillRef>
+          <a:effectRef idx="0">
+            <a:schemeClr val="accent1"/>
+          </a:effectRef>
+          <a:fontRef idx="minor">
+            <a:schemeClr val="lt1"/>
+          </a:fontRef>
+        </p:style>
+        <p:txBody>
+          <a:bodyPr rtlCol="0" anchor="ctr"/>
+          <a:lstStyle/>
+          <a:p>
+            <a:pPr algn="ctr"/>
+            <a:r>
+              <a:rPr kumimoji="1" lang="en-US" altLang="ko-Kore-KR" dirty="0">
+                <a:solidFill>
+                  <a:schemeClr val="tx1"/>
+                </a:solidFill>
+                <a:latin typeface="DM Mono" panose="020B0509040201040103" pitchFamily="49" charset="0"/>
+              </a:rPr>
+              <a:t>1</a:t>
+            </a:r>
+            <a:endParaRPr kumimoji="1" lang="ko-Kore-KR" altLang="en-US" dirty="0">
+              <a:solidFill>
+                <a:schemeClr val="tx1"/>
+              </a:solidFill>
+              <a:latin typeface="DM Mono" panose="020B0509040201040103" pitchFamily="49" charset="0"/>
+            </a:endParaRPr>
+          </a:p>
+        </p:txBody>
+      </p:sp>
+      <p:sp>
+        <p:nvSpPr>
+          <p:cNvPr id="7" name="TextBox 6">
+            <a:extLst>
+              <a:ext uri="{FF2B5EF4-FFF2-40B4-BE49-F238E27FC236}">
+                <a16:creationId xmlns:a16="http://schemas.microsoft.com/office/drawing/2014/main" id="{750623A0-6F31-C573-FEE1-D8A67BDC5DF3}"/>
+              </a:ext>
+            </a:extLst>
+          </p:cNvPr>
+          <p:cNvSpPr txBox="1"/>
+          <p:nvPr/>
+        </p:nvSpPr>
+        <p:spPr>
+          <a:xfrm>
+            <a:off x="5559821" y="4784420"/>
+            <a:ext cx="1019503" cy="369332"/>
+          </a:xfrm>
+          <a:prstGeom prst="rect">
+            <a:avLst/>
+          </a:prstGeom>
+          <a:noFill/>
+        </p:spPr>
+        <p:txBody>
+          <a:bodyPr wrap="square">
+            <a:spAutoFit/>
+          </a:bodyPr>
+          <a:lstStyle/>
+          <a:p>
+            <a:pPr algn="r"/>
+            <a:r>
+              <a:rPr lang="en-US" altLang="ko-Kore-KR" dirty="0">
+                <a:latin typeface="DM Mono" panose="020B0509040201040103" pitchFamily="49" charset="0"/>
+              </a:rPr>
+              <a:t>color</a:t>
+            </a:r>
+            <a:endParaRPr lang="ko-Kore-KR" altLang="en-US" dirty="0"/>
+          </a:p>
+        </p:txBody>
+      </p:sp>
+      <p:sp>
+        <p:nvSpPr>
+          <p:cNvPr id="8" name="TextBox 7">
+            <a:extLst>
+              <a:ext uri="{FF2B5EF4-FFF2-40B4-BE49-F238E27FC236}">
+                <a16:creationId xmlns:a16="http://schemas.microsoft.com/office/drawing/2014/main" id="{24AD17B8-3767-555C-6708-EF05EF8701BA}"/>
+              </a:ext>
+            </a:extLst>
+          </p:cNvPr>
+          <p:cNvSpPr txBox="1"/>
+          <p:nvPr/>
+        </p:nvSpPr>
+        <p:spPr>
+          <a:xfrm>
+            <a:off x="6214585" y="4415088"/>
+            <a:ext cx="1144492" cy="369332"/>
+          </a:xfrm>
+          <a:prstGeom prst="rect">
+            <a:avLst/>
+          </a:prstGeom>
+          <a:noFill/>
+        </p:spPr>
+        <p:txBody>
+          <a:bodyPr wrap="square">
+            <a:spAutoFit/>
+          </a:bodyPr>
+          <a:lstStyle/>
+          <a:p>
+            <a:pPr algn="r"/>
+            <a:r>
+              <a:rPr lang="en-US" altLang="ko-Kore-KR" dirty="0">
+                <a:latin typeface="DM Mono" panose="020B0509040201040103" pitchFamily="49" charset="0"/>
+              </a:rPr>
+              <a:t>c1</a:t>
+            </a:r>
+            <a:endParaRPr lang="ko-Kore-KR" altLang="en-US" dirty="0"/>
+          </a:p>
+        </p:txBody>
+      </p:sp>
+      <p:sp>
+        <p:nvSpPr>
+          <p:cNvPr id="9" name="직사각형 8">
+            <a:extLst>
+              <a:ext uri="{FF2B5EF4-FFF2-40B4-BE49-F238E27FC236}">
+                <a16:creationId xmlns:a16="http://schemas.microsoft.com/office/drawing/2014/main" id="{C19F78C8-1B25-198E-E104-AEC2ECBFA64E}"/>
+              </a:ext>
+            </a:extLst>
+          </p:cNvPr>
+          <p:cNvSpPr/>
+          <p:nvPr/>
+        </p:nvSpPr>
+        <p:spPr>
+          <a:xfrm>
+            <a:off x="9215342" y="4701807"/>
+            <a:ext cx="1019503" cy="451945"/>
+          </a:xfrm>
+          <a:prstGeom prst="rect">
+            <a:avLst/>
+          </a:prstGeom>
+          <a:solidFill>
+            <a:srgbClr val="FFFF00"/>
+          </a:solidFill>
+        </p:spPr>
+        <p:style>
+          <a:lnRef idx="2">
+            <a:schemeClr val="accent1">
+              <a:shade val="50000"/>
+            </a:schemeClr>
+          </a:lnRef>
+          <a:fillRef idx="1">
+            <a:schemeClr val="accent1"/>
+          </a:fillRef>
+          <a:effectRef idx="0">
+            <a:schemeClr val="accent1"/>
+          </a:effectRef>
+          <a:fontRef idx="minor">
+            <a:schemeClr val="lt1"/>
+          </a:fontRef>
+        </p:style>
+        <p:txBody>
+          <a:bodyPr rtlCol="0" anchor="ctr"/>
+          <a:lstStyle/>
+          <a:p>
+            <a:pPr algn="ctr"/>
+            <a:r>
+              <a:rPr kumimoji="1" lang="en-US" altLang="ko-Kore-KR" dirty="0">
+                <a:solidFill>
+                  <a:schemeClr val="tx1"/>
+                </a:solidFill>
+                <a:latin typeface="DM Mono" panose="020B0509040201040103" pitchFamily="49" charset="0"/>
+              </a:rPr>
+              <a:t>1</a:t>
+            </a:r>
+            <a:endParaRPr kumimoji="1" lang="ko-Kore-KR" altLang="en-US" dirty="0">
+              <a:solidFill>
+                <a:schemeClr val="tx1"/>
+              </a:solidFill>
+              <a:latin typeface="DM Mono" panose="020B0509040201040103" pitchFamily="49" charset="0"/>
+            </a:endParaRPr>
+          </a:p>
+        </p:txBody>
+      </p:sp>
+      <p:sp>
+        <p:nvSpPr>
+          <p:cNvPr id="10" name="TextBox 9">
+            <a:extLst>
+              <a:ext uri="{FF2B5EF4-FFF2-40B4-BE49-F238E27FC236}">
+                <a16:creationId xmlns:a16="http://schemas.microsoft.com/office/drawing/2014/main" id="{6858D3FB-F53B-9A6E-3676-49BE3F01EEAA}"/>
+              </a:ext>
+            </a:extLst>
+          </p:cNvPr>
+          <p:cNvSpPr txBox="1"/>
+          <p:nvPr/>
+        </p:nvSpPr>
+        <p:spPr>
+          <a:xfrm>
+            <a:off x="8195839" y="4743113"/>
+            <a:ext cx="1019503" cy="369332"/>
+          </a:xfrm>
+          <a:prstGeom prst="rect">
+            <a:avLst/>
+          </a:prstGeom>
+          <a:noFill/>
+        </p:spPr>
+        <p:txBody>
+          <a:bodyPr wrap="square">
+            <a:spAutoFit/>
+          </a:bodyPr>
+          <a:lstStyle/>
+          <a:p>
+            <a:pPr algn="r"/>
+            <a:r>
+              <a:rPr lang="en-US" altLang="ko-Kore-KR" dirty="0">
+                <a:latin typeface="DM Mono" panose="020B0509040201040103" pitchFamily="49" charset="0"/>
+              </a:rPr>
+              <a:t>color</a:t>
+            </a:r>
+            <a:endParaRPr lang="ko-Kore-KR" altLang="en-US" dirty="0"/>
+          </a:p>
+        </p:txBody>
+      </p:sp>
+      <p:sp>
+        <p:nvSpPr>
+          <p:cNvPr id="11" name="TextBox 10">
+            <a:extLst>
+              <a:ext uri="{FF2B5EF4-FFF2-40B4-BE49-F238E27FC236}">
+                <a16:creationId xmlns:a16="http://schemas.microsoft.com/office/drawing/2014/main" id="{66264775-CA19-C476-F1E5-48BB4489853A}"/>
+              </a:ext>
+            </a:extLst>
+          </p:cNvPr>
+          <p:cNvSpPr txBox="1"/>
+          <p:nvPr/>
+        </p:nvSpPr>
+        <p:spPr>
+          <a:xfrm>
+            <a:off x="8850603" y="4373781"/>
+            <a:ext cx="1144492" cy="369332"/>
+          </a:xfrm>
+          <a:prstGeom prst="rect">
+            <a:avLst/>
+          </a:prstGeom>
+          <a:noFill/>
+        </p:spPr>
+        <p:txBody>
+          <a:bodyPr wrap="square">
+            <a:spAutoFit/>
+          </a:bodyPr>
+          <a:lstStyle/>
+          <a:p>
+            <a:pPr algn="r"/>
+            <a:r>
+              <a:rPr lang="en-US" altLang="ko-Kore-KR" dirty="0">
+                <a:latin typeface="DM Mono" panose="020B0509040201040103" pitchFamily="49" charset="0"/>
+              </a:rPr>
+              <a:t>c2</a:t>
+            </a:r>
+            <a:endParaRPr lang="ko-Kore-KR" altLang="en-US" dirty="0"/>
+          </a:p>
+        </p:txBody>
+      </p:sp>
+      <p:sp>
+        <p:nvSpPr>
+          <p:cNvPr id="12" name="직사각형 11">
+            <a:extLst>
+              <a:ext uri="{FF2B5EF4-FFF2-40B4-BE49-F238E27FC236}">
+                <a16:creationId xmlns:a16="http://schemas.microsoft.com/office/drawing/2014/main" id="{5F8DD2EC-946E-3990-A1F5-FE147098B637}"/>
+              </a:ext>
+            </a:extLst>
+          </p:cNvPr>
+          <p:cNvSpPr/>
+          <p:nvPr/>
+        </p:nvSpPr>
+        <p:spPr>
+          <a:xfrm>
+            <a:off x="9485343" y="430796"/>
+            <a:ext cx="1019503" cy="451945"/>
+          </a:xfrm>
+          <a:prstGeom prst="rect">
+            <a:avLst/>
+          </a:prstGeom>
+          <a:solidFill>
+            <a:srgbClr val="FFFF00"/>
+          </a:solidFill>
+        </p:spPr>
+        <p:style>
+          <a:lnRef idx="2">
+            <a:schemeClr val="accent1">
+              <a:shade val="50000"/>
+            </a:schemeClr>
+          </a:lnRef>
+          <a:fillRef idx="1">
+            <a:schemeClr val="accent1"/>
+          </a:fillRef>
+          <a:effectRef idx="0">
+            <a:schemeClr val="accent1"/>
+          </a:effectRef>
+          <a:fontRef idx="minor">
+            <a:schemeClr val="lt1"/>
+          </a:fontRef>
+        </p:style>
+        <p:txBody>
+          <a:bodyPr rtlCol="0" anchor="ctr"/>
+          <a:lstStyle/>
+          <a:p>
+            <a:pPr algn="ctr"/>
+            <a:r>
+              <a:rPr kumimoji="1" lang="en-US" altLang="ko-Kore-KR" dirty="0">
+                <a:solidFill>
+                  <a:schemeClr val="tx1"/>
+                </a:solidFill>
+                <a:latin typeface="DM Mono" panose="020B0509040201040103" pitchFamily="49" charset="0"/>
+              </a:rPr>
+              <a:t>2</a:t>
+            </a:r>
+            <a:endParaRPr kumimoji="1" lang="ko-Kore-KR" altLang="en-US" dirty="0">
+              <a:solidFill>
+                <a:schemeClr val="tx1"/>
+              </a:solidFill>
+              <a:latin typeface="DM Mono" panose="020B0509040201040103" pitchFamily="49" charset="0"/>
+            </a:endParaRPr>
+          </a:p>
+        </p:txBody>
+      </p:sp>
+      <p:sp>
+        <p:nvSpPr>
+          <p:cNvPr id="13" name="TextBox 12">
+            <a:extLst>
+              <a:ext uri="{FF2B5EF4-FFF2-40B4-BE49-F238E27FC236}">
+                <a16:creationId xmlns:a16="http://schemas.microsoft.com/office/drawing/2014/main" id="{E7ED07FC-1DD0-922D-6A78-72EE67AE1EAA}"/>
+              </a:ext>
+            </a:extLst>
+          </p:cNvPr>
+          <p:cNvSpPr txBox="1"/>
+          <p:nvPr/>
+        </p:nvSpPr>
+        <p:spPr>
+          <a:xfrm>
+            <a:off x="8465840" y="472102"/>
+            <a:ext cx="1019503" cy="369332"/>
+          </a:xfrm>
+          <a:prstGeom prst="rect">
+            <a:avLst/>
+          </a:prstGeom>
+          <a:noFill/>
+        </p:spPr>
+        <p:txBody>
+          <a:bodyPr wrap="square">
+            <a:spAutoFit/>
+          </a:bodyPr>
+          <a:lstStyle/>
+          <a:p>
+            <a:pPr algn="r"/>
+            <a:r>
+              <a:rPr lang="en-US" altLang="ko-Kore-KR" dirty="0" err="1">
+                <a:latin typeface="DM Mono" panose="020B0509040201040103" pitchFamily="49" charset="0"/>
+              </a:rPr>
+              <a:t>cnt</a:t>
+            </a:r>
+            <a:endParaRPr lang="ko-Kore-KR" altLang="en-US" dirty="0"/>
+          </a:p>
+        </p:txBody>
+      </p:sp>
+    </p:spTree>
+    <p:extLst>
+      <p:ext uri="{BB962C8B-B14F-4D97-AF65-F5344CB8AC3E}">
+        <p14:creationId xmlns:p14="http://schemas.microsoft.com/office/powerpoint/2010/main" val="2328980745"/>
+      </p:ext>
+    </p:extLst>
+  </p:cSld>
+  <p:clrMapOvr>
+    <a:masterClrMapping/>
+  </p:clrMapOvr>
+</p:sld>
+</file>
+
+<file path=ppt/slides/slide27.xml><?xml version="1.0" encoding="utf-8"?>
+<p:sld xmlns:a="http://schemas.openxmlformats.org/drawingml/2006/main" xmlns:r="http://schemas.openxmlformats.org/officeDocument/2006/relationships" xmlns:p="http://schemas.openxmlformats.org/presentationml/2006/main">
+  <p:cSld>
+    <p:spTree>
+      <p:nvGrpSpPr>
+        <p:cNvPr id="1" name=""/>
+        <p:cNvGrpSpPr/>
+        <p:nvPr/>
+      </p:nvGrpSpPr>
+      <p:grpSpPr>
+        <a:xfrm>
+          <a:off x="0" y="0"/>
+          <a:ext cx="0" cy="0"/>
+          <a:chOff x="0" y="0"/>
+          <a:chExt cx="0" cy="0"/>
+        </a:xfrm>
+      </p:grpSpPr>
+      <p:sp>
+        <p:nvSpPr>
+          <p:cNvPr id="5" name="TextBox 4">
+            <a:extLst>
+              <a:ext uri="{FF2B5EF4-FFF2-40B4-BE49-F238E27FC236}">
+                <a16:creationId xmlns:a16="http://schemas.microsoft.com/office/drawing/2014/main" id="{728C707C-40C2-14AC-11C8-A6DA1FA4C213}"/>
+              </a:ext>
+            </a:extLst>
+          </p:cNvPr>
+          <p:cNvSpPr txBox="1"/>
+          <p:nvPr/>
+        </p:nvSpPr>
+        <p:spPr>
+          <a:xfrm>
+            <a:off x="692269" y="411587"/>
+            <a:ext cx="6094562" cy="3416320"/>
+          </a:xfrm>
+          <a:prstGeom prst="rect">
+            <a:avLst/>
+          </a:prstGeom>
+          <a:noFill/>
+        </p:spPr>
+        <p:txBody>
+          <a:bodyPr wrap="square">
+            <a:spAutoFit/>
+          </a:bodyPr>
+          <a:lstStyle/>
+          <a:p>
+            <a:endParaRPr lang="en" altLang="ko-Kore-KR" dirty="0">
+              <a:latin typeface="DM Mono" panose="020B0509040201040103" pitchFamily="49" charset="0"/>
+            </a:endParaRPr>
+          </a:p>
+          <a:p>
+            <a:r>
+              <a:rPr lang="en" altLang="ko-Kore-KR" dirty="0">
+                <a:latin typeface="DM Mono" panose="020B0509040201040103" pitchFamily="49" charset="0"/>
+              </a:rPr>
+              <a:t>class Car {</a:t>
+            </a:r>
+          </a:p>
+          <a:p>
+            <a:r>
+              <a:rPr lang="en" altLang="ko-Kore-KR" dirty="0">
+                <a:latin typeface="DM Mono" panose="020B0509040201040103" pitchFamily="49" charset="0"/>
+              </a:rPr>
+              <a:t>    int color;</a:t>
+            </a:r>
+          </a:p>
+          <a:p>
+            <a:r>
+              <a:rPr lang="en" altLang="ko-Kore-KR" dirty="0">
+                <a:solidFill>
+                  <a:srgbClr val="FF0000"/>
+                </a:solidFill>
+                <a:latin typeface="DM Mono" panose="020B0509040201040103" pitchFamily="49" charset="0"/>
+              </a:rPr>
+              <a:t>    static int </a:t>
+            </a:r>
+            <a:r>
+              <a:rPr lang="en" altLang="ko-Kore-KR" dirty="0" err="1">
+                <a:solidFill>
+                  <a:srgbClr val="FF0000"/>
+                </a:solidFill>
+                <a:latin typeface="DM Mono" panose="020B0509040201040103" pitchFamily="49" charset="0"/>
+              </a:rPr>
+              <a:t>cnt</a:t>
+            </a:r>
+            <a:r>
+              <a:rPr lang="en" altLang="ko-Kore-KR" dirty="0">
+                <a:solidFill>
+                  <a:srgbClr val="FF0000"/>
+                </a:solidFill>
+                <a:latin typeface="DM Mono" panose="020B0509040201040103" pitchFamily="49" charset="0"/>
+              </a:rPr>
+              <a:t>;</a:t>
+            </a:r>
+          </a:p>
+          <a:p>
+            <a:endParaRPr lang="en" altLang="ko-Kore-KR" dirty="0">
+              <a:latin typeface="DM Mono" panose="020B0509040201040103" pitchFamily="49" charset="0"/>
+            </a:endParaRPr>
+          </a:p>
+          <a:p>
+            <a:r>
+              <a:rPr lang="en" altLang="ko-Kore-KR" dirty="0">
+                <a:latin typeface="DM Mono" panose="020B0509040201040103" pitchFamily="49" charset="0"/>
+              </a:rPr>
+              <a:t>public:</a:t>
+            </a:r>
+          </a:p>
+          <a:p>
+            <a:r>
+              <a:rPr lang="en" altLang="ko-Kore-KR" dirty="0">
+                <a:latin typeface="DM Mono" panose="020B0509040201040103" pitchFamily="49" charset="0"/>
+              </a:rPr>
+              <a:t>    Car() { </a:t>
+            </a:r>
+            <a:r>
+              <a:rPr lang="en" altLang="ko-Kore-KR" dirty="0" err="1">
+                <a:latin typeface="DM Mono" panose="020B0509040201040103" pitchFamily="49" charset="0"/>
+              </a:rPr>
+              <a:t>cnt</a:t>
+            </a:r>
+            <a:r>
+              <a:rPr lang="en" altLang="ko-Kore-KR" dirty="0">
+                <a:latin typeface="DM Mono" panose="020B0509040201040103" pitchFamily="49" charset="0"/>
+              </a:rPr>
+              <a:t>++; }</a:t>
+            </a:r>
+          </a:p>
+          <a:p>
+            <a:r>
+              <a:rPr lang="en" altLang="ko-Kore-KR" dirty="0">
+                <a:latin typeface="DM Mono" panose="020B0509040201040103" pitchFamily="49" charset="0"/>
+              </a:rPr>
+              <a:t>    ~Car() { </a:t>
+            </a:r>
+            <a:r>
+              <a:rPr lang="en" altLang="ko-Kore-KR" dirty="0" err="1">
+                <a:latin typeface="DM Mono" panose="020B0509040201040103" pitchFamily="49" charset="0"/>
+              </a:rPr>
+              <a:t>cnt</a:t>
+            </a:r>
+            <a:r>
+              <a:rPr lang="en" altLang="ko-Kore-KR" dirty="0">
+                <a:latin typeface="DM Mono" panose="020B0509040201040103" pitchFamily="49" charset="0"/>
+              </a:rPr>
+              <a:t>--; }</a:t>
+            </a:r>
+          </a:p>
+          <a:p>
+            <a:r>
+              <a:rPr lang="en" altLang="ko-Kore-KR" dirty="0">
+                <a:latin typeface="DM Mono" panose="020B0509040201040103" pitchFamily="49" charset="0"/>
+              </a:rPr>
+              <a:t>};</a:t>
+            </a:r>
+          </a:p>
+          <a:p>
+            <a:endParaRPr lang="en" altLang="ko-Kore-KR" dirty="0">
+              <a:latin typeface="DM Mono" panose="020B0509040201040103" pitchFamily="49" charset="0"/>
+            </a:endParaRPr>
+          </a:p>
+          <a:p>
+            <a:r>
+              <a:rPr lang="en" altLang="ko-Kore-KR" dirty="0">
+                <a:solidFill>
+                  <a:srgbClr val="FF0000"/>
+                </a:solidFill>
+                <a:latin typeface="DM Mono" panose="020B0509040201040103" pitchFamily="49" charset="0"/>
+              </a:rPr>
+              <a:t>int Car::</a:t>
+            </a:r>
+            <a:r>
+              <a:rPr lang="en" altLang="ko-Kore-KR" dirty="0" err="1">
+                <a:solidFill>
+                  <a:srgbClr val="FF0000"/>
+                </a:solidFill>
+                <a:latin typeface="DM Mono" panose="020B0509040201040103" pitchFamily="49" charset="0"/>
+              </a:rPr>
+              <a:t>cnt</a:t>
+            </a:r>
+            <a:r>
+              <a:rPr lang="en" altLang="ko-Kore-KR" dirty="0">
+                <a:solidFill>
+                  <a:srgbClr val="FF0000"/>
+                </a:solidFill>
+                <a:latin typeface="DM Mono" panose="020B0509040201040103" pitchFamily="49" charset="0"/>
+              </a:rPr>
+              <a:t> = 0;</a:t>
+            </a:r>
+          </a:p>
+          <a:p>
+            <a:endParaRPr lang="ko-Kore-KR" altLang="en-US" dirty="0">
+              <a:latin typeface="DM Mono" panose="020B0509040201040103" pitchFamily="49" charset="0"/>
+            </a:endParaRPr>
+          </a:p>
+        </p:txBody>
+      </p:sp>
+      <p:sp>
+        <p:nvSpPr>
+          <p:cNvPr id="6" name="직사각형 5">
+            <a:extLst>
+              <a:ext uri="{FF2B5EF4-FFF2-40B4-BE49-F238E27FC236}">
+                <a16:creationId xmlns:a16="http://schemas.microsoft.com/office/drawing/2014/main" id="{2657A07A-D8CF-800C-4FCA-46192A15177B}"/>
+              </a:ext>
+            </a:extLst>
+          </p:cNvPr>
+          <p:cNvSpPr/>
+          <p:nvPr/>
+        </p:nvSpPr>
+        <p:spPr>
+          <a:xfrm>
+            <a:off x="6579324" y="4743114"/>
+            <a:ext cx="1019503" cy="451945"/>
+          </a:xfrm>
+          <a:prstGeom prst="rect">
+            <a:avLst/>
+          </a:prstGeom>
+          <a:solidFill>
+            <a:srgbClr val="FFFF00"/>
+          </a:solidFill>
+        </p:spPr>
+        <p:style>
+          <a:lnRef idx="2">
+            <a:schemeClr val="accent1">
+              <a:shade val="50000"/>
+            </a:schemeClr>
+          </a:lnRef>
+          <a:fillRef idx="1">
+            <a:schemeClr val="accent1"/>
+          </a:fillRef>
+          <a:effectRef idx="0">
+            <a:schemeClr val="accent1"/>
+          </a:effectRef>
+          <a:fontRef idx="minor">
+            <a:schemeClr val="lt1"/>
+          </a:fontRef>
+        </p:style>
+        <p:txBody>
+          <a:bodyPr rtlCol="0" anchor="ctr"/>
+          <a:lstStyle/>
+          <a:p>
+            <a:pPr algn="ctr"/>
+            <a:r>
+              <a:rPr kumimoji="1" lang="en-US" altLang="ko-Kore-KR" dirty="0">
+                <a:solidFill>
+                  <a:schemeClr val="tx1"/>
+                </a:solidFill>
+                <a:latin typeface="DM Mono" panose="020B0509040201040103" pitchFamily="49" charset="0"/>
+              </a:rPr>
+              <a:t>1</a:t>
+            </a:r>
+            <a:endParaRPr kumimoji="1" lang="ko-Kore-KR" altLang="en-US" dirty="0">
+              <a:solidFill>
+                <a:schemeClr val="tx1"/>
+              </a:solidFill>
+              <a:latin typeface="DM Mono" panose="020B0509040201040103" pitchFamily="49" charset="0"/>
+            </a:endParaRPr>
+          </a:p>
+        </p:txBody>
+      </p:sp>
+      <p:sp>
+        <p:nvSpPr>
+          <p:cNvPr id="7" name="TextBox 6">
+            <a:extLst>
+              <a:ext uri="{FF2B5EF4-FFF2-40B4-BE49-F238E27FC236}">
+                <a16:creationId xmlns:a16="http://schemas.microsoft.com/office/drawing/2014/main" id="{750623A0-6F31-C573-FEE1-D8A67BDC5DF3}"/>
+              </a:ext>
+            </a:extLst>
+          </p:cNvPr>
+          <p:cNvSpPr txBox="1"/>
+          <p:nvPr/>
+        </p:nvSpPr>
+        <p:spPr>
+          <a:xfrm>
+            <a:off x="5559821" y="4784420"/>
+            <a:ext cx="1019503" cy="369332"/>
+          </a:xfrm>
+          <a:prstGeom prst="rect">
+            <a:avLst/>
+          </a:prstGeom>
+          <a:noFill/>
+        </p:spPr>
+        <p:txBody>
+          <a:bodyPr wrap="square">
+            <a:spAutoFit/>
+          </a:bodyPr>
+          <a:lstStyle/>
+          <a:p>
+            <a:pPr algn="r"/>
+            <a:r>
+              <a:rPr lang="en-US" altLang="ko-Kore-KR" dirty="0">
+                <a:latin typeface="DM Mono" panose="020B0509040201040103" pitchFamily="49" charset="0"/>
+              </a:rPr>
+              <a:t>color</a:t>
+            </a:r>
+            <a:endParaRPr lang="ko-Kore-KR" altLang="en-US" dirty="0"/>
+          </a:p>
+        </p:txBody>
+      </p:sp>
+      <p:sp>
+        <p:nvSpPr>
+          <p:cNvPr id="8" name="TextBox 7">
+            <a:extLst>
+              <a:ext uri="{FF2B5EF4-FFF2-40B4-BE49-F238E27FC236}">
+                <a16:creationId xmlns:a16="http://schemas.microsoft.com/office/drawing/2014/main" id="{24AD17B8-3767-555C-6708-EF05EF8701BA}"/>
+              </a:ext>
+            </a:extLst>
+          </p:cNvPr>
+          <p:cNvSpPr txBox="1"/>
+          <p:nvPr/>
+        </p:nvSpPr>
+        <p:spPr>
+          <a:xfrm>
+            <a:off x="6214585" y="4415088"/>
+            <a:ext cx="1144492" cy="369332"/>
+          </a:xfrm>
+          <a:prstGeom prst="rect">
+            <a:avLst/>
+          </a:prstGeom>
+          <a:noFill/>
+        </p:spPr>
+        <p:txBody>
+          <a:bodyPr wrap="square">
+            <a:spAutoFit/>
+          </a:bodyPr>
+          <a:lstStyle/>
+          <a:p>
+            <a:pPr algn="r"/>
+            <a:r>
+              <a:rPr lang="en-US" altLang="ko-Kore-KR" dirty="0">
+                <a:latin typeface="DM Mono" panose="020B0509040201040103" pitchFamily="49" charset="0"/>
+              </a:rPr>
+              <a:t>c1</a:t>
+            </a:r>
+            <a:endParaRPr lang="ko-Kore-KR" altLang="en-US" dirty="0"/>
+          </a:p>
+        </p:txBody>
+      </p:sp>
+      <p:sp>
+        <p:nvSpPr>
+          <p:cNvPr id="9" name="직사각형 8">
+            <a:extLst>
+              <a:ext uri="{FF2B5EF4-FFF2-40B4-BE49-F238E27FC236}">
+                <a16:creationId xmlns:a16="http://schemas.microsoft.com/office/drawing/2014/main" id="{C19F78C8-1B25-198E-E104-AEC2ECBFA64E}"/>
+              </a:ext>
+            </a:extLst>
+          </p:cNvPr>
+          <p:cNvSpPr/>
+          <p:nvPr/>
+        </p:nvSpPr>
+        <p:spPr>
+          <a:xfrm>
+            <a:off x="9215342" y="4701807"/>
+            <a:ext cx="1019503" cy="451945"/>
+          </a:xfrm>
+          <a:prstGeom prst="rect">
+            <a:avLst/>
+          </a:prstGeom>
+          <a:solidFill>
+            <a:srgbClr val="FFFF00"/>
+          </a:solidFill>
+        </p:spPr>
+        <p:style>
+          <a:lnRef idx="2">
+            <a:schemeClr val="accent1">
+              <a:shade val="50000"/>
+            </a:schemeClr>
+          </a:lnRef>
+          <a:fillRef idx="1">
+            <a:schemeClr val="accent1"/>
+          </a:fillRef>
+          <a:effectRef idx="0">
+            <a:schemeClr val="accent1"/>
+          </a:effectRef>
+          <a:fontRef idx="minor">
+            <a:schemeClr val="lt1"/>
+          </a:fontRef>
+        </p:style>
+        <p:txBody>
+          <a:bodyPr rtlCol="0" anchor="ctr"/>
+          <a:lstStyle/>
+          <a:p>
+            <a:pPr algn="ctr"/>
+            <a:r>
+              <a:rPr kumimoji="1" lang="en-US" altLang="ko-Kore-KR" dirty="0">
+                <a:solidFill>
+                  <a:schemeClr val="tx1"/>
+                </a:solidFill>
+                <a:latin typeface="DM Mono" panose="020B0509040201040103" pitchFamily="49" charset="0"/>
+              </a:rPr>
+              <a:t>1</a:t>
+            </a:r>
+            <a:endParaRPr kumimoji="1" lang="ko-Kore-KR" altLang="en-US" dirty="0">
+              <a:solidFill>
+                <a:schemeClr val="tx1"/>
+              </a:solidFill>
+              <a:latin typeface="DM Mono" panose="020B0509040201040103" pitchFamily="49" charset="0"/>
+            </a:endParaRPr>
+          </a:p>
+        </p:txBody>
+      </p:sp>
+      <p:sp>
+        <p:nvSpPr>
+          <p:cNvPr id="10" name="TextBox 9">
+            <a:extLst>
+              <a:ext uri="{FF2B5EF4-FFF2-40B4-BE49-F238E27FC236}">
+                <a16:creationId xmlns:a16="http://schemas.microsoft.com/office/drawing/2014/main" id="{6858D3FB-F53B-9A6E-3676-49BE3F01EEAA}"/>
+              </a:ext>
+            </a:extLst>
+          </p:cNvPr>
+          <p:cNvSpPr txBox="1"/>
+          <p:nvPr/>
+        </p:nvSpPr>
+        <p:spPr>
+          <a:xfrm>
+            <a:off x="8195839" y="4743113"/>
+            <a:ext cx="1019503" cy="369332"/>
+          </a:xfrm>
+          <a:prstGeom prst="rect">
+            <a:avLst/>
+          </a:prstGeom>
+          <a:noFill/>
+        </p:spPr>
+        <p:txBody>
+          <a:bodyPr wrap="square">
+            <a:spAutoFit/>
+          </a:bodyPr>
+          <a:lstStyle/>
+          <a:p>
+            <a:pPr algn="r"/>
+            <a:r>
+              <a:rPr lang="en-US" altLang="ko-Kore-KR" dirty="0">
+                <a:latin typeface="DM Mono" panose="020B0509040201040103" pitchFamily="49" charset="0"/>
+              </a:rPr>
+              <a:t>color</a:t>
+            </a:r>
+            <a:endParaRPr lang="ko-Kore-KR" altLang="en-US" dirty="0"/>
+          </a:p>
+        </p:txBody>
+      </p:sp>
+      <p:sp>
+        <p:nvSpPr>
+          <p:cNvPr id="11" name="TextBox 10">
+            <a:extLst>
+              <a:ext uri="{FF2B5EF4-FFF2-40B4-BE49-F238E27FC236}">
+                <a16:creationId xmlns:a16="http://schemas.microsoft.com/office/drawing/2014/main" id="{66264775-CA19-C476-F1E5-48BB4489853A}"/>
+              </a:ext>
+            </a:extLst>
+          </p:cNvPr>
+          <p:cNvSpPr txBox="1"/>
+          <p:nvPr/>
+        </p:nvSpPr>
+        <p:spPr>
+          <a:xfrm>
+            <a:off x="8850603" y="4373781"/>
+            <a:ext cx="1144492" cy="369332"/>
+          </a:xfrm>
+          <a:prstGeom prst="rect">
+            <a:avLst/>
+          </a:prstGeom>
+          <a:noFill/>
+        </p:spPr>
+        <p:txBody>
+          <a:bodyPr wrap="square">
+            <a:spAutoFit/>
+          </a:bodyPr>
+          <a:lstStyle/>
+          <a:p>
+            <a:pPr algn="r"/>
+            <a:r>
+              <a:rPr lang="en-US" altLang="ko-Kore-KR" dirty="0">
+                <a:latin typeface="DM Mono" panose="020B0509040201040103" pitchFamily="49" charset="0"/>
+              </a:rPr>
+              <a:t>c2</a:t>
+            </a:r>
+            <a:endParaRPr lang="ko-Kore-KR" altLang="en-US" dirty="0"/>
+          </a:p>
+        </p:txBody>
+      </p:sp>
+      <p:sp>
+        <p:nvSpPr>
+          <p:cNvPr id="12" name="직사각형 11">
+            <a:extLst>
+              <a:ext uri="{FF2B5EF4-FFF2-40B4-BE49-F238E27FC236}">
+                <a16:creationId xmlns:a16="http://schemas.microsoft.com/office/drawing/2014/main" id="{5F8DD2EC-946E-3990-A1F5-FE147098B637}"/>
+              </a:ext>
+            </a:extLst>
+          </p:cNvPr>
+          <p:cNvSpPr/>
+          <p:nvPr/>
+        </p:nvSpPr>
+        <p:spPr>
+          <a:xfrm>
+            <a:off x="9485343" y="430796"/>
+            <a:ext cx="1019503" cy="451945"/>
+          </a:xfrm>
+          <a:prstGeom prst="rect">
+            <a:avLst/>
+          </a:prstGeom>
+          <a:solidFill>
+            <a:srgbClr val="FFFF00"/>
+          </a:solidFill>
+        </p:spPr>
+        <p:style>
+          <a:lnRef idx="2">
+            <a:schemeClr val="accent1">
+              <a:shade val="50000"/>
+            </a:schemeClr>
+          </a:lnRef>
+          <a:fillRef idx="1">
+            <a:schemeClr val="accent1"/>
+          </a:fillRef>
+          <a:effectRef idx="0">
+            <a:schemeClr val="accent1"/>
+          </a:effectRef>
+          <a:fontRef idx="minor">
+            <a:schemeClr val="lt1"/>
+          </a:fontRef>
+        </p:style>
+        <p:txBody>
+          <a:bodyPr rtlCol="0" anchor="ctr"/>
+          <a:lstStyle/>
+          <a:p>
+            <a:pPr algn="ctr"/>
+            <a:r>
+              <a:rPr kumimoji="1" lang="en-US" altLang="ko-Kore-KR" dirty="0">
+                <a:solidFill>
+                  <a:schemeClr val="tx1"/>
+                </a:solidFill>
+                <a:latin typeface="DM Mono" panose="020B0509040201040103" pitchFamily="49" charset="0"/>
+              </a:rPr>
+              <a:t>2</a:t>
+            </a:r>
+            <a:endParaRPr kumimoji="1" lang="ko-Kore-KR" altLang="en-US" dirty="0">
+              <a:solidFill>
+                <a:schemeClr val="tx1"/>
+              </a:solidFill>
+              <a:latin typeface="DM Mono" panose="020B0509040201040103" pitchFamily="49" charset="0"/>
+            </a:endParaRPr>
+          </a:p>
+        </p:txBody>
+      </p:sp>
+      <p:sp>
+        <p:nvSpPr>
+          <p:cNvPr id="13" name="TextBox 12">
+            <a:extLst>
+              <a:ext uri="{FF2B5EF4-FFF2-40B4-BE49-F238E27FC236}">
+                <a16:creationId xmlns:a16="http://schemas.microsoft.com/office/drawing/2014/main" id="{E7ED07FC-1DD0-922D-6A78-72EE67AE1EAA}"/>
+              </a:ext>
+            </a:extLst>
+          </p:cNvPr>
+          <p:cNvSpPr txBox="1"/>
+          <p:nvPr/>
+        </p:nvSpPr>
+        <p:spPr>
+          <a:xfrm>
+            <a:off x="8195840" y="472102"/>
+            <a:ext cx="1289504" cy="369332"/>
+          </a:xfrm>
+          <a:prstGeom prst="rect">
+            <a:avLst/>
+          </a:prstGeom>
+          <a:noFill/>
+        </p:spPr>
+        <p:txBody>
+          <a:bodyPr wrap="square">
+            <a:spAutoFit/>
+          </a:bodyPr>
+          <a:lstStyle/>
+          <a:p>
+            <a:pPr algn="r"/>
+            <a:r>
+              <a:rPr lang="en-US" altLang="ko-Kore-KR" dirty="0">
+                <a:latin typeface="DM Mono" panose="020B0509040201040103" pitchFamily="49" charset="0"/>
+              </a:rPr>
+              <a:t>Car::</a:t>
+            </a:r>
+            <a:r>
+              <a:rPr lang="en-US" altLang="ko-Kore-KR" dirty="0" err="1">
+                <a:latin typeface="DM Mono" panose="020B0509040201040103" pitchFamily="49" charset="0"/>
+              </a:rPr>
+              <a:t>cnt</a:t>
+            </a:r>
+            <a:endParaRPr lang="ko-Kore-KR" altLang="en-US" dirty="0"/>
+          </a:p>
+        </p:txBody>
+      </p:sp>
+    </p:spTree>
+    <p:extLst>
+      <p:ext uri="{BB962C8B-B14F-4D97-AF65-F5344CB8AC3E}">
+        <p14:creationId xmlns:p14="http://schemas.microsoft.com/office/powerpoint/2010/main" val="4193882818"/>
       </p:ext>
     </p:extLst>
   </p:cSld>

--- a/230303.pptx
+++ b/230303.pptx
@@ -32,6 +32,8 @@
     <p:sldId id="279" r:id="rId26"/>
     <p:sldId id="281" r:id="rId27"/>
     <p:sldId id="282" r:id="rId28"/>
+    <p:sldId id="283" r:id="rId29"/>
+    <p:sldId id="284" r:id="rId30"/>
   </p:sldIdLst>
   <p:sldSz cx="12192000" cy="6858000"/>
   <p:notesSz cx="6858000" cy="9144000"/>
@@ -19792,6 +19794,2038 @@
     <p:extLst>
       <p:ext uri="{BB962C8B-B14F-4D97-AF65-F5344CB8AC3E}">
         <p14:creationId xmlns:p14="http://schemas.microsoft.com/office/powerpoint/2010/main" val="4193882818"/>
+      </p:ext>
+    </p:extLst>
+  </p:cSld>
+  <p:clrMapOvr>
+    <a:masterClrMapping/>
+  </p:clrMapOvr>
+</p:sld>
+</file>
+
+<file path=ppt/slides/slide28.xml><?xml version="1.0" encoding="utf-8"?>
+<p:sld xmlns:a="http://schemas.openxmlformats.org/drawingml/2006/main" xmlns:r="http://schemas.openxmlformats.org/officeDocument/2006/relationships" xmlns:p="http://schemas.openxmlformats.org/presentationml/2006/main">
+  <p:cSld>
+    <p:spTree>
+      <p:nvGrpSpPr>
+        <p:cNvPr id="1" name=""/>
+        <p:cNvGrpSpPr/>
+        <p:nvPr/>
+      </p:nvGrpSpPr>
+      <p:grpSpPr>
+        <a:xfrm>
+          <a:off x="0" y="0"/>
+          <a:ext cx="0" cy="0"/>
+          <a:chOff x="0" y="0"/>
+          <a:chExt cx="0" cy="0"/>
+        </a:xfrm>
+      </p:grpSpPr>
+      <p:sp>
+        <p:nvSpPr>
+          <p:cNvPr id="5" name="TextBox 4">
+            <a:extLst>
+              <a:ext uri="{FF2B5EF4-FFF2-40B4-BE49-F238E27FC236}">
+                <a16:creationId xmlns:a16="http://schemas.microsoft.com/office/drawing/2014/main" id="{34D58F54-98B4-2C68-5D04-628EB5B1D793}"/>
+              </a:ext>
+            </a:extLst>
+          </p:cNvPr>
+          <p:cNvSpPr txBox="1"/>
+          <p:nvPr/>
+        </p:nvSpPr>
+        <p:spPr>
+          <a:xfrm>
+            <a:off x="390345" y="274464"/>
+            <a:ext cx="6094562" cy="4801314"/>
+          </a:xfrm>
+          <a:prstGeom prst="rect">
+            <a:avLst/>
+          </a:prstGeom>
+          <a:noFill/>
+        </p:spPr>
+        <p:txBody>
+          <a:bodyPr wrap="square">
+            <a:spAutoFit/>
+          </a:bodyPr>
+          <a:lstStyle/>
+          <a:p>
+            <a:r>
+              <a:rPr lang="ko-Kore-KR" altLang="en-US" dirty="0">
+                <a:latin typeface="DM Mono" panose="020B0509040201040103" pitchFamily="49" charset="0"/>
+              </a:rPr>
+              <a:t>class Student {</a:t>
+            </a:r>
+          </a:p>
+          <a:p>
+            <a:r>
+              <a:rPr lang="ko-Kore-KR" altLang="en-US" dirty="0">
+                <a:latin typeface="DM Mono" panose="020B0509040201040103" pitchFamily="49" charset="0"/>
+              </a:rPr>
+              <a:t>    string name;</a:t>
+            </a:r>
+          </a:p>
+          <a:p>
+            <a:r>
+              <a:rPr lang="ko-Kore-KR" altLang="en-US" dirty="0">
+                <a:latin typeface="DM Mono" panose="020B0509040201040103" pitchFamily="49" charset="0"/>
+              </a:rPr>
+              <a:t>    string address;</a:t>
+            </a:r>
+          </a:p>
+          <a:p>
+            <a:r>
+              <a:rPr lang="ko-Kore-KR" altLang="en-US" dirty="0">
+                <a:latin typeface="DM Mono" panose="020B0509040201040103" pitchFamily="49" charset="0"/>
+              </a:rPr>
+              <a:t>    int age;</a:t>
+            </a:r>
+          </a:p>
+          <a:p>
+            <a:endParaRPr lang="ko-Kore-KR" altLang="en-US" dirty="0">
+              <a:latin typeface="DM Mono" panose="020B0509040201040103" pitchFamily="49" charset="0"/>
+            </a:endParaRPr>
+          </a:p>
+          <a:p>
+            <a:r>
+              <a:rPr lang="ko-Kore-KR" altLang="en-US" dirty="0">
+                <a:latin typeface="DM Mono" panose="020B0509040201040103" pitchFamily="49" charset="0"/>
+              </a:rPr>
+              <a:t>    int id;</a:t>
+            </a:r>
+            <a:endParaRPr lang="en-US" altLang="ko-Kore-KR" dirty="0">
+              <a:latin typeface="DM Mono" panose="020B0509040201040103" pitchFamily="49" charset="0"/>
+            </a:endParaRPr>
+          </a:p>
+          <a:p>
+            <a:r>
+              <a:rPr lang="en-US" altLang="ko-Kore-KR" dirty="0">
+                <a:latin typeface="DM Mono" panose="020B0509040201040103" pitchFamily="49" charset="0"/>
+              </a:rPr>
+              <a:t>};</a:t>
+            </a:r>
+          </a:p>
+          <a:p>
+            <a:endParaRPr lang="en-US" altLang="ko-KR" dirty="0">
+              <a:latin typeface="DM Mono" panose="020B0509040201040103" pitchFamily="49" charset="0"/>
+            </a:endParaRPr>
+          </a:p>
+          <a:p>
+            <a:r>
+              <a:rPr lang="en-US" altLang="ko-KR" dirty="0">
+                <a:latin typeface="DM Mono" panose="020B0509040201040103" pitchFamily="49" charset="0"/>
+              </a:rPr>
+              <a:t>class Teacher {</a:t>
+            </a:r>
+          </a:p>
+          <a:p>
+            <a:r>
+              <a:rPr lang="en-US" altLang="ko-KR" dirty="0">
+                <a:latin typeface="DM Mono" panose="020B0509040201040103" pitchFamily="49" charset="0"/>
+              </a:rPr>
+              <a:t>    string name;</a:t>
+            </a:r>
+          </a:p>
+          <a:p>
+            <a:r>
+              <a:rPr lang="en-US" altLang="ko-KR" dirty="0">
+                <a:latin typeface="DM Mono" panose="020B0509040201040103" pitchFamily="49" charset="0"/>
+              </a:rPr>
+              <a:t>    string address;</a:t>
+            </a:r>
+          </a:p>
+          <a:p>
+            <a:r>
+              <a:rPr lang="en-US" altLang="ko-KR" dirty="0">
+                <a:latin typeface="DM Mono" panose="020B0509040201040103" pitchFamily="49" charset="0"/>
+              </a:rPr>
+              <a:t>    int age;</a:t>
+            </a:r>
+          </a:p>
+          <a:p>
+            <a:r>
+              <a:rPr lang="en-US" altLang="ko-KR" dirty="0">
+                <a:latin typeface="DM Mono" panose="020B0509040201040103" pitchFamily="49" charset="0"/>
+              </a:rPr>
+              <a:t>    string major;</a:t>
+            </a:r>
+          </a:p>
+          <a:p>
+            <a:r>
+              <a:rPr lang="en-US" altLang="ko-KR" dirty="0">
+                <a:latin typeface="DM Mono" panose="020B0509040201040103" pitchFamily="49" charset="0"/>
+              </a:rPr>
+              <a:t>}</a:t>
+            </a:r>
+          </a:p>
+          <a:p>
+            <a:endParaRPr lang="en-US" altLang="ko-KR" dirty="0">
+              <a:latin typeface="DM Mono" panose="020B0509040201040103" pitchFamily="49" charset="0"/>
+            </a:endParaRPr>
+          </a:p>
+          <a:p>
+            <a:r>
+              <a:rPr lang="en-US" altLang="ko-KR" dirty="0">
+                <a:latin typeface="DM Mono" panose="020B0509040201040103" pitchFamily="49" charset="0"/>
+              </a:rPr>
+              <a:t> Student s;</a:t>
+            </a:r>
+          </a:p>
+          <a:p>
+            <a:r>
+              <a:rPr lang="en-US" altLang="ko-KR" dirty="0">
+                <a:latin typeface="DM Mono" panose="020B0509040201040103" pitchFamily="49" charset="0"/>
+              </a:rPr>
+              <a:t> Teacher t;</a:t>
+            </a:r>
+          </a:p>
+        </p:txBody>
+      </p:sp>
+      <p:sp>
+        <p:nvSpPr>
+          <p:cNvPr id="6" name="직사각형 5">
+            <a:extLst>
+              <a:ext uri="{FF2B5EF4-FFF2-40B4-BE49-F238E27FC236}">
+                <a16:creationId xmlns:a16="http://schemas.microsoft.com/office/drawing/2014/main" id="{5452FB19-9A11-6F3C-8FE1-DAD1E65F9222}"/>
+              </a:ext>
+            </a:extLst>
+          </p:cNvPr>
+          <p:cNvSpPr/>
+          <p:nvPr/>
+        </p:nvSpPr>
+        <p:spPr>
+          <a:xfrm>
+            <a:off x="6674214" y="1189030"/>
+            <a:ext cx="1019503" cy="451945"/>
+          </a:xfrm>
+          <a:prstGeom prst="rect">
+            <a:avLst/>
+          </a:prstGeom>
+          <a:solidFill>
+            <a:srgbClr val="FFFF00"/>
+          </a:solidFill>
+        </p:spPr>
+        <p:style>
+          <a:lnRef idx="2">
+            <a:schemeClr val="accent1">
+              <a:shade val="50000"/>
+            </a:schemeClr>
+          </a:lnRef>
+          <a:fillRef idx="1">
+            <a:schemeClr val="accent1"/>
+          </a:fillRef>
+          <a:effectRef idx="0">
+            <a:schemeClr val="accent1"/>
+          </a:effectRef>
+          <a:fontRef idx="minor">
+            <a:schemeClr val="lt1"/>
+          </a:fontRef>
+        </p:style>
+        <p:txBody>
+          <a:bodyPr rtlCol="0" anchor="ctr"/>
+          <a:lstStyle/>
+          <a:p>
+            <a:pPr algn="ctr"/>
+            <a:endParaRPr kumimoji="1" lang="ko-Kore-KR" altLang="en-US" dirty="0">
+              <a:solidFill>
+                <a:schemeClr val="tx1"/>
+              </a:solidFill>
+              <a:latin typeface="DM Mono" panose="020B0509040201040103" pitchFamily="49" charset="0"/>
+            </a:endParaRPr>
+          </a:p>
+        </p:txBody>
+      </p:sp>
+      <p:sp>
+        <p:nvSpPr>
+          <p:cNvPr id="7" name="TextBox 6">
+            <a:extLst>
+              <a:ext uri="{FF2B5EF4-FFF2-40B4-BE49-F238E27FC236}">
+                <a16:creationId xmlns:a16="http://schemas.microsoft.com/office/drawing/2014/main" id="{37926622-6C2F-8DCF-00CB-97FAAA983B22}"/>
+              </a:ext>
+            </a:extLst>
+          </p:cNvPr>
+          <p:cNvSpPr txBox="1"/>
+          <p:nvPr/>
+        </p:nvSpPr>
+        <p:spPr>
+          <a:xfrm>
+            <a:off x="5654711" y="1230336"/>
+            <a:ext cx="1019503" cy="369332"/>
+          </a:xfrm>
+          <a:prstGeom prst="rect">
+            <a:avLst/>
+          </a:prstGeom>
+          <a:noFill/>
+        </p:spPr>
+        <p:txBody>
+          <a:bodyPr wrap="square">
+            <a:spAutoFit/>
+          </a:bodyPr>
+          <a:lstStyle/>
+          <a:p>
+            <a:pPr algn="r"/>
+            <a:r>
+              <a:rPr lang="en-US" altLang="ko-Kore-KR" dirty="0">
+                <a:latin typeface="DM Mono" panose="020B0509040201040103" pitchFamily="49" charset="0"/>
+              </a:rPr>
+              <a:t>name</a:t>
+            </a:r>
+            <a:endParaRPr lang="ko-Kore-KR" altLang="en-US" dirty="0"/>
+          </a:p>
+        </p:txBody>
+      </p:sp>
+      <p:sp>
+        <p:nvSpPr>
+          <p:cNvPr id="8" name="TextBox 7">
+            <a:extLst>
+              <a:ext uri="{FF2B5EF4-FFF2-40B4-BE49-F238E27FC236}">
+                <a16:creationId xmlns:a16="http://schemas.microsoft.com/office/drawing/2014/main" id="{99F073FF-CB5E-6ED4-36C8-E227693BE69C}"/>
+              </a:ext>
+            </a:extLst>
+          </p:cNvPr>
+          <p:cNvSpPr txBox="1"/>
+          <p:nvPr/>
+        </p:nvSpPr>
+        <p:spPr>
+          <a:xfrm>
+            <a:off x="6611719" y="809433"/>
+            <a:ext cx="1144492" cy="369332"/>
+          </a:xfrm>
+          <a:prstGeom prst="rect">
+            <a:avLst/>
+          </a:prstGeom>
+          <a:noFill/>
+        </p:spPr>
+        <p:txBody>
+          <a:bodyPr wrap="square">
+            <a:spAutoFit/>
+          </a:bodyPr>
+          <a:lstStyle/>
+          <a:p>
+            <a:pPr algn="ctr"/>
+            <a:r>
+              <a:rPr lang="en-US" altLang="ko-Kore-KR" dirty="0">
+                <a:latin typeface="DM Mono" panose="020B0509040201040103" pitchFamily="49" charset="0"/>
+              </a:rPr>
+              <a:t>s</a:t>
+            </a:r>
+            <a:endParaRPr lang="ko-Kore-KR" altLang="en-US" dirty="0"/>
+          </a:p>
+        </p:txBody>
+      </p:sp>
+      <p:sp>
+        <p:nvSpPr>
+          <p:cNvPr id="9" name="직사각형 8">
+            <a:extLst>
+              <a:ext uri="{FF2B5EF4-FFF2-40B4-BE49-F238E27FC236}">
+                <a16:creationId xmlns:a16="http://schemas.microsoft.com/office/drawing/2014/main" id="{43EB485C-A387-DD41-EF5E-E5AAA8FD40AB}"/>
+              </a:ext>
+            </a:extLst>
+          </p:cNvPr>
+          <p:cNvSpPr/>
+          <p:nvPr/>
+        </p:nvSpPr>
+        <p:spPr>
+          <a:xfrm>
+            <a:off x="6674958" y="1640974"/>
+            <a:ext cx="1019503" cy="451945"/>
+          </a:xfrm>
+          <a:prstGeom prst="rect">
+            <a:avLst/>
+          </a:prstGeom>
+          <a:solidFill>
+            <a:srgbClr val="FFFF00"/>
+          </a:solidFill>
+        </p:spPr>
+        <p:style>
+          <a:lnRef idx="2">
+            <a:schemeClr val="accent1">
+              <a:shade val="50000"/>
+            </a:schemeClr>
+          </a:lnRef>
+          <a:fillRef idx="1">
+            <a:schemeClr val="accent1"/>
+          </a:fillRef>
+          <a:effectRef idx="0">
+            <a:schemeClr val="accent1"/>
+          </a:effectRef>
+          <a:fontRef idx="minor">
+            <a:schemeClr val="lt1"/>
+          </a:fontRef>
+        </p:style>
+        <p:txBody>
+          <a:bodyPr rtlCol="0" anchor="ctr"/>
+          <a:lstStyle/>
+          <a:p>
+            <a:pPr algn="ctr"/>
+            <a:endParaRPr kumimoji="1" lang="ko-Kore-KR" altLang="en-US" dirty="0">
+              <a:solidFill>
+                <a:schemeClr val="tx1"/>
+              </a:solidFill>
+              <a:latin typeface="DM Mono" panose="020B0509040201040103" pitchFamily="49" charset="0"/>
+            </a:endParaRPr>
+          </a:p>
+        </p:txBody>
+      </p:sp>
+      <p:sp>
+        <p:nvSpPr>
+          <p:cNvPr id="10" name="TextBox 9">
+            <a:extLst>
+              <a:ext uri="{FF2B5EF4-FFF2-40B4-BE49-F238E27FC236}">
+                <a16:creationId xmlns:a16="http://schemas.microsoft.com/office/drawing/2014/main" id="{D9D19836-9280-E9B8-3490-537F289418E5}"/>
+              </a:ext>
+            </a:extLst>
+          </p:cNvPr>
+          <p:cNvSpPr txBox="1"/>
+          <p:nvPr/>
+        </p:nvSpPr>
+        <p:spPr>
+          <a:xfrm>
+            <a:off x="5322499" y="1682280"/>
+            <a:ext cx="1352460" cy="369332"/>
+          </a:xfrm>
+          <a:prstGeom prst="rect">
+            <a:avLst/>
+          </a:prstGeom>
+          <a:noFill/>
+        </p:spPr>
+        <p:txBody>
+          <a:bodyPr wrap="square">
+            <a:spAutoFit/>
+          </a:bodyPr>
+          <a:lstStyle/>
+          <a:p>
+            <a:pPr algn="r"/>
+            <a:r>
+              <a:rPr lang="en-US" altLang="ko-Kore-KR" dirty="0">
+                <a:latin typeface="DM Mono" panose="020B0509040201040103" pitchFamily="49" charset="0"/>
+              </a:rPr>
+              <a:t>address</a:t>
+            </a:r>
+            <a:endParaRPr lang="ko-Kore-KR" altLang="en-US" dirty="0"/>
+          </a:p>
+        </p:txBody>
+      </p:sp>
+      <p:sp>
+        <p:nvSpPr>
+          <p:cNvPr id="11" name="직사각형 10">
+            <a:extLst>
+              <a:ext uri="{FF2B5EF4-FFF2-40B4-BE49-F238E27FC236}">
+                <a16:creationId xmlns:a16="http://schemas.microsoft.com/office/drawing/2014/main" id="{A57C19F2-64B4-4B2F-2E8E-259CA465D573}"/>
+              </a:ext>
+            </a:extLst>
+          </p:cNvPr>
+          <p:cNvSpPr/>
+          <p:nvPr/>
+        </p:nvSpPr>
+        <p:spPr>
+          <a:xfrm>
+            <a:off x="6675702" y="2092918"/>
+            <a:ext cx="1019503" cy="451945"/>
+          </a:xfrm>
+          <a:prstGeom prst="rect">
+            <a:avLst/>
+          </a:prstGeom>
+          <a:solidFill>
+            <a:srgbClr val="FFFF00"/>
+          </a:solidFill>
+        </p:spPr>
+        <p:style>
+          <a:lnRef idx="2">
+            <a:schemeClr val="accent1">
+              <a:shade val="50000"/>
+            </a:schemeClr>
+          </a:lnRef>
+          <a:fillRef idx="1">
+            <a:schemeClr val="accent1"/>
+          </a:fillRef>
+          <a:effectRef idx="0">
+            <a:schemeClr val="accent1"/>
+          </a:effectRef>
+          <a:fontRef idx="minor">
+            <a:schemeClr val="lt1"/>
+          </a:fontRef>
+        </p:style>
+        <p:txBody>
+          <a:bodyPr rtlCol="0" anchor="ctr"/>
+          <a:lstStyle/>
+          <a:p>
+            <a:pPr algn="ctr"/>
+            <a:endParaRPr kumimoji="1" lang="ko-Kore-KR" altLang="en-US" dirty="0">
+              <a:solidFill>
+                <a:schemeClr val="tx1"/>
+              </a:solidFill>
+              <a:latin typeface="DM Mono" panose="020B0509040201040103" pitchFamily="49" charset="0"/>
+            </a:endParaRPr>
+          </a:p>
+        </p:txBody>
+      </p:sp>
+      <p:sp>
+        <p:nvSpPr>
+          <p:cNvPr id="12" name="TextBox 11">
+            <a:extLst>
+              <a:ext uri="{FF2B5EF4-FFF2-40B4-BE49-F238E27FC236}">
+                <a16:creationId xmlns:a16="http://schemas.microsoft.com/office/drawing/2014/main" id="{1B0D8982-783B-7C4A-0DEC-5FAF664602E9}"/>
+              </a:ext>
+            </a:extLst>
+          </p:cNvPr>
+          <p:cNvSpPr txBox="1"/>
+          <p:nvPr/>
+        </p:nvSpPr>
+        <p:spPr>
+          <a:xfrm>
+            <a:off x="5656199" y="2134224"/>
+            <a:ext cx="1019503" cy="369332"/>
+          </a:xfrm>
+          <a:prstGeom prst="rect">
+            <a:avLst/>
+          </a:prstGeom>
+          <a:noFill/>
+        </p:spPr>
+        <p:txBody>
+          <a:bodyPr wrap="square">
+            <a:spAutoFit/>
+          </a:bodyPr>
+          <a:lstStyle/>
+          <a:p>
+            <a:pPr algn="r"/>
+            <a:r>
+              <a:rPr lang="en-US" altLang="ko-Kore-KR" dirty="0">
+                <a:latin typeface="DM Mono" panose="020B0509040201040103" pitchFamily="49" charset="0"/>
+              </a:rPr>
+              <a:t>age</a:t>
+            </a:r>
+            <a:endParaRPr lang="ko-Kore-KR" altLang="en-US" dirty="0"/>
+          </a:p>
+        </p:txBody>
+      </p:sp>
+      <p:sp>
+        <p:nvSpPr>
+          <p:cNvPr id="13" name="직사각형 12">
+            <a:extLst>
+              <a:ext uri="{FF2B5EF4-FFF2-40B4-BE49-F238E27FC236}">
+                <a16:creationId xmlns:a16="http://schemas.microsoft.com/office/drawing/2014/main" id="{DE16C555-EDE2-CE02-0C08-18CF4053931D}"/>
+              </a:ext>
+            </a:extLst>
+          </p:cNvPr>
+          <p:cNvSpPr/>
+          <p:nvPr/>
+        </p:nvSpPr>
+        <p:spPr>
+          <a:xfrm>
+            <a:off x="6676446" y="2544862"/>
+            <a:ext cx="1019503" cy="451945"/>
+          </a:xfrm>
+          <a:prstGeom prst="rect">
+            <a:avLst/>
+          </a:prstGeom>
+          <a:solidFill>
+            <a:srgbClr val="FFFF00"/>
+          </a:solidFill>
+        </p:spPr>
+        <p:style>
+          <a:lnRef idx="2">
+            <a:schemeClr val="accent1">
+              <a:shade val="50000"/>
+            </a:schemeClr>
+          </a:lnRef>
+          <a:fillRef idx="1">
+            <a:schemeClr val="accent1"/>
+          </a:fillRef>
+          <a:effectRef idx="0">
+            <a:schemeClr val="accent1"/>
+          </a:effectRef>
+          <a:fontRef idx="minor">
+            <a:schemeClr val="lt1"/>
+          </a:fontRef>
+        </p:style>
+        <p:txBody>
+          <a:bodyPr rtlCol="0" anchor="ctr"/>
+          <a:lstStyle/>
+          <a:p>
+            <a:pPr algn="ctr"/>
+            <a:endParaRPr kumimoji="1" lang="ko-Kore-KR" altLang="en-US" dirty="0">
+              <a:solidFill>
+                <a:schemeClr val="tx1"/>
+              </a:solidFill>
+              <a:latin typeface="DM Mono" panose="020B0509040201040103" pitchFamily="49" charset="0"/>
+            </a:endParaRPr>
+          </a:p>
+        </p:txBody>
+      </p:sp>
+      <p:sp>
+        <p:nvSpPr>
+          <p:cNvPr id="14" name="TextBox 13">
+            <a:extLst>
+              <a:ext uri="{FF2B5EF4-FFF2-40B4-BE49-F238E27FC236}">
+                <a16:creationId xmlns:a16="http://schemas.microsoft.com/office/drawing/2014/main" id="{C3654FA9-B537-0B07-804B-A7F7AC5B7FCB}"/>
+              </a:ext>
+            </a:extLst>
+          </p:cNvPr>
+          <p:cNvSpPr txBox="1"/>
+          <p:nvPr/>
+        </p:nvSpPr>
+        <p:spPr>
+          <a:xfrm>
+            <a:off x="5656943" y="2586168"/>
+            <a:ext cx="1019503" cy="369332"/>
+          </a:xfrm>
+          <a:prstGeom prst="rect">
+            <a:avLst/>
+          </a:prstGeom>
+          <a:noFill/>
+        </p:spPr>
+        <p:txBody>
+          <a:bodyPr wrap="square">
+            <a:spAutoFit/>
+          </a:bodyPr>
+          <a:lstStyle/>
+          <a:p>
+            <a:pPr algn="r"/>
+            <a:r>
+              <a:rPr lang="en-US" altLang="ko-Kore-KR" dirty="0">
+                <a:latin typeface="DM Mono" panose="020B0509040201040103" pitchFamily="49" charset="0"/>
+              </a:rPr>
+              <a:t>id</a:t>
+            </a:r>
+            <a:endParaRPr lang="ko-Kore-KR" altLang="en-US" dirty="0"/>
+          </a:p>
+        </p:txBody>
+      </p:sp>
+      <p:sp>
+        <p:nvSpPr>
+          <p:cNvPr id="15" name="직사각형 14">
+            <a:extLst>
+              <a:ext uri="{FF2B5EF4-FFF2-40B4-BE49-F238E27FC236}">
+                <a16:creationId xmlns:a16="http://schemas.microsoft.com/office/drawing/2014/main" id="{66D4AF45-92BD-7481-2612-15B264C10956}"/>
+              </a:ext>
+            </a:extLst>
+          </p:cNvPr>
+          <p:cNvSpPr/>
+          <p:nvPr/>
+        </p:nvSpPr>
+        <p:spPr>
+          <a:xfrm>
+            <a:off x="9297233" y="1127169"/>
+            <a:ext cx="1019503" cy="451945"/>
+          </a:xfrm>
+          <a:prstGeom prst="rect">
+            <a:avLst/>
+          </a:prstGeom>
+          <a:solidFill>
+            <a:srgbClr val="FFFF00"/>
+          </a:solidFill>
+        </p:spPr>
+        <p:style>
+          <a:lnRef idx="2">
+            <a:schemeClr val="accent1">
+              <a:shade val="50000"/>
+            </a:schemeClr>
+          </a:lnRef>
+          <a:fillRef idx="1">
+            <a:schemeClr val="accent1"/>
+          </a:fillRef>
+          <a:effectRef idx="0">
+            <a:schemeClr val="accent1"/>
+          </a:effectRef>
+          <a:fontRef idx="minor">
+            <a:schemeClr val="lt1"/>
+          </a:fontRef>
+        </p:style>
+        <p:txBody>
+          <a:bodyPr rtlCol="0" anchor="ctr"/>
+          <a:lstStyle/>
+          <a:p>
+            <a:pPr algn="ctr"/>
+            <a:endParaRPr kumimoji="1" lang="ko-Kore-KR" altLang="en-US" dirty="0">
+              <a:solidFill>
+                <a:schemeClr val="tx1"/>
+              </a:solidFill>
+              <a:latin typeface="DM Mono" panose="020B0509040201040103" pitchFamily="49" charset="0"/>
+            </a:endParaRPr>
+          </a:p>
+        </p:txBody>
+      </p:sp>
+      <p:sp>
+        <p:nvSpPr>
+          <p:cNvPr id="16" name="TextBox 15">
+            <a:extLst>
+              <a:ext uri="{FF2B5EF4-FFF2-40B4-BE49-F238E27FC236}">
+                <a16:creationId xmlns:a16="http://schemas.microsoft.com/office/drawing/2014/main" id="{61E4A52D-117A-CD2A-B06C-A6F5F33F6FB8}"/>
+              </a:ext>
+            </a:extLst>
+          </p:cNvPr>
+          <p:cNvSpPr txBox="1"/>
+          <p:nvPr/>
+        </p:nvSpPr>
+        <p:spPr>
+          <a:xfrm>
+            <a:off x="8277730" y="1168475"/>
+            <a:ext cx="1019503" cy="369332"/>
+          </a:xfrm>
+          <a:prstGeom prst="rect">
+            <a:avLst/>
+          </a:prstGeom>
+          <a:noFill/>
+        </p:spPr>
+        <p:txBody>
+          <a:bodyPr wrap="square">
+            <a:spAutoFit/>
+          </a:bodyPr>
+          <a:lstStyle/>
+          <a:p>
+            <a:pPr algn="r"/>
+            <a:r>
+              <a:rPr lang="en-US" altLang="ko-Kore-KR" dirty="0">
+                <a:latin typeface="DM Mono" panose="020B0509040201040103" pitchFamily="49" charset="0"/>
+              </a:rPr>
+              <a:t>name</a:t>
+            </a:r>
+            <a:endParaRPr lang="ko-Kore-KR" altLang="en-US" dirty="0"/>
+          </a:p>
+        </p:txBody>
+      </p:sp>
+      <p:sp>
+        <p:nvSpPr>
+          <p:cNvPr id="17" name="TextBox 16">
+            <a:extLst>
+              <a:ext uri="{FF2B5EF4-FFF2-40B4-BE49-F238E27FC236}">
+                <a16:creationId xmlns:a16="http://schemas.microsoft.com/office/drawing/2014/main" id="{40761C7C-57D5-DBFA-F0D4-EF636522403B}"/>
+              </a:ext>
+            </a:extLst>
+          </p:cNvPr>
+          <p:cNvSpPr txBox="1"/>
+          <p:nvPr/>
+        </p:nvSpPr>
+        <p:spPr>
+          <a:xfrm>
+            <a:off x="9234738" y="747572"/>
+            <a:ext cx="1144492" cy="369332"/>
+          </a:xfrm>
+          <a:prstGeom prst="rect">
+            <a:avLst/>
+          </a:prstGeom>
+          <a:noFill/>
+        </p:spPr>
+        <p:txBody>
+          <a:bodyPr wrap="square">
+            <a:spAutoFit/>
+          </a:bodyPr>
+          <a:lstStyle/>
+          <a:p>
+            <a:pPr algn="ctr"/>
+            <a:r>
+              <a:rPr lang="en-US" altLang="ko-Kore-KR" dirty="0">
+                <a:latin typeface="DM Mono" panose="020B0509040201040103" pitchFamily="49" charset="0"/>
+              </a:rPr>
+              <a:t>t</a:t>
+            </a:r>
+            <a:endParaRPr lang="ko-Kore-KR" altLang="en-US" dirty="0"/>
+          </a:p>
+        </p:txBody>
+      </p:sp>
+      <p:sp>
+        <p:nvSpPr>
+          <p:cNvPr id="18" name="직사각형 17">
+            <a:extLst>
+              <a:ext uri="{FF2B5EF4-FFF2-40B4-BE49-F238E27FC236}">
+                <a16:creationId xmlns:a16="http://schemas.microsoft.com/office/drawing/2014/main" id="{3DDDA9D3-A138-648B-BB4C-97D371EDE627}"/>
+              </a:ext>
+            </a:extLst>
+          </p:cNvPr>
+          <p:cNvSpPr/>
+          <p:nvPr/>
+        </p:nvSpPr>
+        <p:spPr>
+          <a:xfrm>
+            <a:off x="9297977" y="1579113"/>
+            <a:ext cx="1019503" cy="451945"/>
+          </a:xfrm>
+          <a:prstGeom prst="rect">
+            <a:avLst/>
+          </a:prstGeom>
+          <a:solidFill>
+            <a:srgbClr val="FFFF00"/>
+          </a:solidFill>
+        </p:spPr>
+        <p:style>
+          <a:lnRef idx="2">
+            <a:schemeClr val="accent1">
+              <a:shade val="50000"/>
+            </a:schemeClr>
+          </a:lnRef>
+          <a:fillRef idx="1">
+            <a:schemeClr val="accent1"/>
+          </a:fillRef>
+          <a:effectRef idx="0">
+            <a:schemeClr val="accent1"/>
+          </a:effectRef>
+          <a:fontRef idx="minor">
+            <a:schemeClr val="lt1"/>
+          </a:fontRef>
+        </p:style>
+        <p:txBody>
+          <a:bodyPr rtlCol="0" anchor="ctr"/>
+          <a:lstStyle/>
+          <a:p>
+            <a:pPr algn="ctr"/>
+            <a:endParaRPr kumimoji="1" lang="ko-Kore-KR" altLang="en-US" dirty="0">
+              <a:solidFill>
+                <a:schemeClr val="tx1"/>
+              </a:solidFill>
+              <a:latin typeface="DM Mono" panose="020B0509040201040103" pitchFamily="49" charset="0"/>
+            </a:endParaRPr>
+          </a:p>
+        </p:txBody>
+      </p:sp>
+      <p:sp>
+        <p:nvSpPr>
+          <p:cNvPr id="19" name="TextBox 18">
+            <a:extLst>
+              <a:ext uri="{FF2B5EF4-FFF2-40B4-BE49-F238E27FC236}">
+                <a16:creationId xmlns:a16="http://schemas.microsoft.com/office/drawing/2014/main" id="{EC978BDC-3685-4CAE-8272-9BEB74F94A53}"/>
+              </a:ext>
+            </a:extLst>
+          </p:cNvPr>
+          <p:cNvSpPr txBox="1"/>
+          <p:nvPr/>
+        </p:nvSpPr>
+        <p:spPr>
+          <a:xfrm>
+            <a:off x="7945518" y="1620419"/>
+            <a:ext cx="1352460" cy="369332"/>
+          </a:xfrm>
+          <a:prstGeom prst="rect">
+            <a:avLst/>
+          </a:prstGeom>
+          <a:noFill/>
+        </p:spPr>
+        <p:txBody>
+          <a:bodyPr wrap="square">
+            <a:spAutoFit/>
+          </a:bodyPr>
+          <a:lstStyle/>
+          <a:p>
+            <a:pPr algn="r"/>
+            <a:r>
+              <a:rPr lang="en-US" altLang="ko-Kore-KR" dirty="0">
+                <a:latin typeface="DM Mono" panose="020B0509040201040103" pitchFamily="49" charset="0"/>
+              </a:rPr>
+              <a:t>address</a:t>
+            </a:r>
+            <a:endParaRPr lang="ko-Kore-KR" altLang="en-US" dirty="0"/>
+          </a:p>
+        </p:txBody>
+      </p:sp>
+      <p:sp>
+        <p:nvSpPr>
+          <p:cNvPr id="20" name="직사각형 19">
+            <a:extLst>
+              <a:ext uri="{FF2B5EF4-FFF2-40B4-BE49-F238E27FC236}">
+                <a16:creationId xmlns:a16="http://schemas.microsoft.com/office/drawing/2014/main" id="{ADE37227-D46A-CA41-3141-A650E61499E4}"/>
+              </a:ext>
+            </a:extLst>
+          </p:cNvPr>
+          <p:cNvSpPr/>
+          <p:nvPr/>
+        </p:nvSpPr>
+        <p:spPr>
+          <a:xfrm>
+            <a:off x="9298721" y="2031057"/>
+            <a:ext cx="1019503" cy="451945"/>
+          </a:xfrm>
+          <a:prstGeom prst="rect">
+            <a:avLst/>
+          </a:prstGeom>
+          <a:solidFill>
+            <a:srgbClr val="FFFF00"/>
+          </a:solidFill>
+        </p:spPr>
+        <p:style>
+          <a:lnRef idx="2">
+            <a:schemeClr val="accent1">
+              <a:shade val="50000"/>
+            </a:schemeClr>
+          </a:lnRef>
+          <a:fillRef idx="1">
+            <a:schemeClr val="accent1"/>
+          </a:fillRef>
+          <a:effectRef idx="0">
+            <a:schemeClr val="accent1"/>
+          </a:effectRef>
+          <a:fontRef idx="minor">
+            <a:schemeClr val="lt1"/>
+          </a:fontRef>
+        </p:style>
+        <p:txBody>
+          <a:bodyPr rtlCol="0" anchor="ctr"/>
+          <a:lstStyle/>
+          <a:p>
+            <a:pPr algn="ctr"/>
+            <a:endParaRPr kumimoji="1" lang="ko-Kore-KR" altLang="en-US" dirty="0">
+              <a:solidFill>
+                <a:schemeClr val="tx1"/>
+              </a:solidFill>
+              <a:latin typeface="DM Mono" panose="020B0509040201040103" pitchFamily="49" charset="0"/>
+            </a:endParaRPr>
+          </a:p>
+        </p:txBody>
+      </p:sp>
+      <p:sp>
+        <p:nvSpPr>
+          <p:cNvPr id="21" name="TextBox 20">
+            <a:extLst>
+              <a:ext uri="{FF2B5EF4-FFF2-40B4-BE49-F238E27FC236}">
+                <a16:creationId xmlns:a16="http://schemas.microsoft.com/office/drawing/2014/main" id="{ED20716B-54CC-566D-B9B5-0C47326BB44E}"/>
+              </a:ext>
+            </a:extLst>
+          </p:cNvPr>
+          <p:cNvSpPr txBox="1"/>
+          <p:nvPr/>
+        </p:nvSpPr>
+        <p:spPr>
+          <a:xfrm>
+            <a:off x="8279218" y="2072363"/>
+            <a:ext cx="1019503" cy="369332"/>
+          </a:xfrm>
+          <a:prstGeom prst="rect">
+            <a:avLst/>
+          </a:prstGeom>
+          <a:noFill/>
+        </p:spPr>
+        <p:txBody>
+          <a:bodyPr wrap="square">
+            <a:spAutoFit/>
+          </a:bodyPr>
+          <a:lstStyle/>
+          <a:p>
+            <a:pPr algn="r"/>
+            <a:r>
+              <a:rPr lang="en-US" altLang="ko-Kore-KR" dirty="0">
+                <a:latin typeface="DM Mono" panose="020B0509040201040103" pitchFamily="49" charset="0"/>
+              </a:rPr>
+              <a:t>age</a:t>
+            </a:r>
+            <a:endParaRPr lang="ko-Kore-KR" altLang="en-US" dirty="0"/>
+          </a:p>
+        </p:txBody>
+      </p:sp>
+      <p:sp>
+        <p:nvSpPr>
+          <p:cNvPr id="22" name="직사각형 21">
+            <a:extLst>
+              <a:ext uri="{FF2B5EF4-FFF2-40B4-BE49-F238E27FC236}">
+                <a16:creationId xmlns:a16="http://schemas.microsoft.com/office/drawing/2014/main" id="{4B187C23-31FB-46F3-3426-C76BF0669468}"/>
+              </a:ext>
+            </a:extLst>
+          </p:cNvPr>
+          <p:cNvSpPr/>
+          <p:nvPr/>
+        </p:nvSpPr>
+        <p:spPr>
+          <a:xfrm>
+            <a:off x="9299465" y="2483001"/>
+            <a:ext cx="1019503" cy="451945"/>
+          </a:xfrm>
+          <a:prstGeom prst="rect">
+            <a:avLst/>
+          </a:prstGeom>
+          <a:solidFill>
+            <a:srgbClr val="FFFF00"/>
+          </a:solidFill>
+        </p:spPr>
+        <p:style>
+          <a:lnRef idx="2">
+            <a:schemeClr val="accent1">
+              <a:shade val="50000"/>
+            </a:schemeClr>
+          </a:lnRef>
+          <a:fillRef idx="1">
+            <a:schemeClr val="accent1"/>
+          </a:fillRef>
+          <a:effectRef idx="0">
+            <a:schemeClr val="accent1"/>
+          </a:effectRef>
+          <a:fontRef idx="minor">
+            <a:schemeClr val="lt1"/>
+          </a:fontRef>
+        </p:style>
+        <p:txBody>
+          <a:bodyPr rtlCol="0" anchor="ctr"/>
+          <a:lstStyle/>
+          <a:p>
+            <a:pPr algn="ctr"/>
+            <a:endParaRPr kumimoji="1" lang="ko-Kore-KR" altLang="en-US" dirty="0">
+              <a:solidFill>
+                <a:schemeClr val="tx1"/>
+              </a:solidFill>
+              <a:latin typeface="DM Mono" panose="020B0509040201040103" pitchFamily="49" charset="0"/>
+            </a:endParaRPr>
+          </a:p>
+        </p:txBody>
+      </p:sp>
+      <p:sp>
+        <p:nvSpPr>
+          <p:cNvPr id="23" name="TextBox 22">
+            <a:extLst>
+              <a:ext uri="{FF2B5EF4-FFF2-40B4-BE49-F238E27FC236}">
+                <a16:creationId xmlns:a16="http://schemas.microsoft.com/office/drawing/2014/main" id="{49CFF480-1778-12D6-EEB9-C5A2137AB9CC}"/>
+              </a:ext>
+            </a:extLst>
+          </p:cNvPr>
+          <p:cNvSpPr txBox="1"/>
+          <p:nvPr/>
+        </p:nvSpPr>
+        <p:spPr>
+          <a:xfrm>
+            <a:off x="8279962" y="2524307"/>
+            <a:ext cx="1019503" cy="369332"/>
+          </a:xfrm>
+          <a:prstGeom prst="rect">
+            <a:avLst/>
+          </a:prstGeom>
+          <a:noFill/>
+        </p:spPr>
+        <p:txBody>
+          <a:bodyPr wrap="square">
+            <a:spAutoFit/>
+          </a:bodyPr>
+          <a:lstStyle/>
+          <a:p>
+            <a:pPr algn="r"/>
+            <a:r>
+              <a:rPr lang="en-US" altLang="ko-Kore-KR" dirty="0">
+                <a:latin typeface="DM Mono" panose="020B0509040201040103" pitchFamily="49" charset="0"/>
+              </a:rPr>
+              <a:t>major</a:t>
+            </a:r>
+            <a:endParaRPr lang="ko-Kore-KR" altLang="en-US" dirty="0"/>
+          </a:p>
+        </p:txBody>
+      </p:sp>
+    </p:spTree>
+    <p:extLst>
+      <p:ext uri="{BB962C8B-B14F-4D97-AF65-F5344CB8AC3E}">
+        <p14:creationId xmlns:p14="http://schemas.microsoft.com/office/powerpoint/2010/main" val="3961115016"/>
+      </p:ext>
+    </p:extLst>
+  </p:cSld>
+  <p:clrMapOvr>
+    <a:masterClrMapping/>
+  </p:clrMapOvr>
+</p:sld>
+</file>
+
+<file path=ppt/slides/slide29.xml><?xml version="1.0" encoding="utf-8"?>
+<p:sld xmlns:a="http://schemas.openxmlformats.org/drawingml/2006/main" xmlns:r="http://schemas.openxmlformats.org/officeDocument/2006/relationships" xmlns:p="http://schemas.openxmlformats.org/presentationml/2006/main">
+  <p:cSld>
+    <p:spTree>
+      <p:nvGrpSpPr>
+        <p:cNvPr id="1" name=""/>
+        <p:cNvGrpSpPr/>
+        <p:nvPr/>
+      </p:nvGrpSpPr>
+      <p:grpSpPr>
+        <a:xfrm>
+          <a:off x="0" y="0"/>
+          <a:ext cx="0" cy="0"/>
+          <a:chOff x="0" y="0"/>
+          <a:chExt cx="0" cy="0"/>
+        </a:xfrm>
+      </p:grpSpPr>
+      <p:sp>
+        <p:nvSpPr>
+          <p:cNvPr id="5" name="TextBox 4">
+            <a:extLst>
+              <a:ext uri="{FF2B5EF4-FFF2-40B4-BE49-F238E27FC236}">
+                <a16:creationId xmlns:a16="http://schemas.microsoft.com/office/drawing/2014/main" id="{34D58F54-98B4-2C68-5D04-628EB5B1D793}"/>
+              </a:ext>
+            </a:extLst>
+          </p:cNvPr>
+          <p:cNvSpPr txBox="1"/>
+          <p:nvPr/>
+        </p:nvSpPr>
+        <p:spPr>
+          <a:xfrm>
+            <a:off x="390345" y="274464"/>
+            <a:ext cx="6094562" cy="4524315"/>
+          </a:xfrm>
+          <a:prstGeom prst="rect">
+            <a:avLst/>
+          </a:prstGeom>
+          <a:noFill/>
+        </p:spPr>
+        <p:txBody>
+          <a:bodyPr wrap="square">
+            <a:spAutoFit/>
+          </a:bodyPr>
+          <a:lstStyle/>
+          <a:p>
+            <a:r>
+              <a:rPr lang="en-US" altLang="ko-Kore-KR" dirty="0">
+                <a:latin typeface="DM Mono" panose="020B0509040201040103" pitchFamily="49" charset="0"/>
+              </a:rPr>
+              <a:t>class User {</a:t>
+            </a:r>
+          </a:p>
+          <a:p>
+            <a:r>
+              <a:rPr lang="en-US" altLang="ko-Kore-KR" dirty="0">
+                <a:latin typeface="DM Mono" panose="020B0509040201040103" pitchFamily="49" charset="0"/>
+              </a:rPr>
+              <a:t>    string name;</a:t>
+            </a:r>
+          </a:p>
+          <a:p>
+            <a:r>
+              <a:rPr lang="en-US" altLang="ko-Kore-KR" dirty="0">
+                <a:latin typeface="DM Mono" panose="020B0509040201040103" pitchFamily="49" charset="0"/>
+              </a:rPr>
+              <a:t>    string address;</a:t>
+            </a:r>
+          </a:p>
+          <a:p>
+            <a:r>
+              <a:rPr lang="en-US" altLang="ko-Kore-KR" dirty="0">
+                <a:latin typeface="DM Mono" panose="020B0509040201040103" pitchFamily="49" charset="0"/>
+              </a:rPr>
+              <a:t>    int age;</a:t>
+            </a:r>
+          </a:p>
+          <a:p>
+            <a:r>
+              <a:rPr lang="en-US" altLang="ko-Kore-KR" dirty="0">
+                <a:latin typeface="DM Mono" panose="020B0509040201040103" pitchFamily="49" charset="0"/>
+              </a:rPr>
+              <a:t>};</a:t>
+            </a:r>
+          </a:p>
+          <a:p>
+            <a:endParaRPr lang="en-US" altLang="ko-Kore-KR" dirty="0">
+              <a:latin typeface="DM Mono" panose="020B0509040201040103" pitchFamily="49" charset="0"/>
+            </a:endParaRPr>
+          </a:p>
+          <a:p>
+            <a:r>
+              <a:rPr lang="ko-Kore-KR" altLang="en-US" dirty="0">
+                <a:latin typeface="DM Mono" panose="020B0509040201040103" pitchFamily="49" charset="0"/>
+              </a:rPr>
+              <a:t>class Student</a:t>
+            </a:r>
+            <a:r>
+              <a:rPr lang="en-US" altLang="ko-Kore-KR" dirty="0">
+                <a:latin typeface="DM Mono" panose="020B0509040201040103" pitchFamily="49" charset="0"/>
+              </a:rPr>
+              <a:t>: public User</a:t>
+            </a:r>
+            <a:r>
+              <a:rPr lang="ko-Kore-KR" altLang="en-US" dirty="0">
+                <a:latin typeface="DM Mono" panose="020B0509040201040103" pitchFamily="49" charset="0"/>
+              </a:rPr>
+              <a:t> {</a:t>
+            </a:r>
+          </a:p>
+          <a:p>
+            <a:r>
+              <a:rPr lang="en-US" altLang="ko-Kore-KR" dirty="0">
+                <a:latin typeface="DM Mono" panose="020B0509040201040103" pitchFamily="49" charset="0"/>
+              </a:rPr>
+              <a:t>   </a:t>
+            </a:r>
+            <a:r>
+              <a:rPr lang="ko-Kore-KR" altLang="en-US" dirty="0">
+                <a:latin typeface="DM Mono" panose="020B0509040201040103" pitchFamily="49" charset="0"/>
+              </a:rPr>
+              <a:t>int id;</a:t>
+            </a:r>
+            <a:endParaRPr lang="en-US" altLang="ko-Kore-KR" dirty="0">
+              <a:latin typeface="DM Mono" panose="020B0509040201040103" pitchFamily="49" charset="0"/>
+            </a:endParaRPr>
+          </a:p>
+          <a:p>
+            <a:r>
+              <a:rPr lang="en-US" altLang="ko-Kore-KR" dirty="0">
+                <a:latin typeface="DM Mono" panose="020B0509040201040103" pitchFamily="49" charset="0"/>
+              </a:rPr>
+              <a:t>};</a:t>
+            </a:r>
+          </a:p>
+          <a:p>
+            <a:endParaRPr lang="en-US" altLang="ko-KR" dirty="0">
+              <a:latin typeface="DM Mono" panose="020B0509040201040103" pitchFamily="49" charset="0"/>
+            </a:endParaRPr>
+          </a:p>
+          <a:p>
+            <a:r>
+              <a:rPr lang="en-US" altLang="ko-KR" dirty="0">
+                <a:latin typeface="DM Mono" panose="020B0509040201040103" pitchFamily="49" charset="0"/>
+              </a:rPr>
+              <a:t>class Teacher: public User {</a:t>
+            </a:r>
+          </a:p>
+          <a:p>
+            <a:r>
+              <a:rPr lang="en-US" altLang="ko-KR" dirty="0">
+                <a:latin typeface="DM Mono" panose="020B0509040201040103" pitchFamily="49" charset="0"/>
+              </a:rPr>
+              <a:t>   string major;</a:t>
+            </a:r>
+          </a:p>
+          <a:p>
+            <a:r>
+              <a:rPr lang="en-US" altLang="ko-KR" dirty="0">
+                <a:latin typeface="DM Mono" panose="020B0509040201040103" pitchFamily="49" charset="0"/>
+              </a:rPr>
+              <a:t>}</a:t>
+            </a:r>
+          </a:p>
+          <a:p>
+            <a:endParaRPr lang="en-US" altLang="ko-KR" dirty="0">
+              <a:latin typeface="DM Mono" panose="020B0509040201040103" pitchFamily="49" charset="0"/>
+            </a:endParaRPr>
+          </a:p>
+          <a:p>
+            <a:r>
+              <a:rPr lang="en-US" altLang="ko-KR" dirty="0">
+                <a:latin typeface="DM Mono" panose="020B0509040201040103" pitchFamily="49" charset="0"/>
+              </a:rPr>
+              <a:t>Student s;</a:t>
+            </a:r>
+          </a:p>
+          <a:p>
+            <a:r>
+              <a:rPr lang="en-US" altLang="ko-KR" dirty="0">
+                <a:latin typeface="DM Mono" panose="020B0509040201040103" pitchFamily="49" charset="0"/>
+              </a:rPr>
+              <a:t>Teacher t;</a:t>
+            </a:r>
+          </a:p>
+        </p:txBody>
+      </p:sp>
+      <p:sp>
+        <p:nvSpPr>
+          <p:cNvPr id="6" name="직사각형 5">
+            <a:extLst>
+              <a:ext uri="{FF2B5EF4-FFF2-40B4-BE49-F238E27FC236}">
+                <a16:creationId xmlns:a16="http://schemas.microsoft.com/office/drawing/2014/main" id="{5452FB19-9A11-6F3C-8FE1-DAD1E65F9222}"/>
+              </a:ext>
+            </a:extLst>
+          </p:cNvPr>
+          <p:cNvSpPr/>
+          <p:nvPr/>
+        </p:nvSpPr>
+        <p:spPr>
+          <a:xfrm>
+            <a:off x="6674214" y="1189030"/>
+            <a:ext cx="1019503" cy="451945"/>
+          </a:xfrm>
+          <a:prstGeom prst="rect">
+            <a:avLst/>
+          </a:prstGeom>
+          <a:solidFill>
+            <a:srgbClr val="92D050"/>
+          </a:solidFill>
+        </p:spPr>
+        <p:style>
+          <a:lnRef idx="2">
+            <a:schemeClr val="accent1">
+              <a:shade val="50000"/>
+            </a:schemeClr>
+          </a:lnRef>
+          <a:fillRef idx="1">
+            <a:schemeClr val="accent1"/>
+          </a:fillRef>
+          <a:effectRef idx="0">
+            <a:schemeClr val="accent1"/>
+          </a:effectRef>
+          <a:fontRef idx="minor">
+            <a:schemeClr val="lt1"/>
+          </a:fontRef>
+        </p:style>
+        <p:txBody>
+          <a:bodyPr rtlCol="0" anchor="ctr"/>
+          <a:lstStyle/>
+          <a:p>
+            <a:pPr algn="ctr"/>
+            <a:endParaRPr kumimoji="1" lang="ko-Kore-KR" altLang="en-US" dirty="0">
+              <a:solidFill>
+                <a:schemeClr val="tx1"/>
+              </a:solidFill>
+              <a:latin typeface="DM Mono" panose="020B0509040201040103" pitchFamily="49" charset="0"/>
+            </a:endParaRPr>
+          </a:p>
+        </p:txBody>
+      </p:sp>
+      <p:sp>
+        <p:nvSpPr>
+          <p:cNvPr id="7" name="TextBox 6">
+            <a:extLst>
+              <a:ext uri="{FF2B5EF4-FFF2-40B4-BE49-F238E27FC236}">
+                <a16:creationId xmlns:a16="http://schemas.microsoft.com/office/drawing/2014/main" id="{37926622-6C2F-8DCF-00CB-97FAAA983B22}"/>
+              </a:ext>
+            </a:extLst>
+          </p:cNvPr>
+          <p:cNvSpPr txBox="1"/>
+          <p:nvPr/>
+        </p:nvSpPr>
+        <p:spPr>
+          <a:xfrm>
+            <a:off x="5654711" y="1230336"/>
+            <a:ext cx="1019503" cy="369332"/>
+          </a:xfrm>
+          <a:prstGeom prst="rect">
+            <a:avLst/>
+          </a:prstGeom>
+          <a:noFill/>
+        </p:spPr>
+        <p:txBody>
+          <a:bodyPr wrap="square">
+            <a:spAutoFit/>
+          </a:bodyPr>
+          <a:lstStyle/>
+          <a:p>
+            <a:pPr algn="r"/>
+            <a:r>
+              <a:rPr lang="en-US" altLang="ko-Kore-KR" dirty="0">
+                <a:latin typeface="DM Mono" panose="020B0509040201040103" pitchFamily="49" charset="0"/>
+              </a:rPr>
+              <a:t>name</a:t>
+            </a:r>
+            <a:endParaRPr lang="ko-Kore-KR" altLang="en-US" dirty="0"/>
+          </a:p>
+        </p:txBody>
+      </p:sp>
+      <p:sp>
+        <p:nvSpPr>
+          <p:cNvPr id="8" name="TextBox 7">
+            <a:extLst>
+              <a:ext uri="{FF2B5EF4-FFF2-40B4-BE49-F238E27FC236}">
+                <a16:creationId xmlns:a16="http://schemas.microsoft.com/office/drawing/2014/main" id="{99F073FF-CB5E-6ED4-36C8-E227693BE69C}"/>
+              </a:ext>
+            </a:extLst>
+          </p:cNvPr>
+          <p:cNvSpPr txBox="1"/>
+          <p:nvPr/>
+        </p:nvSpPr>
+        <p:spPr>
+          <a:xfrm>
+            <a:off x="6611719" y="809433"/>
+            <a:ext cx="1144492" cy="369332"/>
+          </a:xfrm>
+          <a:prstGeom prst="rect">
+            <a:avLst/>
+          </a:prstGeom>
+          <a:noFill/>
+        </p:spPr>
+        <p:txBody>
+          <a:bodyPr wrap="square">
+            <a:spAutoFit/>
+          </a:bodyPr>
+          <a:lstStyle/>
+          <a:p>
+            <a:pPr algn="ctr"/>
+            <a:r>
+              <a:rPr lang="en-US" altLang="ko-Kore-KR" dirty="0">
+                <a:latin typeface="DM Mono" panose="020B0509040201040103" pitchFamily="49" charset="0"/>
+              </a:rPr>
+              <a:t>s</a:t>
+            </a:r>
+            <a:endParaRPr lang="ko-Kore-KR" altLang="en-US" dirty="0"/>
+          </a:p>
+        </p:txBody>
+      </p:sp>
+      <p:sp>
+        <p:nvSpPr>
+          <p:cNvPr id="9" name="직사각형 8">
+            <a:extLst>
+              <a:ext uri="{FF2B5EF4-FFF2-40B4-BE49-F238E27FC236}">
+                <a16:creationId xmlns:a16="http://schemas.microsoft.com/office/drawing/2014/main" id="{43EB485C-A387-DD41-EF5E-E5AAA8FD40AB}"/>
+              </a:ext>
+            </a:extLst>
+          </p:cNvPr>
+          <p:cNvSpPr/>
+          <p:nvPr/>
+        </p:nvSpPr>
+        <p:spPr>
+          <a:xfrm>
+            <a:off x="6674958" y="1640974"/>
+            <a:ext cx="1019503" cy="451945"/>
+          </a:xfrm>
+          <a:prstGeom prst="rect">
+            <a:avLst/>
+          </a:prstGeom>
+          <a:solidFill>
+            <a:srgbClr val="92D050"/>
+          </a:solidFill>
+        </p:spPr>
+        <p:style>
+          <a:lnRef idx="2">
+            <a:schemeClr val="accent1">
+              <a:shade val="50000"/>
+            </a:schemeClr>
+          </a:lnRef>
+          <a:fillRef idx="1">
+            <a:schemeClr val="accent1"/>
+          </a:fillRef>
+          <a:effectRef idx="0">
+            <a:schemeClr val="accent1"/>
+          </a:effectRef>
+          <a:fontRef idx="minor">
+            <a:schemeClr val="lt1"/>
+          </a:fontRef>
+        </p:style>
+        <p:txBody>
+          <a:bodyPr rtlCol="0" anchor="ctr"/>
+          <a:lstStyle/>
+          <a:p>
+            <a:pPr algn="ctr"/>
+            <a:endParaRPr kumimoji="1" lang="ko-Kore-KR" altLang="en-US" dirty="0">
+              <a:solidFill>
+                <a:schemeClr val="tx1"/>
+              </a:solidFill>
+              <a:latin typeface="DM Mono" panose="020B0509040201040103" pitchFamily="49" charset="0"/>
+            </a:endParaRPr>
+          </a:p>
+        </p:txBody>
+      </p:sp>
+      <p:sp>
+        <p:nvSpPr>
+          <p:cNvPr id="10" name="TextBox 9">
+            <a:extLst>
+              <a:ext uri="{FF2B5EF4-FFF2-40B4-BE49-F238E27FC236}">
+                <a16:creationId xmlns:a16="http://schemas.microsoft.com/office/drawing/2014/main" id="{D9D19836-9280-E9B8-3490-537F289418E5}"/>
+              </a:ext>
+            </a:extLst>
+          </p:cNvPr>
+          <p:cNvSpPr txBox="1"/>
+          <p:nvPr/>
+        </p:nvSpPr>
+        <p:spPr>
+          <a:xfrm>
+            <a:off x="5322499" y="1682280"/>
+            <a:ext cx="1352460" cy="369332"/>
+          </a:xfrm>
+          <a:prstGeom prst="rect">
+            <a:avLst/>
+          </a:prstGeom>
+          <a:noFill/>
+        </p:spPr>
+        <p:txBody>
+          <a:bodyPr wrap="square">
+            <a:spAutoFit/>
+          </a:bodyPr>
+          <a:lstStyle/>
+          <a:p>
+            <a:pPr algn="r"/>
+            <a:r>
+              <a:rPr lang="en-US" altLang="ko-Kore-KR" dirty="0">
+                <a:latin typeface="DM Mono" panose="020B0509040201040103" pitchFamily="49" charset="0"/>
+              </a:rPr>
+              <a:t>address</a:t>
+            </a:r>
+            <a:endParaRPr lang="ko-Kore-KR" altLang="en-US" dirty="0"/>
+          </a:p>
+        </p:txBody>
+      </p:sp>
+      <p:sp>
+        <p:nvSpPr>
+          <p:cNvPr id="11" name="직사각형 10">
+            <a:extLst>
+              <a:ext uri="{FF2B5EF4-FFF2-40B4-BE49-F238E27FC236}">
+                <a16:creationId xmlns:a16="http://schemas.microsoft.com/office/drawing/2014/main" id="{A57C19F2-64B4-4B2F-2E8E-259CA465D573}"/>
+              </a:ext>
+            </a:extLst>
+          </p:cNvPr>
+          <p:cNvSpPr/>
+          <p:nvPr/>
+        </p:nvSpPr>
+        <p:spPr>
+          <a:xfrm>
+            <a:off x="6675702" y="2092918"/>
+            <a:ext cx="1019503" cy="451945"/>
+          </a:xfrm>
+          <a:prstGeom prst="rect">
+            <a:avLst/>
+          </a:prstGeom>
+          <a:solidFill>
+            <a:srgbClr val="92D050"/>
+          </a:solidFill>
+        </p:spPr>
+        <p:style>
+          <a:lnRef idx="2">
+            <a:schemeClr val="accent1">
+              <a:shade val="50000"/>
+            </a:schemeClr>
+          </a:lnRef>
+          <a:fillRef idx="1">
+            <a:schemeClr val="accent1"/>
+          </a:fillRef>
+          <a:effectRef idx="0">
+            <a:schemeClr val="accent1"/>
+          </a:effectRef>
+          <a:fontRef idx="minor">
+            <a:schemeClr val="lt1"/>
+          </a:fontRef>
+        </p:style>
+        <p:txBody>
+          <a:bodyPr rtlCol="0" anchor="ctr"/>
+          <a:lstStyle/>
+          <a:p>
+            <a:pPr algn="ctr"/>
+            <a:endParaRPr kumimoji="1" lang="ko-Kore-KR" altLang="en-US" dirty="0">
+              <a:solidFill>
+                <a:schemeClr val="tx1"/>
+              </a:solidFill>
+              <a:latin typeface="DM Mono" panose="020B0509040201040103" pitchFamily="49" charset="0"/>
+            </a:endParaRPr>
+          </a:p>
+        </p:txBody>
+      </p:sp>
+      <p:sp>
+        <p:nvSpPr>
+          <p:cNvPr id="12" name="TextBox 11">
+            <a:extLst>
+              <a:ext uri="{FF2B5EF4-FFF2-40B4-BE49-F238E27FC236}">
+                <a16:creationId xmlns:a16="http://schemas.microsoft.com/office/drawing/2014/main" id="{1B0D8982-783B-7C4A-0DEC-5FAF664602E9}"/>
+              </a:ext>
+            </a:extLst>
+          </p:cNvPr>
+          <p:cNvSpPr txBox="1"/>
+          <p:nvPr/>
+        </p:nvSpPr>
+        <p:spPr>
+          <a:xfrm>
+            <a:off x="5656199" y="2134224"/>
+            <a:ext cx="1019503" cy="369332"/>
+          </a:xfrm>
+          <a:prstGeom prst="rect">
+            <a:avLst/>
+          </a:prstGeom>
+          <a:noFill/>
+        </p:spPr>
+        <p:txBody>
+          <a:bodyPr wrap="square">
+            <a:spAutoFit/>
+          </a:bodyPr>
+          <a:lstStyle/>
+          <a:p>
+            <a:pPr algn="r"/>
+            <a:r>
+              <a:rPr lang="en-US" altLang="ko-Kore-KR" dirty="0">
+                <a:latin typeface="DM Mono" panose="020B0509040201040103" pitchFamily="49" charset="0"/>
+              </a:rPr>
+              <a:t>age</a:t>
+            </a:r>
+            <a:endParaRPr lang="ko-Kore-KR" altLang="en-US" dirty="0"/>
+          </a:p>
+        </p:txBody>
+      </p:sp>
+      <p:sp>
+        <p:nvSpPr>
+          <p:cNvPr id="13" name="직사각형 12">
+            <a:extLst>
+              <a:ext uri="{FF2B5EF4-FFF2-40B4-BE49-F238E27FC236}">
+                <a16:creationId xmlns:a16="http://schemas.microsoft.com/office/drawing/2014/main" id="{DE16C555-EDE2-CE02-0C08-18CF4053931D}"/>
+              </a:ext>
+            </a:extLst>
+          </p:cNvPr>
+          <p:cNvSpPr/>
+          <p:nvPr/>
+        </p:nvSpPr>
+        <p:spPr>
+          <a:xfrm>
+            <a:off x="6676446" y="2544862"/>
+            <a:ext cx="1019503" cy="451945"/>
+          </a:xfrm>
+          <a:prstGeom prst="rect">
+            <a:avLst/>
+          </a:prstGeom>
+          <a:solidFill>
+            <a:srgbClr val="FFFF00"/>
+          </a:solidFill>
+        </p:spPr>
+        <p:style>
+          <a:lnRef idx="2">
+            <a:schemeClr val="accent1">
+              <a:shade val="50000"/>
+            </a:schemeClr>
+          </a:lnRef>
+          <a:fillRef idx="1">
+            <a:schemeClr val="accent1"/>
+          </a:fillRef>
+          <a:effectRef idx="0">
+            <a:schemeClr val="accent1"/>
+          </a:effectRef>
+          <a:fontRef idx="minor">
+            <a:schemeClr val="lt1"/>
+          </a:fontRef>
+        </p:style>
+        <p:txBody>
+          <a:bodyPr rtlCol="0" anchor="ctr"/>
+          <a:lstStyle/>
+          <a:p>
+            <a:pPr algn="ctr"/>
+            <a:endParaRPr kumimoji="1" lang="ko-Kore-KR" altLang="en-US" dirty="0">
+              <a:solidFill>
+                <a:schemeClr val="tx1"/>
+              </a:solidFill>
+              <a:latin typeface="DM Mono" panose="020B0509040201040103" pitchFamily="49" charset="0"/>
+            </a:endParaRPr>
+          </a:p>
+        </p:txBody>
+      </p:sp>
+      <p:sp>
+        <p:nvSpPr>
+          <p:cNvPr id="14" name="TextBox 13">
+            <a:extLst>
+              <a:ext uri="{FF2B5EF4-FFF2-40B4-BE49-F238E27FC236}">
+                <a16:creationId xmlns:a16="http://schemas.microsoft.com/office/drawing/2014/main" id="{C3654FA9-B537-0B07-804B-A7F7AC5B7FCB}"/>
+              </a:ext>
+            </a:extLst>
+          </p:cNvPr>
+          <p:cNvSpPr txBox="1"/>
+          <p:nvPr/>
+        </p:nvSpPr>
+        <p:spPr>
+          <a:xfrm>
+            <a:off x="5656943" y="2586168"/>
+            <a:ext cx="1019503" cy="369332"/>
+          </a:xfrm>
+          <a:prstGeom prst="rect">
+            <a:avLst/>
+          </a:prstGeom>
+          <a:noFill/>
+        </p:spPr>
+        <p:txBody>
+          <a:bodyPr wrap="square">
+            <a:spAutoFit/>
+          </a:bodyPr>
+          <a:lstStyle/>
+          <a:p>
+            <a:pPr algn="r"/>
+            <a:r>
+              <a:rPr lang="en-US" altLang="ko-Kore-KR" dirty="0">
+                <a:latin typeface="DM Mono" panose="020B0509040201040103" pitchFamily="49" charset="0"/>
+              </a:rPr>
+              <a:t>id</a:t>
+            </a:r>
+            <a:endParaRPr lang="ko-Kore-KR" altLang="en-US" dirty="0"/>
+          </a:p>
+        </p:txBody>
+      </p:sp>
+      <p:sp>
+        <p:nvSpPr>
+          <p:cNvPr id="15" name="직사각형 14">
+            <a:extLst>
+              <a:ext uri="{FF2B5EF4-FFF2-40B4-BE49-F238E27FC236}">
+                <a16:creationId xmlns:a16="http://schemas.microsoft.com/office/drawing/2014/main" id="{66D4AF45-92BD-7481-2612-15B264C10956}"/>
+              </a:ext>
+            </a:extLst>
+          </p:cNvPr>
+          <p:cNvSpPr/>
+          <p:nvPr/>
+        </p:nvSpPr>
+        <p:spPr>
+          <a:xfrm>
+            <a:off x="9297233" y="1127169"/>
+            <a:ext cx="1019503" cy="451945"/>
+          </a:xfrm>
+          <a:prstGeom prst="rect">
+            <a:avLst/>
+          </a:prstGeom>
+          <a:solidFill>
+            <a:srgbClr val="92D050"/>
+          </a:solidFill>
+        </p:spPr>
+        <p:style>
+          <a:lnRef idx="2">
+            <a:schemeClr val="accent1">
+              <a:shade val="50000"/>
+            </a:schemeClr>
+          </a:lnRef>
+          <a:fillRef idx="1">
+            <a:schemeClr val="accent1"/>
+          </a:fillRef>
+          <a:effectRef idx="0">
+            <a:schemeClr val="accent1"/>
+          </a:effectRef>
+          <a:fontRef idx="minor">
+            <a:schemeClr val="lt1"/>
+          </a:fontRef>
+        </p:style>
+        <p:txBody>
+          <a:bodyPr rtlCol="0" anchor="ctr"/>
+          <a:lstStyle/>
+          <a:p>
+            <a:pPr algn="ctr"/>
+            <a:endParaRPr kumimoji="1" lang="ko-Kore-KR" altLang="en-US" dirty="0">
+              <a:solidFill>
+                <a:schemeClr val="tx1"/>
+              </a:solidFill>
+              <a:latin typeface="DM Mono" panose="020B0509040201040103" pitchFamily="49" charset="0"/>
+            </a:endParaRPr>
+          </a:p>
+        </p:txBody>
+      </p:sp>
+      <p:sp>
+        <p:nvSpPr>
+          <p:cNvPr id="16" name="TextBox 15">
+            <a:extLst>
+              <a:ext uri="{FF2B5EF4-FFF2-40B4-BE49-F238E27FC236}">
+                <a16:creationId xmlns:a16="http://schemas.microsoft.com/office/drawing/2014/main" id="{61E4A52D-117A-CD2A-B06C-A6F5F33F6FB8}"/>
+              </a:ext>
+            </a:extLst>
+          </p:cNvPr>
+          <p:cNvSpPr txBox="1"/>
+          <p:nvPr/>
+        </p:nvSpPr>
+        <p:spPr>
+          <a:xfrm>
+            <a:off x="8277730" y="1168475"/>
+            <a:ext cx="1019503" cy="369332"/>
+          </a:xfrm>
+          <a:prstGeom prst="rect">
+            <a:avLst/>
+          </a:prstGeom>
+          <a:noFill/>
+        </p:spPr>
+        <p:txBody>
+          <a:bodyPr wrap="square">
+            <a:spAutoFit/>
+          </a:bodyPr>
+          <a:lstStyle/>
+          <a:p>
+            <a:pPr algn="r"/>
+            <a:r>
+              <a:rPr lang="en-US" altLang="ko-Kore-KR" dirty="0">
+                <a:latin typeface="DM Mono" panose="020B0509040201040103" pitchFamily="49" charset="0"/>
+              </a:rPr>
+              <a:t>name</a:t>
+            </a:r>
+            <a:endParaRPr lang="ko-Kore-KR" altLang="en-US" dirty="0"/>
+          </a:p>
+        </p:txBody>
+      </p:sp>
+      <p:sp>
+        <p:nvSpPr>
+          <p:cNvPr id="17" name="TextBox 16">
+            <a:extLst>
+              <a:ext uri="{FF2B5EF4-FFF2-40B4-BE49-F238E27FC236}">
+                <a16:creationId xmlns:a16="http://schemas.microsoft.com/office/drawing/2014/main" id="{40761C7C-57D5-DBFA-F0D4-EF636522403B}"/>
+              </a:ext>
+            </a:extLst>
+          </p:cNvPr>
+          <p:cNvSpPr txBox="1"/>
+          <p:nvPr/>
+        </p:nvSpPr>
+        <p:spPr>
+          <a:xfrm>
+            <a:off x="9234738" y="747572"/>
+            <a:ext cx="1144492" cy="369332"/>
+          </a:xfrm>
+          <a:prstGeom prst="rect">
+            <a:avLst/>
+          </a:prstGeom>
+          <a:noFill/>
+        </p:spPr>
+        <p:txBody>
+          <a:bodyPr wrap="square">
+            <a:spAutoFit/>
+          </a:bodyPr>
+          <a:lstStyle/>
+          <a:p>
+            <a:pPr algn="ctr"/>
+            <a:r>
+              <a:rPr lang="en-US" altLang="ko-Kore-KR" dirty="0">
+                <a:latin typeface="DM Mono" panose="020B0509040201040103" pitchFamily="49" charset="0"/>
+              </a:rPr>
+              <a:t>t</a:t>
+            </a:r>
+            <a:endParaRPr lang="ko-Kore-KR" altLang="en-US" dirty="0"/>
+          </a:p>
+        </p:txBody>
+      </p:sp>
+      <p:sp>
+        <p:nvSpPr>
+          <p:cNvPr id="18" name="직사각형 17">
+            <a:extLst>
+              <a:ext uri="{FF2B5EF4-FFF2-40B4-BE49-F238E27FC236}">
+                <a16:creationId xmlns:a16="http://schemas.microsoft.com/office/drawing/2014/main" id="{3DDDA9D3-A138-648B-BB4C-97D371EDE627}"/>
+              </a:ext>
+            </a:extLst>
+          </p:cNvPr>
+          <p:cNvSpPr/>
+          <p:nvPr/>
+        </p:nvSpPr>
+        <p:spPr>
+          <a:xfrm>
+            <a:off x="9297977" y="1579113"/>
+            <a:ext cx="1019503" cy="451945"/>
+          </a:xfrm>
+          <a:prstGeom prst="rect">
+            <a:avLst/>
+          </a:prstGeom>
+          <a:solidFill>
+            <a:srgbClr val="92D050"/>
+          </a:solidFill>
+        </p:spPr>
+        <p:style>
+          <a:lnRef idx="2">
+            <a:schemeClr val="accent1">
+              <a:shade val="50000"/>
+            </a:schemeClr>
+          </a:lnRef>
+          <a:fillRef idx="1">
+            <a:schemeClr val="accent1"/>
+          </a:fillRef>
+          <a:effectRef idx="0">
+            <a:schemeClr val="accent1"/>
+          </a:effectRef>
+          <a:fontRef idx="minor">
+            <a:schemeClr val="lt1"/>
+          </a:fontRef>
+        </p:style>
+        <p:txBody>
+          <a:bodyPr rtlCol="0" anchor="ctr"/>
+          <a:lstStyle/>
+          <a:p>
+            <a:pPr algn="ctr"/>
+            <a:endParaRPr kumimoji="1" lang="ko-Kore-KR" altLang="en-US" dirty="0">
+              <a:solidFill>
+                <a:schemeClr val="tx1"/>
+              </a:solidFill>
+              <a:latin typeface="DM Mono" panose="020B0509040201040103" pitchFamily="49" charset="0"/>
+            </a:endParaRPr>
+          </a:p>
+        </p:txBody>
+      </p:sp>
+      <p:sp>
+        <p:nvSpPr>
+          <p:cNvPr id="19" name="TextBox 18">
+            <a:extLst>
+              <a:ext uri="{FF2B5EF4-FFF2-40B4-BE49-F238E27FC236}">
+                <a16:creationId xmlns:a16="http://schemas.microsoft.com/office/drawing/2014/main" id="{EC978BDC-3685-4CAE-8272-9BEB74F94A53}"/>
+              </a:ext>
+            </a:extLst>
+          </p:cNvPr>
+          <p:cNvSpPr txBox="1"/>
+          <p:nvPr/>
+        </p:nvSpPr>
+        <p:spPr>
+          <a:xfrm>
+            <a:off x="7945518" y="1620419"/>
+            <a:ext cx="1352460" cy="369332"/>
+          </a:xfrm>
+          <a:prstGeom prst="rect">
+            <a:avLst/>
+          </a:prstGeom>
+          <a:noFill/>
+        </p:spPr>
+        <p:txBody>
+          <a:bodyPr wrap="square">
+            <a:spAutoFit/>
+          </a:bodyPr>
+          <a:lstStyle/>
+          <a:p>
+            <a:pPr algn="r"/>
+            <a:r>
+              <a:rPr lang="en-US" altLang="ko-Kore-KR" dirty="0">
+                <a:latin typeface="DM Mono" panose="020B0509040201040103" pitchFamily="49" charset="0"/>
+              </a:rPr>
+              <a:t>address</a:t>
+            </a:r>
+            <a:endParaRPr lang="ko-Kore-KR" altLang="en-US" dirty="0"/>
+          </a:p>
+        </p:txBody>
+      </p:sp>
+      <p:sp>
+        <p:nvSpPr>
+          <p:cNvPr id="20" name="직사각형 19">
+            <a:extLst>
+              <a:ext uri="{FF2B5EF4-FFF2-40B4-BE49-F238E27FC236}">
+                <a16:creationId xmlns:a16="http://schemas.microsoft.com/office/drawing/2014/main" id="{ADE37227-D46A-CA41-3141-A650E61499E4}"/>
+              </a:ext>
+            </a:extLst>
+          </p:cNvPr>
+          <p:cNvSpPr/>
+          <p:nvPr/>
+        </p:nvSpPr>
+        <p:spPr>
+          <a:xfrm>
+            <a:off x="9298721" y="2031057"/>
+            <a:ext cx="1019503" cy="451945"/>
+          </a:xfrm>
+          <a:prstGeom prst="rect">
+            <a:avLst/>
+          </a:prstGeom>
+          <a:solidFill>
+            <a:srgbClr val="92D050"/>
+          </a:solidFill>
+        </p:spPr>
+        <p:style>
+          <a:lnRef idx="2">
+            <a:schemeClr val="accent1">
+              <a:shade val="50000"/>
+            </a:schemeClr>
+          </a:lnRef>
+          <a:fillRef idx="1">
+            <a:schemeClr val="accent1"/>
+          </a:fillRef>
+          <a:effectRef idx="0">
+            <a:schemeClr val="accent1"/>
+          </a:effectRef>
+          <a:fontRef idx="minor">
+            <a:schemeClr val="lt1"/>
+          </a:fontRef>
+        </p:style>
+        <p:txBody>
+          <a:bodyPr rtlCol="0" anchor="ctr"/>
+          <a:lstStyle/>
+          <a:p>
+            <a:pPr algn="ctr"/>
+            <a:endParaRPr kumimoji="1" lang="ko-Kore-KR" altLang="en-US" dirty="0">
+              <a:solidFill>
+                <a:schemeClr val="tx1"/>
+              </a:solidFill>
+              <a:latin typeface="DM Mono" panose="020B0509040201040103" pitchFamily="49" charset="0"/>
+            </a:endParaRPr>
+          </a:p>
+        </p:txBody>
+      </p:sp>
+      <p:sp>
+        <p:nvSpPr>
+          <p:cNvPr id="21" name="TextBox 20">
+            <a:extLst>
+              <a:ext uri="{FF2B5EF4-FFF2-40B4-BE49-F238E27FC236}">
+                <a16:creationId xmlns:a16="http://schemas.microsoft.com/office/drawing/2014/main" id="{ED20716B-54CC-566D-B9B5-0C47326BB44E}"/>
+              </a:ext>
+            </a:extLst>
+          </p:cNvPr>
+          <p:cNvSpPr txBox="1"/>
+          <p:nvPr/>
+        </p:nvSpPr>
+        <p:spPr>
+          <a:xfrm>
+            <a:off x="8279218" y="2072363"/>
+            <a:ext cx="1019503" cy="369332"/>
+          </a:xfrm>
+          <a:prstGeom prst="rect">
+            <a:avLst/>
+          </a:prstGeom>
+          <a:noFill/>
+        </p:spPr>
+        <p:txBody>
+          <a:bodyPr wrap="square">
+            <a:spAutoFit/>
+          </a:bodyPr>
+          <a:lstStyle/>
+          <a:p>
+            <a:pPr algn="r"/>
+            <a:r>
+              <a:rPr lang="en-US" altLang="ko-Kore-KR" dirty="0">
+                <a:latin typeface="DM Mono" panose="020B0509040201040103" pitchFamily="49" charset="0"/>
+              </a:rPr>
+              <a:t>age</a:t>
+            </a:r>
+            <a:endParaRPr lang="ko-Kore-KR" altLang="en-US" dirty="0"/>
+          </a:p>
+        </p:txBody>
+      </p:sp>
+      <p:sp>
+        <p:nvSpPr>
+          <p:cNvPr id="22" name="직사각형 21">
+            <a:extLst>
+              <a:ext uri="{FF2B5EF4-FFF2-40B4-BE49-F238E27FC236}">
+                <a16:creationId xmlns:a16="http://schemas.microsoft.com/office/drawing/2014/main" id="{4B187C23-31FB-46F3-3426-C76BF0669468}"/>
+              </a:ext>
+            </a:extLst>
+          </p:cNvPr>
+          <p:cNvSpPr/>
+          <p:nvPr/>
+        </p:nvSpPr>
+        <p:spPr>
+          <a:xfrm>
+            <a:off x="9299465" y="2483001"/>
+            <a:ext cx="1019503" cy="451945"/>
+          </a:xfrm>
+          <a:prstGeom prst="rect">
+            <a:avLst/>
+          </a:prstGeom>
+          <a:solidFill>
+            <a:srgbClr val="FFFF00"/>
+          </a:solidFill>
+        </p:spPr>
+        <p:style>
+          <a:lnRef idx="2">
+            <a:schemeClr val="accent1">
+              <a:shade val="50000"/>
+            </a:schemeClr>
+          </a:lnRef>
+          <a:fillRef idx="1">
+            <a:schemeClr val="accent1"/>
+          </a:fillRef>
+          <a:effectRef idx="0">
+            <a:schemeClr val="accent1"/>
+          </a:effectRef>
+          <a:fontRef idx="minor">
+            <a:schemeClr val="lt1"/>
+          </a:fontRef>
+        </p:style>
+        <p:txBody>
+          <a:bodyPr rtlCol="0" anchor="ctr"/>
+          <a:lstStyle/>
+          <a:p>
+            <a:pPr algn="ctr"/>
+            <a:endParaRPr kumimoji="1" lang="ko-Kore-KR" altLang="en-US" dirty="0">
+              <a:solidFill>
+                <a:schemeClr val="tx1"/>
+              </a:solidFill>
+              <a:latin typeface="DM Mono" panose="020B0509040201040103" pitchFamily="49" charset="0"/>
+            </a:endParaRPr>
+          </a:p>
+        </p:txBody>
+      </p:sp>
+      <p:sp>
+        <p:nvSpPr>
+          <p:cNvPr id="23" name="TextBox 22">
+            <a:extLst>
+              <a:ext uri="{FF2B5EF4-FFF2-40B4-BE49-F238E27FC236}">
+                <a16:creationId xmlns:a16="http://schemas.microsoft.com/office/drawing/2014/main" id="{49CFF480-1778-12D6-EEB9-C5A2137AB9CC}"/>
+              </a:ext>
+            </a:extLst>
+          </p:cNvPr>
+          <p:cNvSpPr txBox="1"/>
+          <p:nvPr/>
+        </p:nvSpPr>
+        <p:spPr>
+          <a:xfrm>
+            <a:off x="8279962" y="2524307"/>
+            <a:ext cx="1019503" cy="369332"/>
+          </a:xfrm>
+          <a:prstGeom prst="rect">
+            <a:avLst/>
+          </a:prstGeom>
+          <a:noFill/>
+        </p:spPr>
+        <p:txBody>
+          <a:bodyPr wrap="square">
+            <a:spAutoFit/>
+          </a:bodyPr>
+          <a:lstStyle/>
+          <a:p>
+            <a:pPr algn="r"/>
+            <a:r>
+              <a:rPr lang="en-US" altLang="ko-Kore-KR" dirty="0">
+                <a:latin typeface="DM Mono" panose="020B0509040201040103" pitchFamily="49" charset="0"/>
+              </a:rPr>
+              <a:t>major</a:t>
+            </a:r>
+            <a:endParaRPr lang="ko-Kore-KR" altLang="en-US" dirty="0"/>
+          </a:p>
+        </p:txBody>
+      </p:sp>
+    </p:spTree>
+    <p:extLst>
+      <p:ext uri="{BB962C8B-B14F-4D97-AF65-F5344CB8AC3E}">
+        <p14:creationId xmlns:p14="http://schemas.microsoft.com/office/powerpoint/2010/main" val="593617901"/>
       </p:ext>
     </p:extLst>
   </p:cSld>

--- a/230303.pptx
+++ b/230303.pptx
@@ -34,6 +34,13 @@
     <p:sldId id="282" r:id="rId28"/>
     <p:sldId id="283" r:id="rId29"/>
     <p:sldId id="284" r:id="rId30"/>
+    <p:sldId id="285" r:id="rId31"/>
+    <p:sldId id="286" r:id="rId32"/>
+    <p:sldId id="287" r:id="rId33"/>
+    <p:sldId id="288" r:id="rId34"/>
+    <p:sldId id="289" r:id="rId35"/>
+    <p:sldId id="290" r:id="rId36"/>
+    <p:sldId id="291" r:id="rId37"/>
   </p:sldIdLst>
   <p:sldSz cx="12192000" cy="6858000"/>
   <p:notesSz cx="6858000" cy="9144000"/>
@@ -22350,6 +22357,9165 @@
     <p:extLst>
       <p:ext uri="{BB962C8B-B14F-4D97-AF65-F5344CB8AC3E}">
         <p14:creationId xmlns:p14="http://schemas.microsoft.com/office/powerpoint/2010/main" val="261903889"/>
+      </p:ext>
+    </p:extLst>
+  </p:cSld>
+  <p:clrMapOvr>
+    <a:masterClrMapping/>
+  </p:clrMapOvr>
+</p:sld>
+</file>
+
+<file path=ppt/slides/slide30.xml><?xml version="1.0" encoding="utf-8"?>
+<p:sld xmlns:a="http://schemas.openxmlformats.org/drawingml/2006/main" xmlns:r="http://schemas.openxmlformats.org/officeDocument/2006/relationships" xmlns:p="http://schemas.openxmlformats.org/presentationml/2006/main">
+  <p:cSld>
+    <p:spTree>
+      <p:nvGrpSpPr>
+        <p:cNvPr id="1" name=""/>
+        <p:cNvGrpSpPr/>
+        <p:nvPr/>
+      </p:nvGrpSpPr>
+      <p:grpSpPr>
+        <a:xfrm>
+          <a:off x="0" y="0"/>
+          <a:ext cx="0" cy="0"/>
+          <a:chOff x="0" y="0"/>
+          <a:chExt cx="0" cy="0"/>
+        </a:xfrm>
+      </p:grpSpPr>
+      <p:sp>
+        <p:nvSpPr>
+          <p:cNvPr id="10" name="직사각형 9">
+            <a:extLst>
+              <a:ext uri="{FF2B5EF4-FFF2-40B4-BE49-F238E27FC236}">
+                <a16:creationId xmlns:a16="http://schemas.microsoft.com/office/drawing/2014/main" id="{504ECFFC-74F8-08BC-E61D-DC0B6420CD47}"/>
+              </a:ext>
+            </a:extLst>
+          </p:cNvPr>
+          <p:cNvSpPr/>
+          <p:nvPr/>
+        </p:nvSpPr>
+        <p:spPr>
+          <a:xfrm>
+            <a:off x="6674214" y="1189030"/>
+            <a:ext cx="1019503" cy="451945"/>
+          </a:xfrm>
+          <a:prstGeom prst="rect">
+            <a:avLst/>
+          </a:prstGeom>
+          <a:solidFill>
+            <a:srgbClr val="FFFF00"/>
+          </a:solidFill>
+        </p:spPr>
+        <p:style>
+          <a:lnRef idx="2">
+            <a:schemeClr val="accent1">
+              <a:shade val="50000"/>
+            </a:schemeClr>
+          </a:lnRef>
+          <a:fillRef idx="1">
+            <a:schemeClr val="accent1"/>
+          </a:fillRef>
+          <a:effectRef idx="0">
+            <a:schemeClr val="accent1"/>
+          </a:effectRef>
+          <a:fontRef idx="minor">
+            <a:schemeClr val="lt1"/>
+          </a:fontRef>
+        </p:style>
+        <p:txBody>
+          <a:bodyPr rtlCol="0" anchor="ctr"/>
+          <a:lstStyle/>
+          <a:p>
+            <a:pPr algn="ctr"/>
+            <a:endParaRPr kumimoji="1" lang="ko-Kore-KR" altLang="en-US" dirty="0">
+              <a:solidFill>
+                <a:schemeClr val="tx1"/>
+              </a:solidFill>
+              <a:latin typeface="DM Mono" panose="020B0509040201040103" pitchFamily="49" charset="0"/>
+            </a:endParaRPr>
+          </a:p>
+        </p:txBody>
+      </p:sp>
+      <p:sp>
+        <p:nvSpPr>
+          <p:cNvPr id="11" name="TextBox 10">
+            <a:extLst>
+              <a:ext uri="{FF2B5EF4-FFF2-40B4-BE49-F238E27FC236}">
+                <a16:creationId xmlns:a16="http://schemas.microsoft.com/office/drawing/2014/main" id="{CB230CB5-C073-B636-4EAA-DCEEF12EE34C}"/>
+              </a:ext>
+            </a:extLst>
+          </p:cNvPr>
+          <p:cNvSpPr txBox="1"/>
+          <p:nvPr/>
+        </p:nvSpPr>
+        <p:spPr>
+          <a:xfrm>
+            <a:off x="5517787" y="1230336"/>
+            <a:ext cx="1156427" cy="369332"/>
+          </a:xfrm>
+          <a:prstGeom prst="rect">
+            <a:avLst/>
+          </a:prstGeom>
+          <a:noFill/>
+        </p:spPr>
+        <p:txBody>
+          <a:bodyPr wrap="square">
+            <a:spAutoFit/>
+          </a:bodyPr>
+          <a:lstStyle/>
+          <a:p>
+            <a:pPr algn="r"/>
+            <a:r>
+              <a:rPr lang="en-US" altLang="ko-Kore-KR" dirty="0">
+                <a:latin typeface="DM Mono" panose="020B0509040201040103" pitchFamily="49" charset="0"/>
+              </a:rPr>
+              <a:t>age</a:t>
+            </a:r>
+            <a:endParaRPr lang="ko-Kore-KR" altLang="en-US" dirty="0"/>
+          </a:p>
+        </p:txBody>
+      </p:sp>
+      <p:sp>
+        <p:nvSpPr>
+          <p:cNvPr id="12" name="TextBox 11">
+            <a:extLst>
+              <a:ext uri="{FF2B5EF4-FFF2-40B4-BE49-F238E27FC236}">
+                <a16:creationId xmlns:a16="http://schemas.microsoft.com/office/drawing/2014/main" id="{1DE8CC8C-4E5E-1BDA-3703-C328A3A06E6B}"/>
+              </a:ext>
+            </a:extLst>
+          </p:cNvPr>
+          <p:cNvSpPr txBox="1"/>
+          <p:nvPr/>
+        </p:nvSpPr>
+        <p:spPr>
+          <a:xfrm>
+            <a:off x="6461288" y="840351"/>
+            <a:ext cx="1445353" cy="369332"/>
+          </a:xfrm>
+          <a:prstGeom prst="rect">
+            <a:avLst/>
+          </a:prstGeom>
+          <a:noFill/>
+        </p:spPr>
+        <p:txBody>
+          <a:bodyPr wrap="square">
+            <a:spAutoFit/>
+          </a:bodyPr>
+          <a:lstStyle/>
+          <a:p>
+            <a:pPr algn="ctr"/>
+            <a:r>
+              <a:rPr lang="en-US" altLang="ko-Kore-KR" dirty="0">
+                <a:latin typeface="DM Mono" panose="020B0509040201040103" pitchFamily="49" charset="0"/>
+              </a:rPr>
+              <a:t>Animal a</a:t>
+            </a:r>
+            <a:endParaRPr lang="ko-Kore-KR" altLang="en-US" dirty="0"/>
+          </a:p>
+        </p:txBody>
+      </p:sp>
+      <p:sp>
+        <p:nvSpPr>
+          <p:cNvPr id="16" name="TextBox 15">
+            <a:extLst>
+              <a:ext uri="{FF2B5EF4-FFF2-40B4-BE49-F238E27FC236}">
+                <a16:creationId xmlns:a16="http://schemas.microsoft.com/office/drawing/2014/main" id="{E1012691-5E9C-40BD-EAE5-03C0EA31B4C1}"/>
+              </a:ext>
+            </a:extLst>
+          </p:cNvPr>
+          <p:cNvSpPr txBox="1"/>
+          <p:nvPr/>
+        </p:nvSpPr>
+        <p:spPr>
+          <a:xfrm>
+            <a:off x="579280" y="297285"/>
+            <a:ext cx="4743219" cy="3139321"/>
+          </a:xfrm>
+          <a:prstGeom prst="rect">
+            <a:avLst/>
+          </a:prstGeom>
+          <a:noFill/>
+        </p:spPr>
+        <p:txBody>
+          <a:bodyPr wrap="square">
+            <a:spAutoFit/>
+          </a:bodyPr>
+          <a:lstStyle/>
+          <a:p>
+            <a:r>
+              <a:rPr lang="ko-Kore-KR" altLang="en-US" dirty="0">
+                <a:latin typeface="DM Mono" panose="020B0509040201040103" pitchFamily="49" charset="0"/>
+              </a:rPr>
+              <a:t>class Animal {</a:t>
+            </a:r>
+          </a:p>
+          <a:p>
+            <a:r>
+              <a:rPr lang="ko-Kore-KR" altLang="en-US" dirty="0">
+                <a:latin typeface="DM Mono" panose="020B0509040201040103" pitchFamily="49" charset="0"/>
+              </a:rPr>
+              <a:t>    int age;</a:t>
+            </a:r>
+          </a:p>
+          <a:p>
+            <a:endParaRPr lang="ko-Kore-KR" altLang="en-US" dirty="0">
+              <a:latin typeface="DM Mono" panose="020B0509040201040103" pitchFamily="49" charset="0"/>
+            </a:endParaRPr>
+          </a:p>
+          <a:p>
+            <a:r>
+              <a:rPr lang="ko-Kore-KR" altLang="en-US" dirty="0">
+                <a:latin typeface="DM Mono" panose="020B0509040201040103" pitchFamily="49" charset="0"/>
+              </a:rPr>
+              <a:t>public:</a:t>
+            </a:r>
+          </a:p>
+          <a:p>
+            <a:r>
+              <a:rPr lang="ko-KR" altLang="en-US" dirty="0">
+                <a:latin typeface="DM Mono" panose="020B0509040201040103" pitchFamily="49" charset="0"/>
+              </a:rPr>
+              <a:t>    </a:t>
+            </a:r>
+            <a:r>
+              <a:rPr lang="ko-Kore-KR" altLang="en-US" dirty="0">
+                <a:latin typeface="DM Mono" panose="020B0509040201040103" pitchFamily="49" charset="0"/>
+              </a:rPr>
+              <a:t>void </a:t>
+            </a:r>
+            <a:r>
+              <a:rPr lang="en-US" altLang="ko-Kore-KR" dirty="0">
+                <a:latin typeface="DM Mono" panose="020B0509040201040103" pitchFamily="49" charset="0"/>
+              </a:rPr>
+              <a:t>G</a:t>
+            </a:r>
+            <a:r>
+              <a:rPr lang="ko-Kore-KR" altLang="en-US" dirty="0">
+                <a:latin typeface="DM Mono" panose="020B0509040201040103" pitchFamily="49" charset="0"/>
+              </a:rPr>
+              <a:t>o() { }</a:t>
+            </a:r>
+          </a:p>
+          <a:p>
+            <a:r>
+              <a:rPr lang="ko-Kore-KR" altLang="en-US" dirty="0">
+                <a:latin typeface="DM Mono" panose="020B0509040201040103" pitchFamily="49" charset="0"/>
+              </a:rPr>
+              <a:t>};</a:t>
+            </a:r>
+          </a:p>
+          <a:p>
+            <a:endParaRPr lang="ko-Kore-KR" altLang="en-US" dirty="0">
+              <a:latin typeface="DM Mono" panose="020B0509040201040103" pitchFamily="49" charset="0"/>
+            </a:endParaRPr>
+          </a:p>
+          <a:p>
+            <a:r>
+              <a:rPr lang="ko-Kore-KR" altLang="en-US" dirty="0">
+                <a:latin typeface="DM Mono" panose="020B0509040201040103" pitchFamily="49" charset="0"/>
+              </a:rPr>
+              <a:t>class Dog : public Animal {</a:t>
+            </a:r>
+          </a:p>
+          <a:p>
+            <a:r>
+              <a:rPr lang="ko-Kore-KR" altLang="en-US" dirty="0">
+                <a:latin typeface="DM Mono" panose="020B0509040201040103" pitchFamily="49" charset="0"/>
+              </a:rPr>
+              <a:t>    int color;</a:t>
+            </a:r>
+          </a:p>
+          <a:p>
+            <a:r>
+              <a:rPr lang="ko-Kore-KR" altLang="en-US" dirty="0">
+                <a:latin typeface="DM Mono" panose="020B0509040201040103" pitchFamily="49" charset="0"/>
+              </a:rPr>
+              <a:t>    int speed;</a:t>
+            </a:r>
+          </a:p>
+          <a:p>
+            <a:r>
+              <a:rPr lang="ko-Kore-KR" altLang="en-US" dirty="0">
+                <a:latin typeface="DM Mono" panose="020B0509040201040103" pitchFamily="49" charset="0"/>
+              </a:rPr>
+              <a:t>};</a:t>
+            </a:r>
+          </a:p>
+        </p:txBody>
+      </p:sp>
+      <p:sp>
+        <p:nvSpPr>
+          <p:cNvPr id="17" name="직사각형 16">
+            <a:extLst>
+              <a:ext uri="{FF2B5EF4-FFF2-40B4-BE49-F238E27FC236}">
+                <a16:creationId xmlns:a16="http://schemas.microsoft.com/office/drawing/2014/main" id="{E020C705-2875-0DAE-D39A-A756A4A3BA8B}"/>
+              </a:ext>
+            </a:extLst>
+          </p:cNvPr>
+          <p:cNvSpPr/>
+          <p:nvPr/>
+        </p:nvSpPr>
+        <p:spPr>
+          <a:xfrm>
+            <a:off x="6674214" y="2747535"/>
+            <a:ext cx="1019503" cy="451945"/>
+          </a:xfrm>
+          <a:prstGeom prst="rect">
+            <a:avLst/>
+          </a:prstGeom>
+          <a:solidFill>
+            <a:srgbClr val="FFFF00"/>
+          </a:solidFill>
+        </p:spPr>
+        <p:style>
+          <a:lnRef idx="2">
+            <a:schemeClr val="accent1">
+              <a:shade val="50000"/>
+            </a:schemeClr>
+          </a:lnRef>
+          <a:fillRef idx="1">
+            <a:schemeClr val="accent1"/>
+          </a:fillRef>
+          <a:effectRef idx="0">
+            <a:schemeClr val="accent1"/>
+          </a:effectRef>
+          <a:fontRef idx="minor">
+            <a:schemeClr val="lt1"/>
+          </a:fontRef>
+        </p:style>
+        <p:txBody>
+          <a:bodyPr rtlCol="0" anchor="ctr"/>
+          <a:lstStyle/>
+          <a:p>
+            <a:pPr algn="ctr"/>
+            <a:endParaRPr kumimoji="1" lang="ko-Kore-KR" altLang="en-US" dirty="0">
+              <a:solidFill>
+                <a:schemeClr val="tx1"/>
+              </a:solidFill>
+              <a:latin typeface="DM Mono" panose="020B0509040201040103" pitchFamily="49" charset="0"/>
+            </a:endParaRPr>
+          </a:p>
+        </p:txBody>
+      </p:sp>
+      <p:sp>
+        <p:nvSpPr>
+          <p:cNvPr id="18" name="TextBox 17">
+            <a:extLst>
+              <a:ext uri="{FF2B5EF4-FFF2-40B4-BE49-F238E27FC236}">
+                <a16:creationId xmlns:a16="http://schemas.microsoft.com/office/drawing/2014/main" id="{7F865831-83A6-339B-3AB4-4156A6D92B1D}"/>
+              </a:ext>
+            </a:extLst>
+          </p:cNvPr>
+          <p:cNvSpPr txBox="1"/>
+          <p:nvPr/>
+        </p:nvSpPr>
+        <p:spPr>
+          <a:xfrm>
+            <a:off x="5517787" y="2788841"/>
+            <a:ext cx="1156427" cy="369332"/>
+          </a:xfrm>
+          <a:prstGeom prst="rect">
+            <a:avLst/>
+          </a:prstGeom>
+          <a:noFill/>
+        </p:spPr>
+        <p:txBody>
+          <a:bodyPr wrap="square">
+            <a:spAutoFit/>
+          </a:bodyPr>
+          <a:lstStyle/>
+          <a:p>
+            <a:pPr algn="r"/>
+            <a:r>
+              <a:rPr lang="en-US" altLang="ko-Kore-KR" dirty="0">
+                <a:latin typeface="DM Mono" panose="020B0509040201040103" pitchFamily="49" charset="0"/>
+              </a:rPr>
+              <a:t>age</a:t>
+            </a:r>
+            <a:endParaRPr lang="ko-Kore-KR" altLang="en-US" dirty="0"/>
+          </a:p>
+        </p:txBody>
+      </p:sp>
+      <p:sp>
+        <p:nvSpPr>
+          <p:cNvPr id="19" name="TextBox 18">
+            <a:extLst>
+              <a:ext uri="{FF2B5EF4-FFF2-40B4-BE49-F238E27FC236}">
+                <a16:creationId xmlns:a16="http://schemas.microsoft.com/office/drawing/2014/main" id="{4405CC06-AE7A-68D4-713A-DD64E3DCBDF4}"/>
+              </a:ext>
+            </a:extLst>
+          </p:cNvPr>
+          <p:cNvSpPr txBox="1"/>
+          <p:nvPr/>
+        </p:nvSpPr>
+        <p:spPr>
+          <a:xfrm>
+            <a:off x="6461288" y="2398856"/>
+            <a:ext cx="1445353" cy="369332"/>
+          </a:xfrm>
+          <a:prstGeom prst="rect">
+            <a:avLst/>
+          </a:prstGeom>
+          <a:noFill/>
+        </p:spPr>
+        <p:txBody>
+          <a:bodyPr wrap="square">
+            <a:spAutoFit/>
+          </a:bodyPr>
+          <a:lstStyle/>
+          <a:p>
+            <a:pPr algn="ctr"/>
+            <a:r>
+              <a:rPr lang="en-US" altLang="ko-Kore-KR" dirty="0">
+                <a:latin typeface="DM Mono" panose="020B0509040201040103" pitchFamily="49" charset="0"/>
+              </a:rPr>
+              <a:t>Dog d</a:t>
+            </a:r>
+            <a:endParaRPr lang="ko-Kore-KR" altLang="en-US" dirty="0"/>
+          </a:p>
+        </p:txBody>
+      </p:sp>
+      <p:sp>
+        <p:nvSpPr>
+          <p:cNvPr id="20" name="직사각형 19">
+            <a:extLst>
+              <a:ext uri="{FF2B5EF4-FFF2-40B4-BE49-F238E27FC236}">
+                <a16:creationId xmlns:a16="http://schemas.microsoft.com/office/drawing/2014/main" id="{FF996783-B63E-36B5-9C7D-03D44DA24135}"/>
+              </a:ext>
+            </a:extLst>
+          </p:cNvPr>
+          <p:cNvSpPr/>
+          <p:nvPr/>
+        </p:nvSpPr>
+        <p:spPr>
+          <a:xfrm>
+            <a:off x="6674214" y="3195815"/>
+            <a:ext cx="1019503" cy="451945"/>
+          </a:xfrm>
+          <a:prstGeom prst="rect">
+            <a:avLst/>
+          </a:prstGeom>
+          <a:solidFill>
+            <a:srgbClr val="FFFF00"/>
+          </a:solidFill>
+        </p:spPr>
+        <p:style>
+          <a:lnRef idx="2">
+            <a:schemeClr val="accent1">
+              <a:shade val="50000"/>
+            </a:schemeClr>
+          </a:lnRef>
+          <a:fillRef idx="1">
+            <a:schemeClr val="accent1"/>
+          </a:fillRef>
+          <a:effectRef idx="0">
+            <a:schemeClr val="accent1"/>
+          </a:effectRef>
+          <a:fontRef idx="minor">
+            <a:schemeClr val="lt1"/>
+          </a:fontRef>
+        </p:style>
+        <p:txBody>
+          <a:bodyPr rtlCol="0" anchor="ctr"/>
+          <a:lstStyle/>
+          <a:p>
+            <a:pPr algn="ctr"/>
+            <a:endParaRPr kumimoji="1" lang="ko-Kore-KR" altLang="en-US" dirty="0">
+              <a:solidFill>
+                <a:schemeClr val="tx1"/>
+              </a:solidFill>
+              <a:latin typeface="DM Mono" panose="020B0509040201040103" pitchFamily="49" charset="0"/>
+            </a:endParaRPr>
+          </a:p>
+        </p:txBody>
+      </p:sp>
+      <p:sp>
+        <p:nvSpPr>
+          <p:cNvPr id="21" name="TextBox 20">
+            <a:extLst>
+              <a:ext uri="{FF2B5EF4-FFF2-40B4-BE49-F238E27FC236}">
+                <a16:creationId xmlns:a16="http://schemas.microsoft.com/office/drawing/2014/main" id="{52AD8F03-CD35-F082-4665-B463AEAECE28}"/>
+              </a:ext>
+            </a:extLst>
+          </p:cNvPr>
+          <p:cNvSpPr txBox="1"/>
+          <p:nvPr/>
+        </p:nvSpPr>
+        <p:spPr>
+          <a:xfrm>
+            <a:off x="5517787" y="3237121"/>
+            <a:ext cx="1156427" cy="369332"/>
+          </a:xfrm>
+          <a:prstGeom prst="rect">
+            <a:avLst/>
+          </a:prstGeom>
+          <a:noFill/>
+        </p:spPr>
+        <p:txBody>
+          <a:bodyPr wrap="square">
+            <a:spAutoFit/>
+          </a:bodyPr>
+          <a:lstStyle/>
+          <a:p>
+            <a:pPr algn="r"/>
+            <a:r>
+              <a:rPr lang="en-US" altLang="ko-Kore-KR" dirty="0">
+                <a:latin typeface="DM Mono" panose="020B0509040201040103" pitchFamily="49" charset="0"/>
+              </a:rPr>
+              <a:t>color</a:t>
+            </a:r>
+            <a:endParaRPr lang="ko-Kore-KR" altLang="en-US" dirty="0"/>
+          </a:p>
+        </p:txBody>
+      </p:sp>
+      <p:sp>
+        <p:nvSpPr>
+          <p:cNvPr id="24" name="직사각형 23">
+            <a:extLst>
+              <a:ext uri="{FF2B5EF4-FFF2-40B4-BE49-F238E27FC236}">
+                <a16:creationId xmlns:a16="http://schemas.microsoft.com/office/drawing/2014/main" id="{002122DE-D2BD-B386-CB86-9ED634E845B0}"/>
+              </a:ext>
+            </a:extLst>
+          </p:cNvPr>
+          <p:cNvSpPr/>
+          <p:nvPr/>
+        </p:nvSpPr>
+        <p:spPr>
+          <a:xfrm>
+            <a:off x="6674214" y="3642535"/>
+            <a:ext cx="1019503" cy="451945"/>
+          </a:xfrm>
+          <a:prstGeom prst="rect">
+            <a:avLst/>
+          </a:prstGeom>
+          <a:solidFill>
+            <a:srgbClr val="FFFF00"/>
+          </a:solidFill>
+        </p:spPr>
+        <p:style>
+          <a:lnRef idx="2">
+            <a:schemeClr val="accent1">
+              <a:shade val="50000"/>
+            </a:schemeClr>
+          </a:lnRef>
+          <a:fillRef idx="1">
+            <a:schemeClr val="accent1"/>
+          </a:fillRef>
+          <a:effectRef idx="0">
+            <a:schemeClr val="accent1"/>
+          </a:effectRef>
+          <a:fontRef idx="minor">
+            <a:schemeClr val="lt1"/>
+          </a:fontRef>
+        </p:style>
+        <p:txBody>
+          <a:bodyPr rtlCol="0" anchor="ctr"/>
+          <a:lstStyle/>
+          <a:p>
+            <a:pPr algn="ctr"/>
+            <a:endParaRPr kumimoji="1" lang="ko-Kore-KR" altLang="en-US" dirty="0">
+              <a:solidFill>
+                <a:schemeClr val="tx1"/>
+              </a:solidFill>
+              <a:latin typeface="DM Mono" panose="020B0509040201040103" pitchFamily="49" charset="0"/>
+            </a:endParaRPr>
+          </a:p>
+        </p:txBody>
+      </p:sp>
+      <p:sp>
+        <p:nvSpPr>
+          <p:cNvPr id="25" name="TextBox 24">
+            <a:extLst>
+              <a:ext uri="{FF2B5EF4-FFF2-40B4-BE49-F238E27FC236}">
+                <a16:creationId xmlns:a16="http://schemas.microsoft.com/office/drawing/2014/main" id="{9A0D5CD0-9A77-6CAA-5B51-C8C306C18EF2}"/>
+              </a:ext>
+            </a:extLst>
+          </p:cNvPr>
+          <p:cNvSpPr txBox="1"/>
+          <p:nvPr/>
+        </p:nvSpPr>
+        <p:spPr>
+          <a:xfrm>
+            <a:off x="5517787" y="3683841"/>
+            <a:ext cx="1156427" cy="369332"/>
+          </a:xfrm>
+          <a:prstGeom prst="rect">
+            <a:avLst/>
+          </a:prstGeom>
+          <a:noFill/>
+        </p:spPr>
+        <p:txBody>
+          <a:bodyPr wrap="square">
+            <a:spAutoFit/>
+          </a:bodyPr>
+          <a:lstStyle/>
+          <a:p>
+            <a:pPr algn="r"/>
+            <a:r>
+              <a:rPr lang="en-US" altLang="ko-Kore-KR" dirty="0">
+                <a:latin typeface="DM Mono" panose="020B0509040201040103" pitchFamily="49" charset="0"/>
+              </a:rPr>
+              <a:t>speed</a:t>
+            </a:r>
+            <a:endParaRPr lang="ko-Kore-KR" altLang="en-US" dirty="0"/>
+          </a:p>
+        </p:txBody>
+      </p:sp>
+    </p:spTree>
+    <p:extLst>
+      <p:ext uri="{BB962C8B-B14F-4D97-AF65-F5344CB8AC3E}">
+        <p14:creationId xmlns:p14="http://schemas.microsoft.com/office/powerpoint/2010/main" val="2369380648"/>
+      </p:ext>
+    </p:extLst>
+  </p:cSld>
+  <p:clrMapOvr>
+    <a:masterClrMapping/>
+  </p:clrMapOvr>
+</p:sld>
+</file>
+
+<file path=ppt/slides/slide31.xml><?xml version="1.0" encoding="utf-8"?>
+<p:sld xmlns:a="http://schemas.openxmlformats.org/drawingml/2006/main" xmlns:r="http://schemas.openxmlformats.org/officeDocument/2006/relationships" xmlns:p="http://schemas.openxmlformats.org/presentationml/2006/main">
+  <p:cSld>
+    <p:spTree>
+      <p:nvGrpSpPr>
+        <p:cNvPr id="1" name=""/>
+        <p:cNvGrpSpPr/>
+        <p:nvPr/>
+      </p:nvGrpSpPr>
+      <p:grpSpPr>
+        <a:xfrm>
+          <a:off x="0" y="0"/>
+          <a:ext cx="0" cy="0"/>
+          <a:chOff x="0" y="0"/>
+          <a:chExt cx="0" cy="0"/>
+        </a:xfrm>
+      </p:grpSpPr>
+      <p:sp>
+        <p:nvSpPr>
+          <p:cNvPr id="10" name="직사각형 9">
+            <a:extLst>
+              <a:ext uri="{FF2B5EF4-FFF2-40B4-BE49-F238E27FC236}">
+                <a16:creationId xmlns:a16="http://schemas.microsoft.com/office/drawing/2014/main" id="{504ECFFC-74F8-08BC-E61D-DC0B6420CD47}"/>
+              </a:ext>
+            </a:extLst>
+          </p:cNvPr>
+          <p:cNvSpPr/>
+          <p:nvPr/>
+        </p:nvSpPr>
+        <p:spPr>
+          <a:xfrm>
+            <a:off x="6674214" y="1189030"/>
+            <a:ext cx="1019503" cy="451945"/>
+          </a:xfrm>
+          <a:prstGeom prst="rect">
+            <a:avLst/>
+          </a:prstGeom>
+          <a:solidFill>
+            <a:srgbClr val="92D050"/>
+          </a:solidFill>
+        </p:spPr>
+        <p:style>
+          <a:lnRef idx="2">
+            <a:schemeClr val="accent1">
+              <a:shade val="50000"/>
+            </a:schemeClr>
+          </a:lnRef>
+          <a:fillRef idx="1">
+            <a:schemeClr val="accent1"/>
+          </a:fillRef>
+          <a:effectRef idx="0">
+            <a:schemeClr val="accent1"/>
+          </a:effectRef>
+          <a:fontRef idx="minor">
+            <a:schemeClr val="lt1"/>
+          </a:fontRef>
+        </p:style>
+        <p:txBody>
+          <a:bodyPr rtlCol="0" anchor="ctr"/>
+          <a:lstStyle/>
+          <a:p>
+            <a:pPr algn="ctr"/>
+            <a:endParaRPr kumimoji="1" lang="ko-Kore-KR" altLang="en-US" dirty="0">
+              <a:solidFill>
+                <a:schemeClr val="tx1"/>
+              </a:solidFill>
+              <a:latin typeface="DM Mono" panose="020B0509040201040103" pitchFamily="49" charset="0"/>
+            </a:endParaRPr>
+          </a:p>
+        </p:txBody>
+      </p:sp>
+      <p:sp>
+        <p:nvSpPr>
+          <p:cNvPr id="11" name="TextBox 10">
+            <a:extLst>
+              <a:ext uri="{FF2B5EF4-FFF2-40B4-BE49-F238E27FC236}">
+                <a16:creationId xmlns:a16="http://schemas.microsoft.com/office/drawing/2014/main" id="{CB230CB5-C073-B636-4EAA-DCEEF12EE34C}"/>
+              </a:ext>
+            </a:extLst>
+          </p:cNvPr>
+          <p:cNvSpPr txBox="1"/>
+          <p:nvPr/>
+        </p:nvSpPr>
+        <p:spPr>
+          <a:xfrm>
+            <a:off x="5517787" y="1230336"/>
+            <a:ext cx="1156427" cy="369332"/>
+          </a:xfrm>
+          <a:prstGeom prst="rect">
+            <a:avLst/>
+          </a:prstGeom>
+          <a:noFill/>
+        </p:spPr>
+        <p:txBody>
+          <a:bodyPr wrap="square">
+            <a:spAutoFit/>
+          </a:bodyPr>
+          <a:lstStyle/>
+          <a:p>
+            <a:pPr algn="r"/>
+            <a:r>
+              <a:rPr lang="en-US" altLang="ko-Kore-KR" dirty="0">
+                <a:latin typeface="DM Mono" panose="020B0509040201040103" pitchFamily="49" charset="0"/>
+              </a:rPr>
+              <a:t>__</a:t>
+            </a:r>
+            <a:r>
+              <a:rPr lang="en-US" altLang="ko-Kore-KR" dirty="0" err="1">
+                <a:latin typeface="DM Mono" panose="020B0509040201040103" pitchFamily="49" charset="0"/>
+              </a:rPr>
+              <a:t>vftp</a:t>
+            </a:r>
+            <a:endParaRPr lang="ko-Kore-KR" altLang="en-US" dirty="0"/>
+          </a:p>
+        </p:txBody>
+      </p:sp>
+      <p:sp>
+        <p:nvSpPr>
+          <p:cNvPr id="12" name="TextBox 11">
+            <a:extLst>
+              <a:ext uri="{FF2B5EF4-FFF2-40B4-BE49-F238E27FC236}">
+                <a16:creationId xmlns:a16="http://schemas.microsoft.com/office/drawing/2014/main" id="{1DE8CC8C-4E5E-1BDA-3703-C328A3A06E6B}"/>
+              </a:ext>
+            </a:extLst>
+          </p:cNvPr>
+          <p:cNvSpPr txBox="1"/>
+          <p:nvPr/>
+        </p:nvSpPr>
+        <p:spPr>
+          <a:xfrm>
+            <a:off x="6461288" y="840351"/>
+            <a:ext cx="1445353" cy="369332"/>
+          </a:xfrm>
+          <a:prstGeom prst="rect">
+            <a:avLst/>
+          </a:prstGeom>
+          <a:noFill/>
+        </p:spPr>
+        <p:txBody>
+          <a:bodyPr wrap="square">
+            <a:spAutoFit/>
+          </a:bodyPr>
+          <a:lstStyle/>
+          <a:p>
+            <a:pPr algn="ctr"/>
+            <a:r>
+              <a:rPr lang="en-US" altLang="ko-Kore-KR" dirty="0">
+                <a:latin typeface="DM Mono" panose="020B0509040201040103" pitchFamily="49" charset="0"/>
+              </a:rPr>
+              <a:t>Animal a</a:t>
+            </a:r>
+            <a:endParaRPr lang="ko-Kore-KR" altLang="en-US" dirty="0"/>
+          </a:p>
+        </p:txBody>
+      </p:sp>
+      <p:sp>
+        <p:nvSpPr>
+          <p:cNvPr id="16" name="TextBox 15">
+            <a:extLst>
+              <a:ext uri="{FF2B5EF4-FFF2-40B4-BE49-F238E27FC236}">
+                <a16:creationId xmlns:a16="http://schemas.microsoft.com/office/drawing/2014/main" id="{E1012691-5E9C-40BD-EAE5-03C0EA31B4C1}"/>
+              </a:ext>
+            </a:extLst>
+          </p:cNvPr>
+          <p:cNvSpPr txBox="1"/>
+          <p:nvPr/>
+        </p:nvSpPr>
+        <p:spPr>
+          <a:xfrm>
+            <a:off x="579280" y="297285"/>
+            <a:ext cx="4743219" cy="3139321"/>
+          </a:xfrm>
+          <a:prstGeom prst="rect">
+            <a:avLst/>
+          </a:prstGeom>
+          <a:noFill/>
+        </p:spPr>
+        <p:txBody>
+          <a:bodyPr wrap="square">
+            <a:spAutoFit/>
+          </a:bodyPr>
+          <a:lstStyle/>
+          <a:p>
+            <a:r>
+              <a:rPr lang="ko-Kore-KR" altLang="en-US" dirty="0">
+                <a:latin typeface="DM Mono" panose="020B0509040201040103" pitchFamily="49" charset="0"/>
+              </a:rPr>
+              <a:t>class Animal {</a:t>
+            </a:r>
+          </a:p>
+          <a:p>
+            <a:r>
+              <a:rPr lang="ko-Kore-KR" altLang="en-US" dirty="0">
+                <a:latin typeface="DM Mono" panose="020B0509040201040103" pitchFamily="49" charset="0"/>
+              </a:rPr>
+              <a:t>    int age;</a:t>
+            </a:r>
+          </a:p>
+          <a:p>
+            <a:endParaRPr lang="ko-Kore-KR" altLang="en-US" dirty="0">
+              <a:latin typeface="DM Mono" panose="020B0509040201040103" pitchFamily="49" charset="0"/>
+            </a:endParaRPr>
+          </a:p>
+          <a:p>
+            <a:r>
+              <a:rPr lang="ko-Kore-KR" altLang="en-US" dirty="0">
+                <a:latin typeface="DM Mono" panose="020B0509040201040103" pitchFamily="49" charset="0"/>
+              </a:rPr>
+              <a:t>public:</a:t>
+            </a:r>
+          </a:p>
+          <a:p>
+            <a:r>
+              <a:rPr lang="ko-KR" altLang="en-US" dirty="0">
+                <a:solidFill>
+                  <a:srgbClr val="FF0000"/>
+                </a:solidFill>
+                <a:latin typeface="DM Mono" panose="020B0509040201040103" pitchFamily="49" charset="0"/>
+              </a:rPr>
+              <a:t>    </a:t>
+            </a:r>
+            <a:r>
+              <a:rPr lang="en-US" altLang="ko-KR" dirty="0">
+                <a:solidFill>
+                  <a:srgbClr val="FF0000"/>
+                </a:solidFill>
+                <a:latin typeface="DM Mono" panose="020B0509040201040103" pitchFamily="49" charset="0"/>
+              </a:rPr>
+              <a:t>virtual </a:t>
+            </a:r>
+            <a:r>
+              <a:rPr lang="ko-Kore-KR" altLang="en-US" dirty="0">
+                <a:latin typeface="DM Mono" panose="020B0509040201040103" pitchFamily="49" charset="0"/>
+              </a:rPr>
+              <a:t>void </a:t>
+            </a:r>
+            <a:r>
+              <a:rPr lang="en-US" altLang="ko-Kore-KR" dirty="0">
+                <a:latin typeface="DM Mono" panose="020B0509040201040103" pitchFamily="49" charset="0"/>
+              </a:rPr>
+              <a:t>G</a:t>
+            </a:r>
+            <a:r>
+              <a:rPr lang="ko-Kore-KR" altLang="en-US" dirty="0">
+                <a:latin typeface="DM Mono" panose="020B0509040201040103" pitchFamily="49" charset="0"/>
+              </a:rPr>
+              <a:t>o() { }</a:t>
+            </a:r>
+          </a:p>
+          <a:p>
+            <a:r>
+              <a:rPr lang="ko-Kore-KR" altLang="en-US" dirty="0">
+                <a:latin typeface="DM Mono" panose="020B0509040201040103" pitchFamily="49" charset="0"/>
+              </a:rPr>
+              <a:t>};</a:t>
+            </a:r>
+          </a:p>
+          <a:p>
+            <a:endParaRPr lang="ko-Kore-KR" altLang="en-US" dirty="0">
+              <a:latin typeface="DM Mono" panose="020B0509040201040103" pitchFamily="49" charset="0"/>
+            </a:endParaRPr>
+          </a:p>
+          <a:p>
+            <a:r>
+              <a:rPr lang="ko-Kore-KR" altLang="en-US" dirty="0">
+                <a:latin typeface="DM Mono" panose="020B0509040201040103" pitchFamily="49" charset="0"/>
+              </a:rPr>
+              <a:t>class Dog : public Animal {</a:t>
+            </a:r>
+          </a:p>
+          <a:p>
+            <a:r>
+              <a:rPr lang="ko-Kore-KR" altLang="en-US" dirty="0">
+                <a:latin typeface="DM Mono" panose="020B0509040201040103" pitchFamily="49" charset="0"/>
+              </a:rPr>
+              <a:t>    int color;</a:t>
+            </a:r>
+          </a:p>
+          <a:p>
+            <a:r>
+              <a:rPr lang="ko-Kore-KR" altLang="en-US" dirty="0">
+                <a:latin typeface="DM Mono" panose="020B0509040201040103" pitchFamily="49" charset="0"/>
+              </a:rPr>
+              <a:t>    int speed;</a:t>
+            </a:r>
+          </a:p>
+          <a:p>
+            <a:r>
+              <a:rPr lang="ko-Kore-KR" altLang="en-US" dirty="0">
+                <a:latin typeface="DM Mono" panose="020B0509040201040103" pitchFamily="49" charset="0"/>
+              </a:rPr>
+              <a:t>};</a:t>
+            </a:r>
+          </a:p>
+        </p:txBody>
+      </p:sp>
+      <p:sp>
+        <p:nvSpPr>
+          <p:cNvPr id="17" name="직사각형 16">
+            <a:extLst>
+              <a:ext uri="{FF2B5EF4-FFF2-40B4-BE49-F238E27FC236}">
+                <a16:creationId xmlns:a16="http://schemas.microsoft.com/office/drawing/2014/main" id="{E020C705-2875-0DAE-D39A-A756A4A3BA8B}"/>
+              </a:ext>
+            </a:extLst>
+          </p:cNvPr>
+          <p:cNvSpPr/>
+          <p:nvPr/>
+        </p:nvSpPr>
+        <p:spPr>
+          <a:xfrm>
+            <a:off x="6674214" y="3283108"/>
+            <a:ext cx="1019503" cy="451945"/>
+          </a:xfrm>
+          <a:prstGeom prst="rect">
+            <a:avLst/>
+          </a:prstGeom>
+          <a:solidFill>
+            <a:srgbClr val="FFFF00"/>
+          </a:solidFill>
+        </p:spPr>
+        <p:style>
+          <a:lnRef idx="2">
+            <a:schemeClr val="accent1">
+              <a:shade val="50000"/>
+            </a:schemeClr>
+          </a:lnRef>
+          <a:fillRef idx="1">
+            <a:schemeClr val="accent1"/>
+          </a:fillRef>
+          <a:effectRef idx="0">
+            <a:schemeClr val="accent1"/>
+          </a:effectRef>
+          <a:fontRef idx="minor">
+            <a:schemeClr val="lt1"/>
+          </a:fontRef>
+        </p:style>
+        <p:txBody>
+          <a:bodyPr rtlCol="0" anchor="ctr"/>
+          <a:lstStyle/>
+          <a:p>
+            <a:pPr algn="ctr"/>
+            <a:endParaRPr kumimoji="1" lang="ko-Kore-KR" altLang="en-US" dirty="0">
+              <a:solidFill>
+                <a:schemeClr val="tx1"/>
+              </a:solidFill>
+              <a:latin typeface="DM Mono" panose="020B0509040201040103" pitchFamily="49" charset="0"/>
+            </a:endParaRPr>
+          </a:p>
+        </p:txBody>
+      </p:sp>
+      <p:sp>
+        <p:nvSpPr>
+          <p:cNvPr id="18" name="TextBox 17">
+            <a:extLst>
+              <a:ext uri="{FF2B5EF4-FFF2-40B4-BE49-F238E27FC236}">
+                <a16:creationId xmlns:a16="http://schemas.microsoft.com/office/drawing/2014/main" id="{7F865831-83A6-339B-3AB4-4156A6D92B1D}"/>
+              </a:ext>
+            </a:extLst>
+          </p:cNvPr>
+          <p:cNvSpPr txBox="1"/>
+          <p:nvPr/>
+        </p:nvSpPr>
+        <p:spPr>
+          <a:xfrm>
+            <a:off x="5517787" y="3324414"/>
+            <a:ext cx="1156427" cy="369332"/>
+          </a:xfrm>
+          <a:prstGeom prst="rect">
+            <a:avLst/>
+          </a:prstGeom>
+          <a:noFill/>
+        </p:spPr>
+        <p:txBody>
+          <a:bodyPr wrap="square">
+            <a:spAutoFit/>
+          </a:bodyPr>
+          <a:lstStyle/>
+          <a:p>
+            <a:pPr algn="r"/>
+            <a:r>
+              <a:rPr lang="en-US" altLang="ko-Kore-KR" dirty="0">
+                <a:latin typeface="DM Mono" panose="020B0509040201040103" pitchFamily="49" charset="0"/>
+              </a:rPr>
+              <a:t>age</a:t>
+            </a:r>
+            <a:endParaRPr lang="ko-Kore-KR" altLang="en-US" dirty="0"/>
+          </a:p>
+        </p:txBody>
+      </p:sp>
+      <p:sp>
+        <p:nvSpPr>
+          <p:cNvPr id="19" name="TextBox 18">
+            <a:extLst>
+              <a:ext uri="{FF2B5EF4-FFF2-40B4-BE49-F238E27FC236}">
+                <a16:creationId xmlns:a16="http://schemas.microsoft.com/office/drawing/2014/main" id="{4405CC06-AE7A-68D4-713A-DD64E3DCBDF4}"/>
+              </a:ext>
+            </a:extLst>
+          </p:cNvPr>
+          <p:cNvSpPr txBox="1"/>
+          <p:nvPr/>
+        </p:nvSpPr>
+        <p:spPr>
+          <a:xfrm>
+            <a:off x="6461288" y="2398856"/>
+            <a:ext cx="1445353" cy="369332"/>
+          </a:xfrm>
+          <a:prstGeom prst="rect">
+            <a:avLst/>
+          </a:prstGeom>
+          <a:noFill/>
+        </p:spPr>
+        <p:txBody>
+          <a:bodyPr wrap="square">
+            <a:spAutoFit/>
+          </a:bodyPr>
+          <a:lstStyle/>
+          <a:p>
+            <a:pPr algn="ctr"/>
+            <a:r>
+              <a:rPr lang="en-US" altLang="ko-Kore-KR" dirty="0">
+                <a:latin typeface="DM Mono" panose="020B0509040201040103" pitchFamily="49" charset="0"/>
+              </a:rPr>
+              <a:t>Dog d</a:t>
+            </a:r>
+            <a:endParaRPr lang="ko-Kore-KR" altLang="en-US" dirty="0"/>
+          </a:p>
+        </p:txBody>
+      </p:sp>
+      <p:sp>
+        <p:nvSpPr>
+          <p:cNvPr id="20" name="직사각형 19">
+            <a:extLst>
+              <a:ext uri="{FF2B5EF4-FFF2-40B4-BE49-F238E27FC236}">
+                <a16:creationId xmlns:a16="http://schemas.microsoft.com/office/drawing/2014/main" id="{FF996783-B63E-36B5-9C7D-03D44DA24135}"/>
+              </a:ext>
+            </a:extLst>
+          </p:cNvPr>
+          <p:cNvSpPr/>
+          <p:nvPr/>
+        </p:nvSpPr>
+        <p:spPr>
+          <a:xfrm>
+            <a:off x="6674214" y="3731388"/>
+            <a:ext cx="1019503" cy="451945"/>
+          </a:xfrm>
+          <a:prstGeom prst="rect">
+            <a:avLst/>
+          </a:prstGeom>
+          <a:solidFill>
+            <a:srgbClr val="FFFF00"/>
+          </a:solidFill>
+        </p:spPr>
+        <p:style>
+          <a:lnRef idx="2">
+            <a:schemeClr val="accent1">
+              <a:shade val="50000"/>
+            </a:schemeClr>
+          </a:lnRef>
+          <a:fillRef idx="1">
+            <a:schemeClr val="accent1"/>
+          </a:fillRef>
+          <a:effectRef idx="0">
+            <a:schemeClr val="accent1"/>
+          </a:effectRef>
+          <a:fontRef idx="minor">
+            <a:schemeClr val="lt1"/>
+          </a:fontRef>
+        </p:style>
+        <p:txBody>
+          <a:bodyPr rtlCol="0" anchor="ctr"/>
+          <a:lstStyle/>
+          <a:p>
+            <a:pPr algn="ctr"/>
+            <a:endParaRPr kumimoji="1" lang="ko-Kore-KR" altLang="en-US" dirty="0">
+              <a:solidFill>
+                <a:schemeClr val="tx1"/>
+              </a:solidFill>
+              <a:latin typeface="DM Mono" panose="020B0509040201040103" pitchFamily="49" charset="0"/>
+            </a:endParaRPr>
+          </a:p>
+        </p:txBody>
+      </p:sp>
+      <p:sp>
+        <p:nvSpPr>
+          <p:cNvPr id="21" name="TextBox 20">
+            <a:extLst>
+              <a:ext uri="{FF2B5EF4-FFF2-40B4-BE49-F238E27FC236}">
+                <a16:creationId xmlns:a16="http://schemas.microsoft.com/office/drawing/2014/main" id="{52AD8F03-CD35-F082-4665-B463AEAECE28}"/>
+              </a:ext>
+            </a:extLst>
+          </p:cNvPr>
+          <p:cNvSpPr txBox="1"/>
+          <p:nvPr/>
+        </p:nvSpPr>
+        <p:spPr>
+          <a:xfrm>
+            <a:off x="5517787" y="3772694"/>
+            <a:ext cx="1156427" cy="369332"/>
+          </a:xfrm>
+          <a:prstGeom prst="rect">
+            <a:avLst/>
+          </a:prstGeom>
+          <a:noFill/>
+        </p:spPr>
+        <p:txBody>
+          <a:bodyPr wrap="square">
+            <a:spAutoFit/>
+          </a:bodyPr>
+          <a:lstStyle/>
+          <a:p>
+            <a:pPr algn="r"/>
+            <a:r>
+              <a:rPr lang="en-US" altLang="ko-Kore-KR" dirty="0">
+                <a:latin typeface="DM Mono" panose="020B0509040201040103" pitchFamily="49" charset="0"/>
+              </a:rPr>
+              <a:t>color</a:t>
+            </a:r>
+            <a:endParaRPr lang="ko-Kore-KR" altLang="en-US" dirty="0"/>
+          </a:p>
+        </p:txBody>
+      </p:sp>
+      <p:sp>
+        <p:nvSpPr>
+          <p:cNvPr id="24" name="직사각형 23">
+            <a:extLst>
+              <a:ext uri="{FF2B5EF4-FFF2-40B4-BE49-F238E27FC236}">
+                <a16:creationId xmlns:a16="http://schemas.microsoft.com/office/drawing/2014/main" id="{002122DE-D2BD-B386-CB86-9ED634E845B0}"/>
+              </a:ext>
+            </a:extLst>
+          </p:cNvPr>
+          <p:cNvSpPr/>
+          <p:nvPr/>
+        </p:nvSpPr>
+        <p:spPr>
+          <a:xfrm>
+            <a:off x="6674214" y="4178108"/>
+            <a:ext cx="1019503" cy="451945"/>
+          </a:xfrm>
+          <a:prstGeom prst="rect">
+            <a:avLst/>
+          </a:prstGeom>
+          <a:solidFill>
+            <a:srgbClr val="FFFF00"/>
+          </a:solidFill>
+        </p:spPr>
+        <p:style>
+          <a:lnRef idx="2">
+            <a:schemeClr val="accent1">
+              <a:shade val="50000"/>
+            </a:schemeClr>
+          </a:lnRef>
+          <a:fillRef idx="1">
+            <a:schemeClr val="accent1"/>
+          </a:fillRef>
+          <a:effectRef idx="0">
+            <a:schemeClr val="accent1"/>
+          </a:effectRef>
+          <a:fontRef idx="minor">
+            <a:schemeClr val="lt1"/>
+          </a:fontRef>
+        </p:style>
+        <p:txBody>
+          <a:bodyPr rtlCol="0" anchor="ctr"/>
+          <a:lstStyle/>
+          <a:p>
+            <a:pPr algn="ctr"/>
+            <a:endParaRPr kumimoji="1" lang="ko-Kore-KR" altLang="en-US" dirty="0">
+              <a:solidFill>
+                <a:schemeClr val="tx1"/>
+              </a:solidFill>
+              <a:latin typeface="DM Mono" panose="020B0509040201040103" pitchFamily="49" charset="0"/>
+            </a:endParaRPr>
+          </a:p>
+        </p:txBody>
+      </p:sp>
+      <p:sp>
+        <p:nvSpPr>
+          <p:cNvPr id="25" name="TextBox 24">
+            <a:extLst>
+              <a:ext uri="{FF2B5EF4-FFF2-40B4-BE49-F238E27FC236}">
+                <a16:creationId xmlns:a16="http://schemas.microsoft.com/office/drawing/2014/main" id="{9A0D5CD0-9A77-6CAA-5B51-C8C306C18EF2}"/>
+              </a:ext>
+            </a:extLst>
+          </p:cNvPr>
+          <p:cNvSpPr txBox="1"/>
+          <p:nvPr/>
+        </p:nvSpPr>
+        <p:spPr>
+          <a:xfrm>
+            <a:off x="5517787" y="4219414"/>
+            <a:ext cx="1156427" cy="369332"/>
+          </a:xfrm>
+          <a:prstGeom prst="rect">
+            <a:avLst/>
+          </a:prstGeom>
+          <a:noFill/>
+        </p:spPr>
+        <p:txBody>
+          <a:bodyPr wrap="square">
+            <a:spAutoFit/>
+          </a:bodyPr>
+          <a:lstStyle/>
+          <a:p>
+            <a:pPr algn="r"/>
+            <a:r>
+              <a:rPr lang="en-US" altLang="ko-Kore-KR" dirty="0">
+                <a:latin typeface="DM Mono" panose="020B0509040201040103" pitchFamily="49" charset="0"/>
+              </a:rPr>
+              <a:t>speed</a:t>
+            </a:r>
+            <a:endParaRPr lang="ko-Kore-KR" altLang="en-US" dirty="0"/>
+          </a:p>
+        </p:txBody>
+      </p:sp>
+      <p:sp>
+        <p:nvSpPr>
+          <p:cNvPr id="2" name="직사각형 1">
+            <a:extLst>
+              <a:ext uri="{FF2B5EF4-FFF2-40B4-BE49-F238E27FC236}">
+                <a16:creationId xmlns:a16="http://schemas.microsoft.com/office/drawing/2014/main" id="{84D10F38-18C5-210C-769D-16013FB18F84}"/>
+              </a:ext>
+            </a:extLst>
+          </p:cNvPr>
+          <p:cNvSpPr/>
+          <p:nvPr/>
+        </p:nvSpPr>
+        <p:spPr>
+          <a:xfrm>
+            <a:off x="6674214" y="1616657"/>
+            <a:ext cx="1019503" cy="451945"/>
+          </a:xfrm>
+          <a:prstGeom prst="rect">
+            <a:avLst/>
+          </a:prstGeom>
+          <a:solidFill>
+            <a:srgbClr val="FFFF00"/>
+          </a:solidFill>
+        </p:spPr>
+        <p:style>
+          <a:lnRef idx="2">
+            <a:schemeClr val="accent1">
+              <a:shade val="50000"/>
+            </a:schemeClr>
+          </a:lnRef>
+          <a:fillRef idx="1">
+            <a:schemeClr val="accent1"/>
+          </a:fillRef>
+          <a:effectRef idx="0">
+            <a:schemeClr val="accent1"/>
+          </a:effectRef>
+          <a:fontRef idx="minor">
+            <a:schemeClr val="lt1"/>
+          </a:fontRef>
+        </p:style>
+        <p:txBody>
+          <a:bodyPr rtlCol="0" anchor="ctr"/>
+          <a:lstStyle/>
+          <a:p>
+            <a:pPr algn="ctr"/>
+            <a:endParaRPr kumimoji="1" lang="ko-Kore-KR" altLang="en-US" dirty="0">
+              <a:solidFill>
+                <a:schemeClr val="tx1"/>
+              </a:solidFill>
+              <a:latin typeface="DM Mono" panose="020B0509040201040103" pitchFamily="49" charset="0"/>
+            </a:endParaRPr>
+          </a:p>
+        </p:txBody>
+      </p:sp>
+      <p:sp>
+        <p:nvSpPr>
+          <p:cNvPr id="3" name="TextBox 2">
+            <a:extLst>
+              <a:ext uri="{FF2B5EF4-FFF2-40B4-BE49-F238E27FC236}">
+                <a16:creationId xmlns:a16="http://schemas.microsoft.com/office/drawing/2014/main" id="{FC2F57A3-4888-3C82-FF01-EC758BF79867}"/>
+              </a:ext>
+            </a:extLst>
+          </p:cNvPr>
+          <p:cNvSpPr txBox="1"/>
+          <p:nvPr/>
+        </p:nvSpPr>
+        <p:spPr>
+          <a:xfrm>
+            <a:off x="5517787" y="1657963"/>
+            <a:ext cx="1156427" cy="369332"/>
+          </a:xfrm>
+          <a:prstGeom prst="rect">
+            <a:avLst/>
+          </a:prstGeom>
+          <a:noFill/>
+        </p:spPr>
+        <p:txBody>
+          <a:bodyPr wrap="square">
+            <a:spAutoFit/>
+          </a:bodyPr>
+          <a:lstStyle/>
+          <a:p>
+            <a:pPr algn="r"/>
+            <a:r>
+              <a:rPr lang="en-US" altLang="ko-Kore-KR" dirty="0">
+                <a:latin typeface="DM Mono" panose="020B0509040201040103" pitchFamily="49" charset="0"/>
+              </a:rPr>
+              <a:t>age</a:t>
+            </a:r>
+            <a:endParaRPr lang="ko-Kore-KR" altLang="en-US" dirty="0"/>
+          </a:p>
+        </p:txBody>
+      </p:sp>
+      <p:sp>
+        <p:nvSpPr>
+          <p:cNvPr id="4" name="직사각형 3">
+            <a:extLst>
+              <a:ext uri="{FF2B5EF4-FFF2-40B4-BE49-F238E27FC236}">
+                <a16:creationId xmlns:a16="http://schemas.microsoft.com/office/drawing/2014/main" id="{C71B223F-A5BD-3780-C63C-111710529890}"/>
+              </a:ext>
+            </a:extLst>
+          </p:cNvPr>
+          <p:cNvSpPr/>
+          <p:nvPr/>
+        </p:nvSpPr>
+        <p:spPr>
+          <a:xfrm>
+            <a:off x="6674214" y="2832995"/>
+            <a:ext cx="1019503" cy="451945"/>
+          </a:xfrm>
+          <a:prstGeom prst="rect">
+            <a:avLst/>
+          </a:prstGeom>
+          <a:solidFill>
+            <a:srgbClr val="92D050"/>
+          </a:solidFill>
+        </p:spPr>
+        <p:style>
+          <a:lnRef idx="2">
+            <a:schemeClr val="accent1">
+              <a:shade val="50000"/>
+            </a:schemeClr>
+          </a:lnRef>
+          <a:fillRef idx="1">
+            <a:schemeClr val="accent1"/>
+          </a:fillRef>
+          <a:effectRef idx="0">
+            <a:schemeClr val="accent1"/>
+          </a:effectRef>
+          <a:fontRef idx="minor">
+            <a:schemeClr val="lt1"/>
+          </a:fontRef>
+        </p:style>
+        <p:txBody>
+          <a:bodyPr rtlCol="0" anchor="ctr"/>
+          <a:lstStyle/>
+          <a:p>
+            <a:pPr algn="ctr"/>
+            <a:endParaRPr kumimoji="1" lang="ko-Kore-KR" altLang="en-US" dirty="0">
+              <a:solidFill>
+                <a:schemeClr val="tx1"/>
+              </a:solidFill>
+              <a:latin typeface="DM Mono" panose="020B0509040201040103" pitchFamily="49" charset="0"/>
+            </a:endParaRPr>
+          </a:p>
+        </p:txBody>
+      </p:sp>
+      <p:sp>
+        <p:nvSpPr>
+          <p:cNvPr id="5" name="TextBox 4">
+            <a:extLst>
+              <a:ext uri="{FF2B5EF4-FFF2-40B4-BE49-F238E27FC236}">
+                <a16:creationId xmlns:a16="http://schemas.microsoft.com/office/drawing/2014/main" id="{9A69B426-D23A-826F-C514-644900B3C8C9}"/>
+              </a:ext>
+            </a:extLst>
+          </p:cNvPr>
+          <p:cNvSpPr txBox="1"/>
+          <p:nvPr/>
+        </p:nvSpPr>
+        <p:spPr>
+          <a:xfrm>
+            <a:off x="5517787" y="2874301"/>
+            <a:ext cx="1156427" cy="369332"/>
+          </a:xfrm>
+          <a:prstGeom prst="rect">
+            <a:avLst/>
+          </a:prstGeom>
+          <a:noFill/>
+        </p:spPr>
+        <p:txBody>
+          <a:bodyPr wrap="square">
+            <a:spAutoFit/>
+          </a:bodyPr>
+          <a:lstStyle/>
+          <a:p>
+            <a:pPr algn="r"/>
+            <a:r>
+              <a:rPr lang="en-US" altLang="ko-Kore-KR" dirty="0">
+                <a:latin typeface="DM Mono" panose="020B0509040201040103" pitchFamily="49" charset="0"/>
+              </a:rPr>
+              <a:t>__</a:t>
+            </a:r>
+            <a:r>
+              <a:rPr lang="en-US" altLang="ko-Kore-KR" dirty="0" err="1">
+                <a:latin typeface="DM Mono" panose="020B0509040201040103" pitchFamily="49" charset="0"/>
+              </a:rPr>
+              <a:t>vftp</a:t>
+            </a:r>
+            <a:endParaRPr lang="ko-Kore-KR" altLang="en-US" dirty="0"/>
+          </a:p>
+        </p:txBody>
+      </p:sp>
+    </p:spTree>
+    <p:extLst>
+      <p:ext uri="{BB962C8B-B14F-4D97-AF65-F5344CB8AC3E}">
+        <p14:creationId xmlns:p14="http://schemas.microsoft.com/office/powerpoint/2010/main" val="4097099561"/>
+      </p:ext>
+    </p:extLst>
+  </p:cSld>
+  <p:clrMapOvr>
+    <a:masterClrMapping/>
+  </p:clrMapOvr>
+</p:sld>
+</file>
+
+<file path=ppt/slides/slide32.xml><?xml version="1.0" encoding="utf-8"?>
+<p:sld xmlns:a="http://schemas.openxmlformats.org/drawingml/2006/main" xmlns:r="http://schemas.openxmlformats.org/officeDocument/2006/relationships" xmlns:p="http://schemas.openxmlformats.org/presentationml/2006/main">
+  <p:cSld>
+    <p:spTree>
+      <p:nvGrpSpPr>
+        <p:cNvPr id="1" name=""/>
+        <p:cNvGrpSpPr/>
+        <p:nvPr/>
+      </p:nvGrpSpPr>
+      <p:grpSpPr>
+        <a:xfrm>
+          <a:off x="0" y="0"/>
+          <a:ext cx="0" cy="0"/>
+          <a:chOff x="0" y="0"/>
+          <a:chExt cx="0" cy="0"/>
+        </a:xfrm>
+      </p:grpSpPr>
+      <p:sp>
+        <p:nvSpPr>
+          <p:cNvPr id="10" name="직사각형 9">
+            <a:extLst>
+              <a:ext uri="{FF2B5EF4-FFF2-40B4-BE49-F238E27FC236}">
+                <a16:creationId xmlns:a16="http://schemas.microsoft.com/office/drawing/2014/main" id="{504ECFFC-74F8-08BC-E61D-DC0B6420CD47}"/>
+              </a:ext>
+            </a:extLst>
+          </p:cNvPr>
+          <p:cNvSpPr/>
+          <p:nvPr/>
+        </p:nvSpPr>
+        <p:spPr>
+          <a:xfrm>
+            <a:off x="6674214" y="1189030"/>
+            <a:ext cx="1019503" cy="451945"/>
+          </a:xfrm>
+          <a:prstGeom prst="rect">
+            <a:avLst/>
+          </a:prstGeom>
+          <a:solidFill>
+            <a:srgbClr val="92D050"/>
+          </a:solidFill>
+        </p:spPr>
+        <p:style>
+          <a:lnRef idx="2">
+            <a:schemeClr val="accent1">
+              <a:shade val="50000"/>
+            </a:schemeClr>
+          </a:lnRef>
+          <a:fillRef idx="1">
+            <a:schemeClr val="accent1"/>
+          </a:fillRef>
+          <a:effectRef idx="0">
+            <a:schemeClr val="accent1"/>
+          </a:effectRef>
+          <a:fontRef idx="minor">
+            <a:schemeClr val="lt1"/>
+          </a:fontRef>
+        </p:style>
+        <p:txBody>
+          <a:bodyPr rtlCol="0" anchor="ctr"/>
+          <a:lstStyle/>
+          <a:p>
+            <a:pPr algn="ctr"/>
+            <a:endParaRPr kumimoji="1" lang="ko-Kore-KR" altLang="en-US" dirty="0">
+              <a:solidFill>
+                <a:schemeClr val="tx1"/>
+              </a:solidFill>
+              <a:latin typeface="DM Mono" panose="020B0509040201040103" pitchFamily="49" charset="0"/>
+            </a:endParaRPr>
+          </a:p>
+        </p:txBody>
+      </p:sp>
+      <p:sp>
+        <p:nvSpPr>
+          <p:cNvPr id="11" name="TextBox 10">
+            <a:extLst>
+              <a:ext uri="{FF2B5EF4-FFF2-40B4-BE49-F238E27FC236}">
+                <a16:creationId xmlns:a16="http://schemas.microsoft.com/office/drawing/2014/main" id="{CB230CB5-C073-B636-4EAA-DCEEF12EE34C}"/>
+              </a:ext>
+            </a:extLst>
+          </p:cNvPr>
+          <p:cNvSpPr txBox="1"/>
+          <p:nvPr/>
+        </p:nvSpPr>
+        <p:spPr>
+          <a:xfrm>
+            <a:off x="5517787" y="1230336"/>
+            <a:ext cx="1156427" cy="369332"/>
+          </a:xfrm>
+          <a:prstGeom prst="rect">
+            <a:avLst/>
+          </a:prstGeom>
+          <a:noFill/>
+        </p:spPr>
+        <p:txBody>
+          <a:bodyPr wrap="square">
+            <a:spAutoFit/>
+          </a:bodyPr>
+          <a:lstStyle/>
+          <a:p>
+            <a:pPr algn="r"/>
+            <a:r>
+              <a:rPr lang="en-US" altLang="ko-Kore-KR" dirty="0">
+                <a:latin typeface="DM Mono" panose="020B0509040201040103" pitchFamily="49" charset="0"/>
+              </a:rPr>
+              <a:t>__</a:t>
+            </a:r>
+            <a:r>
+              <a:rPr lang="en-US" altLang="ko-Kore-KR" dirty="0" err="1">
+                <a:latin typeface="DM Mono" panose="020B0509040201040103" pitchFamily="49" charset="0"/>
+              </a:rPr>
+              <a:t>vftp</a:t>
+            </a:r>
+            <a:endParaRPr lang="ko-Kore-KR" altLang="en-US" dirty="0"/>
+          </a:p>
+        </p:txBody>
+      </p:sp>
+      <p:sp>
+        <p:nvSpPr>
+          <p:cNvPr id="12" name="TextBox 11">
+            <a:extLst>
+              <a:ext uri="{FF2B5EF4-FFF2-40B4-BE49-F238E27FC236}">
+                <a16:creationId xmlns:a16="http://schemas.microsoft.com/office/drawing/2014/main" id="{1DE8CC8C-4E5E-1BDA-3703-C328A3A06E6B}"/>
+              </a:ext>
+            </a:extLst>
+          </p:cNvPr>
+          <p:cNvSpPr txBox="1"/>
+          <p:nvPr/>
+        </p:nvSpPr>
+        <p:spPr>
+          <a:xfrm>
+            <a:off x="6461288" y="840351"/>
+            <a:ext cx="1445353" cy="369332"/>
+          </a:xfrm>
+          <a:prstGeom prst="rect">
+            <a:avLst/>
+          </a:prstGeom>
+          <a:noFill/>
+        </p:spPr>
+        <p:txBody>
+          <a:bodyPr wrap="square">
+            <a:spAutoFit/>
+          </a:bodyPr>
+          <a:lstStyle/>
+          <a:p>
+            <a:pPr algn="ctr"/>
+            <a:r>
+              <a:rPr lang="en-US" altLang="ko-Kore-KR" dirty="0">
+                <a:latin typeface="DM Mono" panose="020B0509040201040103" pitchFamily="49" charset="0"/>
+              </a:rPr>
+              <a:t>Animal a</a:t>
+            </a:r>
+            <a:endParaRPr lang="ko-Kore-KR" altLang="en-US" dirty="0"/>
+          </a:p>
+        </p:txBody>
+      </p:sp>
+      <p:sp>
+        <p:nvSpPr>
+          <p:cNvPr id="16" name="TextBox 15">
+            <a:extLst>
+              <a:ext uri="{FF2B5EF4-FFF2-40B4-BE49-F238E27FC236}">
+                <a16:creationId xmlns:a16="http://schemas.microsoft.com/office/drawing/2014/main" id="{E1012691-5E9C-40BD-EAE5-03C0EA31B4C1}"/>
+              </a:ext>
+            </a:extLst>
+          </p:cNvPr>
+          <p:cNvSpPr txBox="1"/>
+          <p:nvPr/>
+        </p:nvSpPr>
+        <p:spPr>
+          <a:xfrm>
+            <a:off x="579280" y="297285"/>
+            <a:ext cx="4743219" cy="3139321"/>
+          </a:xfrm>
+          <a:prstGeom prst="rect">
+            <a:avLst/>
+          </a:prstGeom>
+          <a:noFill/>
+        </p:spPr>
+        <p:txBody>
+          <a:bodyPr wrap="square">
+            <a:spAutoFit/>
+          </a:bodyPr>
+          <a:lstStyle/>
+          <a:p>
+            <a:r>
+              <a:rPr lang="ko-Kore-KR" altLang="en-US" dirty="0">
+                <a:latin typeface="DM Mono" panose="020B0509040201040103" pitchFamily="49" charset="0"/>
+              </a:rPr>
+              <a:t>class Animal {</a:t>
+            </a:r>
+          </a:p>
+          <a:p>
+            <a:r>
+              <a:rPr lang="ko-Kore-KR" altLang="en-US" dirty="0">
+                <a:latin typeface="DM Mono" panose="020B0509040201040103" pitchFamily="49" charset="0"/>
+              </a:rPr>
+              <a:t>    int age;</a:t>
+            </a:r>
+          </a:p>
+          <a:p>
+            <a:endParaRPr lang="ko-Kore-KR" altLang="en-US" dirty="0">
+              <a:latin typeface="DM Mono" panose="020B0509040201040103" pitchFamily="49" charset="0"/>
+            </a:endParaRPr>
+          </a:p>
+          <a:p>
+            <a:r>
+              <a:rPr lang="ko-Kore-KR" altLang="en-US" dirty="0">
+                <a:latin typeface="DM Mono" panose="020B0509040201040103" pitchFamily="49" charset="0"/>
+              </a:rPr>
+              <a:t>public:</a:t>
+            </a:r>
+          </a:p>
+          <a:p>
+            <a:r>
+              <a:rPr lang="ko-KR" altLang="en-US" dirty="0">
+                <a:solidFill>
+                  <a:srgbClr val="FF0000"/>
+                </a:solidFill>
+                <a:latin typeface="DM Mono" panose="020B0509040201040103" pitchFamily="49" charset="0"/>
+              </a:rPr>
+              <a:t>    </a:t>
+            </a:r>
+            <a:r>
+              <a:rPr lang="en-US" altLang="ko-KR" dirty="0">
+                <a:solidFill>
+                  <a:srgbClr val="FF0000"/>
+                </a:solidFill>
+                <a:latin typeface="DM Mono" panose="020B0509040201040103" pitchFamily="49" charset="0"/>
+              </a:rPr>
+              <a:t>virtual </a:t>
+            </a:r>
+            <a:r>
+              <a:rPr lang="ko-Kore-KR" altLang="en-US" dirty="0">
+                <a:latin typeface="DM Mono" panose="020B0509040201040103" pitchFamily="49" charset="0"/>
+              </a:rPr>
+              <a:t>void </a:t>
+            </a:r>
+            <a:r>
+              <a:rPr lang="en-US" altLang="ko-Kore-KR" dirty="0">
+                <a:latin typeface="DM Mono" panose="020B0509040201040103" pitchFamily="49" charset="0"/>
+              </a:rPr>
+              <a:t>G</a:t>
+            </a:r>
+            <a:r>
+              <a:rPr lang="ko-Kore-KR" altLang="en-US" dirty="0">
+                <a:latin typeface="DM Mono" panose="020B0509040201040103" pitchFamily="49" charset="0"/>
+              </a:rPr>
+              <a:t>o() { }</a:t>
+            </a:r>
+          </a:p>
+          <a:p>
+            <a:r>
+              <a:rPr lang="ko-Kore-KR" altLang="en-US" dirty="0">
+                <a:latin typeface="DM Mono" panose="020B0509040201040103" pitchFamily="49" charset="0"/>
+              </a:rPr>
+              <a:t>};</a:t>
+            </a:r>
+          </a:p>
+          <a:p>
+            <a:endParaRPr lang="ko-Kore-KR" altLang="en-US" dirty="0">
+              <a:latin typeface="DM Mono" panose="020B0509040201040103" pitchFamily="49" charset="0"/>
+            </a:endParaRPr>
+          </a:p>
+          <a:p>
+            <a:r>
+              <a:rPr lang="ko-Kore-KR" altLang="en-US" dirty="0">
+                <a:latin typeface="DM Mono" panose="020B0509040201040103" pitchFamily="49" charset="0"/>
+              </a:rPr>
+              <a:t>class Dog : public Animal {</a:t>
+            </a:r>
+          </a:p>
+          <a:p>
+            <a:r>
+              <a:rPr lang="ko-Kore-KR" altLang="en-US" dirty="0">
+                <a:latin typeface="DM Mono" panose="020B0509040201040103" pitchFamily="49" charset="0"/>
+              </a:rPr>
+              <a:t>    int color;</a:t>
+            </a:r>
+          </a:p>
+          <a:p>
+            <a:r>
+              <a:rPr lang="ko-Kore-KR" altLang="en-US" dirty="0">
+                <a:latin typeface="DM Mono" panose="020B0509040201040103" pitchFamily="49" charset="0"/>
+              </a:rPr>
+              <a:t>    int speed;</a:t>
+            </a:r>
+          </a:p>
+          <a:p>
+            <a:r>
+              <a:rPr lang="ko-Kore-KR" altLang="en-US" dirty="0">
+                <a:latin typeface="DM Mono" panose="020B0509040201040103" pitchFamily="49" charset="0"/>
+              </a:rPr>
+              <a:t>};</a:t>
+            </a:r>
+          </a:p>
+        </p:txBody>
+      </p:sp>
+      <p:sp>
+        <p:nvSpPr>
+          <p:cNvPr id="17" name="직사각형 16">
+            <a:extLst>
+              <a:ext uri="{FF2B5EF4-FFF2-40B4-BE49-F238E27FC236}">
+                <a16:creationId xmlns:a16="http://schemas.microsoft.com/office/drawing/2014/main" id="{E020C705-2875-0DAE-D39A-A756A4A3BA8B}"/>
+              </a:ext>
+            </a:extLst>
+          </p:cNvPr>
+          <p:cNvSpPr/>
+          <p:nvPr/>
+        </p:nvSpPr>
+        <p:spPr>
+          <a:xfrm>
+            <a:off x="6580782" y="4670704"/>
+            <a:ext cx="1019503" cy="451945"/>
+          </a:xfrm>
+          <a:prstGeom prst="rect">
+            <a:avLst/>
+          </a:prstGeom>
+          <a:solidFill>
+            <a:srgbClr val="FFFF00"/>
+          </a:solidFill>
+        </p:spPr>
+        <p:style>
+          <a:lnRef idx="2">
+            <a:schemeClr val="accent1">
+              <a:shade val="50000"/>
+            </a:schemeClr>
+          </a:lnRef>
+          <a:fillRef idx="1">
+            <a:schemeClr val="accent1"/>
+          </a:fillRef>
+          <a:effectRef idx="0">
+            <a:schemeClr val="accent1"/>
+          </a:effectRef>
+          <a:fontRef idx="minor">
+            <a:schemeClr val="lt1"/>
+          </a:fontRef>
+        </p:style>
+        <p:txBody>
+          <a:bodyPr rtlCol="0" anchor="ctr"/>
+          <a:lstStyle/>
+          <a:p>
+            <a:pPr algn="ctr"/>
+            <a:endParaRPr kumimoji="1" lang="ko-Kore-KR" altLang="en-US" dirty="0">
+              <a:solidFill>
+                <a:schemeClr val="tx1"/>
+              </a:solidFill>
+              <a:latin typeface="DM Mono" panose="020B0509040201040103" pitchFamily="49" charset="0"/>
+            </a:endParaRPr>
+          </a:p>
+        </p:txBody>
+      </p:sp>
+      <p:sp>
+        <p:nvSpPr>
+          <p:cNvPr id="18" name="TextBox 17">
+            <a:extLst>
+              <a:ext uri="{FF2B5EF4-FFF2-40B4-BE49-F238E27FC236}">
+                <a16:creationId xmlns:a16="http://schemas.microsoft.com/office/drawing/2014/main" id="{7F865831-83A6-339B-3AB4-4156A6D92B1D}"/>
+              </a:ext>
+            </a:extLst>
+          </p:cNvPr>
+          <p:cNvSpPr txBox="1"/>
+          <p:nvPr/>
+        </p:nvSpPr>
+        <p:spPr>
+          <a:xfrm>
+            <a:off x="5424355" y="4712010"/>
+            <a:ext cx="1156427" cy="369332"/>
+          </a:xfrm>
+          <a:prstGeom prst="rect">
+            <a:avLst/>
+          </a:prstGeom>
+          <a:noFill/>
+        </p:spPr>
+        <p:txBody>
+          <a:bodyPr wrap="square">
+            <a:spAutoFit/>
+          </a:bodyPr>
+          <a:lstStyle/>
+          <a:p>
+            <a:pPr algn="r"/>
+            <a:r>
+              <a:rPr lang="en-US" altLang="ko-Kore-KR" dirty="0">
+                <a:latin typeface="DM Mono" panose="020B0509040201040103" pitchFamily="49" charset="0"/>
+              </a:rPr>
+              <a:t>age</a:t>
+            </a:r>
+            <a:endParaRPr lang="ko-Kore-KR" altLang="en-US" dirty="0"/>
+          </a:p>
+        </p:txBody>
+      </p:sp>
+      <p:sp>
+        <p:nvSpPr>
+          <p:cNvPr id="19" name="TextBox 18">
+            <a:extLst>
+              <a:ext uri="{FF2B5EF4-FFF2-40B4-BE49-F238E27FC236}">
+                <a16:creationId xmlns:a16="http://schemas.microsoft.com/office/drawing/2014/main" id="{4405CC06-AE7A-68D4-713A-DD64E3DCBDF4}"/>
+              </a:ext>
+            </a:extLst>
+          </p:cNvPr>
+          <p:cNvSpPr txBox="1"/>
+          <p:nvPr/>
+        </p:nvSpPr>
+        <p:spPr>
+          <a:xfrm>
+            <a:off x="6367856" y="3786452"/>
+            <a:ext cx="1445353" cy="369332"/>
+          </a:xfrm>
+          <a:prstGeom prst="rect">
+            <a:avLst/>
+          </a:prstGeom>
+          <a:noFill/>
+        </p:spPr>
+        <p:txBody>
+          <a:bodyPr wrap="square">
+            <a:spAutoFit/>
+          </a:bodyPr>
+          <a:lstStyle/>
+          <a:p>
+            <a:pPr algn="ctr"/>
+            <a:r>
+              <a:rPr lang="en-US" altLang="ko-Kore-KR" dirty="0">
+                <a:latin typeface="DM Mono" panose="020B0509040201040103" pitchFamily="49" charset="0"/>
+              </a:rPr>
+              <a:t>Dog d</a:t>
+            </a:r>
+            <a:endParaRPr lang="ko-Kore-KR" altLang="en-US" dirty="0"/>
+          </a:p>
+        </p:txBody>
+      </p:sp>
+      <p:sp>
+        <p:nvSpPr>
+          <p:cNvPr id="20" name="직사각형 19">
+            <a:extLst>
+              <a:ext uri="{FF2B5EF4-FFF2-40B4-BE49-F238E27FC236}">
+                <a16:creationId xmlns:a16="http://schemas.microsoft.com/office/drawing/2014/main" id="{FF996783-B63E-36B5-9C7D-03D44DA24135}"/>
+              </a:ext>
+            </a:extLst>
+          </p:cNvPr>
+          <p:cNvSpPr/>
+          <p:nvPr/>
+        </p:nvSpPr>
+        <p:spPr>
+          <a:xfrm>
+            <a:off x="6580782" y="5118984"/>
+            <a:ext cx="1019503" cy="451945"/>
+          </a:xfrm>
+          <a:prstGeom prst="rect">
+            <a:avLst/>
+          </a:prstGeom>
+          <a:solidFill>
+            <a:srgbClr val="FFFF00"/>
+          </a:solidFill>
+        </p:spPr>
+        <p:style>
+          <a:lnRef idx="2">
+            <a:schemeClr val="accent1">
+              <a:shade val="50000"/>
+            </a:schemeClr>
+          </a:lnRef>
+          <a:fillRef idx="1">
+            <a:schemeClr val="accent1"/>
+          </a:fillRef>
+          <a:effectRef idx="0">
+            <a:schemeClr val="accent1"/>
+          </a:effectRef>
+          <a:fontRef idx="minor">
+            <a:schemeClr val="lt1"/>
+          </a:fontRef>
+        </p:style>
+        <p:txBody>
+          <a:bodyPr rtlCol="0" anchor="ctr"/>
+          <a:lstStyle/>
+          <a:p>
+            <a:pPr algn="ctr"/>
+            <a:endParaRPr kumimoji="1" lang="ko-Kore-KR" altLang="en-US" dirty="0">
+              <a:solidFill>
+                <a:schemeClr val="tx1"/>
+              </a:solidFill>
+              <a:latin typeface="DM Mono" panose="020B0509040201040103" pitchFamily="49" charset="0"/>
+            </a:endParaRPr>
+          </a:p>
+        </p:txBody>
+      </p:sp>
+      <p:sp>
+        <p:nvSpPr>
+          <p:cNvPr id="21" name="TextBox 20">
+            <a:extLst>
+              <a:ext uri="{FF2B5EF4-FFF2-40B4-BE49-F238E27FC236}">
+                <a16:creationId xmlns:a16="http://schemas.microsoft.com/office/drawing/2014/main" id="{52AD8F03-CD35-F082-4665-B463AEAECE28}"/>
+              </a:ext>
+            </a:extLst>
+          </p:cNvPr>
+          <p:cNvSpPr txBox="1"/>
+          <p:nvPr/>
+        </p:nvSpPr>
+        <p:spPr>
+          <a:xfrm>
+            <a:off x="5424355" y="5160290"/>
+            <a:ext cx="1156427" cy="369332"/>
+          </a:xfrm>
+          <a:prstGeom prst="rect">
+            <a:avLst/>
+          </a:prstGeom>
+          <a:noFill/>
+        </p:spPr>
+        <p:txBody>
+          <a:bodyPr wrap="square">
+            <a:spAutoFit/>
+          </a:bodyPr>
+          <a:lstStyle/>
+          <a:p>
+            <a:pPr algn="r"/>
+            <a:r>
+              <a:rPr lang="en-US" altLang="ko-Kore-KR" dirty="0">
+                <a:latin typeface="DM Mono" panose="020B0509040201040103" pitchFamily="49" charset="0"/>
+              </a:rPr>
+              <a:t>color</a:t>
+            </a:r>
+            <a:endParaRPr lang="ko-Kore-KR" altLang="en-US" dirty="0"/>
+          </a:p>
+        </p:txBody>
+      </p:sp>
+      <p:sp>
+        <p:nvSpPr>
+          <p:cNvPr id="24" name="직사각형 23">
+            <a:extLst>
+              <a:ext uri="{FF2B5EF4-FFF2-40B4-BE49-F238E27FC236}">
+                <a16:creationId xmlns:a16="http://schemas.microsoft.com/office/drawing/2014/main" id="{002122DE-D2BD-B386-CB86-9ED634E845B0}"/>
+              </a:ext>
+            </a:extLst>
+          </p:cNvPr>
+          <p:cNvSpPr/>
+          <p:nvPr/>
+        </p:nvSpPr>
+        <p:spPr>
+          <a:xfrm>
+            <a:off x="6580782" y="5565704"/>
+            <a:ext cx="1019503" cy="451945"/>
+          </a:xfrm>
+          <a:prstGeom prst="rect">
+            <a:avLst/>
+          </a:prstGeom>
+          <a:solidFill>
+            <a:srgbClr val="FFFF00"/>
+          </a:solidFill>
+        </p:spPr>
+        <p:style>
+          <a:lnRef idx="2">
+            <a:schemeClr val="accent1">
+              <a:shade val="50000"/>
+            </a:schemeClr>
+          </a:lnRef>
+          <a:fillRef idx="1">
+            <a:schemeClr val="accent1"/>
+          </a:fillRef>
+          <a:effectRef idx="0">
+            <a:schemeClr val="accent1"/>
+          </a:effectRef>
+          <a:fontRef idx="minor">
+            <a:schemeClr val="lt1"/>
+          </a:fontRef>
+        </p:style>
+        <p:txBody>
+          <a:bodyPr rtlCol="0" anchor="ctr"/>
+          <a:lstStyle/>
+          <a:p>
+            <a:pPr algn="ctr"/>
+            <a:endParaRPr kumimoji="1" lang="ko-Kore-KR" altLang="en-US" dirty="0">
+              <a:solidFill>
+                <a:schemeClr val="tx1"/>
+              </a:solidFill>
+              <a:latin typeface="DM Mono" panose="020B0509040201040103" pitchFamily="49" charset="0"/>
+            </a:endParaRPr>
+          </a:p>
+        </p:txBody>
+      </p:sp>
+      <p:sp>
+        <p:nvSpPr>
+          <p:cNvPr id="25" name="TextBox 24">
+            <a:extLst>
+              <a:ext uri="{FF2B5EF4-FFF2-40B4-BE49-F238E27FC236}">
+                <a16:creationId xmlns:a16="http://schemas.microsoft.com/office/drawing/2014/main" id="{9A0D5CD0-9A77-6CAA-5B51-C8C306C18EF2}"/>
+              </a:ext>
+            </a:extLst>
+          </p:cNvPr>
+          <p:cNvSpPr txBox="1"/>
+          <p:nvPr/>
+        </p:nvSpPr>
+        <p:spPr>
+          <a:xfrm>
+            <a:off x="5424355" y="5607010"/>
+            <a:ext cx="1156427" cy="369332"/>
+          </a:xfrm>
+          <a:prstGeom prst="rect">
+            <a:avLst/>
+          </a:prstGeom>
+          <a:noFill/>
+        </p:spPr>
+        <p:txBody>
+          <a:bodyPr wrap="square">
+            <a:spAutoFit/>
+          </a:bodyPr>
+          <a:lstStyle/>
+          <a:p>
+            <a:pPr algn="r"/>
+            <a:r>
+              <a:rPr lang="en-US" altLang="ko-Kore-KR" dirty="0">
+                <a:latin typeface="DM Mono" panose="020B0509040201040103" pitchFamily="49" charset="0"/>
+              </a:rPr>
+              <a:t>speed</a:t>
+            </a:r>
+            <a:endParaRPr lang="ko-Kore-KR" altLang="en-US" dirty="0"/>
+          </a:p>
+        </p:txBody>
+      </p:sp>
+      <p:sp>
+        <p:nvSpPr>
+          <p:cNvPr id="2" name="직사각형 1">
+            <a:extLst>
+              <a:ext uri="{FF2B5EF4-FFF2-40B4-BE49-F238E27FC236}">
+                <a16:creationId xmlns:a16="http://schemas.microsoft.com/office/drawing/2014/main" id="{84D10F38-18C5-210C-769D-16013FB18F84}"/>
+              </a:ext>
+            </a:extLst>
+          </p:cNvPr>
+          <p:cNvSpPr/>
+          <p:nvPr/>
+        </p:nvSpPr>
+        <p:spPr>
+          <a:xfrm>
+            <a:off x="6674214" y="1616657"/>
+            <a:ext cx="1019503" cy="451945"/>
+          </a:xfrm>
+          <a:prstGeom prst="rect">
+            <a:avLst/>
+          </a:prstGeom>
+          <a:solidFill>
+            <a:srgbClr val="FFFF00"/>
+          </a:solidFill>
+        </p:spPr>
+        <p:style>
+          <a:lnRef idx="2">
+            <a:schemeClr val="accent1">
+              <a:shade val="50000"/>
+            </a:schemeClr>
+          </a:lnRef>
+          <a:fillRef idx="1">
+            <a:schemeClr val="accent1"/>
+          </a:fillRef>
+          <a:effectRef idx="0">
+            <a:schemeClr val="accent1"/>
+          </a:effectRef>
+          <a:fontRef idx="minor">
+            <a:schemeClr val="lt1"/>
+          </a:fontRef>
+        </p:style>
+        <p:txBody>
+          <a:bodyPr rtlCol="0" anchor="ctr"/>
+          <a:lstStyle/>
+          <a:p>
+            <a:pPr algn="ctr"/>
+            <a:endParaRPr kumimoji="1" lang="ko-Kore-KR" altLang="en-US" dirty="0">
+              <a:solidFill>
+                <a:schemeClr val="tx1"/>
+              </a:solidFill>
+              <a:latin typeface="DM Mono" panose="020B0509040201040103" pitchFamily="49" charset="0"/>
+            </a:endParaRPr>
+          </a:p>
+        </p:txBody>
+      </p:sp>
+      <p:sp>
+        <p:nvSpPr>
+          <p:cNvPr id="3" name="TextBox 2">
+            <a:extLst>
+              <a:ext uri="{FF2B5EF4-FFF2-40B4-BE49-F238E27FC236}">
+                <a16:creationId xmlns:a16="http://schemas.microsoft.com/office/drawing/2014/main" id="{FC2F57A3-4888-3C82-FF01-EC758BF79867}"/>
+              </a:ext>
+            </a:extLst>
+          </p:cNvPr>
+          <p:cNvSpPr txBox="1"/>
+          <p:nvPr/>
+        </p:nvSpPr>
+        <p:spPr>
+          <a:xfrm>
+            <a:off x="5517787" y="1657963"/>
+            <a:ext cx="1156427" cy="369332"/>
+          </a:xfrm>
+          <a:prstGeom prst="rect">
+            <a:avLst/>
+          </a:prstGeom>
+          <a:noFill/>
+        </p:spPr>
+        <p:txBody>
+          <a:bodyPr wrap="square">
+            <a:spAutoFit/>
+          </a:bodyPr>
+          <a:lstStyle/>
+          <a:p>
+            <a:pPr algn="r"/>
+            <a:r>
+              <a:rPr lang="en-US" altLang="ko-Kore-KR" dirty="0">
+                <a:latin typeface="DM Mono" panose="020B0509040201040103" pitchFamily="49" charset="0"/>
+              </a:rPr>
+              <a:t>age</a:t>
+            </a:r>
+            <a:endParaRPr lang="ko-Kore-KR" altLang="en-US" dirty="0"/>
+          </a:p>
+        </p:txBody>
+      </p:sp>
+      <p:sp>
+        <p:nvSpPr>
+          <p:cNvPr id="4" name="직사각형 3">
+            <a:extLst>
+              <a:ext uri="{FF2B5EF4-FFF2-40B4-BE49-F238E27FC236}">
+                <a16:creationId xmlns:a16="http://schemas.microsoft.com/office/drawing/2014/main" id="{C71B223F-A5BD-3780-C63C-111710529890}"/>
+              </a:ext>
+            </a:extLst>
+          </p:cNvPr>
+          <p:cNvSpPr/>
+          <p:nvPr/>
+        </p:nvSpPr>
+        <p:spPr>
+          <a:xfrm>
+            <a:off x="6580782" y="4220591"/>
+            <a:ext cx="1019503" cy="451945"/>
+          </a:xfrm>
+          <a:prstGeom prst="rect">
+            <a:avLst/>
+          </a:prstGeom>
+          <a:solidFill>
+            <a:srgbClr val="92D050"/>
+          </a:solidFill>
+        </p:spPr>
+        <p:style>
+          <a:lnRef idx="2">
+            <a:schemeClr val="accent1">
+              <a:shade val="50000"/>
+            </a:schemeClr>
+          </a:lnRef>
+          <a:fillRef idx="1">
+            <a:schemeClr val="accent1"/>
+          </a:fillRef>
+          <a:effectRef idx="0">
+            <a:schemeClr val="accent1"/>
+          </a:effectRef>
+          <a:fontRef idx="minor">
+            <a:schemeClr val="lt1"/>
+          </a:fontRef>
+        </p:style>
+        <p:txBody>
+          <a:bodyPr rtlCol="0" anchor="ctr"/>
+          <a:lstStyle/>
+          <a:p>
+            <a:pPr algn="ctr"/>
+            <a:endParaRPr kumimoji="1" lang="ko-Kore-KR" altLang="en-US" dirty="0">
+              <a:solidFill>
+                <a:schemeClr val="tx1"/>
+              </a:solidFill>
+              <a:latin typeface="DM Mono" panose="020B0509040201040103" pitchFamily="49" charset="0"/>
+            </a:endParaRPr>
+          </a:p>
+        </p:txBody>
+      </p:sp>
+      <p:sp>
+        <p:nvSpPr>
+          <p:cNvPr id="5" name="TextBox 4">
+            <a:extLst>
+              <a:ext uri="{FF2B5EF4-FFF2-40B4-BE49-F238E27FC236}">
+                <a16:creationId xmlns:a16="http://schemas.microsoft.com/office/drawing/2014/main" id="{9A69B426-D23A-826F-C514-644900B3C8C9}"/>
+              </a:ext>
+            </a:extLst>
+          </p:cNvPr>
+          <p:cNvSpPr txBox="1"/>
+          <p:nvPr/>
+        </p:nvSpPr>
+        <p:spPr>
+          <a:xfrm>
+            <a:off x="5424355" y="4261897"/>
+            <a:ext cx="1156427" cy="369332"/>
+          </a:xfrm>
+          <a:prstGeom prst="rect">
+            <a:avLst/>
+          </a:prstGeom>
+          <a:noFill/>
+        </p:spPr>
+        <p:txBody>
+          <a:bodyPr wrap="square">
+            <a:spAutoFit/>
+          </a:bodyPr>
+          <a:lstStyle/>
+          <a:p>
+            <a:pPr algn="r"/>
+            <a:r>
+              <a:rPr lang="en-US" altLang="ko-Kore-KR" dirty="0">
+                <a:latin typeface="DM Mono" panose="020B0509040201040103" pitchFamily="49" charset="0"/>
+              </a:rPr>
+              <a:t>__</a:t>
+            </a:r>
+            <a:r>
+              <a:rPr lang="en-US" altLang="ko-Kore-KR" dirty="0" err="1">
+                <a:latin typeface="DM Mono" panose="020B0509040201040103" pitchFamily="49" charset="0"/>
+              </a:rPr>
+              <a:t>vftp</a:t>
+            </a:r>
+            <a:endParaRPr lang="ko-Kore-KR" altLang="en-US" dirty="0"/>
+          </a:p>
+        </p:txBody>
+      </p:sp>
+      <p:sp>
+        <p:nvSpPr>
+          <p:cNvPr id="7" name="직사각형 6">
+            <a:extLst>
+              <a:ext uri="{FF2B5EF4-FFF2-40B4-BE49-F238E27FC236}">
+                <a16:creationId xmlns:a16="http://schemas.microsoft.com/office/drawing/2014/main" id="{A5D30574-9B04-F47A-EBF1-9BC27D6829AA}"/>
+              </a:ext>
+            </a:extLst>
+          </p:cNvPr>
+          <p:cNvSpPr/>
+          <p:nvPr/>
+        </p:nvSpPr>
+        <p:spPr>
+          <a:xfrm>
+            <a:off x="9543935" y="840351"/>
+            <a:ext cx="1937823" cy="451945"/>
+          </a:xfrm>
+          <a:prstGeom prst="rect">
+            <a:avLst/>
+          </a:prstGeom>
+          <a:solidFill>
+            <a:srgbClr val="FFFF00"/>
+          </a:solidFill>
+        </p:spPr>
+        <p:style>
+          <a:lnRef idx="2">
+            <a:schemeClr val="accent1">
+              <a:shade val="50000"/>
+            </a:schemeClr>
+          </a:lnRef>
+          <a:fillRef idx="1">
+            <a:schemeClr val="accent1"/>
+          </a:fillRef>
+          <a:effectRef idx="0">
+            <a:schemeClr val="accent1"/>
+          </a:effectRef>
+          <a:fontRef idx="minor">
+            <a:schemeClr val="lt1"/>
+          </a:fontRef>
+        </p:style>
+        <p:txBody>
+          <a:bodyPr rtlCol="0" anchor="ctr"/>
+          <a:lstStyle/>
+          <a:p>
+            <a:pPr algn="ctr"/>
+            <a:r>
+              <a:rPr kumimoji="1" lang="en-US" altLang="ko-Kore-KR" dirty="0">
+                <a:solidFill>
+                  <a:schemeClr val="tx1"/>
+                </a:solidFill>
+                <a:latin typeface="DM Mono" panose="020B0509040201040103" pitchFamily="49" charset="0"/>
+              </a:rPr>
+              <a:t>Animal::Go</a:t>
+            </a:r>
+            <a:endParaRPr kumimoji="1" lang="ko-Kore-KR" altLang="en-US" dirty="0">
+              <a:solidFill>
+                <a:schemeClr val="tx1"/>
+              </a:solidFill>
+              <a:latin typeface="DM Mono" panose="020B0509040201040103" pitchFamily="49" charset="0"/>
+            </a:endParaRPr>
+          </a:p>
+        </p:txBody>
+      </p:sp>
+      <p:sp>
+        <p:nvSpPr>
+          <p:cNvPr id="8" name="TextBox 7">
+            <a:extLst>
+              <a:ext uri="{FF2B5EF4-FFF2-40B4-BE49-F238E27FC236}">
+                <a16:creationId xmlns:a16="http://schemas.microsoft.com/office/drawing/2014/main" id="{95DD0609-B294-1EF3-85A5-F8E8FD251B51}"/>
+              </a:ext>
+            </a:extLst>
+          </p:cNvPr>
+          <p:cNvSpPr txBox="1"/>
+          <p:nvPr/>
+        </p:nvSpPr>
+        <p:spPr>
+          <a:xfrm>
+            <a:off x="8387508" y="881657"/>
+            <a:ext cx="1156427" cy="369332"/>
+          </a:xfrm>
+          <a:prstGeom prst="rect">
+            <a:avLst/>
+          </a:prstGeom>
+          <a:noFill/>
+        </p:spPr>
+        <p:txBody>
+          <a:bodyPr wrap="square">
+            <a:spAutoFit/>
+          </a:bodyPr>
+          <a:lstStyle/>
+          <a:p>
+            <a:pPr algn="r"/>
+            <a:r>
+              <a:rPr lang="en-US" altLang="ko-Kore-KR" dirty="0">
+                <a:latin typeface="DM Mono" panose="020B0509040201040103" pitchFamily="49" charset="0"/>
+              </a:rPr>
+              <a:t>0</a:t>
+            </a:r>
+            <a:endParaRPr lang="ko-Kore-KR" altLang="en-US" dirty="0"/>
+          </a:p>
+        </p:txBody>
+      </p:sp>
+      <p:sp>
+        <p:nvSpPr>
+          <p:cNvPr id="14" name="TextBox 13">
+            <a:extLst>
+              <a:ext uri="{FF2B5EF4-FFF2-40B4-BE49-F238E27FC236}">
+                <a16:creationId xmlns:a16="http://schemas.microsoft.com/office/drawing/2014/main" id="{B9F58CB8-CF89-0432-8450-59F2F228C2A0}"/>
+              </a:ext>
+            </a:extLst>
+          </p:cNvPr>
+          <p:cNvSpPr txBox="1"/>
+          <p:nvPr/>
+        </p:nvSpPr>
+        <p:spPr>
+          <a:xfrm>
+            <a:off x="9790169" y="471019"/>
+            <a:ext cx="1445353" cy="369332"/>
+          </a:xfrm>
+          <a:prstGeom prst="rect">
+            <a:avLst/>
+          </a:prstGeom>
+          <a:noFill/>
+        </p:spPr>
+        <p:txBody>
+          <a:bodyPr wrap="square">
+            <a:spAutoFit/>
+          </a:bodyPr>
+          <a:lstStyle/>
+          <a:p>
+            <a:pPr algn="ctr"/>
+            <a:r>
+              <a:rPr lang="en-US" altLang="ko-Kore-KR" dirty="0">
+                <a:latin typeface="DM Mono" panose="020B0509040201040103" pitchFamily="49" charset="0"/>
+              </a:rPr>
+              <a:t>Animal VT</a:t>
+            </a:r>
+            <a:endParaRPr lang="ko-Kore-KR" altLang="en-US" dirty="0"/>
+          </a:p>
+        </p:txBody>
+      </p:sp>
+      <p:cxnSp>
+        <p:nvCxnSpPr>
+          <p:cNvPr id="22" name="구부러진 연결선[U] 21">
+            <a:extLst>
+              <a:ext uri="{FF2B5EF4-FFF2-40B4-BE49-F238E27FC236}">
+                <a16:creationId xmlns:a16="http://schemas.microsoft.com/office/drawing/2014/main" id="{ED894A7B-2A68-B36D-A714-FE56C496CF1A}"/>
+              </a:ext>
+            </a:extLst>
+          </p:cNvPr>
+          <p:cNvCxnSpPr>
+            <a:endCxn id="14" idx="1"/>
+          </p:cNvCxnSpPr>
+          <p:nvPr/>
+        </p:nvCxnSpPr>
+        <p:spPr>
+          <a:xfrm flipV="1">
+            <a:off x="7435970" y="655685"/>
+            <a:ext cx="2354199" cy="759317"/>
+          </a:xfrm>
+          <a:prstGeom prst="curvedConnector3">
+            <a:avLst/>
+          </a:prstGeom>
+          <a:ln>
+            <a:tailEnd type="triangle"/>
+          </a:ln>
+        </p:spPr>
+        <p:style>
+          <a:lnRef idx="1">
+            <a:schemeClr val="dk1"/>
+          </a:lnRef>
+          <a:fillRef idx="0">
+            <a:schemeClr val="dk1"/>
+          </a:fillRef>
+          <a:effectRef idx="0">
+            <a:schemeClr val="dk1"/>
+          </a:effectRef>
+          <a:fontRef idx="minor">
+            <a:schemeClr val="tx1"/>
+          </a:fontRef>
+        </p:style>
+      </p:cxnSp>
+      <p:sp>
+        <p:nvSpPr>
+          <p:cNvPr id="23" name="직사각형 22">
+            <a:extLst>
+              <a:ext uri="{FF2B5EF4-FFF2-40B4-BE49-F238E27FC236}">
+                <a16:creationId xmlns:a16="http://schemas.microsoft.com/office/drawing/2014/main" id="{C2A3FC68-4BD9-FAEA-34A6-D88A6C06CB36}"/>
+              </a:ext>
+            </a:extLst>
+          </p:cNvPr>
+          <p:cNvSpPr/>
+          <p:nvPr/>
+        </p:nvSpPr>
+        <p:spPr>
+          <a:xfrm>
+            <a:off x="9543935" y="4284529"/>
+            <a:ext cx="1937823" cy="451945"/>
+          </a:xfrm>
+          <a:prstGeom prst="rect">
+            <a:avLst/>
+          </a:prstGeom>
+          <a:solidFill>
+            <a:srgbClr val="FFFF00"/>
+          </a:solidFill>
+        </p:spPr>
+        <p:style>
+          <a:lnRef idx="2">
+            <a:schemeClr val="accent1">
+              <a:shade val="50000"/>
+            </a:schemeClr>
+          </a:lnRef>
+          <a:fillRef idx="1">
+            <a:schemeClr val="accent1"/>
+          </a:fillRef>
+          <a:effectRef idx="0">
+            <a:schemeClr val="accent1"/>
+          </a:effectRef>
+          <a:fontRef idx="minor">
+            <a:schemeClr val="lt1"/>
+          </a:fontRef>
+        </p:style>
+        <p:txBody>
+          <a:bodyPr rtlCol="0" anchor="ctr"/>
+          <a:lstStyle/>
+          <a:p>
+            <a:pPr algn="ctr"/>
+            <a:r>
+              <a:rPr kumimoji="1" lang="en-US" altLang="ko-Kore-KR" dirty="0">
+                <a:solidFill>
+                  <a:schemeClr val="tx1"/>
+                </a:solidFill>
+                <a:latin typeface="DM Mono" panose="020B0509040201040103" pitchFamily="49" charset="0"/>
+              </a:rPr>
+              <a:t>Animal::Go</a:t>
+            </a:r>
+            <a:endParaRPr kumimoji="1" lang="ko-Kore-KR" altLang="en-US" dirty="0">
+              <a:solidFill>
+                <a:schemeClr val="tx1"/>
+              </a:solidFill>
+              <a:latin typeface="DM Mono" panose="020B0509040201040103" pitchFamily="49" charset="0"/>
+            </a:endParaRPr>
+          </a:p>
+        </p:txBody>
+      </p:sp>
+      <p:sp>
+        <p:nvSpPr>
+          <p:cNvPr id="26" name="TextBox 25">
+            <a:extLst>
+              <a:ext uri="{FF2B5EF4-FFF2-40B4-BE49-F238E27FC236}">
+                <a16:creationId xmlns:a16="http://schemas.microsoft.com/office/drawing/2014/main" id="{7E7571D9-6981-EF60-1012-BBC27E02AD65}"/>
+              </a:ext>
+            </a:extLst>
+          </p:cNvPr>
+          <p:cNvSpPr txBox="1"/>
+          <p:nvPr/>
+        </p:nvSpPr>
+        <p:spPr>
+          <a:xfrm>
+            <a:off x="8387508" y="4325835"/>
+            <a:ext cx="1156427" cy="369332"/>
+          </a:xfrm>
+          <a:prstGeom prst="rect">
+            <a:avLst/>
+          </a:prstGeom>
+          <a:noFill/>
+        </p:spPr>
+        <p:txBody>
+          <a:bodyPr wrap="square">
+            <a:spAutoFit/>
+          </a:bodyPr>
+          <a:lstStyle/>
+          <a:p>
+            <a:pPr algn="r"/>
+            <a:r>
+              <a:rPr lang="en-US" altLang="ko-Kore-KR" dirty="0">
+                <a:latin typeface="DM Mono" panose="020B0509040201040103" pitchFamily="49" charset="0"/>
+              </a:rPr>
+              <a:t>0</a:t>
+            </a:r>
+            <a:endParaRPr lang="ko-Kore-KR" altLang="en-US" dirty="0"/>
+          </a:p>
+        </p:txBody>
+      </p:sp>
+      <p:sp>
+        <p:nvSpPr>
+          <p:cNvPr id="27" name="TextBox 26">
+            <a:extLst>
+              <a:ext uri="{FF2B5EF4-FFF2-40B4-BE49-F238E27FC236}">
+                <a16:creationId xmlns:a16="http://schemas.microsoft.com/office/drawing/2014/main" id="{BCB70C61-4537-DFC6-DB73-57C83A8B8A15}"/>
+              </a:ext>
+            </a:extLst>
+          </p:cNvPr>
+          <p:cNvSpPr txBox="1"/>
+          <p:nvPr/>
+        </p:nvSpPr>
+        <p:spPr>
+          <a:xfrm>
+            <a:off x="9790169" y="3915197"/>
+            <a:ext cx="1445353" cy="369332"/>
+          </a:xfrm>
+          <a:prstGeom prst="rect">
+            <a:avLst/>
+          </a:prstGeom>
+          <a:noFill/>
+        </p:spPr>
+        <p:txBody>
+          <a:bodyPr wrap="square">
+            <a:spAutoFit/>
+          </a:bodyPr>
+          <a:lstStyle/>
+          <a:p>
+            <a:pPr algn="ctr"/>
+            <a:r>
+              <a:rPr lang="en-US" altLang="ko-Kore-KR" dirty="0">
+                <a:latin typeface="DM Mono" panose="020B0509040201040103" pitchFamily="49" charset="0"/>
+              </a:rPr>
+              <a:t>Dog VT</a:t>
+            </a:r>
+            <a:endParaRPr lang="ko-Kore-KR" altLang="en-US" dirty="0"/>
+          </a:p>
+        </p:txBody>
+      </p:sp>
+      <p:cxnSp>
+        <p:nvCxnSpPr>
+          <p:cNvPr id="28" name="구부러진 연결선[U] 27">
+            <a:extLst>
+              <a:ext uri="{FF2B5EF4-FFF2-40B4-BE49-F238E27FC236}">
+                <a16:creationId xmlns:a16="http://schemas.microsoft.com/office/drawing/2014/main" id="{B062A737-4E5C-FAC5-E171-7B9F61DA903B}"/>
+              </a:ext>
+            </a:extLst>
+          </p:cNvPr>
+          <p:cNvCxnSpPr>
+            <a:cxnSpLocks/>
+            <a:endCxn id="27" idx="1"/>
+          </p:cNvCxnSpPr>
+          <p:nvPr/>
+        </p:nvCxnSpPr>
+        <p:spPr>
+          <a:xfrm flipV="1">
+            <a:off x="7342538" y="4099863"/>
+            <a:ext cx="2447631" cy="340189"/>
+          </a:xfrm>
+          <a:prstGeom prst="curvedConnector3">
+            <a:avLst/>
+          </a:prstGeom>
+          <a:ln>
+            <a:tailEnd type="triangle"/>
+          </a:ln>
+        </p:spPr>
+        <p:style>
+          <a:lnRef idx="1">
+            <a:schemeClr val="dk1"/>
+          </a:lnRef>
+          <a:fillRef idx="0">
+            <a:schemeClr val="dk1"/>
+          </a:fillRef>
+          <a:effectRef idx="0">
+            <a:schemeClr val="dk1"/>
+          </a:effectRef>
+          <a:fontRef idx="minor">
+            <a:schemeClr val="tx1"/>
+          </a:fontRef>
+        </p:style>
+      </p:cxnSp>
+      <p:sp>
+        <p:nvSpPr>
+          <p:cNvPr id="33" name="직사각형 32">
+            <a:extLst>
+              <a:ext uri="{FF2B5EF4-FFF2-40B4-BE49-F238E27FC236}">
+                <a16:creationId xmlns:a16="http://schemas.microsoft.com/office/drawing/2014/main" id="{4A6D7437-11F8-8B91-8362-F4CC8168CEE4}"/>
+              </a:ext>
+            </a:extLst>
+          </p:cNvPr>
+          <p:cNvSpPr/>
+          <p:nvPr/>
+        </p:nvSpPr>
+        <p:spPr>
+          <a:xfrm>
+            <a:off x="6674214" y="2350030"/>
+            <a:ext cx="1019503" cy="451945"/>
+          </a:xfrm>
+          <a:prstGeom prst="rect">
+            <a:avLst/>
+          </a:prstGeom>
+          <a:solidFill>
+            <a:srgbClr val="92D050"/>
+          </a:solidFill>
+        </p:spPr>
+        <p:style>
+          <a:lnRef idx="2">
+            <a:schemeClr val="accent1">
+              <a:shade val="50000"/>
+            </a:schemeClr>
+          </a:lnRef>
+          <a:fillRef idx="1">
+            <a:schemeClr val="accent1"/>
+          </a:fillRef>
+          <a:effectRef idx="0">
+            <a:schemeClr val="accent1"/>
+          </a:effectRef>
+          <a:fontRef idx="minor">
+            <a:schemeClr val="lt1"/>
+          </a:fontRef>
+        </p:style>
+        <p:txBody>
+          <a:bodyPr rtlCol="0" anchor="ctr"/>
+          <a:lstStyle/>
+          <a:p>
+            <a:pPr algn="ctr"/>
+            <a:endParaRPr kumimoji="1" lang="ko-Kore-KR" altLang="en-US" dirty="0">
+              <a:solidFill>
+                <a:schemeClr val="tx1"/>
+              </a:solidFill>
+              <a:latin typeface="DM Mono" panose="020B0509040201040103" pitchFamily="49" charset="0"/>
+            </a:endParaRPr>
+          </a:p>
+        </p:txBody>
+      </p:sp>
+      <p:sp>
+        <p:nvSpPr>
+          <p:cNvPr id="34" name="TextBox 33">
+            <a:extLst>
+              <a:ext uri="{FF2B5EF4-FFF2-40B4-BE49-F238E27FC236}">
+                <a16:creationId xmlns:a16="http://schemas.microsoft.com/office/drawing/2014/main" id="{04511035-21E4-975A-B073-6EF96CDDD592}"/>
+              </a:ext>
+            </a:extLst>
+          </p:cNvPr>
+          <p:cNvSpPr txBox="1"/>
+          <p:nvPr/>
+        </p:nvSpPr>
+        <p:spPr>
+          <a:xfrm>
+            <a:off x="5517787" y="2391336"/>
+            <a:ext cx="1156427" cy="369332"/>
+          </a:xfrm>
+          <a:prstGeom prst="rect">
+            <a:avLst/>
+          </a:prstGeom>
+          <a:noFill/>
+        </p:spPr>
+        <p:txBody>
+          <a:bodyPr wrap="square">
+            <a:spAutoFit/>
+          </a:bodyPr>
+          <a:lstStyle/>
+          <a:p>
+            <a:pPr algn="r"/>
+            <a:r>
+              <a:rPr lang="en-US" altLang="ko-Kore-KR" dirty="0">
+                <a:latin typeface="DM Mono" panose="020B0509040201040103" pitchFamily="49" charset="0"/>
+              </a:rPr>
+              <a:t>__</a:t>
+            </a:r>
+            <a:r>
+              <a:rPr lang="en-US" altLang="ko-Kore-KR" dirty="0" err="1">
+                <a:latin typeface="DM Mono" panose="020B0509040201040103" pitchFamily="49" charset="0"/>
+              </a:rPr>
+              <a:t>vftp</a:t>
+            </a:r>
+            <a:endParaRPr lang="ko-Kore-KR" altLang="en-US" dirty="0"/>
+          </a:p>
+        </p:txBody>
+      </p:sp>
+      <p:sp>
+        <p:nvSpPr>
+          <p:cNvPr id="35" name="직사각형 34">
+            <a:extLst>
+              <a:ext uri="{FF2B5EF4-FFF2-40B4-BE49-F238E27FC236}">
+                <a16:creationId xmlns:a16="http://schemas.microsoft.com/office/drawing/2014/main" id="{577AB3AF-E09D-F413-55D5-68F9EF85190B}"/>
+              </a:ext>
+            </a:extLst>
+          </p:cNvPr>
+          <p:cNvSpPr/>
+          <p:nvPr/>
+        </p:nvSpPr>
+        <p:spPr>
+          <a:xfrm>
+            <a:off x="6674214" y="2777657"/>
+            <a:ext cx="1019503" cy="451945"/>
+          </a:xfrm>
+          <a:prstGeom prst="rect">
+            <a:avLst/>
+          </a:prstGeom>
+          <a:solidFill>
+            <a:srgbClr val="FFFF00"/>
+          </a:solidFill>
+        </p:spPr>
+        <p:style>
+          <a:lnRef idx="2">
+            <a:schemeClr val="accent1">
+              <a:shade val="50000"/>
+            </a:schemeClr>
+          </a:lnRef>
+          <a:fillRef idx="1">
+            <a:schemeClr val="accent1"/>
+          </a:fillRef>
+          <a:effectRef idx="0">
+            <a:schemeClr val="accent1"/>
+          </a:effectRef>
+          <a:fontRef idx="minor">
+            <a:schemeClr val="lt1"/>
+          </a:fontRef>
+        </p:style>
+        <p:txBody>
+          <a:bodyPr rtlCol="0" anchor="ctr"/>
+          <a:lstStyle/>
+          <a:p>
+            <a:pPr algn="ctr"/>
+            <a:endParaRPr kumimoji="1" lang="ko-Kore-KR" altLang="en-US" dirty="0">
+              <a:solidFill>
+                <a:schemeClr val="tx1"/>
+              </a:solidFill>
+              <a:latin typeface="DM Mono" panose="020B0509040201040103" pitchFamily="49" charset="0"/>
+            </a:endParaRPr>
+          </a:p>
+        </p:txBody>
+      </p:sp>
+      <p:sp>
+        <p:nvSpPr>
+          <p:cNvPr id="36" name="TextBox 35">
+            <a:extLst>
+              <a:ext uri="{FF2B5EF4-FFF2-40B4-BE49-F238E27FC236}">
+                <a16:creationId xmlns:a16="http://schemas.microsoft.com/office/drawing/2014/main" id="{09FC1274-0225-6D32-4737-54D59942F8A9}"/>
+              </a:ext>
+            </a:extLst>
+          </p:cNvPr>
+          <p:cNvSpPr txBox="1"/>
+          <p:nvPr/>
+        </p:nvSpPr>
+        <p:spPr>
+          <a:xfrm>
+            <a:off x="5517787" y="2818963"/>
+            <a:ext cx="1156427" cy="369332"/>
+          </a:xfrm>
+          <a:prstGeom prst="rect">
+            <a:avLst/>
+          </a:prstGeom>
+          <a:noFill/>
+        </p:spPr>
+        <p:txBody>
+          <a:bodyPr wrap="square">
+            <a:spAutoFit/>
+          </a:bodyPr>
+          <a:lstStyle/>
+          <a:p>
+            <a:pPr algn="r"/>
+            <a:r>
+              <a:rPr lang="en-US" altLang="ko-Kore-KR" dirty="0">
+                <a:latin typeface="DM Mono" panose="020B0509040201040103" pitchFamily="49" charset="0"/>
+              </a:rPr>
+              <a:t>age</a:t>
+            </a:r>
+            <a:endParaRPr lang="ko-Kore-KR" altLang="en-US" dirty="0"/>
+          </a:p>
+        </p:txBody>
+      </p:sp>
+      <p:cxnSp>
+        <p:nvCxnSpPr>
+          <p:cNvPr id="37" name="구부러진 연결선[U] 36">
+            <a:extLst>
+              <a:ext uri="{FF2B5EF4-FFF2-40B4-BE49-F238E27FC236}">
+                <a16:creationId xmlns:a16="http://schemas.microsoft.com/office/drawing/2014/main" id="{D977E226-4B67-F000-FF76-165BA3885EAB}"/>
+              </a:ext>
+            </a:extLst>
+          </p:cNvPr>
+          <p:cNvCxnSpPr>
+            <a:cxnSpLocks/>
+            <a:endCxn id="14" idx="1"/>
+          </p:cNvCxnSpPr>
+          <p:nvPr/>
+        </p:nvCxnSpPr>
+        <p:spPr>
+          <a:xfrm flipV="1">
+            <a:off x="7435970" y="655685"/>
+            <a:ext cx="2354199" cy="1863030"/>
+          </a:xfrm>
+          <a:prstGeom prst="curvedConnector3">
+            <a:avLst/>
+          </a:prstGeom>
+          <a:ln>
+            <a:tailEnd type="triangle"/>
+          </a:ln>
+        </p:spPr>
+        <p:style>
+          <a:lnRef idx="1">
+            <a:schemeClr val="dk1"/>
+          </a:lnRef>
+          <a:fillRef idx="0">
+            <a:schemeClr val="dk1"/>
+          </a:fillRef>
+          <a:effectRef idx="0">
+            <a:schemeClr val="dk1"/>
+          </a:effectRef>
+          <a:fontRef idx="minor">
+            <a:schemeClr val="tx1"/>
+          </a:fontRef>
+        </p:style>
+      </p:cxnSp>
+    </p:spTree>
+    <p:extLst>
+      <p:ext uri="{BB962C8B-B14F-4D97-AF65-F5344CB8AC3E}">
+        <p14:creationId xmlns:p14="http://schemas.microsoft.com/office/powerpoint/2010/main" val="1558771444"/>
+      </p:ext>
+    </p:extLst>
+  </p:cSld>
+  <p:clrMapOvr>
+    <a:masterClrMapping/>
+  </p:clrMapOvr>
+</p:sld>
+</file>
+
+<file path=ppt/slides/slide33.xml><?xml version="1.0" encoding="utf-8"?>
+<p:sld xmlns:a="http://schemas.openxmlformats.org/drawingml/2006/main" xmlns:r="http://schemas.openxmlformats.org/officeDocument/2006/relationships" xmlns:p="http://schemas.openxmlformats.org/presentationml/2006/main">
+  <p:cSld>
+    <p:spTree>
+      <p:nvGrpSpPr>
+        <p:cNvPr id="1" name=""/>
+        <p:cNvGrpSpPr/>
+        <p:nvPr/>
+      </p:nvGrpSpPr>
+      <p:grpSpPr>
+        <a:xfrm>
+          <a:off x="0" y="0"/>
+          <a:ext cx="0" cy="0"/>
+          <a:chOff x="0" y="0"/>
+          <a:chExt cx="0" cy="0"/>
+        </a:xfrm>
+      </p:grpSpPr>
+      <p:sp>
+        <p:nvSpPr>
+          <p:cNvPr id="10" name="직사각형 9">
+            <a:extLst>
+              <a:ext uri="{FF2B5EF4-FFF2-40B4-BE49-F238E27FC236}">
+                <a16:creationId xmlns:a16="http://schemas.microsoft.com/office/drawing/2014/main" id="{504ECFFC-74F8-08BC-E61D-DC0B6420CD47}"/>
+              </a:ext>
+            </a:extLst>
+          </p:cNvPr>
+          <p:cNvSpPr/>
+          <p:nvPr/>
+        </p:nvSpPr>
+        <p:spPr>
+          <a:xfrm>
+            <a:off x="6674214" y="1189030"/>
+            <a:ext cx="1019503" cy="451945"/>
+          </a:xfrm>
+          <a:prstGeom prst="rect">
+            <a:avLst/>
+          </a:prstGeom>
+          <a:solidFill>
+            <a:srgbClr val="92D050"/>
+          </a:solidFill>
+        </p:spPr>
+        <p:style>
+          <a:lnRef idx="2">
+            <a:schemeClr val="accent1">
+              <a:shade val="50000"/>
+            </a:schemeClr>
+          </a:lnRef>
+          <a:fillRef idx="1">
+            <a:schemeClr val="accent1"/>
+          </a:fillRef>
+          <a:effectRef idx="0">
+            <a:schemeClr val="accent1"/>
+          </a:effectRef>
+          <a:fontRef idx="minor">
+            <a:schemeClr val="lt1"/>
+          </a:fontRef>
+        </p:style>
+        <p:txBody>
+          <a:bodyPr rtlCol="0" anchor="ctr"/>
+          <a:lstStyle/>
+          <a:p>
+            <a:pPr algn="ctr"/>
+            <a:endParaRPr kumimoji="1" lang="ko-Kore-KR" altLang="en-US" dirty="0">
+              <a:solidFill>
+                <a:schemeClr val="tx1"/>
+              </a:solidFill>
+              <a:latin typeface="DM Mono" panose="020B0509040201040103" pitchFamily="49" charset="0"/>
+            </a:endParaRPr>
+          </a:p>
+        </p:txBody>
+      </p:sp>
+      <p:sp>
+        <p:nvSpPr>
+          <p:cNvPr id="11" name="TextBox 10">
+            <a:extLst>
+              <a:ext uri="{FF2B5EF4-FFF2-40B4-BE49-F238E27FC236}">
+                <a16:creationId xmlns:a16="http://schemas.microsoft.com/office/drawing/2014/main" id="{CB230CB5-C073-B636-4EAA-DCEEF12EE34C}"/>
+              </a:ext>
+            </a:extLst>
+          </p:cNvPr>
+          <p:cNvSpPr txBox="1"/>
+          <p:nvPr/>
+        </p:nvSpPr>
+        <p:spPr>
+          <a:xfrm>
+            <a:off x="5517787" y="1230336"/>
+            <a:ext cx="1156427" cy="369332"/>
+          </a:xfrm>
+          <a:prstGeom prst="rect">
+            <a:avLst/>
+          </a:prstGeom>
+          <a:noFill/>
+        </p:spPr>
+        <p:txBody>
+          <a:bodyPr wrap="square">
+            <a:spAutoFit/>
+          </a:bodyPr>
+          <a:lstStyle/>
+          <a:p>
+            <a:pPr algn="r"/>
+            <a:r>
+              <a:rPr lang="en-US" altLang="ko-Kore-KR" dirty="0">
+                <a:latin typeface="DM Mono" panose="020B0509040201040103" pitchFamily="49" charset="0"/>
+              </a:rPr>
+              <a:t>__</a:t>
+            </a:r>
+            <a:r>
+              <a:rPr lang="en-US" altLang="ko-Kore-KR" dirty="0" err="1">
+                <a:latin typeface="DM Mono" panose="020B0509040201040103" pitchFamily="49" charset="0"/>
+              </a:rPr>
+              <a:t>vftp</a:t>
+            </a:r>
+            <a:endParaRPr lang="ko-Kore-KR" altLang="en-US" dirty="0"/>
+          </a:p>
+        </p:txBody>
+      </p:sp>
+      <p:sp>
+        <p:nvSpPr>
+          <p:cNvPr id="12" name="TextBox 11">
+            <a:extLst>
+              <a:ext uri="{FF2B5EF4-FFF2-40B4-BE49-F238E27FC236}">
+                <a16:creationId xmlns:a16="http://schemas.microsoft.com/office/drawing/2014/main" id="{1DE8CC8C-4E5E-1BDA-3703-C328A3A06E6B}"/>
+              </a:ext>
+            </a:extLst>
+          </p:cNvPr>
+          <p:cNvSpPr txBox="1"/>
+          <p:nvPr/>
+        </p:nvSpPr>
+        <p:spPr>
+          <a:xfrm>
+            <a:off x="6461288" y="840351"/>
+            <a:ext cx="1445353" cy="369332"/>
+          </a:xfrm>
+          <a:prstGeom prst="rect">
+            <a:avLst/>
+          </a:prstGeom>
+          <a:noFill/>
+        </p:spPr>
+        <p:txBody>
+          <a:bodyPr wrap="square">
+            <a:spAutoFit/>
+          </a:bodyPr>
+          <a:lstStyle/>
+          <a:p>
+            <a:pPr algn="ctr"/>
+            <a:r>
+              <a:rPr lang="en-US" altLang="ko-Kore-KR" dirty="0">
+                <a:latin typeface="DM Mono" panose="020B0509040201040103" pitchFamily="49" charset="0"/>
+              </a:rPr>
+              <a:t>Animal a</a:t>
+            </a:r>
+            <a:endParaRPr lang="ko-Kore-KR" altLang="en-US" dirty="0"/>
+          </a:p>
+        </p:txBody>
+      </p:sp>
+      <p:sp>
+        <p:nvSpPr>
+          <p:cNvPr id="16" name="TextBox 15">
+            <a:extLst>
+              <a:ext uri="{FF2B5EF4-FFF2-40B4-BE49-F238E27FC236}">
+                <a16:creationId xmlns:a16="http://schemas.microsoft.com/office/drawing/2014/main" id="{E1012691-5E9C-40BD-EAE5-03C0EA31B4C1}"/>
+              </a:ext>
+            </a:extLst>
+          </p:cNvPr>
+          <p:cNvSpPr txBox="1"/>
+          <p:nvPr/>
+        </p:nvSpPr>
+        <p:spPr>
+          <a:xfrm>
+            <a:off x="579280" y="297285"/>
+            <a:ext cx="4743219" cy="3416320"/>
+          </a:xfrm>
+          <a:prstGeom prst="rect">
+            <a:avLst/>
+          </a:prstGeom>
+          <a:noFill/>
+        </p:spPr>
+        <p:txBody>
+          <a:bodyPr wrap="square">
+            <a:spAutoFit/>
+          </a:bodyPr>
+          <a:lstStyle/>
+          <a:p>
+            <a:r>
+              <a:rPr lang="ko-Kore-KR" altLang="en-US" dirty="0">
+                <a:latin typeface="DM Mono" panose="020B0509040201040103" pitchFamily="49" charset="0"/>
+              </a:rPr>
+              <a:t>class Animal {</a:t>
+            </a:r>
+          </a:p>
+          <a:p>
+            <a:r>
+              <a:rPr lang="ko-Kore-KR" altLang="en-US" dirty="0">
+                <a:latin typeface="DM Mono" panose="020B0509040201040103" pitchFamily="49" charset="0"/>
+              </a:rPr>
+              <a:t>    int age;</a:t>
+            </a:r>
+          </a:p>
+          <a:p>
+            <a:endParaRPr lang="ko-Kore-KR" altLang="en-US" dirty="0">
+              <a:latin typeface="DM Mono" panose="020B0509040201040103" pitchFamily="49" charset="0"/>
+            </a:endParaRPr>
+          </a:p>
+          <a:p>
+            <a:r>
+              <a:rPr lang="ko-Kore-KR" altLang="en-US" dirty="0">
+                <a:latin typeface="DM Mono" panose="020B0509040201040103" pitchFamily="49" charset="0"/>
+              </a:rPr>
+              <a:t>public:</a:t>
+            </a:r>
+          </a:p>
+          <a:p>
+            <a:r>
+              <a:rPr lang="ko-KR" altLang="en-US" dirty="0">
+                <a:latin typeface="DM Mono" panose="020B0509040201040103" pitchFamily="49" charset="0"/>
+              </a:rPr>
+              <a:t>    </a:t>
+            </a:r>
+            <a:r>
+              <a:rPr lang="en-US" altLang="ko-KR" dirty="0">
+                <a:latin typeface="DM Mono" panose="020B0509040201040103" pitchFamily="49" charset="0"/>
+              </a:rPr>
+              <a:t>virtual </a:t>
+            </a:r>
+            <a:r>
+              <a:rPr lang="ko-Kore-KR" altLang="en-US" dirty="0">
+                <a:latin typeface="DM Mono" panose="020B0509040201040103" pitchFamily="49" charset="0"/>
+              </a:rPr>
+              <a:t>void </a:t>
+            </a:r>
+            <a:r>
+              <a:rPr lang="en-US" altLang="ko-Kore-KR" dirty="0">
+                <a:latin typeface="DM Mono" panose="020B0509040201040103" pitchFamily="49" charset="0"/>
+              </a:rPr>
+              <a:t>G</a:t>
+            </a:r>
+            <a:r>
+              <a:rPr lang="ko-Kore-KR" altLang="en-US" dirty="0">
+                <a:latin typeface="DM Mono" panose="020B0509040201040103" pitchFamily="49" charset="0"/>
+              </a:rPr>
+              <a:t>o() { }</a:t>
+            </a:r>
+            <a:endParaRPr lang="en-US" altLang="ko-Kore-KR" dirty="0">
+              <a:latin typeface="DM Mono" panose="020B0509040201040103" pitchFamily="49" charset="0"/>
+            </a:endParaRPr>
+          </a:p>
+          <a:p>
+            <a:r>
+              <a:rPr lang="en-US" altLang="ko-Kore-KR" dirty="0">
+                <a:solidFill>
+                  <a:srgbClr val="FF0000"/>
+                </a:solidFill>
+                <a:latin typeface="DM Mono" panose="020B0509040201040103" pitchFamily="49" charset="0"/>
+              </a:rPr>
+              <a:t>    virtual void Hello() { }</a:t>
+            </a:r>
+            <a:endParaRPr lang="ko-Kore-KR" altLang="en-US" dirty="0">
+              <a:solidFill>
+                <a:srgbClr val="FF0000"/>
+              </a:solidFill>
+              <a:latin typeface="DM Mono" panose="020B0509040201040103" pitchFamily="49" charset="0"/>
+            </a:endParaRPr>
+          </a:p>
+          <a:p>
+            <a:r>
+              <a:rPr lang="ko-Kore-KR" altLang="en-US" dirty="0">
+                <a:latin typeface="DM Mono" panose="020B0509040201040103" pitchFamily="49" charset="0"/>
+              </a:rPr>
+              <a:t>};</a:t>
+            </a:r>
+          </a:p>
+          <a:p>
+            <a:endParaRPr lang="ko-Kore-KR" altLang="en-US" dirty="0">
+              <a:latin typeface="DM Mono" panose="020B0509040201040103" pitchFamily="49" charset="0"/>
+            </a:endParaRPr>
+          </a:p>
+          <a:p>
+            <a:r>
+              <a:rPr lang="ko-Kore-KR" altLang="en-US" dirty="0">
+                <a:latin typeface="DM Mono" panose="020B0509040201040103" pitchFamily="49" charset="0"/>
+              </a:rPr>
+              <a:t>class Dog : public Animal {</a:t>
+            </a:r>
+          </a:p>
+          <a:p>
+            <a:r>
+              <a:rPr lang="ko-Kore-KR" altLang="en-US" dirty="0">
+                <a:latin typeface="DM Mono" panose="020B0509040201040103" pitchFamily="49" charset="0"/>
+              </a:rPr>
+              <a:t>    int color;</a:t>
+            </a:r>
+          </a:p>
+          <a:p>
+            <a:r>
+              <a:rPr lang="ko-Kore-KR" altLang="en-US" dirty="0">
+                <a:latin typeface="DM Mono" panose="020B0509040201040103" pitchFamily="49" charset="0"/>
+              </a:rPr>
+              <a:t>    int speed;</a:t>
+            </a:r>
+          </a:p>
+          <a:p>
+            <a:r>
+              <a:rPr lang="ko-Kore-KR" altLang="en-US" dirty="0">
+                <a:latin typeface="DM Mono" panose="020B0509040201040103" pitchFamily="49" charset="0"/>
+              </a:rPr>
+              <a:t>};</a:t>
+            </a:r>
+          </a:p>
+        </p:txBody>
+      </p:sp>
+      <p:sp>
+        <p:nvSpPr>
+          <p:cNvPr id="17" name="직사각형 16">
+            <a:extLst>
+              <a:ext uri="{FF2B5EF4-FFF2-40B4-BE49-F238E27FC236}">
+                <a16:creationId xmlns:a16="http://schemas.microsoft.com/office/drawing/2014/main" id="{E020C705-2875-0DAE-D39A-A756A4A3BA8B}"/>
+              </a:ext>
+            </a:extLst>
+          </p:cNvPr>
+          <p:cNvSpPr/>
+          <p:nvPr/>
+        </p:nvSpPr>
+        <p:spPr>
+          <a:xfrm>
+            <a:off x="6580782" y="4670704"/>
+            <a:ext cx="1019503" cy="451945"/>
+          </a:xfrm>
+          <a:prstGeom prst="rect">
+            <a:avLst/>
+          </a:prstGeom>
+          <a:solidFill>
+            <a:srgbClr val="FFFF00"/>
+          </a:solidFill>
+        </p:spPr>
+        <p:style>
+          <a:lnRef idx="2">
+            <a:schemeClr val="accent1">
+              <a:shade val="50000"/>
+            </a:schemeClr>
+          </a:lnRef>
+          <a:fillRef idx="1">
+            <a:schemeClr val="accent1"/>
+          </a:fillRef>
+          <a:effectRef idx="0">
+            <a:schemeClr val="accent1"/>
+          </a:effectRef>
+          <a:fontRef idx="minor">
+            <a:schemeClr val="lt1"/>
+          </a:fontRef>
+        </p:style>
+        <p:txBody>
+          <a:bodyPr rtlCol="0" anchor="ctr"/>
+          <a:lstStyle/>
+          <a:p>
+            <a:pPr algn="ctr"/>
+            <a:endParaRPr kumimoji="1" lang="ko-Kore-KR" altLang="en-US" dirty="0">
+              <a:solidFill>
+                <a:schemeClr val="tx1"/>
+              </a:solidFill>
+              <a:latin typeface="DM Mono" panose="020B0509040201040103" pitchFamily="49" charset="0"/>
+            </a:endParaRPr>
+          </a:p>
+        </p:txBody>
+      </p:sp>
+      <p:sp>
+        <p:nvSpPr>
+          <p:cNvPr id="18" name="TextBox 17">
+            <a:extLst>
+              <a:ext uri="{FF2B5EF4-FFF2-40B4-BE49-F238E27FC236}">
+                <a16:creationId xmlns:a16="http://schemas.microsoft.com/office/drawing/2014/main" id="{7F865831-83A6-339B-3AB4-4156A6D92B1D}"/>
+              </a:ext>
+            </a:extLst>
+          </p:cNvPr>
+          <p:cNvSpPr txBox="1"/>
+          <p:nvPr/>
+        </p:nvSpPr>
+        <p:spPr>
+          <a:xfrm>
+            <a:off x="5424355" y="4712010"/>
+            <a:ext cx="1156427" cy="369332"/>
+          </a:xfrm>
+          <a:prstGeom prst="rect">
+            <a:avLst/>
+          </a:prstGeom>
+          <a:noFill/>
+        </p:spPr>
+        <p:txBody>
+          <a:bodyPr wrap="square">
+            <a:spAutoFit/>
+          </a:bodyPr>
+          <a:lstStyle/>
+          <a:p>
+            <a:pPr algn="r"/>
+            <a:r>
+              <a:rPr lang="en-US" altLang="ko-Kore-KR" dirty="0">
+                <a:latin typeface="DM Mono" panose="020B0509040201040103" pitchFamily="49" charset="0"/>
+              </a:rPr>
+              <a:t>age</a:t>
+            </a:r>
+            <a:endParaRPr lang="ko-Kore-KR" altLang="en-US" dirty="0"/>
+          </a:p>
+        </p:txBody>
+      </p:sp>
+      <p:sp>
+        <p:nvSpPr>
+          <p:cNvPr id="19" name="TextBox 18">
+            <a:extLst>
+              <a:ext uri="{FF2B5EF4-FFF2-40B4-BE49-F238E27FC236}">
+                <a16:creationId xmlns:a16="http://schemas.microsoft.com/office/drawing/2014/main" id="{4405CC06-AE7A-68D4-713A-DD64E3DCBDF4}"/>
+              </a:ext>
+            </a:extLst>
+          </p:cNvPr>
+          <p:cNvSpPr txBox="1"/>
+          <p:nvPr/>
+        </p:nvSpPr>
+        <p:spPr>
+          <a:xfrm>
+            <a:off x="6367856" y="3786452"/>
+            <a:ext cx="1445353" cy="369332"/>
+          </a:xfrm>
+          <a:prstGeom prst="rect">
+            <a:avLst/>
+          </a:prstGeom>
+          <a:noFill/>
+        </p:spPr>
+        <p:txBody>
+          <a:bodyPr wrap="square">
+            <a:spAutoFit/>
+          </a:bodyPr>
+          <a:lstStyle/>
+          <a:p>
+            <a:pPr algn="ctr"/>
+            <a:r>
+              <a:rPr lang="en-US" altLang="ko-Kore-KR" dirty="0">
+                <a:latin typeface="DM Mono" panose="020B0509040201040103" pitchFamily="49" charset="0"/>
+              </a:rPr>
+              <a:t>Dog d</a:t>
+            </a:r>
+            <a:endParaRPr lang="ko-Kore-KR" altLang="en-US" dirty="0"/>
+          </a:p>
+        </p:txBody>
+      </p:sp>
+      <p:sp>
+        <p:nvSpPr>
+          <p:cNvPr id="20" name="직사각형 19">
+            <a:extLst>
+              <a:ext uri="{FF2B5EF4-FFF2-40B4-BE49-F238E27FC236}">
+                <a16:creationId xmlns:a16="http://schemas.microsoft.com/office/drawing/2014/main" id="{FF996783-B63E-36B5-9C7D-03D44DA24135}"/>
+              </a:ext>
+            </a:extLst>
+          </p:cNvPr>
+          <p:cNvSpPr/>
+          <p:nvPr/>
+        </p:nvSpPr>
+        <p:spPr>
+          <a:xfrm>
+            <a:off x="6580782" y="5118984"/>
+            <a:ext cx="1019503" cy="451945"/>
+          </a:xfrm>
+          <a:prstGeom prst="rect">
+            <a:avLst/>
+          </a:prstGeom>
+          <a:solidFill>
+            <a:srgbClr val="FFFF00"/>
+          </a:solidFill>
+        </p:spPr>
+        <p:style>
+          <a:lnRef idx="2">
+            <a:schemeClr val="accent1">
+              <a:shade val="50000"/>
+            </a:schemeClr>
+          </a:lnRef>
+          <a:fillRef idx="1">
+            <a:schemeClr val="accent1"/>
+          </a:fillRef>
+          <a:effectRef idx="0">
+            <a:schemeClr val="accent1"/>
+          </a:effectRef>
+          <a:fontRef idx="minor">
+            <a:schemeClr val="lt1"/>
+          </a:fontRef>
+        </p:style>
+        <p:txBody>
+          <a:bodyPr rtlCol="0" anchor="ctr"/>
+          <a:lstStyle/>
+          <a:p>
+            <a:pPr algn="ctr"/>
+            <a:endParaRPr kumimoji="1" lang="ko-Kore-KR" altLang="en-US" dirty="0">
+              <a:solidFill>
+                <a:schemeClr val="tx1"/>
+              </a:solidFill>
+              <a:latin typeface="DM Mono" panose="020B0509040201040103" pitchFamily="49" charset="0"/>
+            </a:endParaRPr>
+          </a:p>
+        </p:txBody>
+      </p:sp>
+      <p:sp>
+        <p:nvSpPr>
+          <p:cNvPr id="21" name="TextBox 20">
+            <a:extLst>
+              <a:ext uri="{FF2B5EF4-FFF2-40B4-BE49-F238E27FC236}">
+                <a16:creationId xmlns:a16="http://schemas.microsoft.com/office/drawing/2014/main" id="{52AD8F03-CD35-F082-4665-B463AEAECE28}"/>
+              </a:ext>
+            </a:extLst>
+          </p:cNvPr>
+          <p:cNvSpPr txBox="1"/>
+          <p:nvPr/>
+        </p:nvSpPr>
+        <p:spPr>
+          <a:xfrm>
+            <a:off x="5424355" y="5160290"/>
+            <a:ext cx="1156427" cy="369332"/>
+          </a:xfrm>
+          <a:prstGeom prst="rect">
+            <a:avLst/>
+          </a:prstGeom>
+          <a:noFill/>
+        </p:spPr>
+        <p:txBody>
+          <a:bodyPr wrap="square">
+            <a:spAutoFit/>
+          </a:bodyPr>
+          <a:lstStyle/>
+          <a:p>
+            <a:pPr algn="r"/>
+            <a:r>
+              <a:rPr lang="en-US" altLang="ko-Kore-KR" dirty="0">
+                <a:latin typeface="DM Mono" panose="020B0509040201040103" pitchFamily="49" charset="0"/>
+              </a:rPr>
+              <a:t>color</a:t>
+            </a:r>
+            <a:endParaRPr lang="ko-Kore-KR" altLang="en-US" dirty="0"/>
+          </a:p>
+        </p:txBody>
+      </p:sp>
+      <p:sp>
+        <p:nvSpPr>
+          <p:cNvPr id="24" name="직사각형 23">
+            <a:extLst>
+              <a:ext uri="{FF2B5EF4-FFF2-40B4-BE49-F238E27FC236}">
+                <a16:creationId xmlns:a16="http://schemas.microsoft.com/office/drawing/2014/main" id="{002122DE-D2BD-B386-CB86-9ED634E845B0}"/>
+              </a:ext>
+            </a:extLst>
+          </p:cNvPr>
+          <p:cNvSpPr/>
+          <p:nvPr/>
+        </p:nvSpPr>
+        <p:spPr>
+          <a:xfrm>
+            <a:off x="6580782" y="5565704"/>
+            <a:ext cx="1019503" cy="451945"/>
+          </a:xfrm>
+          <a:prstGeom prst="rect">
+            <a:avLst/>
+          </a:prstGeom>
+          <a:solidFill>
+            <a:srgbClr val="FFFF00"/>
+          </a:solidFill>
+        </p:spPr>
+        <p:style>
+          <a:lnRef idx="2">
+            <a:schemeClr val="accent1">
+              <a:shade val="50000"/>
+            </a:schemeClr>
+          </a:lnRef>
+          <a:fillRef idx="1">
+            <a:schemeClr val="accent1"/>
+          </a:fillRef>
+          <a:effectRef idx="0">
+            <a:schemeClr val="accent1"/>
+          </a:effectRef>
+          <a:fontRef idx="minor">
+            <a:schemeClr val="lt1"/>
+          </a:fontRef>
+        </p:style>
+        <p:txBody>
+          <a:bodyPr rtlCol="0" anchor="ctr"/>
+          <a:lstStyle/>
+          <a:p>
+            <a:pPr algn="ctr"/>
+            <a:endParaRPr kumimoji="1" lang="ko-Kore-KR" altLang="en-US" dirty="0">
+              <a:solidFill>
+                <a:schemeClr val="tx1"/>
+              </a:solidFill>
+              <a:latin typeface="DM Mono" panose="020B0509040201040103" pitchFamily="49" charset="0"/>
+            </a:endParaRPr>
+          </a:p>
+        </p:txBody>
+      </p:sp>
+      <p:sp>
+        <p:nvSpPr>
+          <p:cNvPr id="25" name="TextBox 24">
+            <a:extLst>
+              <a:ext uri="{FF2B5EF4-FFF2-40B4-BE49-F238E27FC236}">
+                <a16:creationId xmlns:a16="http://schemas.microsoft.com/office/drawing/2014/main" id="{9A0D5CD0-9A77-6CAA-5B51-C8C306C18EF2}"/>
+              </a:ext>
+            </a:extLst>
+          </p:cNvPr>
+          <p:cNvSpPr txBox="1"/>
+          <p:nvPr/>
+        </p:nvSpPr>
+        <p:spPr>
+          <a:xfrm>
+            <a:off x="5424355" y="5607010"/>
+            <a:ext cx="1156427" cy="369332"/>
+          </a:xfrm>
+          <a:prstGeom prst="rect">
+            <a:avLst/>
+          </a:prstGeom>
+          <a:noFill/>
+        </p:spPr>
+        <p:txBody>
+          <a:bodyPr wrap="square">
+            <a:spAutoFit/>
+          </a:bodyPr>
+          <a:lstStyle/>
+          <a:p>
+            <a:pPr algn="r"/>
+            <a:r>
+              <a:rPr lang="en-US" altLang="ko-Kore-KR" dirty="0">
+                <a:latin typeface="DM Mono" panose="020B0509040201040103" pitchFamily="49" charset="0"/>
+              </a:rPr>
+              <a:t>speed</a:t>
+            </a:r>
+            <a:endParaRPr lang="ko-Kore-KR" altLang="en-US" dirty="0"/>
+          </a:p>
+        </p:txBody>
+      </p:sp>
+      <p:sp>
+        <p:nvSpPr>
+          <p:cNvPr id="2" name="직사각형 1">
+            <a:extLst>
+              <a:ext uri="{FF2B5EF4-FFF2-40B4-BE49-F238E27FC236}">
+                <a16:creationId xmlns:a16="http://schemas.microsoft.com/office/drawing/2014/main" id="{84D10F38-18C5-210C-769D-16013FB18F84}"/>
+              </a:ext>
+            </a:extLst>
+          </p:cNvPr>
+          <p:cNvSpPr/>
+          <p:nvPr/>
+        </p:nvSpPr>
+        <p:spPr>
+          <a:xfrm>
+            <a:off x="6674214" y="1616657"/>
+            <a:ext cx="1019503" cy="451945"/>
+          </a:xfrm>
+          <a:prstGeom prst="rect">
+            <a:avLst/>
+          </a:prstGeom>
+          <a:solidFill>
+            <a:srgbClr val="FFFF00"/>
+          </a:solidFill>
+        </p:spPr>
+        <p:style>
+          <a:lnRef idx="2">
+            <a:schemeClr val="accent1">
+              <a:shade val="50000"/>
+            </a:schemeClr>
+          </a:lnRef>
+          <a:fillRef idx="1">
+            <a:schemeClr val="accent1"/>
+          </a:fillRef>
+          <a:effectRef idx="0">
+            <a:schemeClr val="accent1"/>
+          </a:effectRef>
+          <a:fontRef idx="minor">
+            <a:schemeClr val="lt1"/>
+          </a:fontRef>
+        </p:style>
+        <p:txBody>
+          <a:bodyPr rtlCol="0" anchor="ctr"/>
+          <a:lstStyle/>
+          <a:p>
+            <a:pPr algn="ctr"/>
+            <a:endParaRPr kumimoji="1" lang="ko-Kore-KR" altLang="en-US" dirty="0">
+              <a:solidFill>
+                <a:schemeClr val="tx1"/>
+              </a:solidFill>
+              <a:latin typeface="DM Mono" panose="020B0509040201040103" pitchFamily="49" charset="0"/>
+            </a:endParaRPr>
+          </a:p>
+        </p:txBody>
+      </p:sp>
+      <p:sp>
+        <p:nvSpPr>
+          <p:cNvPr id="3" name="TextBox 2">
+            <a:extLst>
+              <a:ext uri="{FF2B5EF4-FFF2-40B4-BE49-F238E27FC236}">
+                <a16:creationId xmlns:a16="http://schemas.microsoft.com/office/drawing/2014/main" id="{FC2F57A3-4888-3C82-FF01-EC758BF79867}"/>
+              </a:ext>
+            </a:extLst>
+          </p:cNvPr>
+          <p:cNvSpPr txBox="1"/>
+          <p:nvPr/>
+        </p:nvSpPr>
+        <p:spPr>
+          <a:xfrm>
+            <a:off x="5517787" y="1657963"/>
+            <a:ext cx="1156427" cy="369332"/>
+          </a:xfrm>
+          <a:prstGeom prst="rect">
+            <a:avLst/>
+          </a:prstGeom>
+          <a:noFill/>
+        </p:spPr>
+        <p:txBody>
+          <a:bodyPr wrap="square">
+            <a:spAutoFit/>
+          </a:bodyPr>
+          <a:lstStyle/>
+          <a:p>
+            <a:pPr algn="r"/>
+            <a:r>
+              <a:rPr lang="en-US" altLang="ko-Kore-KR" dirty="0">
+                <a:latin typeface="DM Mono" panose="020B0509040201040103" pitchFamily="49" charset="0"/>
+              </a:rPr>
+              <a:t>age</a:t>
+            </a:r>
+            <a:endParaRPr lang="ko-Kore-KR" altLang="en-US" dirty="0"/>
+          </a:p>
+        </p:txBody>
+      </p:sp>
+      <p:sp>
+        <p:nvSpPr>
+          <p:cNvPr id="4" name="직사각형 3">
+            <a:extLst>
+              <a:ext uri="{FF2B5EF4-FFF2-40B4-BE49-F238E27FC236}">
+                <a16:creationId xmlns:a16="http://schemas.microsoft.com/office/drawing/2014/main" id="{C71B223F-A5BD-3780-C63C-111710529890}"/>
+              </a:ext>
+            </a:extLst>
+          </p:cNvPr>
+          <p:cNvSpPr/>
+          <p:nvPr/>
+        </p:nvSpPr>
+        <p:spPr>
+          <a:xfrm>
+            <a:off x="6580782" y="4220591"/>
+            <a:ext cx="1019503" cy="451945"/>
+          </a:xfrm>
+          <a:prstGeom prst="rect">
+            <a:avLst/>
+          </a:prstGeom>
+          <a:solidFill>
+            <a:srgbClr val="92D050"/>
+          </a:solidFill>
+        </p:spPr>
+        <p:style>
+          <a:lnRef idx="2">
+            <a:schemeClr val="accent1">
+              <a:shade val="50000"/>
+            </a:schemeClr>
+          </a:lnRef>
+          <a:fillRef idx="1">
+            <a:schemeClr val="accent1"/>
+          </a:fillRef>
+          <a:effectRef idx="0">
+            <a:schemeClr val="accent1"/>
+          </a:effectRef>
+          <a:fontRef idx="minor">
+            <a:schemeClr val="lt1"/>
+          </a:fontRef>
+        </p:style>
+        <p:txBody>
+          <a:bodyPr rtlCol="0" anchor="ctr"/>
+          <a:lstStyle/>
+          <a:p>
+            <a:pPr algn="ctr"/>
+            <a:endParaRPr kumimoji="1" lang="ko-Kore-KR" altLang="en-US" dirty="0">
+              <a:solidFill>
+                <a:schemeClr val="tx1"/>
+              </a:solidFill>
+              <a:latin typeface="DM Mono" panose="020B0509040201040103" pitchFamily="49" charset="0"/>
+            </a:endParaRPr>
+          </a:p>
+        </p:txBody>
+      </p:sp>
+      <p:sp>
+        <p:nvSpPr>
+          <p:cNvPr id="5" name="TextBox 4">
+            <a:extLst>
+              <a:ext uri="{FF2B5EF4-FFF2-40B4-BE49-F238E27FC236}">
+                <a16:creationId xmlns:a16="http://schemas.microsoft.com/office/drawing/2014/main" id="{9A69B426-D23A-826F-C514-644900B3C8C9}"/>
+              </a:ext>
+            </a:extLst>
+          </p:cNvPr>
+          <p:cNvSpPr txBox="1"/>
+          <p:nvPr/>
+        </p:nvSpPr>
+        <p:spPr>
+          <a:xfrm>
+            <a:off x="5424355" y="4261897"/>
+            <a:ext cx="1156427" cy="369332"/>
+          </a:xfrm>
+          <a:prstGeom prst="rect">
+            <a:avLst/>
+          </a:prstGeom>
+          <a:noFill/>
+        </p:spPr>
+        <p:txBody>
+          <a:bodyPr wrap="square">
+            <a:spAutoFit/>
+          </a:bodyPr>
+          <a:lstStyle/>
+          <a:p>
+            <a:pPr algn="r"/>
+            <a:r>
+              <a:rPr lang="en-US" altLang="ko-Kore-KR" dirty="0">
+                <a:latin typeface="DM Mono" panose="020B0509040201040103" pitchFamily="49" charset="0"/>
+              </a:rPr>
+              <a:t>__</a:t>
+            </a:r>
+            <a:r>
+              <a:rPr lang="en-US" altLang="ko-Kore-KR" dirty="0" err="1">
+                <a:latin typeface="DM Mono" panose="020B0509040201040103" pitchFamily="49" charset="0"/>
+              </a:rPr>
+              <a:t>vftp</a:t>
+            </a:r>
+            <a:endParaRPr lang="ko-Kore-KR" altLang="en-US" dirty="0"/>
+          </a:p>
+        </p:txBody>
+      </p:sp>
+      <p:sp>
+        <p:nvSpPr>
+          <p:cNvPr id="7" name="직사각형 6">
+            <a:extLst>
+              <a:ext uri="{FF2B5EF4-FFF2-40B4-BE49-F238E27FC236}">
+                <a16:creationId xmlns:a16="http://schemas.microsoft.com/office/drawing/2014/main" id="{A5D30574-9B04-F47A-EBF1-9BC27D6829AA}"/>
+              </a:ext>
+            </a:extLst>
+          </p:cNvPr>
+          <p:cNvSpPr/>
+          <p:nvPr/>
+        </p:nvSpPr>
+        <p:spPr>
+          <a:xfrm>
+            <a:off x="9543935" y="840351"/>
+            <a:ext cx="1937823" cy="451945"/>
+          </a:xfrm>
+          <a:prstGeom prst="rect">
+            <a:avLst/>
+          </a:prstGeom>
+          <a:solidFill>
+            <a:srgbClr val="FFFF00"/>
+          </a:solidFill>
+        </p:spPr>
+        <p:style>
+          <a:lnRef idx="2">
+            <a:schemeClr val="accent1">
+              <a:shade val="50000"/>
+            </a:schemeClr>
+          </a:lnRef>
+          <a:fillRef idx="1">
+            <a:schemeClr val="accent1"/>
+          </a:fillRef>
+          <a:effectRef idx="0">
+            <a:schemeClr val="accent1"/>
+          </a:effectRef>
+          <a:fontRef idx="minor">
+            <a:schemeClr val="lt1"/>
+          </a:fontRef>
+        </p:style>
+        <p:txBody>
+          <a:bodyPr rtlCol="0" anchor="ctr"/>
+          <a:lstStyle/>
+          <a:p>
+            <a:pPr algn="ctr"/>
+            <a:r>
+              <a:rPr kumimoji="1" lang="en-US" altLang="ko-Kore-KR" sz="1600" dirty="0">
+                <a:solidFill>
+                  <a:schemeClr val="tx1"/>
+                </a:solidFill>
+                <a:latin typeface="DM Mono" panose="020B0509040201040103" pitchFamily="49" charset="0"/>
+              </a:rPr>
+              <a:t>Animal::Go</a:t>
+            </a:r>
+            <a:endParaRPr kumimoji="1" lang="ko-Kore-KR" altLang="en-US" sz="1600" dirty="0">
+              <a:solidFill>
+                <a:schemeClr val="tx1"/>
+              </a:solidFill>
+              <a:latin typeface="DM Mono" panose="020B0509040201040103" pitchFamily="49" charset="0"/>
+            </a:endParaRPr>
+          </a:p>
+        </p:txBody>
+      </p:sp>
+      <p:sp>
+        <p:nvSpPr>
+          <p:cNvPr id="8" name="TextBox 7">
+            <a:extLst>
+              <a:ext uri="{FF2B5EF4-FFF2-40B4-BE49-F238E27FC236}">
+                <a16:creationId xmlns:a16="http://schemas.microsoft.com/office/drawing/2014/main" id="{95DD0609-B294-1EF3-85A5-F8E8FD251B51}"/>
+              </a:ext>
+            </a:extLst>
+          </p:cNvPr>
+          <p:cNvSpPr txBox="1"/>
+          <p:nvPr/>
+        </p:nvSpPr>
+        <p:spPr>
+          <a:xfrm>
+            <a:off x="8387508" y="881657"/>
+            <a:ext cx="1156427" cy="369332"/>
+          </a:xfrm>
+          <a:prstGeom prst="rect">
+            <a:avLst/>
+          </a:prstGeom>
+          <a:noFill/>
+        </p:spPr>
+        <p:txBody>
+          <a:bodyPr wrap="square">
+            <a:spAutoFit/>
+          </a:bodyPr>
+          <a:lstStyle/>
+          <a:p>
+            <a:pPr algn="r"/>
+            <a:r>
+              <a:rPr lang="en-US" altLang="ko-Kore-KR" dirty="0">
+                <a:latin typeface="DM Mono" panose="020B0509040201040103" pitchFamily="49" charset="0"/>
+              </a:rPr>
+              <a:t>0</a:t>
+            </a:r>
+            <a:endParaRPr lang="ko-Kore-KR" altLang="en-US" dirty="0"/>
+          </a:p>
+        </p:txBody>
+      </p:sp>
+      <p:sp>
+        <p:nvSpPr>
+          <p:cNvPr id="14" name="TextBox 13">
+            <a:extLst>
+              <a:ext uri="{FF2B5EF4-FFF2-40B4-BE49-F238E27FC236}">
+                <a16:creationId xmlns:a16="http://schemas.microsoft.com/office/drawing/2014/main" id="{B9F58CB8-CF89-0432-8450-59F2F228C2A0}"/>
+              </a:ext>
+            </a:extLst>
+          </p:cNvPr>
+          <p:cNvSpPr txBox="1"/>
+          <p:nvPr/>
+        </p:nvSpPr>
+        <p:spPr>
+          <a:xfrm>
+            <a:off x="9790169" y="471019"/>
+            <a:ext cx="1445353" cy="369332"/>
+          </a:xfrm>
+          <a:prstGeom prst="rect">
+            <a:avLst/>
+          </a:prstGeom>
+          <a:noFill/>
+        </p:spPr>
+        <p:txBody>
+          <a:bodyPr wrap="square">
+            <a:spAutoFit/>
+          </a:bodyPr>
+          <a:lstStyle/>
+          <a:p>
+            <a:pPr algn="ctr"/>
+            <a:r>
+              <a:rPr lang="en-US" altLang="ko-Kore-KR" dirty="0">
+                <a:latin typeface="DM Mono" panose="020B0509040201040103" pitchFamily="49" charset="0"/>
+              </a:rPr>
+              <a:t>Animal VT</a:t>
+            </a:r>
+            <a:endParaRPr lang="ko-Kore-KR" altLang="en-US" dirty="0"/>
+          </a:p>
+        </p:txBody>
+      </p:sp>
+      <p:cxnSp>
+        <p:nvCxnSpPr>
+          <p:cNvPr id="22" name="구부러진 연결선[U] 21">
+            <a:extLst>
+              <a:ext uri="{FF2B5EF4-FFF2-40B4-BE49-F238E27FC236}">
+                <a16:creationId xmlns:a16="http://schemas.microsoft.com/office/drawing/2014/main" id="{ED894A7B-2A68-B36D-A714-FE56C496CF1A}"/>
+              </a:ext>
+            </a:extLst>
+          </p:cNvPr>
+          <p:cNvCxnSpPr>
+            <a:endCxn id="14" idx="1"/>
+          </p:cNvCxnSpPr>
+          <p:nvPr/>
+        </p:nvCxnSpPr>
+        <p:spPr>
+          <a:xfrm flipV="1">
+            <a:off x="7435970" y="655685"/>
+            <a:ext cx="2354199" cy="759317"/>
+          </a:xfrm>
+          <a:prstGeom prst="curvedConnector3">
+            <a:avLst/>
+          </a:prstGeom>
+          <a:ln>
+            <a:tailEnd type="triangle"/>
+          </a:ln>
+        </p:spPr>
+        <p:style>
+          <a:lnRef idx="1">
+            <a:schemeClr val="dk1"/>
+          </a:lnRef>
+          <a:fillRef idx="0">
+            <a:schemeClr val="dk1"/>
+          </a:fillRef>
+          <a:effectRef idx="0">
+            <a:schemeClr val="dk1"/>
+          </a:effectRef>
+          <a:fontRef idx="minor">
+            <a:schemeClr val="tx1"/>
+          </a:fontRef>
+        </p:style>
+      </p:cxnSp>
+      <p:sp>
+        <p:nvSpPr>
+          <p:cNvPr id="23" name="직사각형 22">
+            <a:extLst>
+              <a:ext uri="{FF2B5EF4-FFF2-40B4-BE49-F238E27FC236}">
+                <a16:creationId xmlns:a16="http://schemas.microsoft.com/office/drawing/2014/main" id="{C2A3FC68-4BD9-FAEA-34A6-D88A6C06CB36}"/>
+              </a:ext>
+            </a:extLst>
+          </p:cNvPr>
+          <p:cNvSpPr/>
+          <p:nvPr/>
+        </p:nvSpPr>
+        <p:spPr>
+          <a:xfrm>
+            <a:off x="9543935" y="4284529"/>
+            <a:ext cx="1937823" cy="451945"/>
+          </a:xfrm>
+          <a:prstGeom prst="rect">
+            <a:avLst/>
+          </a:prstGeom>
+          <a:solidFill>
+            <a:srgbClr val="FFFF00"/>
+          </a:solidFill>
+        </p:spPr>
+        <p:style>
+          <a:lnRef idx="2">
+            <a:schemeClr val="accent1">
+              <a:shade val="50000"/>
+            </a:schemeClr>
+          </a:lnRef>
+          <a:fillRef idx="1">
+            <a:schemeClr val="accent1"/>
+          </a:fillRef>
+          <a:effectRef idx="0">
+            <a:schemeClr val="accent1"/>
+          </a:effectRef>
+          <a:fontRef idx="minor">
+            <a:schemeClr val="lt1"/>
+          </a:fontRef>
+        </p:style>
+        <p:txBody>
+          <a:bodyPr rtlCol="0" anchor="ctr"/>
+          <a:lstStyle/>
+          <a:p>
+            <a:pPr algn="ctr"/>
+            <a:r>
+              <a:rPr kumimoji="1" lang="en-US" altLang="ko-Kore-KR" sz="1600" dirty="0">
+                <a:solidFill>
+                  <a:schemeClr val="tx1"/>
+                </a:solidFill>
+                <a:latin typeface="DM Mono" panose="020B0509040201040103" pitchFamily="49" charset="0"/>
+              </a:rPr>
+              <a:t>Animal::Go</a:t>
+            </a:r>
+            <a:endParaRPr kumimoji="1" lang="ko-Kore-KR" altLang="en-US" sz="1600" dirty="0">
+              <a:solidFill>
+                <a:schemeClr val="tx1"/>
+              </a:solidFill>
+              <a:latin typeface="DM Mono" panose="020B0509040201040103" pitchFamily="49" charset="0"/>
+            </a:endParaRPr>
+          </a:p>
+        </p:txBody>
+      </p:sp>
+      <p:sp>
+        <p:nvSpPr>
+          <p:cNvPr id="26" name="TextBox 25">
+            <a:extLst>
+              <a:ext uri="{FF2B5EF4-FFF2-40B4-BE49-F238E27FC236}">
+                <a16:creationId xmlns:a16="http://schemas.microsoft.com/office/drawing/2014/main" id="{7E7571D9-6981-EF60-1012-BBC27E02AD65}"/>
+              </a:ext>
+            </a:extLst>
+          </p:cNvPr>
+          <p:cNvSpPr txBox="1"/>
+          <p:nvPr/>
+        </p:nvSpPr>
+        <p:spPr>
+          <a:xfrm>
+            <a:off x="8387508" y="4325835"/>
+            <a:ext cx="1156427" cy="369332"/>
+          </a:xfrm>
+          <a:prstGeom prst="rect">
+            <a:avLst/>
+          </a:prstGeom>
+          <a:noFill/>
+        </p:spPr>
+        <p:txBody>
+          <a:bodyPr wrap="square">
+            <a:spAutoFit/>
+          </a:bodyPr>
+          <a:lstStyle/>
+          <a:p>
+            <a:pPr algn="r"/>
+            <a:r>
+              <a:rPr lang="en-US" altLang="ko-Kore-KR" dirty="0">
+                <a:latin typeface="DM Mono" panose="020B0509040201040103" pitchFamily="49" charset="0"/>
+              </a:rPr>
+              <a:t>0</a:t>
+            </a:r>
+            <a:endParaRPr lang="ko-Kore-KR" altLang="en-US" dirty="0"/>
+          </a:p>
+        </p:txBody>
+      </p:sp>
+      <p:sp>
+        <p:nvSpPr>
+          <p:cNvPr id="27" name="TextBox 26">
+            <a:extLst>
+              <a:ext uri="{FF2B5EF4-FFF2-40B4-BE49-F238E27FC236}">
+                <a16:creationId xmlns:a16="http://schemas.microsoft.com/office/drawing/2014/main" id="{BCB70C61-4537-DFC6-DB73-57C83A8B8A15}"/>
+              </a:ext>
+            </a:extLst>
+          </p:cNvPr>
+          <p:cNvSpPr txBox="1"/>
+          <p:nvPr/>
+        </p:nvSpPr>
+        <p:spPr>
+          <a:xfrm>
+            <a:off x="9790169" y="3915197"/>
+            <a:ext cx="1445353" cy="369332"/>
+          </a:xfrm>
+          <a:prstGeom prst="rect">
+            <a:avLst/>
+          </a:prstGeom>
+          <a:noFill/>
+        </p:spPr>
+        <p:txBody>
+          <a:bodyPr wrap="square">
+            <a:spAutoFit/>
+          </a:bodyPr>
+          <a:lstStyle/>
+          <a:p>
+            <a:pPr algn="ctr"/>
+            <a:r>
+              <a:rPr lang="en-US" altLang="ko-Kore-KR" dirty="0">
+                <a:latin typeface="DM Mono" panose="020B0509040201040103" pitchFamily="49" charset="0"/>
+              </a:rPr>
+              <a:t>Dog VT</a:t>
+            </a:r>
+            <a:endParaRPr lang="ko-Kore-KR" altLang="en-US" dirty="0"/>
+          </a:p>
+        </p:txBody>
+      </p:sp>
+      <p:cxnSp>
+        <p:nvCxnSpPr>
+          <p:cNvPr id="28" name="구부러진 연결선[U] 27">
+            <a:extLst>
+              <a:ext uri="{FF2B5EF4-FFF2-40B4-BE49-F238E27FC236}">
+                <a16:creationId xmlns:a16="http://schemas.microsoft.com/office/drawing/2014/main" id="{B062A737-4E5C-FAC5-E171-7B9F61DA903B}"/>
+              </a:ext>
+            </a:extLst>
+          </p:cNvPr>
+          <p:cNvCxnSpPr>
+            <a:cxnSpLocks/>
+            <a:endCxn id="27" idx="1"/>
+          </p:cNvCxnSpPr>
+          <p:nvPr/>
+        </p:nvCxnSpPr>
+        <p:spPr>
+          <a:xfrm flipV="1">
+            <a:off x="7342538" y="4099863"/>
+            <a:ext cx="2447631" cy="340189"/>
+          </a:xfrm>
+          <a:prstGeom prst="curvedConnector3">
+            <a:avLst/>
+          </a:prstGeom>
+          <a:ln>
+            <a:tailEnd type="triangle"/>
+          </a:ln>
+        </p:spPr>
+        <p:style>
+          <a:lnRef idx="1">
+            <a:schemeClr val="dk1"/>
+          </a:lnRef>
+          <a:fillRef idx="0">
+            <a:schemeClr val="dk1"/>
+          </a:fillRef>
+          <a:effectRef idx="0">
+            <a:schemeClr val="dk1"/>
+          </a:effectRef>
+          <a:fontRef idx="minor">
+            <a:schemeClr val="tx1"/>
+          </a:fontRef>
+        </p:style>
+      </p:cxnSp>
+      <p:sp>
+        <p:nvSpPr>
+          <p:cNvPr id="33" name="직사각형 32">
+            <a:extLst>
+              <a:ext uri="{FF2B5EF4-FFF2-40B4-BE49-F238E27FC236}">
+                <a16:creationId xmlns:a16="http://schemas.microsoft.com/office/drawing/2014/main" id="{4A6D7437-11F8-8B91-8362-F4CC8168CEE4}"/>
+              </a:ext>
+            </a:extLst>
+          </p:cNvPr>
+          <p:cNvSpPr/>
+          <p:nvPr/>
+        </p:nvSpPr>
+        <p:spPr>
+          <a:xfrm>
+            <a:off x="6674214" y="2350030"/>
+            <a:ext cx="1019503" cy="451945"/>
+          </a:xfrm>
+          <a:prstGeom prst="rect">
+            <a:avLst/>
+          </a:prstGeom>
+          <a:solidFill>
+            <a:srgbClr val="92D050"/>
+          </a:solidFill>
+        </p:spPr>
+        <p:style>
+          <a:lnRef idx="2">
+            <a:schemeClr val="accent1">
+              <a:shade val="50000"/>
+            </a:schemeClr>
+          </a:lnRef>
+          <a:fillRef idx="1">
+            <a:schemeClr val="accent1"/>
+          </a:fillRef>
+          <a:effectRef idx="0">
+            <a:schemeClr val="accent1"/>
+          </a:effectRef>
+          <a:fontRef idx="minor">
+            <a:schemeClr val="lt1"/>
+          </a:fontRef>
+        </p:style>
+        <p:txBody>
+          <a:bodyPr rtlCol="0" anchor="ctr"/>
+          <a:lstStyle/>
+          <a:p>
+            <a:pPr algn="ctr"/>
+            <a:endParaRPr kumimoji="1" lang="ko-Kore-KR" altLang="en-US" dirty="0">
+              <a:solidFill>
+                <a:schemeClr val="tx1"/>
+              </a:solidFill>
+              <a:latin typeface="DM Mono" panose="020B0509040201040103" pitchFamily="49" charset="0"/>
+            </a:endParaRPr>
+          </a:p>
+        </p:txBody>
+      </p:sp>
+      <p:sp>
+        <p:nvSpPr>
+          <p:cNvPr id="34" name="TextBox 33">
+            <a:extLst>
+              <a:ext uri="{FF2B5EF4-FFF2-40B4-BE49-F238E27FC236}">
+                <a16:creationId xmlns:a16="http://schemas.microsoft.com/office/drawing/2014/main" id="{04511035-21E4-975A-B073-6EF96CDDD592}"/>
+              </a:ext>
+            </a:extLst>
+          </p:cNvPr>
+          <p:cNvSpPr txBox="1"/>
+          <p:nvPr/>
+        </p:nvSpPr>
+        <p:spPr>
+          <a:xfrm>
+            <a:off x="5517787" y="2391336"/>
+            <a:ext cx="1156427" cy="369332"/>
+          </a:xfrm>
+          <a:prstGeom prst="rect">
+            <a:avLst/>
+          </a:prstGeom>
+          <a:noFill/>
+        </p:spPr>
+        <p:txBody>
+          <a:bodyPr wrap="square">
+            <a:spAutoFit/>
+          </a:bodyPr>
+          <a:lstStyle/>
+          <a:p>
+            <a:pPr algn="r"/>
+            <a:r>
+              <a:rPr lang="en-US" altLang="ko-Kore-KR" dirty="0">
+                <a:latin typeface="DM Mono" panose="020B0509040201040103" pitchFamily="49" charset="0"/>
+              </a:rPr>
+              <a:t>__</a:t>
+            </a:r>
+            <a:r>
+              <a:rPr lang="en-US" altLang="ko-Kore-KR" dirty="0" err="1">
+                <a:latin typeface="DM Mono" panose="020B0509040201040103" pitchFamily="49" charset="0"/>
+              </a:rPr>
+              <a:t>vftp</a:t>
+            </a:r>
+            <a:endParaRPr lang="ko-Kore-KR" altLang="en-US" dirty="0"/>
+          </a:p>
+        </p:txBody>
+      </p:sp>
+      <p:sp>
+        <p:nvSpPr>
+          <p:cNvPr id="35" name="직사각형 34">
+            <a:extLst>
+              <a:ext uri="{FF2B5EF4-FFF2-40B4-BE49-F238E27FC236}">
+                <a16:creationId xmlns:a16="http://schemas.microsoft.com/office/drawing/2014/main" id="{577AB3AF-E09D-F413-55D5-68F9EF85190B}"/>
+              </a:ext>
+            </a:extLst>
+          </p:cNvPr>
+          <p:cNvSpPr/>
+          <p:nvPr/>
+        </p:nvSpPr>
+        <p:spPr>
+          <a:xfrm>
+            <a:off x="6674214" y="2777657"/>
+            <a:ext cx="1019503" cy="451945"/>
+          </a:xfrm>
+          <a:prstGeom prst="rect">
+            <a:avLst/>
+          </a:prstGeom>
+          <a:solidFill>
+            <a:srgbClr val="FFFF00"/>
+          </a:solidFill>
+        </p:spPr>
+        <p:style>
+          <a:lnRef idx="2">
+            <a:schemeClr val="accent1">
+              <a:shade val="50000"/>
+            </a:schemeClr>
+          </a:lnRef>
+          <a:fillRef idx="1">
+            <a:schemeClr val="accent1"/>
+          </a:fillRef>
+          <a:effectRef idx="0">
+            <a:schemeClr val="accent1"/>
+          </a:effectRef>
+          <a:fontRef idx="minor">
+            <a:schemeClr val="lt1"/>
+          </a:fontRef>
+        </p:style>
+        <p:txBody>
+          <a:bodyPr rtlCol="0" anchor="ctr"/>
+          <a:lstStyle/>
+          <a:p>
+            <a:pPr algn="ctr"/>
+            <a:endParaRPr kumimoji="1" lang="ko-Kore-KR" altLang="en-US" dirty="0">
+              <a:solidFill>
+                <a:schemeClr val="tx1"/>
+              </a:solidFill>
+              <a:latin typeface="DM Mono" panose="020B0509040201040103" pitchFamily="49" charset="0"/>
+            </a:endParaRPr>
+          </a:p>
+        </p:txBody>
+      </p:sp>
+      <p:sp>
+        <p:nvSpPr>
+          <p:cNvPr id="36" name="TextBox 35">
+            <a:extLst>
+              <a:ext uri="{FF2B5EF4-FFF2-40B4-BE49-F238E27FC236}">
+                <a16:creationId xmlns:a16="http://schemas.microsoft.com/office/drawing/2014/main" id="{09FC1274-0225-6D32-4737-54D59942F8A9}"/>
+              </a:ext>
+            </a:extLst>
+          </p:cNvPr>
+          <p:cNvSpPr txBox="1"/>
+          <p:nvPr/>
+        </p:nvSpPr>
+        <p:spPr>
+          <a:xfrm>
+            <a:off x="5517787" y="2818963"/>
+            <a:ext cx="1156427" cy="369332"/>
+          </a:xfrm>
+          <a:prstGeom prst="rect">
+            <a:avLst/>
+          </a:prstGeom>
+          <a:noFill/>
+        </p:spPr>
+        <p:txBody>
+          <a:bodyPr wrap="square">
+            <a:spAutoFit/>
+          </a:bodyPr>
+          <a:lstStyle/>
+          <a:p>
+            <a:pPr algn="r"/>
+            <a:r>
+              <a:rPr lang="en-US" altLang="ko-Kore-KR" dirty="0">
+                <a:latin typeface="DM Mono" panose="020B0509040201040103" pitchFamily="49" charset="0"/>
+              </a:rPr>
+              <a:t>age</a:t>
+            </a:r>
+            <a:endParaRPr lang="ko-Kore-KR" altLang="en-US" dirty="0"/>
+          </a:p>
+        </p:txBody>
+      </p:sp>
+      <p:cxnSp>
+        <p:nvCxnSpPr>
+          <p:cNvPr id="37" name="구부러진 연결선[U] 36">
+            <a:extLst>
+              <a:ext uri="{FF2B5EF4-FFF2-40B4-BE49-F238E27FC236}">
+                <a16:creationId xmlns:a16="http://schemas.microsoft.com/office/drawing/2014/main" id="{D977E226-4B67-F000-FF76-165BA3885EAB}"/>
+              </a:ext>
+            </a:extLst>
+          </p:cNvPr>
+          <p:cNvCxnSpPr>
+            <a:cxnSpLocks/>
+            <a:endCxn id="14" idx="1"/>
+          </p:cNvCxnSpPr>
+          <p:nvPr/>
+        </p:nvCxnSpPr>
+        <p:spPr>
+          <a:xfrm flipV="1">
+            <a:off x="7435970" y="655685"/>
+            <a:ext cx="2354199" cy="1863030"/>
+          </a:xfrm>
+          <a:prstGeom prst="curvedConnector3">
+            <a:avLst/>
+          </a:prstGeom>
+          <a:ln>
+            <a:tailEnd type="triangle"/>
+          </a:ln>
+        </p:spPr>
+        <p:style>
+          <a:lnRef idx="1">
+            <a:schemeClr val="dk1"/>
+          </a:lnRef>
+          <a:fillRef idx="0">
+            <a:schemeClr val="dk1"/>
+          </a:fillRef>
+          <a:effectRef idx="0">
+            <a:schemeClr val="dk1"/>
+          </a:effectRef>
+          <a:fontRef idx="minor">
+            <a:schemeClr val="tx1"/>
+          </a:fontRef>
+        </p:style>
+      </p:cxnSp>
+      <p:sp>
+        <p:nvSpPr>
+          <p:cNvPr id="6" name="직사각형 5">
+            <a:extLst>
+              <a:ext uri="{FF2B5EF4-FFF2-40B4-BE49-F238E27FC236}">
+                <a16:creationId xmlns:a16="http://schemas.microsoft.com/office/drawing/2014/main" id="{78CE31D4-C286-9EBC-FE96-20A85A7E19C9}"/>
+              </a:ext>
+            </a:extLst>
+          </p:cNvPr>
+          <p:cNvSpPr/>
+          <p:nvPr/>
+        </p:nvSpPr>
+        <p:spPr>
+          <a:xfrm>
+            <a:off x="9543935" y="1302522"/>
+            <a:ext cx="1937823" cy="451945"/>
+          </a:xfrm>
+          <a:prstGeom prst="rect">
+            <a:avLst/>
+          </a:prstGeom>
+          <a:solidFill>
+            <a:srgbClr val="FFFF00"/>
+          </a:solidFill>
+        </p:spPr>
+        <p:style>
+          <a:lnRef idx="2">
+            <a:schemeClr val="accent1">
+              <a:shade val="50000"/>
+            </a:schemeClr>
+          </a:lnRef>
+          <a:fillRef idx="1">
+            <a:schemeClr val="accent1"/>
+          </a:fillRef>
+          <a:effectRef idx="0">
+            <a:schemeClr val="accent1"/>
+          </a:effectRef>
+          <a:fontRef idx="minor">
+            <a:schemeClr val="lt1"/>
+          </a:fontRef>
+        </p:style>
+        <p:txBody>
+          <a:bodyPr rtlCol="0" anchor="ctr"/>
+          <a:lstStyle/>
+          <a:p>
+            <a:pPr algn="ctr"/>
+            <a:r>
+              <a:rPr kumimoji="1" lang="en-US" altLang="ko-Kore-KR" sz="1600" dirty="0">
+                <a:solidFill>
+                  <a:schemeClr val="tx1"/>
+                </a:solidFill>
+                <a:latin typeface="DM Mono" panose="020B0509040201040103" pitchFamily="49" charset="0"/>
+              </a:rPr>
+              <a:t>Animal::Hello</a:t>
+            </a:r>
+            <a:endParaRPr kumimoji="1" lang="ko-Kore-KR" altLang="en-US" sz="1600" dirty="0">
+              <a:solidFill>
+                <a:schemeClr val="tx1"/>
+              </a:solidFill>
+              <a:latin typeface="DM Mono" panose="020B0509040201040103" pitchFamily="49" charset="0"/>
+            </a:endParaRPr>
+          </a:p>
+        </p:txBody>
+      </p:sp>
+      <p:sp>
+        <p:nvSpPr>
+          <p:cNvPr id="9" name="TextBox 8">
+            <a:extLst>
+              <a:ext uri="{FF2B5EF4-FFF2-40B4-BE49-F238E27FC236}">
+                <a16:creationId xmlns:a16="http://schemas.microsoft.com/office/drawing/2014/main" id="{A471035F-D9BD-F73F-E3DD-2B869164EFBB}"/>
+              </a:ext>
+            </a:extLst>
+          </p:cNvPr>
+          <p:cNvSpPr txBox="1"/>
+          <p:nvPr/>
+        </p:nvSpPr>
+        <p:spPr>
+          <a:xfrm>
+            <a:off x="8387508" y="1343828"/>
+            <a:ext cx="1156427" cy="369332"/>
+          </a:xfrm>
+          <a:prstGeom prst="rect">
+            <a:avLst/>
+          </a:prstGeom>
+          <a:noFill/>
+        </p:spPr>
+        <p:txBody>
+          <a:bodyPr wrap="square">
+            <a:spAutoFit/>
+          </a:bodyPr>
+          <a:lstStyle/>
+          <a:p>
+            <a:pPr algn="r"/>
+            <a:r>
+              <a:rPr lang="en-US" altLang="ko-Kore-KR" dirty="0">
+                <a:latin typeface="DM Mono" panose="020B0509040201040103" pitchFamily="49" charset="0"/>
+              </a:rPr>
+              <a:t>1</a:t>
+            </a:r>
+            <a:endParaRPr lang="ko-Kore-KR" altLang="en-US" dirty="0"/>
+          </a:p>
+        </p:txBody>
+      </p:sp>
+      <p:sp>
+        <p:nvSpPr>
+          <p:cNvPr id="29" name="직사각형 28">
+            <a:extLst>
+              <a:ext uri="{FF2B5EF4-FFF2-40B4-BE49-F238E27FC236}">
+                <a16:creationId xmlns:a16="http://schemas.microsoft.com/office/drawing/2014/main" id="{BC78E545-000E-180A-A1A1-27B2F1429E8E}"/>
+              </a:ext>
+            </a:extLst>
+          </p:cNvPr>
+          <p:cNvSpPr/>
+          <p:nvPr/>
+        </p:nvSpPr>
+        <p:spPr>
+          <a:xfrm>
+            <a:off x="9543935" y="4729834"/>
+            <a:ext cx="1937823" cy="451945"/>
+          </a:xfrm>
+          <a:prstGeom prst="rect">
+            <a:avLst/>
+          </a:prstGeom>
+          <a:solidFill>
+            <a:srgbClr val="FFFF00"/>
+          </a:solidFill>
+        </p:spPr>
+        <p:style>
+          <a:lnRef idx="2">
+            <a:schemeClr val="accent1">
+              <a:shade val="50000"/>
+            </a:schemeClr>
+          </a:lnRef>
+          <a:fillRef idx="1">
+            <a:schemeClr val="accent1"/>
+          </a:fillRef>
+          <a:effectRef idx="0">
+            <a:schemeClr val="accent1"/>
+          </a:effectRef>
+          <a:fontRef idx="minor">
+            <a:schemeClr val="lt1"/>
+          </a:fontRef>
+        </p:style>
+        <p:txBody>
+          <a:bodyPr rtlCol="0" anchor="ctr"/>
+          <a:lstStyle/>
+          <a:p>
+            <a:pPr algn="ctr"/>
+            <a:r>
+              <a:rPr kumimoji="1" lang="en-US" altLang="ko-Kore-KR" sz="1600" dirty="0">
+                <a:solidFill>
+                  <a:schemeClr val="tx1"/>
+                </a:solidFill>
+                <a:latin typeface="DM Mono" panose="020B0509040201040103" pitchFamily="49" charset="0"/>
+              </a:rPr>
+              <a:t>Animal::Hello</a:t>
+            </a:r>
+            <a:endParaRPr kumimoji="1" lang="ko-Kore-KR" altLang="en-US" sz="1600" dirty="0">
+              <a:solidFill>
+                <a:schemeClr val="tx1"/>
+              </a:solidFill>
+              <a:latin typeface="DM Mono" panose="020B0509040201040103" pitchFamily="49" charset="0"/>
+            </a:endParaRPr>
+          </a:p>
+        </p:txBody>
+      </p:sp>
+      <p:sp>
+        <p:nvSpPr>
+          <p:cNvPr id="30" name="TextBox 29">
+            <a:extLst>
+              <a:ext uri="{FF2B5EF4-FFF2-40B4-BE49-F238E27FC236}">
+                <a16:creationId xmlns:a16="http://schemas.microsoft.com/office/drawing/2014/main" id="{5232F23A-0A1A-C4D6-F252-ACEA23197671}"/>
+              </a:ext>
+            </a:extLst>
+          </p:cNvPr>
+          <p:cNvSpPr txBox="1"/>
+          <p:nvPr/>
+        </p:nvSpPr>
+        <p:spPr>
+          <a:xfrm>
+            <a:off x="8387508" y="4771140"/>
+            <a:ext cx="1156427" cy="369332"/>
+          </a:xfrm>
+          <a:prstGeom prst="rect">
+            <a:avLst/>
+          </a:prstGeom>
+          <a:noFill/>
+        </p:spPr>
+        <p:txBody>
+          <a:bodyPr wrap="square">
+            <a:spAutoFit/>
+          </a:bodyPr>
+          <a:lstStyle/>
+          <a:p>
+            <a:pPr algn="r"/>
+            <a:r>
+              <a:rPr lang="en-US" altLang="ko-Kore-KR" dirty="0">
+                <a:latin typeface="DM Mono" panose="020B0509040201040103" pitchFamily="49" charset="0"/>
+              </a:rPr>
+              <a:t>1</a:t>
+            </a:r>
+            <a:endParaRPr lang="ko-Kore-KR" altLang="en-US" dirty="0"/>
+          </a:p>
+        </p:txBody>
+      </p:sp>
+    </p:spTree>
+    <p:extLst>
+      <p:ext uri="{BB962C8B-B14F-4D97-AF65-F5344CB8AC3E}">
+        <p14:creationId xmlns:p14="http://schemas.microsoft.com/office/powerpoint/2010/main" val="2020033918"/>
+      </p:ext>
+    </p:extLst>
+  </p:cSld>
+  <p:clrMapOvr>
+    <a:masterClrMapping/>
+  </p:clrMapOvr>
+</p:sld>
+</file>
+
+<file path=ppt/slides/slide34.xml><?xml version="1.0" encoding="utf-8"?>
+<p:sld xmlns:a="http://schemas.openxmlformats.org/drawingml/2006/main" xmlns:r="http://schemas.openxmlformats.org/officeDocument/2006/relationships" xmlns:p="http://schemas.openxmlformats.org/presentationml/2006/main">
+  <p:cSld>
+    <p:spTree>
+      <p:nvGrpSpPr>
+        <p:cNvPr id="1" name=""/>
+        <p:cNvGrpSpPr/>
+        <p:nvPr/>
+      </p:nvGrpSpPr>
+      <p:grpSpPr>
+        <a:xfrm>
+          <a:off x="0" y="0"/>
+          <a:ext cx="0" cy="0"/>
+          <a:chOff x="0" y="0"/>
+          <a:chExt cx="0" cy="0"/>
+        </a:xfrm>
+      </p:grpSpPr>
+      <p:sp>
+        <p:nvSpPr>
+          <p:cNvPr id="10" name="직사각형 9">
+            <a:extLst>
+              <a:ext uri="{FF2B5EF4-FFF2-40B4-BE49-F238E27FC236}">
+                <a16:creationId xmlns:a16="http://schemas.microsoft.com/office/drawing/2014/main" id="{504ECFFC-74F8-08BC-E61D-DC0B6420CD47}"/>
+              </a:ext>
+            </a:extLst>
+          </p:cNvPr>
+          <p:cNvSpPr/>
+          <p:nvPr/>
+        </p:nvSpPr>
+        <p:spPr>
+          <a:xfrm>
+            <a:off x="6674214" y="1189030"/>
+            <a:ext cx="1019503" cy="451945"/>
+          </a:xfrm>
+          <a:prstGeom prst="rect">
+            <a:avLst/>
+          </a:prstGeom>
+          <a:solidFill>
+            <a:srgbClr val="92D050"/>
+          </a:solidFill>
+        </p:spPr>
+        <p:style>
+          <a:lnRef idx="2">
+            <a:schemeClr val="accent1">
+              <a:shade val="50000"/>
+            </a:schemeClr>
+          </a:lnRef>
+          <a:fillRef idx="1">
+            <a:schemeClr val="accent1"/>
+          </a:fillRef>
+          <a:effectRef idx="0">
+            <a:schemeClr val="accent1"/>
+          </a:effectRef>
+          <a:fontRef idx="minor">
+            <a:schemeClr val="lt1"/>
+          </a:fontRef>
+        </p:style>
+        <p:txBody>
+          <a:bodyPr rtlCol="0" anchor="ctr"/>
+          <a:lstStyle/>
+          <a:p>
+            <a:pPr algn="ctr"/>
+            <a:endParaRPr kumimoji="1" lang="ko-Kore-KR" altLang="en-US" dirty="0">
+              <a:solidFill>
+                <a:schemeClr val="tx1"/>
+              </a:solidFill>
+              <a:latin typeface="DM Mono" panose="020B0509040201040103" pitchFamily="49" charset="0"/>
+            </a:endParaRPr>
+          </a:p>
+        </p:txBody>
+      </p:sp>
+      <p:sp>
+        <p:nvSpPr>
+          <p:cNvPr id="11" name="TextBox 10">
+            <a:extLst>
+              <a:ext uri="{FF2B5EF4-FFF2-40B4-BE49-F238E27FC236}">
+                <a16:creationId xmlns:a16="http://schemas.microsoft.com/office/drawing/2014/main" id="{CB230CB5-C073-B636-4EAA-DCEEF12EE34C}"/>
+              </a:ext>
+            </a:extLst>
+          </p:cNvPr>
+          <p:cNvSpPr txBox="1"/>
+          <p:nvPr/>
+        </p:nvSpPr>
+        <p:spPr>
+          <a:xfrm>
+            <a:off x="5517787" y="1230336"/>
+            <a:ext cx="1156427" cy="369332"/>
+          </a:xfrm>
+          <a:prstGeom prst="rect">
+            <a:avLst/>
+          </a:prstGeom>
+          <a:noFill/>
+        </p:spPr>
+        <p:txBody>
+          <a:bodyPr wrap="square">
+            <a:spAutoFit/>
+          </a:bodyPr>
+          <a:lstStyle/>
+          <a:p>
+            <a:pPr algn="r"/>
+            <a:r>
+              <a:rPr lang="en-US" altLang="ko-Kore-KR" dirty="0">
+                <a:latin typeface="DM Mono" panose="020B0509040201040103" pitchFamily="49" charset="0"/>
+              </a:rPr>
+              <a:t>__</a:t>
+            </a:r>
+            <a:r>
+              <a:rPr lang="en-US" altLang="ko-Kore-KR" dirty="0" err="1">
+                <a:latin typeface="DM Mono" panose="020B0509040201040103" pitchFamily="49" charset="0"/>
+              </a:rPr>
+              <a:t>vftp</a:t>
+            </a:r>
+            <a:endParaRPr lang="ko-Kore-KR" altLang="en-US" dirty="0"/>
+          </a:p>
+        </p:txBody>
+      </p:sp>
+      <p:sp>
+        <p:nvSpPr>
+          <p:cNvPr id="12" name="TextBox 11">
+            <a:extLst>
+              <a:ext uri="{FF2B5EF4-FFF2-40B4-BE49-F238E27FC236}">
+                <a16:creationId xmlns:a16="http://schemas.microsoft.com/office/drawing/2014/main" id="{1DE8CC8C-4E5E-1BDA-3703-C328A3A06E6B}"/>
+              </a:ext>
+            </a:extLst>
+          </p:cNvPr>
+          <p:cNvSpPr txBox="1"/>
+          <p:nvPr/>
+        </p:nvSpPr>
+        <p:spPr>
+          <a:xfrm>
+            <a:off x="6461288" y="840351"/>
+            <a:ext cx="1445353" cy="369332"/>
+          </a:xfrm>
+          <a:prstGeom prst="rect">
+            <a:avLst/>
+          </a:prstGeom>
+          <a:noFill/>
+        </p:spPr>
+        <p:txBody>
+          <a:bodyPr wrap="square">
+            <a:spAutoFit/>
+          </a:bodyPr>
+          <a:lstStyle/>
+          <a:p>
+            <a:pPr algn="ctr"/>
+            <a:r>
+              <a:rPr lang="en-US" altLang="ko-Kore-KR" dirty="0">
+                <a:latin typeface="DM Mono" panose="020B0509040201040103" pitchFamily="49" charset="0"/>
+              </a:rPr>
+              <a:t>Animal a</a:t>
+            </a:r>
+            <a:endParaRPr lang="ko-Kore-KR" altLang="en-US" dirty="0"/>
+          </a:p>
+        </p:txBody>
+      </p:sp>
+      <p:sp>
+        <p:nvSpPr>
+          <p:cNvPr id="16" name="TextBox 15">
+            <a:extLst>
+              <a:ext uri="{FF2B5EF4-FFF2-40B4-BE49-F238E27FC236}">
+                <a16:creationId xmlns:a16="http://schemas.microsoft.com/office/drawing/2014/main" id="{E1012691-5E9C-40BD-EAE5-03C0EA31B4C1}"/>
+              </a:ext>
+            </a:extLst>
+          </p:cNvPr>
+          <p:cNvSpPr txBox="1"/>
+          <p:nvPr/>
+        </p:nvSpPr>
+        <p:spPr>
+          <a:xfrm>
+            <a:off x="579280" y="297285"/>
+            <a:ext cx="4743219" cy="5909310"/>
+          </a:xfrm>
+          <a:prstGeom prst="rect">
+            <a:avLst/>
+          </a:prstGeom>
+          <a:noFill/>
+        </p:spPr>
+        <p:txBody>
+          <a:bodyPr wrap="square">
+            <a:spAutoFit/>
+          </a:bodyPr>
+          <a:lstStyle/>
+          <a:p>
+            <a:r>
+              <a:rPr lang="ko-Kore-KR" altLang="en-US" dirty="0">
+                <a:latin typeface="DM Mono" panose="020B0509040201040103" pitchFamily="49" charset="0"/>
+              </a:rPr>
+              <a:t>class Animal {</a:t>
+            </a:r>
+          </a:p>
+          <a:p>
+            <a:r>
+              <a:rPr lang="ko-Kore-KR" altLang="en-US" dirty="0">
+                <a:latin typeface="DM Mono" panose="020B0509040201040103" pitchFamily="49" charset="0"/>
+              </a:rPr>
+              <a:t>    int age;</a:t>
+            </a:r>
+          </a:p>
+          <a:p>
+            <a:endParaRPr lang="ko-Kore-KR" altLang="en-US" dirty="0">
+              <a:latin typeface="DM Mono" panose="020B0509040201040103" pitchFamily="49" charset="0"/>
+            </a:endParaRPr>
+          </a:p>
+          <a:p>
+            <a:r>
+              <a:rPr lang="ko-Kore-KR" altLang="en-US" dirty="0">
+                <a:latin typeface="DM Mono" panose="020B0509040201040103" pitchFamily="49" charset="0"/>
+              </a:rPr>
+              <a:t>public:</a:t>
+            </a:r>
+          </a:p>
+          <a:p>
+            <a:r>
+              <a:rPr lang="ko-KR" altLang="en-US" dirty="0">
+                <a:latin typeface="DM Mono" panose="020B0509040201040103" pitchFamily="49" charset="0"/>
+              </a:rPr>
+              <a:t>    </a:t>
+            </a:r>
+            <a:r>
+              <a:rPr lang="en-US" altLang="ko-KR" dirty="0">
+                <a:latin typeface="DM Mono" panose="020B0509040201040103" pitchFamily="49" charset="0"/>
+              </a:rPr>
+              <a:t>virtual </a:t>
+            </a:r>
+            <a:r>
+              <a:rPr lang="ko-Kore-KR" altLang="en-US" dirty="0">
+                <a:latin typeface="DM Mono" panose="020B0509040201040103" pitchFamily="49" charset="0"/>
+              </a:rPr>
+              <a:t>void </a:t>
+            </a:r>
+            <a:r>
+              <a:rPr lang="en-US" altLang="ko-Kore-KR" dirty="0">
+                <a:latin typeface="DM Mono" panose="020B0509040201040103" pitchFamily="49" charset="0"/>
+              </a:rPr>
+              <a:t>G</a:t>
+            </a:r>
+            <a:r>
+              <a:rPr lang="ko-Kore-KR" altLang="en-US" dirty="0">
+                <a:latin typeface="DM Mono" panose="020B0509040201040103" pitchFamily="49" charset="0"/>
+              </a:rPr>
+              <a:t>o() { }</a:t>
+            </a:r>
+            <a:endParaRPr lang="en-US" altLang="ko-Kore-KR" dirty="0">
+              <a:latin typeface="DM Mono" panose="020B0509040201040103" pitchFamily="49" charset="0"/>
+            </a:endParaRPr>
+          </a:p>
+          <a:p>
+            <a:r>
+              <a:rPr lang="en-US" altLang="ko-Kore-KR" dirty="0">
+                <a:latin typeface="DM Mono" panose="020B0509040201040103" pitchFamily="49" charset="0"/>
+              </a:rPr>
+              <a:t>    virtual void Hello() { }</a:t>
+            </a:r>
+            <a:endParaRPr lang="ko-Kore-KR" altLang="en-US" dirty="0">
+              <a:latin typeface="DM Mono" panose="020B0509040201040103" pitchFamily="49" charset="0"/>
+            </a:endParaRPr>
+          </a:p>
+          <a:p>
+            <a:r>
+              <a:rPr lang="ko-Kore-KR" altLang="en-US" dirty="0">
+                <a:latin typeface="DM Mono" panose="020B0509040201040103" pitchFamily="49" charset="0"/>
+              </a:rPr>
+              <a:t>};</a:t>
+            </a:r>
+          </a:p>
+          <a:p>
+            <a:endParaRPr lang="ko-Kore-KR" altLang="en-US" dirty="0">
+              <a:latin typeface="DM Mono" panose="020B0509040201040103" pitchFamily="49" charset="0"/>
+            </a:endParaRPr>
+          </a:p>
+          <a:p>
+            <a:r>
+              <a:rPr lang="ko-Kore-KR" altLang="en-US" dirty="0">
+                <a:latin typeface="DM Mono" panose="020B0509040201040103" pitchFamily="49" charset="0"/>
+              </a:rPr>
+              <a:t>class Dog : public Animal {</a:t>
+            </a:r>
+          </a:p>
+          <a:p>
+            <a:r>
+              <a:rPr lang="ko-Kore-KR" altLang="en-US" dirty="0">
+                <a:latin typeface="DM Mono" panose="020B0509040201040103" pitchFamily="49" charset="0"/>
+              </a:rPr>
+              <a:t>    int color;</a:t>
+            </a:r>
+          </a:p>
+          <a:p>
+            <a:r>
+              <a:rPr lang="ko-Kore-KR" altLang="en-US" dirty="0">
+                <a:latin typeface="DM Mono" panose="020B0509040201040103" pitchFamily="49" charset="0"/>
+              </a:rPr>
+              <a:t>    int speed;</a:t>
+            </a:r>
+            <a:endParaRPr lang="en-US" altLang="ko-Kore-KR" dirty="0">
+              <a:latin typeface="DM Mono" panose="020B0509040201040103" pitchFamily="49" charset="0"/>
+            </a:endParaRPr>
+          </a:p>
+          <a:p>
+            <a:r>
+              <a:rPr lang="en-US" altLang="ko-Kore-KR" dirty="0">
+                <a:latin typeface="DM Mono" panose="020B0509040201040103" pitchFamily="49" charset="0"/>
+              </a:rPr>
+              <a:t>public:</a:t>
+            </a:r>
+          </a:p>
+          <a:p>
+            <a:r>
+              <a:rPr lang="en-US" altLang="ko-Kore-KR" dirty="0">
+                <a:solidFill>
+                  <a:srgbClr val="FF0000"/>
+                </a:solidFill>
+                <a:latin typeface="DM Mono" panose="020B0509040201040103" pitchFamily="49" charset="0"/>
+              </a:rPr>
+              <a:t>    void Go() override { }</a:t>
+            </a:r>
+            <a:endParaRPr lang="ko-Kore-KR" altLang="en-US" dirty="0">
+              <a:solidFill>
+                <a:srgbClr val="FF0000"/>
+              </a:solidFill>
+              <a:latin typeface="DM Mono" panose="020B0509040201040103" pitchFamily="49" charset="0"/>
+            </a:endParaRPr>
+          </a:p>
+          <a:p>
+            <a:r>
+              <a:rPr lang="ko-Kore-KR" altLang="en-US" dirty="0">
+                <a:latin typeface="DM Mono" panose="020B0509040201040103" pitchFamily="49" charset="0"/>
+              </a:rPr>
+              <a:t>};</a:t>
+            </a:r>
+            <a:endParaRPr lang="en-US" altLang="ko-Kore-KR" dirty="0">
+              <a:latin typeface="DM Mono" panose="020B0509040201040103" pitchFamily="49" charset="0"/>
+            </a:endParaRPr>
+          </a:p>
+          <a:p>
+            <a:endParaRPr lang="en-US" altLang="ko-Kore-KR" dirty="0">
+              <a:latin typeface="DM Mono" panose="020B0509040201040103" pitchFamily="49" charset="0"/>
+            </a:endParaRPr>
+          </a:p>
+          <a:p>
+            <a:endParaRPr lang="en-US" altLang="ko-Kore-KR" dirty="0">
+              <a:latin typeface="DM Mono" panose="020B0509040201040103" pitchFamily="49" charset="0"/>
+            </a:endParaRPr>
+          </a:p>
+          <a:p>
+            <a:endParaRPr lang="en-US" altLang="ko-Kore-KR" dirty="0">
+              <a:latin typeface="DM Mono" panose="020B0509040201040103" pitchFamily="49" charset="0"/>
+            </a:endParaRPr>
+          </a:p>
+          <a:p>
+            <a:r>
+              <a:rPr lang="en-US" altLang="ko-Kore-KR" dirty="0">
+                <a:latin typeface="DM Mono" panose="020B0509040201040103" pitchFamily="49" charset="0"/>
+              </a:rPr>
+              <a:t>Animal a;</a:t>
+            </a:r>
+          </a:p>
+          <a:p>
+            <a:r>
+              <a:rPr lang="en-US" altLang="ko-Kore-KR" dirty="0">
+                <a:latin typeface="DM Mono" panose="020B0509040201040103" pitchFamily="49" charset="0"/>
+              </a:rPr>
+              <a:t>Animal* p = &amp;a;</a:t>
+            </a:r>
+          </a:p>
+          <a:p>
+            <a:r>
+              <a:rPr lang="en-US" altLang="ko-Kore-KR" dirty="0">
+                <a:latin typeface="DM Mono" panose="020B0509040201040103" pitchFamily="49" charset="0"/>
+              </a:rPr>
+              <a:t>p-&gt;Go();</a:t>
+            </a:r>
+          </a:p>
+          <a:p>
+            <a:endParaRPr lang="ko-Kore-KR" altLang="en-US" dirty="0">
+              <a:latin typeface="DM Mono" panose="020B0509040201040103" pitchFamily="49" charset="0"/>
+            </a:endParaRPr>
+          </a:p>
+        </p:txBody>
+      </p:sp>
+      <p:sp>
+        <p:nvSpPr>
+          <p:cNvPr id="17" name="직사각형 16">
+            <a:extLst>
+              <a:ext uri="{FF2B5EF4-FFF2-40B4-BE49-F238E27FC236}">
+                <a16:creationId xmlns:a16="http://schemas.microsoft.com/office/drawing/2014/main" id="{E020C705-2875-0DAE-D39A-A756A4A3BA8B}"/>
+              </a:ext>
+            </a:extLst>
+          </p:cNvPr>
+          <p:cNvSpPr/>
+          <p:nvPr/>
+        </p:nvSpPr>
+        <p:spPr>
+          <a:xfrm>
+            <a:off x="6580782" y="4670704"/>
+            <a:ext cx="1019503" cy="451945"/>
+          </a:xfrm>
+          <a:prstGeom prst="rect">
+            <a:avLst/>
+          </a:prstGeom>
+          <a:solidFill>
+            <a:srgbClr val="FFFF00"/>
+          </a:solidFill>
+        </p:spPr>
+        <p:style>
+          <a:lnRef idx="2">
+            <a:schemeClr val="accent1">
+              <a:shade val="50000"/>
+            </a:schemeClr>
+          </a:lnRef>
+          <a:fillRef idx="1">
+            <a:schemeClr val="accent1"/>
+          </a:fillRef>
+          <a:effectRef idx="0">
+            <a:schemeClr val="accent1"/>
+          </a:effectRef>
+          <a:fontRef idx="minor">
+            <a:schemeClr val="lt1"/>
+          </a:fontRef>
+        </p:style>
+        <p:txBody>
+          <a:bodyPr rtlCol="0" anchor="ctr"/>
+          <a:lstStyle/>
+          <a:p>
+            <a:pPr algn="ctr"/>
+            <a:endParaRPr kumimoji="1" lang="ko-Kore-KR" altLang="en-US" dirty="0">
+              <a:solidFill>
+                <a:schemeClr val="tx1"/>
+              </a:solidFill>
+              <a:latin typeface="DM Mono" panose="020B0509040201040103" pitchFamily="49" charset="0"/>
+            </a:endParaRPr>
+          </a:p>
+        </p:txBody>
+      </p:sp>
+      <p:sp>
+        <p:nvSpPr>
+          <p:cNvPr id="18" name="TextBox 17">
+            <a:extLst>
+              <a:ext uri="{FF2B5EF4-FFF2-40B4-BE49-F238E27FC236}">
+                <a16:creationId xmlns:a16="http://schemas.microsoft.com/office/drawing/2014/main" id="{7F865831-83A6-339B-3AB4-4156A6D92B1D}"/>
+              </a:ext>
+            </a:extLst>
+          </p:cNvPr>
+          <p:cNvSpPr txBox="1"/>
+          <p:nvPr/>
+        </p:nvSpPr>
+        <p:spPr>
+          <a:xfrm>
+            <a:off x="5424355" y="4712010"/>
+            <a:ext cx="1156427" cy="369332"/>
+          </a:xfrm>
+          <a:prstGeom prst="rect">
+            <a:avLst/>
+          </a:prstGeom>
+          <a:noFill/>
+        </p:spPr>
+        <p:txBody>
+          <a:bodyPr wrap="square">
+            <a:spAutoFit/>
+          </a:bodyPr>
+          <a:lstStyle/>
+          <a:p>
+            <a:pPr algn="r"/>
+            <a:r>
+              <a:rPr lang="en-US" altLang="ko-Kore-KR" dirty="0">
+                <a:latin typeface="DM Mono" panose="020B0509040201040103" pitchFamily="49" charset="0"/>
+              </a:rPr>
+              <a:t>age</a:t>
+            </a:r>
+            <a:endParaRPr lang="ko-Kore-KR" altLang="en-US" dirty="0"/>
+          </a:p>
+        </p:txBody>
+      </p:sp>
+      <p:sp>
+        <p:nvSpPr>
+          <p:cNvPr id="19" name="TextBox 18">
+            <a:extLst>
+              <a:ext uri="{FF2B5EF4-FFF2-40B4-BE49-F238E27FC236}">
+                <a16:creationId xmlns:a16="http://schemas.microsoft.com/office/drawing/2014/main" id="{4405CC06-AE7A-68D4-713A-DD64E3DCBDF4}"/>
+              </a:ext>
+            </a:extLst>
+          </p:cNvPr>
+          <p:cNvSpPr txBox="1"/>
+          <p:nvPr/>
+        </p:nvSpPr>
+        <p:spPr>
+          <a:xfrm>
+            <a:off x="6367856" y="3786452"/>
+            <a:ext cx="1445353" cy="369332"/>
+          </a:xfrm>
+          <a:prstGeom prst="rect">
+            <a:avLst/>
+          </a:prstGeom>
+          <a:noFill/>
+        </p:spPr>
+        <p:txBody>
+          <a:bodyPr wrap="square">
+            <a:spAutoFit/>
+          </a:bodyPr>
+          <a:lstStyle/>
+          <a:p>
+            <a:pPr algn="ctr"/>
+            <a:r>
+              <a:rPr lang="en-US" altLang="ko-Kore-KR" dirty="0">
+                <a:latin typeface="DM Mono" panose="020B0509040201040103" pitchFamily="49" charset="0"/>
+              </a:rPr>
+              <a:t>Dog d</a:t>
+            </a:r>
+            <a:endParaRPr lang="ko-Kore-KR" altLang="en-US" dirty="0"/>
+          </a:p>
+        </p:txBody>
+      </p:sp>
+      <p:sp>
+        <p:nvSpPr>
+          <p:cNvPr id="20" name="직사각형 19">
+            <a:extLst>
+              <a:ext uri="{FF2B5EF4-FFF2-40B4-BE49-F238E27FC236}">
+                <a16:creationId xmlns:a16="http://schemas.microsoft.com/office/drawing/2014/main" id="{FF996783-B63E-36B5-9C7D-03D44DA24135}"/>
+              </a:ext>
+            </a:extLst>
+          </p:cNvPr>
+          <p:cNvSpPr/>
+          <p:nvPr/>
+        </p:nvSpPr>
+        <p:spPr>
+          <a:xfrm>
+            <a:off x="6580782" y="5118984"/>
+            <a:ext cx="1019503" cy="451945"/>
+          </a:xfrm>
+          <a:prstGeom prst="rect">
+            <a:avLst/>
+          </a:prstGeom>
+          <a:solidFill>
+            <a:srgbClr val="FFFF00"/>
+          </a:solidFill>
+        </p:spPr>
+        <p:style>
+          <a:lnRef idx="2">
+            <a:schemeClr val="accent1">
+              <a:shade val="50000"/>
+            </a:schemeClr>
+          </a:lnRef>
+          <a:fillRef idx="1">
+            <a:schemeClr val="accent1"/>
+          </a:fillRef>
+          <a:effectRef idx="0">
+            <a:schemeClr val="accent1"/>
+          </a:effectRef>
+          <a:fontRef idx="minor">
+            <a:schemeClr val="lt1"/>
+          </a:fontRef>
+        </p:style>
+        <p:txBody>
+          <a:bodyPr rtlCol="0" anchor="ctr"/>
+          <a:lstStyle/>
+          <a:p>
+            <a:pPr algn="ctr"/>
+            <a:endParaRPr kumimoji="1" lang="ko-Kore-KR" altLang="en-US" dirty="0">
+              <a:solidFill>
+                <a:schemeClr val="tx1"/>
+              </a:solidFill>
+              <a:latin typeface="DM Mono" panose="020B0509040201040103" pitchFamily="49" charset="0"/>
+            </a:endParaRPr>
+          </a:p>
+        </p:txBody>
+      </p:sp>
+      <p:sp>
+        <p:nvSpPr>
+          <p:cNvPr id="21" name="TextBox 20">
+            <a:extLst>
+              <a:ext uri="{FF2B5EF4-FFF2-40B4-BE49-F238E27FC236}">
+                <a16:creationId xmlns:a16="http://schemas.microsoft.com/office/drawing/2014/main" id="{52AD8F03-CD35-F082-4665-B463AEAECE28}"/>
+              </a:ext>
+            </a:extLst>
+          </p:cNvPr>
+          <p:cNvSpPr txBox="1"/>
+          <p:nvPr/>
+        </p:nvSpPr>
+        <p:spPr>
+          <a:xfrm>
+            <a:off x="5424355" y="5160290"/>
+            <a:ext cx="1156427" cy="369332"/>
+          </a:xfrm>
+          <a:prstGeom prst="rect">
+            <a:avLst/>
+          </a:prstGeom>
+          <a:noFill/>
+        </p:spPr>
+        <p:txBody>
+          <a:bodyPr wrap="square">
+            <a:spAutoFit/>
+          </a:bodyPr>
+          <a:lstStyle/>
+          <a:p>
+            <a:pPr algn="r"/>
+            <a:r>
+              <a:rPr lang="en-US" altLang="ko-Kore-KR" dirty="0">
+                <a:latin typeface="DM Mono" panose="020B0509040201040103" pitchFamily="49" charset="0"/>
+              </a:rPr>
+              <a:t>color</a:t>
+            </a:r>
+            <a:endParaRPr lang="ko-Kore-KR" altLang="en-US" dirty="0"/>
+          </a:p>
+        </p:txBody>
+      </p:sp>
+      <p:sp>
+        <p:nvSpPr>
+          <p:cNvPr id="24" name="직사각형 23">
+            <a:extLst>
+              <a:ext uri="{FF2B5EF4-FFF2-40B4-BE49-F238E27FC236}">
+                <a16:creationId xmlns:a16="http://schemas.microsoft.com/office/drawing/2014/main" id="{002122DE-D2BD-B386-CB86-9ED634E845B0}"/>
+              </a:ext>
+            </a:extLst>
+          </p:cNvPr>
+          <p:cNvSpPr/>
+          <p:nvPr/>
+        </p:nvSpPr>
+        <p:spPr>
+          <a:xfrm>
+            <a:off x="6580782" y="5565704"/>
+            <a:ext cx="1019503" cy="451945"/>
+          </a:xfrm>
+          <a:prstGeom prst="rect">
+            <a:avLst/>
+          </a:prstGeom>
+          <a:solidFill>
+            <a:srgbClr val="FFFF00"/>
+          </a:solidFill>
+        </p:spPr>
+        <p:style>
+          <a:lnRef idx="2">
+            <a:schemeClr val="accent1">
+              <a:shade val="50000"/>
+            </a:schemeClr>
+          </a:lnRef>
+          <a:fillRef idx="1">
+            <a:schemeClr val="accent1"/>
+          </a:fillRef>
+          <a:effectRef idx="0">
+            <a:schemeClr val="accent1"/>
+          </a:effectRef>
+          <a:fontRef idx="minor">
+            <a:schemeClr val="lt1"/>
+          </a:fontRef>
+        </p:style>
+        <p:txBody>
+          <a:bodyPr rtlCol="0" anchor="ctr"/>
+          <a:lstStyle/>
+          <a:p>
+            <a:pPr algn="ctr"/>
+            <a:endParaRPr kumimoji="1" lang="ko-Kore-KR" altLang="en-US" dirty="0">
+              <a:solidFill>
+                <a:schemeClr val="tx1"/>
+              </a:solidFill>
+              <a:latin typeface="DM Mono" panose="020B0509040201040103" pitchFamily="49" charset="0"/>
+            </a:endParaRPr>
+          </a:p>
+        </p:txBody>
+      </p:sp>
+      <p:sp>
+        <p:nvSpPr>
+          <p:cNvPr id="25" name="TextBox 24">
+            <a:extLst>
+              <a:ext uri="{FF2B5EF4-FFF2-40B4-BE49-F238E27FC236}">
+                <a16:creationId xmlns:a16="http://schemas.microsoft.com/office/drawing/2014/main" id="{9A0D5CD0-9A77-6CAA-5B51-C8C306C18EF2}"/>
+              </a:ext>
+            </a:extLst>
+          </p:cNvPr>
+          <p:cNvSpPr txBox="1"/>
+          <p:nvPr/>
+        </p:nvSpPr>
+        <p:spPr>
+          <a:xfrm>
+            <a:off x="5424355" y="5607010"/>
+            <a:ext cx="1156427" cy="369332"/>
+          </a:xfrm>
+          <a:prstGeom prst="rect">
+            <a:avLst/>
+          </a:prstGeom>
+          <a:noFill/>
+        </p:spPr>
+        <p:txBody>
+          <a:bodyPr wrap="square">
+            <a:spAutoFit/>
+          </a:bodyPr>
+          <a:lstStyle/>
+          <a:p>
+            <a:pPr algn="r"/>
+            <a:r>
+              <a:rPr lang="en-US" altLang="ko-Kore-KR" dirty="0">
+                <a:latin typeface="DM Mono" panose="020B0509040201040103" pitchFamily="49" charset="0"/>
+              </a:rPr>
+              <a:t>speed</a:t>
+            </a:r>
+            <a:endParaRPr lang="ko-Kore-KR" altLang="en-US" dirty="0"/>
+          </a:p>
+        </p:txBody>
+      </p:sp>
+      <p:sp>
+        <p:nvSpPr>
+          <p:cNvPr id="2" name="직사각형 1">
+            <a:extLst>
+              <a:ext uri="{FF2B5EF4-FFF2-40B4-BE49-F238E27FC236}">
+                <a16:creationId xmlns:a16="http://schemas.microsoft.com/office/drawing/2014/main" id="{84D10F38-18C5-210C-769D-16013FB18F84}"/>
+              </a:ext>
+            </a:extLst>
+          </p:cNvPr>
+          <p:cNvSpPr/>
+          <p:nvPr/>
+        </p:nvSpPr>
+        <p:spPr>
+          <a:xfrm>
+            <a:off x="6674214" y="1616657"/>
+            <a:ext cx="1019503" cy="451945"/>
+          </a:xfrm>
+          <a:prstGeom prst="rect">
+            <a:avLst/>
+          </a:prstGeom>
+          <a:solidFill>
+            <a:srgbClr val="FFFF00"/>
+          </a:solidFill>
+        </p:spPr>
+        <p:style>
+          <a:lnRef idx="2">
+            <a:schemeClr val="accent1">
+              <a:shade val="50000"/>
+            </a:schemeClr>
+          </a:lnRef>
+          <a:fillRef idx="1">
+            <a:schemeClr val="accent1"/>
+          </a:fillRef>
+          <a:effectRef idx="0">
+            <a:schemeClr val="accent1"/>
+          </a:effectRef>
+          <a:fontRef idx="minor">
+            <a:schemeClr val="lt1"/>
+          </a:fontRef>
+        </p:style>
+        <p:txBody>
+          <a:bodyPr rtlCol="0" anchor="ctr"/>
+          <a:lstStyle/>
+          <a:p>
+            <a:pPr algn="ctr"/>
+            <a:endParaRPr kumimoji="1" lang="ko-Kore-KR" altLang="en-US" dirty="0">
+              <a:solidFill>
+                <a:schemeClr val="tx1"/>
+              </a:solidFill>
+              <a:latin typeface="DM Mono" panose="020B0509040201040103" pitchFamily="49" charset="0"/>
+            </a:endParaRPr>
+          </a:p>
+        </p:txBody>
+      </p:sp>
+      <p:sp>
+        <p:nvSpPr>
+          <p:cNvPr id="3" name="TextBox 2">
+            <a:extLst>
+              <a:ext uri="{FF2B5EF4-FFF2-40B4-BE49-F238E27FC236}">
+                <a16:creationId xmlns:a16="http://schemas.microsoft.com/office/drawing/2014/main" id="{FC2F57A3-4888-3C82-FF01-EC758BF79867}"/>
+              </a:ext>
+            </a:extLst>
+          </p:cNvPr>
+          <p:cNvSpPr txBox="1"/>
+          <p:nvPr/>
+        </p:nvSpPr>
+        <p:spPr>
+          <a:xfrm>
+            <a:off x="5517787" y="1657963"/>
+            <a:ext cx="1156427" cy="369332"/>
+          </a:xfrm>
+          <a:prstGeom prst="rect">
+            <a:avLst/>
+          </a:prstGeom>
+          <a:noFill/>
+        </p:spPr>
+        <p:txBody>
+          <a:bodyPr wrap="square">
+            <a:spAutoFit/>
+          </a:bodyPr>
+          <a:lstStyle/>
+          <a:p>
+            <a:pPr algn="r"/>
+            <a:r>
+              <a:rPr lang="en-US" altLang="ko-Kore-KR" dirty="0">
+                <a:latin typeface="DM Mono" panose="020B0509040201040103" pitchFamily="49" charset="0"/>
+              </a:rPr>
+              <a:t>age</a:t>
+            </a:r>
+            <a:endParaRPr lang="ko-Kore-KR" altLang="en-US" dirty="0"/>
+          </a:p>
+        </p:txBody>
+      </p:sp>
+      <p:sp>
+        <p:nvSpPr>
+          <p:cNvPr id="4" name="직사각형 3">
+            <a:extLst>
+              <a:ext uri="{FF2B5EF4-FFF2-40B4-BE49-F238E27FC236}">
+                <a16:creationId xmlns:a16="http://schemas.microsoft.com/office/drawing/2014/main" id="{C71B223F-A5BD-3780-C63C-111710529890}"/>
+              </a:ext>
+            </a:extLst>
+          </p:cNvPr>
+          <p:cNvSpPr/>
+          <p:nvPr/>
+        </p:nvSpPr>
+        <p:spPr>
+          <a:xfrm>
+            <a:off x="6580782" y="4220591"/>
+            <a:ext cx="1019503" cy="451945"/>
+          </a:xfrm>
+          <a:prstGeom prst="rect">
+            <a:avLst/>
+          </a:prstGeom>
+          <a:solidFill>
+            <a:srgbClr val="92D050"/>
+          </a:solidFill>
+        </p:spPr>
+        <p:style>
+          <a:lnRef idx="2">
+            <a:schemeClr val="accent1">
+              <a:shade val="50000"/>
+            </a:schemeClr>
+          </a:lnRef>
+          <a:fillRef idx="1">
+            <a:schemeClr val="accent1"/>
+          </a:fillRef>
+          <a:effectRef idx="0">
+            <a:schemeClr val="accent1"/>
+          </a:effectRef>
+          <a:fontRef idx="minor">
+            <a:schemeClr val="lt1"/>
+          </a:fontRef>
+        </p:style>
+        <p:txBody>
+          <a:bodyPr rtlCol="0" anchor="ctr"/>
+          <a:lstStyle/>
+          <a:p>
+            <a:pPr algn="ctr"/>
+            <a:endParaRPr kumimoji="1" lang="ko-Kore-KR" altLang="en-US" dirty="0">
+              <a:solidFill>
+                <a:schemeClr val="tx1"/>
+              </a:solidFill>
+              <a:latin typeface="DM Mono" panose="020B0509040201040103" pitchFamily="49" charset="0"/>
+            </a:endParaRPr>
+          </a:p>
+        </p:txBody>
+      </p:sp>
+      <p:sp>
+        <p:nvSpPr>
+          <p:cNvPr id="5" name="TextBox 4">
+            <a:extLst>
+              <a:ext uri="{FF2B5EF4-FFF2-40B4-BE49-F238E27FC236}">
+                <a16:creationId xmlns:a16="http://schemas.microsoft.com/office/drawing/2014/main" id="{9A69B426-D23A-826F-C514-644900B3C8C9}"/>
+              </a:ext>
+            </a:extLst>
+          </p:cNvPr>
+          <p:cNvSpPr txBox="1"/>
+          <p:nvPr/>
+        </p:nvSpPr>
+        <p:spPr>
+          <a:xfrm>
+            <a:off x="5424355" y="4261897"/>
+            <a:ext cx="1156427" cy="369332"/>
+          </a:xfrm>
+          <a:prstGeom prst="rect">
+            <a:avLst/>
+          </a:prstGeom>
+          <a:noFill/>
+        </p:spPr>
+        <p:txBody>
+          <a:bodyPr wrap="square">
+            <a:spAutoFit/>
+          </a:bodyPr>
+          <a:lstStyle/>
+          <a:p>
+            <a:pPr algn="r"/>
+            <a:r>
+              <a:rPr lang="en-US" altLang="ko-Kore-KR" dirty="0">
+                <a:latin typeface="DM Mono" panose="020B0509040201040103" pitchFamily="49" charset="0"/>
+              </a:rPr>
+              <a:t>__</a:t>
+            </a:r>
+            <a:r>
+              <a:rPr lang="en-US" altLang="ko-Kore-KR" dirty="0" err="1">
+                <a:latin typeface="DM Mono" panose="020B0509040201040103" pitchFamily="49" charset="0"/>
+              </a:rPr>
+              <a:t>vftp</a:t>
+            </a:r>
+            <a:endParaRPr lang="ko-Kore-KR" altLang="en-US" dirty="0"/>
+          </a:p>
+        </p:txBody>
+      </p:sp>
+      <p:sp>
+        <p:nvSpPr>
+          <p:cNvPr id="7" name="직사각형 6">
+            <a:extLst>
+              <a:ext uri="{FF2B5EF4-FFF2-40B4-BE49-F238E27FC236}">
+                <a16:creationId xmlns:a16="http://schemas.microsoft.com/office/drawing/2014/main" id="{A5D30574-9B04-F47A-EBF1-9BC27D6829AA}"/>
+              </a:ext>
+            </a:extLst>
+          </p:cNvPr>
+          <p:cNvSpPr/>
+          <p:nvPr/>
+        </p:nvSpPr>
+        <p:spPr>
+          <a:xfrm>
+            <a:off x="9543935" y="840351"/>
+            <a:ext cx="1937823" cy="451945"/>
+          </a:xfrm>
+          <a:prstGeom prst="rect">
+            <a:avLst/>
+          </a:prstGeom>
+          <a:solidFill>
+            <a:srgbClr val="FFFF00"/>
+          </a:solidFill>
+        </p:spPr>
+        <p:style>
+          <a:lnRef idx="2">
+            <a:schemeClr val="accent1">
+              <a:shade val="50000"/>
+            </a:schemeClr>
+          </a:lnRef>
+          <a:fillRef idx="1">
+            <a:schemeClr val="accent1"/>
+          </a:fillRef>
+          <a:effectRef idx="0">
+            <a:schemeClr val="accent1"/>
+          </a:effectRef>
+          <a:fontRef idx="minor">
+            <a:schemeClr val="lt1"/>
+          </a:fontRef>
+        </p:style>
+        <p:txBody>
+          <a:bodyPr rtlCol="0" anchor="ctr"/>
+          <a:lstStyle/>
+          <a:p>
+            <a:pPr algn="ctr"/>
+            <a:r>
+              <a:rPr kumimoji="1" lang="en-US" altLang="ko-Kore-KR" sz="1600" dirty="0">
+                <a:solidFill>
+                  <a:schemeClr val="tx1"/>
+                </a:solidFill>
+                <a:latin typeface="DM Mono" panose="020B0509040201040103" pitchFamily="49" charset="0"/>
+              </a:rPr>
+              <a:t>Animal::Go</a:t>
+            </a:r>
+            <a:endParaRPr kumimoji="1" lang="ko-Kore-KR" altLang="en-US" sz="1600" dirty="0">
+              <a:solidFill>
+                <a:schemeClr val="tx1"/>
+              </a:solidFill>
+              <a:latin typeface="DM Mono" panose="020B0509040201040103" pitchFamily="49" charset="0"/>
+            </a:endParaRPr>
+          </a:p>
+        </p:txBody>
+      </p:sp>
+      <p:sp>
+        <p:nvSpPr>
+          <p:cNvPr id="8" name="TextBox 7">
+            <a:extLst>
+              <a:ext uri="{FF2B5EF4-FFF2-40B4-BE49-F238E27FC236}">
+                <a16:creationId xmlns:a16="http://schemas.microsoft.com/office/drawing/2014/main" id="{95DD0609-B294-1EF3-85A5-F8E8FD251B51}"/>
+              </a:ext>
+            </a:extLst>
+          </p:cNvPr>
+          <p:cNvSpPr txBox="1"/>
+          <p:nvPr/>
+        </p:nvSpPr>
+        <p:spPr>
+          <a:xfrm>
+            <a:off x="8387508" y="881657"/>
+            <a:ext cx="1156427" cy="369332"/>
+          </a:xfrm>
+          <a:prstGeom prst="rect">
+            <a:avLst/>
+          </a:prstGeom>
+          <a:noFill/>
+        </p:spPr>
+        <p:txBody>
+          <a:bodyPr wrap="square">
+            <a:spAutoFit/>
+          </a:bodyPr>
+          <a:lstStyle/>
+          <a:p>
+            <a:pPr algn="r"/>
+            <a:r>
+              <a:rPr lang="en-US" altLang="ko-Kore-KR" dirty="0">
+                <a:latin typeface="DM Mono" panose="020B0509040201040103" pitchFamily="49" charset="0"/>
+              </a:rPr>
+              <a:t>0</a:t>
+            </a:r>
+            <a:endParaRPr lang="ko-Kore-KR" altLang="en-US" dirty="0"/>
+          </a:p>
+        </p:txBody>
+      </p:sp>
+      <p:sp>
+        <p:nvSpPr>
+          <p:cNvPr id="14" name="TextBox 13">
+            <a:extLst>
+              <a:ext uri="{FF2B5EF4-FFF2-40B4-BE49-F238E27FC236}">
+                <a16:creationId xmlns:a16="http://schemas.microsoft.com/office/drawing/2014/main" id="{B9F58CB8-CF89-0432-8450-59F2F228C2A0}"/>
+              </a:ext>
+            </a:extLst>
+          </p:cNvPr>
+          <p:cNvSpPr txBox="1"/>
+          <p:nvPr/>
+        </p:nvSpPr>
+        <p:spPr>
+          <a:xfrm>
+            <a:off x="9790169" y="471019"/>
+            <a:ext cx="1445353" cy="369332"/>
+          </a:xfrm>
+          <a:prstGeom prst="rect">
+            <a:avLst/>
+          </a:prstGeom>
+          <a:noFill/>
+        </p:spPr>
+        <p:txBody>
+          <a:bodyPr wrap="square">
+            <a:spAutoFit/>
+          </a:bodyPr>
+          <a:lstStyle/>
+          <a:p>
+            <a:pPr algn="ctr"/>
+            <a:r>
+              <a:rPr lang="en-US" altLang="ko-Kore-KR" dirty="0">
+                <a:latin typeface="DM Mono" panose="020B0509040201040103" pitchFamily="49" charset="0"/>
+              </a:rPr>
+              <a:t>Animal VT</a:t>
+            </a:r>
+            <a:endParaRPr lang="ko-Kore-KR" altLang="en-US" dirty="0"/>
+          </a:p>
+        </p:txBody>
+      </p:sp>
+      <p:cxnSp>
+        <p:nvCxnSpPr>
+          <p:cNvPr id="22" name="구부러진 연결선[U] 21">
+            <a:extLst>
+              <a:ext uri="{FF2B5EF4-FFF2-40B4-BE49-F238E27FC236}">
+                <a16:creationId xmlns:a16="http://schemas.microsoft.com/office/drawing/2014/main" id="{ED894A7B-2A68-B36D-A714-FE56C496CF1A}"/>
+              </a:ext>
+            </a:extLst>
+          </p:cNvPr>
+          <p:cNvCxnSpPr>
+            <a:endCxn id="14" idx="1"/>
+          </p:cNvCxnSpPr>
+          <p:nvPr/>
+        </p:nvCxnSpPr>
+        <p:spPr>
+          <a:xfrm flipV="1">
+            <a:off x="7435970" y="655685"/>
+            <a:ext cx="2354199" cy="759317"/>
+          </a:xfrm>
+          <a:prstGeom prst="curvedConnector3">
+            <a:avLst/>
+          </a:prstGeom>
+          <a:ln>
+            <a:tailEnd type="triangle"/>
+          </a:ln>
+        </p:spPr>
+        <p:style>
+          <a:lnRef idx="1">
+            <a:schemeClr val="dk1"/>
+          </a:lnRef>
+          <a:fillRef idx="0">
+            <a:schemeClr val="dk1"/>
+          </a:fillRef>
+          <a:effectRef idx="0">
+            <a:schemeClr val="dk1"/>
+          </a:effectRef>
+          <a:fontRef idx="minor">
+            <a:schemeClr val="tx1"/>
+          </a:fontRef>
+        </p:style>
+      </p:cxnSp>
+      <p:sp>
+        <p:nvSpPr>
+          <p:cNvPr id="23" name="직사각형 22">
+            <a:extLst>
+              <a:ext uri="{FF2B5EF4-FFF2-40B4-BE49-F238E27FC236}">
+                <a16:creationId xmlns:a16="http://schemas.microsoft.com/office/drawing/2014/main" id="{C2A3FC68-4BD9-FAEA-34A6-D88A6C06CB36}"/>
+              </a:ext>
+            </a:extLst>
+          </p:cNvPr>
+          <p:cNvSpPr/>
+          <p:nvPr/>
+        </p:nvSpPr>
+        <p:spPr>
+          <a:xfrm>
+            <a:off x="9543935" y="4284529"/>
+            <a:ext cx="1937823" cy="451945"/>
+          </a:xfrm>
+          <a:prstGeom prst="rect">
+            <a:avLst/>
+          </a:prstGeom>
+          <a:solidFill>
+            <a:srgbClr val="FFFF00"/>
+          </a:solidFill>
+        </p:spPr>
+        <p:style>
+          <a:lnRef idx="2">
+            <a:schemeClr val="accent1">
+              <a:shade val="50000"/>
+            </a:schemeClr>
+          </a:lnRef>
+          <a:fillRef idx="1">
+            <a:schemeClr val="accent1"/>
+          </a:fillRef>
+          <a:effectRef idx="0">
+            <a:schemeClr val="accent1"/>
+          </a:effectRef>
+          <a:fontRef idx="minor">
+            <a:schemeClr val="lt1"/>
+          </a:fontRef>
+        </p:style>
+        <p:txBody>
+          <a:bodyPr rtlCol="0" anchor="ctr"/>
+          <a:lstStyle/>
+          <a:p>
+            <a:pPr algn="ctr"/>
+            <a:r>
+              <a:rPr kumimoji="1" lang="en-US" altLang="ko-Kore-KR" sz="1600" dirty="0">
+                <a:solidFill>
+                  <a:srgbClr val="FF0000"/>
+                </a:solidFill>
+                <a:latin typeface="DM Mono" panose="020B0509040201040103" pitchFamily="49" charset="0"/>
+              </a:rPr>
+              <a:t>Dog::Go</a:t>
+            </a:r>
+            <a:endParaRPr kumimoji="1" lang="ko-Kore-KR" altLang="en-US" sz="1600" dirty="0">
+              <a:solidFill>
+                <a:srgbClr val="FF0000"/>
+              </a:solidFill>
+              <a:latin typeface="DM Mono" panose="020B0509040201040103" pitchFamily="49" charset="0"/>
+            </a:endParaRPr>
+          </a:p>
+        </p:txBody>
+      </p:sp>
+      <p:sp>
+        <p:nvSpPr>
+          <p:cNvPr id="26" name="TextBox 25">
+            <a:extLst>
+              <a:ext uri="{FF2B5EF4-FFF2-40B4-BE49-F238E27FC236}">
+                <a16:creationId xmlns:a16="http://schemas.microsoft.com/office/drawing/2014/main" id="{7E7571D9-6981-EF60-1012-BBC27E02AD65}"/>
+              </a:ext>
+            </a:extLst>
+          </p:cNvPr>
+          <p:cNvSpPr txBox="1"/>
+          <p:nvPr/>
+        </p:nvSpPr>
+        <p:spPr>
+          <a:xfrm>
+            <a:off x="8387508" y="4325835"/>
+            <a:ext cx="1156427" cy="369332"/>
+          </a:xfrm>
+          <a:prstGeom prst="rect">
+            <a:avLst/>
+          </a:prstGeom>
+          <a:noFill/>
+        </p:spPr>
+        <p:txBody>
+          <a:bodyPr wrap="square">
+            <a:spAutoFit/>
+          </a:bodyPr>
+          <a:lstStyle/>
+          <a:p>
+            <a:pPr algn="r"/>
+            <a:r>
+              <a:rPr lang="en-US" altLang="ko-Kore-KR" dirty="0">
+                <a:latin typeface="DM Mono" panose="020B0509040201040103" pitchFamily="49" charset="0"/>
+              </a:rPr>
+              <a:t>0</a:t>
+            </a:r>
+            <a:endParaRPr lang="ko-Kore-KR" altLang="en-US" dirty="0"/>
+          </a:p>
+        </p:txBody>
+      </p:sp>
+      <p:sp>
+        <p:nvSpPr>
+          <p:cNvPr id="27" name="TextBox 26">
+            <a:extLst>
+              <a:ext uri="{FF2B5EF4-FFF2-40B4-BE49-F238E27FC236}">
+                <a16:creationId xmlns:a16="http://schemas.microsoft.com/office/drawing/2014/main" id="{BCB70C61-4537-DFC6-DB73-57C83A8B8A15}"/>
+              </a:ext>
+            </a:extLst>
+          </p:cNvPr>
+          <p:cNvSpPr txBox="1"/>
+          <p:nvPr/>
+        </p:nvSpPr>
+        <p:spPr>
+          <a:xfrm>
+            <a:off x="9790169" y="3915197"/>
+            <a:ext cx="1445353" cy="369332"/>
+          </a:xfrm>
+          <a:prstGeom prst="rect">
+            <a:avLst/>
+          </a:prstGeom>
+          <a:noFill/>
+        </p:spPr>
+        <p:txBody>
+          <a:bodyPr wrap="square">
+            <a:spAutoFit/>
+          </a:bodyPr>
+          <a:lstStyle/>
+          <a:p>
+            <a:pPr algn="ctr"/>
+            <a:r>
+              <a:rPr lang="en-US" altLang="ko-Kore-KR" dirty="0">
+                <a:latin typeface="DM Mono" panose="020B0509040201040103" pitchFamily="49" charset="0"/>
+              </a:rPr>
+              <a:t>Dog VT</a:t>
+            </a:r>
+            <a:endParaRPr lang="ko-Kore-KR" altLang="en-US" dirty="0"/>
+          </a:p>
+        </p:txBody>
+      </p:sp>
+      <p:cxnSp>
+        <p:nvCxnSpPr>
+          <p:cNvPr id="28" name="구부러진 연결선[U] 27">
+            <a:extLst>
+              <a:ext uri="{FF2B5EF4-FFF2-40B4-BE49-F238E27FC236}">
+                <a16:creationId xmlns:a16="http://schemas.microsoft.com/office/drawing/2014/main" id="{B062A737-4E5C-FAC5-E171-7B9F61DA903B}"/>
+              </a:ext>
+            </a:extLst>
+          </p:cNvPr>
+          <p:cNvCxnSpPr>
+            <a:cxnSpLocks/>
+            <a:endCxn id="27" idx="1"/>
+          </p:cNvCxnSpPr>
+          <p:nvPr/>
+        </p:nvCxnSpPr>
+        <p:spPr>
+          <a:xfrm flipV="1">
+            <a:off x="7342538" y="4099863"/>
+            <a:ext cx="2447631" cy="340189"/>
+          </a:xfrm>
+          <a:prstGeom prst="curvedConnector3">
+            <a:avLst/>
+          </a:prstGeom>
+          <a:ln>
+            <a:tailEnd type="triangle"/>
+          </a:ln>
+        </p:spPr>
+        <p:style>
+          <a:lnRef idx="1">
+            <a:schemeClr val="dk1"/>
+          </a:lnRef>
+          <a:fillRef idx="0">
+            <a:schemeClr val="dk1"/>
+          </a:fillRef>
+          <a:effectRef idx="0">
+            <a:schemeClr val="dk1"/>
+          </a:effectRef>
+          <a:fontRef idx="minor">
+            <a:schemeClr val="tx1"/>
+          </a:fontRef>
+        </p:style>
+      </p:cxnSp>
+      <p:sp>
+        <p:nvSpPr>
+          <p:cNvPr id="33" name="직사각형 32">
+            <a:extLst>
+              <a:ext uri="{FF2B5EF4-FFF2-40B4-BE49-F238E27FC236}">
+                <a16:creationId xmlns:a16="http://schemas.microsoft.com/office/drawing/2014/main" id="{4A6D7437-11F8-8B91-8362-F4CC8168CEE4}"/>
+              </a:ext>
+            </a:extLst>
+          </p:cNvPr>
+          <p:cNvSpPr/>
+          <p:nvPr/>
+        </p:nvSpPr>
+        <p:spPr>
+          <a:xfrm>
+            <a:off x="6674214" y="2350030"/>
+            <a:ext cx="1019503" cy="451945"/>
+          </a:xfrm>
+          <a:prstGeom prst="rect">
+            <a:avLst/>
+          </a:prstGeom>
+          <a:solidFill>
+            <a:srgbClr val="92D050"/>
+          </a:solidFill>
+        </p:spPr>
+        <p:style>
+          <a:lnRef idx="2">
+            <a:schemeClr val="accent1">
+              <a:shade val="50000"/>
+            </a:schemeClr>
+          </a:lnRef>
+          <a:fillRef idx="1">
+            <a:schemeClr val="accent1"/>
+          </a:fillRef>
+          <a:effectRef idx="0">
+            <a:schemeClr val="accent1"/>
+          </a:effectRef>
+          <a:fontRef idx="minor">
+            <a:schemeClr val="lt1"/>
+          </a:fontRef>
+        </p:style>
+        <p:txBody>
+          <a:bodyPr rtlCol="0" anchor="ctr"/>
+          <a:lstStyle/>
+          <a:p>
+            <a:pPr algn="ctr"/>
+            <a:endParaRPr kumimoji="1" lang="ko-Kore-KR" altLang="en-US" dirty="0">
+              <a:solidFill>
+                <a:schemeClr val="tx1"/>
+              </a:solidFill>
+              <a:latin typeface="DM Mono" panose="020B0509040201040103" pitchFamily="49" charset="0"/>
+            </a:endParaRPr>
+          </a:p>
+        </p:txBody>
+      </p:sp>
+      <p:sp>
+        <p:nvSpPr>
+          <p:cNvPr id="34" name="TextBox 33">
+            <a:extLst>
+              <a:ext uri="{FF2B5EF4-FFF2-40B4-BE49-F238E27FC236}">
+                <a16:creationId xmlns:a16="http://schemas.microsoft.com/office/drawing/2014/main" id="{04511035-21E4-975A-B073-6EF96CDDD592}"/>
+              </a:ext>
+            </a:extLst>
+          </p:cNvPr>
+          <p:cNvSpPr txBox="1"/>
+          <p:nvPr/>
+        </p:nvSpPr>
+        <p:spPr>
+          <a:xfrm>
+            <a:off x="5517787" y="2391336"/>
+            <a:ext cx="1156427" cy="369332"/>
+          </a:xfrm>
+          <a:prstGeom prst="rect">
+            <a:avLst/>
+          </a:prstGeom>
+          <a:noFill/>
+        </p:spPr>
+        <p:txBody>
+          <a:bodyPr wrap="square">
+            <a:spAutoFit/>
+          </a:bodyPr>
+          <a:lstStyle/>
+          <a:p>
+            <a:pPr algn="r"/>
+            <a:r>
+              <a:rPr lang="en-US" altLang="ko-Kore-KR" dirty="0">
+                <a:latin typeface="DM Mono" panose="020B0509040201040103" pitchFamily="49" charset="0"/>
+              </a:rPr>
+              <a:t>__</a:t>
+            </a:r>
+            <a:r>
+              <a:rPr lang="en-US" altLang="ko-Kore-KR" dirty="0" err="1">
+                <a:latin typeface="DM Mono" panose="020B0509040201040103" pitchFamily="49" charset="0"/>
+              </a:rPr>
+              <a:t>vftp</a:t>
+            </a:r>
+            <a:endParaRPr lang="ko-Kore-KR" altLang="en-US" dirty="0"/>
+          </a:p>
+        </p:txBody>
+      </p:sp>
+      <p:sp>
+        <p:nvSpPr>
+          <p:cNvPr id="35" name="직사각형 34">
+            <a:extLst>
+              <a:ext uri="{FF2B5EF4-FFF2-40B4-BE49-F238E27FC236}">
+                <a16:creationId xmlns:a16="http://schemas.microsoft.com/office/drawing/2014/main" id="{577AB3AF-E09D-F413-55D5-68F9EF85190B}"/>
+              </a:ext>
+            </a:extLst>
+          </p:cNvPr>
+          <p:cNvSpPr/>
+          <p:nvPr/>
+        </p:nvSpPr>
+        <p:spPr>
+          <a:xfrm>
+            <a:off x="6674214" y="2777657"/>
+            <a:ext cx="1019503" cy="451945"/>
+          </a:xfrm>
+          <a:prstGeom prst="rect">
+            <a:avLst/>
+          </a:prstGeom>
+          <a:solidFill>
+            <a:srgbClr val="FFFF00"/>
+          </a:solidFill>
+        </p:spPr>
+        <p:style>
+          <a:lnRef idx="2">
+            <a:schemeClr val="accent1">
+              <a:shade val="50000"/>
+            </a:schemeClr>
+          </a:lnRef>
+          <a:fillRef idx="1">
+            <a:schemeClr val="accent1"/>
+          </a:fillRef>
+          <a:effectRef idx="0">
+            <a:schemeClr val="accent1"/>
+          </a:effectRef>
+          <a:fontRef idx="minor">
+            <a:schemeClr val="lt1"/>
+          </a:fontRef>
+        </p:style>
+        <p:txBody>
+          <a:bodyPr rtlCol="0" anchor="ctr"/>
+          <a:lstStyle/>
+          <a:p>
+            <a:pPr algn="ctr"/>
+            <a:endParaRPr kumimoji="1" lang="ko-Kore-KR" altLang="en-US" dirty="0">
+              <a:solidFill>
+                <a:schemeClr val="tx1"/>
+              </a:solidFill>
+              <a:latin typeface="DM Mono" panose="020B0509040201040103" pitchFamily="49" charset="0"/>
+            </a:endParaRPr>
+          </a:p>
+        </p:txBody>
+      </p:sp>
+      <p:sp>
+        <p:nvSpPr>
+          <p:cNvPr id="36" name="TextBox 35">
+            <a:extLst>
+              <a:ext uri="{FF2B5EF4-FFF2-40B4-BE49-F238E27FC236}">
+                <a16:creationId xmlns:a16="http://schemas.microsoft.com/office/drawing/2014/main" id="{09FC1274-0225-6D32-4737-54D59942F8A9}"/>
+              </a:ext>
+            </a:extLst>
+          </p:cNvPr>
+          <p:cNvSpPr txBox="1"/>
+          <p:nvPr/>
+        </p:nvSpPr>
+        <p:spPr>
+          <a:xfrm>
+            <a:off x="5517787" y="2818963"/>
+            <a:ext cx="1156427" cy="369332"/>
+          </a:xfrm>
+          <a:prstGeom prst="rect">
+            <a:avLst/>
+          </a:prstGeom>
+          <a:noFill/>
+        </p:spPr>
+        <p:txBody>
+          <a:bodyPr wrap="square">
+            <a:spAutoFit/>
+          </a:bodyPr>
+          <a:lstStyle/>
+          <a:p>
+            <a:pPr algn="r"/>
+            <a:r>
+              <a:rPr lang="en-US" altLang="ko-Kore-KR" dirty="0">
+                <a:latin typeface="DM Mono" panose="020B0509040201040103" pitchFamily="49" charset="0"/>
+              </a:rPr>
+              <a:t>age</a:t>
+            </a:r>
+            <a:endParaRPr lang="ko-Kore-KR" altLang="en-US" dirty="0"/>
+          </a:p>
+        </p:txBody>
+      </p:sp>
+      <p:cxnSp>
+        <p:nvCxnSpPr>
+          <p:cNvPr id="37" name="구부러진 연결선[U] 36">
+            <a:extLst>
+              <a:ext uri="{FF2B5EF4-FFF2-40B4-BE49-F238E27FC236}">
+                <a16:creationId xmlns:a16="http://schemas.microsoft.com/office/drawing/2014/main" id="{D977E226-4B67-F000-FF76-165BA3885EAB}"/>
+              </a:ext>
+            </a:extLst>
+          </p:cNvPr>
+          <p:cNvCxnSpPr>
+            <a:cxnSpLocks/>
+            <a:endCxn id="14" idx="1"/>
+          </p:cNvCxnSpPr>
+          <p:nvPr/>
+        </p:nvCxnSpPr>
+        <p:spPr>
+          <a:xfrm flipV="1">
+            <a:off x="7435970" y="655685"/>
+            <a:ext cx="2354199" cy="1863030"/>
+          </a:xfrm>
+          <a:prstGeom prst="curvedConnector3">
+            <a:avLst/>
+          </a:prstGeom>
+          <a:ln>
+            <a:tailEnd type="triangle"/>
+          </a:ln>
+        </p:spPr>
+        <p:style>
+          <a:lnRef idx="1">
+            <a:schemeClr val="dk1"/>
+          </a:lnRef>
+          <a:fillRef idx="0">
+            <a:schemeClr val="dk1"/>
+          </a:fillRef>
+          <a:effectRef idx="0">
+            <a:schemeClr val="dk1"/>
+          </a:effectRef>
+          <a:fontRef idx="minor">
+            <a:schemeClr val="tx1"/>
+          </a:fontRef>
+        </p:style>
+      </p:cxnSp>
+      <p:sp>
+        <p:nvSpPr>
+          <p:cNvPr id="6" name="직사각형 5">
+            <a:extLst>
+              <a:ext uri="{FF2B5EF4-FFF2-40B4-BE49-F238E27FC236}">
+                <a16:creationId xmlns:a16="http://schemas.microsoft.com/office/drawing/2014/main" id="{78CE31D4-C286-9EBC-FE96-20A85A7E19C9}"/>
+              </a:ext>
+            </a:extLst>
+          </p:cNvPr>
+          <p:cNvSpPr/>
+          <p:nvPr/>
+        </p:nvSpPr>
+        <p:spPr>
+          <a:xfrm>
+            <a:off x="9543935" y="1302522"/>
+            <a:ext cx="1937823" cy="451945"/>
+          </a:xfrm>
+          <a:prstGeom prst="rect">
+            <a:avLst/>
+          </a:prstGeom>
+          <a:solidFill>
+            <a:srgbClr val="FFFF00"/>
+          </a:solidFill>
+        </p:spPr>
+        <p:style>
+          <a:lnRef idx="2">
+            <a:schemeClr val="accent1">
+              <a:shade val="50000"/>
+            </a:schemeClr>
+          </a:lnRef>
+          <a:fillRef idx="1">
+            <a:schemeClr val="accent1"/>
+          </a:fillRef>
+          <a:effectRef idx="0">
+            <a:schemeClr val="accent1"/>
+          </a:effectRef>
+          <a:fontRef idx="minor">
+            <a:schemeClr val="lt1"/>
+          </a:fontRef>
+        </p:style>
+        <p:txBody>
+          <a:bodyPr rtlCol="0" anchor="ctr"/>
+          <a:lstStyle/>
+          <a:p>
+            <a:pPr algn="ctr"/>
+            <a:r>
+              <a:rPr kumimoji="1" lang="en-US" altLang="ko-Kore-KR" sz="1600" dirty="0">
+                <a:solidFill>
+                  <a:schemeClr val="tx1"/>
+                </a:solidFill>
+                <a:latin typeface="DM Mono" panose="020B0509040201040103" pitchFamily="49" charset="0"/>
+              </a:rPr>
+              <a:t>Animal::Hello</a:t>
+            </a:r>
+            <a:endParaRPr kumimoji="1" lang="ko-Kore-KR" altLang="en-US" sz="1600" dirty="0">
+              <a:solidFill>
+                <a:schemeClr val="tx1"/>
+              </a:solidFill>
+              <a:latin typeface="DM Mono" panose="020B0509040201040103" pitchFamily="49" charset="0"/>
+            </a:endParaRPr>
+          </a:p>
+        </p:txBody>
+      </p:sp>
+      <p:sp>
+        <p:nvSpPr>
+          <p:cNvPr id="9" name="TextBox 8">
+            <a:extLst>
+              <a:ext uri="{FF2B5EF4-FFF2-40B4-BE49-F238E27FC236}">
+                <a16:creationId xmlns:a16="http://schemas.microsoft.com/office/drawing/2014/main" id="{A471035F-D9BD-F73F-E3DD-2B869164EFBB}"/>
+              </a:ext>
+            </a:extLst>
+          </p:cNvPr>
+          <p:cNvSpPr txBox="1"/>
+          <p:nvPr/>
+        </p:nvSpPr>
+        <p:spPr>
+          <a:xfrm>
+            <a:off x="8387508" y="1343828"/>
+            <a:ext cx="1156427" cy="369332"/>
+          </a:xfrm>
+          <a:prstGeom prst="rect">
+            <a:avLst/>
+          </a:prstGeom>
+          <a:noFill/>
+        </p:spPr>
+        <p:txBody>
+          <a:bodyPr wrap="square">
+            <a:spAutoFit/>
+          </a:bodyPr>
+          <a:lstStyle/>
+          <a:p>
+            <a:pPr algn="r"/>
+            <a:r>
+              <a:rPr lang="en-US" altLang="ko-Kore-KR" dirty="0">
+                <a:latin typeface="DM Mono" panose="020B0509040201040103" pitchFamily="49" charset="0"/>
+              </a:rPr>
+              <a:t>1</a:t>
+            </a:r>
+            <a:endParaRPr lang="ko-Kore-KR" altLang="en-US" dirty="0"/>
+          </a:p>
+        </p:txBody>
+      </p:sp>
+      <p:sp>
+        <p:nvSpPr>
+          <p:cNvPr id="29" name="직사각형 28">
+            <a:extLst>
+              <a:ext uri="{FF2B5EF4-FFF2-40B4-BE49-F238E27FC236}">
+                <a16:creationId xmlns:a16="http://schemas.microsoft.com/office/drawing/2014/main" id="{BC78E545-000E-180A-A1A1-27B2F1429E8E}"/>
+              </a:ext>
+            </a:extLst>
+          </p:cNvPr>
+          <p:cNvSpPr/>
+          <p:nvPr/>
+        </p:nvSpPr>
+        <p:spPr>
+          <a:xfrm>
+            <a:off x="9543935" y="4729834"/>
+            <a:ext cx="1937823" cy="451945"/>
+          </a:xfrm>
+          <a:prstGeom prst="rect">
+            <a:avLst/>
+          </a:prstGeom>
+          <a:solidFill>
+            <a:srgbClr val="FFFF00"/>
+          </a:solidFill>
+        </p:spPr>
+        <p:style>
+          <a:lnRef idx="2">
+            <a:schemeClr val="accent1">
+              <a:shade val="50000"/>
+            </a:schemeClr>
+          </a:lnRef>
+          <a:fillRef idx="1">
+            <a:schemeClr val="accent1"/>
+          </a:fillRef>
+          <a:effectRef idx="0">
+            <a:schemeClr val="accent1"/>
+          </a:effectRef>
+          <a:fontRef idx="minor">
+            <a:schemeClr val="lt1"/>
+          </a:fontRef>
+        </p:style>
+        <p:txBody>
+          <a:bodyPr rtlCol="0" anchor="ctr"/>
+          <a:lstStyle/>
+          <a:p>
+            <a:pPr algn="ctr"/>
+            <a:r>
+              <a:rPr kumimoji="1" lang="en-US" altLang="ko-Kore-KR" sz="1600" dirty="0">
+                <a:solidFill>
+                  <a:schemeClr val="tx1"/>
+                </a:solidFill>
+                <a:latin typeface="DM Mono" panose="020B0509040201040103" pitchFamily="49" charset="0"/>
+              </a:rPr>
+              <a:t>Animal::Hello</a:t>
+            </a:r>
+            <a:endParaRPr kumimoji="1" lang="ko-Kore-KR" altLang="en-US" sz="1600" dirty="0">
+              <a:solidFill>
+                <a:schemeClr val="tx1"/>
+              </a:solidFill>
+              <a:latin typeface="DM Mono" panose="020B0509040201040103" pitchFamily="49" charset="0"/>
+            </a:endParaRPr>
+          </a:p>
+        </p:txBody>
+      </p:sp>
+      <p:sp>
+        <p:nvSpPr>
+          <p:cNvPr id="30" name="TextBox 29">
+            <a:extLst>
+              <a:ext uri="{FF2B5EF4-FFF2-40B4-BE49-F238E27FC236}">
+                <a16:creationId xmlns:a16="http://schemas.microsoft.com/office/drawing/2014/main" id="{5232F23A-0A1A-C4D6-F252-ACEA23197671}"/>
+              </a:ext>
+            </a:extLst>
+          </p:cNvPr>
+          <p:cNvSpPr txBox="1"/>
+          <p:nvPr/>
+        </p:nvSpPr>
+        <p:spPr>
+          <a:xfrm>
+            <a:off x="8387508" y="4771140"/>
+            <a:ext cx="1156427" cy="369332"/>
+          </a:xfrm>
+          <a:prstGeom prst="rect">
+            <a:avLst/>
+          </a:prstGeom>
+          <a:noFill/>
+        </p:spPr>
+        <p:txBody>
+          <a:bodyPr wrap="square">
+            <a:spAutoFit/>
+          </a:bodyPr>
+          <a:lstStyle/>
+          <a:p>
+            <a:pPr algn="r"/>
+            <a:r>
+              <a:rPr lang="en-US" altLang="ko-Kore-KR" dirty="0">
+                <a:latin typeface="DM Mono" panose="020B0509040201040103" pitchFamily="49" charset="0"/>
+              </a:rPr>
+              <a:t>1</a:t>
+            </a:r>
+            <a:endParaRPr lang="ko-Kore-KR" altLang="en-US" dirty="0"/>
+          </a:p>
+        </p:txBody>
+      </p:sp>
+    </p:spTree>
+    <p:extLst>
+      <p:ext uri="{BB962C8B-B14F-4D97-AF65-F5344CB8AC3E}">
+        <p14:creationId xmlns:p14="http://schemas.microsoft.com/office/powerpoint/2010/main" val="2541885634"/>
+      </p:ext>
+    </p:extLst>
+  </p:cSld>
+  <p:clrMapOvr>
+    <a:masterClrMapping/>
+  </p:clrMapOvr>
+</p:sld>
+</file>
+
+<file path=ppt/slides/slide35.xml><?xml version="1.0" encoding="utf-8"?>
+<p:sld xmlns:a="http://schemas.openxmlformats.org/drawingml/2006/main" xmlns:r="http://schemas.openxmlformats.org/officeDocument/2006/relationships" xmlns:p="http://schemas.openxmlformats.org/presentationml/2006/main">
+  <p:cSld>
+    <p:spTree>
+      <p:nvGrpSpPr>
+        <p:cNvPr id="1" name=""/>
+        <p:cNvGrpSpPr/>
+        <p:nvPr/>
+      </p:nvGrpSpPr>
+      <p:grpSpPr>
+        <a:xfrm>
+          <a:off x="0" y="0"/>
+          <a:ext cx="0" cy="0"/>
+          <a:chOff x="0" y="0"/>
+          <a:chExt cx="0" cy="0"/>
+        </a:xfrm>
+      </p:grpSpPr>
+      <p:sp>
+        <p:nvSpPr>
+          <p:cNvPr id="10" name="직사각형 9">
+            <a:extLst>
+              <a:ext uri="{FF2B5EF4-FFF2-40B4-BE49-F238E27FC236}">
+                <a16:creationId xmlns:a16="http://schemas.microsoft.com/office/drawing/2014/main" id="{504ECFFC-74F8-08BC-E61D-DC0B6420CD47}"/>
+              </a:ext>
+            </a:extLst>
+          </p:cNvPr>
+          <p:cNvSpPr/>
+          <p:nvPr/>
+        </p:nvSpPr>
+        <p:spPr>
+          <a:xfrm>
+            <a:off x="6674214" y="1189030"/>
+            <a:ext cx="1019503" cy="451945"/>
+          </a:xfrm>
+          <a:prstGeom prst="rect">
+            <a:avLst/>
+          </a:prstGeom>
+          <a:solidFill>
+            <a:srgbClr val="92D050"/>
+          </a:solidFill>
+        </p:spPr>
+        <p:style>
+          <a:lnRef idx="2">
+            <a:schemeClr val="accent1">
+              <a:shade val="50000"/>
+            </a:schemeClr>
+          </a:lnRef>
+          <a:fillRef idx="1">
+            <a:schemeClr val="accent1"/>
+          </a:fillRef>
+          <a:effectRef idx="0">
+            <a:schemeClr val="accent1"/>
+          </a:effectRef>
+          <a:fontRef idx="minor">
+            <a:schemeClr val="lt1"/>
+          </a:fontRef>
+        </p:style>
+        <p:txBody>
+          <a:bodyPr rtlCol="0" anchor="ctr"/>
+          <a:lstStyle/>
+          <a:p>
+            <a:pPr algn="ctr"/>
+            <a:endParaRPr kumimoji="1" lang="ko-Kore-KR" altLang="en-US" dirty="0">
+              <a:solidFill>
+                <a:schemeClr val="tx1"/>
+              </a:solidFill>
+              <a:latin typeface="DM Mono" panose="020B0509040201040103" pitchFamily="49" charset="0"/>
+            </a:endParaRPr>
+          </a:p>
+        </p:txBody>
+      </p:sp>
+      <p:sp>
+        <p:nvSpPr>
+          <p:cNvPr id="11" name="TextBox 10">
+            <a:extLst>
+              <a:ext uri="{FF2B5EF4-FFF2-40B4-BE49-F238E27FC236}">
+                <a16:creationId xmlns:a16="http://schemas.microsoft.com/office/drawing/2014/main" id="{CB230CB5-C073-B636-4EAA-DCEEF12EE34C}"/>
+              </a:ext>
+            </a:extLst>
+          </p:cNvPr>
+          <p:cNvSpPr txBox="1"/>
+          <p:nvPr/>
+        </p:nvSpPr>
+        <p:spPr>
+          <a:xfrm>
+            <a:off x="5517787" y="1230336"/>
+            <a:ext cx="1156427" cy="369332"/>
+          </a:xfrm>
+          <a:prstGeom prst="rect">
+            <a:avLst/>
+          </a:prstGeom>
+          <a:noFill/>
+        </p:spPr>
+        <p:txBody>
+          <a:bodyPr wrap="square">
+            <a:spAutoFit/>
+          </a:bodyPr>
+          <a:lstStyle/>
+          <a:p>
+            <a:pPr algn="r"/>
+            <a:r>
+              <a:rPr lang="en-US" altLang="ko-Kore-KR" dirty="0">
+                <a:latin typeface="DM Mono" panose="020B0509040201040103" pitchFamily="49" charset="0"/>
+              </a:rPr>
+              <a:t>__</a:t>
+            </a:r>
+            <a:r>
+              <a:rPr lang="en-US" altLang="ko-Kore-KR" dirty="0" err="1">
+                <a:latin typeface="DM Mono" panose="020B0509040201040103" pitchFamily="49" charset="0"/>
+              </a:rPr>
+              <a:t>vftp</a:t>
+            </a:r>
+            <a:endParaRPr lang="ko-Kore-KR" altLang="en-US" dirty="0"/>
+          </a:p>
+        </p:txBody>
+      </p:sp>
+      <p:sp>
+        <p:nvSpPr>
+          <p:cNvPr id="12" name="TextBox 11">
+            <a:extLst>
+              <a:ext uri="{FF2B5EF4-FFF2-40B4-BE49-F238E27FC236}">
+                <a16:creationId xmlns:a16="http://schemas.microsoft.com/office/drawing/2014/main" id="{1DE8CC8C-4E5E-1BDA-3703-C328A3A06E6B}"/>
+              </a:ext>
+            </a:extLst>
+          </p:cNvPr>
+          <p:cNvSpPr txBox="1"/>
+          <p:nvPr/>
+        </p:nvSpPr>
+        <p:spPr>
+          <a:xfrm>
+            <a:off x="6461288" y="840351"/>
+            <a:ext cx="1445353" cy="369332"/>
+          </a:xfrm>
+          <a:prstGeom prst="rect">
+            <a:avLst/>
+          </a:prstGeom>
+          <a:noFill/>
+        </p:spPr>
+        <p:txBody>
+          <a:bodyPr wrap="square">
+            <a:spAutoFit/>
+          </a:bodyPr>
+          <a:lstStyle/>
+          <a:p>
+            <a:pPr algn="ctr"/>
+            <a:r>
+              <a:rPr lang="en-US" altLang="ko-Kore-KR" dirty="0">
+                <a:latin typeface="DM Mono" panose="020B0509040201040103" pitchFamily="49" charset="0"/>
+              </a:rPr>
+              <a:t>Animal a</a:t>
+            </a:r>
+            <a:endParaRPr lang="ko-Kore-KR" altLang="en-US" dirty="0"/>
+          </a:p>
+        </p:txBody>
+      </p:sp>
+      <p:sp>
+        <p:nvSpPr>
+          <p:cNvPr id="16" name="TextBox 15">
+            <a:extLst>
+              <a:ext uri="{FF2B5EF4-FFF2-40B4-BE49-F238E27FC236}">
+                <a16:creationId xmlns:a16="http://schemas.microsoft.com/office/drawing/2014/main" id="{E1012691-5E9C-40BD-EAE5-03C0EA31B4C1}"/>
+              </a:ext>
+            </a:extLst>
+          </p:cNvPr>
+          <p:cNvSpPr txBox="1"/>
+          <p:nvPr/>
+        </p:nvSpPr>
+        <p:spPr>
+          <a:xfrm>
+            <a:off x="579280" y="297285"/>
+            <a:ext cx="4743219" cy="5909310"/>
+          </a:xfrm>
+          <a:prstGeom prst="rect">
+            <a:avLst/>
+          </a:prstGeom>
+          <a:noFill/>
+        </p:spPr>
+        <p:txBody>
+          <a:bodyPr wrap="square">
+            <a:spAutoFit/>
+          </a:bodyPr>
+          <a:lstStyle/>
+          <a:p>
+            <a:r>
+              <a:rPr lang="ko-Kore-KR" altLang="en-US" dirty="0">
+                <a:latin typeface="DM Mono" panose="020B0509040201040103" pitchFamily="49" charset="0"/>
+              </a:rPr>
+              <a:t>class Animal {</a:t>
+            </a:r>
+          </a:p>
+          <a:p>
+            <a:r>
+              <a:rPr lang="ko-Kore-KR" altLang="en-US" dirty="0">
+                <a:latin typeface="DM Mono" panose="020B0509040201040103" pitchFamily="49" charset="0"/>
+              </a:rPr>
+              <a:t>    int age;</a:t>
+            </a:r>
+          </a:p>
+          <a:p>
+            <a:endParaRPr lang="ko-Kore-KR" altLang="en-US" dirty="0">
+              <a:latin typeface="DM Mono" panose="020B0509040201040103" pitchFamily="49" charset="0"/>
+            </a:endParaRPr>
+          </a:p>
+          <a:p>
+            <a:r>
+              <a:rPr lang="ko-Kore-KR" altLang="en-US" dirty="0">
+                <a:latin typeface="DM Mono" panose="020B0509040201040103" pitchFamily="49" charset="0"/>
+              </a:rPr>
+              <a:t>public:</a:t>
+            </a:r>
+          </a:p>
+          <a:p>
+            <a:r>
+              <a:rPr lang="ko-KR" altLang="en-US" dirty="0">
+                <a:latin typeface="DM Mono" panose="020B0509040201040103" pitchFamily="49" charset="0"/>
+              </a:rPr>
+              <a:t>    </a:t>
+            </a:r>
+            <a:r>
+              <a:rPr lang="en-US" altLang="ko-KR" dirty="0">
+                <a:latin typeface="DM Mono" panose="020B0509040201040103" pitchFamily="49" charset="0"/>
+              </a:rPr>
+              <a:t>virtual </a:t>
+            </a:r>
+            <a:r>
+              <a:rPr lang="ko-Kore-KR" altLang="en-US" dirty="0">
+                <a:latin typeface="DM Mono" panose="020B0509040201040103" pitchFamily="49" charset="0"/>
+              </a:rPr>
+              <a:t>void </a:t>
+            </a:r>
+            <a:r>
+              <a:rPr lang="en-US" altLang="ko-Kore-KR" dirty="0">
+                <a:latin typeface="DM Mono" panose="020B0509040201040103" pitchFamily="49" charset="0"/>
+              </a:rPr>
+              <a:t>G</a:t>
+            </a:r>
+            <a:r>
+              <a:rPr lang="ko-Kore-KR" altLang="en-US" dirty="0">
+                <a:latin typeface="DM Mono" panose="020B0509040201040103" pitchFamily="49" charset="0"/>
+              </a:rPr>
+              <a:t>o() { }</a:t>
+            </a:r>
+            <a:endParaRPr lang="en-US" altLang="ko-Kore-KR" dirty="0">
+              <a:latin typeface="DM Mono" panose="020B0509040201040103" pitchFamily="49" charset="0"/>
+            </a:endParaRPr>
+          </a:p>
+          <a:p>
+            <a:r>
+              <a:rPr lang="en-US" altLang="ko-Kore-KR" dirty="0">
+                <a:latin typeface="DM Mono" panose="020B0509040201040103" pitchFamily="49" charset="0"/>
+              </a:rPr>
+              <a:t>    virtual void Hello() { }</a:t>
+            </a:r>
+            <a:endParaRPr lang="ko-Kore-KR" altLang="en-US" dirty="0">
+              <a:latin typeface="DM Mono" panose="020B0509040201040103" pitchFamily="49" charset="0"/>
+            </a:endParaRPr>
+          </a:p>
+          <a:p>
+            <a:r>
+              <a:rPr lang="ko-Kore-KR" altLang="en-US" dirty="0">
+                <a:latin typeface="DM Mono" panose="020B0509040201040103" pitchFamily="49" charset="0"/>
+              </a:rPr>
+              <a:t>};</a:t>
+            </a:r>
+          </a:p>
+          <a:p>
+            <a:endParaRPr lang="ko-Kore-KR" altLang="en-US" dirty="0">
+              <a:latin typeface="DM Mono" panose="020B0509040201040103" pitchFamily="49" charset="0"/>
+            </a:endParaRPr>
+          </a:p>
+          <a:p>
+            <a:r>
+              <a:rPr lang="ko-Kore-KR" altLang="en-US" dirty="0">
+                <a:latin typeface="DM Mono" panose="020B0509040201040103" pitchFamily="49" charset="0"/>
+              </a:rPr>
+              <a:t>class Dog : public Animal {</a:t>
+            </a:r>
+          </a:p>
+          <a:p>
+            <a:r>
+              <a:rPr lang="ko-Kore-KR" altLang="en-US" dirty="0">
+                <a:latin typeface="DM Mono" panose="020B0509040201040103" pitchFamily="49" charset="0"/>
+              </a:rPr>
+              <a:t>    int color;</a:t>
+            </a:r>
+          </a:p>
+          <a:p>
+            <a:r>
+              <a:rPr lang="ko-Kore-KR" altLang="en-US" dirty="0">
+                <a:latin typeface="DM Mono" panose="020B0509040201040103" pitchFamily="49" charset="0"/>
+              </a:rPr>
+              <a:t>    int speed;</a:t>
+            </a:r>
+            <a:endParaRPr lang="en-US" altLang="ko-Kore-KR" dirty="0">
+              <a:latin typeface="DM Mono" panose="020B0509040201040103" pitchFamily="49" charset="0"/>
+            </a:endParaRPr>
+          </a:p>
+          <a:p>
+            <a:r>
+              <a:rPr lang="en-US" altLang="ko-Kore-KR" dirty="0">
+                <a:latin typeface="DM Mono" panose="020B0509040201040103" pitchFamily="49" charset="0"/>
+              </a:rPr>
+              <a:t>public:</a:t>
+            </a:r>
+          </a:p>
+          <a:p>
+            <a:r>
+              <a:rPr lang="en-US" altLang="ko-Kore-KR" dirty="0">
+                <a:latin typeface="DM Mono" panose="020B0509040201040103" pitchFamily="49" charset="0"/>
+              </a:rPr>
+              <a:t>    void Go() override { }</a:t>
+            </a:r>
+            <a:endParaRPr lang="ko-Kore-KR" altLang="en-US" dirty="0">
+              <a:latin typeface="DM Mono" panose="020B0509040201040103" pitchFamily="49" charset="0"/>
+            </a:endParaRPr>
+          </a:p>
+          <a:p>
+            <a:r>
+              <a:rPr lang="ko-Kore-KR" altLang="en-US" dirty="0">
+                <a:latin typeface="DM Mono" panose="020B0509040201040103" pitchFamily="49" charset="0"/>
+              </a:rPr>
+              <a:t>};</a:t>
+            </a:r>
+            <a:endParaRPr lang="en-US" altLang="ko-Kore-KR" dirty="0">
+              <a:latin typeface="DM Mono" panose="020B0509040201040103" pitchFamily="49" charset="0"/>
+            </a:endParaRPr>
+          </a:p>
+          <a:p>
+            <a:endParaRPr lang="en-US" altLang="ko-Kore-KR" dirty="0">
+              <a:latin typeface="DM Mono" panose="020B0509040201040103" pitchFamily="49" charset="0"/>
+            </a:endParaRPr>
+          </a:p>
+          <a:p>
+            <a:endParaRPr lang="en-US" altLang="ko-Kore-KR" dirty="0">
+              <a:latin typeface="DM Mono" panose="020B0509040201040103" pitchFamily="49" charset="0"/>
+            </a:endParaRPr>
+          </a:p>
+          <a:p>
+            <a:endParaRPr lang="en-US" altLang="ko-Kore-KR" dirty="0">
+              <a:latin typeface="DM Mono" panose="020B0509040201040103" pitchFamily="49" charset="0"/>
+            </a:endParaRPr>
+          </a:p>
+          <a:p>
+            <a:r>
+              <a:rPr lang="en-US" altLang="ko-Kore-KR" dirty="0">
+                <a:latin typeface="DM Mono" panose="020B0509040201040103" pitchFamily="49" charset="0"/>
+              </a:rPr>
+              <a:t>Animal a;</a:t>
+            </a:r>
+          </a:p>
+          <a:p>
+            <a:r>
+              <a:rPr lang="en-US" altLang="ko-Kore-KR" dirty="0">
+                <a:latin typeface="DM Mono" panose="020B0509040201040103" pitchFamily="49" charset="0"/>
+              </a:rPr>
+              <a:t>Animal* p = &amp;a;</a:t>
+            </a:r>
+          </a:p>
+          <a:p>
+            <a:r>
+              <a:rPr lang="en-US" altLang="ko-Kore-KR" dirty="0">
+                <a:solidFill>
+                  <a:srgbClr val="FF0000"/>
+                </a:solidFill>
+                <a:latin typeface="DM Mono" panose="020B0509040201040103" pitchFamily="49" charset="0"/>
+              </a:rPr>
+              <a:t>p-&gt;Go(); // (p-&gt;__</a:t>
+            </a:r>
+            <a:r>
+              <a:rPr lang="en-US" altLang="ko-Kore-KR" dirty="0" err="1">
+                <a:solidFill>
+                  <a:srgbClr val="FF0000"/>
+                </a:solidFill>
+                <a:latin typeface="DM Mono" panose="020B0509040201040103" pitchFamily="49" charset="0"/>
+              </a:rPr>
+              <a:t>vftp</a:t>
+            </a:r>
+            <a:r>
+              <a:rPr lang="en-US" altLang="ko-Kore-KR" dirty="0">
+                <a:solidFill>
+                  <a:srgbClr val="FF0000"/>
+                </a:solidFill>
+                <a:latin typeface="DM Mono" panose="020B0509040201040103" pitchFamily="49" charset="0"/>
+              </a:rPr>
+              <a:t>)[0](p);</a:t>
+            </a:r>
+          </a:p>
+          <a:p>
+            <a:endParaRPr lang="ko-Kore-KR" altLang="en-US" dirty="0">
+              <a:latin typeface="DM Mono" panose="020B0509040201040103" pitchFamily="49" charset="0"/>
+            </a:endParaRPr>
+          </a:p>
+        </p:txBody>
+      </p:sp>
+      <p:sp>
+        <p:nvSpPr>
+          <p:cNvPr id="17" name="직사각형 16">
+            <a:extLst>
+              <a:ext uri="{FF2B5EF4-FFF2-40B4-BE49-F238E27FC236}">
+                <a16:creationId xmlns:a16="http://schemas.microsoft.com/office/drawing/2014/main" id="{E020C705-2875-0DAE-D39A-A756A4A3BA8B}"/>
+              </a:ext>
+            </a:extLst>
+          </p:cNvPr>
+          <p:cNvSpPr/>
+          <p:nvPr/>
+        </p:nvSpPr>
+        <p:spPr>
+          <a:xfrm>
+            <a:off x="6580782" y="4670704"/>
+            <a:ext cx="1019503" cy="451945"/>
+          </a:xfrm>
+          <a:prstGeom prst="rect">
+            <a:avLst/>
+          </a:prstGeom>
+          <a:solidFill>
+            <a:srgbClr val="FFFF00"/>
+          </a:solidFill>
+        </p:spPr>
+        <p:style>
+          <a:lnRef idx="2">
+            <a:schemeClr val="accent1">
+              <a:shade val="50000"/>
+            </a:schemeClr>
+          </a:lnRef>
+          <a:fillRef idx="1">
+            <a:schemeClr val="accent1"/>
+          </a:fillRef>
+          <a:effectRef idx="0">
+            <a:schemeClr val="accent1"/>
+          </a:effectRef>
+          <a:fontRef idx="minor">
+            <a:schemeClr val="lt1"/>
+          </a:fontRef>
+        </p:style>
+        <p:txBody>
+          <a:bodyPr rtlCol="0" anchor="ctr"/>
+          <a:lstStyle/>
+          <a:p>
+            <a:pPr algn="ctr"/>
+            <a:endParaRPr kumimoji="1" lang="ko-Kore-KR" altLang="en-US" dirty="0">
+              <a:solidFill>
+                <a:schemeClr val="tx1"/>
+              </a:solidFill>
+              <a:latin typeface="DM Mono" panose="020B0509040201040103" pitchFamily="49" charset="0"/>
+            </a:endParaRPr>
+          </a:p>
+        </p:txBody>
+      </p:sp>
+      <p:sp>
+        <p:nvSpPr>
+          <p:cNvPr id="18" name="TextBox 17">
+            <a:extLst>
+              <a:ext uri="{FF2B5EF4-FFF2-40B4-BE49-F238E27FC236}">
+                <a16:creationId xmlns:a16="http://schemas.microsoft.com/office/drawing/2014/main" id="{7F865831-83A6-339B-3AB4-4156A6D92B1D}"/>
+              </a:ext>
+            </a:extLst>
+          </p:cNvPr>
+          <p:cNvSpPr txBox="1"/>
+          <p:nvPr/>
+        </p:nvSpPr>
+        <p:spPr>
+          <a:xfrm>
+            <a:off x="5424355" y="4712010"/>
+            <a:ext cx="1156427" cy="369332"/>
+          </a:xfrm>
+          <a:prstGeom prst="rect">
+            <a:avLst/>
+          </a:prstGeom>
+          <a:noFill/>
+        </p:spPr>
+        <p:txBody>
+          <a:bodyPr wrap="square">
+            <a:spAutoFit/>
+          </a:bodyPr>
+          <a:lstStyle/>
+          <a:p>
+            <a:pPr algn="r"/>
+            <a:r>
+              <a:rPr lang="en-US" altLang="ko-Kore-KR" dirty="0">
+                <a:latin typeface="DM Mono" panose="020B0509040201040103" pitchFamily="49" charset="0"/>
+              </a:rPr>
+              <a:t>age</a:t>
+            </a:r>
+            <a:endParaRPr lang="ko-Kore-KR" altLang="en-US" dirty="0"/>
+          </a:p>
+        </p:txBody>
+      </p:sp>
+      <p:sp>
+        <p:nvSpPr>
+          <p:cNvPr id="19" name="TextBox 18">
+            <a:extLst>
+              <a:ext uri="{FF2B5EF4-FFF2-40B4-BE49-F238E27FC236}">
+                <a16:creationId xmlns:a16="http://schemas.microsoft.com/office/drawing/2014/main" id="{4405CC06-AE7A-68D4-713A-DD64E3DCBDF4}"/>
+              </a:ext>
+            </a:extLst>
+          </p:cNvPr>
+          <p:cNvSpPr txBox="1"/>
+          <p:nvPr/>
+        </p:nvSpPr>
+        <p:spPr>
+          <a:xfrm>
+            <a:off x="6367856" y="3786452"/>
+            <a:ext cx="1445353" cy="369332"/>
+          </a:xfrm>
+          <a:prstGeom prst="rect">
+            <a:avLst/>
+          </a:prstGeom>
+          <a:noFill/>
+        </p:spPr>
+        <p:txBody>
+          <a:bodyPr wrap="square">
+            <a:spAutoFit/>
+          </a:bodyPr>
+          <a:lstStyle/>
+          <a:p>
+            <a:pPr algn="ctr"/>
+            <a:r>
+              <a:rPr lang="en-US" altLang="ko-Kore-KR" dirty="0">
+                <a:latin typeface="DM Mono" panose="020B0509040201040103" pitchFamily="49" charset="0"/>
+              </a:rPr>
+              <a:t>Dog d</a:t>
+            </a:r>
+            <a:endParaRPr lang="ko-Kore-KR" altLang="en-US" dirty="0"/>
+          </a:p>
+        </p:txBody>
+      </p:sp>
+      <p:sp>
+        <p:nvSpPr>
+          <p:cNvPr id="20" name="직사각형 19">
+            <a:extLst>
+              <a:ext uri="{FF2B5EF4-FFF2-40B4-BE49-F238E27FC236}">
+                <a16:creationId xmlns:a16="http://schemas.microsoft.com/office/drawing/2014/main" id="{FF996783-B63E-36B5-9C7D-03D44DA24135}"/>
+              </a:ext>
+            </a:extLst>
+          </p:cNvPr>
+          <p:cNvSpPr/>
+          <p:nvPr/>
+        </p:nvSpPr>
+        <p:spPr>
+          <a:xfrm>
+            <a:off x="6580782" y="5118984"/>
+            <a:ext cx="1019503" cy="451945"/>
+          </a:xfrm>
+          <a:prstGeom prst="rect">
+            <a:avLst/>
+          </a:prstGeom>
+          <a:solidFill>
+            <a:srgbClr val="FFFF00"/>
+          </a:solidFill>
+        </p:spPr>
+        <p:style>
+          <a:lnRef idx="2">
+            <a:schemeClr val="accent1">
+              <a:shade val="50000"/>
+            </a:schemeClr>
+          </a:lnRef>
+          <a:fillRef idx="1">
+            <a:schemeClr val="accent1"/>
+          </a:fillRef>
+          <a:effectRef idx="0">
+            <a:schemeClr val="accent1"/>
+          </a:effectRef>
+          <a:fontRef idx="minor">
+            <a:schemeClr val="lt1"/>
+          </a:fontRef>
+        </p:style>
+        <p:txBody>
+          <a:bodyPr rtlCol="0" anchor="ctr"/>
+          <a:lstStyle/>
+          <a:p>
+            <a:pPr algn="ctr"/>
+            <a:endParaRPr kumimoji="1" lang="ko-Kore-KR" altLang="en-US" dirty="0">
+              <a:solidFill>
+                <a:schemeClr val="tx1"/>
+              </a:solidFill>
+              <a:latin typeface="DM Mono" panose="020B0509040201040103" pitchFamily="49" charset="0"/>
+            </a:endParaRPr>
+          </a:p>
+        </p:txBody>
+      </p:sp>
+      <p:sp>
+        <p:nvSpPr>
+          <p:cNvPr id="21" name="TextBox 20">
+            <a:extLst>
+              <a:ext uri="{FF2B5EF4-FFF2-40B4-BE49-F238E27FC236}">
+                <a16:creationId xmlns:a16="http://schemas.microsoft.com/office/drawing/2014/main" id="{52AD8F03-CD35-F082-4665-B463AEAECE28}"/>
+              </a:ext>
+            </a:extLst>
+          </p:cNvPr>
+          <p:cNvSpPr txBox="1"/>
+          <p:nvPr/>
+        </p:nvSpPr>
+        <p:spPr>
+          <a:xfrm>
+            <a:off x="5424355" y="5160290"/>
+            <a:ext cx="1156427" cy="369332"/>
+          </a:xfrm>
+          <a:prstGeom prst="rect">
+            <a:avLst/>
+          </a:prstGeom>
+          <a:noFill/>
+        </p:spPr>
+        <p:txBody>
+          <a:bodyPr wrap="square">
+            <a:spAutoFit/>
+          </a:bodyPr>
+          <a:lstStyle/>
+          <a:p>
+            <a:pPr algn="r"/>
+            <a:r>
+              <a:rPr lang="en-US" altLang="ko-Kore-KR" dirty="0">
+                <a:latin typeface="DM Mono" panose="020B0509040201040103" pitchFamily="49" charset="0"/>
+              </a:rPr>
+              <a:t>color</a:t>
+            </a:r>
+            <a:endParaRPr lang="ko-Kore-KR" altLang="en-US" dirty="0"/>
+          </a:p>
+        </p:txBody>
+      </p:sp>
+      <p:sp>
+        <p:nvSpPr>
+          <p:cNvPr id="24" name="직사각형 23">
+            <a:extLst>
+              <a:ext uri="{FF2B5EF4-FFF2-40B4-BE49-F238E27FC236}">
+                <a16:creationId xmlns:a16="http://schemas.microsoft.com/office/drawing/2014/main" id="{002122DE-D2BD-B386-CB86-9ED634E845B0}"/>
+              </a:ext>
+            </a:extLst>
+          </p:cNvPr>
+          <p:cNvSpPr/>
+          <p:nvPr/>
+        </p:nvSpPr>
+        <p:spPr>
+          <a:xfrm>
+            <a:off x="6580782" y="5565704"/>
+            <a:ext cx="1019503" cy="451945"/>
+          </a:xfrm>
+          <a:prstGeom prst="rect">
+            <a:avLst/>
+          </a:prstGeom>
+          <a:solidFill>
+            <a:srgbClr val="FFFF00"/>
+          </a:solidFill>
+        </p:spPr>
+        <p:style>
+          <a:lnRef idx="2">
+            <a:schemeClr val="accent1">
+              <a:shade val="50000"/>
+            </a:schemeClr>
+          </a:lnRef>
+          <a:fillRef idx="1">
+            <a:schemeClr val="accent1"/>
+          </a:fillRef>
+          <a:effectRef idx="0">
+            <a:schemeClr val="accent1"/>
+          </a:effectRef>
+          <a:fontRef idx="minor">
+            <a:schemeClr val="lt1"/>
+          </a:fontRef>
+        </p:style>
+        <p:txBody>
+          <a:bodyPr rtlCol="0" anchor="ctr"/>
+          <a:lstStyle/>
+          <a:p>
+            <a:pPr algn="ctr"/>
+            <a:endParaRPr kumimoji="1" lang="ko-Kore-KR" altLang="en-US" dirty="0">
+              <a:solidFill>
+                <a:schemeClr val="tx1"/>
+              </a:solidFill>
+              <a:latin typeface="DM Mono" panose="020B0509040201040103" pitchFamily="49" charset="0"/>
+            </a:endParaRPr>
+          </a:p>
+        </p:txBody>
+      </p:sp>
+      <p:sp>
+        <p:nvSpPr>
+          <p:cNvPr id="25" name="TextBox 24">
+            <a:extLst>
+              <a:ext uri="{FF2B5EF4-FFF2-40B4-BE49-F238E27FC236}">
+                <a16:creationId xmlns:a16="http://schemas.microsoft.com/office/drawing/2014/main" id="{9A0D5CD0-9A77-6CAA-5B51-C8C306C18EF2}"/>
+              </a:ext>
+            </a:extLst>
+          </p:cNvPr>
+          <p:cNvSpPr txBox="1"/>
+          <p:nvPr/>
+        </p:nvSpPr>
+        <p:spPr>
+          <a:xfrm>
+            <a:off x="5424355" y="5607010"/>
+            <a:ext cx="1156427" cy="369332"/>
+          </a:xfrm>
+          <a:prstGeom prst="rect">
+            <a:avLst/>
+          </a:prstGeom>
+          <a:noFill/>
+        </p:spPr>
+        <p:txBody>
+          <a:bodyPr wrap="square">
+            <a:spAutoFit/>
+          </a:bodyPr>
+          <a:lstStyle/>
+          <a:p>
+            <a:pPr algn="r"/>
+            <a:r>
+              <a:rPr lang="en-US" altLang="ko-Kore-KR" dirty="0">
+                <a:latin typeface="DM Mono" panose="020B0509040201040103" pitchFamily="49" charset="0"/>
+              </a:rPr>
+              <a:t>speed</a:t>
+            </a:r>
+            <a:endParaRPr lang="ko-Kore-KR" altLang="en-US" dirty="0"/>
+          </a:p>
+        </p:txBody>
+      </p:sp>
+      <p:sp>
+        <p:nvSpPr>
+          <p:cNvPr id="2" name="직사각형 1">
+            <a:extLst>
+              <a:ext uri="{FF2B5EF4-FFF2-40B4-BE49-F238E27FC236}">
+                <a16:creationId xmlns:a16="http://schemas.microsoft.com/office/drawing/2014/main" id="{84D10F38-18C5-210C-769D-16013FB18F84}"/>
+              </a:ext>
+            </a:extLst>
+          </p:cNvPr>
+          <p:cNvSpPr/>
+          <p:nvPr/>
+        </p:nvSpPr>
+        <p:spPr>
+          <a:xfrm>
+            <a:off x="6674214" y="1616657"/>
+            <a:ext cx="1019503" cy="451945"/>
+          </a:xfrm>
+          <a:prstGeom prst="rect">
+            <a:avLst/>
+          </a:prstGeom>
+          <a:solidFill>
+            <a:srgbClr val="FFFF00"/>
+          </a:solidFill>
+        </p:spPr>
+        <p:style>
+          <a:lnRef idx="2">
+            <a:schemeClr val="accent1">
+              <a:shade val="50000"/>
+            </a:schemeClr>
+          </a:lnRef>
+          <a:fillRef idx="1">
+            <a:schemeClr val="accent1"/>
+          </a:fillRef>
+          <a:effectRef idx="0">
+            <a:schemeClr val="accent1"/>
+          </a:effectRef>
+          <a:fontRef idx="minor">
+            <a:schemeClr val="lt1"/>
+          </a:fontRef>
+        </p:style>
+        <p:txBody>
+          <a:bodyPr rtlCol="0" anchor="ctr"/>
+          <a:lstStyle/>
+          <a:p>
+            <a:pPr algn="ctr"/>
+            <a:endParaRPr kumimoji="1" lang="ko-Kore-KR" altLang="en-US" dirty="0">
+              <a:solidFill>
+                <a:schemeClr val="tx1"/>
+              </a:solidFill>
+              <a:latin typeface="DM Mono" panose="020B0509040201040103" pitchFamily="49" charset="0"/>
+            </a:endParaRPr>
+          </a:p>
+        </p:txBody>
+      </p:sp>
+      <p:sp>
+        <p:nvSpPr>
+          <p:cNvPr id="3" name="TextBox 2">
+            <a:extLst>
+              <a:ext uri="{FF2B5EF4-FFF2-40B4-BE49-F238E27FC236}">
+                <a16:creationId xmlns:a16="http://schemas.microsoft.com/office/drawing/2014/main" id="{FC2F57A3-4888-3C82-FF01-EC758BF79867}"/>
+              </a:ext>
+            </a:extLst>
+          </p:cNvPr>
+          <p:cNvSpPr txBox="1"/>
+          <p:nvPr/>
+        </p:nvSpPr>
+        <p:spPr>
+          <a:xfrm>
+            <a:off x="5517787" y="1657963"/>
+            <a:ext cx="1156427" cy="369332"/>
+          </a:xfrm>
+          <a:prstGeom prst="rect">
+            <a:avLst/>
+          </a:prstGeom>
+          <a:noFill/>
+        </p:spPr>
+        <p:txBody>
+          <a:bodyPr wrap="square">
+            <a:spAutoFit/>
+          </a:bodyPr>
+          <a:lstStyle/>
+          <a:p>
+            <a:pPr algn="r"/>
+            <a:r>
+              <a:rPr lang="en-US" altLang="ko-Kore-KR" dirty="0">
+                <a:latin typeface="DM Mono" panose="020B0509040201040103" pitchFamily="49" charset="0"/>
+              </a:rPr>
+              <a:t>age</a:t>
+            </a:r>
+            <a:endParaRPr lang="ko-Kore-KR" altLang="en-US" dirty="0"/>
+          </a:p>
+        </p:txBody>
+      </p:sp>
+      <p:sp>
+        <p:nvSpPr>
+          <p:cNvPr id="4" name="직사각형 3">
+            <a:extLst>
+              <a:ext uri="{FF2B5EF4-FFF2-40B4-BE49-F238E27FC236}">
+                <a16:creationId xmlns:a16="http://schemas.microsoft.com/office/drawing/2014/main" id="{C71B223F-A5BD-3780-C63C-111710529890}"/>
+              </a:ext>
+            </a:extLst>
+          </p:cNvPr>
+          <p:cNvSpPr/>
+          <p:nvPr/>
+        </p:nvSpPr>
+        <p:spPr>
+          <a:xfrm>
+            <a:off x="6580782" y="4220591"/>
+            <a:ext cx="1019503" cy="451945"/>
+          </a:xfrm>
+          <a:prstGeom prst="rect">
+            <a:avLst/>
+          </a:prstGeom>
+          <a:solidFill>
+            <a:srgbClr val="92D050"/>
+          </a:solidFill>
+        </p:spPr>
+        <p:style>
+          <a:lnRef idx="2">
+            <a:schemeClr val="accent1">
+              <a:shade val="50000"/>
+            </a:schemeClr>
+          </a:lnRef>
+          <a:fillRef idx="1">
+            <a:schemeClr val="accent1"/>
+          </a:fillRef>
+          <a:effectRef idx="0">
+            <a:schemeClr val="accent1"/>
+          </a:effectRef>
+          <a:fontRef idx="minor">
+            <a:schemeClr val="lt1"/>
+          </a:fontRef>
+        </p:style>
+        <p:txBody>
+          <a:bodyPr rtlCol="0" anchor="ctr"/>
+          <a:lstStyle/>
+          <a:p>
+            <a:pPr algn="ctr"/>
+            <a:endParaRPr kumimoji="1" lang="ko-Kore-KR" altLang="en-US" dirty="0">
+              <a:solidFill>
+                <a:schemeClr val="tx1"/>
+              </a:solidFill>
+              <a:latin typeface="DM Mono" panose="020B0509040201040103" pitchFamily="49" charset="0"/>
+            </a:endParaRPr>
+          </a:p>
+        </p:txBody>
+      </p:sp>
+      <p:sp>
+        <p:nvSpPr>
+          <p:cNvPr id="5" name="TextBox 4">
+            <a:extLst>
+              <a:ext uri="{FF2B5EF4-FFF2-40B4-BE49-F238E27FC236}">
+                <a16:creationId xmlns:a16="http://schemas.microsoft.com/office/drawing/2014/main" id="{9A69B426-D23A-826F-C514-644900B3C8C9}"/>
+              </a:ext>
+            </a:extLst>
+          </p:cNvPr>
+          <p:cNvSpPr txBox="1"/>
+          <p:nvPr/>
+        </p:nvSpPr>
+        <p:spPr>
+          <a:xfrm>
+            <a:off x="5424355" y="4261897"/>
+            <a:ext cx="1156427" cy="369332"/>
+          </a:xfrm>
+          <a:prstGeom prst="rect">
+            <a:avLst/>
+          </a:prstGeom>
+          <a:noFill/>
+        </p:spPr>
+        <p:txBody>
+          <a:bodyPr wrap="square">
+            <a:spAutoFit/>
+          </a:bodyPr>
+          <a:lstStyle/>
+          <a:p>
+            <a:pPr algn="r"/>
+            <a:r>
+              <a:rPr lang="en-US" altLang="ko-Kore-KR" dirty="0">
+                <a:latin typeface="DM Mono" panose="020B0509040201040103" pitchFamily="49" charset="0"/>
+              </a:rPr>
+              <a:t>__</a:t>
+            </a:r>
+            <a:r>
+              <a:rPr lang="en-US" altLang="ko-Kore-KR" dirty="0" err="1">
+                <a:latin typeface="DM Mono" panose="020B0509040201040103" pitchFamily="49" charset="0"/>
+              </a:rPr>
+              <a:t>vftp</a:t>
+            </a:r>
+            <a:endParaRPr lang="ko-Kore-KR" altLang="en-US" dirty="0"/>
+          </a:p>
+        </p:txBody>
+      </p:sp>
+      <p:sp>
+        <p:nvSpPr>
+          <p:cNvPr id="7" name="직사각형 6">
+            <a:extLst>
+              <a:ext uri="{FF2B5EF4-FFF2-40B4-BE49-F238E27FC236}">
+                <a16:creationId xmlns:a16="http://schemas.microsoft.com/office/drawing/2014/main" id="{A5D30574-9B04-F47A-EBF1-9BC27D6829AA}"/>
+              </a:ext>
+            </a:extLst>
+          </p:cNvPr>
+          <p:cNvSpPr/>
+          <p:nvPr/>
+        </p:nvSpPr>
+        <p:spPr>
+          <a:xfrm>
+            <a:off x="9543935" y="840351"/>
+            <a:ext cx="1937823" cy="451945"/>
+          </a:xfrm>
+          <a:prstGeom prst="rect">
+            <a:avLst/>
+          </a:prstGeom>
+          <a:solidFill>
+            <a:srgbClr val="FFFF00"/>
+          </a:solidFill>
+        </p:spPr>
+        <p:style>
+          <a:lnRef idx="2">
+            <a:schemeClr val="accent1">
+              <a:shade val="50000"/>
+            </a:schemeClr>
+          </a:lnRef>
+          <a:fillRef idx="1">
+            <a:schemeClr val="accent1"/>
+          </a:fillRef>
+          <a:effectRef idx="0">
+            <a:schemeClr val="accent1"/>
+          </a:effectRef>
+          <a:fontRef idx="minor">
+            <a:schemeClr val="lt1"/>
+          </a:fontRef>
+        </p:style>
+        <p:txBody>
+          <a:bodyPr rtlCol="0" anchor="ctr"/>
+          <a:lstStyle/>
+          <a:p>
+            <a:pPr algn="ctr"/>
+            <a:r>
+              <a:rPr kumimoji="1" lang="en-US" altLang="ko-Kore-KR" sz="1600" dirty="0">
+                <a:solidFill>
+                  <a:srgbClr val="FF0000"/>
+                </a:solidFill>
+                <a:latin typeface="DM Mono" panose="020B0509040201040103" pitchFamily="49" charset="0"/>
+              </a:rPr>
+              <a:t>Animal::Go</a:t>
+            </a:r>
+            <a:endParaRPr kumimoji="1" lang="ko-Kore-KR" altLang="en-US" sz="1600" dirty="0">
+              <a:solidFill>
+                <a:srgbClr val="FF0000"/>
+              </a:solidFill>
+              <a:latin typeface="DM Mono" panose="020B0509040201040103" pitchFamily="49" charset="0"/>
+            </a:endParaRPr>
+          </a:p>
+        </p:txBody>
+      </p:sp>
+      <p:sp>
+        <p:nvSpPr>
+          <p:cNvPr id="8" name="TextBox 7">
+            <a:extLst>
+              <a:ext uri="{FF2B5EF4-FFF2-40B4-BE49-F238E27FC236}">
+                <a16:creationId xmlns:a16="http://schemas.microsoft.com/office/drawing/2014/main" id="{95DD0609-B294-1EF3-85A5-F8E8FD251B51}"/>
+              </a:ext>
+            </a:extLst>
+          </p:cNvPr>
+          <p:cNvSpPr txBox="1"/>
+          <p:nvPr/>
+        </p:nvSpPr>
+        <p:spPr>
+          <a:xfrm>
+            <a:off x="8387508" y="881657"/>
+            <a:ext cx="1156427" cy="369332"/>
+          </a:xfrm>
+          <a:prstGeom prst="rect">
+            <a:avLst/>
+          </a:prstGeom>
+          <a:noFill/>
+        </p:spPr>
+        <p:txBody>
+          <a:bodyPr wrap="square">
+            <a:spAutoFit/>
+          </a:bodyPr>
+          <a:lstStyle/>
+          <a:p>
+            <a:pPr algn="r"/>
+            <a:r>
+              <a:rPr lang="en-US" altLang="ko-Kore-KR" dirty="0">
+                <a:latin typeface="DM Mono" panose="020B0509040201040103" pitchFamily="49" charset="0"/>
+              </a:rPr>
+              <a:t>0</a:t>
+            </a:r>
+            <a:endParaRPr lang="ko-Kore-KR" altLang="en-US" dirty="0"/>
+          </a:p>
+        </p:txBody>
+      </p:sp>
+      <p:sp>
+        <p:nvSpPr>
+          <p:cNvPr id="14" name="TextBox 13">
+            <a:extLst>
+              <a:ext uri="{FF2B5EF4-FFF2-40B4-BE49-F238E27FC236}">
+                <a16:creationId xmlns:a16="http://schemas.microsoft.com/office/drawing/2014/main" id="{B9F58CB8-CF89-0432-8450-59F2F228C2A0}"/>
+              </a:ext>
+            </a:extLst>
+          </p:cNvPr>
+          <p:cNvSpPr txBox="1"/>
+          <p:nvPr/>
+        </p:nvSpPr>
+        <p:spPr>
+          <a:xfrm>
+            <a:off x="9790169" y="471019"/>
+            <a:ext cx="1445353" cy="369332"/>
+          </a:xfrm>
+          <a:prstGeom prst="rect">
+            <a:avLst/>
+          </a:prstGeom>
+          <a:noFill/>
+        </p:spPr>
+        <p:txBody>
+          <a:bodyPr wrap="square">
+            <a:spAutoFit/>
+          </a:bodyPr>
+          <a:lstStyle/>
+          <a:p>
+            <a:pPr algn="ctr"/>
+            <a:r>
+              <a:rPr lang="en-US" altLang="ko-Kore-KR" dirty="0">
+                <a:latin typeface="DM Mono" panose="020B0509040201040103" pitchFamily="49" charset="0"/>
+              </a:rPr>
+              <a:t>Animal VT</a:t>
+            </a:r>
+            <a:endParaRPr lang="ko-Kore-KR" altLang="en-US" dirty="0"/>
+          </a:p>
+        </p:txBody>
+      </p:sp>
+      <p:cxnSp>
+        <p:nvCxnSpPr>
+          <p:cNvPr id="22" name="구부러진 연결선[U] 21">
+            <a:extLst>
+              <a:ext uri="{FF2B5EF4-FFF2-40B4-BE49-F238E27FC236}">
+                <a16:creationId xmlns:a16="http://schemas.microsoft.com/office/drawing/2014/main" id="{ED894A7B-2A68-B36D-A714-FE56C496CF1A}"/>
+              </a:ext>
+            </a:extLst>
+          </p:cNvPr>
+          <p:cNvCxnSpPr>
+            <a:endCxn id="14" idx="1"/>
+          </p:cNvCxnSpPr>
+          <p:nvPr/>
+        </p:nvCxnSpPr>
+        <p:spPr>
+          <a:xfrm flipV="1">
+            <a:off x="7435970" y="655685"/>
+            <a:ext cx="2354199" cy="759317"/>
+          </a:xfrm>
+          <a:prstGeom prst="curvedConnector3">
+            <a:avLst/>
+          </a:prstGeom>
+          <a:ln>
+            <a:tailEnd type="triangle"/>
+          </a:ln>
+        </p:spPr>
+        <p:style>
+          <a:lnRef idx="3">
+            <a:schemeClr val="accent2"/>
+          </a:lnRef>
+          <a:fillRef idx="0">
+            <a:schemeClr val="accent2"/>
+          </a:fillRef>
+          <a:effectRef idx="2">
+            <a:schemeClr val="accent2"/>
+          </a:effectRef>
+          <a:fontRef idx="minor">
+            <a:schemeClr val="tx1"/>
+          </a:fontRef>
+        </p:style>
+      </p:cxnSp>
+      <p:sp>
+        <p:nvSpPr>
+          <p:cNvPr id="23" name="직사각형 22">
+            <a:extLst>
+              <a:ext uri="{FF2B5EF4-FFF2-40B4-BE49-F238E27FC236}">
+                <a16:creationId xmlns:a16="http://schemas.microsoft.com/office/drawing/2014/main" id="{C2A3FC68-4BD9-FAEA-34A6-D88A6C06CB36}"/>
+              </a:ext>
+            </a:extLst>
+          </p:cNvPr>
+          <p:cNvSpPr/>
+          <p:nvPr/>
+        </p:nvSpPr>
+        <p:spPr>
+          <a:xfrm>
+            <a:off x="9543935" y="4284529"/>
+            <a:ext cx="1937823" cy="451945"/>
+          </a:xfrm>
+          <a:prstGeom prst="rect">
+            <a:avLst/>
+          </a:prstGeom>
+          <a:solidFill>
+            <a:srgbClr val="FFFF00"/>
+          </a:solidFill>
+        </p:spPr>
+        <p:style>
+          <a:lnRef idx="2">
+            <a:schemeClr val="accent1">
+              <a:shade val="50000"/>
+            </a:schemeClr>
+          </a:lnRef>
+          <a:fillRef idx="1">
+            <a:schemeClr val="accent1"/>
+          </a:fillRef>
+          <a:effectRef idx="0">
+            <a:schemeClr val="accent1"/>
+          </a:effectRef>
+          <a:fontRef idx="minor">
+            <a:schemeClr val="lt1"/>
+          </a:fontRef>
+        </p:style>
+        <p:txBody>
+          <a:bodyPr rtlCol="0" anchor="ctr"/>
+          <a:lstStyle/>
+          <a:p>
+            <a:pPr algn="ctr"/>
+            <a:r>
+              <a:rPr kumimoji="1" lang="en-US" altLang="ko-Kore-KR" sz="1600" dirty="0">
+                <a:solidFill>
+                  <a:schemeClr val="tx1"/>
+                </a:solidFill>
+                <a:latin typeface="DM Mono" panose="020B0509040201040103" pitchFamily="49" charset="0"/>
+              </a:rPr>
+              <a:t>Dog::Go</a:t>
+            </a:r>
+            <a:endParaRPr kumimoji="1" lang="ko-Kore-KR" altLang="en-US" sz="1600" dirty="0">
+              <a:solidFill>
+                <a:schemeClr val="tx1"/>
+              </a:solidFill>
+              <a:latin typeface="DM Mono" panose="020B0509040201040103" pitchFamily="49" charset="0"/>
+            </a:endParaRPr>
+          </a:p>
+        </p:txBody>
+      </p:sp>
+      <p:sp>
+        <p:nvSpPr>
+          <p:cNvPr id="26" name="TextBox 25">
+            <a:extLst>
+              <a:ext uri="{FF2B5EF4-FFF2-40B4-BE49-F238E27FC236}">
+                <a16:creationId xmlns:a16="http://schemas.microsoft.com/office/drawing/2014/main" id="{7E7571D9-6981-EF60-1012-BBC27E02AD65}"/>
+              </a:ext>
+            </a:extLst>
+          </p:cNvPr>
+          <p:cNvSpPr txBox="1"/>
+          <p:nvPr/>
+        </p:nvSpPr>
+        <p:spPr>
+          <a:xfrm>
+            <a:off x="8387508" y="4325835"/>
+            <a:ext cx="1156427" cy="369332"/>
+          </a:xfrm>
+          <a:prstGeom prst="rect">
+            <a:avLst/>
+          </a:prstGeom>
+          <a:noFill/>
+        </p:spPr>
+        <p:txBody>
+          <a:bodyPr wrap="square">
+            <a:spAutoFit/>
+          </a:bodyPr>
+          <a:lstStyle/>
+          <a:p>
+            <a:pPr algn="r"/>
+            <a:r>
+              <a:rPr lang="en-US" altLang="ko-Kore-KR" dirty="0">
+                <a:latin typeface="DM Mono" panose="020B0509040201040103" pitchFamily="49" charset="0"/>
+              </a:rPr>
+              <a:t>0</a:t>
+            </a:r>
+            <a:endParaRPr lang="ko-Kore-KR" altLang="en-US" dirty="0"/>
+          </a:p>
+        </p:txBody>
+      </p:sp>
+      <p:sp>
+        <p:nvSpPr>
+          <p:cNvPr id="27" name="TextBox 26">
+            <a:extLst>
+              <a:ext uri="{FF2B5EF4-FFF2-40B4-BE49-F238E27FC236}">
+                <a16:creationId xmlns:a16="http://schemas.microsoft.com/office/drawing/2014/main" id="{BCB70C61-4537-DFC6-DB73-57C83A8B8A15}"/>
+              </a:ext>
+            </a:extLst>
+          </p:cNvPr>
+          <p:cNvSpPr txBox="1"/>
+          <p:nvPr/>
+        </p:nvSpPr>
+        <p:spPr>
+          <a:xfrm>
+            <a:off x="9790169" y="3915197"/>
+            <a:ext cx="1445353" cy="369332"/>
+          </a:xfrm>
+          <a:prstGeom prst="rect">
+            <a:avLst/>
+          </a:prstGeom>
+          <a:noFill/>
+        </p:spPr>
+        <p:txBody>
+          <a:bodyPr wrap="square">
+            <a:spAutoFit/>
+          </a:bodyPr>
+          <a:lstStyle/>
+          <a:p>
+            <a:pPr algn="ctr"/>
+            <a:r>
+              <a:rPr lang="en-US" altLang="ko-Kore-KR" dirty="0">
+                <a:latin typeface="DM Mono" panose="020B0509040201040103" pitchFamily="49" charset="0"/>
+              </a:rPr>
+              <a:t>Dog VT</a:t>
+            </a:r>
+            <a:endParaRPr lang="ko-Kore-KR" altLang="en-US" dirty="0"/>
+          </a:p>
+        </p:txBody>
+      </p:sp>
+      <p:cxnSp>
+        <p:nvCxnSpPr>
+          <p:cNvPr id="28" name="구부러진 연결선[U] 27">
+            <a:extLst>
+              <a:ext uri="{FF2B5EF4-FFF2-40B4-BE49-F238E27FC236}">
+                <a16:creationId xmlns:a16="http://schemas.microsoft.com/office/drawing/2014/main" id="{B062A737-4E5C-FAC5-E171-7B9F61DA903B}"/>
+              </a:ext>
+            </a:extLst>
+          </p:cNvPr>
+          <p:cNvCxnSpPr>
+            <a:cxnSpLocks/>
+            <a:endCxn id="27" idx="1"/>
+          </p:cNvCxnSpPr>
+          <p:nvPr/>
+        </p:nvCxnSpPr>
+        <p:spPr>
+          <a:xfrm flipV="1">
+            <a:off x="7342538" y="4099863"/>
+            <a:ext cx="2447631" cy="340189"/>
+          </a:xfrm>
+          <a:prstGeom prst="curvedConnector3">
+            <a:avLst/>
+          </a:prstGeom>
+          <a:ln>
+            <a:tailEnd type="triangle"/>
+          </a:ln>
+        </p:spPr>
+        <p:style>
+          <a:lnRef idx="1">
+            <a:schemeClr val="dk1"/>
+          </a:lnRef>
+          <a:fillRef idx="0">
+            <a:schemeClr val="dk1"/>
+          </a:fillRef>
+          <a:effectRef idx="0">
+            <a:schemeClr val="dk1"/>
+          </a:effectRef>
+          <a:fontRef idx="minor">
+            <a:schemeClr val="tx1"/>
+          </a:fontRef>
+        </p:style>
+      </p:cxnSp>
+      <p:sp>
+        <p:nvSpPr>
+          <p:cNvPr id="6" name="직사각형 5">
+            <a:extLst>
+              <a:ext uri="{FF2B5EF4-FFF2-40B4-BE49-F238E27FC236}">
+                <a16:creationId xmlns:a16="http://schemas.microsoft.com/office/drawing/2014/main" id="{78CE31D4-C286-9EBC-FE96-20A85A7E19C9}"/>
+              </a:ext>
+            </a:extLst>
+          </p:cNvPr>
+          <p:cNvSpPr/>
+          <p:nvPr/>
+        </p:nvSpPr>
+        <p:spPr>
+          <a:xfrm>
+            <a:off x="9543935" y="1302522"/>
+            <a:ext cx="1937823" cy="451945"/>
+          </a:xfrm>
+          <a:prstGeom prst="rect">
+            <a:avLst/>
+          </a:prstGeom>
+          <a:solidFill>
+            <a:srgbClr val="FFFF00"/>
+          </a:solidFill>
+        </p:spPr>
+        <p:style>
+          <a:lnRef idx="2">
+            <a:schemeClr val="accent1">
+              <a:shade val="50000"/>
+            </a:schemeClr>
+          </a:lnRef>
+          <a:fillRef idx="1">
+            <a:schemeClr val="accent1"/>
+          </a:fillRef>
+          <a:effectRef idx="0">
+            <a:schemeClr val="accent1"/>
+          </a:effectRef>
+          <a:fontRef idx="minor">
+            <a:schemeClr val="lt1"/>
+          </a:fontRef>
+        </p:style>
+        <p:txBody>
+          <a:bodyPr rtlCol="0" anchor="ctr"/>
+          <a:lstStyle/>
+          <a:p>
+            <a:pPr algn="ctr"/>
+            <a:r>
+              <a:rPr kumimoji="1" lang="en-US" altLang="ko-Kore-KR" sz="1600" dirty="0">
+                <a:solidFill>
+                  <a:schemeClr val="tx1"/>
+                </a:solidFill>
+                <a:latin typeface="DM Mono" panose="020B0509040201040103" pitchFamily="49" charset="0"/>
+              </a:rPr>
+              <a:t>Animal::Hello</a:t>
+            </a:r>
+            <a:endParaRPr kumimoji="1" lang="ko-Kore-KR" altLang="en-US" sz="1600" dirty="0">
+              <a:solidFill>
+                <a:schemeClr val="tx1"/>
+              </a:solidFill>
+              <a:latin typeface="DM Mono" panose="020B0509040201040103" pitchFamily="49" charset="0"/>
+            </a:endParaRPr>
+          </a:p>
+        </p:txBody>
+      </p:sp>
+      <p:sp>
+        <p:nvSpPr>
+          <p:cNvPr id="9" name="TextBox 8">
+            <a:extLst>
+              <a:ext uri="{FF2B5EF4-FFF2-40B4-BE49-F238E27FC236}">
+                <a16:creationId xmlns:a16="http://schemas.microsoft.com/office/drawing/2014/main" id="{A471035F-D9BD-F73F-E3DD-2B869164EFBB}"/>
+              </a:ext>
+            </a:extLst>
+          </p:cNvPr>
+          <p:cNvSpPr txBox="1"/>
+          <p:nvPr/>
+        </p:nvSpPr>
+        <p:spPr>
+          <a:xfrm>
+            <a:off x="8387508" y="1343828"/>
+            <a:ext cx="1156427" cy="369332"/>
+          </a:xfrm>
+          <a:prstGeom prst="rect">
+            <a:avLst/>
+          </a:prstGeom>
+          <a:noFill/>
+        </p:spPr>
+        <p:txBody>
+          <a:bodyPr wrap="square">
+            <a:spAutoFit/>
+          </a:bodyPr>
+          <a:lstStyle/>
+          <a:p>
+            <a:pPr algn="r"/>
+            <a:r>
+              <a:rPr lang="en-US" altLang="ko-Kore-KR" dirty="0">
+                <a:latin typeface="DM Mono" panose="020B0509040201040103" pitchFamily="49" charset="0"/>
+              </a:rPr>
+              <a:t>1</a:t>
+            </a:r>
+            <a:endParaRPr lang="ko-Kore-KR" altLang="en-US" dirty="0"/>
+          </a:p>
+        </p:txBody>
+      </p:sp>
+      <p:sp>
+        <p:nvSpPr>
+          <p:cNvPr id="29" name="직사각형 28">
+            <a:extLst>
+              <a:ext uri="{FF2B5EF4-FFF2-40B4-BE49-F238E27FC236}">
+                <a16:creationId xmlns:a16="http://schemas.microsoft.com/office/drawing/2014/main" id="{BC78E545-000E-180A-A1A1-27B2F1429E8E}"/>
+              </a:ext>
+            </a:extLst>
+          </p:cNvPr>
+          <p:cNvSpPr/>
+          <p:nvPr/>
+        </p:nvSpPr>
+        <p:spPr>
+          <a:xfrm>
+            <a:off x="9543935" y="4729834"/>
+            <a:ext cx="1937823" cy="451945"/>
+          </a:xfrm>
+          <a:prstGeom prst="rect">
+            <a:avLst/>
+          </a:prstGeom>
+          <a:solidFill>
+            <a:srgbClr val="FFFF00"/>
+          </a:solidFill>
+        </p:spPr>
+        <p:style>
+          <a:lnRef idx="2">
+            <a:schemeClr val="accent1">
+              <a:shade val="50000"/>
+            </a:schemeClr>
+          </a:lnRef>
+          <a:fillRef idx="1">
+            <a:schemeClr val="accent1"/>
+          </a:fillRef>
+          <a:effectRef idx="0">
+            <a:schemeClr val="accent1"/>
+          </a:effectRef>
+          <a:fontRef idx="minor">
+            <a:schemeClr val="lt1"/>
+          </a:fontRef>
+        </p:style>
+        <p:txBody>
+          <a:bodyPr rtlCol="0" anchor="ctr"/>
+          <a:lstStyle/>
+          <a:p>
+            <a:pPr algn="ctr"/>
+            <a:r>
+              <a:rPr kumimoji="1" lang="en-US" altLang="ko-Kore-KR" sz="1600" dirty="0">
+                <a:solidFill>
+                  <a:schemeClr val="tx1"/>
+                </a:solidFill>
+                <a:latin typeface="DM Mono" panose="020B0509040201040103" pitchFamily="49" charset="0"/>
+              </a:rPr>
+              <a:t>Animal::Hello</a:t>
+            </a:r>
+            <a:endParaRPr kumimoji="1" lang="ko-Kore-KR" altLang="en-US" sz="1600" dirty="0">
+              <a:solidFill>
+                <a:schemeClr val="tx1"/>
+              </a:solidFill>
+              <a:latin typeface="DM Mono" panose="020B0509040201040103" pitchFamily="49" charset="0"/>
+            </a:endParaRPr>
+          </a:p>
+        </p:txBody>
+      </p:sp>
+      <p:sp>
+        <p:nvSpPr>
+          <p:cNvPr id="30" name="TextBox 29">
+            <a:extLst>
+              <a:ext uri="{FF2B5EF4-FFF2-40B4-BE49-F238E27FC236}">
+                <a16:creationId xmlns:a16="http://schemas.microsoft.com/office/drawing/2014/main" id="{5232F23A-0A1A-C4D6-F252-ACEA23197671}"/>
+              </a:ext>
+            </a:extLst>
+          </p:cNvPr>
+          <p:cNvSpPr txBox="1"/>
+          <p:nvPr/>
+        </p:nvSpPr>
+        <p:spPr>
+          <a:xfrm>
+            <a:off x="8387508" y="4771140"/>
+            <a:ext cx="1156427" cy="369332"/>
+          </a:xfrm>
+          <a:prstGeom prst="rect">
+            <a:avLst/>
+          </a:prstGeom>
+          <a:noFill/>
+        </p:spPr>
+        <p:txBody>
+          <a:bodyPr wrap="square">
+            <a:spAutoFit/>
+          </a:bodyPr>
+          <a:lstStyle/>
+          <a:p>
+            <a:pPr algn="r"/>
+            <a:r>
+              <a:rPr lang="en-US" altLang="ko-Kore-KR" dirty="0">
+                <a:latin typeface="DM Mono" panose="020B0509040201040103" pitchFamily="49" charset="0"/>
+              </a:rPr>
+              <a:t>1</a:t>
+            </a:r>
+            <a:endParaRPr lang="ko-Kore-KR" altLang="en-US" dirty="0"/>
+          </a:p>
+        </p:txBody>
+      </p:sp>
+    </p:spTree>
+    <p:extLst>
+      <p:ext uri="{BB962C8B-B14F-4D97-AF65-F5344CB8AC3E}">
+        <p14:creationId xmlns:p14="http://schemas.microsoft.com/office/powerpoint/2010/main" val="2309011363"/>
+      </p:ext>
+    </p:extLst>
+  </p:cSld>
+  <p:clrMapOvr>
+    <a:masterClrMapping/>
+  </p:clrMapOvr>
+</p:sld>
+</file>
+
+<file path=ppt/slides/slide36.xml><?xml version="1.0" encoding="utf-8"?>
+<p:sld xmlns:a="http://schemas.openxmlformats.org/drawingml/2006/main" xmlns:r="http://schemas.openxmlformats.org/officeDocument/2006/relationships" xmlns:p="http://schemas.openxmlformats.org/presentationml/2006/main">
+  <p:cSld>
+    <p:spTree>
+      <p:nvGrpSpPr>
+        <p:cNvPr id="1" name=""/>
+        <p:cNvGrpSpPr/>
+        <p:nvPr/>
+      </p:nvGrpSpPr>
+      <p:grpSpPr>
+        <a:xfrm>
+          <a:off x="0" y="0"/>
+          <a:ext cx="0" cy="0"/>
+          <a:chOff x="0" y="0"/>
+          <a:chExt cx="0" cy="0"/>
+        </a:xfrm>
+      </p:grpSpPr>
+      <p:sp>
+        <p:nvSpPr>
+          <p:cNvPr id="10" name="직사각형 9">
+            <a:extLst>
+              <a:ext uri="{FF2B5EF4-FFF2-40B4-BE49-F238E27FC236}">
+                <a16:creationId xmlns:a16="http://schemas.microsoft.com/office/drawing/2014/main" id="{504ECFFC-74F8-08BC-E61D-DC0B6420CD47}"/>
+              </a:ext>
+            </a:extLst>
+          </p:cNvPr>
+          <p:cNvSpPr/>
+          <p:nvPr/>
+        </p:nvSpPr>
+        <p:spPr>
+          <a:xfrm>
+            <a:off x="6674214" y="1189030"/>
+            <a:ext cx="1019503" cy="451945"/>
+          </a:xfrm>
+          <a:prstGeom prst="rect">
+            <a:avLst/>
+          </a:prstGeom>
+          <a:solidFill>
+            <a:srgbClr val="92D050"/>
+          </a:solidFill>
+        </p:spPr>
+        <p:style>
+          <a:lnRef idx="2">
+            <a:schemeClr val="accent1">
+              <a:shade val="50000"/>
+            </a:schemeClr>
+          </a:lnRef>
+          <a:fillRef idx="1">
+            <a:schemeClr val="accent1"/>
+          </a:fillRef>
+          <a:effectRef idx="0">
+            <a:schemeClr val="accent1"/>
+          </a:effectRef>
+          <a:fontRef idx="minor">
+            <a:schemeClr val="lt1"/>
+          </a:fontRef>
+        </p:style>
+        <p:txBody>
+          <a:bodyPr rtlCol="0" anchor="ctr"/>
+          <a:lstStyle/>
+          <a:p>
+            <a:pPr algn="ctr"/>
+            <a:endParaRPr kumimoji="1" lang="ko-Kore-KR" altLang="en-US" dirty="0">
+              <a:solidFill>
+                <a:schemeClr val="tx1"/>
+              </a:solidFill>
+              <a:latin typeface="DM Mono" panose="020B0509040201040103" pitchFamily="49" charset="0"/>
+            </a:endParaRPr>
+          </a:p>
+        </p:txBody>
+      </p:sp>
+      <p:sp>
+        <p:nvSpPr>
+          <p:cNvPr id="11" name="TextBox 10">
+            <a:extLst>
+              <a:ext uri="{FF2B5EF4-FFF2-40B4-BE49-F238E27FC236}">
+                <a16:creationId xmlns:a16="http://schemas.microsoft.com/office/drawing/2014/main" id="{CB230CB5-C073-B636-4EAA-DCEEF12EE34C}"/>
+              </a:ext>
+            </a:extLst>
+          </p:cNvPr>
+          <p:cNvSpPr txBox="1"/>
+          <p:nvPr/>
+        </p:nvSpPr>
+        <p:spPr>
+          <a:xfrm>
+            <a:off x="5517787" y="1230336"/>
+            <a:ext cx="1156427" cy="369332"/>
+          </a:xfrm>
+          <a:prstGeom prst="rect">
+            <a:avLst/>
+          </a:prstGeom>
+          <a:noFill/>
+        </p:spPr>
+        <p:txBody>
+          <a:bodyPr wrap="square">
+            <a:spAutoFit/>
+          </a:bodyPr>
+          <a:lstStyle/>
+          <a:p>
+            <a:pPr algn="r"/>
+            <a:r>
+              <a:rPr lang="en-US" altLang="ko-Kore-KR" dirty="0">
+                <a:latin typeface="DM Mono" panose="020B0509040201040103" pitchFamily="49" charset="0"/>
+              </a:rPr>
+              <a:t>__</a:t>
+            </a:r>
+            <a:r>
+              <a:rPr lang="en-US" altLang="ko-Kore-KR" dirty="0" err="1">
+                <a:latin typeface="DM Mono" panose="020B0509040201040103" pitchFamily="49" charset="0"/>
+              </a:rPr>
+              <a:t>vftp</a:t>
+            </a:r>
+            <a:endParaRPr lang="ko-Kore-KR" altLang="en-US" dirty="0"/>
+          </a:p>
+        </p:txBody>
+      </p:sp>
+      <p:sp>
+        <p:nvSpPr>
+          <p:cNvPr id="12" name="TextBox 11">
+            <a:extLst>
+              <a:ext uri="{FF2B5EF4-FFF2-40B4-BE49-F238E27FC236}">
+                <a16:creationId xmlns:a16="http://schemas.microsoft.com/office/drawing/2014/main" id="{1DE8CC8C-4E5E-1BDA-3703-C328A3A06E6B}"/>
+              </a:ext>
+            </a:extLst>
+          </p:cNvPr>
+          <p:cNvSpPr txBox="1"/>
+          <p:nvPr/>
+        </p:nvSpPr>
+        <p:spPr>
+          <a:xfrm>
+            <a:off x="6461288" y="840351"/>
+            <a:ext cx="1445353" cy="369332"/>
+          </a:xfrm>
+          <a:prstGeom prst="rect">
+            <a:avLst/>
+          </a:prstGeom>
+          <a:noFill/>
+        </p:spPr>
+        <p:txBody>
+          <a:bodyPr wrap="square">
+            <a:spAutoFit/>
+          </a:bodyPr>
+          <a:lstStyle/>
+          <a:p>
+            <a:pPr algn="ctr"/>
+            <a:r>
+              <a:rPr lang="en-US" altLang="ko-Kore-KR" dirty="0">
+                <a:latin typeface="DM Mono" panose="020B0509040201040103" pitchFamily="49" charset="0"/>
+              </a:rPr>
+              <a:t>Animal a</a:t>
+            </a:r>
+            <a:endParaRPr lang="ko-Kore-KR" altLang="en-US" dirty="0"/>
+          </a:p>
+        </p:txBody>
+      </p:sp>
+      <p:sp>
+        <p:nvSpPr>
+          <p:cNvPr id="16" name="TextBox 15">
+            <a:extLst>
+              <a:ext uri="{FF2B5EF4-FFF2-40B4-BE49-F238E27FC236}">
+                <a16:creationId xmlns:a16="http://schemas.microsoft.com/office/drawing/2014/main" id="{E1012691-5E9C-40BD-EAE5-03C0EA31B4C1}"/>
+              </a:ext>
+            </a:extLst>
+          </p:cNvPr>
+          <p:cNvSpPr txBox="1"/>
+          <p:nvPr/>
+        </p:nvSpPr>
+        <p:spPr>
+          <a:xfrm>
+            <a:off x="579280" y="297285"/>
+            <a:ext cx="4743219" cy="5909310"/>
+          </a:xfrm>
+          <a:prstGeom prst="rect">
+            <a:avLst/>
+          </a:prstGeom>
+          <a:noFill/>
+        </p:spPr>
+        <p:txBody>
+          <a:bodyPr wrap="square">
+            <a:spAutoFit/>
+          </a:bodyPr>
+          <a:lstStyle/>
+          <a:p>
+            <a:r>
+              <a:rPr lang="ko-Kore-KR" altLang="en-US" dirty="0">
+                <a:latin typeface="DM Mono" panose="020B0509040201040103" pitchFamily="49" charset="0"/>
+              </a:rPr>
+              <a:t>class Animal {</a:t>
+            </a:r>
+          </a:p>
+          <a:p>
+            <a:r>
+              <a:rPr lang="ko-Kore-KR" altLang="en-US" dirty="0">
+                <a:latin typeface="DM Mono" panose="020B0509040201040103" pitchFamily="49" charset="0"/>
+              </a:rPr>
+              <a:t>    int age;</a:t>
+            </a:r>
+          </a:p>
+          <a:p>
+            <a:endParaRPr lang="ko-Kore-KR" altLang="en-US" dirty="0">
+              <a:latin typeface="DM Mono" panose="020B0509040201040103" pitchFamily="49" charset="0"/>
+            </a:endParaRPr>
+          </a:p>
+          <a:p>
+            <a:r>
+              <a:rPr lang="ko-Kore-KR" altLang="en-US" dirty="0">
+                <a:latin typeface="DM Mono" panose="020B0509040201040103" pitchFamily="49" charset="0"/>
+              </a:rPr>
+              <a:t>public:</a:t>
+            </a:r>
+          </a:p>
+          <a:p>
+            <a:r>
+              <a:rPr lang="ko-KR" altLang="en-US" dirty="0">
+                <a:latin typeface="DM Mono" panose="020B0509040201040103" pitchFamily="49" charset="0"/>
+              </a:rPr>
+              <a:t>    </a:t>
+            </a:r>
+            <a:r>
+              <a:rPr lang="en-US" altLang="ko-KR" dirty="0">
+                <a:latin typeface="DM Mono" panose="020B0509040201040103" pitchFamily="49" charset="0"/>
+              </a:rPr>
+              <a:t>virtual </a:t>
+            </a:r>
+            <a:r>
+              <a:rPr lang="ko-Kore-KR" altLang="en-US" dirty="0">
+                <a:latin typeface="DM Mono" panose="020B0509040201040103" pitchFamily="49" charset="0"/>
+              </a:rPr>
+              <a:t>void </a:t>
+            </a:r>
+            <a:r>
+              <a:rPr lang="en-US" altLang="ko-Kore-KR" dirty="0">
+                <a:latin typeface="DM Mono" panose="020B0509040201040103" pitchFamily="49" charset="0"/>
+              </a:rPr>
+              <a:t>G</a:t>
+            </a:r>
+            <a:r>
+              <a:rPr lang="ko-Kore-KR" altLang="en-US" dirty="0">
+                <a:latin typeface="DM Mono" panose="020B0509040201040103" pitchFamily="49" charset="0"/>
+              </a:rPr>
+              <a:t>o() { }</a:t>
+            </a:r>
+            <a:endParaRPr lang="en-US" altLang="ko-Kore-KR" dirty="0">
+              <a:latin typeface="DM Mono" panose="020B0509040201040103" pitchFamily="49" charset="0"/>
+            </a:endParaRPr>
+          </a:p>
+          <a:p>
+            <a:r>
+              <a:rPr lang="en-US" altLang="ko-Kore-KR" dirty="0">
+                <a:latin typeface="DM Mono" panose="020B0509040201040103" pitchFamily="49" charset="0"/>
+              </a:rPr>
+              <a:t>    virtual void Hello() { }</a:t>
+            </a:r>
+            <a:endParaRPr lang="ko-Kore-KR" altLang="en-US" dirty="0">
+              <a:latin typeface="DM Mono" panose="020B0509040201040103" pitchFamily="49" charset="0"/>
+            </a:endParaRPr>
+          </a:p>
+          <a:p>
+            <a:r>
+              <a:rPr lang="ko-Kore-KR" altLang="en-US" dirty="0">
+                <a:latin typeface="DM Mono" panose="020B0509040201040103" pitchFamily="49" charset="0"/>
+              </a:rPr>
+              <a:t>};</a:t>
+            </a:r>
+          </a:p>
+          <a:p>
+            <a:endParaRPr lang="ko-Kore-KR" altLang="en-US" dirty="0">
+              <a:latin typeface="DM Mono" panose="020B0509040201040103" pitchFamily="49" charset="0"/>
+            </a:endParaRPr>
+          </a:p>
+          <a:p>
+            <a:r>
+              <a:rPr lang="ko-Kore-KR" altLang="en-US" dirty="0">
+                <a:latin typeface="DM Mono" panose="020B0509040201040103" pitchFamily="49" charset="0"/>
+              </a:rPr>
+              <a:t>class Dog : public Animal {</a:t>
+            </a:r>
+          </a:p>
+          <a:p>
+            <a:r>
+              <a:rPr lang="ko-Kore-KR" altLang="en-US" dirty="0">
+                <a:latin typeface="DM Mono" panose="020B0509040201040103" pitchFamily="49" charset="0"/>
+              </a:rPr>
+              <a:t>    int color;</a:t>
+            </a:r>
+          </a:p>
+          <a:p>
+            <a:r>
+              <a:rPr lang="ko-Kore-KR" altLang="en-US" dirty="0">
+                <a:latin typeface="DM Mono" panose="020B0509040201040103" pitchFamily="49" charset="0"/>
+              </a:rPr>
+              <a:t>    int speed;</a:t>
+            </a:r>
+            <a:endParaRPr lang="en-US" altLang="ko-Kore-KR" dirty="0">
+              <a:latin typeface="DM Mono" panose="020B0509040201040103" pitchFamily="49" charset="0"/>
+            </a:endParaRPr>
+          </a:p>
+          <a:p>
+            <a:r>
+              <a:rPr lang="en-US" altLang="ko-Kore-KR" dirty="0">
+                <a:latin typeface="DM Mono" panose="020B0509040201040103" pitchFamily="49" charset="0"/>
+              </a:rPr>
+              <a:t>public:</a:t>
+            </a:r>
+          </a:p>
+          <a:p>
+            <a:r>
+              <a:rPr lang="en-US" altLang="ko-Kore-KR" dirty="0">
+                <a:latin typeface="DM Mono" panose="020B0509040201040103" pitchFamily="49" charset="0"/>
+              </a:rPr>
+              <a:t>    void Go() override { }</a:t>
+            </a:r>
+            <a:endParaRPr lang="ko-Kore-KR" altLang="en-US" dirty="0">
+              <a:latin typeface="DM Mono" panose="020B0509040201040103" pitchFamily="49" charset="0"/>
+            </a:endParaRPr>
+          </a:p>
+          <a:p>
+            <a:r>
+              <a:rPr lang="ko-Kore-KR" altLang="en-US" dirty="0">
+                <a:latin typeface="DM Mono" panose="020B0509040201040103" pitchFamily="49" charset="0"/>
+              </a:rPr>
+              <a:t>};</a:t>
+            </a:r>
+            <a:endParaRPr lang="en-US" altLang="ko-Kore-KR" dirty="0">
+              <a:latin typeface="DM Mono" panose="020B0509040201040103" pitchFamily="49" charset="0"/>
+            </a:endParaRPr>
+          </a:p>
+          <a:p>
+            <a:endParaRPr lang="en-US" altLang="ko-Kore-KR" dirty="0">
+              <a:latin typeface="DM Mono" panose="020B0509040201040103" pitchFamily="49" charset="0"/>
+            </a:endParaRPr>
+          </a:p>
+          <a:p>
+            <a:endParaRPr lang="en-US" altLang="ko-Kore-KR" dirty="0">
+              <a:latin typeface="DM Mono" panose="020B0509040201040103" pitchFamily="49" charset="0"/>
+            </a:endParaRPr>
+          </a:p>
+          <a:p>
+            <a:endParaRPr lang="en-US" altLang="ko-Kore-KR" dirty="0">
+              <a:latin typeface="DM Mono" panose="020B0509040201040103" pitchFamily="49" charset="0"/>
+            </a:endParaRPr>
+          </a:p>
+          <a:p>
+            <a:r>
+              <a:rPr lang="en-US" altLang="ko-Kore-KR" dirty="0">
+                <a:latin typeface="DM Mono" panose="020B0509040201040103" pitchFamily="49" charset="0"/>
+              </a:rPr>
+              <a:t>Dog d;</a:t>
+            </a:r>
+          </a:p>
+          <a:p>
+            <a:r>
+              <a:rPr lang="en-US" altLang="ko-Kore-KR" dirty="0">
+                <a:latin typeface="DM Mono" panose="020B0509040201040103" pitchFamily="49" charset="0"/>
+              </a:rPr>
+              <a:t>Animal* p = &amp;d;</a:t>
+            </a:r>
+          </a:p>
+          <a:p>
+            <a:r>
+              <a:rPr lang="en-US" altLang="ko-Kore-KR" dirty="0">
+                <a:solidFill>
+                  <a:srgbClr val="FF0000"/>
+                </a:solidFill>
+                <a:latin typeface="DM Mono" panose="020B0509040201040103" pitchFamily="49" charset="0"/>
+              </a:rPr>
+              <a:t>p-&gt;Go(); // (p-&gt;__</a:t>
+            </a:r>
+            <a:r>
+              <a:rPr lang="en-US" altLang="ko-Kore-KR" dirty="0" err="1">
+                <a:solidFill>
+                  <a:srgbClr val="FF0000"/>
+                </a:solidFill>
+                <a:latin typeface="DM Mono" panose="020B0509040201040103" pitchFamily="49" charset="0"/>
+              </a:rPr>
+              <a:t>vftp</a:t>
+            </a:r>
+            <a:r>
+              <a:rPr lang="en-US" altLang="ko-Kore-KR" dirty="0">
+                <a:solidFill>
+                  <a:srgbClr val="FF0000"/>
+                </a:solidFill>
+                <a:latin typeface="DM Mono" panose="020B0509040201040103" pitchFamily="49" charset="0"/>
+              </a:rPr>
+              <a:t>)[0](p);</a:t>
+            </a:r>
+          </a:p>
+          <a:p>
+            <a:endParaRPr lang="ko-Kore-KR" altLang="en-US" dirty="0">
+              <a:latin typeface="DM Mono" panose="020B0509040201040103" pitchFamily="49" charset="0"/>
+            </a:endParaRPr>
+          </a:p>
+        </p:txBody>
+      </p:sp>
+      <p:sp>
+        <p:nvSpPr>
+          <p:cNvPr id="17" name="직사각형 16">
+            <a:extLst>
+              <a:ext uri="{FF2B5EF4-FFF2-40B4-BE49-F238E27FC236}">
+                <a16:creationId xmlns:a16="http://schemas.microsoft.com/office/drawing/2014/main" id="{E020C705-2875-0DAE-D39A-A756A4A3BA8B}"/>
+              </a:ext>
+            </a:extLst>
+          </p:cNvPr>
+          <p:cNvSpPr/>
+          <p:nvPr/>
+        </p:nvSpPr>
+        <p:spPr>
+          <a:xfrm>
+            <a:off x="6580782" y="4670704"/>
+            <a:ext cx="1019503" cy="451945"/>
+          </a:xfrm>
+          <a:prstGeom prst="rect">
+            <a:avLst/>
+          </a:prstGeom>
+          <a:solidFill>
+            <a:srgbClr val="FFFF00"/>
+          </a:solidFill>
+        </p:spPr>
+        <p:style>
+          <a:lnRef idx="2">
+            <a:schemeClr val="accent1">
+              <a:shade val="50000"/>
+            </a:schemeClr>
+          </a:lnRef>
+          <a:fillRef idx="1">
+            <a:schemeClr val="accent1"/>
+          </a:fillRef>
+          <a:effectRef idx="0">
+            <a:schemeClr val="accent1"/>
+          </a:effectRef>
+          <a:fontRef idx="minor">
+            <a:schemeClr val="lt1"/>
+          </a:fontRef>
+        </p:style>
+        <p:txBody>
+          <a:bodyPr rtlCol="0" anchor="ctr"/>
+          <a:lstStyle/>
+          <a:p>
+            <a:pPr algn="ctr"/>
+            <a:endParaRPr kumimoji="1" lang="ko-Kore-KR" altLang="en-US" dirty="0">
+              <a:solidFill>
+                <a:schemeClr val="tx1"/>
+              </a:solidFill>
+              <a:latin typeface="DM Mono" panose="020B0509040201040103" pitchFamily="49" charset="0"/>
+            </a:endParaRPr>
+          </a:p>
+        </p:txBody>
+      </p:sp>
+      <p:sp>
+        <p:nvSpPr>
+          <p:cNvPr id="18" name="TextBox 17">
+            <a:extLst>
+              <a:ext uri="{FF2B5EF4-FFF2-40B4-BE49-F238E27FC236}">
+                <a16:creationId xmlns:a16="http://schemas.microsoft.com/office/drawing/2014/main" id="{7F865831-83A6-339B-3AB4-4156A6D92B1D}"/>
+              </a:ext>
+            </a:extLst>
+          </p:cNvPr>
+          <p:cNvSpPr txBox="1"/>
+          <p:nvPr/>
+        </p:nvSpPr>
+        <p:spPr>
+          <a:xfrm>
+            <a:off x="5424355" y="4712010"/>
+            <a:ext cx="1156427" cy="369332"/>
+          </a:xfrm>
+          <a:prstGeom prst="rect">
+            <a:avLst/>
+          </a:prstGeom>
+          <a:noFill/>
+        </p:spPr>
+        <p:txBody>
+          <a:bodyPr wrap="square">
+            <a:spAutoFit/>
+          </a:bodyPr>
+          <a:lstStyle/>
+          <a:p>
+            <a:pPr algn="r"/>
+            <a:r>
+              <a:rPr lang="en-US" altLang="ko-Kore-KR" dirty="0">
+                <a:latin typeface="DM Mono" panose="020B0509040201040103" pitchFamily="49" charset="0"/>
+              </a:rPr>
+              <a:t>age</a:t>
+            </a:r>
+            <a:endParaRPr lang="ko-Kore-KR" altLang="en-US" dirty="0"/>
+          </a:p>
+        </p:txBody>
+      </p:sp>
+      <p:sp>
+        <p:nvSpPr>
+          <p:cNvPr id="19" name="TextBox 18">
+            <a:extLst>
+              <a:ext uri="{FF2B5EF4-FFF2-40B4-BE49-F238E27FC236}">
+                <a16:creationId xmlns:a16="http://schemas.microsoft.com/office/drawing/2014/main" id="{4405CC06-AE7A-68D4-713A-DD64E3DCBDF4}"/>
+              </a:ext>
+            </a:extLst>
+          </p:cNvPr>
+          <p:cNvSpPr txBox="1"/>
+          <p:nvPr/>
+        </p:nvSpPr>
+        <p:spPr>
+          <a:xfrm>
+            <a:off x="6367856" y="3786452"/>
+            <a:ext cx="1445353" cy="369332"/>
+          </a:xfrm>
+          <a:prstGeom prst="rect">
+            <a:avLst/>
+          </a:prstGeom>
+          <a:noFill/>
+        </p:spPr>
+        <p:txBody>
+          <a:bodyPr wrap="square">
+            <a:spAutoFit/>
+          </a:bodyPr>
+          <a:lstStyle/>
+          <a:p>
+            <a:pPr algn="ctr"/>
+            <a:r>
+              <a:rPr lang="en-US" altLang="ko-Kore-KR" dirty="0">
+                <a:latin typeface="DM Mono" panose="020B0509040201040103" pitchFamily="49" charset="0"/>
+              </a:rPr>
+              <a:t>Dog d</a:t>
+            </a:r>
+            <a:endParaRPr lang="ko-Kore-KR" altLang="en-US" dirty="0"/>
+          </a:p>
+        </p:txBody>
+      </p:sp>
+      <p:sp>
+        <p:nvSpPr>
+          <p:cNvPr id="20" name="직사각형 19">
+            <a:extLst>
+              <a:ext uri="{FF2B5EF4-FFF2-40B4-BE49-F238E27FC236}">
+                <a16:creationId xmlns:a16="http://schemas.microsoft.com/office/drawing/2014/main" id="{FF996783-B63E-36B5-9C7D-03D44DA24135}"/>
+              </a:ext>
+            </a:extLst>
+          </p:cNvPr>
+          <p:cNvSpPr/>
+          <p:nvPr/>
+        </p:nvSpPr>
+        <p:spPr>
+          <a:xfrm>
+            <a:off x="6580782" y="5118984"/>
+            <a:ext cx="1019503" cy="451945"/>
+          </a:xfrm>
+          <a:prstGeom prst="rect">
+            <a:avLst/>
+          </a:prstGeom>
+          <a:solidFill>
+            <a:srgbClr val="FFFF00"/>
+          </a:solidFill>
+        </p:spPr>
+        <p:style>
+          <a:lnRef idx="2">
+            <a:schemeClr val="accent1">
+              <a:shade val="50000"/>
+            </a:schemeClr>
+          </a:lnRef>
+          <a:fillRef idx="1">
+            <a:schemeClr val="accent1"/>
+          </a:fillRef>
+          <a:effectRef idx="0">
+            <a:schemeClr val="accent1"/>
+          </a:effectRef>
+          <a:fontRef idx="minor">
+            <a:schemeClr val="lt1"/>
+          </a:fontRef>
+        </p:style>
+        <p:txBody>
+          <a:bodyPr rtlCol="0" anchor="ctr"/>
+          <a:lstStyle/>
+          <a:p>
+            <a:pPr algn="ctr"/>
+            <a:endParaRPr kumimoji="1" lang="ko-Kore-KR" altLang="en-US" dirty="0">
+              <a:solidFill>
+                <a:schemeClr val="tx1"/>
+              </a:solidFill>
+              <a:latin typeface="DM Mono" panose="020B0509040201040103" pitchFamily="49" charset="0"/>
+            </a:endParaRPr>
+          </a:p>
+        </p:txBody>
+      </p:sp>
+      <p:sp>
+        <p:nvSpPr>
+          <p:cNvPr id="21" name="TextBox 20">
+            <a:extLst>
+              <a:ext uri="{FF2B5EF4-FFF2-40B4-BE49-F238E27FC236}">
+                <a16:creationId xmlns:a16="http://schemas.microsoft.com/office/drawing/2014/main" id="{52AD8F03-CD35-F082-4665-B463AEAECE28}"/>
+              </a:ext>
+            </a:extLst>
+          </p:cNvPr>
+          <p:cNvSpPr txBox="1"/>
+          <p:nvPr/>
+        </p:nvSpPr>
+        <p:spPr>
+          <a:xfrm>
+            <a:off x="5424355" y="5160290"/>
+            <a:ext cx="1156427" cy="369332"/>
+          </a:xfrm>
+          <a:prstGeom prst="rect">
+            <a:avLst/>
+          </a:prstGeom>
+          <a:noFill/>
+        </p:spPr>
+        <p:txBody>
+          <a:bodyPr wrap="square">
+            <a:spAutoFit/>
+          </a:bodyPr>
+          <a:lstStyle/>
+          <a:p>
+            <a:pPr algn="r"/>
+            <a:r>
+              <a:rPr lang="en-US" altLang="ko-Kore-KR" dirty="0">
+                <a:latin typeface="DM Mono" panose="020B0509040201040103" pitchFamily="49" charset="0"/>
+              </a:rPr>
+              <a:t>color</a:t>
+            </a:r>
+            <a:endParaRPr lang="ko-Kore-KR" altLang="en-US" dirty="0"/>
+          </a:p>
+        </p:txBody>
+      </p:sp>
+      <p:sp>
+        <p:nvSpPr>
+          <p:cNvPr id="24" name="직사각형 23">
+            <a:extLst>
+              <a:ext uri="{FF2B5EF4-FFF2-40B4-BE49-F238E27FC236}">
+                <a16:creationId xmlns:a16="http://schemas.microsoft.com/office/drawing/2014/main" id="{002122DE-D2BD-B386-CB86-9ED634E845B0}"/>
+              </a:ext>
+            </a:extLst>
+          </p:cNvPr>
+          <p:cNvSpPr/>
+          <p:nvPr/>
+        </p:nvSpPr>
+        <p:spPr>
+          <a:xfrm>
+            <a:off x="6580782" y="5565704"/>
+            <a:ext cx="1019503" cy="451945"/>
+          </a:xfrm>
+          <a:prstGeom prst="rect">
+            <a:avLst/>
+          </a:prstGeom>
+          <a:solidFill>
+            <a:srgbClr val="FFFF00"/>
+          </a:solidFill>
+        </p:spPr>
+        <p:style>
+          <a:lnRef idx="2">
+            <a:schemeClr val="accent1">
+              <a:shade val="50000"/>
+            </a:schemeClr>
+          </a:lnRef>
+          <a:fillRef idx="1">
+            <a:schemeClr val="accent1"/>
+          </a:fillRef>
+          <a:effectRef idx="0">
+            <a:schemeClr val="accent1"/>
+          </a:effectRef>
+          <a:fontRef idx="minor">
+            <a:schemeClr val="lt1"/>
+          </a:fontRef>
+        </p:style>
+        <p:txBody>
+          <a:bodyPr rtlCol="0" anchor="ctr"/>
+          <a:lstStyle/>
+          <a:p>
+            <a:pPr algn="ctr"/>
+            <a:endParaRPr kumimoji="1" lang="ko-Kore-KR" altLang="en-US" dirty="0">
+              <a:solidFill>
+                <a:schemeClr val="tx1"/>
+              </a:solidFill>
+              <a:latin typeface="DM Mono" panose="020B0509040201040103" pitchFamily="49" charset="0"/>
+            </a:endParaRPr>
+          </a:p>
+        </p:txBody>
+      </p:sp>
+      <p:sp>
+        <p:nvSpPr>
+          <p:cNvPr id="25" name="TextBox 24">
+            <a:extLst>
+              <a:ext uri="{FF2B5EF4-FFF2-40B4-BE49-F238E27FC236}">
+                <a16:creationId xmlns:a16="http://schemas.microsoft.com/office/drawing/2014/main" id="{9A0D5CD0-9A77-6CAA-5B51-C8C306C18EF2}"/>
+              </a:ext>
+            </a:extLst>
+          </p:cNvPr>
+          <p:cNvSpPr txBox="1"/>
+          <p:nvPr/>
+        </p:nvSpPr>
+        <p:spPr>
+          <a:xfrm>
+            <a:off x="5424355" y="5607010"/>
+            <a:ext cx="1156427" cy="369332"/>
+          </a:xfrm>
+          <a:prstGeom prst="rect">
+            <a:avLst/>
+          </a:prstGeom>
+          <a:noFill/>
+        </p:spPr>
+        <p:txBody>
+          <a:bodyPr wrap="square">
+            <a:spAutoFit/>
+          </a:bodyPr>
+          <a:lstStyle/>
+          <a:p>
+            <a:pPr algn="r"/>
+            <a:r>
+              <a:rPr lang="en-US" altLang="ko-Kore-KR" dirty="0">
+                <a:latin typeface="DM Mono" panose="020B0509040201040103" pitchFamily="49" charset="0"/>
+              </a:rPr>
+              <a:t>speed</a:t>
+            </a:r>
+            <a:endParaRPr lang="ko-Kore-KR" altLang="en-US" dirty="0"/>
+          </a:p>
+        </p:txBody>
+      </p:sp>
+      <p:sp>
+        <p:nvSpPr>
+          <p:cNvPr id="2" name="직사각형 1">
+            <a:extLst>
+              <a:ext uri="{FF2B5EF4-FFF2-40B4-BE49-F238E27FC236}">
+                <a16:creationId xmlns:a16="http://schemas.microsoft.com/office/drawing/2014/main" id="{84D10F38-18C5-210C-769D-16013FB18F84}"/>
+              </a:ext>
+            </a:extLst>
+          </p:cNvPr>
+          <p:cNvSpPr/>
+          <p:nvPr/>
+        </p:nvSpPr>
+        <p:spPr>
+          <a:xfrm>
+            <a:off x="6674214" y="1616657"/>
+            <a:ext cx="1019503" cy="451945"/>
+          </a:xfrm>
+          <a:prstGeom prst="rect">
+            <a:avLst/>
+          </a:prstGeom>
+          <a:solidFill>
+            <a:srgbClr val="FFFF00"/>
+          </a:solidFill>
+        </p:spPr>
+        <p:style>
+          <a:lnRef idx="2">
+            <a:schemeClr val="accent1">
+              <a:shade val="50000"/>
+            </a:schemeClr>
+          </a:lnRef>
+          <a:fillRef idx="1">
+            <a:schemeClr val="accent1"/>
+          </a:fillRef>
+          <a:effectRef idx="0">
+            <a:schemeClr val="accent1"/>
+          </a:effectRef>
+          <a:fontRef idx="minor">
+            <a:schemeClr val="lt1"/>
+          </a:fontRef>
+        </p:style>
+        <p:txBody>
+          <a:bodyPr rtlCol="0" anchor="ctr"/>
+          <a:lstStyle/>
+          <a:p>
+            <a:pPr algn="ctr"/>
+            <a:endParaRPr kumimoji="1" lang="ko-Kore-KR" altLang="en-US" dirty="0">
+              <a:solidFill>
+                <a:schemeClr val="tx1"/>
+              </a:solidFill>
+              <a:latin typeface="DM Mono" panose="020B0509040201040103" pitchFamily="49" charset="0"/>
+            </a:endParaRPr>
+          </a:p>
+        </p:txBody>
+      </p:sp>
+      <p:sp>
+        <p:nvSpPr>
+          <p:cNvPr id="3" name="TextBox 2">
+            <a:extLst>
+              <a:ext uri="{FF2B5EF4-FFF2-40B4-BE49-F238E27FC236}">
+                <a16:creationId xmlns:a16="http://schemas.microsoft.com/office/drawing/2014/main" id="{FC2F57A3-4888-3C82-FF01-EC758BF79867}"/>
+              </a:ext>
+            </a:extLst>
+          </p:cNvPr>
+          <p:cNvSpPr txBox="1"/>
+          <p:nvPr/>
+        </p:nvSpPr>
+        <p:spPr>
+          <a:xfrm>
+            <a:off x="5517787" y="1657963"/>
+            <a:ext cx="1156427" cy="369332"/>
+          </a:xfrm>
+          <a:prstGeom prst="rect">
+            <a:avLst/>
+          </a:prstGeom>
+          <a:noFill/>
+        </p:spPr>
+        <p:txBody>
+          <a:bodyPr wrap="square">
+            <a:spAutoFit/>
+          </a:bodyPr>
+          <a:lstStyle/>
+          <a:p>
+            <a:pPr algn="r"/>
+            <a:r>
+              <a:rPr lang="en-US" altLang="ko-Kore-KR" dirty="0">
+                <a:latin typeface="DM Mono" panose="020B0509040201040103" pitchFamily="49" charset="0"/>
+              </a:rPr>
+              <a:t>age</a:t>
+            </a:r>
+            <a:endParaRPr lang="ko-Kore-KR" altLang="en-US" dirty="0"/>
+          </a:p>
+        </p:txBody>
+      </p:sp>
+      <p:sp>
+        <p:nvSpPr>
+          <p:cNvPr id="4" name="직사각형 3">
+            <a:extLst>
+              <a:ext uri="{FF2B5EF4-FFF2-40B4-BE49-F238E27FC236}">
+                <a16:creationId xmlns:a16="http://schemas.microsoft.com/office/drawing/2014/main" id="{C71B223F-A5BD-3780-C63C-111710529890}"/>
+              </a:ext>
+            </a:extLst>
+          </p:cNvPr>
+          <p:cNvSpPr/>
+          <p:nvPr/>
+        </p:nvSpPr>
+        <p:spPr>
+          <a:xfrm>
+            <a:off x="6580782" y="4220591"/>
+            <a:ext cx="1019503" cy="451945"/>
+          </a:xfrm>
+          <a:prstGeom prst="rect">
+            <a:avLst/>
+          </a:prstGeom>
+          <a:solidFill>
+            <a:srgbClr val="92D050"/>
+          </a:solidFill>
+        </p:spPr>
+        <p:style>
+          <a:lnRef idx="2">
+            <a:schemeClr val="accent1">
+              <a:shade val="50000"/>
+            </a:schemeClr>
+          </a:lnRef>
+          <a:fillRef idx="1">
+            <a:schemeClr val="accent1"/>
+          </a:fillRef>
+          <a:effectRef idx="0">
+            <a:schemeClr val="accent1"/>
+          </a:effectRef>
+          <a:fontRef idx="minor">
+            <a:schemeClr val="lt1"/>
+          </a:fontRef>
+        </p:style>
+        <p:txBody>
+          <a:bodyPr rtlCol="0" anchor="ctr"/>
+          <a:lstStyle/>
+          <a:p>
+            <a:pPr algn="ctr"/>
+            <a:endParaRPr kumimoji="1" lang="ko-Kore-KR" altLang="en-US" dirty="0">
+              <a:solidFill>
+                <a:schemeClr val="tx1"/>
+              </a:solidFill>
+              <a:latin typeface="DM Mono" panose="020B0509040201040103" pitchFamily="49" charset="0"/>
+            </a:endParaRPr>
+          </a:p>
+        </p:txBody>
+      </p:sp>
+      <p:sp>
+        <p:nvSpPr>
+          <p:cNvPr id="5" name="TextBox 4">
+            <a:extLst>
+              <a:ext uri="{FF2B5EF4-FFF2-40B4-BE49-F238E27FC236}">
+                <a16:creationId xmlns:a16="http://schemas.microsoft.com/office/drawing/2014/main" id="{9A69B426-D23A-826F-C514-644900B3C8C9}"/>
+              </a:ext>
+            </a:extLst>
+          </p:cNvPr>
+          <p:cNvSpPr txBox="1"/>
+          <p:nvPr/>
+        </p:nvSpPr>
+        <p:spPr>
+          <a:xfrm>
+            <a:off x="5424355" y="4261897"/>
+            <a:ext cx="1156427" cy="369332"/>
+          </a:xfrm>
+          <a:prstGeom prst="rect">
+            <a:avLst/>
+          </a:prstGeom>
+          <a:noFill/>
+        </p:spPr>
+        <p:txBody>
+          <a:bodyPr wrap="square">
+            <a:spAutoFit/>
+          </a:bodyPr>
+          <a:lstStyle/>
+          <a:p>
+            <a:pPr algn="r"/>
+            <a:r>
+              <a:rPr lang="en-US" altLang="ko-Kore-KR" dirty="0">
+                <a:latin typeface="DM Mono" panose="020B0509040201040103" pitchFamily="49" charset="0"/>
+              </a:rPr>
+              <a:t>__</a:t>
+            </a:r>
+            <a:r>
+              <a:rPr lang="en-US" altLang="ko-Kore-KR" dirty="0" err="1">
+                <a:latin typeface="DM Mono" panose="020B0509040201040103" pitchFamily="49" charset="0"/>
+              </a:rPr>
+              <a:t>vftp</a:t>
+            </a:r>
+            <a:endParaRPr lang="ko-Kore-KR" altLang="en-US" dirty="0"/>
+          </a:p>
+        </p:txBody>
+      </p:sp>
+      <p:sp>
+        <p:nvSpPr>
+          <p:cNvPr id="7" name="직사각형 6">
+            <a:extLst>
+              <a:ext uri="{FF2B5EF4-FFF2-40B4-BE49-F238E27FC236}">
+                <a16:creationId xmlns:a16="http://schemas.microsoft.com/office/drawing/2014/main" id="{A5D30574-9B04-F47A-EBF1-9BC27D6829AA}"/>
+              </a:ext>
+            </a:extLst>
+          </p:cNvPr>
+          <p:cNvSpPr/>
+          <p:nvPr/>
+        </p:nvSpPr>
+        <p:spPr>
+          <a:xfrm>
+            <a:off x="9543935" y="840351"/>
+            <a:ext cx="1937823" cy="451945"/>
+          </a:xfrm>
+          <a:prstGeom prst="rect">
+            <a:avLst/>
+          </a:prstGeom>
+          <a:solidFill>
+            <a:srgbClr val="FFFF00"/>
+          </a:solidFill>
+        </p:spPr>
+        <p:style>
+          <a:lnRef idx="2">
+            <a:schemeClr val="accent1">
+              <a:shade val="50000"/>
+            </a:schemeClr>
+          </a:lnRef>
+          <a:fillRef idx="1">
+            <a:schemeClr val="accent1"/>
+          </a:fillRef>
+          <a:effectRef idx="0">
+            <a:schemeClr val="accent1"/>
+          </a:effectRef>
+          <a:fontRef idx="minor">
+            <a:schemeClr val="lt1"/>
+          </a:fontRef>
+        </p:style>
+        <p:txBody>
+          <a:bodyPr rtlCol="0" anchor="ctr"/>
+          <a:lstStyle/>
+          <a:p>
+            <a:pPr algn="ctr"/>
+            <a:r>
+              <a:rPr kumimoji="1" lang="en-US" altLang="ko-Kore-KR" sz="1600" dirty="0">
+                <a:solidFill>
+                  <a:srgbClr val="FF0000"/>
+                </a:solidFill>
+                <a:latin typeface="DM Mono" panose="020B0509040201040103" pitchFamily="49" charset="0"/>
+              </a:rPr>
+              <a:t>Animal::Go</a:t>
+            </a:r>
+            <a:endParaRPr kumimoji="1" lang="ko-Kore-KR" altLang="en-US" sz="1600" dirty="0">
+              <a:solidFill>
+                <a:srgbClr val="FF0000"/>
+              </a:solidFill>
+              <a:latin typeface="DM Mono" panose="020B0509040201040103" pitchFamily="49" charset="0"/>
+            </a:endParaRPr>
+          </a:p>
+        </p:txBody>
+      </p:sp>
+      <p:sp>
+        <p:nvSpPr>
+          <p:cNvPr id="8" name="TextBox 7">
+            <a:extLst>
+              <a:ext uri="{FF2B5EF4-FFF2-40B4-BE49-F238E27FC236}">
+                <a16:creationId xmlns:a16="http://schemas.microsoft.com/office/drawing/2014/main" id="{95DD0609-B294-1EF3-85A5-F8E8FD251B51}"/>
+              </a:ext>
+            </a:extLst>
+          </p:cNvPr>
+          <p:cNvSpPr txBox="1"/>
+          <p:nvPr/>
+        </p:nvSpPr>
+        <p:spPr>
+          <a:xfrm>
+            <a:off x="8387508" y="881657"/>
+            <a:ext cx="1156427" cy="369332"/>
+          </a:xfrm>
+          <a:prstGeom prst="rect">
+            <a:avLst/>
+          </a:prstGeom>
+          <a:noFill/>
+        </p:spPr>
+        <p:txBody>
+          <a:bodyPr wrap="square">
+            <a:spAutoFit/>
+          </a:bodyPr>
+          <a:lstStyle/>
+          <a:p>
+            <a:pPr algn="r"/>
+            <a:r>
+              <a:rPr lang="en-US" altLang="ko-Kore-KR" dirty="0">
+                <a:latin typeface="DM Mono" panose="020B0509040201040103" pitchFamily="49" charset="0"/>
+              </a:rPr>
+              <a:t>0</a:t>
+            </a:r>
+            <a:endParaRPr lang="ko-Kore-KR" altLang="en-US" dirty="0"/>
+          </a:p>
+        </p:txBody>
+      </p:sp>
+      <p:sp>
+        <p:nvSpPr>
+          <p:cNvPr id="14" name="TextBox 13">
+            <a:extLst>
+              <a:ext uri="{FF2B5EF4-FFF2-40B4-BE49-F238E27FC236}">
+                <a16:creationId xmlns:a16="http://schemas.microsoft.com/office/drawing/2014/main" id="{B9F58CB8-CF89-0432-8450-59F2F228C2A0}"/>
+              </a:ext>
+            </a:extLst>
+          </p:cNvPr>
+          <p:cNvSpPr txBox="1"/>
+          <p:nvPr/>
+        </p:nvSpPr>
+        <p:spPr>
+          <a:xfrm>
+            <a:off x="9790169" y="471019"/>
+            <a:ext cx="1445353" cy="369332"/>
+          </a:xfrm>
+          <a:prstGeom prst="rect">
+            <a:avLst/>
+          </a:prstGeom>
+          <a:noFill/>
+        </p:spPr>
+        <p:txBody>
+          <a:bodyPr wrap="square">
+            <a:spAutoFit/>
+          </a:bodyPr>
+          <a:lstStyle/>
+          <a:p>
+            <a:pPr algn="ctr"/>
+            <a:r>
+              <a:rPr lang="en-US" altLang="ko-Kore-KR" dirty="0">
+                <a:latin typeface="DM Mono" panose="020B0509040201040103" pitchFamily="49" charset="0"/>
+              </a:rPr>
+              <a:t>Animal VT</a:t>
+            </a:r>
+            <a:endParaRPr lang="ko-Kore-KR" altLang="en-US" dirty="0"/>
+          </a:p>
+        </p:txBody>
+      </p:sp>
+      <p:cxnSp>
+        <p:nvCxnSpPr>
+          <p:cNvPr id="22" name="구부러진 연결선[U] 21">
+            <a:extLst>
+              <a:ext uri="{FF2B5EF4-FFF2-40B4-BE49-F238E27FC236}">
+                <a16:creationId xmlns:a16="http://schemas.microsoft.com/office/drawing/2014/main" id="{ED894A7B-2A68-B36D-A714-FE56C496CF1A}"/>
+              </a:ext>
+            </a:extLst>
+          </p:cNvPr>
+          <p:cNvCxnSpPr>
+            <a:endCxn id="14" idx="1"/>
+          </p:cNvCxnSpPr>
+          <p:nvPr/>
+        </p:nvCxnSpPr>
+        <p:spPr>
+          <a:xfrm flipV="1">
+            <a:off x="7435970" y="655685"/>
+            <a:ext cx="2354199" cy="759317"/>
+          </a:xfrm>
+          <a:prstGeom prst="curvedConnector3">
+            <a:avLst/>
+          </a:prstGeom>
+          <a:ln>
+            <a:tailEnd type="triangle"/>
+          </a:ln>
+        </p:spPr>
+        <p:style>
+          <a:lnRef idx="1">
+            <a:schemeClr val="dk1"/>
+          </a:lnRef>
+          <a:fillRef idx="0">
+            <a:schemeClr val="dk1"/>
+          </a:fillRef>
+          <a:effectRef idx="0">
+            <a:schemeClr val="dk1"/>
+          </a:effectRef>
+          <a:fontRef idx="minor">
+            <a:schemeClr val="tx1"/>
+          </a:fontRef>
+        </p:style>
+      </p:cxnSp>
+      <p:sp>
+        <p:nvSpPr>
+          <p:cNvPr id="23" name="직사각형 22">
+            <a:extLst>
+              <a:ext uri="{FF2B5EF4-FFF2-40B4-BE49-F238E27FC236}">
+                <a16:creationId xmlns:a16="http://schemas.microsoft.com/office/drawing/2014/main" id="{C2A3FC68-4BD9-FAEA-34A6-D88A6C06CB36}"/>
+              </a:ext>
+            </a:extLst>
+          </p:cNvPr>
+          <p:cNvSpPr/>
+          <p:nvPr/>
+        </p:nvSpPr>
+        <p:spPr>
+          <a:xfrm>
+            <a:off x="9543935" y="4284529"/>
+            <a:ext cx="1937823" cy="451945"/>
+          </a:xfrm>
+          <a:prstGeom prst="rect">
+            <a:avLst/>
+          </a:prstGeom>
+          <a:solidFill>
+            <a:srgbClr val="FFFF00"/>
+          </a:solidFill>
+        </p:spPr>
+        <p:style>
+          <a:lnRef idx="2">
+            <a:schemeClr val="accent1">
+              <a:shade val="50000"/>
+            </a:schemeClr>
+          </a:lnRef>
+          <a:fillRef idx="1">
+            <a:schemeClr val="accent1"/>
+          </a:fillRef>
+          <a:effectRef idx="0">
+            <a:schemeClr val="accent1"/>
+          </a:effectRef>
+          <a:fontRef idx="minor">
+            <a:schemeClr val="lt1"/>
+          </a:fontRef>
+        </p:style>
+        <p:txBody>
+          <a:bodyPr rtlCol="0" anchor="ctr"/>
+          <a:lstStyle/>
+          <a:p>
+            <a:pPr algn="ctr"/>
+            <a:r>
+              <a:rPr kumimoji="1" lang="en-US" altLang="ko-Kore-KR" sz="1600" dirty="0">
+                <a:solidFill>
+                  <a:srgbClr val="FF0000"/>
+                </a:solidFill>
+                <a:latin typeface="DM Mono" panose="020B0509040201040103" pitchFamily="49" charset="0"/>
+              </a:rPr>
+              <a:t>Dog::Go</a:t>
+            </a:r>
+            <a:endParaRPr kumimoji="1" lang="ko-Kore-KR" altLang="en-US" sz="1600" dirty="0">
+              <a:solidFill>
+                <a:srgbClr val="FF0000"/>
+              </a:solidFill>
+              <a:latin typeface="DM Mono" panose="020B0509040201040103" pitchFamily="49" charset="0"/>
+            </a:endParaRPr>
+          </a:p>
+        </p:txBody>
+      </p:sp>
+      <p:sp>
+        <p:nvSpPr>
+          <p:cNvPr id="26" name="TextBox 25">
+            <a:extLst>
+              <a:ext uri="{FF2B5EF4-FFF2-40B4-BE49-F238E27FC236}">
+                <a16:creationId xmlns:a16="http://schemas.microsoft.com/office/drawing/2014/main" id="{7E7571D9-6981-EF60-1012-BBC27E02AD65}"/>
+              </a:ext>
+            </a:extLst>
+          </p:cNvPr>
+          <p:cNvSpPr txBox="1"/>
+          <p:nvPr/>
+        </p:nvSpPr>
+        <p:spPr>
+          <a:xfrm>
+            <a:off x="8387508" y="4325835"/>
+            <a:ext cx="1156427" cy="369332"/>
+          </a:xfrm>
+          <a:prstGeom prst="rect">
+            <a:avLst/>
+          </a:prstGeom>
+          <a:noFill/>
+        </p:spPr>
+        <p:txBody>
+          <a:bodyPr wrap="square">
+            <a:spAutoFit/>
+          </a:bodyPr>
+          <a:lstStyle/>
+          <a:p>
+            <a:pPr algn="r"/>
+            <a:r>
+              <a:rPr lang="en-US" altLang="ko-Kore-KR" dirty="0">
+                <a:latin typeface="DM Mono" panose="020B0509040201040103" pitchFamily="49" charset="0"/>
+              </a:rPr>
+              <a:t>0</a:t>
+            </a:r>
+            <a:endParaRPr lang="ko-Kore-KR" altLang="en-US" dirty="0"/>
+          </a:p>
+        </p:txBody>
+      </p:sp>
+      <p:sp>
+        <p:nvSpPr>
+          <p:cNvPr id="27" name="TextBox 26">
+            <a:extLst>
+              <a:ext uri="{FF2B5EF4-FFF2-40B4-BE49-F238E27FC236}">
+                <a16:creationId xmlns:a16="http://schemas.microsoft.com/office/drawing/2014/main" id="{BCB70C61-4537-DFC6-DB73-57C83A8B8A15}"/>
+              </a:ext>
+            </a:extLst>
+          </p:cNvPr>
+          <p:cNvSpPr txBox="1"/>
+          <p:nvPr/>
+        </p:nvSpPr>
+        <p:spPr>
+          <a:xfrm>
+            <a:off x="9790169" y="3915197"/>
+            <a:ext cx="1445353" cy="369332"/>
+          </a:xfrm>
+          <a:prstGeom prst="rect">
+            <a:avLst/>
+          </a:prstGeom>
+          <a:noFill/>
+        </p:spPr>
+        <p:txBody>
+          <a:bodyPr wrap="square">
+            <a:spAutoFit/>
+          </a:bodyPr>
+          <a:lstStyle/>
+          <a:p>
+            <a:pPr algn="ctr"/>
+            <a:r>
+              <a:rPr lang="en-US" altLang="ko-Kore-KR" dirty="0">
+                <a:latin typeface="DM Mono" panose="020B0509040201040103" pitchFamily="49" charset="0"/>
+              </a:rPr>
+              <a:t>Dog VT</a:t>
+            </a:r>
+            <a:endParaRPr lang="ko-Kore-KR" altLang="en-US" dirty="0"/>
+          </a:p>
+        </p:txBody>
+      </p:sp>
+      <p:cxnSp>
+        <p:nvCxnSpPr>
+          <p:cNvPr id="28" name="구부러진 연결선[U] 27">
+            <a:extLst>
+              <a:ext uri="{FF2B5EF4-FFF2-40B4-BE49-F238E27FC236}">
+                <a16:creationId xmlns:a16="http://schemas.microsoft.com/office/drawing/2014/main" id="{B062A737-4E5C-FAC5-E171-7B9F61DA903B}"/>
+              </a:ext>
+            </a:extLst>
+          </p:cNvPr>
+          <p:cNvCxnSpPr>
+            <a:cxnSpLocks/>
+            <a:endCxn id="27" idx="1"/>
+          </p:cNvCxnSpPr>
+          <p:nvPr/>
+        </p:nvCxnSpPr>
+        <p:spPr>
+          <a:xfrm flipV="1">
+            <a:off x="7342538" y="4099863"/>
+            <a:ext cx="2447631" cy="340189"/>
+          </a:xfrm>
+          <a:prstGeom prst="curvedConnector3">
+            <a:avLst/>
+          </a:prstGeom>
+          <a:ln>
+            <a:tailEnd type="triangle"/>
+          </a:ln>
+        </p:spPr>
+        <p:style>
+          <a:lnRef idx="3">
+            <a:schemeClr val="accent2"/>
+          </a:lnRef>
+          <a:fillRef idx="0">
+            <a:schemeClr val="accent2"/>
+          </a:fillRef>
+          <a:effectRef idx="2">
+            <a:schemeClr val="accent2"/>
+          </a:effectRef>
+          <a:fontRef idx="minor">
+            <a:schemeClr val="tx1"/>
+          </a:fontRef>
+        </p:style>
+      </p:cxnSp>
+      <p:sp>
+        <p:nvSpPr>
+          <p:cNvPr id="6" name="직사각형 5">
+            <a:extLst>
+              <a:ext uri="{FF2B5EF4-FFF2-40B4-BE49-F238E27FC236}">
+                <a16:creationId xmlns:a16="http://schemas.microsoft.com/office/drawing/2014/main" id="{78CE31D4-C286-9EBC-FE96-20A85A7E19C9}"/>
+              </a:ext>
+            </a:extLst>
+          </p:cNvPr>
+          <p:cNvSpPr/>
+          <p:nvPr/>
+        </p:nvSpPr>
+        <p:spPr>
+          <a:xfrm>
+            <a:off x="9543935" y="1302522"/>
+            <a:ext cx="1937823" cy="451945"/>
+          </a:xfrm>
+          <a:prstGeom prst="rect">
+            <a:avLst/>
+          </a:prstGeom>
+          <a:solidFill>
+            <a:srgbClr val="FFFF00"/>
+          </a:solidFill>
+        </p:spPr>
+        <p:style>
+          <a:lnRef idx="2">
+            <a:schemeClr val="accent1">
+              <a:shade val="50000"/>
+            </a:schemeClr>
+          </a:lnRef>
+          <a:fillRef idx="1">
+            <a:schemeClr val="accent1"/>
+          </a:fillRef>
+          <a:effectRef idx="0">
+            <a:schemeClr val="accent1"/>
+          </a:effectRef>
+          <a:fontRef idx="minor">
+            <a:schemeClr val="lt1"/>
+          </a:fontRef>
+        </p:style>
+        <p:txBody>
+          <a:bodyPr rtlCol="0" anchor="ctr"/>
+          <a:lstStyle/>
+          <a:p>
+            <a:pPr algn="ctr"/>
+            <a:r>
+              <a:rPr kumimoji="1" lang="en-US" altLang="ko-Kore-KR" sz="1600" dirty="0">
+                <a:solidFill>
+                  <a:schemeClr val="tx1"/>
+                </a:solidFill>
+                <a:latin typeface="DM Mono" panose="020B0509040201040103" pitchFamily="49" charset="0"/>
+              </a:rPr>
+              <a:t>Animal::Hello</a:t>
+            </a:r>
+            <a:endParaRPr kumimoji="1" lang="ko-Kore-KR" altLang="en-US" sz="1600" dirty="0">
+              <a:solidFill>
+                <a:schemeClr val="tx1"/>
+              </a:solidFill>
+              <a:latin typeface="DM Mono" panose="020B0509040201040103" pitchFamily="49" charset="0"/>
+            </a:endParaRPr>
+          </a:p>
+        </p:txBody>
+      </p:sp>
+      <p:sp>
+        <p:nvSpPr>
+          <p:cNvPr id="9" name="TextBox 8">
+            <a:extLst>
+              <a:ext uri="{FF2B5EF4-FFF2-40B4-BE49-F238E27FC236}">
+                <a16:creationId xmlns:a16="http://schemas.microsoft.com/office/drawing/2014/main" id="{A471035F-D9BD-F73F-E3DD-2B869164EFBB}"/>
+              </a:ext>
+            </a:extLst>
+          </p:cNvPr>
+          <p:cNvSpPr txBox="1"/>
+          <p:nvPr/>
+        </p:nvSpPr>
+        <p:spPr>
+          <a:xfrm>
+            <a:off x="8387508" y="1343828"/>
+            <a:ext cx="1156427" cy="369332"/>
+          </a:xfrm>
+          <a:prstGeom prst="rect">
+            <a:avLst/>
+          </a:prstGeom>
+          <a:noFill/>
+        </p:spPr>
+        <p:txBody>
+          <a:bodyPr wrap="square">
+            <a:spAutoFit/>
+          </a:bodyPr>
+          <a:lstStyle/>
+          <a:p>
+            <a:pPr algn="r"/>
+            <a:r>
+              <a:rPr lang="en-US" altLang="ko-Kore-KR" dirty="0">
+                <a:latin typeface="DM Mono" panose="020B0509040201040103" pitchFamily="49" charset="0"/>
+              </a:rPr>
+              <a:t>1</a:t>
+            </a:r>
+            <a:endParaRPr lang="ko-Kore-KR" altLang="en-US" dirty="0"/>
+          </a:p>
+        </p:txBody>
+      </p:sp>
+      <p:sp>
+        <p:nvSpPr>
+          <p:cNvPr id="29" name="직사각형 28">
+            <a:extLst>
+              <a:ext uri="{FF2B5EF4-FFF2-40B4-BE49-F238E27FC236}">
+                <a16:creationId xmlns:a16="http://schemas.microsoft.com/office/drawing/2014/main" id="{BC78E545-000E-180A-A1A1-27B2F1429E8E}"/>
+              </a:ext>
+            </a:extLst>
+          </p:cNvPr>
+          <p:cNvSpPr/>
+          <p:nvPr/>
+        </p:nvSpPr>
+        <p:spPr>
+          <a:xfrm>
+            <a:off x="9543935" y="4729834"/>
+            <a:ext cx="1937823" cy="451945"/>
+          </a:xfrm>
+          <a:prstGeom prst="rect">
+            <a:avLst/>
+          </a:prstGeom>
+          <a:solidFill>
+            <a:srgbClr val="FFFF00"/>
+          </a:solidFill>
+        </p:spPr>
+        <p:style>
+          <a:lnRef idx="2">
+            <a:schemeClr val="accent1">
+              <a:shade val="50000"/>
+            </a:schemeClr>
+          </a:lnRef>
+          <a:fillRef idx="1">
+            <a:schemeClr val="accent1"/>
+          </a:fillRef>
+          <a:effectRef idx="0">
+            <a:schemeClr val="accent1"/>
+          </a:effectRef>
+          <a:fontRef idx="minor">
+            <a:schemeClr val="lt1"/>
+          </a:fontRef>
+        </p:style>
+        <p:txBody>
+          <a:bodyPr rtlCol="0" anchor="ctr"/>
+          <a:lstStyle/>
+          <a:p>
+            <a:pPr algn="ctr"/>
+            <a:r>
+              <a:rPr kumimoji="1" lang="en-US" altLang="ko-Kore-KR" sz="1600" dirty="0">
+                <a:solidFill>
+                  <a:schemeClr val="tx1"/>
+                </a:solidFill>
+                <a:latin typeface="DM Mono" panose="020B0509040201040103" pitchFamily="49" charset="0"/>
+              </a:rPr>
+              <a:t>Animal::Hello</a:t>
+            </a:r>
+            <a:endParaRPr kumimoji="1" lang="ko-Kore-KR" altLang="en-US" sz="1600" dirty="0">
+              <a:solidFill>
+                <a:schemeClr val="tx1"/>
+              </a:solidFill>
+              <a:latin typeface="DM Mono" panose="020B0509040201040103" pitchFamily="49" charset="0"/>
+            </a:endParaRPr>
+          </a:p>
+        </p:txBody>
+      </p:sp>
+      <p:sp>
+        <p:nvSpPr>
+          <p:cNvPr id="30" name="TextBox 29">
+            <a:extLst>
+              <a:ext uri="{FF2B5EF4-FFF2-40B4-BE49-F238E27FC236}">
+                <a16:creationId xmlns:a16="http://schemas.microsoft.com/office/drawing/2014/main" id="{5232F23A-0A1A-C4D6-F252-ACEA23197671}"/>
+              </a:ext>
+            </a:extLst>
+          </p:cNvPr>
+          <p:cNvSpPr txBox="1"/>
+          <p:nvPr/>
+        </p:nvSpPr>
+        <p:spPr>
+          <a:xfrm>
+            <a:off x="8387508" y="4771140"/>
+            <a:ext cx="1156427" cy="369332"/>
+          </a:xfrm>
+          <a:prstGeom prst="rect">
+            <a:avLst/>
+          </a:prstGeom>
+          <a:noFill/>
+        </p:spPr>
+        <p:txBody>
+          <a:bodyPr wrap="square">
+            <a:spAutoFit/>
+          </a:bodyPr>
+          <a:lstStyle/>
+          <a:p>
+            <a:pPr algn="r"/>
+            <a:r>
+              <a:rPr lang="en-US" altLang="ko-Kore-KR" dirty="0">
+                <a:latin typeface="DM Mono" panose="020B0509040201040103" pitchFamily="49" charset="0"/>
+              </a:rPr>
+              <a:t>1</a:t>
+            </a:r>
+            <a:endParaRPr lang="ko-Kore-KR" altLang="en-US" dirty="0"/>
+          </a:p>
+        </p:txBody>
+      </p:sp>
+    </p:spTree>
+    <p:extLst>
+      <p:ext uri="{BB962C8B-B14F-4D97-AF65-F5344CB8AC3E}">
+        <p14:creationId xmlns:p14="http://schemas.microsoft.com/office/powerpoint/2010/main" val="2821341676"/>
       </p:ext>
     </p:extLst>
   </p:cSld>

--- a/230303.pptx
+++ b/230303.pptx
@@ -26679,7 +26679,7 @@
             <a:r>
               <a:rPr kumimoji="1" lang="en-US" altLang="ko-Kore-KR" sz="1600" dirty="0">
                 <a:solidFill>
-                  <a:schemeClr val="tx1"/>
+                  <a:srgbClr val="FF0000"/>
                 </a:solidFill>
                 <a:latin typeface="DM Mono" panose="020B0509040201040103" pitchFamily="49" charset="0"/>
               </a:rPr>
@@ -26687,7 +26687,7 @@
             </a:r>
             <a:endParaRPr kumimoji="1" lang="ko-Kore-KR" altLang="en-US" sz="1600" dirty="0">
               <a:solidFill>
-                <a:schemeClr val="tx1"/>
+                <a:srgbClr val="FF0000"/>
               </a:solidFill>
               <a:latin typeface="DM Mono" panose="020B0509040201040103" pitchFamily="49" charset="0"/>
             </a:endParaRPr>
@@ -26781,7 +26781,7 @@
             <a:r>
               <a:rPr kumimoji="1" lang="en-US" altLang="ko-Kore-KR" sz="1600" dirty="0">
                 <a:solidFill>
-                  <a:schemeClr val="tx1"/>
+                  <a:srgbClr val="FF0000"/>
                 </a:solidFill>
                 <a:latin typeface="DM Mono" panose="020B0509040201040103" pitchFamily="49" charset="0"/>
               </a:rPr>
@@ -26789,7 +26789,7 @@
             </a:r>
             <a:endParaRPr kumimoji="1" lang="ko-Kore-KR" altLang="en-US" sz="1600" dirty="0">
               <a:solidFill>
-                <a:schemeClr val="tx1"/>
+                <a:srgbClr val="FF0000"/>
               </a:solidFill>
               <a:latin typeface="DM Mono" panose="020B0509040201040103" pitchFamily="49" charset="0"/>
             </a:endParaRPr>

--- a/230303.pptx
+++ b/230303.pptx
@@ -41,6 +41,7 @@
     <p:sldId id="289" r:id="rId35"/>
     <p:sldId id="290" r:id="rId36"/>
     <p:sldId id="291" r:id="rId37"/>
+    <p:sldId id="292" r:id="rId38"/>
   </p:sldIdLst>
   <p:sldSz cx="12192000" cy="6858000"/>
   <p:notesSz cx="6858000" cy="9144000"/>
@@ -31516,6 +31517,890 @@
     <p:extLst>
       <p:ext uri="{BB962C8B-B14F-4D97-AF65-F5344CB8AC3E}">
         <p14:creationId xmlns:p14="http://schemas.microsoft.com/office/powerpoint/2010/main" val="2821341676"/>
+      </p:ext>
+    </p:extLst>
+  </p:cSld>
+  <p:clrMapOvr>
+    <a:masterClrMapping/>
+  </p:clrMapOvr>
+</p:sld>
+</file>
+
+<file path=ppt/slides/slide37.xml><?xml version="1.0" encoding="utf-8"?>
+<p:sld xmlns:a="http://schemas.openxmlformats.org/drawingml/2006/main" xmlns:r="http://schemas.openxmlformats.org/officeDocument/2006/relationships" xmlns:p="http://schemas.openxmlformats.org/presentationml/2006/main">
+  <p:cSld>
+    <p:spTree>
+      <p:nvGrpSpPr>
+        <p:cNvPr id="1" name=""/>
+        <p:cNvGrpSpPr/>
+        <p:nvPr/>
+      </p:nvGrpSpPr>
+      <p:grpSpPr>
+        <a:xfrm>
+          <a:off x="0" y="0"/>
+          <a:ext cx="0" cy="0"/>
+          <a:chOff x="0" y="0"/>
+          <a:chExt cx="0" cy="0"/>
+        </a:xfrm>
+      </p:grpSpPr>
+      <p:sp>
+        <p:nvSpPr>
+          <p:cNvPr id="10" name="직사각형 9">
+            <a:extLst>
+              <a:ext uri="{FF2B5EF4-FFF2-40B4-BE49-F238E27FC236}">
+                <a16:creationId xmlns:a16="http://schemas.microsoft.com/office/drawing/2014/main" id="{504ECFFC-74F8-08BC-E61D-DC0B6420CD47}"/>
+              </a:ext>
+            </a:extLst>
+          </p:cNvPr>
+          <p:cNvSpPr/>
+          <p:nvPr/>
+        </p:nvSpPr>
+        <p:spPr>
+          <a:xfrm>
+            <a:off x="6674214" y="1189030"/>
+            <a:ext cx="1019503" cy="451945"/>
+          </a:xfrm>
+          <a:prstGeom prst="rect">
+            <a:avLst/>
+          </a:prstGeom>
+          <a:solidFill>
+            <a:srgbClr val="92D050"/>
+          </a:solidFill>
+        </p:spPr>
+        <p:style>
+          <a:lnRef idx="2">
+            <a:schemeClr val="accent1">
+              <a:shade val="50000"/>
+            </a:schemeClr>
+          </a:lnRef>
+          <a:fillRef idx="1">
+            <a:schemeClr val="accent1"/>
+          </a:fillRef>
+          <a:effectRef idx="0">
+            <a:schemeClr val="accent1"/>
+          </a:effectRef>
+          <a:fontRef idx="minor">
+            <a:schemeClr val="lt1"/>
+          </a:fontRef>
+        </p:style>
+        <p:txBody>
+          <a:bodyPr rtlCol="0" anchor="ctr"/>
+          <a:lstStyle/>
+          <a:p>
+            <a:pPr algn="ctr"/>
+            <a:endParaRPr kumimoji="1" lang="ko-Kore-KR" altLang="en-US" dirty="0">
+              <a:solidFill>
+                <a:schemeClr val="tx1"/>
+              </a:solidFill>
+              <a:latin typeface="DM Mono" panose="020B0509040201040103" pitchFamily="49" charset="0"/>
+            </a:endParaRPr>
+          </a:p>
+        </p:txBody>
+      </p:sp>
+      <p:sp>
+        <p:nvSpPr>
+          <p:cNvPr id="11" name="TextBox 10">
+            <a:extLst>
+              <a:ext uri="{FF2B5EF4-FFF2-40B4-BE49-F238E27FC236}">
+                <a16:creationId xmlns:a16="http://schemas.microsoft.com/office/drawing/2014/main" id="{CB230CB5-C073-B636-4EAA-DCEEF12EE34C}"/>
+              </a:ext>
+            </a:extLst>
+          </p:cNvPr>
+          <p:cNvSpPr txBox="1"/>
+          <p:nvPr/>
+        </p:nvSpPr>
+        <p:spPr>
+          <a:xfrm>
+            <a:off x="5517787" y="1230336"/>
+            <a:ext cx="1156427" cy="369332"/>
+          </a:xfrm>
+          <a:prstGeom prst="rect">
+            <a:avLst/>
+          </a:prstGeom>
+          <a:noFill/>
+        </p:spPr>
+        <p:txBody>
+          <a:bodyPr wrap="square">
+            <a:spAutoFit/>
+          </a:bodyPr>
+          <a:lstStyle/>
+          <a:p>
+            <a:pPr algn="r"/>
+            <a:r>
+              <a:rPr lang="en-US" altLang="ko-Kore-KR" dirty="0">
+                <a:latin typeface="DM Mono" panose="020B0509040201040103" pitchFamily="49" charset="0"/>
+              </a:rPr>
+              <a:t>__</a:t>
+            </a:r>
+            <a:r>
+              <a:rPr lang="en-US" altLang="ko-Kore-KR" dirty="0" err="1">
+                <a:latin typeface="DM Mono" panose="020B0509040201040103" pitchFamily="49" charset="0"/>
+              </a:rPr>
+              <a:t>vftp</a:t>
+            </a:r>
+            <a:endParaRPr lang="ko-Kore-KR" altLang="en-US" dirty="0"/>
+          </a:p>
+        </p:txBody>
+      </p:sp>
+      <p:sp>
+        <p:nvSpPr>
+          <p:cNvPr id="12" name="TextBox 11">
+            <a:extLst>
+              <a:ext uri="{FF2B5EF4-FFF2-40B4-BE49-F238E27FC236}">
+                <a16:creationId xmlns:a16="http://schemas.microsoft.com/office/drawing/2014/main" id="{1DE8CC8C-4E5E-1BDA-3703-C328A3A06E6B}"/>
+              </a:ext>
+            </a:extLst>
+          </p:cNvPr>
+          <p:cNvSpPr txBox="1"/>
+          <p:nvPr/>
+        </p:nvSpPr>
+        <p:spPr>
+          <a:xfrm>
+            <a:off x="6461288" y="840351"/>
+            <a:ext cx="1445353" cy="369332"/>
+          </a:xfrm>
+          <a:prstGeom prst="rect">
+            <a:avLst/>
+          </a:prstGeom>
+          <a:noFill/>
+        </p:spPr>
+        <p:txBody>
+          <a:bodyPr wrap="square">
+            <a:spAutoFit/>
+          </a:bodyPr>
+          <a:lstStyle/>
+          <a:p>
+            <a:pPr algn="ctr"/>
+            <a:r>
+              <a:rPr lang="en-US" altLang="ko-Kore-KR" dirty="0">
+                <a:latin typeface="DM Mono" panose="020B0509040201040103" pitchFamily="49" charset="0"/>
+              </a:rPr>
+              <a:t>AAA </a:t>
+            </a:r>
+            <a:r>
+              <a:rPr lang="en-US" altLang="ko-Kore-KR" dirty="0" err="1">
+                <a:latin typeface="DM Mono" panose="020B0509040201040103" pitchFamily="49" charset="0"/>
+              </a:rPr>
+              <a:t>aaa</a:t>
+            </a:r>
+            <a:endParaRPr lang="ko-Kore-KR" altLang="en-US" dirty="0"/>
+          </a:p>
+        </p:txBody>
+      </p:sp>
+      <p:sp>
+        <p:nvSpPr>
+          <p:cNvPr id="16" name="TextBox 15">
+            <a:extLst>
+              <a:ext uri="{FF2B5EF4-FFF2-40B4-BE49-F238E27FC236}">
+                <a16:creationId xmlns:a16="http://schemas.microsoft.com/office/drawing/2014/main" id="{E1012691-5E9C-40BD-EAE5-03C0EA31B4C1}"/>
+              </a:ext>
+            </a:extLst>
+          </p:cNvPr>
+          <p:cNvSpPr txBox="1"/>
+          <p:nvPr/>
+        </p:nvSpPr>
+        <p:spPr>
+          <a:xfrm>
+            <a:off x="579280" y="297285"/>
+            <a:ext cx="4981999" cy="5078313"/>
+          </a:xfrm>
+          <a:prstGeom prst="rect">
+            <a:avLst/>
+          </a:prstGeom>
+          <a:noFill/>
+        </p:spPr>
+        <p:txBody>
+          <a:bodyPr wrap="square">
+            <a:spAutoFit/>
+          </a:bodyPr>
+          <a:lstStyle/>
+          <a:p>
+            <a:r>
+              <a:rPr lang="en" altLang="ko-Kore-KR" dirty="0">
+                <a:latin typeface="DM Mono" panose="020B0509040201040103" pitchFamily="49" charset="0"/>
+              </a:rPr>
+              <a:t>class AAA {</a:t>
+            </a:r>
+          </a:p>
+          <a:p>
+            <a:r>
+              <a:rPr lang="en" altLang="ko-Kore-KR" dirty="0">
+                <a:latin typeface="DM Mono" panose="020B0509040201040103" pitchFamily="49" charset="0"/>
+              </a:rPr>
+              <a:t>public:</a:t>
+            </a:r>
+          </a:p>
+          <a:p>
+            <a:r>
+              <a:rPr lang="en" altLang="ko-Kore-KR" dirty="0">
+                <a:latin typeface="DM Mono" panose="020B0509040201040103" pitchFamily="49" charset="0"/>
+              </a:rPr>
+              <a:t>    virtual void foo() {} // 1</a:t>
+            </a:r>
+          </a:p>
+          <a:p>
+            <a:r>
+              <a:rPr lang="en" altLang="ko-Kore-KR" dirty="0">
+                <a:latin typeface="DM Mono" panose="020B0509040201040103" pitchFamily="49" charset="0"/>
+              </a:rPr>
+              <a:t>};</a:t>
+            </a:r>
+          </a:p>
+          <a:p>
+            <a:endParaRPr lang="en" altLang="ko-Kore-KR" dirty="0">
+              <a:latin typeface="DM Mono" panose="020B0509040201040103" pitchFamily="49" charset="0"/>
+            </a:endParaRPr>
+          </a:p>
+          <a:p>
+            <a:r>
+              <a:rPr lang="en" altLang="ko-Kore-KR" dirty="0">
+                <a:latin typeface="DM Mono" panose="020B0509040201040103" pitchFamily="49" charset="0"/>
+              </a:rPr>
+              <a:t>class BBB {</a:t>
+            </a:r>
+          </a:p>
+          <a:p>
+            <a:r>
+              <a:rPr lang="en" altLang="ko-Kore-KR" dirty="0">
+                <a:latin typeface="DM Mono" panose="020B0509040201040103" pitchFamily="49" charset="0"/>
+              </a:rPr>
+              <a:t>public:</a:t>
+            </a:r>
+          </a:p>
+          <a:p>
+            <a:r>
+              <a:rPr lang="en" altLang="ko-Kore-KR" dirty="0">
+                <a:latin typeface="DM Mono" panose="020B0509040201040103" pitchFamily="49" charset="0"/>
+              </a:rPr>
+              <a:t>    virtual void goo() {} // 2</a:t>
+            </a:r>
+          </a:p>
+          <a:p>
+            <a:r>
+              <a:rPr lang="en" altLang="ko-Kore-KR" dirty="0">
+                <a:latin typeface="DM Mono" panose="020B0509040201040103" pitchFamily="49" charset="0"/>
+              </a:rPr>
+              <a:t>};</a:t>
+            </a:r>
+          </a:p>
+          <a:p>
+            <a:endParaRPr lang="en" altLang="ko-Kore-KR" dirty="0">
+              <a:latin typeface="DM Mono" panose="020B0509040201040103" pitchFamily="49" charset="0"/>
+            </a:endParaRPr>
+          </a:p>
+          <a:p>
+            <a:r>
+              <a:rPr lang="en" altLang="ko-Kore-KR" dirty="0">
+                <a:latin typeface="DM Mono" panose="020B0509040201040103" pitchFamily="49" charset="0"/>
+              </a:rPr>
+              <a:t>int main()</a:t>
+            </a:r>
+          </a:p>
+          <a:p>
+            <a:r>
+              <a:rPr lang="en" altLang="ko-Kore-KR" dirty="0">
+                <a:latin typeface="DM Mono" panose="020B0509040201040103" pitchFamily="49" charset="0"/>
+              </a:rPr>
+              <a:t>{</a:t>
+            </a:r>
+          </a:p>
+          <a:p>
+            <a:r>
+              <a:rPr lang="en" altLang="ko-Kore-KR" dirty="0">
+                <a:latin typeface="DM Mono" panose="020B0509040201040103" pitchFamily="49" charset="0"/>
+              </a:rPr>
+              <a:t>    AAA </a:t>
+            </a:r>
+            <a:r>
+              <a:rPr lang="en" altLang="ko-Kore-KR" dirty="0" err="1">
+                <a:latin typeface="DM Mono" panose="020B0509040201040103" pitchFamily="49" charset="0"/>
+              </a:rPr>
+              <a:t>aaa</a:t>
+            </a:r>
+            <a:r>
+              <a:rPr lang="en" altLang="ko-Kore-KR" dirty="0">
+                <a:latin typeface="DM Mono" panose="020B0509040201040103" pitchFamily="49" charset="0"/>
+              </a:rPr>
+              <a:t>;</a:t>
+            </a:r>
+          </a:p>
+          <a:p>
+            <a:r>
+              <a:rPr lang="en" altLang="ko-Kore-KR" dirty="0">
+                <a:latin typeface="DM Mono" panose="020B0509040201040103" pitchFamily="49" charset="0"/>
+              </a:rPr>
+              <a:t>    BBB* p = </a:t>
+            </a:r>
+            <a:r>
+              <a:rPr lang="en" altLang="ko-Kore-KR" dirty="0" err="1">
+                <a:latin typeface="DM Mono" panose="020B0509040201040103" pitchFamily="49" charset="0"/>
+              </a:rPr>
+              <a:t>reinterpret_cast</a:t>
+            </a:r>
+            <a:r>
+              <a:rPr lang="en" altLang="ko-Kore-KR" dirty="0">
+                <a:latin typeface="DM Mono" panose="020B0509040201040103" pitchFamily="49" charset="0"/>
+              </a:rPr>
+              <a:t>&lt;BBB*&gt;(&amp;</a:t>
+            </a:r>
+            <a:r>
+              <a:rPr lang="en" altLang="ko-Kore-KR" dirty="0" err="1">
+                <a:latin typeface="DM Mono" panose="020B0509040201040103" pitchFamily="49" charset="0"/>
+              </a:rPr>
+              <a:t>aaa</a:t>
+            </a:r>
+            <a:r>
+              <a:rPr lang="en" altLang="ko-Kore-KR" dirty="0">
+                <a:latin typeface="DM Mono" panose="020B0509040201040103" pitchFamily="49" charset="0"/>
+              </a:rPr>
+              <a:t>);</a:t>
+            </a:r>
+          </a:p>
+          <a:p>
+            <a:endParaRPr lang="en" altLang="ko-Kore-KR" dirty="0">
+              <a:latin typeface="DM Mono" panose="020B0509040201040103" pitchFamily="49" charset="0"/>
+            </a:endParaRPr>
+          </a:p>
+          <a:p>
+            <a:r>
+              <a:rPr lang="en" altLang="ko-Kore-KR" dirty="0">
+                <a:latin typeface="DM Mono" panose="020B0509040201040103" pitchFamily="49" charset="0"/>
+              </a:rPr>
+              <a:t>    p-&gt;goo(); // (p-&gt;__</a:t>
+            </a:r>
+            <a:r>
+              <a:rPr lang="en" altLang="ko-Kore-KR" dirty="0" err="1">
+                <a:latin typeface="DM Mono" panose="020B0509040201040103" pitchFamily="49" charset="0"/>
+              </a:rPr>
+              <a:t>vftp</a:t>
+            </a:r>
+            <a:r>
+              <a:rPr lang="en" altLang="ko-Kore-KR" dirty="0">
+                <a:latin typeface="DM Mono" panose="020B0509040201040103" pitchFamily="49" charset="0"/>
+              </a:rPr>
+              <a:t>)[0](p)</a:t>
+            </a:r>
+          </a:p>
+          <a:p>
+            <a:r>
+              <a:rPr lang="en" altLang="ko-Kore-KR" dirty="0">
+                <a:latin typeface="DM Mono" panose="020B0509040201040103" pitchFamily="49" charset="0"/>
+              </a:rPr>
+              <a:t>}</a:t>
+            </a:r>
+            <a:endParaRPr lang="ko-Kore-KR" altLang="en-US" dirty="0">
+              <a:latin typeface="DM Mono" panose="020B0509040201040103" pitchFamily="49" charset="0"/>
+            </a:endParaRPr>
+          </a:p>
+        </p:txBody>
+      </p:sp>
+      <p:sp>
+        <p:nvSpPr>
+          <p:cNvPr id="19" name="TextBox 18">
+            <a:extLst>
+              <a:ext uri="{FF2B5EF4-FFF2-40B4-BE49-F238E27FC236}">
+                <a16:creationId xmlns:a16="http://schemas.microsoft.com/office/drawing/2014/main" id="{4405CC06-AE7A-68D4-713A-DD64E3DCBDF4}"/>
+              </a:ext>
+            </a:extLst>
+          </p:cNvPr>
+          <p:cNvSpPr txBox="1"/>
+          <p:nvPr/>
+        </p:nvSpPr>
+        <p:spPr>
+          <a:xfrm>
+            <a:off x="6367856" y="3786452"/>
+            <a:ext cx="1445353" cy="369332"/>
+          </a:xfrm>
+          <a:prstGeom prst="rect">
+            <a:avLst/>
+          </a:prstGeom>
+          <a:noFill/>
+        </p:spPr>
+        <p:txBody>
+          <a:bodyPr wrap="square">
+            <a:spAutoFit/>
+          </a:bodyPr>
+          <a:lstStyle/>
+          <a:p>
+            <a:pPr algn="ctr"/>
+            <a:r>
+              <a:rPr lang="en-US" altLang="ko-Kore-KR" dirty="0">
+                <a:latin typeface="DM Mono" panose="020B0509040201040103" pitchFamily="49" charset="0"/>
+              </a:rPr>
+              <a:t>BBB b</a:t>
+            </a:r>
+            <a:endParaRPr lang="ko-Kore-KR" altLang="en-US" dirty="0"/>
+          </a:p>
+        </p:txBody>
+      </p:sp>
+      <p:sp>
+        <p:nvSpPr>
+          <p:cNvPr id="4" name="직사각형 3">
+            <a:extLst>
+              <a:ext uri="{FF2B5EF4-FFF2-40B4-BE49-F238E27FC236}">
+                <a16:creationId xmlns:a16="http://schemas.microsoft.com/office/drawing/2014/main" id="{C71B223F-A5BD-3780-C63C-111710529890}"/>
+              </a:ext>
+            </a:extLst>
+          </p:cNvPr>
+          <p:cNvSpPr/>
+          <p:nvPr/>
+        </p:nvSpPr>
+        <p:spPr>
+          <a:xfrm>
+            <a:off x="6580782" y="4220591"/>
+            <a:ext cx="1019503" cy="451945"/>
+          </a:xfrm>
+          <a:prstGeom prst="rect">
+            <a:avLst/>
+          </a:prstGeom>
+          <a:solidFill>
+            <a:srgbClr val="92D050"/>
+          </a:solidFill>
+        </p:spPr>
+        <p:style>
+          <a:lnRef idx="2">
+            <a:schemeClr val="accent1">
+              <a:shade val="50000"/>
+            </a:schemeClr>
+          </a:lnRef>
+          <a:fillRef idx="1">
+            <a:schemeClr val="accent1"/>
+          </a:fillRef>
+          <a:effectRef idx="0">
+            <a:schemeClr val="accent1"/>
+          </a:effectRef>
+          <a:fontRef idx="minor">
+            <a:schemeClr val="lt1"/>
+          </a:fontRef>
+        </p:style>
+        <p:txBody>
+          <a:bodyPr rtlCol="0" anchor="ctr"/>
+          <a:lstStyle/>
+          <a:p>
+            <a:pPr algn="ctr"/>
+            <a:endParaRPr kumimoji="1" lang="ko-Kore-KR" altLang="en-US" dirty="0">
+              <a:solidFill>
+                <a:schemeClr val="tx1"/>
+              </a:solidFill>
+              <a:latin typeface="DM Mono" panose="020B0509040201040103" pitchFamily="49" charset="0"/>
+            </a:endParaRPr>
+          </a:p>
+        </p:txBody>
+      </p:sp>
+      <p:sp>
+        <p:nvSpPr>
+          <p:cNvPr id="5" name="TextBox 4">
+            <a:extLst>
+              <a:ext uri="{FF2B5EF4-FFF2-40B4-BE49-F238E27FC236}">
+                <a16:creationId xmlns:a16="http://schemas.microsoft.com/office/drawing/2014/main" id="{9A69B426-D23A-826F-C514-644900B3C8C9}"/>
+              </a:ext>
+            </a:extLst>
+          </p:cNvPr>
+          <p:cNvSpPr txBox="1"/>
+          <p:nvPr/>
+        </p:nvSpPr>
+        <p:spPr>
+          <a:xfrm>
+            <a:off x="5424355" y="4261897"/>
+            <a:ext cx="1156427" cy="369332"/>
+          </a:xfrm>
+          <a:prstGeom prst="rect">
+            <a:avLst/>
+          </a:prstGeom>
+          <a:noFill/>
+        </p:spPr>
+        <p:txBody>
+          <a:bodyPr wrap="square">
+            <a:spAutoFit/>
+          </a:bodyPr>
+          <a:lstStyle/>
+          <a:p>
+            <a:pPr algn="r"/>
+            <a:r>
+              <a:rPr lang="en-US" altLang="ko-Kore-KR" dirty="0">
+                <a:latin typeface="DM Mono" panose="020B0509040201040103" pitchFamily="49" charset="0"/>
+              </a:rPr>
+              <a:t>__</a:t>
+            </a:r>
+            <a:r>
+              <a:rPr lang="en-US" altLang="ko-Kore-KR" dirty="0" err="1">
+                <a:latin typeface="DM Mono" panose="020B0509040201040103" pitchFamily="49" charset="0"/>
+              </a:rPr>
+              <a:t>vftp</a:t>
+            </a:r>
+            <a:endParaRPr lang="ko-Kore-KR" altLang="en-US" dirty="0"/>
+          </a:p>
+        </p:txBody>
+      </p:sp>
+      <p:sp>
+        <p:nvSpPr>
+          <p:cNvPr id="7" name="직사각형 6">
+            <a:extLst>
+              <a:ext uri="{FF2B5EF4-FFF2-40B4-BE49-F238E27FC236}">
+                <a16:creationId xmlns:a16="http://schemas.microsoft.com/office/drawing/2014/main" id="{A5D30574-9B04-F47A-EBF1-9BC27D6829AA}"/>
+              </a:ext>
+            </a:extLst>
+          </p:cNvPr>
+          <p:cNvSpPr/>
+          <p:nvPr/>
+        </p:nvSpPr>
+        <p:spPr>
+          <a:xfrm>
+            <a:off x="9543935" y="840351"/>
+            <a:ext cx="1937823" cy="451945"/>
+          </a:xfrm>
+          <a:prstGeom prst="rect">
+            <a:avLst/>
+          </a:prstGeom>
+          <a:solidFill>
+            <a:srgbClr val="FFFF00"/>
+          </a:solidFill>
+        </p:spPr>
+        <p:style>
+          <a:lnRef idx="2">
+            <a:schemeClr val="accent1">
+              <a:shade val="50000"/>
+            </a:schemeClr>
+          </a:lnRef>
+          <a:fillRef idx="1">
+            <a:schemeClr val="accent1"/>
+          </a:fillRef>
+          <a:effectRef idx="0">
+            <a:schemeClr val="accent1"/>
+          </a:effectRef>
+          <a:fontRef idx="minor">
+            <a:schemeClr val="lt1"/>
+          </a:fontRef>
+        </p:style>
+        <p:txBody>
+          <a:bodyPr rtlCol="0" anchor="ctr"/>
+          <a:lstStyle/>
+          <a:p>
+            <a:pPr algn="ctr"/>
+            <a:r>
+              <a:rPr kumimoji="1" lang="en-US" altLang="ko-Kore-KR" sz="1600" dirty="0">
+                <a:solidFill>
+                  <a:srgbClr val="FF0000"/>
+                </a:solidFill>
+                <a:latin typeface="DM Mono" panose="020B0509040201040103" pitchFamily="49" charset="0"/>
+              </a:rPr>
+              <a:t>AAA::foo</a:t>
+            </a:r>
+            <a:endParaRPr kumimoji="1" lang="ko-Kore-KR" altLang="en-US" sz="1600" dirty="0">
+              <a:solidFill>
+                <a:srgbClr val="FF0000"/>
+              </a:solidFill>
+              <a:latin typeface="DM Mono" panose="020B0509040201040103" pitchFamily="49" charset="0"/>
+            </a:endParaRPr>
+          </a:p>
+        </p:txBody>
+      </p:sp>
+      <p:sp>
+        <p:nvSpPr>
+          <p:cNvPr id="8" name="TextBox 7">
+            <a:extLst>
+              <a:ext uri="{FF2B5EF4-FFF2-40B4-BE49-F238E27FC236}">
+                <a16:creationId xmlns:a16="http://schemas.microsoft.com/office/drawing/2014/main" id="{95DD0609-B294-1EF3-85A5-F8E8FD251B51}"/>
+              </a:ext>
+            </a:extLst>
+          </p:cNvPr>
+          <p:cNvSpPr txBox="1"/>
+          <p:nvPr/>
+        </p:nvSpPr>
+        <p:spPr>
+          <a:xfrm>
+            <a:off x="8387508" y="881657"/>
+            <a:ext cx="1156427" cy="369332"/>
+          </a:xfrm>
+          <a:prstGeom prst="rect">
+            <a:avLst/>
+          </a:prstGeom>
+          <a:noFill/>
+        </p:spPr>
+        <p:txBody>
+          <a:bodyPr wrap="square">
+            <a:spAutoFit/>
+          </a:bodyPr>
+          <a:lstStyle/>
+          <a:p>
+            <a:pPr algn="r"/>
+            <a:r>
+              <a:rPr lang="en-US" altLang="ko-Kore-KR" dirty="0">
+                <a:latin typeface="DM Mono" panose="020B0509040201040103" pitchFamily="49" charset="0"/>
+              </a:rPr>
+              <a:t>0</a:t>
+            </a:r>
+            <a:endParaRPr lang="ko-Kore-KR" altLang="en-US" dirty="0"/>
+          </a:p>
+        </p:txBody>
+      </p:sp>
+      <p:sp>
+        <p:nvSpPr>
+          <p:cNvPr id="14" name="TextBox 13">
+            <a:extLst>
+              <a:ext uri="{FF2B5EF4-FFF2-40B4-BE49-F238E27FC236}">
+                <a16:creationId xmlns:a16="http://schemas.microsoft.com/office/drawing/2014/main" id="{B9F58CB8-CF89-0432-8450-59F2F228C2A0}"/>
+              </a:ext>
+            </a:extLst>
+          </p:cNvPr>
+          <p:cNvSpPr txBox="1"/>
+          <p:nvPr/>
+        </p:nvSpPr>
+        <p:spPr>
+          <a:xfrm>
+            <a:off x="9790169" y="471019"/>
+            <a:ext cx="1445353" cy="369332"/>
+          </a:xfrm>
+          <a:prstGeom prst="rect">
+            <a:avLst/>
+          </a:prstGeom>
+          <a:noFill/>
+        </p:spPr>
+        <p:txBody>
+          <a:bodyPr wrap="square">
+            <a:spAutoFit/>
+          </a:bodyPr>
+          <a:lstStyle/>
+          <a:p>
+            <a:pPr algn="ctr"/>
+            <a:r>
+              <a:rPr lang="en-US" altLang="ko-Kore-KR" dirty="0">
+                <a:latin typeface="DM Mono" panose="020B0509040201040103" pitchFamily="49" charset="0"/>
+              </a:rPr>
+              <a:t>AAA VT</a:t>
+            </a:r>
+            <a:endParaRPr lang="ko-Kore-KR" altLang="en-US" dirty="0"/>
+          </a:p>
+        </p:txBody>
+      </p:sp>
+      <p:cxnSp>
+        <p:nvCxnSpPr>
+          <p:cNvPr id="22" name="구부러진 연결선[U] 21">
+            <a:extLst>
+              <a:ext uri="{FF2B5EF4-FFF2-40B4-BE49-F238E27FC236}">
+                <a16:creationId xmlns:a16="http://schemas.microsoft.com/office/drawing/2014/main" id="{ED894A7B-2A68-B36D-A714-FE56C496CF1A}"/>
+              </a:ext>
+            </a:extLst>
+          </p:cNvPr>
+          <p:cNvCxnSpPr>
+            <a:endCxn id="14" idx="1"/>
+          </p:cNvCxnSpPr>
+          <p:nvPr/>
+        </p:nvCxnSpPr>
+        <p:spPr>
+          <a:xfrm flipV="1">
+            <a:off x="7435970" y="655685"/>
+            <a:ext cx="2354199" cy="759317"/>
+          </a:xfrm>
+          <a:prstGeom prst="curvedConnector3">
+            <a:avLst/>
+          </a:prstGeom>
+          <a:ln>
+            <a:tailEnd type="triangle"/>
+          </a:ln>
+        </p:spPr>
+        <p:style>
+          <a:lnRef idx="3">
+            <a:schemeClr val="accent2"/>
+          </a:lnRef>
+          <a:fillRef idx="0">
+            <a:schemeClr val="accent2"/>
+          </a:fillRef>
+          <a:effectRef idx="2">
+            <a:schemeClr val="accent2"/>
+          </a:effectRef>
+          <a:fontRef idx="minor">
+            <a:schemeClr val="tx1"/>
+          </a:fontRef>
+        </p:style>
+      </p:cxnSp>
+      <p:sp>
+        <p:nvSpPr>
+          <p:cNvPr id="23" name="직사각형 22">
+            <a:extLst>
+              <a:ext uri="{FF2B5EF4-FFF2-40B4-BE49-F238E27FC236}">
+                <a16:creationId xmlns:a16="http://schemas.microsoft.com/office/drawing/2014/main" id="{C2A3FC68-4BD9-FAEA-34A6-D88A6C06CB36}"/>
+              </a:ext>
+            </a:extLst>
+          </p:cNvPr>
+          <p:cNvSpPr/>
+          <p:nvPr/>
+        </p:nvSpPr>
+        <p:spPr>
+          <a:xfrm>
+            <a:off x="9543935" y="4284529"/>
+            <a:ext cx="1937823" cy="451945"/>
+          </a:xfrm>
+          <a:prstGeom prst="rect">
+            <a:avLst/>
+          </a:prstGeom>
+          <a:solidFill>
+            <a:srgbClr val="FFFF00"/>
+          </a:solidFill>
+        </p:spPr>
+        <p:style>
+          <a:lnRef idx="2">
+            <a:schemeClr val="accent1">
+              <a:shade val="50000"/>
+            </a:schemeClr>
+          </a:lnRef>
+          <a:fillRef idx="1">
+            <a:schemeClr val="accent1"/>
+          </a:fillRef>
+          <a:effectRef idx="0">
+            <a:schemeClr val="accent1"/>
+          </a:effectRef>
+          <a:fontRef idx="minor">
+            <a:schemeClr val="lt1"/>
+          </a:fontRef>
+        </p:style>
+        <p:txBody>
+          <a:bodyPr rtlCol="0" anchor="ctr"/>
+          <a:lstStyle/>
+          <a:p>
+            <a:pPr algn="ctr"/>
+            <a:r>
+              <a:rPr kumimoji="1" lang="en-US" altLang="ko-Kore-KR" sz="1600" dirty="0">
+                <a:solidFill>
+                  <a:schemeClr val="tx1"/>
+                </a:solidFill>
+                <a:latin typeface="DM Mono" panose="020B0509040201040103" pitchFamily="49" charset="0"/>
+              </a:rPr>
+              <a:t>BBB::goo</a:t>
+            </a:r>
+            <a:endParaRPr kumimoji="1" lang="ko-Kore-KR" altLang="en-US" sz="1600" dirty="0">
+              <a:solidFill>
+                <a:schemeClr val="tx1"/>
+              </a:solidFill>
+              <a:latin typeface="DM Mono" panose="020B0509040201040103" pitchFamily="49" charset="0"/>
+            </a:endParaRPr>
+          </a:p>
+        </p:txBody>
+      </p:sp>
+      <p:sp>
+        <p:nvSpPr>
+          <p:cNvPr id="26" name="TextBox 25">
+            <a:extLst>
+              <a:ext uri="{FF2B5EF4-FFF2-40B4-BE49-F238E27FC236}">
+                <a16:creationId xmlns:a16="http://schemas.microsoft.com/office/drawing/2014/main" id="{7E7571D9-6981-EF60-1012-BBC27E02AD65}"/>
+              </a:ext>
+            </a:extLst>
+          </p:cNvPr>
+          <p:cNvSpPr txBox="1"/>
+          <p:nvPr/>
+        </p:nvSpPr>
+        <p:spPr>
+          <a:xfrm>
+            <a:off x="8387508" y="4325835"/>
+            <a:ext cx="1156427" cy="369332"/>
+          </a:xfrm>
+          <a:prstGeom prst="rect">
+            <a:avLst/>
+          </a:prstGeom>
+          <a:noFill/>
+        </p:spPr>
+        <p:txBody>
+          <a:bodyPr wrap="square">
+            <a:spAutoFit/>
+          </a:bodyPr>
+          <a:lstStyle/>
+          <a:p>
+            <a:pPr algn="r"/>
+            <a:r>
+              <a:rPr lang="en-US" altLang="ko-Kore-KR" dirty="0">
+                <a:latin typeface="DM Mono" panose="020B0509040201040103" pitchFamily="49" charset="0"/>
+              </a:rPr>
+              <a:t>0</a:t>
+            </a:r>
+            <a:endParaRPr lang="ko-Kore-KR" altLang="en-US" dirty="0"/>
+          </a:p>
+        </p:txBody>
+      </p:sp>
+      <p:sp>
+        <p:nvSpPr>
+          <p:cNvPr id="27" name="TextBox 26">
+            <a:extLst>
+              <a:ext uri="{FF2B5EF4-FFF2-40B4-BE49-F238E27FC236}">
+                <a16:creationId xmlns:a16="http://schemas.microsoft.com/office/drawing/2014/main" id="{BCB70C61-4537-DFC6-DB73-57C83A8B8A15}"/>
+              </a:ext>
+            </a:extLst>
+          </p:cNvPr>
+          <p:cNvSpPr txBox="1"/>
+          <p:nvPr/>
+        </p:nvSpPr>
+        <p:spPr>
+          <a:xfrm>
+            <a:off x="9790169" y="3915197"/>
+            <a:ext cx="1445353" cy="369332"/>
+          </a:xfrm>
+          <a:prstGeom prst="rect">
+            <a:avLst/>
+          </a:prstGeom>
+          <a:noFill/>
+        </p:spPr>
+        <p:txBody>
+          <a:bodyPr wrap="square">
+            <a:spAutoFit/>
+          </a:bodyPr>
+          <a:lstStyle/>
+          <a:p>
+            <a:pPr algn="ctr"/>
+            <a:r>
+              <a:rPr lang="en-US" altLang="ko-Kore-KR" dirty="0">
+                <a:latin typeface="DM Mono" panose="020B0509040201040103" pitchFamily="49" charset="0"/>
+              </a:rPr>
+              <a:t>BBB VT</a:t>
+            </a:r>
+            <a:endParaRPr lang="ko-Kore-KR" altLang="en-US" dirty="0"/>
+          </a:p>
+        </p:txBody>
+      </p:sp>
+      <p:cxnSp>
+        <p:nvCxnSpPr>
+          <p:cNvPr id="28" name="구부러진 연결선[U] 27">
+            <a:extLst>
+              <a:ext uri="{FF2B5EF4-FFF2-40B4-BE49-F238E27FC236}">
+                <a16:creationId xmlns:a16="http://schemas.microsoft.com/office/drawing/2014/main" id="{B062A737-4E5C-FAC5-E171-7B9F61DA903B}"/>
+              </a:ext>
+            </a:extLst>
+          </p:cNvPr>
+          <p:cNvCxnSpPr>
+            <a:cxnSpLocks/>
+            <a:endCxn id="27" idx="1"/>
+          </p:cNvCxnSpPr>
+          <p:nvPr/>
+        </p:nvCxnSpPr>
+        <p:spPr>
+          <a:xfrm flipV="1">
+            <a:off x="7342538" y="4099863"/>
+            <a:ext cx="2447631" cy="340189"/>
+          </a:xfrm>
+          <a:prstGeom prst="curvedConnector3">
+            <a:avLst/>
+          </a:prstGeom>
+          <a:ln>
+            <a:tailEnd type="triangle"/>
+          </a:ln>
+        </p:spPr>
+        <p:style>
+          <a:lnRef idx="1">
+            <a:schemeClr val="dk1"/>
+          </a:lnRef>
+          <a:fillRef idx="0">
+            <a:schemeClr val="dk1"/>
+          </a:fillRef>
+          <a:effectRef idx="0">
+            <a:schemeClr val="dk1"/>
+          </a:effectRef>
+          <a:fontRef idx="minor">
+            <a:schemeClr val="tx1"/>
+          </a:fontRef>
+        </p:style>
+      </p:cxnSp>
+    </p:spTree>
+    <p:extLst>
+      <p:ext uri="{BB962C8B-B14F-4D97-AF65-F5344CB8AC3E}">
+        <p14:creationId xmlns:p14="http://schemas.microsoft.com/office/powerpoint/2010/main" val="4097703282"/>
       </p:ext>
     </p:extLst>
   </p:cSld>
